--- a/targeting.pptx
+++ b/targeting.pptx
@@ -6,6 +6,7 @@
   </p:sldMasterIdLst>
   <p:sldIdLst>
     <p:sldId id="256" r:id="rId2"/>
+    <p:sldId id="257" r:id="rId3"/>
   </p:sldIdLst>
   <p:sldSz cx="9144000" cy="5143500" type="screen16x9"/>
   <p:notesSz cx="6858000" cy="9144000"/>
@@ -3172,6 +3173,1177 @@
           </a:p>
         </p:txBody>
       </p:sp>
+    </p:spTree>
+  </p:cSld>
+</p:sld>
+</file>
+
+<file path=ppt/slides/slide2.xml><?xml version="1.0" encoding="utf-8"?>
+<p:sld xmlns:a="http://schemas.openxmlformats.org/drawingml/2006/main" xmlns:r="http://schemas.openxmlformats.org/officeDocument/2006/relationships" xmlns:p="http://schemas.openxmlformats.org/presentationml/2006/main">
+  <p:cSld>
+    <p:spTree>
+      <p:nvGrpSpPr>
+        <p:cNvPr id="1" name=""/>
+        <p:cNvGrpSpPr/>
+        <p:nvPr/>
+      </p:nvGrpSpPr>
+      <p:grpSpPr>
+        <a:xfrm>
+          <a:off x="0" y="0"/>
+          <a:ext cx="0" cy="0"/>
+          <a:chOff x="0" y="0"/>
+          <a:chExt cx="0" cy="0"/>
+        </a:xfrm>
+      </p:grpSpPr>
+      <p:sp>
+        <p:nvSpPr>
+          <p:cNvPr id="2" name="Title 1"/>
+          <p:cNvSpPr>
+            <a:spLocks noGrp="1"/>
+          </p:cNvSpPr>
+          <p:nvPr>
+            <p:ph type="title"/>
+          </p:nvPr>
+        </p:nvSpPr>
+        <p:spPr/>
+        <p:txBody>
+          <a:bodyPr/>
+          <a:lstStyle/>
+          <a:p>
+            <a:pPr lvl="0" indent="0" marL="0">
+              <a:buNone/>
+            </a:pPr>
+            <a:r>
+              <a:rPr/>
+              <a:t>一律介入と最適ターゲティングの効果</a:t>
+            </a:r>
+          </a:p>
+        </p:txBody>
+      </p:sp>
+      <p:sp>
+        <p:nvSpPr>
+          <p:cNvPr id="3" name="Content Placeholder 2"/>
+          <p:cNvSpPr>
+            <a:spLocks noGrp="1"/>
+          </p:cNvSpPr>
+          <p:nvPr>
+            <p:ph idx="1"/>
+          </p:nvPr>
+        </p:nvSpPr>
+        <p:spPr/>
+        <p:txBody>
+          <a:bodyPr/>
+          <a:lstStyle/>
+          <a:p>
+            <a:pPr lvl="0" indent="0" marL="0">
+              <a:buNone/>
+            </a:pPr>
+            <a:r>
+              <a:rPr/>
+              <a:t>アウトカム：返信時に提供意向を示したかどうか</a:t>
+            </a:r>
+          </a:p>
+        </p:txBody>
+      </p:sp>
+      <p:graphicFrame xmlns:a="http://schemas.openxmlformats.org/drawingml/2006/main" xmlns:r="http://schemas.openxmlformats.org/officeDocument/2006/relationships" xmlns:p="http://schemas.openxmlformats.org/presentationml/2006/main">
+        <p:nvGraphicFramePr>
+          <p:cNvPr id="322076925" name=""/>
+          <p:cNvGraphicFramePr>
+            <a:graphicFrameLocks noGrp="true"/>
+          </p:cNvGraphicFramePr>
+          <p:nvPr/>
+        </p:nvGraphicFramePr>
+        <p:xfrm rot="0">
+          <a:off x="914400" y="1828800"/>
+          <a:ext cx="9144000" cy="5486400"/>
+        </p:xfrm>
+        <a:graphic>
+          <a:graphicData uri="http://schemas.openxmlformats.org/drawingml/2006/table">
+            <a:tbl>
+              <a:tblPr/>
+              <a:tblGrid>
+                <a:gridCol w="1828800"/>
+                <a:gridCol w="914400"/>
+                <a:gridCol w="914400"/>
+              </a:tblGrid>
+              <a:tr h="228600">
+                <a:tc>
+                  <a:txBody>
+                    <a:bodyPr/>
+                    <a:lstStyle/>
+                    <a:p>
+                      <a:pPr algn="l" marL="63500" marR="63500">
+                        <a:lnSpc>
+                          <a:spcPct val="100000"/>
+                        </a:lnSpc>
+                        <a:spcBef>
+                          <a:spcPts val="500"/>
+                        </a:spcBef>
+                        <a:spcAft>
+                          <a:spcPts val="500"/>
+                        </a:spcAft>
+                        <a:buNone/>
+                      </a:pPr>
+                      <a:r>
+                        <a:rPr cap="none" sz="1100" i="0" b="0" u="none">
+                          <a:solidFill>
+                            <a:srgbClr val="000000">
+                              <a:alpha val="100000"/>
+                            </a:srgbClr>
+                          </a:solidFill>
+                          <a:latin typeface="Arial"/>
+                          <a:cs typeface="Arial"/>
+                          <a:ea typeface="Arial"/>
+                          <a:sym typeface="Arial"/>
+                        </a:rPr>
+                        <a:t/>
+                      </a:r>
+                    </a:p>
+                  </a:txBody>
+                  <a:tcPr anchor="ctr" marB="63500" marT="63500" marR="0" marL="0">
+                    <a:lnL algn="ctr" cmpd="sng" cap="flat" w="0">
+                      <a:noFill/>
+                      <a:prstDash val="solid"/>
+                    </a:lnL>
+                    <a:lnR algn="ctr" cmpd="sng" cap="flat" w="0">
+                      <a:noFill/>
+                      <a:prstDash val="solid"/>
+                    </a:lnR>
+                    <a:lnT algn="ctr" cmpd="sng" cap="flat" w="12700">
+                      <a:solidFill>
+                        <a:srgbClr val="000000">
+                          <a:alpha val="100000"/>
+                        </a:srgbClr>
+                      </a:solidFill>
+                      <a:prstDash val="solid"/>
+                    </a:lnT>
+                    <a:lnB algn="ctr" cmpd="sng" cap="flat" w="0">
+                      <a:noFill/>
+                      <a:prstDash val="solid"/>
+                    </a:lnB>
+                    <a:solidFill>
+                      <a:srgbClr val="FFFFFF">
+                        <a:alpha val="0"/>
+                      </a:srgbClr>
+                    </a:solidFill>
+                  </a:tcPr>
+                </a:tc>
+                <a:tc gridSpan="2">
+                  <a:txBody>
+                    <a:bodyPr/>
+                    <a:lstStyle/>
+                    <a:p>
+                      <a:pPr algn="ctr" marL="63500" marR="63500">
+                        <a:lnSpc>
+                          <a:spcPct val="100000"/>
+                        </a:lnSpc>
+                        <a:spcBef>
+                          <a:spcPts val="500"/>
+                        </a:spcBef>
+                        <a:spcAft>
+                          <a:spcPts val="500"/>
+                        </a:spcAft>
+                        <a:buNone/>
+                      </a:pPr>
+                      <a:r>
+                        <a:rPr cap="none" sz="1100" i="0" b="0" u="none">
+                          <a:solidFill>
+                            <a:srgbClr val="000000">
+                              <a:alpha val="100000"/>
+                            </a:srgbClr>
+                          </a:solidFill>
+                          <a:latin typeface="Arial"/>
+                          <a:cs typeface="Arial"/>
+                          <a:ea typeface="Arial"/>
+                          <a:sym typeface="Arial"/>
+                        </a:rPr>
+                        <a:t>Predicted treatment effect</a:t>
+                      </a:r>
+                    </a:p>
+                  </a:txBody>
+                  <a:tcPr anchor="ctr" marB="63500" marT="63500" marR="0" marL="0">
+                    <a:lnL algn="ctr" cmpd="sng" cap="flat" w="0">
+                      <a:noFill/>
+                      <a:prstDash val="solid"/>
+                    </a:lnL>
+                    <a:lnR algn="ctr" cmpd="sng" cap="flat" w="0">
+                      <a:noFill/>
+                      <a:prstDash val="solid"/>
+                    </a:lnR>
+                    <a:lnT algn="ctr" cmpd="sng" cap="flat" w="12700">
+                      <a:solidFill>
+                        <a:srgbClr val="000000">
+                          <a:alpha val="100000"/>
+                        </a:srgbClr>
+                      </a:solidFill>
+                      <a:prstDash val="solid"/>
+                    </a:lnT>
+                    <a:lnB algn="ctr" cmpd="sng" cap="flat" w="0">
+                      <a:noFill/>
+                      <a:prstDash val="solid"/>
+                    </a:lnB>
+                    <a:solidFill>
+                      <a:srgbClr val="FFFFFF">
+                        <a:alpha val="0"/>
+                      </a:srgbClr>
+                    </a:solidFill>
+                  </a:tcPr>
+                </a:tc>
+                <a:tc hMerge="true">
+                  <a:txBody>
+                    <a:bodyPr/>
+                    <a:lstStyle/>
+                    <a:p>
+                      <a:pPr algn="ctr" marL="63500" marR="63500">
+                        <a:lnSpc>
+                          <a:spcPct val="100000"/>
+                        </a:lnSpc>
+                        <a:spcBef>
+                          <a:spcPts val="500"/>
+                        </a:spcBef>
+                        <a:spcAft>
+                          <a:spcPts val="500"/>
+                        </a:spcAft>
+                        <a:buNone/>
+                      </a:pPr>
+                      <a:r>
+                        <a:rPr cap="none" sz="1100" i="0" b="0" u="none">
+                          <a:solidFill>
+                            <a:srgbClr val="000000">
+                              <a:alpha val="100000"/>
+                            </a:srgbClr>
+                          </a:solidFill>
+                          <a:latin typeface="Arial"/>
+                          <a:cs typeface="Arial"/>
+                          <a:ea typeface="Arial"/>
+                          <a:sym typeface="Arial"/>
+                        </a:rPr>
+                        <a:t>Predicted treatment effect</a:t>
+                      </a:r>
+                    </a:p>
+                  </a:txBody>
+                  <a:tcPr anchor="ctr" marB="63500" marT="63500" marR="0" marL="0">
+                    <a:lnL algn="ctr" cmpd="sng" cap="flat" w="0">
+                      <a:noFill/>
+                      <a:prstDash val="solid"/>
+                    </a:lnL>
+                    <a:lnR algn="ctr" cmpd="sng" cap="flat" w="0">
+                      <a:noFill/>
+                      <a:prstDash val="solid"/>
+                    </a:lnR>
+                    <a:lnT algn="ctr" cmpd="sng" cap="flat" w="12700">
+                      <a:solidFill>
+                        <a:srgbClr val="000000">
+                          <a:alpha val="100000"/>
+                        </a:srgbClr>
+                      </a:solidFill>
+                      <a:prstDash val="solid"/>
+                    </a:lnT>
+                    <a:lnB algn="ctr" cmpd="sng" cap="flat" w="0">
+                      <a:noFill/>
+                      <a:prstDash val="solid"/>
+                    </a:lnB>
+                    <a:solidFill>
+                      <a:srgbClr val="FFFFFF">
+                        <a:alpha val="0"/>
+                      </a:srgbClr>
+                    </a:solidFill>
+                  </a:tcPr>
+                </a:tc>
+              </a:tr>
+              <a:tr h="228600">
+                <a:tc>
+                  <a:txBody>
+                    <a:bodyPr/>
+                    <a:lstStyle/>
+                    <a:p>
+                      <a:pPr algn="l" marL="63500" marR="63500">
+                        <a:lnSpc>
+                          <a:spcPct val="100000"/>
+                        </a:lnSpc>
+                        <a:spcBef>
+                          <a:spcPts val="500"/>
+                        </a:spcBef>
+                        <a:spcAft>
+                          <a:spcPts val="500"/>
+                        </a:spcAft>
+                        <a:buNone/>
+                      </a:pPr>
+                      <a:r>
+                        <a:rPr cap="none" sz="1100" i="0" b="0" u="none">
+                          <a:solidFill>
+                            <a:srgbClr val="000000">
+                              <a:alpha val="100000"/>
+                            </a:srgbClr>
+                          </a:solidFill>
+                          <a:latin typeface="Arial"/>
+                          <a:cs typeface="Arial"/>
+                          <a:ea typeface="Arial"/>
+                          <a:sym typeface="Arial"/>
+                        </a:rPr>
+                        <a:t> </a:t>
+                      </a:r>
+                    </a:p>
+                  </a:txBody>
+                  <a:tcPr anchor="ctr" marB="63500" marT="63500" marR="0" marL="0">
+                    <a:lnL algn="ctr" cmpd="sng" cap="flat" w="0">
+                      <a:noFill/>
+                      <a:prstDash val="solid"/>
+                    </a:lnL>
+                    <a:lnR algn="ctr" cmpd="sng" cap="flat" w="0">
+                      <a:noFill/>
+                      <a:prstDash val="solid"/>
+                    </a:lnR>
+                    <a:lnT algn="ctr" cmpd="sng" cap="flat" w="0">
+                      <a:noFill/>
+                      <a:prstDash val="solid"/>
+                    </a:lnT>
+                    <a:lnB algn="ctr" cmpd="sng" cap="flat" w="12700">
+                      <a:solidFill>
+                        <a:srgbClr val="000000">
+                          <a:alpha val="100000"/>
+                        </a:srgbClr>
+                      </a:solidFill>
+                      <a:prstDash val="solid"/>
+                    </a:lnB>
+                    <a:solidFill>
+                      <a:srgbClr val="FFFFFF">
+                        <a:alpha val="0"/>
+                      </a:srgbClr>
+                    </a:solidFill>
+                  </a:tcPr>
+                </a:tc>
+                <a:tc>
+                  <a:txBody>
+                    <a:bodyPr/>
+                    <a:lstStyle/>
+                    <a:p>
+                      <a:pPr algn="ctr" marL="63500" marR="63500">
+                        <a:lnSpc>
+                          <a:spcPct val="100000"/>
+                        </a:lnSpc>
+                        <a:spcBef>
+                          <a:spcPts val="500"/>
+                        </a:spcBef>
+                        <a:spcAft>
+                          <a:spcPts val="500"/>
+                        </a:spcAft>
+                        <a:buNone/>
+                      </a:pPr>
+                      <a:r>
+                        <a:rPr cap="none" sz="1100" i="0" b="0" u="none">
+                          <a:solidFill>
+                            <a:srgbClr val="000000">
+                              <a:alpha val="100000"/>
+                            </a:srgbClr>
+                          </a:solidFill>
+                          <a:latin typeface="Arial"/>
+                          <a:cs typeface="Arial"/>
+                          <a:ea typeface="Arial"/>
+                          <a:sym typeface="Arial"/>
+                        </a:rPr>
+                        <a:t>Mean</a:t>
+                      </a:r>
+                    </a:p>
+                  </a:txBody>
+                  <a:tcPr anchor="ctr" marB="63500" marT="63500" marR="0" marL="0">
+                    <a:lnL algn="ctr" cmpd="sng" cap="flat" w="0">
+                      <a:noFill/>
+                      <a:prstDash val="solid"/>
+                    </a:lnL>
+                    <a:lnR algn="ctr" cmpd="sng" cap="flat" w="0">
+                      <a:noFill/>
+                      <a:prstDash val="solid"/>
+                    </a:lnR>
+                    <a:lnT algn="ctr" cmpd="sng" cap="flat" w="0">
+                      <a:noFill/>
+                      <a:prstDash val="solid"/>
+                    </a:lnT>
+                    <a:lnB algn="ctr" cmpd="sng" cap="flat" w="12700">
+                      <a:solidFill>
+                        <a:srgbClr val="000000">
+                          <a:alpha val="100000"/>
+                        </a:srgbClr>
+                      </a:solidFill>
+                      <a:prstDash val="solid"/>
+                    </a:lnB>
+                    <a:solidFill>
+                      <a:srgbClr val="FFFFFF">
+                        <a:alpha val="0"/>
+                      </a:srgbClr>
+                    </a:solidFill>
+                  </a:tcPr>
+                </a:tc>
+                <a:tc>
+                  <a:txBody>
+                    <a:bodyPr/>
+                    <a:lstStyle/>
+                    <a:p>
+                      <a:pPr algn="ctr" marL="63500" marR="63500">
+                        <a:lnSpc>
+                          <a:spcPct val="100000"/>
+                        </a:lnSpc>
+                        <a:spcBef>
+                          <a:spcPts val="500"/>
+                        </a:spcBef>
+                        <a:spcAft>
+                          <a:spcPts val="500"/>
+                        </a:spcAft>
+                        <a:buNone/>
+                      </a:pPr>
+                      <a:r>
+                        <a:rPr cap="none" sz="1100" i="0" b="0" u="none">
+                          <a:solidFill>
+                            <a:srgbClr val="000000">
+                              <a:alpha val="100000"/>
+                            </a:srgbClr>
+                          </a:solidFill>
+                          <a:latin typeface="Arial"/>
+                          <a:cs typeface="Arial"/>
+                          <a:ea typeface="Arial"/>
+                          <a:sym typeface="Arial"/>
+                        </a:rPr>
+                        <a:t>SD</a:t>
+                      </a:r>
+                    </a:p>
+                  </a:txBody>
+                  <a:tcPr anchor="ctr" marB="63500" marT="63500" marR="0" marL="0">
+                    <a:lnL algn="ctr" cmpd="sng" cap="flat" w="0">
+                      <a:noFill/>
+                      <a:prstDash val="solid"/>
+                    </a:lnL>
+                    <a:lnR algn="ctr" cmpd="sng" cap="flat" w="0">
+                      <a:noFill/>
+                      <a:prstDash val="solid"/>
+                    </a:lnR>
+                    <a:lnT algn="ctr" cmpd="sng" cap="flat" w="0">
+                      <a:noFill/>
+                      <a:prstDash val="solid"/>
+                    </a:lnT>
+                    <a:lnB algn="ctr" cmpd="sng" cap="flat" w="12700">
+                      <a:solidFill>
+                        <a:srgbClr val="000000">
+                          <a:alpha val="100000"/>
+                        </a:srgbClr>
+                      </a:solidFill>
+                      <a:prstDash val="solid"/>
+                    </a:lnB>
+                    <a:solidFill>
+                      <a:srgbClr val="FFFFFF">
+                        <a:alpha val="0"/>
+                      </a:srgbClr>
+                    </a:solidFill>
+                  </a:tcPr>
+                </a:tc>
+              </a:tr>
+              <a:tr h="228600">
+                <a:tc>
+                  <a:txBody>
+                    <a:bodyPr/>
+                    <a:lstStyle/>
+                    <a:p>
+                      <a:pPr algn="l" marL="63500" marR="63500">
+                        <a:lnSpc>
+                          <a:spcPct val="100000"/>
+                        </a:lnSpc>
+                        <a:spcBef>
+                          <a:spcPts val="500"/>
+                        </a:spcBef>
+                        <a:spcAft>
+                          <a:spcPts val="500"/>
+                        </a:spcAft>
+                        <a:buNone/>
+                      </a:pPr>
+                      <a:r>
+                        <a:rPr cap="none" sz="1100" i="0" b="0" u="none">
+                          <a:solidFill>
+                            <a:srgbClr val="000000">
+                              <a:alpha val="100000"/>
+                            </a:srgbClr>
+                          </a:solidFill>
+                          <a:latin typeface="Arial"/>
+                          <a:cs typeface="Arial"/>
+                          <a:ea typeface="Arial"/>
+                          <a:sym typeface="Arial"/>
+                        </a:rPr>
+                        <a:t>Treatment B (uniform)</a:t>
+                      </a:r>
+                    </a:p>
+                  </a:txBody>
+                  <a:tcPr anchor="ctr" marB="63500" marT="63500" marR="0" marL="0">
+                    <a:lnL algn="ctr" cmpd="sng" cap="flat" w="0">
+                      <a:noFill/>
+                      <a:prstDash val="solid"/>
+                    </a:lnL>
+                    <a:lnR algn="ctr" cmpd="sng" cap="flat" w="0">
+                      <a:noFill/>
+                      <a:prstDash val="solid"/>
+                    </a:lnR>
+                    <a:lnT algn="ctr" cmpd="sng" cap="flat" w="0">
+                      <a:noFill/>
+                      <a:prstDash val="solid"/>
+                    </a:lnT>
+                    <a:lnB algn="ctr" cmpd="sng" cap="flat" w="0">
+                      <a:noFill/>
+                      <a:prstDash val="solid"/>
+                    </a:lnB>
+                    <a:solidFill>
+                      <a:srgbClr val="FFFFFF">
+                        <a:alpha val="0"/>
+                      </a:srgbClr>
+                    </a:solidFill>
+                  </a:tcPr>
+                </a:tc>
+                <a:tc>
+                  <a:txBody>
+                    <a:bodyPr/>
+                    <a:lstStyle/>
+                    <a:p>
+                      <a:pPr algn="ctr" marL="63500" marR="63500">
+                        <a:lnSpc>
+                          <a:spcPct val="100000"/>
+                        </a:lnSpc>
+                        <a:spcBef>
+                          <a:spcPts val="500"/>
+                        </a:spcBef>
+                        <a:spcAft>
+                          <a:spcPts val="500"/>
+                        </a:spcAft>
+                        <a:buNone/>
+                      </a:pPr>
+                      <a:r>
+                        <a:rPr cap="none" sz="1100" i="0" b="0" u="none">
+                          <a:solidFill>
+                            <a:srgbClr val="000000">
+                              <a:alpha val="100000"/>
+                            </a:srgbClr>
+                          </a:solidFill>
+                          <a:latin typeface="Arial"/>
+                          <a:cs typeface="Arial"/>
+                          <a:ea typeface="Arial"/>
+                          <a:sym typeface="Arial"/>
+                        </a:rPr>
+                        <a:t>0.0206</a:t>
+                      </a:r>
+                    </a:p>
+                  </a:txBody>
+                  <a:tcPr anchor="ctr" marB="63500" marT="63500" marR="0" marL="0">
+                    <a:lnL algn="ctr" cmpd="sng" cap="flat" w="0">
+                      <a:noFill/>
+                      <a:prstDash val="solid"/>
+                    </a:lnL>
+                    <a:lnR algn="ctr" cmpd="sng" cap="flat" w="0">
+                      <a:noFill/>
+                      <a:prstDash val="solid"/>
+                    </a:lnR>
+                    <a:lnT algn="ctr" cmpd="sng" cap="flat" w="0">
+                      <a:noFill/>
+                      <a:prstDash val="solid"/>
+                    </a:lnT>
+                    <a:lnB algn="ctr" cmpd="sng" cap="flat" w="0">
+                      <a:noFill/>
+                      <a:prstDash val="solid"/>
+                    </a:lnB>
+                    <a:solidFill>
+                      <a:srgbClr val="FFFFFF">
+                        <a:alpha val="0"/>
+                      </a:srgbClr>
+                    </a:solidFill>
+                  </a:tcPr>
+                </a:tc>
+                <a:tc>
+                  <a:txBody>
+                    <a:bodyPr/>
+                    <a:lstStyle/>
+                    <a:p>
+                      <a:pPr algn="ctr" marL="63500" marR="63500">
+                        <a:lnSpc>
+                          <a:spcPct val="100000"/>
+                        </a:lnSpc>
+                        <a:spcBef>
+                          <a:spcPts val="500"/>
+                        </a:spcBef>
+                        <a:spcAft>
+                          <a:spcPts val="500"/>
+                        </a:spcAft>
+                        <a:buNone/>
+                      </a:pPr>
+                      <a:r>
+                        <a:rPr cap="none" sz="1100" i="0" b="0" u="none">
+                          <a:solidFill>
+                            <a:srgbClr val="000000">
+                              <a:alpha val="100000"/>
+                            </a:srgbClr>
+                          </a:solidFill>
+                          <a:latin typeface="Arial"/>
+                          <a:cs typeface="Arial"/>
+                          <a:ea typeface="Arial"/>
+                          <a:sym typeface="Arial"/>
+                        </a:rPr>
+                        <a:t>0.0570</a:t>
+                      </a:r>
+                    </a:p>
+                  </a:txBody>
+                  <a:tcPr anchor="ctr" marB="63500" marT="63500" marR="0" marL="0">
+                    <a:lnL algn="ctr" cmpd="sng" cap="flat" w="0">
+                      <a:noFill/>
+                      <a:prstDash val="solid"/>
+                    </a:lnL>
+                    <a:lnR algn="ctr" cmpd="sng" cap="flat" w="0">
+                      <a:noFill/>
+                      <a:prstDash val="solid"/>
+                    </a:lnR>
+                    <a:lnT algn="ctr" cmpd="sng" cap="flat" w="0">
+                      <a:noFill/>
+                      <a:prstDash val="solid"/>
+                    </a:lnT>
+                    <a:lnB algn="ctr" cmpd="sng" cap="flat" w="0">
+                      <a:noFill/>
+                      <a:prstDash val="solid"/>
+                    </a:lnB>
+                    <a:solidFill>
+                      <a:srgbClr val="FFFFFF">
+                        <a:alpha val="0"/>
+                      </a:srgbClr>
+                    </a:solidFill>
+                  </a:tcPr>
+                </a:tc>
+              </a:tr>
+              <a:tr h="228600">
+                <a:tc>
+                  <a:txBody>
+                    <a:bodyPr/>
+                    <a:lstStyle/>
+                    <a:p>
+                      <a:pPr algn="l" marL="63500" marR="63500">
+                        <a:lnSpc>
+                          <a:spcPct val="100000"/>
+                        </a:lnSpc>
+                        <a:spcBef>
+                          <a:spcPts val="500"/>
+                        </a:spcBef>
+                        <a:spcAft>
+                          <a:spcPts val="500"/>
+                        </a:spcAft>
+                        <a:buNone/>
+                      </a:pPr>
+                      <a:r>
+                        <a:rPr cap="none" sz="1100" i="0" b="0" u="none">
+                          <a:solidFill>
+                            <a:srgbClr val="000000">
+                              <a:alpha val="100000"/>
+                            </a:srgbClr>
+                          </a:solidFill>
+                          <a:latin typeface="Arial"/>
+                          <a:cs typeface="Arial"/>
+                          <a:ea typeface="Arial"/>
+                          <a:sym typeface="Arial"/>
+                        </a:rPr>
+                        <a:t>Treatment C (uniform)</a:t>
+                      </a:r>
+                    </a:p>
+                  </a:txBody>
+                  <a:tcPr anchor="ctr" marB="63500" marT="63500" marR="0" marL="0">
+                    <a:lnL algn="ctr" cmpd="sng" cap="flat" w="0">
+                      <a:noFill/>
+                      <a:prstDash val="solid"/>
+                    </a:lnL>
+                    <a:lnR algn="ctr" cmpd="sng" cap="flat" w="0">
+                      <a:noFill/>
+                      <a:prstDash val="solid"/>
+                    </a:lnR>
+                    <a:lnT algn="ctr" cmpd="sng" cap="flat" w="0">
+                      <a:noFill/>
+                      <a:prstDash val="solid"/>
+                    </a:lnT>
+                    <a:lnB algn="ctr" cmpd="sng" cap="flat" w="0">
+                      <a:noFill/>
+                      <a:prstDash val="solid"/>
+                    </a:lnB>
+                    <a:solidFill>
+                      <a:srgbClr val="FFFFFF">
+                        <a:alpha val="0"/>
+                      </a:srgbClr>
+                    </a:solidFill>
+                  </a:tcPr>
+                </a:tc>
+                <a:tc>
+                  <a:txBody>
+                    <a:bodyPr/>
+                    <a:lstStyle/>
+                    <a:p>
+                      <a:pPr algn="ctr" marL="63500" marR="63500">
+                        <a:lnSpc>
+                          <a:spcPct val="100000"/>
+                        </a:lnSpc>
+                        <a:spcBef>
+                          <a:spcPts val="500"/>
+                        </a:spcBef>
+                        <a:spcAft>
+                          <a:spcPts val="500"/>
+                        </a:spcAft>
+                        <a:buNone/>
+                      </a:pPr>
+                      <a:r>
+                        <a:rPr cap="none" sz="1100" i="0" b="0" u="none">
+                          <a:solidFill>
+                            <a:srgbClr val="000000">
+                              <a:alpha val="100000"/>
+                            </a:srgbClr>
+                          </a:solidFill>
+                          <a:latin typeface="Arial"/>
+                          <a:cs typeface="Arial"/>
+                          <a:ea typeface="Arial"/>
+                          <a:sym typeface="Arial"/>
+                        </a:rPr>
+                        <a:t>-0.0019</a:t>
+                      </a:r>
+                    </a:p>
+                  </a:txBody>
+                  <a:tcPr anchor="ctr" marB="63500" marT="63500" marR="0" marL="0">
+                    <a:lnL algn="ctr" cmpd="sng" cap="flat" w="0">
+                      <a:noFill/>
+                      <a:prstDash val="solid"/>
+                    </a:lnL>
+                    <a:lnR algn="ctr" cmpd="sng" cap="flat" w="0">
+                      <a:noFill/>
+                      <a:prstDash val="solid"/>
+                    </a:lnR>
+                    <a:lnT algn="ctr" cmpd="sng" cap="flat" w="0">
+                      <a:noFill/>
+                      <a:prstDash val="solid"/>
+                    </a:lnT>
+                    <a:lnB algn="ctr" cmpd="sng" cap="flat" w="0">
+                      <a:noFill/>
+                      <a:prstDash val="solid"/>
+                    </a:lnB>
+                    <a:solidFill>
+                      <a:srgbClr val="FFFFFF">
+                        <a:alpha val="0"/>
+                      </a:srgbClr>
+                    </a:solidFill>
+                  </a:tcPr>
+                </a:tc>
+                <a:tc>
+                  <a:txBody>
+                    <a:bodyPr/>
+                    <a:lstStyle/>
+                    <a:p>
+                      <a:pPr algn="ctr" marL="63500" marR="63500">
+                        <a:lnSpc>
+                          <a:spcPct val="100000"/>
+                        </a:lnSpc>
+                        <a:spcBef>
+                          <a:spcPts val="500"/>
+                        </a:spcBef>
+                        <a:spcAft>
+                          <a:spcPts val="500"/>
+                        </a:spcAft>
+                        <a:buNone/>
+                      </a:pPr>
+                      <a:r>
+                        <a:rPr cap="none" sz="1100" i="0" b="0" u="none">
+                          <a:solidFill>
+                            <a:srgbClr val="000000">
+                              <a:alpha val="100000"/>
+                            </a:srgbClr>
+                          </a:solidFill>
+                          <a:latin typeface="Arial"/>
+                          <a:cs typeface="Arial"/>
+                          <a:ea typeface="Arial"/>
+                          <a:sym typeface="Arial"/>
+                        </a:rPr>
+                        <a:t>0.0598</a:t>
+                      </a:r>
+                    </a:p>
+                  </a:txBody>
+                  <a:tcPr anchor="ctr" marB="63500" marT="63500" marR="0" marL="0">
+                    <a:lnL algn="ctr" cmpd="sng" cap="flat" w="0">
+                      <a:noFill/>
+                      <a:prstDash val="solid"/>
+                    </a:lnL>
+                    <a:lnR algn="ctr" cmpd="sng" cap="flat" w="0">
+                      <a:noFill/>
+                      <a:prstDash val="solid"/>
+                    </a:lnR>
+                    <a:lnT algn="ctr" cmpd="sng" cap="flat" w="0">
+                      <a:noFill/>
+                      <a:prstDash val="solid"/>
+                    </a:lnT>
+                    <a:lnB algn="ctr" cmpd="sng" cap="flat" w="0">
+                      <a:noFill/>
+                      <a:prstDash val="solid"/>
+                    </a:lnB>
+                    <a:solidFill>
+                      <a:srgbClr val="FFFFFF">
+                        <a:alpha val="0"/>
+                      </a:srgbClr>
+                    </a:solidFill>
+                  </a:tcPr>
+                </a:tc>
+              </a:tr>
+              <a:tr h="228600">
+                <a:tc>
+                  <a:txBody>
+                    <a:bodyPr/>
+                    <a:lstStyle/>
+                    <a:p>
+                      <a:pPr algn="l" marL="63500" marR="63500">
+                        <a:lnSpc>
+                          <a:spcPct val="100000"/>
+                        </a:lnSpc>
+                        <a:spcBef>
+                          <a:spcPts val="500"/>
+                        </a:spcBef>
+                        <a:spcAft>
+                          <a:spcPts val="500"/>
+                        </a:spcAft>
+                        <a:buNone/>
+                      </a:pPr>
+                      <a:r>
+                        <a:rPr cap="none" sz="1100" i="0" b="0" u="none">
+                          <a:solidFill>
+                            <a:srgbClr val="000000">
+                              <a:alpha val="100000"/>
+                            </a:srgbClr>
+                          </a:solidFill>
+                          <a:latin typeface="Arial"/>
+                          <a:cs typeface="Arial"/>
+                          <a:ea typeface="Arial"/>
+                          <a:sym typeface="Arial"/>
+                        </a:rPr>
+                        <a:t>Treatment D (uniform)</a:t>
+                      </a:r>
+                    </a:p>
+                  </a:txBody>
+                  <a:tcPr anchor="ctr" marB="63500" marT="63500" marR="0" marL="0">
+                    <a:lnL algn="ctr" cmpd="sng" cap="flat" w="0">
+                      <a:noFill/>
+                      <a:prstDash val="solid"/>
+                    </a:lnL>
+                    <a:lnR algn="ctr" cmpd="sng" cap="flat" w="0">
+                      <a:noFill/>
+                      <a:prstDash val="solid"/>
+                    </a:lnR>
+                    <a:lnT algn="ctr" cmpd="sng" cap="flat" w="0">
+                      <a:noFill/>
+                      <a:prstDash val="solid"/>
+                    </a:lnT>
+                    <a:lnB algn="ctr" cmpd="sng" cap="flat" w="0">
+                      <a:noFill/>
+                      <a:prstDash val="solid"/>
+                    </a:lnB>
+                    <a:solidFill>
+                      <a:srgbClr val="FFFFFF">
+                        <a:alpha val="0"/>
+                      </a:srgbClr>
+                    </a:solidFill>
+                  </a:tcPr>
+                </a:tc>
+                <a:tc>
+                  <a:txBody>
+                    <a:bodyPr/>
+                    <a:lstStyle/>
+                    <a:p>
+                      <a:pPr algn="ctr" marL="63500" marR="63500">
+                        <a:lnSpc>
+                          <a:spcPct val="100000"/>
+                        </a:lnSpc>
+                        <a:spcBef>
+                          <a:spcPts val="500"/>
+                        </a:spcBef>
+                        <a:spcAft>
+                          <a:spcPts val="500"/>
+                        </a:spcAft>
+                        <a:buNone/>
+                      </a:pPr>
+                      <a:r>
+                        <a:rPr cap="none" sz="1100" i="0" b="0" u="none">
+                          <a:solidFill>
+                            <a:srgbClr val="000000">
+                              <a:alpha val="100000"/>
+                            </a:srgbClr>
+                          </a:solidFill>
+                          <a:latin typeface="Arial"/>
+                          <a:cs typeface="Arial"/>
+                          <a:ea typeface="Arial"/>
+                          <a:sym typeface="Arial"/>
+                        </a:rPr>
+                        <a:t>0.0079</a:t>
+                      </a:r>
+                    </a:p>
+                  </a:txBody>
+                  <a:tcPr anchor="ctr" marB="63500" marT="63500" marR="0" marL="0">
+                    <a:lnL algn="ctr" cmpd="sng" cap="flat" w="0">
+                      <a:noFill/>
+                      <a:prstDash val="solid"/>
+                    </a:lnL>
+                    <a:lnR algn="ctr" cmpd="sng" cap="flat" w="0">
+                      <a:noFill/>
+                      <a:prstDash val="solid"/>
+                    </a:lnR>
+                    <a:lnT algn="ctr" cmpd="sng" cap="flat" w="0">
+                      <a:noFill/>
+                      <a:prstDash val="solid"/>
+                    </a:lnT>
+                    <a:lnB algn="ctr" cmpd="sng" cap="flat" w="0">
+                      <a:noFill/>
+                      <a:prstDash val="solid"/>
+                    </a:lnB>
+                    <a:solidFill>
+                      <a:srgbClr val="FFFFFF">
+                        <a:alpha val="0"/>
+                      </a:srgbClr>
+                    </a:solidFill>
+                  </a:tcPr>
+                </a:tc>
+                <a:tc>
+                  <a:txBody>
+                    <a:bodyPr/>
+                    <a:lstStyle/>
+                    <a:p>
+                      <a:pPr algn="ctr" marL="63500" marR="63500">
+                        <a:lnSpc>
+                          <a:spcPct val="100000"/>
+                        </a:lnSpc>
+                        <a:spcBef>
+                          <a:spcPts val="500"/>
+                        </a:spcBef>
+                        <a:spcAft>
+                          <a:spcPts val="500"/>
+                        </a:spcAft>
+                        <a:buNone/>
+                      </a:pPr>
+                      <a:r>
+                        <a:rPr cap="none" sz="1100" i="0" b="0" u="none">
+                          <a:solidFill>
+                            <a:srgbClr val="000000">
+                              <a:alpha val="100000"/>
+                            </a:srgbClr>
+                          </a:solidFill>
+                          <a:latin typeface="Arial"/>
+                          <a:cs typeface="Arial"/>
+                          <a:ea typeface="Arial"/>
+                          <a:sym typeface="Arial"/>
+                        </a:rPr>
+                        <a:t>0.0628</a:t>
+                      </a:r>
+                    </a:p>
+                  </a:txBody>
+                  <a:tcPr anchor="ctr" marB="63500" marT="63500" marR="0" marL="0">
+                    <a:lnL algn="ctr" cmpd="sng" cap="flat" w="0">
+                      <a:noFill/>
+                      <a:prstDash val="solid"/>
+                    </a:lnL>
+                    <a:lnR algn="ctr" cmpd="sng" cap="flat" w="0">
+                      <a:noFill/>
+                      <a:prstDash val="solid"/>
+                    </a:lnR>
+                    <a:lnT algn="ctr" cmpd="sng" cap="flat" w="0">
+                      <a:noFill/>
+                      <a:prstDash val="solid"/>
+                    </a:lnT>
+                    <a:lnB algn="ctr" cmpd="sng" cap="flat" w="0">
+                      <a:noFill/>
+                      <a:prstDash val="solid"/>
+                    </a:lnB>
+                    <a:solidFill>
+                      <a:srgbClr val="FFFFFF">
+                        <a:alpha val="0"/>
+                      </a:srgbClr>
+                    </a:solidFill>
+                  </a:tcPr>
+                </a:tc>
+              </a:tr>
+              <a:tr h="228600">
+                <a:tc>
+                  <a:txBody>
+                    <a:bodyPr/>
+                    <a:lstStyle/>
+                    <a:p>
+                      <a:pPr algn="l" marL="63500" marR="63500">
+                        <a:lnSpc>
+                          <a:spcPct val="100000"/>
+                        </a:lnSpc>
+                        <a:spcBef>
+                          <a:spcPts val="500"/>
+                        </a:spcBef>
+                        <a:spcAft>
+                          <a:spcPts val="500"/>
+                        </a:spcAft>
+                        <a:buNone/>
+                      </a:pPr>
+                      <a:r>
+                        <a:rPr cap="none" sz="1100" i="0" b="0" u="none">
+                          <a:solidFill>
+                            <a:srgbClr val="000000">
+                              <a:alpha val="100000"/>
+                            </a:srgbClr>
+                          </a:solidFill>
+                          <a:latin typeface="Arial"/>
+                          <a:cs typeface="Arial"/>
+                          <a:ea typeface="Arial"/>
+                          <a:sym typeface="Arial"/>
+                        </a:rPr>
+                        <a:t>Optimum targeting</a:t>
+                      </a:r>
+                    </a:p>
+                  </a:txBody>
+                  <a:tcPr anchor="ctr" marB="63500" marT="63500" marR="0" marL="0">
+                    <a:lnL algn="ctr" cmpd="sng" cap="flat" w="0">
+                      <a:noFill/>
+                      <a:prstDash val="solid"/>
+                    </a:lnL>
+                    <a:lnR algn="ctr" cmpd="sng" cap="flat" w="0">
+                      <a:noFill/>
+                      <a:prstDash val="solid"/>
+                    </a:lnR>
+                    <a:lnT algn="ctr" cmpd="sng" cap="flat" w="0">
+                      <a:noFill/>
+                      <a:prstDash val="solid"/>
+                    </a:lnT>
+                    <a:lnB algn="ctr" cmpd="sng" cap="flat" w="12700">
+                      <a:solidFill>
+                        <a:srgbClr val="000000">
+                          <a:alpha val="100000"/>
+                        </a:srgbClr>
+                      </a:solidFill>
+                      <a:prstDash val="solid"/>
+                    </a:lnB>
+                    <a:solidFill>
+                      <a:srgbClr val="FFFFFF">
+                        <a:alpha val="0"/>
+                      </a:srgbClr>
+                    </a:solidFill>
+                  </a:tcPr>
+                </a:tc>
+                <a:tc>
+                  <a:txBody>
+                    <a:bodyPr/>
+                    <a:lstStyle/>
+                    <a:p>
+                      <a:pPr algn="ctr" marL="63500" marR="63500">
+                        <a:lnSpc>
+                          <a:spcPct val="100000"/>
+                        </a:lnSpc>
+                        <a:spcBef>
+                          <a:spcPts val="500"/>
+                        </a:spcBef>
+                        <a:spcAft>
+                          <a:spcPts val="500"/>
+                        </a:spcAft>
+                        <a:buNone/>
+                      </a:pPr>
+                      <a:r>
+                        <a:rPr cap="none" sz="1100" i="0" b="0" u="none">
+                          <a:solidFill>
+                            <a:srgbClr val="000000">
+                              <a:alpha val="100000"/>
+                            </a:srgbClr>
+                          </a:solidFill>
+                          <a:latin typeface="Arial"/>
+                          <a:cs typeface="Arial"/>
+                          <a:ea typeface="Arial"/>
+                          <a:sym typeface="Arial"/>
+                        </a:rPr>
+                        <a:t>0.0473</a:t>
+                      </a:r>
+                    </a:p>
+                  </a:txBody>
+                  <a:tcPr anchor="ctr" marB="63500" marT="63500" marR="0" marL="0">
+                    <a:lnL algn="ctr" cmpd="sng" cap="flat" w="0">
+                      <a:noFill/>
+                      <a:prstDash val="solid"/>
+                    </a:lnL>
+                    <a:lnR algn="ctr" cmpd="sng" cap="flat" w="0">
+                      <a:noFill/>
+                      <a:prstDash val="solid"/>
+                    </a:lnR>
+                    <a:lnT algn="ctr" cmpd="sng" cap="flat" w="0">
+                      <a:noFill/>
+                      <a:prstDash val="solid"/>
+                    </a:lnT>
+                    <a:lnB algn="ctr" cmpd="sng" cap="flat" w="12700">
+                      <a:solidFill>
+                        <a:srgbClr val="000000">
+                          <a:alpha val="100000"/>
+                        </a:srgbClr>
+                      </a:solidFill>
+                      <a:prstDash val="solid"/>
+                    </a:lnB>
+                    <a:solidFill>
+                      <a:srgbClr val="FFFFFF">
+                        <a:alpha val="0"/>
+                      </a:srgbClr>
+                    </a:solidFill>
+                  </a:tcPr>
+                </a:tc>
+                <a:tc>
+                  <a:txBody>
+                    <a:bodyPr/>
+                    <a:lstStyle/>
+                    <a:p>
+                      <a:pPr algn="ctr" marL="63500" marR="63500">
+                        <a:lnSpc>
+                          <a:spcPct val="100000"/>
+                        </a:lnSpc>
+                        <a:spcBef>
+                          <a:spcPts val="500"/>
+                        </a:spcBef>
+                        <a:spcAft>
+                          <a:spcPts val="500"/>
+                        </a:spcAft>
+                        <a:buNone/>
+                      </a:pPr>
+                      <a:r>
+                        <a:rPr cap="none" sz="1100" i="0" b="0" u="none">
+                          <a:solidFill>
+                            <a:srgbClr val="000000">
+                              <a:alpha val="100000"/>
+                            </a:srgbClr>
+                          </a:solidFill>
+                          <a:latin typeface="Arial"/>
+                          <a:cs typeface="Arial"/>
+                          <a:ea typeface="Arial"/>
+                          <a:sym typeface="Arial"/>
+                        </a:rPr>
+                        <a:t>0.0530</a:t>
+                      </a:r>
+                    </a:p>
+                  </a:txBody>
+                  <a:tcPr anchor="ctr" marB="63500" marT="63500" marR="0" marL="0">
+                    <a:lnL algn="ctr" cmpd="sng" cap="flat" w="0">
+                      <a:noFill/>
+                      <a:prstDash val="solid"/>
+                    </a:lnL>
+                    <a:lnR algn="ctr" cmpd="sng" cap="flat" w="0">
+                      <a:noFill/>
+                      <a:prstDash val="solid"/>
+                    </a:lnR>
+                    <a:lnT algn="ctr" cmpd="sng" cap="flat" w="0">
+                      <a:noFill/>
+                      <a:prstDash val="solid"/>
+                    </a:lnT>
+                    <a:lnB algn="ctr" cmpd="sng" cap="flat" w="12700">
+                      <a:solidFill>
+                        <a:srgbClr val="000000">
+                          <a:alpha val="100000"/>
+                        </a:srgbClr>
+                      </a:solidFill>
+                      <a:prstDash val="solid"/>
+                    </a:lnB>
+                    <a:solidFill>
+                      <a:srgbClr val="FFFFFF">
+                        <a:alpha val="0"/>
+                      </a:srgbClr>
+                    </a:solidFill>
+                  </a:tcPr>
+                </a:tc>
+              </a:tr>
+            </a:tbl>
+          </a:graphicData>
+        </a:graphic>
+      </p:graphicFrame>
     </p:spTree>
   </p:cSld>
 </p:sld>

--- a/targeting.pptx
+++ b/targeting.pptx
@@ -1,12 +1,13 @@
 
 <file path=ppt/presentation.xml><?xml version="1.0" encoding="utf-8"?>
-<p:presentation xmlns:a="http://schemas.openxmlformats.org/drawingml/2006/main" xmlns:p="http://schemas.openxmlformats.org/presentationml/2006/main" xmlns:r="http://schemas.openxmlformats.org/officeDocument/2006/relationships" autoCompressPictures="0" saveSubsetFonts="1">
+<p:presentation xmlns:a="http://schemas.openxmlformats.org/drawingml/2006/main" xmlns:r="http://schemas.openxmlformats.org/officeDocument/2006/relationships" xmlns:p="http://schemas.openxmlformats.org/presentationml/2006/main" saveSubsetFonts="1" autoCompressPictures="0">
   <p:sldMasterIdLst>
     <p:sldMasterId id="2147483648" r:id="rId1"/>
   </p:sldMasterIdLst>
   <p:sldIdLst>
     <p:sldId id="256" r:id="rId2"/>
     <p:sldId id="257" r:id="rId3"/>
+    <p:sldId id="258" r:id="rId4"/>
   </p:sldIdLst>
   <p:sldSz cx="9144000" cy="5143500" type="screen16x9"/>
   <p:notesSz cx="6858000" cy="9144000"/>
@@ -14,8 +15,8 @@
     <a:defPPr>
       <a:defRPr lang="en-US"/>
     </a:defPPr>
-    <a:lvl1pPr algn="l" defTabSz="457200" eaLnBrk="1" hangingPunct="1" latinLnBrk="0" marL="0" rtl="0">
-      <a:defRPr kern="1200" sz="1800">
+    <a:lvl1pPr marL="0" algn="l" defTabSz="457200" rtl="0" eaLnBrk="1" latinLnBrk="0" hangingPunct="1">
+      <a:defRPr sz="1800" kern="1200">
         <a:solidFill>
           <a:schemeClr val="tx1"/>
         </a:solidFill>
@@ -24,8 +25,8 @@
         <a:cs typeface="+mn-cs"/>
       </a:defRPr>
     </a:lvl1pPr>
-    <a:lvl2pPr algn="l" defTabSz="457200" eaLnBrk="1" hangingPunct="1" latinLnBrk="0" marL="457200" rtl="0">
-      <a:defRPr kern="1200" sz="1800">
+    <a:lvl2pPr marL="457200" algn="l" defTabSz="457200" rtl="0" eaLnBrk="1" latinLnBrk="0" hangingPunct="1">
+      <a:defRPr sz="1800" kern="1200">
         <a:solidFill>
           <a:schemeClr val="tx1"/>
         </a:solidFill>
@@ -34,8 +35,8 @@
         <a:cs typeface="+mn-cs"/>
       </a:defRPr>
     </a:lvl2pPr>
-    <a:lvl3pPr algn="l" defTabSz="457200" eaLnBrk="1" hangingPunct="1" latinLnBrk="0" marL="914400" rtl="0">
-      <a:defRPr kern="1200" sz="1800">
+    <a:lvl3pPr marL="914400" algn="l" defTabSz="457200" rtl="0" eaLnBrk="1" latinLnBrk="0" hangingPunct="1">
+      <a:defRPr sz="1800" kern="1200">
         <a:solidFill>
           <a:schemeClr val="tx1"/>
         </a:solidFill>
@@ -44,8 +45,8 @@
         <a:cs typeface="+mn-cs"/>
       </a:defRPr>
     </a:lvl3pPr>
-    <a:lvl4pPr algn="l" defTabSz="457200" eaLnBrk="1" hangingPunct="1" latinLnBrk="0" marL="1371600" rtl="0">
-      <a:defRPr kern="1200" sz="1800">
+    <a:lvl4pPr marL="1371600" algn="l" defTabSz="457200" rtl="0" eaLnBrk="1" latinLnBrk="0" hangingPunct="1">
+      <a:defRPr sz="1800" kern="1200">
         <a:solidFill>
           <a:schemeClr val="tx1"/>
         </a:solidFill>
@@ -54,8 +55,8 @@
         <a:cs typeface="+mn-cs"/>
       </a:defRPr>
     </a:lvl4pPr>
-    <a:lvl5pPr algn="l" defTabSz="457200" eaLnBrk="1" hangingPunct="1" latinLnBrk="0" marL="1828800" rtl="0">
-      <a:defRPr kern="1200" sz="1800">
+    <a:lvl5pPr marL="1828800" algn="l" defTabSz="457200" rtl="0" eaLnBrk="1" latinLnBrk="0" hangingPunct="1">
+      <a:defRPr sz="1800" kern="1200">
         <a:solidFill>
           <a:schemeClr val="tx1"/>
         </a:solidFill>
@@ -64,8 +65,8 @@
         <a:cs typeface="+mn-cs"/>
       </a:defRPr>
     </a:lvl5pPr>
-    <a:lvl6pPr algn="l" defTabSz="457200" eaLnBrk="1" hangingPunct="1" latinLnBrk="0" marL="2286000" rtl="0">
-      <a:defRPr kern="1200" sz="1800">
+    <a:lvl6pPr marL="2286000" algn="l" defTabSz="457200" rtl="0" eaLnBrk="1" latinLnBrk="0" hangingPunct="1">
+      <a:defRPr sz="1800" kern="1200">
         <a:solidFill>
           <a:schemeClr val="tx1"/>
         </a:solidFill>
@@ -74,8 +75,8 @@
         <a:cs typeface="+mn-cs"/>
       </a:defRPr>
     </a:lvl6pPr>
-    <a:lvl7pPr algn="l" defTabSz="457200" eaLnBrk="1" hangingPunct="1" latinLnBrk="0" marL="2743200" rtl="0">
-      <a:defRPr kern="1200" sz="1800">
+    <a:lvl7pPr marL="2743200" algn="l" defTabSz="457200" rtl="0" eaLnBrk="1" latinLnBrk="0" hangingPunct="1">
+      <a:defRPr sz="1800" kern="1200">
         <a:solidFill>
           <a:schemeClr val="tx1"/>
         </a:solidFill>
@@ -84,8 +85,8 @@
         <a:cs typeface="+mn-cs"/>
       </a:defRPr>
     </a:lvl7pPr>
-    <a:lvl8pPr algn="l" defTabSz="457200" eaLnBrk="1" hangingPunct="1" latinLnBrk="0" marL="3200400" rtl="0">
-      <a:defRPr kern="1200" sz="1800">
+    <a:lvl8pPr marL="3200400" algn="l" defTabSz="457200" rtl="0" eaLnBrk="1" latinLnBrk="0" hangingPunct="1">
+      <a:defRPr sz="1800" kern="1200">
         <a:solidFill>
           <a:schemeClr val="tx1"/>
         </a:solidFill>
@@ -94,8 +95,8 @@
         <a:cs typeface="+mn-cs"/>
       </a:defRPr>
     </a:lvl8pPr>
-    <a:lvl9pPr algn="l" defTabSz="457200" eaLnBrk="1" hangingPunct="1" latinLnBrk="0" marL="3657600" rtl="0">
-      <a:defRPr kern="1200" sz="1800">
+    <a:lvl9pPr marL="3657600" algn="l" defTabSz="457200" rtl="0" eaLnBrk="1" latinLnBrk="0" hangingPunct="1">
+      <a:defRPr sz="1800" kern="1200">
         <a:solidFill>
           <a:schemeClr val="tx1"/>
         </a:solidFill>
@@ -303,7 +304,7 @@
           <a:p>
             <a:fld id="{241EB5C9-1307-BA42-ABA2-0BC069CD8E7F}" type="datetimeFigureOut">
               <a:rPr lang="en-US" smtClean="0"/>
-              <a:t>1/2/22</a:t>
+              <a:t>12/14/2023</a:t>
             </a:fld>
             <a:endParaRPr lang="en-US"/>
           </a:p>
@@ -471,7 +472,7 @@
           <a:p>
             <a:fld id="{241EB5C9-1307-BA42-ABA2-0BC069CD8E7F}" type="datetimeFigureOut">
               <a:rPr lang="en-US" smtClean="0"/>
-              <a:t>1/2/22</a:t>
+              <a:t>12/14/2023</a:t>
             </a:fld>
             <a:endParaRPr lang="en-US"/>
           </a:p>
@@ -649,7 +650,7 @@
           <a:p>
             <a:fld id="{241EB5C9-1307-BA42-ABA2-0BC069CD8E7F}" type="datetimeFigureOut">
               <a:rPr lang="en-US" smtClean="0"/>
-              <a:t>1/2/22</a:t>
+              <a:t>12/14/2023</a:t>
             </a:fld>
             <a:endParaRPr lang="en-US"/>
           </a:p>
@@ -817,7 +818,7 @@
           <a:p>
             <a:fld id="{241EB5C9-1307-BA42-ABA2-0BC069CD8E7F}" type="datetimeFigureOut">
               <a:rPr lang="en-US" smtClean="0"/>
-              <a:t>1/2/22</a:t>
+              <a:t>12/14/2023</a:t>
             </a:fld>
             <a:endParaRPr lang="en-US"/>
           </a:p>
@@ -1062,7 +1063,7 @@
           <a:p>
             <a:fld id="{241EB5C9-1307-BA42-ABA2-0BC069CD8E7F}" type="datetimeFigureOut">
               <a:rPr lang="en-US" smtClean="0"/>
-              <a:t>1/2/22</a:t>
+              <a:t>12/14/2023</a:t>
             </a:fld>
             <a:endParaRPr lang="en-US"/>
           </a:p>
@@ -1347,7 +1348,7 @@
           <a:p>
             <a:fld id="{241EB5C9-1307-BA42-ABA2-0BC069CD8E7F}" type="datetimeFigureOut">
               <a:rPr lang="en-US" smtClean="0"/>
-              <a:t>1/2/22</a:t>
+              <a:t>12/14/2023</a:t>
             </a:fld>
             <a:endParaRPr lang="en-US"/>
           </a:p>
@@ -1766,7 +1767,7 @@
           <a:p>
             <a:fld id="{241EB5C9-1307-BA42-ABA2-0BC069CD8E7F}" type="datetimeFigureOut">
               <a:rPr lang="en-US" smtClean="0"/>
-              <a:t>1/2/22</a:t>
+              <a:t>12/14/2023</a:t>
             </a:fld>
             <a:endParaRPr lang="en-US"/>
           </a:p>
@@ -1883,7 +1884,7 @@
           <a:p>
             <a:fld id="{241EB5C9-1307-BA42-ABA2-0BC069CD8E7F}" type="datetimeFigureOut">
               <a:rPr lang="en-US" smtClean="0"/>
-              <a:t>1/2/22</a:t>
+              <a:t>12/14/2023</a:t>
             </a:fld>
             <a:endParaRPr lang="en-US"/>
           </a:p>
@@ -1978,7 +1979,7 @@
           <a:p>
             <a:fld id="{241EB5C9-1307-BA42-ABA2-0BC069CD8E7F}" type="datetimeFigureOut">
               <a:rPr lang="en-US" smtClean="0"/>
-              <a:t>1/2/22</a:t>
+              <a:t>12/14/2023</a:t>
             </a:fld>
             <a:endParaRPr lang="en-US"/>
           </a:p>
@@ -2253,7 +2254,7 @@
           <a:p>
             <a:fld id="{241EB5C9-1307-BA42-ABA2-0BC069CD8E7F}" type="datetimeFigureOut">
               <a:rPr lang="en-US" smtClean="0"/>
-              <a:t>1/2/22</a:t>
+              <a:t>12/14/2023</a:t>
             </a:fld>
             <a:endParaRPr lang="en-US"/>
           </a:p>
@@ -2505,7 +2506,7 @@
           <a:p>
             <a:fld id="{241EB5C9-1307-BA42-ABA2-0BC069CD8E7F}" type="datetimeFigureOut">
               <a:rPr lang="en-US" smtClean="0"/>
-              <a:t>1/2/22</a:t>
+              <a:t>12/14/2023</a:t>
             </a:fld>
             <a:endParaRPr lang="en-US"/>
           </a:p>
@@ -2567,7 +2568,7 @@
 </file>
 
 <file path=ppt/slideMasters/slideMaster1.xml><?xml version="1.0" encoding="utf-8"?>
-<p:sldMaster xmlns:a="http://schemas.openxmlformats.org/drawingml/2006/main" xmlns:p="http://schemas.openxmlformats.org/presentationml/2006/main" xmlns:r="http://schemas.openxmlformats.org/officeDocument/2006/relationships">
+<p:sldMaster xmlns:a="http://schemas.openxmlformats.org/drawingml/2006/main" xmlns:r="http://schemas.openxmlformats.org/officeDocument/2006/relationships" xmlns:p="http://schemas.openxmlformats.org/presentationml/2006/main">
   <p:cSld>
     <p:bg>
       <p:bgRef idx="1001">
@@ -2608,7 +2609,7 @@
           </a:prstGeom>
         </p:spPr>
         <p:txBody>
-          <a:bodyPr anchor="ctr" bIns="45720" lIns="91440" rIns="91440" rtlCol="0" tIns="45720" vert="horz">
+          <a:bodyPr vert="horz" lIns="91440" tIns="45720" rIns="91440" bIns="45720" rtlCol="0" anchor="ctr">
             <a:normAutofit/>
           </a:bodyPr>
           <a:lstStyle/>
@@ -2627,7 +2628,7 @@
             <a:spLocks noGrp="1"/>
           </p:cNvSpPr>
           <p:nvPr>
-            <p:ph idx="1" type="body"/>
+            <p:ph type="body" idx="1"/>
           </p:nvPr>
         </p:nvSpPr>
         <p:spPr>
@@ -2640,7 +2641,7 @@
           </a:prstGeom>
         </p:spPr>
         <p:txBody>
-          <a:bodyPr bIns="45720" lIns="91440" rIns="91440" rtlCol="0" tIns="45720" vert="horz">
+          <a:bodyPr vert="horz" lIns="91440" tIns="45720" rIns="91440" bIns="45720" rtlCol="0">
             <a:normAutofit/>
           </a:bodyPr>
           <a:lstStyle/>
@@ -2688,7 +2689,7 @@
             <a:spLocks noGrp="1"/>
           </p:cNvSpPr>
           <p:nvPr>
-            <p:ph idx="2" sz="half" type="dt"/>
+            <p:ph type="dt" sz="half" idx="2"/>
           </p:nvPr>
         </p:nvSpPr>
         <p:spPr>
@@ -2701,7 +2702,7 @@
           </a:prstGeom>
         </p:spPr>
         <p:txBody>
-          <a:bodyPr anchor="ctr" bIns="45720" lIns="91440" rIns="91440" rtlCol="0" tIns="45720" vert="horz"/>
+          <a:bodyPr vert="horz" lIns="91440" tIns="45720" rIns="91440" bIns="45720" rtlCol="0" anchor="ctr"/>
           <a:lstStyle>
             <a:lvl1pPr algn="l">
               <a:defRPr sz="900">
@@ -2716,7 +2717,7 @@
           <a:p>
             <a:fld id="{241EB5C9-1307-BA42-ABA2-0BC069CD8E7F}" type="datetimeFigureOut">
               <a:rPr lang="en-US" smtClean="0"/>
-              <a:t>1/2/22</a:t>
+              <a:t>12/14/2023</a:t>
             </a:fld>
             <a:endParaRPr lang="en-US"/>
           </a:p>
@@ -2729,7 +2730,7 @@
             <a:spLocks noGrp="1"/>
           </p:cNvSpPr>
           <p:nvPr>
-            <p:ph idx="3" sz="quarter" type="ftr"/>
+            <p:ph type="ftr" sz="quarter" idx="3"/>
           </p:nvPr>
         </p:nvSpPr>
         <p:spPr>
@@ -2742,7 +2743,7 @@
           </a:prstGeom>
         </p:spPr>
         <p:txBody>
-          <a:bodyPr anchor="ctr" bIns="45720" lIns="91440" rIns="91440" rtlCol="0" tIns="45720" vert="horz"/>
+          <a:bodyPr vert="horz" lIns="91440" tIns="45720" rIns="91440" bIns="45720" rtlCol="0" anchor="ctr"/>
           <a:lstStyle>
             <a:lvl1pPr algn="ctr">
               <a:defRPr sz="900">
@@ -2766,7 +2767,7 @@
             <a:spLocks noGrp="1"/>
           </p:cNvSpPr>
           <p:nvPr>
-            <p:ph idx="4" sz="quarter" type="sldNum"/>
+            <p:ph type="sldNum" sz="quarter" idx="4"/>
           </p:nvPr>
         </p:nvSpPr>
         <p:spPr>
@@ -2779,7 +2780,7 @@
           </a:prstGeom>
         </p:spPr>
         <p:txBody>
-          <a:bodyPr anchor="ctr" bIns="45720" lIns="91440" rIns="91440" rtlCol="0" tIns="45720" vert="horz"/>
+          <a:bodyPr vert="horz" lIns="91440" tIns="45720" rIns="91440" bIns="45720" rtlCol="0" anchor="ctr"/>
           <a:lstStyle>
             <a:lvl1pPr algn="r">
               <a:defRPr sz="900">
@@ -2807,7 +2808,7 @@
       </p:ext>
     </p:extLst>
   </p:cSld>
-  <p:clrMap accent1="accent1" accent2="accent2" accent3="accent3" accent4="accent4" accent5="accent5" accent6="accent6" bg1="lt1" bg2="lt2" folHlink="folHlink" hlink="hlink" tx1="dk1" tx2="dk2"/>
+  <p:clrMap bg1="lt1" tx1="dk1" bg2="lt2" tx2="dk2" accent1="accent1" accent2="accent2" accent3="accent3" accent4="accent4" accent5="accent5" accent6="accent6" hlink="hlink" folHlink="folHlink"/>
   <p:sldLayoutIdLst>
     <p:sldLayoutId id="2147483649" r:id="rId1"/>
     <p:sldLayoutId id="2147483650" r:id="rId2"/>
@@ -2823,12 +2824,12 @@
   </p:sldLayoutIdLst>
   <p:txStyles>
     <p:titleStyle>
-      <a:lvl1pPr algn="ctr" defTabSz="342900" eaLnBrk="1" hangingPunct="1" latinLnBrk="0" rtl="0">
+      <a:lvl1pPr algn="ctr" defTabSz="342900" rtl="0" eaLnBrk="1" latinLnBrk="0" hangingPunct="1">
         <a:spcBef>
           <a:spcPct val="0"/>
         </a:spcBef>
         <a:buNone/>
-        <a:defRPr kern="1200" sz="3300">
+        <a:defRPr sz="3300" kern="1200">
           <a:solidFill>
             <a:schemeClr val="tx1"/>
           </a:solidFill>
@@ -2839,13 +2840,13 @@
       </a:lvl1pPr>
     </p:titleStyle>
     <p:bodyStyle>
-      <a:lvl1pPr algn="l" defTabSz="342900" eaLnBrk="1" hangingPunct="1" indent="-342900" latinLnBrk="0" marL="342900" rtl="0">
+      <a:lvl1pPr marL="342900" indent="-342900" algn="l" defTabSz="342900" rtl="0" eaLnBrk="1" latinLnBrk="0" hangingPunct="1">
         <a:spcBef>
           <a:spcPct val="20000"/>
         </a:spcBef>
         <a:buFont typeface="Arial"/>
         <a:buChar char="•"/>
-        <a:defRPr kern="1200" sz="2400">
+        <a:defRPr sz="2400" kern="1200">
           <a:solidFill>
             <a:schemeClr val="tx1"/>
           </a:solidFill>
@@ -2854,13 +2855,13 @@
           <a:cs typeface="+mn-cs"/>
         </a:defRPr>
       </a:lvl1pPr>
-      <a:lvl2pPr algn="l" defTabSz="342900" eaLnBrk="1" hangingPunct="1" indent="-342900" latinLnBrk="0" marL="685800" rtl="0">
+      <a:lvl2pPr marL="685800" indent="-342900" algn="l" defTabSz="342900" rtl="0" eaLnBrk="1" latinLnBrk="0" hangingPunct="1">
         <a:spcBef>
           <a:spcPct val="20000"/>
         </a:spcBef>
         <a:buFont typeface="Arial"/>
         <a:buChar char="–"/>
-        <a:defRPr kern="1200" sz="2100">
+        <a:defRPr sz="2100" kern="1200">
           <a:solidFill>
             <a:schemeClr val="tx1"/>
           </a:solidFill>
@@ -2869,13 +2870,13 @@
           <a:cs typeface="+mn-cs"/>
         </a:defRPr>
       </a:lvl2pPr>
-      <a:lvl3pPr algn="l" defTabSz="342900" eaLnBrk="1" hangingPunct="1" indent="-342900" latinLnBrk="0" marL="1028700" rtl="0">
+      <a:lvl3pPr marL="1028700" indent="-342900" algn="l" defTabSz="342900" rtl="0" eaLnBrk="1" latinLnBrk="0" hangingPunct="1">
         <a:spcBef>
           <a:spcPct val="20000"/>
         </a:spcBef>
         <a:buFont typeface="Arial"/>
         <a:buChar char="•"/>
-        <a:defRPr kern="1200" sz="1800">
+        <a:defRPr sz="1800" kern="1200">
           <a:solidFill>
             <a:schemeClr val="tx1"/>
           </a:solidFill>
@@ -2884,13 +2885,13 @@
           <a:cs typeface="+mn-cs"/>
         </a:defRPr>
       </a:lvl3pPr>
-      <a:lvl4pPr algn="l" defTabSz="342900" eaLnBrk="1" hangingPunct="1" indent="-342900" latinLnBrk="0" marL="1371600" rtl="0">
+      <a:lvl4pPr marL="1371600" indent="-342900" algn="l" defTabSz="342900" rtl="0" eaLnBrk="1" latinLnBrk="0" hangingPunct="1">
         <a:spcBef>
           <a:spcPct val="20000"/>
         </a:spcBef>
         <a:buFont typeface="Arial"/>
         <a:buChar char="–"/>
-        <a:defRPr kern="1200" sz="1500">
+        <a:defRPr sz="1500" kern="1200">
           <a:solidFill>
             <a:schemeClr val="tx1"/>
           </a:solidFill>
@@ -2899,13 +2900,13 @@
           <a:cs typeface="+mn-cs"/>
         </a:defRPr>
       </a:lvl4pPr>
-      <a:lvl5pPr algn="l" defTabSz="342900" eaLnBrk="1" hangingPunct="1" indent="-342900" latinLnBrk="0" marL="1714500" rtl="0">
+      <a:lvl5pPr marL="1714500" indent="-342900" algn="l" defTabSz="342900" rtl="0" eaLnBrk="1" latinLnBrk="0" hangingPunct="1">
         <a:spcBef>
           <a:spcPct val="20000"/>
         </a:spcBef>
         <a:buFont typeface="Arial"/>
         <a:buChar char="»"/>
-        <a:defRPr kern="1200" sz="1500">
+        <a:defRPr sz="1500" kern="1200">
           <a:solidFill>
             <a:schemeClr val="tx1"/>
           </a:solidFill>
@@ -2914,13 +2915,13 @@
           <a:cs typeface="+mn-cs"/>
         </a:defRPr>
       </a:lvl5pPr>
-      <a:lvl6pPr algn="l" defTabSz="342900" eaLnBrk="1" hangingPunct="1" indent="-342900" latinLnBrk="0" marL="2057400" rtl="0">
+      <a:lvl6pPr marL="2057400" indent="-342900" algn="l" defTabSz="342900" rtl="0" eaLnBrk="1" latinLnBrk="0" hangingPunct="1">
         <a:spcBef>
           <a:spcPct val="20000"/>
         </a:spcBef>
         <a:buFont typeface="Arial"/>
         <a:buChar char="•"/>
-        <a:defRPr kern="1200" sz="1500">
+        <a:defRPr sz="1500" kern="1200">
           <a:solidFill>
             <a:schemeClr val="tx1"/>
           </a:solidFill>
@@ -2929,13 +2930,13 @@
           <a:cs typeface="+mn-cs"/>
         </a:defRPr>
       </a:lvl6pPr>
-      <a:lvl7pPr algn="l" defTabSz="342900" eaLnBrk="1" hangingPunct="1" indent="-342900" latinLnBrk="0" marL="2400300" rtl="0">
+      <a:lvl7pPr marL="2400300" indent="-342900" algn="l" defTabSz="342900" rtl="0" eaLnBrk="1" latinLnBrk="0" hangingPunct="1">
         <a:spcBef>
           <a:spcPct val="20000"/>
         </a:spcBef>
         <a:buFont typeface="Arial"/>
         <a:buChar char="•"/>
-        <a:defRPr kern="1200" sz="1500">
+        <a:defRPr sz="1500" kern="1200">
           <a:solidFill>
             <a:schemeClr val="tx1"/>
           </a:solidFill>
@@ -2944,13 +2945,13 @@
           <a:cs typeface="+mn-cs"/>
         </a:defRPr>
       </a:lvl7pPr>
-      <a:lvl8pPr algn="l" defTabSz="342900" eaLnBrk="1" hangingPunct="1" indent="-342900" latinLnBrk="0" marL="2743200" rtl="0">
+      <a:lvl8pPr marL="2743200" indent="-342900" algn="l" defTabSz="342900" rtl="0" eaLnBrk="1" latinLnBrk="0" hangingPunct="1">
         <a:spcBef>
           <a:spcPct val="20000"/>
         </a:spcBef>
         <a:buFont typeface="Arial"/>
         <a:buChar char="•"/>
-        <a:defRPr kern="1200" sz="1500">
+        <a:defRPr sz="1500" kern="1200">
           <a:solidFill>
             <a:schemeClr val="tx1"/>
           </a:solidFill>
@@ -2959,13 +2960,13 @@
           <a:cs typeface="+mn-cs"/>
         </a:defRPr>
       </a:lvl8pPr>
-      <a:lvl9pPr algn="l" defTabSz="342900" eaLnBrk="1" hangingPunct="1" indent="-342900" latinLnBrk="0" marL="3086100" rtl="0">
+      <a:lvl9pPr marL="3086100" indent="-342900" algn="l" defTabSz="342900" rtl="0" eaLnBrk="1" latinLnBrk="0" hangingPunct="1">
         <a:spcBef>
           <a:spcPct val="20000"/>
         </a:spcBef>
         <a:buFont typeface="Arial"/>
         <a:buChar char="•"/>
-        <a:defRPr kern="1200" sz="1500">
+        <a:defRPr sz="1500" kern="1200">
           <a:solidFill>
             <a:schemeClr val="tx1"/>
           </a:solidFill>
@@ -2979,8 +2980,8 @@
       <a:defPPr>
         <a:defRPr lang="en-US"/>
       </a:defPPr>
-      <a:lvl1pPr algn="l" defTabSz="342900" eaLnBrk="1" hangingPunct="1" latinLnBrk="0" marL="0" rtl="0">
-        <a:defRPr kern="1200" sz="1350">
+      <a:lvl1pPr marL="0" algn="l" defTabSz="342900" rtl="0" eaLnBrk="1" latinLnBrk="0" hangingPunct="1">
+        <a:defRPr sz="1350" kern="1200">
           <a:solidFill>
             <a:schemeClr val="tx1"/>
           </a:solidFill>
@@ -2989,8 +2990,8 @@
           <a:cs typeface="+mn-cs"/>
         </a:defRPr>
       </a:lvl1pPr>
-      <a:lvl2pPr algn="l" defTabSz="342900" eaLnBrk="1" hangingPunct="1" latinLnBrk="0" marL="342900" rtl="0">
-        <a:defRPr kern="1200" sz="1350">
+      <a:lvl2pPr marL="342900" algn="l" defTabSz="342900" rtl="0" eaLnBrk="1" latinLnBrk="0" hangingPunct="1">
+        <a:defRPr sz="1350" kern="1200">
           <a:solidFill>
             <a:schemeClr val="tx1"/>
           </a:solidFill>
@@ -2999,8 +3000,8 @@
           <a:cs typeface="+mn-cs"/>
         </a:defRPr>
       </a:lvl2pPr>
-      <a:lvl3pPr algn="l" defTabSz="342900" eaLnBrk="1" hangingPunct="1" latinLnBrk="0" marL="685800" rtl="0">
-        <a:defRPr kern="1200" sz="1350">
+      <a:lvl3pPr marL="685800" algn="l" defTabSz="342900" rtl="0" eaLnBrk="1" latinLnBrk="0" hangingPunct="1">
+        <a:defRPr sz="1350" kern="1200">
           <a:solidFill>
             <a:schemeClr val="tx1"/>
           </a:solidFill>
@@ -3009,8 +3010,8 @@
           <a:cs typeface="+mn-cs"/>
         </a:defRPr>
       </a:lvl3pPr>
-      <a:lvl4pPr algn="l" defTabSz="342900" eaLnBrk="1" hangingPunct="1" latinLnBrk="0" marL="1028700" rtl="0">
-        <a:defRPr kern="1200" sz="1350">
+      <a:lvl4pPr marL="1028700" algn="l" defTabSz="342900" rtl="0" eaLnBrk="1" latinLnBrk="0" hangingPunct="1">
+        <a:defRPr sz="1350" kern="1200">
           <a:solidFill>
             <a:schemeClr val="tx1"/>
           </a:solidFill>
@@ -3019,8 +3020,8 @@
           <a:cs typeface="+mn-cs"/>
         </a:defRPr>
       </a:lvl4pPr>
-      <a:lvl5pPr algn="l" defTabSz="342900" eaLnBrk="1" hangingPunct="1" latinLnBrk="0" marL="1371600" rtl="0">
-        <a:defRPr kern="1200" sz="1350">
+      <a:lvl5pPr marL="1371600" algn="l" defTabSz="342900" rtl="0" eaLnBrk="1" latinLnBrk="0" hangingPunct="1">
+        <a:defRPr sz="1350" kern="1200">
           <a:solidFill>
             <a:schemeClr val="tx1"/>
           </a:solidFill>
@@ -3029,8 +3030,8 @@
           <a:cs typeface="+mn-cs"/>
         </a:defRPr>
       </a:lvl5pPr>
-      <a:lvl6pPr algn="l" defTabSz="342900" eaLnBrk="1" hangingPunct="1" latinLnBrk="0" marL="1714500" rtl="0">
-        <a:defRPr kern="1200" sz="1350">
+      <a:lvl6pPr marL="1714500" algn="l" defTabSz="342900" rtl="0" eaLnBrk="1" latinLnBrk="0" hangingPunct="1">
+        <a:defRPr sz="1350" kern="1200">
           <a:solidFill>
             <a:schemeClr val="tx1"/>
           </a:solidFill>
@@ -3039,8 +3040,8 @@
           <a:cs typeface="+mn-cs"/>
         </a:defRPr>
       </a:lvl6pPr>
-      <a:lvl7pPr algn="l" defTabSz="342900" eaLnBrk="1" hangingPunct="1" latinLnBrk="0" marL="2057400" rtl="0">
-        <a:defRPr kern="1200" sz="1350">
+      <a:lvl7pPr marL="2057400" algn="l" defTabSz="342900" rtl="0" eaLnBrk="1" latinLnBrk="0" hangingPunct="1">
+        <a:defRPr sz="1350" kern="1200">
           <a:solidFill>
             <a:schemeClr val="tx1"/>
           </a:solidFill>
@@ -3049,8 +3050,8 @@
           <a:cs typeface="+mn-cs"/>
         </a:defRPr>
       </a:lvl7pPr>
-      <a:lvl8pPr algn="l" defTabSz="342900" eaLnBrk="1" hangingPunct="1" latinLnBrk="0" marL="2400300" rtl="0">
-        <a:defRPr kern="1200" sz="1350">
+      <a:lvl8pPr marL="2400300" algn="l" defTabSz="342900" rtl="0" eaLnBrk="1" latinLnBrk="0" hangingPunct="1">
+        <a:defRPr sz="1350" kern="1200">
           <a:solidFill>
             <a:schemeClr val="tx1"/>
           </a:solidFill>
@@ -3059,8 +3060,8 @@
           <a:cs typeface="+mn-cs"/>
         </a:defRPr>
       </a:lvl8pPr>
-      <a:lvl9pPr algn="l" defTabSz="342900" eaLnBrk="1" hangingPunct="1" latinLnBrk="0" marL="2743200" rtl="0">
-        <a:defRPr kern="1200" sz="1350">
+      <a:lvl9pPr marL="2743200" algn="l" defTabSz="342900" rtl="0" eaLnBrk="1" latinLnBrk="0" hangingPunct="1">
+        <a:defRPr sz="1350" kern="1200">
           <a:solidFill>
             <a:schemeClr val="tx1"/>
           </a:solidFill>
@@ -3103,19 +3104,21 @@
         </p:nvSpPr>
         <p:spPr>
           <a:xfrm>
-            <a:off x="685800" y="1597819"/>
-            <a:ext cx="7772400" cy="1102519"/>
+            <a:off x="685800" y="602673"/>
+            <a:ext cx="7772400" cy="2216727"/>
           </a:xfrm>
         </p:spPr>
         <p:txBody>
-          <a:bodyPr/>
+          <a:bodyPr>
+            <a:normAutofit/>
+          </a:bodyPr>
           <a:lstStyle/>
           <a:p>
-            <a:pPr lvl="0" indent="0" marL="0">
+            <a:pPr marL="0" lvl="0" indent="0">
               <a:buNone/>
             </a:pPr>
             <a:r>
-              <a:rPr/>
+              <a:rPr dirty="0"/>
               <a:t>骨髄バンクドナーコーディネート初期行程におけるコーディネート進行率増加を目指した介入研究</a:t>
             </a:r>
           </a:p>
@@ -3128,7 +3131,7 @@
             <a:spLocks noGrp="1"/>
           </p:cNvSpPr>
           <p:nvPr>
-            <p:ph idx="1" type="subTitle"/>
+            <p:ph type="subTitle" idx="1"/>
           </p:nvPr>
         </p:nvSpPr>
         <p:spPr>
@@ -3138,36 +3141,47 @@
           </a:xfrm>
         </p:spPr>
         <p:txBody>
-          <a:bodyPr/>
+          <a:bodyPr>
+            <a:normAutofit fontScale="62500" lnSpcReduction="20000"/>
+          </a:bodyPr>
           <a:lstStyle/>
           <a:p>
-            <a:pPr lvl="0" indent="0" marL="0">
+            <a:pPr marL="0" lvl="0" indent="0">
               <a:buNone/>
             </a:pPr>
-            <a:br/>
-            <a:br/>
-            <a:r>
-              <a:rPr/>
+            <a:br>
+              <a:rPr dirty="0"/>
+            </a:br>
+            <a:r>
+              <a:rPr dirty="0"/>
               <a:t>大竹文雄（大阪大学）</a:t>
             </a:r>
-            <a:br/>
-            <a:r>
-              <a:rPr/>
+            <a:br>
+              <a:rPr dirty="0"/>
+            </a:br>
+            <a:r>
+              <a:rPr dirty="0"/>
               <a:t>加藤大貴（大阪大学）</a:t>
             </a:r>
-            <a:br/>
-            <a:r>
-              <a:rPr/>
+            <a:br>
+              <a:rPr dirty="0"/>
+            </a:br>
+            <a:r>
+              <a:rPr dirty="0"/>
               <a:t>黒澤彩子（伊那中央病院）</a:t>
             </a:r>
-            <a:br/>
-            <a:r>
-              <a:rPr/>
+            <a:br>
+              <a:rPr dirty="0"/>
+            </a:br>
+            <a:r>
+              <a:rPr dirty="0"/>
               <a:t>吉内一浩（東京大学）</a:t>
             </a:r>
-            <a:br/>
-            <a:r>
-              <a:rPr/>
+            <a:br>
+              <a:rPr dirty="0"/>
+            </a:br>
+            <a:r>
+              <a:rPr dirty="0"/>
               <a:t>福田隆浩（国立がん研究センター中央病院）</a:t>
             </a:r>
           </a:p>
@@ -3175,6 +3189,9 @@
       </p:sp>
     </p:spTree>
   </p:cSld>
+  <p:clrMapOvr>
+    <a:masterClrMapping/>
+  </p:clrMapOvr>
 </p:sld>
 </file>
 
@@ -3210,11 +3227,11 @@
           <a:bodyPr/>
           <a:lstStyle/>
           <a:p>
-            <a:pPr lvl="0" indent="0" marL="0">
+            <a:pPr marL="0" lvl="0" indent="0">
               <a:buNone/>
             </a:pPr>
             <a:r>
-              <a:rPr/>
+              <a:rPr dirty="0"/>
               <a:t>一律介入と最適ターゲティングの効果</a:t>
             </a:r>
           </a:p>
@@ -3235,36 +3252,60 @@
           <a:bodyPr/>
           <a:lstStyle/>
           <a:p>
-            <a:pPr lvl="0" indent="0" marL="0">
+            <a:pPr marL="0" lvl="0" indent="0">
               <a:buNone/>
             </a:pPr>
             <a:r>
-              <a:rPr/>
+              <a:rPr dirty="0"/>
               <a:t>アウトカム：返信時に提供意向を示したかどうか</a:t>
             </a:r>
           </a:p>
         </p:txBody>
       </p:sp>
-      <p:graphicFrame xmlns:a="http://schemas.openxmlformats.org/drawingml/2006/main" xmlns:r="http://schemas.openxmlformats.org/officeDocument/2006/relationships" xmlns:p="http://schemas.openxmlformats.org/presentationml/2006/main">
+      <p:graphicFrame>
         <p:nvGraphicFramePr>
-          <p:cNvPr id="322076925" name=""/>
+          <p:cNvPr id="561575257" name="表 561575256"/>
           <p:cNvGraphicFramePr>
-            <a:graphicFrameLocks noGrp="true"/>
+            <a:graphicFrameLocks noGrp="1"/>
           </p:cNvGraphicFramePr>
-          <p:nvPr/>
+          <p:nvPr>
+            <p:extLst>
+              <p:ext uri="{D42A27DB-BD31-4B8C-83A1-F6EECF244321}">
+                <p14:modId xmlns:p14="http://schemas.microsoft.com/office/powerpoint/2010/main" val="167368018"/>
+              </p:ext>
+            </p:extLst>
+          </p:nvPr>
         </p:nvGraphicFramePr>
-        <p:xfrm rot="0">
-          <a:off x="914400" y="1828800"/>
-          <a:ext cx="9144000" cy="5486400"/>
+        <p:xfrm>
+          <a:off x="2743200" y="2137409"/>
+          <a:ext cx="3657600" cy="1805940"/>
         </p:xfrm>
         <a:graphic>
           <a:graphicData uri="http://schemas.openxmlformats.org/drawingml/2006/table">
             <a:tbl>
               <a:tblPr/>
               <a:tblGrid>
-                <a:gridCol w="1828800"/>
-                <a:gridCol w="914400"/>
-                <a:gridCol w="914400"/>
+                <a:gridCol w="1828800">
+                  <a:extLst>
+                    <a:ext uri="{9D8B030D-6E8A-4147-A177-3AD203B41FA5}">
+                      <a16:colId xmlns:a16="http://schemas.microsoft.com/office/drawing/2014/main" val="20000"/>
+                    </a:ext>
+                  </a:extLst>
+                </a:gridCol>
+                <a:gridCol w="914400">
+                  <a:extLst>
+                    <a:ext uri="{9D8B030D-6E8A-4147-A177-3AD203B41FA5}">
+                      <a16:colId xmlns:a16="http://schemas.microsoft.com/office/drawing/2014/main" val="20001"/>
+                    </a:ext>
+                  </a:extLst>
+                </a:gridCol>
+                <a:gridCol w="914400">
+                  <a:extLst>
+                    <a:ext uri="{9D8B030D-6E8A-4147-A177-3AD203B41FA5}">
+                      <a16:colId xmlns:a16="http://schemas.microsoft.com/office/drawing/2014/main" val="20002"/>
+                    </a:ext>
+                  </a:extLst>
+                </a:gridCol>
               </a:tblGrid>
               <a:tr h="228600">
                 <a:tc>
@@ -3272,7 +3313,7 @@
                     <a:bodyPr/>
                     <a:lstStyle/>
                     <a:p>
-                      <a:pPr algn="l" marL="63500" marR="63500">
+                      <a:pPr marL="63500" marR="63500" algn="l">
                         <a:lnSpc>
                           <a:spcPct val="100000"/>
                         </a:lnSpc>
@@ -3284,32 +3325,19 @@
                         </a:spcAft>
                         <a:buNone/>
                       </a:pPr>
-                      <a:r>
-                        <a:rPr cap="none" sz="1100" i="0" b="0" u="none">
-                          <a:solidFill>
-                            <a:srgbClr val="000000">
-                              <a:alpha val="100000"/>
-                            </a:srgbClr>
-                          </a:solidFill>
-                          <a:latin typeface="Arial"/>
-                          <a:cs typeface="Arial"/>
-                          <a:ea typeface="Arial"/>
-                          <a:sym typeface="Arial"/>
-                        </a:rPr>
-                        <a:t/>
-                      </a:r>
+                      <a:endParaRPr/>
                     </a:p>
                   </a:txBody>
-                  <a:tcPr anchor="ctr" marB="63500" marT="63500" marR="0" marL="0">
-                    <a:lnL algn="ctr" cmpd="sng" cap="flat" w="0">
+                  <a:tcPr marL="0" marR="0" marT="63500" marB="63500" anchor="ctr">
+                    <a:lnL w="0" cap="flat" cmpd="sng" algn="ctr">
                       <a:noFill/>
                       <a:prstDash val="solid"/>
                     </a:lnL>
-                    <a:lnR algn="ctr" cmpd="sng" cap="flat" w="0">
+                    <a:lnR w="0" cap="flat" cmpd="sng" algn="ctr">
                       <a:noFill/>
                       <a:prstDash val="solid"/>
                     </a:lnR>
-                    <a:lnT algn="ctr" cmpd="sng" cap="flat" w="12700">
+                    <a:lnT w="12700" cap="flat" cmpd="sng" algn="ctr">
                       <a:solidFill>
                         <a:srgbClr val="000000">
                           <a:alpha val="100000"/>
@@ -3317,7 +3345,7 @@
                       </a:solidFill>
                       <a:prstDash val="solid"/>
                     </a:lnT>
-                    <a:lnB algn="ctr" cmpd="sng" cap="flat" w="0">
+                    <a:lnB w="0" cap="flat" cmpd="sng" algn="ctr">
                       <a:noFill/>
                       <a:prstDash val="solid"/>
                     </a:lnB>
@@ -3333,7 +3361,7 @@
                     <a:bodyPr/>
                     <a:lstStyle/>
                     <a:p>
-                      <a:pPr algn="ctr" marL="63500" marR="63500">
+                      <a:pPr marL="63500" marR="63500" algn="ctr">
                         <a:lnSpc>
                           <a:spcPct val="100000"/>
                         </a:lnSpc>
@@ -3346,7 +3374,7 @@
                         <a:buNone/>
                       </a:pPr>
                       <a:r>
-                        <a:rPr cap="none" sz="1100" i="0" b="0" u="none">
+                        <a:rPr sz="1100" b="0" i="0" u="none" cap="none">
                           <a:solidFill>
                             <a:srgbClr val="000000">
                               <a:alpha val="100000"/>
@@ -3354,23 +3382,22 @@
                           </a:solidFill>
                           <a:latin typeface="Arial"/>
                           <a:cs typeface="Arial"/>
-                          <a:ea typeface="Arial"/>
                           <a:sym typeface="Arial"/>
                         </a:rPr>
                         <a:t>Predicted treatment effect</a:t>
                       </a:r>
                     </a:p>
                   </a:txBody>
-                  <a:tcPr anchor="ctr" marB="63500" marT="63500" marR="0" marL="0">
-                    <a:lnL algn="ctr" cmpd="sng" cap="flat" w="0">
+                  <a:tcPr marL="0" marR="0" marT="63500" marB="63500" anchor="ctr">
+                    <a:lnL w="0" cap="flat" cmpd="sng" algn="ctr">
                       <a:noFill/>
                       <a:prstDash val="solid"/>
                     </a:lnL>
-                    <a:lnR algn="ctr" cmpd="sng" cap="flat" w="0">
+                    <a:lnR w="0" cap="flat" cmpd="sng" algn="ctr">
                       <a:noFill/>
                       <a:prstDash val="solid"/>
                     </a:lnR>
-                    <a:lnT algn="ctr" cmpd="sng" cap="flat" w="12700">
+                    <a:lnT w="12700" cap="flat" cmpd="sng" algn="ctr">
                       <a:solidFill>
                         <a:srgbClr val="000000">
                           <a:alpha val="100000"/>
@@ -3378,7 +3405,7 @@
                       </a:solidFill>
                       <a:prstDash val="solid"/>
                     </a:lnT>
-                    <a:lnB algn="ctr" cmpd="sng" cap="flat" w="0">
+                    <a:lnB w="0" cap="flat" cmpd="sng" algn="ctr">
                       <a:noFill/>
                       <a:prstDash val="solid"/>
                     </a:lnB>
@@ -3389,12 +3416,12 @@
                     </a:solidFill>
                   </a:tcPr>
                 </a:tc>
-                <a:tc hMerge="true">
+                <a:tc hMerge="1">
                   <a:txBody>
                     <a:bodyPr/>
                     <a:lstStyle/>
                     <a:p>
-                      <a:pPr algn="ctr" marL="63500" marR="63500">
+                      <a:pPr marL="63500" marR="63500" algn="ctr">
                         <a:lnSpc>
                           <a:spcPct val="100000"/>
                         </a:lnSpc>
@@ -3407,7 +3434,7 @@
                         <a:buNone/>
                       </a:pPr>
                       <a:r>
-                        <a:rPr cap="none" sz="1100" i="0" b="0" u="none">
+                        <a:rPr sz="1100" b="0" i="0" u="none" cap="none">
                           <a:solidFill>
                             <a:srgbClr val="000000">
                               <a:alpha val="100000"/>
@@ -3415,23 +3442,22 @@
                           </a:solidFill>
                           <a:latin typeface="Arial"/>
                           <a:cs typeface="Arial"/>
-                          <a:ea typeface="Arial"/>
                           <a:sym typeface="Arial"/>
                         </a:rPr>
                         <a:t>Predicted treatment effect</a:t>
                       </a:r>
                     </a:p>
                   </a:txBody>
-                  <a:tcPr anchor="ctr" marB="63500" marT="63500" marR="0" marL="0">
-                    <a:lnL algn="ctr" cmpd="sng" cap="flat" w="0">
+                  <a:tcPr marL="0" marR="0" marT="63500" marB="63500" anchor="ctr">
+                    <a:lnL w="0" cap="flat" cmpd="sng" algn="ctr">
                       <a:noFill/>
                       <a:prstDash val="solid"/>
                     </a:lnL>
-                    <a:lnR algn="ctr" cmpd="sng" cap="flat" w="0">
+                    <a:lnR w="0" cap="flat" cmpd="sng" algn="ctr">
                       <a:noFill/>
                       <a:prstDash val="solid"/>
                     </a:lnR>
-                    <a:lnT algn="ctr" cmpd="sng" cap="flat" w="12700">
+                    <a:lnT w="12700" cap="flat" cmpd="sng" algn="ctr">
                       <a:solidFill>
                         <a:srgbClr val="000000">
                           <a:alpha val="100000"/>
@@ -3439,7 +3465,7 @@
                       </a:solidFill>
                       <a:prstDash val="solid"/>
                     </a:lnT>
-                    <a:lnB algn="ctr" cmpd="sng" cap="flat" w="0">
+                    <a:lnB w="0" cap="flat" cmpd="sng" algn="ctr">
                       <a:noFill/>
                       <a:prstDash val="solid"/>
                     </a:lnB>
@@ -3450,6 +3476,11 @@
                     </a:solidFill>
                   </a:tcPr>
                 </a:tc>
+                <a:extLst>
+                  <a:ext uri="{0D108BD9-81ED-4DB2-BD59-A6C34878D82A}">
+                    <a16:rowId xmlns:a16="http://schemas.microsoft.com/office/drawing/2014/main" val="10000"/>
+                  </a:ext>
+                </a:extLst>
               </a:tr>
               <a:tr h="228600">
                 <a:tc>
@@ -3457,7 +3488,7 @@
                     <a:bodyPr/>
                     <a:lstStyle/>
                     <a:p>
-                      <a:pPr algn="l" marL="63500" marR="63500">
+                      <a:pPr marL="63500" marR="63500" algn="l">
                         <a:lnSpc>
                           <a:spcPct val="100000"/>
                         </a:lnSpc>
@@ -3470,7 +3501,7 @@
                         <a:buNone/>
                       </a:pPr>
                       <a:r>
-                        <a:rPr cap="none" sz="1100" i="0" b="0" u="none">
+                        <a:rPr sz="1100" b="0" i="0" u="none" cap="none">
                           <a:solidFill>
                             <a:srgbClr val="000000">
                               <a:alpha val="100000"/>
@@ -3478,27 +3509,26 @@
                           </a:solidFill>
                           <a:latin typeface="Arial"/>
                           <a:cs typeface="Arial"/>
-                          <a:ea typeface="Arial"/>
                           <a:sym typeface="Arial"/>
                         </a:rPr>
                         <a:t> </a:t>
                       </a:r>
                     </a:p>
                   </a:txBody>
-                  <a:tcPr anchor="ctr" marB="63500" marT="63500" marR="0" marL="0">
-                    <a:lnL algn="ctr" cmpd="sng" cap="flat" w="0">
+                  <a:tcPr marL="0" marR="0" marT="63500" marB="63500" anchor="ctr">
+                    <a:lnL w="0" cap="flat" cmpd="sng" algn="ctr">
                       <a:noFill/>
                       <a:prstDash val="solid"/>
                     </a:lnL>
-                    <a:lnR algn="ctr" cmpd="sng" cap="flat" w="0">
+                    <a:lnR w="0" cap="flat" cmpd="sng" algn="ctr">
                       <a:noFill/>
                       <a:prstDash val="solid"/>
                     </a:lnR>
-                    <a:lnT algn="ctr" cmpd="sng" cap="flat" w="0">
+                    <a:lnT w="0" cap="flat" cmpd="sng" algn="ctr">
                       <a:noFill/>
                       <a:prstDash val="solid"/>
                     </a:lnT>
-                    <a:lnB algn="ctr" cmpd="sng" cap="flat" w="12700">
+                    <a:lnB w="12700" cap="flat" cmpd="sng" algn="ctr">
                       <a:solidFill>
                         <a:srgbClr val="000000">
                           <a:alpha val="100000"/>
@@ -3518,7 +3548,7 @@
                     <a:bodyPr/>
                     <a:lstStyle/>
                     <a:p>
-                      <a:pPr algn="ctr" marL="63500" marR="63500">
+                      <a:pPr marL="63500" marR="63500" algn="ctr">
                         <a:lnSpc>
                           <a:spcPct val="100000"/>
                         </a:lnSpc>
@@ -3531,7 +3561,7 @@
                         <a:buNone/>
                       </a:pPr>
                       <a:r>
-                        <a:rPr cap="none" sz="1100" i="0" b="0" u="none">
+                        <a:rPr sz="1100" b="0" i="0" u="none" cap="none">
                           <a:solidFill>
                             <a:srgbClr val="000000">
                               <a:alpha val="100000"/>
@@ -3539,27 +3569,26 @@
                           </a:solidFill>
                           <a:latin typeface="Arial"/>
                           <a:cs typeface="Arial"/>
-                          <a:ea typeface="Arial"/>
                           <a:sym typeface="Arial"/>
                         </a:rPr>
                         <a:t>Mean</a:t>
                       </a:r>
                     </a:p>
                   </a:txBody>
-                  <a:tcPr anchor="ctr" marB="63500" marT="63500" marR="0" marL="0">
-                    <a:lnL algn="ctr" cmpd="sng" cap="flat" w="0">
+                  <a:tcPr marL="0" marR="0" marT="63500" marB="63500" anchor="ctr">
+                    <a:lnL w="0" cap="flat" cmpd="sng" algn="ctr">
                       <a:noFill/>
                       <a:prstDash val="solid"/>
                     </a:lnL>
-                    <a:lnR algn="ctr" cmpd="sng" cap="flat" w="0">
+                    <a:lnR w="0" cap="flat" cmpd="sng" algn="ctr">
                       <a:noFill/>
                       <a:prstDash val="solid"/>
                     </a:lnR>
-                    <a:lnT algn="ctr" cmpd="sng" cap="flat" w="0">
+                    <a:lnT w="0" cap="flat" cmpd="sng" algn="ctr">
                       <a:noFill/>
                       <a:prstDash val="solid"/>
                     </a:lnT>
-                    <a:lnB algn="ctr" cmpd="sng" cap="flat" w="12700">
+                    <a:lnB w="12700" cap="flat" cmpd="sng" algn="ctr">
                       <a:solidFill>
                         <a:srgbClr val="000000">
                           <a:alpha val="100000"/>
@@ -3579,7 +3608,7 @@
                     <a:bodyPr/>
                     <a:lstStyle/>
                     <a:p>
-                      <a:pPr algn="ctr" marL="63500" marR="63500">
+                      <a:pPr marL="63500" marR="63500" algn="ctr">
                         <a:lnSpc>
                           <a:spcPct val="100000"/>
                         </a:lnSpc>
@@ -3592,7 +3621,7 @@
                         <a:buNone/>
                       </a:pPr>
                       <a:r>
-                        <a:rPr cap="none" sz="1100" i="0" b="0" u="none">
+                        <a:rPr sz="1100" b="0" i="0" u="none" cap="none">
                           <a:solidFill>
                             <a:srgbClr val="000000">
                               <a:alpha val="100000"/>
@@ -3600,27 +3629,26 @@
                           </a:solidFill>
                           <a:latin typeface="Arial"/>
                           <a:cs typeface="Arial"/>
-                          <a:ea typeface="Arial"/>
                           <a:sym typeface="Arial"/>
                         </a:rPr>
                         <a:t>SD</a:t>
                       </a:r>
                     </a:p>
                   </a:txBody>
-                  <a:tcPr anchor="ctr" marB="63500" marT="63500" marR="0" marL="0">
-                    <a:lnL algn="ctr" cmpd="sng" cap="flat" w="0">
+                  <a:tcPr marL="0" marR="0" marT="63500" marB="63500" anchor="ctr">
+                    <a:lnL w="0" cap="flat" cmpd="sng" algn="ctr">
                       <a:noFill/>
                       <a:prstDash val="solid"/>
                     </a:lnL>
-                    <a:lnR algn="ctr" cmpd="sng" cap="flat" w="0">
+                    <a:lnR w="0" cap="flat" cmpd="sng" algn="ctr">
                       <a:noFill/>
                       <a:prstDash val="solid"/>
                     </a:lnR>
-                    <a:lnT algn="ctr" cmpd="sng" cap="flat" w="0">
+                    <a:lnT w="0" cap="flat" cmpd="sng" algn="ctr">
                       <a:noFill/>
                       <a:prstDash val="solid"/>
                     </a:lnT>
-                    <a:lnB algn="ctr" cmpd="sng" cap="flat" w="12700">
+                    <a:lnB w="12700" cap="flat" cmpd="sng" algn="ctr">
                       <a:solidFill>
                         <a:srgbClr val="000000">
                           <a:alpha val="100000"/>
@@ -3635,6 +3663,11 @@
                     </a:solidFill>
                   </a:tcPr>
                 </a:tc>
+                <a:extLst>
+                  <a:ext uri="{0D108BD9-81ED-4DB2-BD59-A6C34878D82A}">
+                    <a16:rowId xmlns:a16="http://schemas.microsoft.com/office/drawing/2014/main" val="10001"/>
+                  </a:ext>
+                </a:extLst>
               </a:tr>
               <a:tr h="228600">
                 <a:tc>
@@ -3642,7 +3675,7 @@
                     <a:bodyPr/>
                     <a:lstStyle/>
                     <a:p>
-                      <a:pPr algn="l" marL="63500" marR="63500">
+                      <a:pPr marL="63500" marR="63500" algn="l">
                         <a:lnSpc>
                           <a:spcPct val="100000"/>
                         </a:lnSpc>
@@ -3655,7 +3688,7 @@
                         <a:buNone/>
                       </a:pPr>
                       <a:r>
-                        <a:rPr cap="none" sz="1100" i="0" b="0" u="none">
+                        <a:rPr sz="1100" b="0" i="0" u="none" cap="none">
                           <a:solidFill>
                             <a:srgbClr val="000000">
                               <a:alpha val="100000"/>
@@ -3663,27 +3696,31 @@
                           </a:solidFill>
                           <a:latin typeface="Arial"/>
                           <a:cs typeface="Arial"/>
-                          <a:ea typeface="Arial"/>
                           <a:sym typeface="Arial"/>
                         </a:rPr>
                         <a:t>Treatment B (uniform)</a:t>
                       </a:r>
                     </a:p>
                   </a:txBody>
-                  <a:tcPr anchor="ctr" marB="63500" marT="63500" marR="0" marL="0">
-                    <a:lnL algn="ctr" cmpd="sng" cap="flat" w="0">
+                  <a:tcPr marL="0" marR="0" marT="63500" marB="63500" anchor="ctr">
+                    <a:lnL w="0" cap="flat" cmpd="sng" algn="ctr">
                       <a:noFill/>
                       <a:prstDash val="solid"/>
                     </a:lnL>
-                    <a:lnR algn="ctr" cmpd="sng" cap="flat" w="0">
+                    <a:lnR w="0" cap="flat" cmpd="sng" algn="ctr">
                       <a:noFill/>
                       <a:prstDash val="solid"/>
                     </a:lnR>
-                    <a:lnT algn="ctr" cmpd="sng" cap="flat" w="0">
-                      <a:noFill/>
-                      <a:prstDash val="solid"/>
+                    <a:lnT w="12700" cap="flat" cmpd="sng" algn="ctr">
+                      <a:solidFill>
+                        <a:srgbClr val="000000"/>
+                      </a:solidFill>
+                      <a:prstDash val="solid"/>
+                      <a:round/>
+                      <a:headEnd type="none" w="med" len="med"/>
+                      <a:tailEnd type="none" w="med" len="med"/>
                     </a:lnT>
-                    <a:lnB algn="ctr" cmpd="sng" cap="flat" w="0">
+                    <a:lnB w="0" cap="flat" cmpd="sng" algn="ctr">
                       <a:noFill/>
                       <a:prstDash val="solid"/>
                     </a:lnB>
@@ -3699,7 +3736,7 @@
                     <a:bodyPr/>
                     <a:lstStyle/>
                     <a:p>
-                      <a:pPr algn="ctr" marL="63500" marR="63500">
+                      <a:pPr marL="63500" marR="63500" algn="ctr">
                         <a:lnSpc>
                           <a:spcPct val="100000"/>
                         </a:lnSpc>
@@ -3712,7 +3749,7 @@
                         <a:buNone/>
                       </a:pPr>
                       <a:r>
-                        <a:rPr cap="none" sz="1100" i="0" b="0" u="none">
+                        <a:rPr sz="1100" b="0" i="0" u="none" cap="none">
                           <a:solidFill>
                             <a:srgbClr val="000000">
                               <a:alpha val="100000"/>
@@ -3720,27 +3757,31 @@
                           </a:solidFill>
                           <a:latin typeface="Arial"/>
                           <a:cs typeface="Arial"/>
-                          <a:ea typeface="Arial"/>
                           <a:sym typeface="Arial"/>
                         </a:rPr>
                         <a:t>0.0206</a:t>
                       </a:r>
                     </a:p>
                   </a:txBody>
-                  <a:tcPr anchor="ctr" marB="63500" marT="63500" marR="0" marL="0">
-                    <a:lnL algn="ctr" cmpd="sng" cap="flat" w="0">
+                  <a:tcPr marL="0" marR="0" marT="63500" marB="63500" anchor="ctr">
+                    <a:lnL w="0" cap="flat" cmpd="sng" algn="ctr">
                       <a:noFill/>
                       <a:prstDash val="solid"/>
                     </a:lnL>
-                    <a:lnR algn="ctr" cmpd="sng" cap="flat" w="0">
+                    <a:lnR w="0" cap="flat" cmpd="sng" algn="ctr">
                       <a:noFill/>
                       <a:prstDash val="solid"/>
                     </a:lnR>
-                    <a:lnT algn="ctr" cmpd="sng" cap="flat" w="0">
-                      <a:noFill/>
-                      <a:prstDash val="solid"/>
+                    <a:lnT w="12700" cap="flat" cmpd="sng" algn="ctr">
+                      <a:solidFill>
+                        <a:srgbClr val="000000"/>
+                      </a:solidFill>
+                      <a:prstDash val="solid"/>
+                      <a:round/>
+                      <a:headEnd type="none" w="med" len="med"/>
+                      <a:tailEnd type="none" w="med" len="med"/>
                     </a:lnT>
-                    <a:lnB algn="ctr" cmpd="sng" cap="flat" w="0">
+                    <a:lnB w="0" cap="flat" cmpd="sng" algn="ctr">
                       <a:noFill/>
                       <a:prstDash val="solid"/>
                     </a:lnB>
@@ -3756,7 +3797,7 @@
                     <a:bodyPr/>
                     <a:lstStyle/>
                     <a:p>
-                      <a:pPr algn="ctr" marL="63500" marR="63500">
+                      <a:pPr marL="63500" marR="63500" algn="ctr">
                         <a:lnSpc>
                           <a:spcPct val="100000"/>
                         </a:lnSpc>
@@ -3769,7 +3810,7 @@
                         <a:buNone/>
                       </a:pPr>
                       <a:r>
-                        <a:rPr cap="none" sz="1100" i="0" b="0" u="none">
+                        <a:rPr sz="1100" b="0" i="0" u="none" cap="none">
                           <a:solidFill>
                             <a:srgbClr val="000000">
                               <a:alpha val="100000"/>
@@ -3777,27 +3818,31 @@
                           </a:solidFill>
                           <a:latin typeface="Arial"/>
                           <a:cs typeface="Arial"/>
-                          <a:ea typeface="Arial"/>
                           <a:sym typeface="Arial"/>
                         </a:rPr>
                         <a:t>0.0570</a:t>
                       </a:r>
                     </a:p>
                   </a:txBody>
-                  <a:tcPr anchor="ctr" marB="63500" marT="63500" marR="0" marL="0">
-                    <a:lnL algn="ctr" cmpd="sng" cap="flat" w="0">
+                  <a:tcPr marL="0" marR="0" marT="63500" marB="63500" anchor="ctr">
+                    <a:lnL w="0" cap="flat" cmpd="sng" algn="ctr">
                       <a:noFill/>
                       <a:prstDash val="solid"/>
                     </a:lnL>
-                    <a:lnR algn="ctr" cmpd="sng" cap="flat" w="0">
+                    <a:lnR w="0" cap="flat" cmpd="sng" algn="ctr">
                       <a:noFill/>
                       <a:prstDash val="solid"/>
                     </a:lnR>
-                    <a:lnT algn="ctr" cmpd="sng" cap="flat" w="0">
-                      <a:noFill/>
-                      <a:prstDash val="solid"/>
+                    <a:lnT w="12700" cap="flat" cmpd="sng" algn="ctr">
+                      <a:solidFill>
+                        <a:srgbClr val="000000"/>
+                      </a:solidFill>
+                      <a:prstDash val="solid"/>
+                      <a:round/>
+                      <a:headEnd type="none" w="med" len="med"/>
+                      <a:tailEnd type="none" w="med" len="med"/>
                     </a:lnT>
-                    <a:lnB algn="ctr" cmpd="sng" cap="flat" w="0">
+                    <a:lnB w="0" cap="flat" cmpd="sng" algn="ctr">
                       <a:noFill/>
                       <a:prstDash val="solid"/>
                     </a:lnB>
@@ -3808,6 +3853,11 @@
                     </a:solidFill>
                   </a:tcPr>
                 </a:tc>
+                <a:extLst>
+                  <a:ext uri="{0D108BD9-81ED-4DB2-BD59-A6C34878D82A}">
+                    <a16:rowId xmlns:a16="http://schemas.microsoft.com/office/drawing/2014/main" val="10002"/>
+                  </a:ext>
+                </a:extLst>
               </a:tr>
               <a:tr h="228600">
                 <a:tc>
@@ -3815,7 +3865,7 @@
                     <a:bodyPr/>
                     <a:lstStyle/>
                     <a:p>
-                      <a:pPr algn="l" marL="63500" marR="63500">
+                      <a:pPr marL="63500" marR="63500" algn="l">
                         <a:lnSpc>
                           <a:spcPct val="100000"/>
                         </a:lnSpc>
@@ -3828,7 +3878,7 @@
                         <a:buNone/>
                       </a:pPr>
                       <a:r>
-                        <a:rPr cap="none" sz="1100" i="0" b="0" u="none">
+                        <a:rPr sz="1100" b="0" i="0" u="none" cap="none">
                           <a:solidFill>
                             <a:srgbClr val="000000">
                               <a:alpha val="100000"/>
@@ -3836,27 +3886,26 @@
                           </a:solidFill>
                           <a:latin typeface="Arial"/>
                           <a:cs typeface="Arial"/>
-                          <a:ea typeface="Arial"/>
                           <a:sym typeface="Arial"/>
                         </a:rPr>
                         <a:t>Treatment C (uniform)</a:t>
                       </a:r>
                     </a:p>
                   </a:txBody>
-                  <a:tcPr anchor="ctr" marB="63500" marT="63500" marR="0" marL="0">
-                    <a:lnL algn="ctr" cmpd="sng" cap="flat" w="0">
+                  <a:tcPr marL="0" marR="0" marT="63500" marB="63500" anchor="ctr">
+                    <a:lnL w="0" cap="flat" cmpd="sng" algn="ctr">
                       <a:noFill/>
                       <a:prstDash val="solid"/>
                     </a:lnL>
-                    <a:lnR algn="ctr" cmpd="sng" cap="flat" w="0">
+                    <a:lnR w="0" cap="flat" cmpd="sng" algn="ctr">
                       <a:noFill/>
                       <a:prstDash val="solid"/>
                     </a:lnR>
-                    <a:lnT algn="ctr" cmpd="sng" cap="flat" w="0">
+                    <a:lnT w="0" cap="flat" cmpd="sng" algn="ctr">
                       <a:noFill/>
                       <a:prstDash val="solid"/>
                     </a:lnT>
-                    <a:lnB algn="ctr" cmpd="sng" cap="flat" w="0">
+                    <a:lnB w="0" cap="flat" cmpd="sng" algn="ctr">
                       <a:noFill/>
                       <a:prstDash val="solid"/>
                     </a:lnB>
@@ -3872,7 +3921,7 @@
                     <a:bodyPr/>
                     <a:lstStyle/>
                     <a:p>
-                      <a:pPr algn="ctr" marL="63500" marR="63500">
+                      <a:pPr marL="63500" marR="63500" algn="ctr">
                         <a:lnSpc>
                           <a:spcPct val="100000"/>
                         </a:lnSpc>
@@ -3885,7 +3934,7 @@
                         <a:buNone/>
                       </a:pPr>
                       <a:r>
-                        <a:rPr cap="none" sz="1100" i="0" b="0" u="none">
+                        <a:rPr sz="1100" b="0" i="0" u="none" cap="none">
                           <a:solidFill>
                             <a:srgbClr val="000000">
                               <a:alpha val="100000"/>
@@ -3893,27 +3942,26 @@
                           </a:solidFill>
                           <a:latin typeface="Arial"/>
                           <a:cs typeface="Arial"/>
-                          <a:ea typeface="Arial"/>
                           <a:sym typeface="Arial"/>
                         </a:rPr>
                         <a:t>-0.0019</a:t>
                       </a:r>
                     </a:p>
                   </a:txBody>
-                  <a:tcPr anchor="ctr" marB="63500" marT="63500" marR="0" marL="0">
-                    <a:lnL algn="ctr" cmpd="sng" cap="flat" w="0">
+                  <a:tcPr marL="0" marR="0" marT="63500" marB="63500" anchor="ctr">
+                    <a:lnL w="0" cap="flat" cmpd="sng" algn="ctr">
                       <a:noFill/>
                       <a:prstDash val="solid"/>
                     </a:lnL>
-                    <a:lnR algn="ctr" cmpd="sng" cap="flat" w="0">
+                    <a:lnR w="0" cap="flat" cmpd="sng" algn="ctr">
                       <a:noFill/>
                       <a:prstDash val="solid"/>
                     </a:lnR>
-                    <a:lnT algn="ctr" cmpd="sng" cap="flat" w="0">
+                    <a:lnT w="0" cap="flat" cmpd="sng" algn="ctr">
                       <a:noFill/>
                       <a:prstDash val="solid"/>
                     </a:lnT>
-                    <a:lnB algn="ctr" cmpd="sng" cap="flat" w="0">
+                    <a:lnB w="0" cap="flat" cmpd="sng" algn="ctr">
                       <a:noFill/>
                       <a:prstDash val="solid"/>
                     </a:lnB>
@@ -3929,7 +3977,7 @@
                     <a:bodyPr/>
                     <a:lstStyle/>
                     <a:p>
-                      <a:pPr algn="ctr" marL="63500" marR="63500">
+                      <a:pPr marL="63500" marR="63500" algn="ctr">
                         <a:lnSpc>
                           <a:spcPct val="100000"/>
                         </a:lnSpc>
@@ -3942,7 +3990,7 @@
                         <a:buNone/>
                       </a:pPr>
                       <a:r>
-                        <a:rPr cap="none" sz="1100" i="0" b="0" u="none">
+                        <a:rPr sz="1100" b="0" i="0" u="none" cap="none">
                           <a:solidFill>
                             <a:srgbClr val="000000">
                               <a:alpha val="100000"/>
@@ -3950,27 +3998,26 @@
                           </a:solidFill>
                           <a:latin typeface="Arial"/>
                           <a:cs typeface="Arial"/>
-                          <a:ea typeface="Arial"/>
                           <a:sym typeface="Arial"/>
                         </a:rPr>
                         <a:t>0.0598</a:t>
                       </a:r>
                     </a:p>
                   </a:txBody>
-                  <a:tcPr anchor="ctr" marB="63500" marT="63500" marR="0" marL="0">
-                    <a:lnL algn="ctr" cmpd="sng" cap="flat" w="0">
+                  <a:tcPr marL="0" marR="0" marT="63500" marB="63500" anchor="ctr">
+                    <a:lnL w="0" cap="flat" cmpd="sng" algn="ctr">
                       <a:noFill/>
                       <a:prstDash val="solid"/>
                     </a:lnL>
-                    <a:lnR algn="ctr" cmpd="sng" cap="flat" w="0">
+                    <a:lnR w="0" cap="flat" cmpd="sng" algn="ctr">
                       <a:noFill/>
                       <a:prstDash val="solid"/>
                     </a:lnR>
-                    <a:lnT algn="ctr" cmpd="sng" cap="flat" w="0">
+                    <a:lnT w="0" cap="flat" cmpd="sng" algn="ctr">
                       <a:noFill/>
                       <a:prstDash val="solid"/>
                     </a:lnT>
-                    <a:lnB algn="ctr" cmpd="sng" cap="flat" w="0">
+                    <a:lnB w="0" cap="flat" cmpd="sng" algn="ctr">
                       <a:noFill/>
                       <a:prstDash val="solid"/>
                     </a:lnB>
@@ -3981,6 +4028,11 @@
                     </a:solidFill>
                   </a:tcPr>
                 </a:tc>
+                <a:extLst>
+                  <a:ext uri="{0D108BD9-81ED-4DB2-BD59-A6C34878D82A}">
+                    <a16:rowId xmlns:a16="http://schemas.microsoft.com/office/drawing/2014/main" val="10003"/>
+                  </a:ext>
+                </a:extLst>
               </a:tr>
               <a:tr h="228600">
                 <a:tc>
@@ -3988,7 +4040,7 @@
                     <a:bodyPr/>
                     <a:lstStyle/>
                     <a:p>
-                      <a:pPr algn="l" marL="63500" marR="63500">
+                      <a:pPr marL="63500" marR="63500" algn="l">
                         <a:lnSpc>
                           <a:spcPct val="100000"/>
                         </a:lnSpc>
@@ -4001,7 +4053,7 @@
                         <a:buNone/>
                       </a:pPr>
                       <a:r>
-                        <a:rPr cap="none" sz="1100" i="0" b="0" u="none">
+                        <a:rPr sz="1100" b="0" i="0" u="none" cap="none">
                           <a:solidFill>
                             <a:srgbClr val="000000">
                               <a:alpha val="100000"/>
@@ -4009,27 +4061,26 @@
                           </a:solidFill>
                           <a:latin typeface="Arial"/>
                           <a:cs typeface="Arial"/>
-                          <a:ea typeface="Arial"/>
                           <a:sym typeface="Arial"/>
                         </a:rPr>
                         <a:t>Treatment D (uniform)</a:t>
                       </a:r>
                     </a:p>
                   </a:txBody>
-                  <a:tcPr anchor="ctr" marB="63500" marT="63500" marR="0" marL="0">
-                    <a:lnL algn="ctr" cmpd="sng" cap="flat" w="0">
+                  <a:tcPr marL="0" marR="0" marT="63500" marB="63500" anchor="ctr">
+                    <a:lnL w="0" cap="flat" cmpd="sng" algn="ctr">
                       <a:noFill/>
                       <a:prstDash val="solid"/>
                     </a:lnL>
-                    <a:lnR algn="ctr" cmpd="sng" cap="flat" w="0">
+                    <a:lnR w="0" cap="flat" cmpd="sng" algn="ctr">
                       <a:noFill/>
                       <a:prstDash val="solid"/>
                     </a:lnR>
-                    <a:lnT algn="ctr" cmpd="sng" cap="flat" w="0">
+                    <a:lnT w="0" cap="flat" cmpd="sng" algn="ctr">
                       <a:noFill/>
                       <a:prstDash val="solid"/>
                     </a:lnT>
-                    <a:lnB algn="ctr" cmpd="sng" cap="flat" w="0">
+                    <a:lnB w="0" cap="flat" cmpd="sng" algn="ctr">
                       <a:noFill/>
                       <a:prstDash val="solid"/>
                     </a:lnB>
@@ -4045,7 +4096,7 @@
                     <a:bodyPr/>
                     <a:lstStyle/>
                     <a:p>
-                      <a:pPr algn="ctr" marL="63500" marR="63500">
+                      <a:pPr marL="63500" marR="63500" algn="ctr">
                         <a:lnSpc>
                           <a:spcPct val="100000"/>
                         </a:lnSpc>
@@ -4058,7 +4109,7 @@
                         <a:buNone/>
                       </a:pPr>
                       <a:r>
-                        <a:rPr cap="none" sz="1100" i="0" b="0" u="none">
+                        <a:rPr sz="1100" b="0" i="0" u="none" cap="none">
                           <a:solidFill>
                             <a:srgbClr val="000000">
                               <a:alpha val="100000"/>
@@ -4066,27 +4117,26 @@
                           </a:solidFill>
                           <a:latin typeface="Arial"/>
                           <a:cs typeface="Arial"/>
-                          <a:ea typeface="Arial"/>
                           <a:sym typeface="Arial"/>
                         </a:rPr>
                         <a:t>0.0079</a:t>
                       </a:r>
                     </a:p>
                   </a:txBody>
-                  <a:tcPr anchor="ctr" marB="63500" marT="63500" marR="0" marL="0">
-                    <a:lnL algn="ctr" cmpd="sng" cap="flat" w="0">
+                  <a:tcPr marL="0" marR="0" marT="63500" marB="63500" anchor="ctr">
+                    <a:lnL w="0" cap="flat" cmpd="sng" algn="ctr">
                       <a:noFill/>
                       <a:prstDash val="solid"/>
                     </a:lnL>
-                    <a:lnR algn="ctr" cmpd="sng" cap="flat" w="0">
+                    <a:lnR w="0" cap="flat" cmpd="sng" algn="ctr">
                       <a:noFill/>
                       <a:prstDash val="solid"/>
                     </a:lnR>
-                    <a:lnT algn="ctr" cmpd="sng" cap="flat" w="0">
+                    <a:lnT w="0" cap="flat" cmpd="sng" algn="ctr">
                       <a:noFill/>
                       <a:prstDash val="solid"/>
                     </a:lnT>
-                    <a:lnB algn="ctr" cmpd="sng" cap="flat" w="0">
+                    <a:lnB w="0" cap="flat" cmpd="sng" algn="ctr">
                       <a:noFill/>
                       <a:prstDash val="solid"/>
                     </a:lnB>
@@ -4102,7 +4152,7 @@
                     <a:bodyPr/>
                     <a:lstStyle/>
                     <a:p>
-                      <a:pPr algn="ctr" marL="63500" marR="63500">
+                      <a:pPr marL="63500" marR="63500" algn="ctr">
                         <a:lnSpc>
                           <a:spcPct val="100000"/>
                         </a:lnSpc>
@@ -4115,7 +4165,7 @@
                         <a:buNone/>
                       </a:pPr>
                       <a:r>
-                        <a:rPr cap="none" sz="1100" i="0" b="0" u="none">
+                        <a:rPr sz="1100" b="0" i="0" u="none" cap="none">
                           <a:solidFill>
                             <a:srgbClr val="000000">
                               <a:alpha val="100000"/>
@@ -4123,27 +4173,26 @@
                           </a:solidFill>
                           <a:latin typeface="Arial"/>
                           <a:cs typeface="Arial"/>
-                          <a:ea typeface="Arial"/>
                           <a:sym typeface="Arial"/>
                         </a:rPr>
                         <a:t>0.0628</a:t>
                       </a:r>
                     </a:p>
                   </a:txBody>
-                  <a:tcPr anchor="ctr" marB="63500" marT="63500" marR="0" marL="0">
-                    <a:lnL algn="ctr" cmpd="sng" cap="flat" w="0">
+                  <a:tcPr marL="0" marR="0" marT="63500" marB="63500" anchor="ctr">
+                    <a:lnL w="0" cap="flat" cmpd="sng" algn="ctr">
                       <a:noFill/>
                       <a:prstDash val="solid"/>
                     </a:lnL>
-                    <a:lnR algn="ctr" cmpd="sng" cap="flat" w="0">
+                    <a:lnR w="0" cap="flat" cmpd="sng" algn="ctr">
                       <a:noFill/>
                       <a:prstDash val="solid"/>
                     </a:lnR>
-                    <a:lnT algn="ctr" cmpd="sng" cap="flat" w="0">
+                    <a:lnT w="0" cap="flat" cmpd="sng" algn="ctr">
                       <a:noFill/>
                       <a:prstDash val="solid"/>
                     </a:lnT>
-                    <a:lnB algn="ctr" cmpd="sng" cap="flat" w="0">
+                    <a:lnB w="0" cap="flat" cmpd="sng" algn="ctr">
                       <a:noFill/>
                       <a:prstDash val="solid"/>
                     </a:lnB>
@@ -4154,6 +4203,11 @@
                     </a:solidFill>
                   </a:tcPr>
                 </a:tc>
+                <a:extLst>
+                  <a:ext uri="{0D108BD9-81ED-4DB2-BD59-A6C34878D82A}">
+                    <a16:rowId xmlns:a16="http://schemas.microsoft.com/office/drawing/2014/main" val="10004"/>
+                  </a:ext>
+                </a:extLst>
               </a:tr>
               <a:tr h="228600">
                 <a:tc>
@@ -4161,7 +4215,7 @@
                     <a:bodyPr/>
                     <a:lstStyle/>
                     <a:p>
-                      <a:pPr algn="l" marL="63500" marR="63500">
+                      <a:pPr marL="63500" marR="63500" algn="l">
                         <a:lnSpc>
                           <a:spcPct val="100000"/>
                         </a:lnSpc>
@@ -4174,7 +4228,7 @@
                         <a:buNone/>
                       </a:pPr>
                       <a:r>
-                        <a:rPr cap="none" sz="1100" i="0" b="0" u="none">
+                        <a:rPr sz="1100" b="0" i="0" u="none" cap="none">
                           <a:solidFill>
                             <a:srgbClr val="000000">
                               <a:alpha val="100000"/>
@@ -4182,27 +4236,26 @@
                           </a:solidFill>
                           <a:latin typeface="Arial"/>
                           <a:cs typeface="Arial"/>
-                          <a:ea typeface="Arial"/>
                           <a:sym typeface="Arial"/>
                         </a:rPr>
                         <a:t>Optimum targeting</a:t>
                       </a:r>
                     </a:p>
                   </a:txBody>
-                  <a:tcPr anchor="ctr" marB="63500" marT="63500" marR="0" marL="0">
-                    <a:lnL algn="ctr" cmpd="sng" cap="flat" w="0">
+                  <a:tcPr marL="0" marR="0" marT="63500" marB="63500" anchor="ctr">
+                    <a:lnL w="0" cap="flat" cmpd="sng" algn="ctr">
                       <a:noFill/>
                       <a:prstDash val="solid"/>
                     </a:lnL>
-                    <a:lnR algn="ctr" cmpd="sng" cap="flat" w="0">
+                    <a:lnR w="0" cap="flat" cmpd="sng" algn="ctr">
                       <a:noFill/>
                       <a:prstDash val="solid"/>
                     </a:lnR>
-                    <a:lnT algn="ctr" cmpd="sng" cap="flat" w="0">
+                    <a:lnT w="0" cap="flat" cmpd="sng" algn="ctr">
                       <a:noFill/>
                       <a:prstDash val="solid"/>
                     </a:lnT>
-                    <a:lnB algn="ctr" cmpd="sng" cap="flat" w="12700">
+                    <a:lnB w="12700" cap="flat" cmpd="sng" algn="ctr">
                       <a:solidFill>
                         <a:srgbClr val="000000">
                           <a:alpha val="100000"/>
@@ -4222,7 +4275,7 @@
                     <a:bodyPr/>
                     <a:lstStyle/>
                     <a:p>
-                      <a:pPr algn="ctr" marL="63500" marR="63500">
+                      <a:pPr marL="63500" marR="63500" algn="ctr">
                         <a:lnSpc>
                           <a:spcPct val="100000"/>
                         </a:lnSpc>
@@ -4235,7 +4288,7 @@
                         <a:buNone/>
                       </a:pPr>
                       <a:r>
-                        <a:rPr cap="none" sz="1100" i="0" b="0" u="none">
+                        <a:rPr sz="1100" b="0" i="0" u="none" cap="none">
                           <a:solidFill>
                             <a:srgbClr val="000000">
                               <a:alpha val="100000"/>
@@ -4243,27 +4296,26 @@
                           </a:solidFill>
                           <a:latin typeface="Arial"/>
                           <a:cs typeface="Arial"/>
-                          <a:ea typeface="Arial"/>
                           <a:sym typeface="Arial"/>
                         </a:rPr>
                         <a:t>0.0473</a:t>
                       </a:r>
                     </a:p>
                   </a:txBody>
-                  <a:tcPr anchor="ctr" marB="63500" marT="63500" marR="0" marL="0">
-                    <a:lnL algn="ctr" cmpd="sng" cap="flat" w="0">
+                  <a:tcPr marL="0" marR="0" marT="63500" marB="63500" anchor="ctr">
+                    <a:lnL w="0" cap="flat" cmpd="sng" algn="ctr">
                       <a:noFill/>
                       <a:prstDash val="solid"/>
                     </a:lnL>
-                    <a:lnR algn="ctr" cmpd="sng" cap="flat" w="0">
+                    <a:lnR w="0" cap="flat" cmpd="sng" algn="ctr">
                       <a:noFill/>
                       <a:prstDash val="solid"/>
                     </a:lnR>
-                    <a:lnT algn="ctr" cmpd="sng" cap="flat" w="0">
+                    <a:lnT w="0" cap="flat" cmpd="sng" algn="ctr">
                       <a:noFill/>
                       <a:prstDash val="solid"/>
                     </a:lnT>
-                    <a:lnB algn="ctr" cmpd="sng" cap="flat" w="12700">
+                    <a:lnB w="12700" cap="flat" cmpd="sng" algn="ctr">
                       <a:solidFill>
                         <a:srgbClr val="000000">
                           <a:alpha val="100000"/>
@@ -4283,7 +4335,7 @@
                     <a:bodyPr/>
                     <a:lstStyle/>
                     <a:p>
-                      <a:pPr algn="ctr" marL="63500" marR="63500">
+                      <a:pPr marL="63500" marR="63500" algn="ctr">
                         <a:lnSpc>
                           <a:spcPct val="100000"/>
                         </a:lnSpc>
@@ -4296,7 +4348,7 @@
                         <a:buNone/>
                       </a:pPr>
                       <a:r>
-                        <a:rPr cap="none" sz="1100" i="0" b="0" u="none">
+                        <a:rPr sz="1100" b="0" i="0" u="none" cap="none" dirty="0">
                           <a:solidFill>
                             <a:srgbClr val="000000">
                               <a:alpha val="100000"/>
@@ -4304,27 +4356,26 @@
                           </a:solidFill>
                           <a:latin typeface="Arial"/>
                           <a:cs typeface="Arial"/>
-                          <a:ea typeface="Arial"/>
                           <a:sym typeface="Arial"/>
                         </a:rPr>
                         <a:t>0.0530</a:t>
                       </a:r>
                     </a:p>
                   </a:txBody>
-                  <a:tcPr anchor="ctr" marB="63500" marT="63500" marR="0" marL="0">
-                    <a:lnL algn="ctr" cmpd="sng" cap="flat" w="0">
+                  <a:tcPr marL="0" marR="0" marT="63500" marB="63500" anchor="ctr">
+                    <a:lnL w="0" cap="flat" cmpd="sng" algn="ctr">
                       <a:noFill/>
                       <a:prstDash val="solid"/>
                     </a:lnL>
-                    <a:lnR algn="ctr" cmpd="sng" cap="flat" w="0">
+                    <a:lnR w="0" cap="flat" cmpd="sng" algn="ctr">
                       <a:noFill/>
                       <a:prstDash val="solid"/>
                     </a:lnR>
-                    <a:lnT algn="ctr" cmpd="sng" cap="flat" w="0">
+                    <a:lnT w="0" cap="flat" cmpd="sng" algn="ctr">
                       <a:noFill/>
                       <a:prstDash val="solid"/>
                     </a:lnT>
-                    <a:lnB algn="ctr" cmpd="sng" cap="flat" w="12700">
+                    <a:lnB w="12700" cap="flat" cmpd="sng" algn="ctr">
                       <a:solidFill>
                         <a:srgbClr val="000000">
                           <a:alpha val="100000"/>
@@ -4339,6 +4390,11 @@
                     </a:solidFill>
                   </a:tcPr>
                 </a:tc>
+                <a:extLst>
+                  <a:ext uri="{0D108BD9-81ED-4DB2-BD59-A6C34878D82A}">
+                    <a16:rowId xmlns:a16="http://schemas.microsoft.com/office/drawing/2014/main" val="10005"/>
+                  </a:ext>
+                </a:extLst>
               </a:tr>
             </a:tbl>
           </a:graphicData>
@@ -4346,6 +4402,2031 @@
       </p:graphicFrame>
     </p:spTree>
   </p:cSld>
+  <p:clrMapOvr>
+    <a:masterClrMapping/>
+  </p:clrMapOvr>
+</p:sld>
+</file>
+
+<file path=ppt/slides/slide3.xml><?xml version="1.0" encoding="utf-8"?>
+<p:sld xmlns:a="http://schemas.openxmlformats.org/drawingml/2006/main" xmlns:r="http://schemas.openxmlformats.org/officeDocument/2006/relationships" xmlns:p="http://schemas.openxmlformats.org/presentationml/2006/main">
+  <p:cSld>
+    <p:spTree>
+      <p:nvGrpSpPr>
+        <p:cNvPr id="1" name=""/>
+        <p:cNvGrpSpPr/>
+        <p:nvPr/>
+      </p:nvGrpSpPr>
+      <p:grpSpPr>
+        <a:xfrm>
+          <a:off x="0" y="0"/>
+          <a:ext cx="0" cy="0"/>
+          <a:chOff x="0" y="0"/>
+          <a:chExt cx="0" cy="0"/>
+        </a:xfrm>
+      </p:grpSpPr>
+      <p:sp>
+        <p:nvSpPr>
+          <p:cNvPr id="2" name="Title 1"/>
+          <p:cNvSpPr>
+            <a:spLocks noGrp="1"/>
+          </p:cNvSpPr>
+          <p:nvPr>
+            <p:ph type="title"/>
+          </p:nvPr>
+        </p:nvSpPr>
+        <p:spPr/>
+        <p:txBody>
+          <a:bodyPr/>
+          <a:lstStyle/>
+          <a:p>
+            <a:pPr marL="0" lvl="0" indent="0">
+              <a:buNone/>
+            </a:pPr>
+            <a:r>
+              <a:rPr dirty="0"/>
+              <a:t>最適ターゲティング別の個人属性の比較</a:t>
+            </a:r>
+          </a:p>
+        </p:txBody>
+      </p:sp>
+      <p:graphicFrame>
+        <p:nvGraphicFramePr>
+          <p:cNvPr id="502000238" name="表 502000237"/>
+          <p:cNvGraphicFramePr>
+            <a:graphicFrameLocks noGrp="1"/>
+          </p:cNvGraphicFramePr>
+          <p:nvPr>
+            <p:extLst>
+              <p:ext uri="{D42A27DB-BD31-4B8C-83A1-F6EECF244321}">
+                <p14:modId xmlns:p14="http://schemas.microsoft.com/office/powerpoint/2010/main" val="1743021703"/>
+              </p:ext>
+            </p:extLst>
+          </p:nvPr>
+        </p:nvGraphicFramePr>
+        <p:xfrm>
+          <a:off x="1530927" y="1634836"/>
+          <a:ext cx="6400800" cy="2357120"/>
+        </p:xfrm>
+        <a:graphic>
+          <a:graphicData uri="http://schemas.openxmlformats.org/drawingml/2006/table">
+            <a:tbl>
+              <a:tblPr/>
+              <a:tblGrid>
+                <a:gridCol w="3657600">
+                  <a:extLst>
+                    <a:ext uri="{9D8B030D-6E8A-4147-A177-3AD203B41FA5}">
+                      <a16:colId xmlns:a16="http://schemas.microsoft.com/office/drawing/2014/main" val="20000"/>
+                    </a:ext>
+                  </a:extLst>
+                </a:gridCol>
+                <a:gridCol w="914400">
+                  <a:extLst>
+                    <a:ext uri="{9D8B030D-6E8A-4147-A177-3AD203B41FA5}">
+                      <a16:colId xmlns:a16="http://schemas.microsoft.com/office/drawing/2014/main" val="20001"/>
+                    </a:ext>
+                  </a:extLst>
+                </a:gridCol>
+                <a:gridCol w="914400">
+                  <a:extLst>
+                    <a:ext uri="{9D8B030D-6E8A-4147-A177-3AD203B41FA5}">
+                      <a16:colId xmlns:a16="http://schemas.microsoft.com/office/drawing/2014/main" val="20002"/>
+                    </a:ext>
+                  </a:extLst>
+                </a:gridCol>
+                <a:gridCol w="914400">
+                  <a:extLst>
+                    <a:ext uri="{9D8B030D-6E8A-4147-A177-3AD203B41FA5}">
+                      <a16:colId xmlns:a16="http://schemas.microsoft.com/office/drawing/2014/main" val="20003"/>
+                    </a:ext>
+                  </a:extLst>
+                </a:gridCol>
+              </a:tblGrid>
+              <a:tr h="228600">
+                <a:tc>
+                  <a:txBody>
+                    <a:bodyPr/>
+                    <a:lstStyle/>
+                    <a:p>
+                      <a:pPr marL="63500" marR="63500" algn="l">
+                        <a:lnSpc>
+                          <a:spcPct val="100000"/>
+                        </a:lnSpc>
+                        <a:spcBef>
+                          <a:spcPts val="500"/>
+                        </a:spcBef>
+                        <a:spcAft>
+                          <a:spcPts val="500"/>
+                        </a:spcAft>
+                        <a:buNone/>
+                      </a:pPr>
+                      <a:r>
+                        <a:rPr sz="1100" b="0" i="0" u="none" cap="none">
+                          <a:solidFill>
+                            <a:srgbClr val="000000">
+                              <a:alpha val="100000"/>
+                            </a:srgbClr>
+                          </a:solidFill>
+                          <a:latin typeface="Arial"/>
+                          <a:cs typeface="Arial"/>
+                          <a:sym typeface="Arial"/>
+                        </a:rPr>
+                        <a:t> </a:t>
+                      </a:r>
+                    </a:p>
+                  </a:txBody>
+                  <a:tcPr marL="0" marR="0" marT="63500" marB="63500" anchor="ctr">
+                    <a:lnL w="0" cap="flat" cmpd="sng" algn="ctr">
+                      <a:noFill/>
+                      <a:prstDash val="solid"/>
+                    </a:lnL>
+                    <a:lnR w="0" cap="flat" cmpd="sng" algn="ctr">
+                      <a:noFill/>
+                      <a:prstDash val="solid"/>
+                    </a:lnR>
+                    <a:lnT w="12700" cap="flat" cmpd="sng" algn="ctr">
+                      <a:solidFill>
+                        <a:srgbClr val="000000">
+                          <a:alpha val="100000"/>
+                        </a:srgbClr>
+                      </a:solidFill>
+                      <a:prstDash val="solid"/>
+                    </a:lnT>
+                    <a:lnB w="12700" cap="flat" cmpd="sng" algn="ctr">
+                      <a:solidFill>
+                        <a:srgbClr val="000000">
+                          <a:alpha val="100000"/>
+                        </a:srgbClr>
+                      </a:solidFill>
+                      <a:prstDash val="solid"/>
+                    </a:lnB>
+                    <a:solidFill>
+                      <a:srgbClr val="FFFFFF">
+                        <a:alpha val="0"/>
+                      </a:srgbClr>
+                    </a:solidFill>
+                  </a:tcPr>
+                </a:tc>
+                <a:tc>
+                  <a:txBody>
+                    <a:bodyPr/>
+                    <a:lstStyle/>
+                    <a:p>
+                      <a:pPr marL="63500" marR="63500" algn="ctr">
+                        <a:lnSpc>
+                          <a:spcPct val="100000"/>
+                        </a:lnSpc>
+                        <a:spcBef>
+                          <a:spcPts val="500"/>
+                        </a:spcBef>
+                        <a:spcAft>
+                          <a:spcPts val="500"/>
+                        </a:spcAft>
+                        <a:buNone/>
+                      </a:pPr>
+                      <a:r>
+                        <a:rPr sz="1100" b="0" i="0" u="none" cap="none">
+                          <a:solidFill>
+                            <a:srgbClr val="000000">
+                              <a:alpha val="100000"/>
+                            </a:srgbClr>
+                          </a:solidFill>
+                          <a:latin typeface="Arial"/>
+                          <a:cs typeface="Arial"/>
+                          <a:sym typeface="Arial"/>
+                        </a:rPr>
+                        <a:t>Treatment B</a:t>
+                      </a:r>
+                    </a:p>
+                  </a:txBody>
+                  <a:tcPr marL="0" marR="0" marT="63500" marB="63500" anchor="ctr">
+                    <a:lnL w="0" cap="flat" cmpd="sng" algn="ctr">
+                      <a:noFill/>
+                      <a:prstDash val="solid"/>
+                    </a:lnL>
+                    <a:lnR w="0" cap="flat" cmpd="sng" algn="ctr">
+                      <a:noFill/>
+                      <a:prstDash val="solid"/>
+                    </a:lnR>
+                    <a:lnT w="12700" cap="flat" cmpd="sng" algn="ctr">
+                      <a:solidFill>
+                        <a:srgbClr val="000000">
+                          <a:alpha val="100000"/>
+                        </a:srgbClr>
+                      </a:solidFill>
+                      <a:prstDash val="solid"/>
+                    </a:lnT>
+                    <a:lnB w="12700" cap="flat" cmpd="sng" algn="ctr">
+                      <a:solidFill>
+                        <a:srgbClr val="000000">
+                          <a:alpha val="100000"/>
+                        </a:srgbClr>
+                      </a:solidFill>
+                      <a:prstDash val="solid"/>
+                    </a:lnB>
+                    <a:solidFill>
+                      <a:srgbClr val="FFFFFF">
+                        <a:alpha val="0"/>
+                      </a:srgbClr>
+                    </a:solidFill>
+                  </a:tcPr>
+                </a:tc>
+                <a:tc>
+                  <a:txBody>
+                    <a:bodyPr/>
+                    <a:lstStyle/>
+                    <a:p>
+                      <a:pPr marL="63500" marR="63500" algn="ctr">
+                        <a:lnSpc>
+                          <a:spcPct val="100000"/>
+                        </a:lnSpc>
+                        <a:spcBef>
+                          <a:spcPts val="500"/>
+                        </a:spcBef>
+                        <a:spcAft>
+                          <a:spcPts val="500"/>
+                        </a:spcAft>
+                        <a:buNone/>
+                      </a:pPr>
+                      <a:r>
+                        <a:rPr sz="1100" b="0" i="0" u="none" cap="none">
+                          <a:solidFill>
+                            <a:srgbClr val="000000">
+                              <a:alpha val="100000"/>
+                            </a:srgbClr>
+                          </a:solidFill>
+                          <a:latin typeface="Arial"/>
+                          <a:cs typeface="Arial"/>
+                          <a:sym typeface="Arial"/>
+                        </a:rPr>
+                        <a:t>Treatment C</a:t>
+                      </a:r>
+                    </a:p>
+                  </a:txBody>
+                  <a:tcPr marL="0" marR="0" marT="63500" marB="63500" anchor="ctr">
+                    <a:lnL w="0" cap="flat" cmpd="sng" algn="ctr">
+                      <a:noFill/>
+                      <a:prstDash val="solid"/>
+                    </a:lnL>
+                    <a:lnR w="0" cap="flat" cmpd="sng" algn="ctr">
+                      <a:noFill/>
+                      <a:prstDash val="solid"/>
+                    </a:lnR>
+                    <a:lnT w="12700" cap="flat" cmpd="sng" algn="ctr">
+                      <a:solidFill>
+                        <a:srgbClr val="000000">
+                          <a:alpha val="100000"/>
+                        </a:srgbClr>
+                      </a:solidFill>
+                      <a:prstDash val="solid"/>
+                    </a:lnT>
+                    <a:lnB w="12700" cap="flat" cmpd="sng" algn="ctr">
+                      <a:solidFill>
+                        <a:srgbClr val="000000">
+                          <a:alpha val="100000"/>
+                        </a:srgbClr>
+                      </a:solidFill>
+                      <a:prstDash val="solid"/>
+                    </a:lnB>
+                    <a:solidFill>
+                      <a:srgbClr val="FFFFFF">
+                        <a:alpha val="0"/>
+                      </a:srgbClr>
+                    </a:solidFill>
+                  </a:tcPr>
+                </a:tc>
+                <a:tc>
+                  <a:txBody>
+                    <a:bodyPr/>
+                    <a:lstStyle/>
+                    <a:p>
+                      <a:pPr marL="63500" marR="63500" algn="ctr">
+                        <a:lnSpc>
+                          <a:spcPct val="100000"/>
+                        </a:lnSpc>
+                        <a:spcBef>
+                          <a:spcPts val="500"/>
+                        </a:spcBef>
+                        <a:spcAft>
+                          <a:spcPts val="500"/>
+                        </a:spcAft>
+                        <a:buNone/>
+                      </a:pPr>
+                      <a:r>
+                        <a:rPr sz="1100" b="0" i="0" u="none" cap="none">
+                          <a:solidFill>
+                            <a:srgbClr val="000000">
+                              <a:alpha val="100000"/>
+                            </a:srgbClr>
+                          </a:solidFill>
+                          <a:latin typeface="Arial"/>
+                          <a:cs typeface="Arial"/>
+                          <a:sym typeface="Arial"/>
+                        </a:rPr>
+                        <a:t>Treatment D</a:t>
+                      </a:r>
+                    </a:p>
+                  </a:txBody>
+                  <a:tcPr marL="0" marR="0" marT="63500" marB="63500" anchor="ctr">
+                    <a:lnL w="0" cap="flat" cmpd="sng" algn="ctr">
+                      <a:noFill/>
+                      <a:prstDash val="solid"/>
+                    </a:lnL>
+                    <a:lnR w="0" cap="flat" cmpd="sng" algn="ctr">
+                      <a:noFill/>
+                      <a:prstDash val="solid"/>
+                    </a:lnR>
+                    <a:lnT w="12700" cap="flat" cmpd="sng" algn="ctr">
+                      <a:solidFill>
+                        <a:srgbClr val="000000">
+                          <a:alpha val="100000"/>
+                        </a:srgbClr>
+                      </a:solidFill>
+                      <a:prstDash val="solid"/>
+                    </a:lnT>
+                    <a:lnB w="12700" cap="flat" cmpd="sng" algn="ctr">
+                      <a:solidFill>
+                        <a:srgbClr val="000000">
+                          <a:alpha val="100000"/>
+                        </a:srgbClr>
+                      </a:solidFill>
+                      <a:prstDash val="solid"/>
+                    </a:lnB>
+                    <a:solidFill>
+                      <a:srgbClr val="FFFFFF">
+                        <a:alpha val="0"/>
+                      </a:srgbClr>
+                    </a:solidFill>
+                  </a:tcPr>
+                </a:tc>
+                <a:extLst>
+                  <a:ext uri="{0D108BD9-81ED-4DB2-BD59-A6C34878D82A}">
+                    <a16:rowId xmlns:a16="http://schemas.microsoft.com/office/drawing/2014/main" val="10000"/>
+                  </a:ext>
+                </a:extLst>
+              </a:tr>
+              <a:tr h="228600">
+                <a:tc>
+                  <a:txBody>
+                    <a:bodyPr/>
+                    <a:lstStyle/>
+                    <a:p>
+                      <a:pPr marL="63500" marR="63500" algn="l">
+                        <a:lnSpc>
+                          <a:spcPct val="100000"/>
+                        </a:lnSpc>
+                        <a:spcBef>
+                          <a:spcPts val="500"/>
+                        </a:spcBef>
+                        <a:spcAft>
+                          <a:spcPts val="500"/>
+                        </a:spcAft>
+                        <a:buNone/>
+                      </a:pPr>
+                      <a:r>
+                        <a:rPr sz="1100" b="0" i="0" u="none" cap="none">
+                          <a:solidFill>
+                            <a:srgbClr val="000000">
+                              <a:alpha val="100000"/>
+                            </a:srgbClr>
+                          </a:solidFill>
+                          <a:latin typeface="Arial"/>
+                          <a:cs typeface="Arial"/>
+                          <a:sym typeface="Arial"/>
+                        </a:rPr>
+                        <a:t>Male (= 1)</a:t>
+                      </a:r>
+                    </a:p>
+                  </a:txBody>
+                  <a:tcPr marL="0" marR="0" marT="63500" marB="63500" anchor="ctr">
+                    <a:lnL w="0" cap="flat" cmpd="sng" algn="ctr">
+                      <a:noFill/>
+                      <a:prstDash val="solid"/>
+                    </a:lnL>
+                    <a:lnR w="0" cap="flat" cmpd="sng" algn="ctr">
+                      <a:noFill/>
+                      <a:prstDash val="solid"/>
+                    </a:lnR>
+                    <a:lnT w="12700" cap="flat" cmpd="sng" algn="ctr">
+                      <a:solidFill>
+                        <a:srgbClr val="000000"/>
+                      </a:solidFill>
+                      <a:prstDash val="solid"/>
+                      <a:round/>
+                      <a:headEnd type="none" w="med" len="med"/>
+                      <a:tailEnd type="none" w="med" len="med"/>
+                    </a:lnT>
+                    <a:lnB w="0" cap="flat" cmpd="sng" algn="ctr">
+                      <a:noFill/>
+                      <a:prstDash val="solid"/>
+                    </a:lnB>
+                    <a:solidFill>
+                      <a:srgbClr val="FFFFFF">
+                        <a:alpha val="0"/>
+                      </a:srgbClr>
+                    </a:solidFill>
+                  </a:tcPr>
+                </a:tc>
+                <a:tc>
+                  <a:txBody>
+                    <a:bodyPr/>
+                    <a:lstStyle/>
+                    <a:p>
+                      <a:pPr marL="63500" marR="63500" algn="ctr">
+                        <a:lnSpc>
+                          <a:spcPct val="100000"/>
+                        </a:lnSpc>
+                        <a:spcBef>
+                          <a:spcPts val="500"/>
+                        </a:spcBef>
+                        <a:spcAft>
+                          <a:spcPts val="500"/>
+                        </a:spcAft>
+                        <a:buNone/>
+                      </a:pPr>
+                      <a:r>
+                        <a:rPr sz="1100" b="0" i="0" u="none" cap="none">
+                          <a:solidFill>
+                            <a:srgbClr val="000000">
+                              <a:alpha val="100000"/>
+                            </a:srgbClr>
+                          </a:solidFill>
+                          <a:latin typeface="Arial"/>
+                          <a:cs typeface="Arial"/>
+                          <a:sym typeface="Arial"/>
+                        </a:rPr>
+                        <a:t>0.64</a:t>
+                      </a:r>
+                    </a:p>
+                  </a:txBody>
+                  <a:tcPr marL="0" marR="0" marT="63500" marB="63500" anchor="ctr">
+                    <a:lnL w="0" cap="flat" cmpd="sng" algn="ctr">
+                      <a:noFill/>
+                      <a:prstDash val="solid"/>
+                    </a:lnL>
+                    <a:lnR w="0" cap="flat" cmpd="sng" algn="ctr">
+                      <a:noFill/>
+                      <a:prstDash val="solid"/>
+                    </a:lnR>
+                    <a:lnT w="12700" cap="flat" cmpd="sng" algn="ctr">
+                      <a:solidFill>
+                        <a:srgbClr val="000000"/>
+                      </a:solidFill>
+                      <a:prstDash val="solid"/>
+                      <a:round/>
+                      <a:headEnd type="none" w="med" len="med"/>
+                      <a:tailEnd type="none" w="med" len="med"/>
+                    </a:lnT>
+                    <a:lnB w="0" cap="flat" cmpd="sng" algn="ctr">
+                      <a:noFill/>
+                      <a:prstDash val="solid"/>
+                    </a:lnB>
+                    <a:solidFill>
+                      <a:srgbClr val="FFFFFF">
+                        <a:alpha val="0"/>
+                      </a:srgbClr>
+                    </a:solidFill>
+                  </a:tcPr>
+                </a:tc>
+                <a:tc>
+                  <a:txBody>
+                    <a:bodyPr/>
+                    <a:lstStyle/>
+                    <a:p>
+                      <a:pPr marL="63500" marR="63500" algn="ctr">
+                        <a:lnSpc>
+                          <a:spcPct val="100000"/>
+                        </a:lnSpc>
+                        <a:spcBef>
+                          <a:spcPts val="500"/>
+                        </a:spcBef>
+                        <a:spcAft>
+                          <a:spcPts val="500"/>
+                        </a:spcAft>
+                        <a:buNone/>
+                      </a:pPr>
+                      <a:r>
+                        <a:rPr sz="1100" b="0" i="0" u="none" cap="none">
+                          <a:solidFill>
+                            <a:srgbClr val="000000">
+                              <a:alpha val="100000"/>
+                            </a:srgbClr>
+                          </a:solidFill>
+                          <a:latin typeface="Arial"/>
+                          <a:cs typeface="Arial"/>
+                          <a:sym typeface="Arial"/>
+                        </a:rPr>
+                        <a:t>0.54</a:t>
+                      </a:r>
+                    </a:p>
+                  </a:txBody>
+                  <a:tcPr marL="0" marR="0" marT="63500" marB="63500" anchor="ctr">
+                    <a:lnL w="0" cap="flat" cmpd="sng" algn="ctr">
+                      <a:noFill/>
+                      <a:prstDash val="solid"/>
+                    </a:lnL>
+                    <a:lnR w="0" cap="flat" cmpd="sng" algn="ctr">
+                      <a:noFill/>
+                      <a:prstDash val="solid"/>
+                    </a:lnR>
+                    <a:lnT w="12700" cap="flat" cmpd="sng" algn="ctr">
+                      <a:solidFill>
+                        <a:srgbClr val="000000"/>
+                      </a:solidFill>
+                      <a:prstDash val="solid"/>
+                      <a:round/>
+                      <a:headEnd type="none" w="med" len="med"/>
+                      <a:tailEnd type="none" w="med" len="med"/>
+                    </a:lnT>
+                    <a:lnB w="0" cap="flat" cmpd="sng" algn="ctr">
+                      <a:noFill/>
+                      <a:prstDash val="solid"/>
+                    </a:lnB>
+                    <a:solidFill>
+                      <a:srgbClr val="FFFFFF">
+                        <a:alpha val="0"/>
+                      </a:srgbClr>
+                    </a:solidFill>
+                  </a:tcPr>
+                </a:tc>
+                <a:tc>
+                  <a:txBody>
+                    <a:bodyPr/>
+                    <a:lstStyle/>
+                    <a:p>
+                      <a:pPr marL="63500" marR="63500" algn="ctr">
+                        <a:lnSpc>
+                          <a:spcPct val="100000"/>
+                        </a:lnSpc>
+                        <a:spcBef>
+                          <a:spcPts val="500"/>
+                        </a:spcBef>
+                        <a:spcAft>
+                          <a:spcPts val="500"/>
+                        </a:spcAft>
+                        <a:buNone/>
+                      </a:pPr>
+                      <a:r>
+                        <a:rPr sz="1100" b="0" i="0" u="none" cap="none">
+                          <a:solidFill>
+                            <a:srgbClr val="000000">
+                              <a:alpha val="100000"/>
+                            </a:srgbClr>
+                          </a:solidFill>
+                          <a:latin typeface="Arial"/>
+                          <a:cs typeface="Arial"/>
+                          <a:sym typeface="Arial"/>
+                        </a:rPr>
+                        <a:t>0.67</a:t>
+                      </a:r>
+                    </a:p>
+                  </a:txBody>
+                  <a:tcPr marL="0" marR="0" marT="63500" marB="63500" anchor="ctr">
+                    <a:lnL w="0" cap="flat" cmpd="sng" algn="ctr">
+                      <a:noFill/>
+                      <a:prstDash val="solid"/>
+                    </a:lnL>
+                    <a:lnR w="0" cap="flat" cmpd="sng" algn="ctr">
+                      <a:noFill/>
+                      <a:prstDash val="solid"/>
+                    </a:lnR>
+                    <a:lnT w="12700" cap="flat" cmpd="sng" algn="ctr">
+                      <a:solidFill>
+                        <a:srgbClr val="000000"/>
+                      </a:solidFill>
+                      <a:prstDash val="solid"/>
+                      <a:round/>
+                      <a:headEnd type="none" w="med" len="med"/>
+                      <a:tailEnd type="none" w="med" len="med"/>
+                    </a:lnT>
+                    <a:lnB w="0" cap="flat" cmpd="sng" algn="ctr">
+                      <a:noFill/>
+                      <a:prstDash val="solid"/>
+                    </a:lnB>
+                    <a:solidFill>
+                      <a:srgbClr val="FFFFFF">
+                        <a:alpha val="0"/>
+                      </a:srgbClr>
+                    </a:solidFill>
+                  </a:tcPr>
+                </a:tc>
+                <a:extLst>
+                  <a:ext uri="{0D108BD9-81ED-4DB2-BD59-A6C34878D82A}">
+                    <a16:rowId xmlns:a16="http://schemas.microsoft.com/office/drawing/2014/main" val="10001"/>
+                  </a:ext>
+                </a:extLst>
+              </a:tr>
+              <a:tr h="228600">
+                <a:tc>
+                  <a:txBody>
+                    <a:bodyPr/>
+                    <a:lstStyle/>
+                    <a:p>
+                      <a:pPr marL="63500" marR="63500" algn="l">
+                        <a:lnSpc>
+                          <a:spcPct val="100000"/>
+                        </a:lnSpc>
+                        <a:spcBef>
+                          <a:spcPts val="500"/>
+                        </a:spcBef>
+                        <a:spcAft>
+                          <a:spcPts val="500"/>
+                        </a:spcAft>
+                        <a:buNone/>
+                      </a:pPr>
+                      <a:r>
+                        <a:rPr sz="1100" b="0" i="0" u="none" cap="none">
+                          <a:solidFill>
+                            <a:srgbClr val="000000">
+                              <a:alpha val="100000"/>
+                            </a:srgbClr>
+                          </a:solidFill>
+                          <a:latin typeface="Arial"/>
+                          <a:cs typeface="Arial"/>
+                          <a:sym typeface="Arial"/>
+                        </a:rPr>
+                        <a:t>Age</a:t>
+                      </a:r>
+                    </a:p>
+                  </a:txBody>
+                  <a:tcPr marL="0" marR="0" marT="63500" marB="63500" anchor="ctr">
+                    <a:lnL w="0" cap="flat" cmpd="sng" algn="ctr">
+                      <a:noFill/>
+                      <a:prstDash val="solid"/>
+                    </a:lnL>
+                    <a:lnR w="0" cap="flat" cmpd="sng" algn="ctr">
+                      <a:noFill/>
+                      <a:prstDash val="solid"/>
+                    </a:lnR>
+                    <a:lnT w="0" cap="flat" cmpd="sng" algn="ctr">
+                      <a:noFill/>
+                      <a:prstDash val="solid"/>
+                    </a:lnT>
+                    <a:lnB w="0" cap="flat" cmpd="sng" algn="ctr">
+                      <a:noFill/>
+                      <a:prstDash val="solid"/>
+                    </a:lnB>
+                    <a:solidFill>
+                      <a:srgbClr val="FFFFFF">
+                        <a:alpha val="0"/>
+                      </a:srgbClr>
+                    </a:solidFill>
+                  </a:tcPr>
+                </a:tc>
+                <a:tc>
+                  <a:txBody>
+                    <a:bodyPr/>
+                    <a:lstStyle/>
+                    <a:p>
+                      <a:pPr marL="63500" marR="63500" algn="ctr">
+                        <a:lnSpc>
+                          <a:spcPct val="100000"/>
+                        </a:lnSpc>
+                        <a:spcBef>
+                          <a:spcPts val="500"/>
+                        </a:spcBef>
+                        <a:spcAft>
+                          <a:spcPts val="500"/>
+                        </a:spcAft>
+                        <a:buNone/>
+                      </a:pPr>
+                      <a:r>
+                        <a:rPr sz="1100" b="0" i="0" u="none" cap="none">
+                          <a:solidFill>
+                            <a:srgbClr val="000000">
+                              <a:alpha val="100000"/>
+                            </a:srgbClr>
+                          </a:solidFill>
+                          <a:latin typeface="Arial"/>
+                          <a:cs typeface="Arial"/>
+                          <a:sym typeface="Arial"/>
+                        </a:rPr>
+                        <a:t>34.97</a:t>
+                      </a:r>
+                    </a:p>
+                  </a:txBody>
+                  <a:tcPr marL="0" marR="0" marT="63500" marB="63500" anchor="ctr">
+                    <a:lnL w="0" cap="flat" cmpd="sng" algn="ctr">
+                      <a:noFill/>
+                      <a:prstDash val="solid"/>
+                    </a:lnL>
+                    <a:lnR w="0" cap="flat" cmpd="sng" algn="ctr">
+                      <a:noFill/>
+                      <a:prstDash val="solid"/>
+                    </a:lnR>
+                    <a:lnT w="0" cap="flat" cmpd="sng" algn="ctr">
+                      <a:noFill/>
+                      <a:prstDash val="solid"/>
+                    </a:lnT>
+                    <a:lnB w="0" cap="flat" cmpd="sng" algn="ctr">
+                      <a:noFill/>
+                      <a:prstDash val="solid"/>
+                    </a:lnB>
+                    <a:solidFill>
+                      <a:srgbClr val="FFFFFF">
+                        <a:alpha val="0"/>
+                      </a:srgbClr>
+                    </a:solidFill>
+                  </a:tcPr>
+                </a:tc>
+                <a:tc>
+                  <a:txBody>
+                    <a:bodyPr/>
+                    <a:lstStyle/>
+                    <a:p>
+                      <a:pPr marL="63500" marR="63500" algn="ctr">
+                        <a:lnSpc>
+                          <a:spcPct val="100000"/>
+                        </a:lnSpc>
+                        <a:spcBef>
+                          <a:spcPts val="500"/>
+                        </a:spcBef>
+                        <a:spcAft>
+                          <a:spcPts val="500"/>
+                        </a:spcAft>
+                        <a:buNone/>
+                      </a:pPr>
+                      <a:r>
+                        <a:rPr sz="1100" b="0" i="0" u="none" cap="none">
+                          <a:solidFill>
+                            <a:srgbClr val="000000">
+                              <a:alpha val="100000"/>
+                            </a:srgbClr>
+                          </a:solidFill>
+                          <a:latin typeface="Arial"/>
+                          <a:cs typeface="Arial"/>
+                          <a:sym typeface="Arial"/>
+                        </a:rPr>
+                        <a:t>41.44</a:t>
+                      </a:r>
+                    </a:p>
+                  </a:txBody>
+                  <a:tcPr marL="0" marR="0" marT="63500" marB="63500" anchor="ctr">
+                    <a:lnL w="0" cap="flat" cmpd="sng" algn="ctr">
+                      <a:noFill/>
+                      <a:prstDash val="solid"/>
+                    </a:lnL>
+                    <a:lnR w="0" cap="flat" cmpd="sng" algn="ctr">
+                      <a:noFill/>
+                      <a:prstDash val="solid"/>
+                    </a:lnR>
+                    <a:lnT w="0" cap="flat" cmpd="sng" algn="ctr">
+                      <a:noFill/>
+                      <a:prstDash val="solid"/>
+                    </a:lnT>
+                    <a:lnB w="0" cap="flat" cmpd="sng" algn="ctr">
+                      <a:noFill/>
+                      <a:prstDash val="solid"/>
+                    </a:lnB>
+                    <a:solidFill>
+                      <a:srgbClr val="FFFFFF">
+                        <a:alpha val="0"/>
+                      </a:srgbClr>
+                    </a:solidFill>
+                  </a:tcPr>
+                </a:tc>
+                <a:tc>
+                  <a:txBody>
+                    <a:bodyPr/>
+                    <a:lstStyle/>
+                    <a:p>
+                      <a:pPr marL="63500" marR="63500" algn="ctr">
+                        <a:lnSpc>
+                          <a:spcPct val="100000"/>
+                        </a:lnSpc>
+                        <a:spcBef>
+                          <a:spcPts val="500"/>
+                        </a:spcBef>
+                        <a:spcAft>
+                          <a:spcPts val="500"/>
+                        </a:spcAft>
+                        <a:buNone/>
+                      </a:pPr>
+                      <a:r>
+                        <a:rPr sz="1100" b="0" i="0" u="none" cap="none">
+                          <a:solidFill>
+                            <a:srgbClr val="000000">
+                              <a:alpha val="100000"/>
+                            </a:srgbClr>
+                          </a:solidFill>
+                          <a:latin typeface="Arial"/>
+                          <a:cs typeface="Arial"/>
+                          <a:sym typeface="Arial"/>
+                        </a:rPr>
+                        <a:t>39.64</a:t>
+                      </a:r>
+                    </a:p>
+                  </a:txBody>
+                  <a:tcPr marL="0" marR="0" marT="63500" marB="63500" anchor="ctr">
+                    <a:lnL w="0" cap="flat" cmpd="sng" algn="ctr">
+                      <a:noFill/>
+                      <a:prstDash val="solid"/>
+                    </a:lnL>
+                    <a:lnR w="0" cap="flat" cmpd="sng" algn="ctr">
+                      <a:noFill/>
+                      <a:prstDash val="solid"/>
+                    </a:lnR>
+                    <a:lnT w="0" cap="flat" cmpd="sng" algn="ctr">
+                      <a:noFill/>
+                      <a:prstDash val="solid"/>
+                    </a:lnT>
+                    <a:lnB w="0" cap="flat" cmpd="sng" algn="ctr">
+                      <a:noFill/>
+                      <a:prstDash val="solid"/>
+                    </a:lnB>
+                    <a:solidFill>
+                      <a:srgbClr val="FFFFFF">
+                        <a:alpha val="0"/>
+                      </a:srgbClr>
+                    </a:solidFill>
+                  </a:tcPr>
+                </a:tc>
+                <a:extLst>
+                  <a:ext uri="{0D108BD9-81ED-4DB2-BD59-A6C34878D82A}">
+                    <a16:rowId xmlns:a16="http://schemas.microsoft.com/office/drawing/2014/main" val="10002"/>
+                  </a:ext>
+                </a:extLst>
+              </a:tr>
+              <a:tr h="228600">
+                <a:tc>
+                  <a:txBody>
+                    <a:bodyPr/>
+                    <a:lstStyle/>
+                    <a:p>
+                      <a:pPr marL="63500" marR="63500" algn="l">
+                        <a:lnSpc>
+                          <a:spcPct val="100000"/>
+                        </a:lnSpc>
+                        <a:spcBef>
+                          <a:spcPts val="500"/>
+                        </a:spcBef>
+                        <a:spcAft>
+                          <a:spcPts val="500"/>
+                        </a:spcAft>
+                        <a:buNone/>
+                      </a:pPr>
+                      <a:r>
+                        <a:rPr sz="1100" b="0" i="0" u="none" cap="none">
+                          <a:solidFill>
+                            <a:srgbClr val="000000">
+                              <a:alpha val="100000"/>
+                            </a:srgbClr>
+                          </a:solidFill>
+                          <a:latin typeface="Arial"/>
+                          <a:cs typeface="Arial"/>
+                          <a:sym typeface="Arial"/>
+                        </a:rPr>
+                        <a:t>Number of past coordinations</a:t>
+                      </a:r>
+                    </a:p>
+                  </a:txBody>
+                  <a:tcPr marL="0" marR="0" marT="63500" marB="63500" anchor="ctr">
+                    <a:lnL w="0" cap="flat" cmpd="sng" algn="ctr">
+                      <a:noFill/>
+                      <a:prstDash val="solid"/>
+                    </a:lnL>
+                    <a:lnR w="0" cap="flat" cmpd="sng" algn="ctr">
+                      <a:noFill/>
+                      <a:prstDash val="solid"/>
+                    </a:lnR>
+                    <a:lnT w="0" cap="flat" cmpd="sng" algn="ctr">
+                      <a:noFill/>
+                      <a:prstDash val="solid"/>
+                    </a:lnT>
+                    <a:lnB w="0" cap="flat" cmpd="sng" algn="ctr">
+                      <a:noFill/>
+                      <a:prstDash val="solid"/>
+                    </a:lnB>
+                    <a:solidFill>
+                      <a:srgbClr val="FFFFFF">
+                        <a:alpha val="0"/>
+                      </a:srgbClr>
+                    </a:solidFill>
+                  </a:tcPr>
+                </a:tc>
+                <a:tc>
+                  <a:txBody>
+                    <a:bodyPr/>
+                    <a:lstStyle/>
+                    <a:p>
+                      <a:pPr marL="63500" marR="63500" algn="ctr">
+                        <a:lnSpc>
+                          <a:spcPct val="100000"/>
+                        </a:lnSpc>
+                        <a:spcBef>
+                          <a:spcPts val="500"/>
+                        </a:spcBef>
+                        <a:spcAft>
+                          <a:spcPts val="500"/>
+                        </a:spcAft>
+                        <a:buNone/>
+                      </a:pPr>
+                      <a:r>
+                        <a:rPr sz="1100" b="0" i="0" u="none" cap="none">
+                          <a:solidFill>
+                            <a:srgbClr val="000000">
+                              <a:alpha val="100000"/>
+                            </a:srgbClr>
+                          </a:solidFill>
+                          <a:latin typeface="Arial"/>
+                          <a:cs typeface="Arial"/>
+                          <a:sym typeface="Arial"/>
+                        </a:rPr>
+                        <a:t>1.49</a:t>
+                      </a:r>
+                    </a:p>
+                  </a:txBody>
+                  <a:tcPr marL="0" marR="0" marT="63500" marB="63500" anchor="ctr">
+                    <a:lnL w="0" cap="flat" cmpd="sng" algn="ctr">
+                      <a:noFill/>
+                      <a:prstDash val="solid"/>
+                    </a:lnL>
+                    <a:lnR w="0" cap="flat" cmpd="sng" algn="ctr">
+                      <a:noFill/>
+                      <a:prstDash val="solid"/>
+                    </a:lnR>
+                    <a:lnT w="0" cap="flat" cmpd="sng" algn="ctr">
+                      <a:noFill/>
+                      <a:prstDash val="solid"/>
+                    </a:lnT>
+                    <a:lnB w="0" cap="flat" cmpd="sng" algn="ctr">
+                      <a:noFill/>
+                      <a:prstDash val="solid"/>
+                    </a:lnB>
+                    <a:solidFill>
+                      <a:srgbClr val="FFFFFF">
+                        <a:alpha val="0"/>
+                      </a:srgbClr>
+                    </a:solidFill>
+                  </a:tcPr>
+                </a:tc>
+                <a:tc>
+                  <a:txBody>
+                    <a:bodyPr/>
+                    <a:lstStyle/>
+                    <a:p>
+                      <a:pPr marL="63500" marR="63500" algn="ctr">
+                        <a:lnSpc>
+                          <a:spcPct val="100000"/>
+                        </a:lnSpc>
+                        <a:spcBef>
+                          <a:spcPts val="500"/>
+                        </a:spcBef>
+                        <a:spcAft>
+                          <a:spcPts val="500"/>
+                        </a:spcAft>
+                        <a:buNone/>
+                      </a:pPr>
+                      <a:r>
+                        <a:rPr sz="1100" b="0" i="0" u="none" cap="none">
+                          <a:solidFill>
+                            <a:srgbClr val="000000">
+                              <a:alpha val="100000"/>
+                            </a:srgbClr>
+                          </a:solidFill>
+                          <a:latin typeface="Arial"/>
+                          <a:cs typeface="Arial"/>
+                          <a:sym typeface="Arial"/>
+                        </a:rPr>
+                        <a:t>1.65</a:t>
+                      </a:r>
+                    </a:p>
+                  </a:txBody>
+                  <a:tcPr marL="0" marR="0" marT="63500" marB="63500" anchor="ctr">
+                    <a:lnL w="0" cap="flat" cmpd="sng" algn="ctr">
+                      <a:noFill/>
+                      <a:prstDash val="solid"/>
+                    </a:lnL>
+                    <a:lnR w="0" cap="flat" cmpd="sng" algn="ctr">
+                      <a:noFill/>
+                      <a:prstDash val="solid"/>
+                    </a:lnR>
+                    <a:lnT w="0" cap="flat" cmpd="sng" algn="ctr">
+                      <a:noFill/>
+                      <a:prstDash val="solid"/>
+                    </a:lnT>
+                    <a:lnB w="0" cap="flat" cmpd="sng" algn="ctr">
+                      <a:noFill/>
+                      <a:prstDash val="solid"/>
+                    </a:lnB>
+                    <a:solidFill>
+                      <a:srgbClr val="FFFFFF">
+                        <a:alpha val="0"/>
+                      </a:srgbClr>
+                    </a:solidFill>
+                  </a:tcPr>
+                </a:tc>
+                <a:tc>
+                  <a:txBody>
+                    <a:bodyPr/>
+                    <a:lstStyle/>
+                    <a:p>
+                      <a:pPr marL="63500" marR="63500" algn="ctr">
+                        <a:lnSpc>
+                          <a:spcPct val="100000"/>
+                        </a:lnSpc>
+                        <a:spcBef>
+                          <a:spcPts val="500"/>
+                        </a:spcBef>
+                        <a:spcAft>
+                          <a:spcPts val="500"/>
+                        </a:spcAft>
+                        <a:buNone/>
+                      </a:pPr>
+                      <a:r>
+                        <a:rPr sz="1100" b="0" i="0" u="none" cap="none">
+                          <a:solidFill>
+                            <a:srgbClr val="000000">
+                              <a:alpha val="100000"/>
+                            </a:srgbClr>
+                          </a:solidFill>
+                          <a:latin typeface="Arial"/>
+                          <a:cs typeface="Arial"/>
+                          <a:sym typeface="Arial"/>
+                        </a:rPr>
+                        <a:t>1.70</a:t>
+                      </a:r>
+                    </a:p>
+                  </a:txBody>
+                  <a:tcPr marL="0" marR="0" marT="63500" marB="63500" anchor="ctr">
+                    <a:lnL w="0" cap="flat" cmpd="sng" algn="ctr">
+                      <a:noFill/>
+                      <a:prstDash val="solid"/>
+                    </a:lnL>
+                    <a:lnR w="0" cap="flat" cmpd="sng" algn="ctr">
+                      <a:noFill/>
+                      <a:prstDash val="solid"/>
+                    </a:lnR>
+                    <a:lnT w="0" cap="flat" cmpd="sng" algn="ctr">
+                      <a:noFill/>
+                      <a:prstDash val="solid"/>
+                    </a:lnT>
+                    <a:lnB w="0" cap="flat" cmpd="sng" algn="ctr">
+                      <a:noFill/>
+                      <a:prstDash val="solid"/>
+                    </a:lnB>
+                    <a:solidFill>
+                      <a:srgbClr val="FFFFFF">
+                        <a:alpha val="0"/>
+                      </a:srgbClr>
+                    </a:solidFill>
+                  </a:tcPr>
+                </a:tc>
+                <a:extLst>
+                  <a:ext uri="{0D108BD9-81ED-4DB2-BD59-A6C34878D82A}">
+                    <a16:rowId xmlns:a16="http://schemas.microsoft.com/office/drawing/2014/main" val="10003"/>
+                  </a:ext>
+                </a:extLst>
+              </a:tr>
+              <a:tr h="228600">
+                <a:tc>
+                  <a:txBody>
+                    <a:bodyPr/>
+                    <a:lstStyle/>
+                    <a:p>
+                      <a:pPr marL="63500" marR="63500" algn="l">
+                        <a:lnSpc>
+                          <a:spcPct val="100000"/>
+                        </a:lnSpc>
+                        <a:spcBef>
+                          <a:spcPts val="500"/>
+                        </a:spcBef>
+                        <a:spcAft>
+                          <a:spcPts val="500"/>
+                        </a:spcAft>
+                        <a:buNone/>
+                      </a:pPr>
+                      <a:r>
+                        <a:rPr sz="1100" b="0" i="0" u="none" cap="none" dirty="0">
+                          <a:solidFill>
+                            <a:srgbClr val="000000">
+                              <a:alpha val="100000"/>
+                            </a:srgbClr>
+                          </a:solidFill>
+                          <a:latin typeface="Arial"/>
+                          <a:cs typeface="Arial"/>
+                          <a:sym typeface="Arial"/>
+                        </a:rPr>
+                        <a:t>Number of listed hospitals</a:t>
+                      </a:r>
+                    </a:p>
+                  </a:txBody>
+                  <a:tcPr marL="0" marR="0" marT="63500" marB="63500" anchor="ctr">
+                    <a:lnL w="0" cap="flat" cmpd="sng" algn="ctr">
+                      <a:noFill/>
+                      <a:prstDash val="solid"/>
+                    </a:lnL>
+                    <a:lnR w="0" cap="flat" cmpd="sng" algn="ctr">
+                      <a:noFill/>
+                      <a:prstDash val="solid"/>
+                    </a:lnR>
+                    <a:lnT w="0" cap="flat" cmpd="sng" algn="ctr">
+                      <a:noFill/>
+                      <a:prstDash val="solid"/>
+                    </a:lnT>
+                    <a:lnB w="0" cap="flat" cmpd="sng" algn="ctr">
+                      <a:noFill/>
+                      <a:prstDash val="solid"/>
+                    </a:lnB>
+                    <a:solidFill>
+                      <a:srgbClr val="FFFFFF">
+                        <a:alpha val="0"/>
+                      </a:srgbClr>
+                    </a:solidFill>
+                  </a:tcPr>
+                </a:tc>
+                <a:tc>
+                  <a:txBody>
+                    <a:bodyPr/>
+                    <a:lstStyle/>
+                    <a:p>
+                      <a:pPr marL="63500" marR="63500" algn="ctr">
+                        <a:lnSpc>
+                          <a:spcPct val="100000"/>
+                        </a:lnSpc>
+                        <a:spcBef>
+                          <a:spcPts val="500"/>
+                        </a:spcBef>
+                        <a:spcAft>
+                          <a:spcPts val="500"/>
+                        </a:spcAft>
+                        <a:buNone/>
+                      </a:pPr>
+                      <a:r>
+                        <a:rPr sz="1100" b="0" i="0" u="none" cap="none">
+                          <a:solidFill>
+                            <a:srgbClr val="000000">
+                              <a:alpha val="100000"/>
+                            </a:srgbClr>
+                          </a:solidFill>
+                          <a:latin typeface="Arial"/>
+                          <a:cs typeface="Arial"/>
+                          <a:sym typeface="Arial"/>
+                        </a:rPr>
+                        <a:t>0.47</a:t>
+                      </a:r>
+                    </a:p>
+                  </a:txBody>
+                  <a:tcPr marL="0" marR="0" marT="63500" marB="63500" anchor="ctr">
+                    <a:lnL w="0" cap="flat" cmpd="sng" algn="ctr">
+                      <a:noFill/>
+                      <a:prstDash val="solid"/>
+                    </a:lnL>
+                    <a:lnR w="0" cap="flat" cmpd="sng" algn="ctr">
+                      <a:noFill/>
+                      <a:prstDash val="solid"/>
+                    </a:lnR>
+                    <a:lnT w="0" cap="flat" cmpd="sng" algn="ctr">
+                      <a:noFill/>
+                      <a:prstDash val="solid"/>
+                    </a:lnT>
+                    <a:lnB w="0" cap="flat" cmpd="sng" algn="ctr">
+                      <a:noFill/>
+                      <a:prstDash val="solid"/>
+                    </a:lnB>
+                    <a:solidFill>
+                      <a:srgbClr val="FFFFFF">
+                        <a:alpha val="0"/>
+                      </a:srgbClr>
+                    </a:solidFill>
+                  </a:tcPr>
+                </a:tc>
+                <a:tc>
+                  <a:txBody>
+                    <a:bodyPr/>
+                    <a:lstStyle/>
+                    <a:p>
+                      <a:pPr marL="63500" marR="63500" algn="ctr">
+                        <a:lnSpc>
+                          <a:spcPct val="100000"/>
+                        </a:lnSpc>
+                        <a:spcBef>
+                          <a:spcPts val="500"/>
+                        </a:spcBef>
+                        <a:spcAft>
+                          <a:spcPts val="500"/>
+                        </a:spcAft>
+                        <a:buNone/>
+                      </a:pPr>
+                      <a:r>
+                        <a:rPr sz="1100" b="0" i="0" u="none" cap="none">
+                          <a:solidFill>
+                            <a:srgbClr val="000000">
+                              <a:alpha val="100000"/>
+                            </a:srgbClr>
+                          </a:solidFill>
+                          <a:latin typeface="Arial"/>
+                          <a:cs typeface="Arial"/>
+                          <a:sym typeface="Arial"/>
+                        </a:rPr>
+                        <a:t>0.40</a:t>
+                      </a:r>
+                    </a:p>
+                  </a:txBody>
+                  <a:tcPr marL="0" marR="0" marT="63500" marB="63500" anchor="ctr">
+                    <a:lnL w="0" cap="flat" cmpd="sng" algn="ctr">
+                      <a:noFill/>
+                      <a:prstDash val="solid"/>
+                    </a:lnL>
+                    <a:lnR w="0" cap="flat" cmpd="sng" algn="ctr">
+                      <a:noFill/>
+                      <a:prstDash val="solid"/>
+                    </a:lnR>
+                    <a:lnT w="0" cap="flat" cmpd="sng" algn="ctr">
+                      <a:noFill/>
+                      <a:prstDash val="solid"/>
+                    </a:lnT>
+                    <a:lnB w="0" cap="flat" cmpd="sng" algn="ctr">
+                      <a:noFill/>
+                      <a:prstDash val="solid"/>
+                    </a:lnB>
+                    <a:solidFill>
+                      <a:srgbClr val="FFFFFF">
+                        <a:alpha val="0"/>
+                      </a:srgbClr>
+                    </a:solidFill>
+                  </a:tcPr>
+                </a:tc>
+                <a:tc>
+                  <a:txBody>
+                    <a:bodyPr/>
+                    <a:lstStyle/>
+                    <a:p>
+                      <a:pPr marL="63500" marR="63500" algn="ctr">
+                        <a:lnSpc>
+                          <a:spcPct val="100000"/>
+                        </a:lnSpc>
+                        <a:spcBef>
+                          <a:spcPts val="500"/>
+                        </a:spcBef>
+                        <a:spcAft>
+                          <a:spcPts val="500"/>
+                        </a:spcAft>
+                        <a:buNone/>
+                      </a:pPr>
+                      <a:r>
+                        <a:rPr sz="1100" b="0" i="0" u="none" cap="none">
+                          <a:solidFill>
+                            <a:srgbClr val="000000">
+                              <a:alpha val="100000"/>
+                            </a:srgbClr>
+                          </a:solidFill>
+                          <a:latin typeface="Arial"/>
+                          <a:cs typeface="Arial"/>
+                          <a:sym typeface="Arial"/>
+                        </a:rPr>
+                        <a:t>0.58</a:t>
+                      </a:r>
+                    </a:p>
+                  </a:txBody>
+                  <a:tcPr marL="0" marR="0" marT="63500" marB="63500" anchor="ctr">
+                    <a:lnL w="0" cap="flat" cmpd="sng" algn="ctr">
+                      <a:noFill/>
+                      <a:prstDash val="solid"/>
+                    </a:lnL>
+                    <a:lnR w="0" cap="flat" cmpd="sng" algn="ctr">
+                      <a:noFill/>
+                      <a:prstDash val="solid"/>
+                    </a:lnR>
+                    <a:lnT w="0" cap="flat" cmpd="sng" algn="ctr">
+                      <a:noFill/>
+                      <a:prstDash val="solid"/>
+                    </a:lnT>
+                    <a:lnB w="0" cap="flat" cmpd="sng" algn="ctr">
+                      <a:noFill/>
+                      <a:prstDash val="solid"/>
+                    </a:lnB>
+                    <a:solidFill>
+                      <a:srgbClr val="FFFFFF">
+                        <a:alpha val="0"/>
+                      </a:srgbClr>
+                    </a:solidFill>
+                  </a:tcPr>
+                </a:tc>
+                <a:extLst>
+                  <a:ext uri="{0D108BD9-81ED-4DB2-BD59-A6C34878D82A}">
+                    <a16:rowId xmlns:a16="http://schemas.microsoft.com/office/drawing/2014/main" val="10004"/>
+                  </a:ext>
+                </a:extLst>
+              </a:tr>
+              <a:tr h="228600">
+                <a:tc>
+                  <a:txBody>
+                    <a:bodyPr/>
+                    <a:lstStyle/>
+                    <a:p>
+                      <a:pPr marL="63500" marR="63500" algn="l">
+                        <a:lnSpc>
+                          <a:spcPct val="100000"/>
+                        </a:lnSpc>
+                        <a:spcBef>
+                          <a:spcPts val="500"/>
+                        </a:spcBef>
+                        <a:spcAft>
+                          <a:spcPts val="500"/>
+                        </a:spcAft>
+                        <a:buNone/>
+                      </a:pPr>
+                      <a:r>
+                        <a:rPr sz="1100" b="0" i="0" u="none" cap="none">
+                          <a:solidFill>
+                            <a:srgbClr val="000000">
+                              <a:alpha val="100000"/>
+                            </a:srgbClr>
+                          </a:solidFill>
+                          <a:latin typeface="Arial"/>
+                          <a:cs typeface="Arial"/>
+                          <a:sym typeface="Arial"/>
+                        </a:rPr>
+                        <a:t>Number of hospitals listed with PBSC collection</a:t>
+                      </a:r>
+                    </a:p>
+                  </a:txBody>
+                  <a:tcPr marL="0" marR="0" marT="63500" marB="63500" anchor="ctr">
+                    <a:lnL w="0" cap="flat" cmpd="sng" algn="ctr">
+                      <a:noFill/>
+                      <a:prstDash val="solid"/>
+                    </a:lnL>
+                    <a:lnR w="0" cap="flat" cmpd="sng" algn="ctr">
+                      <a:noFill/>
+                      <a:prstDash val="solid"/>
+                    </a:lnR>
+                    <a:lnT w="0" cap="flat" cmpd="sng" algn="ctr">
+                      <a:noFill/>
+                      <a:prstDash val="solid"/>
+                    </a:lnT>
+                    <a:lnB w="0" cap="flat" cmpd="sng" algn="ctr">
+                      <a:noFill/>
+                      <a:prstDash val="solid"/>
+                    </a:lnB>
+                    <a:solidFill>
+                      <a:srgbClr val="FFFFFF">
+                        <a:alpha val="0"/>
+                      </a:srgbClr>
+                    </a:solidFill>
+                  </a:tcPr>
+                </a:tc>
+                <a:tc>
+                  <a:txBody>
+                    <a:bodyPr/>
+                    <a:lstStyle/>
+                    <a:p>
+                      <a:pPr marL="63500" marR="63500" algn="ctr">
+                        <a:lnSpc>
+                          <a:spcPct val="100000"/>
+                        </a:lnSpc>
+                        <a:spcBef>
+                          <a:spcPts val="500"/>
+                        </a:spcBef>
+                        <a:spcAft>
+                          <a:spcPts val="500"/>
+                        </a:spcAft>
+                        <a:buNone/>
+                      </a:pPr>
+                      <a:r>
+                        <a:rPr sz="1100" b="0" i="0" u="none" cap="none">
+                          <a:solidFill>
+                            <a:srgbClr val="000000">
+                              <a:alpha val="100000"/>
+                            </a:srgbClr>
+                          </a:solidFill>
+                          <a:latin typeface="Arial"/>
+                          <a:cs typeface="Arial"/>
+                          <a:sym typeface="Arial"/>
+                        </a:rPr>
+                        <a:t>0.16</a:t>
+                      </a:r>
+                    </a:p>
+                  </a:txBody>
+                  <a:tcPr marL="0" marR="0" marT="63500" marB="63500" anchor="ctr">
+                    <a:lnL w="0" cap="flat" cmpd="sng" algn="ctr">
+                      <a:noFill/>
+                      <a:prstDash val="solid"/>
+                    </a:lnL>
+                    <a:lnR w="0" cap="flat" cmpd="sng" algn="ctr">
+                      <a:noFill/>
+                      <a:prstDash val="solid"/>
+                    </a:lnR>
+                    <a:lnT w="0" cap="flat" cmpd="sng" algn="ctr">
+                      <a:noFill/>
+                      <a:prstDash val="solid"/>
+                    </a:lnT>
+                    <a:lnB w="0" cap="flat" cmpd="sng" algn="ctr">
+                      <a:noFill/>
+                      <a:prstDash val="solid"/>
+                    </a:lnB>
+                    <a:solidFill>
+                      <a:srgbClr val="FFFFFF">
+                        <a:alpha val="0"/>
+                      </a:srgbClr>
+                    </a:solidFill>
+                  </a:tcPr>
+                </a:tc>
+                <a:tc>
+                  <a:txBody>
+                    <a:bodyPr/>
+                    <a:lstStyle/>
+                    <a:p>
+                      <a:pPr marL="63500" marR="63500" algn="ctr">
+                        <a:lnSpc>
+                          <a:spcPct val="100000"/>
+                        </a:lnSpc>
+                        <a:spcBef>
+                          <a:spcPts val="500"/>
+                        </a:spcBef>
+                        <a:spcAft>
+                          <a:spcPts val="500"/>
+                        </a:spcAft>
+                        <a:buNone/>
+                      </a:pPr>
+                      <a:r>
+                        <a:rPr sz="1100" b="0" i="0" u="none" cap="none">
+                          <a:solidFill>
+                            <a:srgbClr val="000000">
+                              <a:alpha val="100000"/>
+                            </a:srgbClr>
+                          </a:solidFill>
+                          <a:latin typeface="Arial"/>
+                          <a:cs typeface="Arial"/>
+                          <a:sym typeface="Arial"/>
+                        </a:rPr>
+                        <a:t>0.13</a:t>
+                      </a:r>
+                    </a:p>
+                  </a:txBody>
+                  <a:tcPr marL="0" marR="0" marT="63500" marB="63500" anchor="ctr">
+                    <a:lnL w="0" cap="flat" cmpd="sng" algn="ctr">
+                      <a:noFill/>
+                      <a:prstDash val="solid"/>
+                    </a:lnL>
+                    <a:lnR w="0" cap="flat" cmpd="sng" algn="ctr">
+                      <a:noFill/>
+                      <a:prstDash val="solid"/>
+                    </a:lnR>
+                    <a:lnT w="0" cap="flat" cmpd="sng" algn="ctr">
+                      <a:noFill/>
+                      <a:prstDash val="solid"/>
+                    </a:lnT>
+                    <a:lnB w="0" cap="flat" cmpd="sng" algn="ctr">
+                      <a:noFill/>
+                      <a:prstDash val="solid"/>
+                    </a:lnB>
+                    <a:solidFill>
+                      <a:srgbClr val="FFFFFF">
+                        <a:alpha val="0"/>
+                      </a:srgbClr>
+                    </a:solidFill>
+                  </a:tcPr>
+                </a:tc>
+                <a:tc>
+                  <a:txBody>
+                    <a:bodyPr/>
+                    <a:lstStyle/>
+                    <a:p>
+                      <a:pPr marL="63500" marR="63500" algn="ctr">
+                        <a:lnSpc>
+                          <a:spcPct val="100000"/>
+                        </a:lnSpc>
+                        <a:spcBef>
+                          <a:spcPts val="500"/>
+                        </a:spcBef>
+                        <a:spcAft>
+                          <a:spcPts val="500"/>
+                        </a:spcAft>
+                        <a:buNone/>
+                      </a:pPr>
+                      <a:r>
+                        <a:rPr sz="1100" b="0" i="0" u="none" cap="none">
+                          <a:solidFill>
+                            <a:srgbClr val="000000">
+                              <a:alpha val="100000"/>
+                            </a:srgbClr>
+                          </a:solidFill>
+                          <a:latin typeface="Arial"/>
+                          <a:cs typeface="Arial"/>
+                          <a:sym typeface="Arial"/>
+                        </a:rPr>
+                        <a:t>0.20</a:t>
+                      </a:r>
+                    </a:p>
+                  </a:txBody>
+                  <a:tcPr marL="0" marR="0" marT="63500" marB="63500" anchor="ctr">
+                    <a:lnL w="0" cap="flat" cmpd="sng" algn="ctr">
+                      <a:noFill/>
+                      <a:prstDash val="solid"/>
+                    </a:lnL>
+                    <a:lnR w="0" cap="flat" cmpd="sng" algn="ctr">
+                      <a:noFill/>
+                      <a:prstDash val="solid"/>
+                    </a:lnR>
+                    <a:lnT w="0" cap="flat" cmpd="sng" algn="ctr">
+                      <a:noFill/>
+                      <a:prstDash val="solid"/>
+                    </a:lnT>
+                    <a:lnB w="0" cap="flat" cmpd="sng" algn="ctr">
+                      <a:noFill/>
+                      <a:prstDash val="solid"/>
+                    </a:lnB>
+                    <a:solidFill>
+                      <a:srgbClr val="FFFFFF">
+                        <a:alpha val="0"/>
+                      </a:srgbClr>
+                    </a:solidFill>
+                  </a:tcPr>
+                </a:tc>
+                <a:extLst>
+                  <a:ext uri="{0D108BD9-81ED-4DB2-BD59-A6C34878D82A}">
+                    <a16:rowId xmlns:a16="http://schemas.microsoft.com/office/drawing/2014/main" val="10005"/>
+                  </a:ext>
+                </a:extLst>
+              </a:tr>
+              <a:tr h="228600">
+                <a:tc>
+                  <a:txBody>
+                    <a:bodyPr/>
+                    <a:lstStyle/>
+                    <a:p>
+                      <a:pPr marL="63500" marR="63500" algn="l">
+                        <a:lnSpc>
+                          <a:spcPct val="100000"/>
+                        </a:lnSpc>
+                        <a:spcBef>
+                          <a:spcPts val="500"/>
+                        </a:spcBef>
+                        <a:spcAft>
+                          <a:spcPts val="500"/>
+                        </a:spcAft>
+                        <a:buNone/>
+                      </a:pPr>
+                      <a:r>
+                        <a:rPr sz="1100" b="0" i="0" u="none" cap="none">
+                          <a:solidFill>
+                            <a:srgbClr val="000000">
+                              <a:alpha val="100000"/>
+                            </a:srgbClr>
+                          </a:solidFill>
+                          <a:latin typeface="Arial"/>
+                          <a:cs typeface="Arial"/>
+                          <a:sym typeface="Arial"/>
+                        </a:rPr>
+                        <a:t>Number of hospitals listed with BM collection</a:t>
+                      </a:r>
+                    </a:p>
+                  </a:txBody>
+                  <a:tcPr marL="0" marR="0" marT="63500" marB="63500" anchor="ctr">
+                    <a:lnL w="0" cap="flat" cmpd="sng" algn="ctr">
+                      <a:noFill/>
+                      <a:prstDash val="solid"/>
+                    </a:lnL>
+                    <a:lnR w="0" cap="flat" cmpd="sng" algn="ctr">
+                      <a:noFill/>
+                      <a:prstDash val="solid"/>
+                    </a:lnR>
+                    <a:lnT w="0" cap="flat" cmpd="sng" algn="ctr">
+                      <a:noFill/>
+                      <a:prstDash val="solid"/>
+                    </a:lnT>
+                    <a:lnB w="0" cap="flat" cmpd="sng" algn="ctr">
+                      <a:noFill/>
+                      <a:prstDash val="solid"/>
+                    </a:lnB>
+                    <a:solidFill>
+                      <a:srgbClr val="FFFFFF">
+                        <a:alpha val="0"/>
+                      </a:srgbClr>
+                    </a:solidFill>
+                  </a:tcPr>
+                </a:tc>
+                <a:tc>
+                  <a:txBody>
+                    <a:bodyPr/>
+                    <a:lstStyle/>
+                    <a:p>
+                      <a:pPr marL="63500" marR="63500" algn="ctr">
+                        <a:lnSpc>
+                          <a:spcPct val="100000"/>
+                        </a:lnSpc>
+                        <a:spcBef>
+                          <a:spcPts val="500"/>
+                        </a:spcBef>
+                        <a:spcAft>
+                          <a:spcPts val="500"/>
+                        </a:spcAft>
+                        <a:buNone/>
+                      </a:pPr>
+                      <a:r>
+                        <a:rPr sz="1100" b="0" i="0" u="none" cap="none">
+                          <a:solidFill>
+                            <a:srgbClr val="000000">
+                              <a:alpha val="100000"/>
+                            </a:srgbClr>
+                          </a:solidFill>
+                          <a:latin typeface="Arial"/>
+                          <a:cs typeface="Arial"/>
+                          <a:sym typeface="Arial"/>
+                        </a:rPr>
+                        <a:t>0.24</a:t>
+                      </a:r>
+                    </a:p>
+                  </a:txBody>
+                  <a:tcPr marL="0" marR="0" marT="63500" marB="63500" anchor="ctr">
+                    <a:lnL w="0" cap="flat" cmpd="sng" algn="ctr">
+                      <a:noFill/>
+                      <a:prstDash val="solid"/>
+                    </a:lnL>
+                    <a:lnR w="0" cap="flat" cmpd="sng" algn="ctr">
+                      <a:noFill/>
+                      <a:prstDash val="solid"/>
+                    </a:lnR>
+                    <a:lnT w="0" cap="flat" cmpd="sng" algn="ctr">
+                      <a:noFill/>
+                      <a:prstDash val="solid"/>
+                    </a:lnT>
+                    <a:lnB w="0" cap="flat" cmpd="sng" algn="ctr">
+                      <a:noFill/>
+                      <a:prstDash val="solid"/>
+                    </a:lnB>
+                    <a:solidFill>
+                      <a:srgbClr val="FFFFFF">
+                        <a:alpha val="0"/>
+                      </a:srgbClr>
+                    </a:solidFill>
+                  </a:tcPr>
+                </a:tc>
+                <a:tc>
+                  <a:txBody>
+                    <a:bodyPr/>
+                    <a:lstStyle/>
+                    <a:p>
+                      <a:pPr marL="63500" marR="63500" algn="ctr">
+                        <a:lnSpc>
+                          <a:spcPct val="100000"/>
+                        </a:lnSpc>
+                        <a:spcBef>
+                          <a:spcPts val="500"/>
+                        </a:spcBef>
+                        <a:spcAft>
+                          <a:spcPts val="500"/>
+                        </a:spcAft>
+                        <a:buNone/>
+                      </a:pPr>
+                      <a:r>
+                        <a:rPr sz="1100" b="0" i="0" u="none" cap="none">
+                          <a:solidFill>
+                            <a:srgbClr val="000000">
+                              <a:alpha val="100000"/>
+                            </a:srgbClr>
+                          </a:solidFill>
+                          <a:latin typeface="Arial"/>
+                          <a:cs typeface="Arial"/>
+                          <a:sym typeface="Arial"/>
+                        </a:rPr>
+                        <a:t>0.20</a:t>
+                      </a:r>
+                    </a:p>
+                  </a:txBody>
+                  <a:tcPr marL="0" marR="0" marT="63500" marB="63500" anchor="ctr">
+                    <a:lnL w="0" cap="flat" cmpd="sng" algn="ctr">
+                      <a:noFill/>
+                      <a:prstDash val="solid"/>
+                    </a:lnL>
+                    <a:lnR w="0" cap="flat" cmpd="sng" algn="ctr">
+                      <a:noFill/>
+                      <a:prstDash val="solid"/>
+                    </a:lnR>
+                    <a:lnT w="0" cap="flat" cmpd="sng" algn="ctr">
+                      <a:noFill/>
+                      <a:prstDash val="solid"/>
+                    </a:lnT>
+                    <a:lnB w="0" cap="flat" cmpd="sng" algn="ctr">
+                      <a:noFill/>
+                      <a:prstDash val="solid"/>
+                    </a:lnB>
+                    <a:solidFill>
+                      <a:srgbClr val="FFFFFF">
+                        <a:alpha val="0"/>
+                      </a:srgbClr>
+                    </a:solidFill>
+                  </a:tcPr>
+                </a:tc>
+                <a:tc>
+                  <a:txBody>
+                    <a:bodyPr/>
+                    <a:lstStyle/>
+                    <a:p>
+                      <a:pPr marL="63500" marR="63500" algn="ctr">
+                        <a:lnSpc>
+                          <a:spcPct val="100000"/>
+                        </a:lnSpc>
+                        <a:spcBef>
+                          <a:spcPts val="500"/>
+                        </a:spcBef>
+                        <a:spcAft>
+                          <a:spcPts val="500"/>
+                        </a:spcAft>
+                        <a:buNone/>
+                      </a:pPr>
+                      <a:r>
+                        <a:rPr sz="1100" b="0" i="0" u="none" cap="none">
+                          <a:solidFill>
+                            <a:srgbClr val="000000">
+                              <a:alpha val="100000"/>
+                            </a:srgbClr>
+                          </a:solidFill>
+                          <a:latin typeface="Arial"/>
+                          <a:cs typeface="Arial"/>
+                          <a:sym typeface="Arial"/>
+                        </a:rPr>
+                        <a:t>0.31</a:t>
+                      </a:r>
+                    </a:p>
+                  </a:txBody>
+                  <a:tcPr marL="0" marR="0" marT="63500" marB="63500" anchor="ctr">
+                    <a:lnL w="0" cap="flat" cmpd="sng" algn="ctr">
+                      <a:noFill/>
+                      <a:prstDash val="solid"/>
+                    </a:lnL>
+                    <a:lnR w="0" cap="flat" cmpd="sng" algn="ctr">
+                      <a:noFill/>
+                      <a:prstDash val="solid"/>
+                    </a:lnR>
+                    <a:lnT w="0" cap="flat" cmpd="sng" algn="ctr">
+                      <a:noFill/>
+                      <a:prstDash val="solid"/>
+                    </a:lnT>
+                    <a:lnB w="0" cap="flat" cmpd="sng" algn="ctr">
+                      <a:noFill/>
+                      <a:prstDash val="solid"/>
+                    </a:lnB>
+                    <a:solidFill>
+                      <a:srgbClr val="FFFFFF">
+                        <a:alpha val="0"/>
+                      </a:srgbClr>
+                    </a:solidFill>
+                  </a:tcPr>
+                </a:tc>
+                <a:extLst>
+                  <a:ext uri="{0D108BD9-81ED-4DB2-BD59-A6C34878D82A}">
+                    <a16:rowId xmlns:a16="http://schemas.microsoft.com/office/drawing/2014/main" val="10006"/>
+                  </a:ext>
+                </a:extLst>
+              </a:tr>
+              <a:tr h="228600">
+                <a:tc>
+                  <a:txBody>
+                    <a:bodyPr/>
+                    <a:lstStyle/>
+                    <a:p>
+                      <a:pPr marL="63500" marR="63500" algn="l">
+                        <a:lnSpc>
+                          <a:spcPct val="100000"/>
+                        </a:lnSpc>
+                        <a:spcBef>
+                          <a:spcPts val="500"/>
+                        </a:spcBef>
+                        <a:spcAft>
+                          <a:spcPts val="500"/>
+                        </a:spcAft>
+                        <a:buNone/>
+                      </a:pPr>
+                      <a:r>
+                        <a:rPr sz="1100" b="0" i="0" u="none" cap="none">
+                          <a:solidFill>
+                            <a:srgbClr val="000000">
+                              <a:alpha val="100000"/>
+                            </a:srgbClr>
+                          </a:solidFill>
+                          <a:latin typeface="Arial"/>
+                          <a:cs typeface="Arial"/>
+                          <a:sym typeface="Arial"/>
+                        </a:rPr>
+                        <a:t>N</a:t>
+                      </a:r>
+                    </a:p>
+                  </a:txBody>
+                  <a:tcPr marL="0" marR="0" marT="63500" marB="63500" anchor="ctr">
+                    <a:lnL w="0" cap="flat" cmpd="sng" algn="ctr">
+                      <a:noFill/>
+                      <a:prstDash val="solid"/>
+                    </a:lnL>
+                    <a:lnR w="0" cap="flat" cmpd="sng" algn="ctr">
+                      <a:noFill/>
+                      <a:prstDash val="solid"/>
+                    </a:lnR>
+                    <a:lnT w="0" cap="flat" cmpd="sng" algn="ctr">
+                      <a:noFill/>
+                      <a:prstDash val="solid"/>
+                    </a:lnT>
+                    <a:lnB w="12700" cap="flat" cmpd="sng" algn="ctr">
+                      <a:solidFill>
+                        <a:srgbClr val="000000">
+                          <a:alpha val="100000"/>
+                        </a:srgbClr>
+                      </a:solidFill>
+                      <a:prstDash val="solid"/>
+                    </a:lnB>
+                    <a:solidFill>
+                      <a:srgbClr val="FFFFFF">
+                        <a:alpha val="0"/>
+                      </a:srgbClr>
+                    </a:solidFill>
+                  </a:tcPr>
+                </a:tc>
+                <a:tc>
+                  <a:txBody>
+                    <a:bodyPr/>
+                    <a:lstStyle/>
+                    <a:p>
+                      <a:pPr marL="63500" marR="63500" algn="ctr">
+                        <a:lnSpc>
+                          <a:spcPct val="100000"/>
+                        </a:lnSpc>
+                        <a:spcBef>
+                          <a:spcPts val="500"/>
+                        </a:spcBef>
+                        <a:spcAft>
+                          <a:spcPts val="500"/>
+                        </a:spcAft>
+                        <a:buNone/>
+                      </a:pPr>
+                      <a:r>
+                        <a:rPr sz="1100" b="0" i="0" u="none" cap="none">
+                          <a:solidFill>
+                            <a:srgbClr val="000000">
+                              <a:alpha val="100000"/>
+                            </a:srgbClr>
+                          </a:solidFill>
+                          <a:latin typeface="Arial"/>
+                          <a:cs typeface="Arial"/>
+                          <a:sym typeface="Arial"/>
+                        </a:rPr>
+                        <a:t>4980</a:t>
+                      </a:r>
+                    </a:p>
+                  </a:txBody>
+                  <a:tcPr marL="0" marR="0" marT="63500" marB="63500" anchor="ctr">
+                    <a:lnL w="0" cap="flat" cmpd="sng" algn="ctr">
+                      <a:noFill/>
+                      <a:prstDash val="solid"/>
+                    </a:lnL>
+                    <a:lnR w="0" cap="flat" cmpd="sng" algn="ctr">
+                      <a:noFill/>
+                      <a:prstDash val="solid"/>
+                    </a:lnR>
+                    <a:lnT w="0" cap="flat" cmpd="sng" algn="ctr">
+                      <a:noFill/>
+                      <a:prstDash val="solid"/>
+                    </a:lnT>
+                    <a:lnB w="12700" cap="flat" cmpd="sng" algn="ctr">
+                      <a:solidFill>
+                        <a:srgbClr val="000000">
+                          <a:alpha val="100000"/>
+                        </a:srgbClr>
+                      </a:solidFill>
+                      <a:prstDash val="solid"/>
+                    </a:lnB>
+                    <a:solidFill>
+                      <a:srgbClr val="FFFFFF">
+                        <a:alpha val="0"/>
+                      </a:srgbClr>
+                    </a:solidFill>
+                  </a:tcPr>
+                </a:tc>
+                <a:tc>
+                  <a:txBody>
+                    <a:bodyPr/>
+                    <a:lstStyle/>
+                    <a:p>
+                      <a:pPr marL="63500" marR="63500" algn="ctr">
+                        <a:lnSpc>
+                          <a:spcPct val="100000"/>
+                        </a:lnSpc>
+                        <a:spcBef>
+                          <a:spcPts val="500"/>
+                        </a:spcBef>
+                        <a:spcAft>
+                          <a:spcPts val="500"/>
+                        </a:spcAft>
+                        <a:buNone/>
+                      </a:pPr>
+                      <a:r>
+                        <a:rPr sz="1100" b="0" i="0" u="none" cap="none">
+                          <a:solidFill>
+                            <a:srgbClr val="000000">
+                              <a:alpha val="100000"/>
+                            </a:srgbClr>
+                          </a:solidFill>
+                          <a:latin typeface="Arial"/>
+                          <a:cs typeface="Arial"/>
+                          <a:sym typeface="Arial"/>
+                        </a:rPr>
+                        <a:t>2728</a:t>
+                      </a:r>
+                    </a:p>
+                  </a:txBody>
+                  <a:tcPr marL="0" marR="0" marT="63500" marB="63500" anchor="ctr">
+                    <a:lnL w="0" cap="flat" cmpd="sng" algn="ctr">
+                      <a:noFill/>
+                      <a:prstDash val="solid"/>
+                    </a:lnL>
+                    <a:lnR w="0" cap="flat" cmpd="sng" algn="ctr">
+                      <a:noFill/>
+                      <a:prstDash val="solid"/>
+                    </a:lnR>
+                    <a:lnT w="0" cap="flat" cmpd="sng" algn="ctr">
+                      <a:noFill/>
+                      <a:prstDash val="solid"/>
+                    </a:lnT>
+                    <a:lnB w="12700" cap="flat" cmpd="sng" algn="ctr">
+                      <a:solidFill>
+                        <a:srgbClr val="000000">
+                          <a:alpha val="100000"/>
+                        </a:srgbClr>
+                      </a:solidFill>
+                      <a:prstDash val="solid"/>
+                    </a:lnB>
+                    <a:solidFill>
+                      <a:srgbClr val="FFFFFF">
+                        <a:alpha val="0"/>
+                      </a:srgbClr>
+                    </a:solidFill>
+                  </a:tcPr>
+                </a:tc>
+                <a:tc>
+                  <a:txBody>
+                    <a:bodyPr/>
+                    <a:lstStyle/>
+                    <a:p>
+                      <a:pPr marL="63500" marR="63500" algn="ctr">
+                        <a:lnSpc>
+                          <a:spcPct val="100000"/>
+                        </a:lnSpc>
+                        <a:spcBef>
+                          <a:spcPts val="500"/>
+                        </a:spcBef>
+                        <a:spcAft>
+                          <a:spcPts val="500"/>
+                        </a:spcAft>
+                        <a:buNone/>
+                      </a:pPr>
+                      <a:r>
+                        <a:rPr sz="1100" b="0" i="0" u="none" cap="none" dirty="0">
+                          <a:solidFill>
+                            <a:srgbClr val="000000">
+                              <a:alpha val="100000"/>
+                            </a:srgbClr>
+                          </a:solidFill>
+                          <a:latin typeface="Arial"/>
+                          <a:cs typeface="Arial"/>
+                          <a:sym typeface="Arial"/>
+                        </a:rPr>
+                        <a:t>3341</a:t>
+                      </a:r>
+                    </a:p>
+                  </a:txBody>
+                  <a:tcPr marL="0" marR="0" marT="63500" marB="63500" anchor="ctr">
+                    <a:lnL w="0" cap="flat" cmpd="sng" algn="ctr">
+                      <a:noFill/>
+                      <a:prstDash val="solid"/>
+                    </a:lnL>
+                    <a:lnR w="0" cap="flat" cmpd="sng" algn="ctr">
+                      <a:noFill/>
+                      <a:prstDash val="solid"/>
+                    </a:lnR>
+                    <a:lnT w="0" cap="flat" cmpd="sng" algn="ctr">
+                      <a:noFill/>
+                      <a:prstDash val="solid"/>
+                    </a:lnT>
+                    <a:lnB w="12700" cap="flat" cmpd="sng" algn="ctr">
+                      <a:solidFill>
+                        <a:srgbClr val="000000">
+                          <a:alpha val="100000"/>
+                        </a:srgbClr>
+                      </a:solidFill>
+                      <a:prstDash val="solid"/>
+                    </a:lnB>
+                    <a:solidFill>
+                      <a:srgbClr val="FFFFFF">
+                        <a:alpha val="0"/>
+                      </a:srgbClr>
+                    </a:solidFill>
+                  </a:tcPr>
+                </a:tc>
+                <a:extLst>
+                  <a:ext uri="{0D108BD9-81ED-4DB2-BD59-A6C34878D82A}">
+                    <a16:rowId xmlns:a16="http://schemas.microsoft.com/office/drawing/2014/main" val="10007"/>
+                  </a:ext>
+                </a:extLst>
+              </a:tr>
+            </a:tbl>
+          </a:graphicData>
+        </a:graphic>
+      </p:graphicFrame>
+    </p:spTree>
+  </p:cSld>
+  <p:clrMapOvr>
+    <a:masterClrMapping/>
+  </p:clrMapOvr>
 </p:sld>
 </file>
 
@@ -4667,265 +6748,4 @@
   </a:objectDefaults>
   <a:extraClrSchemeLst/>
 </a:theme>
-</file>
-
-<file path=ppt/theme/theme2.xml><?xml version="1.0" encoding="utf-8"?>
-<a:theme xmlns:a="http://schemas.openxmlformats.org/drawingml/2006/main" name="Office Theme">
-  <a:themeElements>
-    <a:clrScheme name="Office">
-      <a:dk1>
-        <a:sysClr val="windowText" lastClr="000000"/>
-      </a:dk1>
-      <a:lt1>
-        <a:sysClr val="window" lastClr="FFFFFF"/>
-      </a:lt1>
-      <a:dk2>
-        <a:srgbClr val="44546A"/>
-      </a:dk2>
-      <a:lt2>
-        <a:srgbClr val="E7E6E6"/>
-      </a:lt2>
-      <a:accent1>
-        <a:srgbClr val="5B9BD5"/>
-      </a:accent1>
-      <a:accent2>
-        <a:srgbClr val="ED7D31"/>
-      </a:accent2>
-      <a:accent3>
-        <a:srgbClr val="A5A5A5"/>
-      </a:accent3>
-      <a:accent4>
-        <a:srgbClr val="FFC000"/>
-      </a:accent4>
-      <a:accent5>
-        <a:srgbClr val="4472C4"/>
-      </a:accent5>
-      <a:accent6>
-        <a:srgbClr val="70AD47"/>
-      </a:accent6>
-      <a:hlink>
-        <a:srgbClr val="0563C1"/>
-      </a:hlink>
-      <a:folHlink>
-        <a:srgbClr val="954F72"/>
-      </a:folHlink>
-    </a:clrScheme>
-    <a:fontScheme name="Office">
-      <a:majorFont>
-        <a:latin typeface="Calibri Light" panose="020F0302020204030204"/>
-        <a:ea typeface=""/>
-        <a:cs typeface=""/>
-        <a:font script="Jpan" typeface="ＭＳ Ｐゴシック"/>
-        <a:font script="Hang" typeface="맑은 고딕"/>
-        <a:font script="Hans" typeface="宋体"/>
-        <a:font script="Hant" typeface="新細明體"/>
-        <a:font script="Arab" typeface="Times New Roman"/>
-        <a:font script="Hebr" typeface="Times New Roman"/>
-        <a:font script="Thai" typeface="Angsana New"/>
-        <a:font script="Ethi" typeface="Nyala"/>
-        <a:font script="Beng" typeface="Vrinda"/>
-        <a:font script="Gujr" typeface="Shruti"/>
-        <a:font script="Khmr" typeface="MoolBoran"/>
-        <a:font script="Knda" typeface="Tunga"/>
-        <a:font script="Guru" typeface="Raavi"/>
-        <a:font script="Cans" typeface="Euphemia"/>
-        <a:font script="Cher" typeface="Plantagenet Cherokee"/>
-        <a:font script="Yiii" typeface="Microsoft Yi Baiti"/>
-        <a:font script="Tibt" typeface="Microsoft Himalaya"/>
-        <a:font script="Thaa" typeface="MV Boli"/>
-        <a:font script="Deva" typeface="Mangal"/>
-        <a:font script="Telu" typeface="Gautami"/>
-        <a:font script="Taml" typeface="Latha"/>
-        <a:font script="Syrc" typeface="Estrangelo Edessa"/>
-        <a:font script="Orya" typeface="Kalinga"/>
-        <a:font script="Mlym" typeface="Kartika"/>
-        <a:font script="Laoo" typeface="DokChampa"/>
-        <a:font script="Sinh" typeface="Iskoola Pota"/>
-        <a:font script="Mong" typeface="Mongolian Baiti"/>
-        <a:font script="Viet" typeface="Times New Roman"/>
-        <a:font script="Uigh" typeface="Microsoft Uighur"/>
-        <a:font script="Geor" typeface="Sylfaen"/>
-      </a:majorFont>
-      <a:minorFont>
-        <a:latin typeface="Calibri" panose="020F0502020204030204"/>
-        <a:ea typeface=""/>
-        <a:cs typeface=""/>
-        <a:font script="Jpan" typeface="ＭＳ Ｐゴシック"/>
-        <a:font script="Hang" typeface="맑은 고딕"/>
-        <a:font script="Hans" typeface="宋体"/>
-        <a:font script="Hant" typeface="新細明體"/>
-        <a:font script="Arab" typeface="Arial"/>
-        <a:font script="Hebr" typeface="Arial"/>
-        <a:font script="Thai" typeface="Cordia New"/>
-        <a:font script="Ethi" typeface="Nyala"/>
-        <a:font script="Beng" typeface="Vrinda"/>
-        <a:font script="Gujr" typeface="Shruti"/>
-        <a:font script="Khmr" typeface="DaunPenh"/>
-        <a:font script="Knda" typeface="Tunga"/>
-        <a:font script="Guru" typeface="Raavi"/>
-        <a:font script="Cans" typeface="Euphemia"/>
-        <a:font script="Cher" typeface="Plantagenet Cherokee"/>
-        <a:font script="Yiii" typeface="Microsoft Yi Baiti"/>
-        <a:font script="Tibt" typeface="Microsoft Himalaya"/>
-        <a:font script="Thaa" typeface="MV Boli"/>
-        <a:font script="Deva" typeface="Mangal"/>
-        <a:font script="Telu" typeface="Gautami"/>
-        <a:font script="Taml" typeface="Latha"/>
-        <a:font script="Syrc" typeface="Estrangelo Edessa"/>
-        <a:font script="Orya" typeface="Kalinga"/>
-        <a:font script="Mlym" typeface="Kartika"/>
-        <a:font script="Laoo" typeface="DokChampa"/>
-        <a:font script="Sinh" typeface="Iskoola Pota"/>
-        <a:font script="Mong" typeface="Mongolian Baiti"/>
-        <a:font script="Viet" typeface="Arial"/>
-        <a:font script="Uigh" typeface="Microsoft Uighur"/>
-        <a:font script="Geor" typeface="Sylfaen"/>
-      </a:minorFont>
-    </a:fontScheme>
-    <a:fmtScheme name="Office">
-      <a:fillStyleLst>
-        <a:solidFill>
-          <a:schemeClr val="phClr"/>
-        </a:solidFill>
-        <a:gradFill rotWithShape="1">
-          <a:gsLst>
-            <a:gs pos="0">
-              <a:schemeClr val="phClr">
-                <a:lumMod val="110000"/>
-                <a:satMod val="105000"/>
-                <a:tint val="67000"/>
-              </a:schemeClr>
-            </a:gs>
-            <a:gs pos="50000">
-              <a:schemeClr val="phClr">
-                <a:lumMod val="105000"/>
-                <a:satMod val="103000"/>
-                <a:tint val="73000"/>
-              </a:schemeClr>
-            </a:gs>
-            <a:gs pos="100000">
-              <a:schemeClr val="phClr">
-                <a:lumMod val="105000"/>
-                <a:satMod val="109000"/>
-                <a:tint val="81000"/>
-              </a:schemeClr>
-            </a:gs>
-          </a:gsLst>
-          <a:lin ang="5400000" scaled="0"/>
-        </a:gradFill>
-        <a:gradFill rotWithShape="1">
-          <a:gsLst>
-            <a:gs pos="0">
-              <a:schemeClr val="phClr">
-                <a:satMod val="103000"/>
-                <a:lumMod val="102000"/>
-                <a:tint val="94000"/>
-              </a:schemeClr>
-            </a:gs>
-            <a:gs pos="50000">
-              <a:schemeClr val="phClr">
-                <a:satMod val="110000"/>
-                <a:lumMod val="100000"/>
-                <a:shade val="100000"/>
-              </a:schemeClr>
-            </a:gs>
-            <a:gs pos="100000">
-              <a:schemeClr val="phClr">
-                <a:lumMod val="99000"/>
-                <a:satMod val="120000"/>
-                <a:shade val="78000"/>
-              </a:schemeClr>
-            </a:gs>
-          </a:gsLst>
-          <a:lin ang="5400000" scaled="0"/>
-        </a:gradFill>
-      </a:fillStyleLst>
-      <a:lnStyleLst>
-        <a:ln w="6350" cap="flat" cmpd="sng" algn="ctr">
-          <a:solidFill>
-            <a:schemeClr val="phClr"/>
-          </a:solidFill>
-          <a:prstDash val="solid"/>
-          <a:miter lim="800000"/>
-        </a:ln>
-        <a:ln w="12700" cap="flat" cmpd="sng" algn="ctr">
-          <a:solidFill>
-            <a:schemeClr val="phClr"/>
-          </a:solidFill>
-          <a:prstDash val="solid"/>
-          <a:miter lim="800000"/>
-        </a:ln>
-        <a:ln w="19050" cap="flat" cmpd="sng" algn="ctr">
-          <a:solidFill>
-            <a:schemeClr val="phClr"/>
-          </a:solidFill>
-          <a:prstDash val="solid"/>
-          <a:miter lim="800000"/>
-        </a:ln>
-      </a:lnStyleLst>
-      <a:effectStyleLst>
-        <a:effectStyle>
-          <a:effectLst/>
-        </a:effectStyle>
-        <a:effectStyle>
-          <a:effectLst/>
-        </a:effectStyle>
-        <a:effectStyle>
-          <a:effectLst>
-            <a:outerShdw blurRad="57150" dist="19050" dir="5400000" algn="ctr" rotWithShape="0">
-              <a:srgbClr val="000000">
-                <a:alpha val="63000"/>
-              </a:srgbClr>
-            </a:outerShdw>
-          </a:effectLst>
-        </a:effectStyle>
-      </a:effectStyleLst>
-      <a:bgFillStyleLst>
-        <a:solidFill>
-          <a:schemeClr val="phClr"/>
-        </a:solidFill>
-        <a:solidFill>
-          <a:schemeClr val="phClr">
-            <a:tint val="95000"/>
-            <a:satMod val="170000"/>
-          </a:schemeClr>
-        </a:solidFill>
-        <a:gradFill rotWithShape="1">
-          <a:gsLst>
-            <a:gs pos="0">
-              <a:schemeClr val="phClr">
-                <a:tint val="93000"/>
-                <a:satMod val="150000"/>
-                <a:shade val="98000"/>
-                <a:lumMod val="102000"/>
-              </a:schemeClr>
-            </a:gs>
-            <a:gs pos="50000">
-              <a:schemeClr val="phClr">
-                <a:tint val="98000"/>
-                <a:satMod val="130000"/>
-                <a:shade val="90000"/>
-                <a:lumMod val="103000"/>
-              </a:schemeClr>
-            </a:gs>
-            <a:gs pos="100000">
-              <a:schemeClr val="phClr">
-                <a:shade val="63000"/>
-                <a:satMod val="120000"/>
-              </a:schemeClr>
-            </a:gs>
-          </a:gsLst>
-          <a:lin ang="5400000" scaled="0"/>
-        </a:gradFill>
-      </a:bgFillStyleLst>
-    </a:fmtScheme>
-  </a:themeElements>
-  <a:objectDefaults/>
-  <a:extraClrSchemeLst/>
-  <a:extLst>
-    <a:ext uri="{05A4C25C-085E-4340-85A3-A5531E510DB2}">
-      <thm15:themeFamily xmlns:thm15="http://schemas.microsoft.com/office/thememl/2012/main" name="Office Theme" id="{62F939B6-93AF-4DB8-9C6B-D6C7DFDC589F}" vid="{4A3C46E8-61CC-4603-A589-7422A47A8E4A}"/>
-    </a:ext>
-  </a:extLst>
-</a:theme>
 </file>
--- a/targeting.pptx
+++ b/targeting.pptx
@@ -4,10 +4,17 @@
   <p:sldMasterIdLst>
     <p:sldMasterId id="2147483648" r:id="rId1"/>
   </p:sldMasterIdLst>
+  <p:notesMasterIdLst>
+    <p:notesMasterId r:id="rId9"/>
+  </p:notesMasterIdLst>
   <p:sldIdLst>
     <p:sldId id="256" r:id="rId2"/>
-    <p:sldId id="257" r:id="rId3"/>
-    <p:sldId id="258" r:id="rId4"/>
+    <p:sldId id="259" r:id="rId3"/>
+    <p:sldId id="260" r:id="rId4"/>
+    <p:sldId id="306" r:id="rId5"/>
+    <p:sldId id="307" r:id="rId6"/>
+    <p:sldId id="257" r:id="rId7"/>
+    <p:sldId id="258" r:id="rId8"/>
   </p:sldIdLst>
   <p:sldSz cx="9144000" cy="5143500" type="screen16x9"/>
   <p:notesSz cx="6858000" cy="9144000"/>
@@ -125,6 +132,387 @@
 </p:presentation>
 </file>
 
+<file path=ppt/notesMasters/notesMaster1.xml><?xml version="1.0" encoding="utf-8"?>
+<p:notesMaster xmlns:a="http://schemas.openxmlformats.org/drawingml/2006/main" xmlns:r="http://schemas.openxmlformats.org/officeDocument/2006/relationships" xmlns:p="http://schemas.openxmlformats.org/presentationml/2006/main">
+  <p:cSld>
+    <p:bg>
+      <p:bgRef idx="1001">
+        <a:schemeClr val="bg1"/>
+      </p:bgRef>
+    </p:bg>
+    <p:spTree>
+      <p:nvGrpSpPr>
+        <p:cNvPr id="1" name=""/>
+        <p:cNvGrpSpPr/>
+        <p:nvPr/>
+      </p:nvGrpSpPr>
+      <p:grpSpPr>
+        <a:xfrm>
+          <a:off x="0" y="0"/>
+          <a:ext cx="0" cy="0"/>
+          <a:chOff x="0" y="0"/>
+          <a:chExt cx="0" cy="0"/>
+        </a:xfrm>
+      </p:grpSpPr>
+      <p:sp>
+        <p:nvSpPr>
+          <p:cNvPr id="2" name="ヘッダー プレースホルダー 1"/>
+          <p:cNvSpPr>
+            <a:spLocks noGrp="1"/>
+          </p:cNvSpPr>
+          <p:nvPr>
+            <p:ph type="hdr" sz="quarter"/>
+          </p:nvPr>
+        </p:nvSpPr>
+        <p:spPr>
+          <a:xfrm>
+            <a:off x="0" y="0"/>
+            <a:ext cx="2971800" cy="458788"/>
+          </a:xfrm>
+          <a:prstGeom prst="rect">
+            <a:avLst/>
+          </a:prstGeom>
+        </p:spPr>
+        <p:txBody>
+          <a:bodyPr vert="horz" lIns="91440" tIns="45720" rIns="91440" bIns="45720" rtlCol="0"/>
+          <a:lstStyle>
+            <a:lvl1pPr algn="l">
+              <a:defRPr sz="1200"/>
+            </a:lvl1pPr>
+          </a:lstStyle>
+          <a:p>
+            <a:endParaRPr kumimoji="1" lang="ja-JP" altLang="en-US"/>
+          </a:p>
+        </p:txBody>
+      </p:sp>
+      <p:sp>
+        <p:nvSpPr>
+          <p:cNvPr id="3" name="日付プレースホルダー 2"/>
+          <p:cNvSpPr>
+            <a:spLocks noGrp="1"/>
+          </p:cNvSpPr>
+          <p:nvPr>
+            <p:ph type="dt" idx="1"/>
+          </p:nvPr>
+        </p:nvSpPr>
+        <p:spPr>
+          <a:xfrm>
+            <a:off x="3884613" y="0"/>
+            <a:ext cx="2971800" cy="458788"/>
+          </a:xfrm>
+          <a:prstGeom prst="rect">
+            <a:avLst/>
+          </a:prstGeom>
+        </p:spPr>
+        <p:txBody>
+          <a:bodyPr vert="horz" lIns="91440" tIns="45720" rIns="91440" bIns="45720" rtlCol="0"/>
+          <a:lstStyle>
+            <a:lvl1pPr algn="r">
+              <a:defRPr sz="1200"/>
+            </a:lvl1pPr>
+          </a:lstStyle>
+          <a:p>
+            <a:fld id="{5B72E490-59BC-489E-87F3-529E0D60A7C1}" type="datetimeFigureOut">
+              <a:rPr kumimoji="1" lang="ja-JP" altLang="en-US" smtClean="0"/>
+              <a:t>2023/12/14</a:t>
+            </a:fld>
+            <a:endParaRPr kumimoji="1" lang="ja-JP" altLang="en-US"/>
+          </a:p>
+        </p:txBody>
+      </p:sp>
+      <p:sp>
+        <p:nvSpPr>
+          <p:cNvPr id="4" name="スライド イメージ プレースホルダー 3"/>
+          <p:cNvSpPr>
+            <a:spLocks noGrp="1" noRot="1" noChangeAspect="1"/>
+          </p:cNvSpPr>
+          <p:nvPr>
+            <p:ph type="sldImg" idx="2"/>
+          </p:nvPr>
+        </p:nvSpPr>
+        <p:spPr>
+          <a:xfrm>
+            <a:off x="685800" y="1143000"/>
+            <a:ext cx="5486400" cy="3086100"/>
+          </a:xfrm>
+          <a:prstGeom prst="rect">
+            <a:avLst/>
+          </a:prstGeom>
+          <a:noFill/>
+          <a:ln w="12700">
+            <a:solidFill>
+              <a:prstClr val="black"/>
+            </a:solidFill>
+          </a:ln>
+        </p:spPr>
+        <p:txBody>
+          <a:bodyPr vert="horz" lIns="91440" tIns="45720" rIns="91440" bIns="45720" rtlCol="0" anchor="ctr"/>
+          <a:lstStyle/>
+          <a:p>
+            <a:endParaRPr lang="ja-JP" altLang="en-US"/>
+          </a:p>
+        </p:txBody>
+      </p:sp>
+      <p:sp>
+        <p:nvSpPr>
+          <p:cNvPr id="5" name="ノート プレースホルダー 4"/>
+          <p:cNvSpPr>
+            <a:spLocks noGrp="1"/>
+          </p:cNvSpPr>
+          <p:nvPr>
+            <p:ph type="body" sz="quarter" idx="3"/>
+          </p:nvPr>
+        </p:nvSpPr>
+        <p:spPr>
+          <a:xfrm>
+            <a:off x="685800" y="4400550"/>
+            <a:ext cx="5486400" cy="3600450"/>
+          </a:xfrm>
+          <a:prstGeom prst="rect">
+            <a:avLst/>
+          </a:prstGeom>
+        </p:spPr>
+        <p:txBody>
+          <a:bodyPr vert="horz" lIns="91440" tIns="45720" rIns="91440" bIns="45720" rtlCol="0"/>
+          <a:lstStyle/>
+          <a:p>
+            <a:pPr lvl="0"/>
+            <a:r>
+              <a:rPr kumimoji="1" lang="ja-JP" altLang="en-US"/>
+              <a:t>マスター テキストの書式設定</a:t>
+            </a:r>
+          </a:p>
+          <a:p>
+            <a:pPr lvl="1"/>
+            <a:r>
+              <a:rPr kumimoji="1" lang="ja-JP" altLang="en-US"/>
+              <a:t>第 </a:t>
+            </a:r>
+            <a:r>
+              <a:rPr kumimoji="1" lang="en-US" altLang="ja-JP"/>
+              <a:t>2 </a:t>
+            </a:r>
+            <a:r>
+              <a:rPr kumimoji="1" lang="ja-JP" altLang="en-US"/>
+              <a:t>レベル</a:t>
+            </a:r>
+          </a:p>
+          <a:p>
+            <a:pPr lvl="2"/>
+            <a:r>
+              <a:rPr kumimoji="1" lang="ja-JP" altLang="en-US"/>
+              <a:t>第 </a:t>
+            </a:r>
+            <a:r>
+              <a:rPr kumimoji="1" lang="en-US" altLang="ja-JP"/>
+              <a:t>3 </a:t>
+            </a:r>
+            <a:r>
+              <a:rPr kumimoji="1" lang="ja-JP" altLang="en-US"/>
+              <a:t>レベル</a:t>
+            </a:r>
+          </a:p>
+          <a:p>
+            <a:pPr lvl="3"/>
+            <a:r>
+              <a:rPr kumimoji="1" lang="ja-JP" altLang="en-US"/>
+              <a:t>第 </a:t>
+            </a:r>
+            <a:r>
+              <a:rPr kumimoji="1" lang="en-US" altLang="ja-JP"/>
+              <a:t>4 </a:t>
+            </a:r>
+            <a:r>
+              <a:rPr kumimoji="1" lang="ja-JP" altLang="en-US"/>
+              <a:t>レベル</a:t>
+            </a:r>
+          </a:p>
+          <a:p>
+            <a:pPr lvl="4"/>
+            <a:r>
+              <a:rPr kumimoji="1" lang="ja-JP" altLang="en-US"/>
+              <a:t>第 </a:t>
+            </a:r>
+            <a:r>
+              <a:rPr kumimoji="1" lang="en-US" altLang="ja-JP"/>
+              <a:t>5 </a:t>
+            </a:r>
+            <a:r>
+              <a:rPr kumimoji="1" lang="ja-JP" altLang="en-US"/>
+              <a:t>レベル</a:t>
+            </a:r>
+          </a:p>
+        </p:txBody>
+      </p:sp>
+      <p:sp>
+        <p:nvSpPr>
+          <p:cNvPr id="6" name="フッター プレースホルダー 5"/>
+          <p:cNvSpPr>
+            <a:spLocks noGrp="1"/>
+          </p:cNvSpPr>
+          <p:nvPr>
+            <p:ph type="ftr" sz="quarter" idx="4"/>
+          </p:nvPr>
+        </p:nvSpPr>
+        <p:spPr>
+          <a:xfrm>
+            <a:off x="0" y="8685213"/>
+            <a:ext cx="2971800" cy="458787"/>
+          </a:xfrm>
+          <a:prstGeom prst="rect">
+            <a:avLst/>
+          </a:prstGeom>
+        </p:spPr>
+        <p:txBody>
+          <a:bodyPr vert="horz" lIns="91440" tIns="45720" rIns="91440" bIns="45720" rtlCol="0" anchor="b"/>
+          <a:lstStyle>
+            <a:lvl1pPr algn="l">
+              <a:defRPr sz="1200"/>
+            </a:lvl1pPr>
+          </a:lstStyle>
+          <a:p>
+            <a:endParaRPr kumimoji="1" lang="ja-JP" altLang="en-US"/>
+          </a:p>
+        </p:txBody>
+      </p:sp>
+      <p:sp>
+        <p:nvSpPr>
+          <p:cNvPr id="7" name="スライド番号プレースホルダー 6"/>
+          <p:cNvSpPr>
+            <a:spLocks noGrp="1"/>
+          </p:cNvSpPr>
+          <p:nvPr>
+            <p:ph type="sldNum" sz="quarter" idx="5"/>
+          </p:nvPr>
+        </p:nvSpPr>
+        <p:spPr>
+          <a:xfrm>
+            <a:off x="3884613" y="8685213"/>
+            <a:ext cx="2971800" cy="458787"/>
+          </a:xfrm>
+          <a:prstGeom prst="rect">
+            <a:avLst/>
+          </a:prstGeom>
+        </p:spPr>
+        <p:txBody>
+          <a:bodyPr vert="horz" lIns="91440" tIns="45720" rIns="91440" bIns="45720" rtlCol="0" anchor="b"/>
+          <a:lstStyle>
+            <a:lvl1pPr algn="r">
+              <a:defRPr sz="1200"/>
+            </a:lvl1pPr>
+          </a:lstStyle>
+          <a:p>
+            <a:fld id="{3110208E-8233-4476-96D8-D9E049078CC6}" type="slidenum">
+              <a:rPr kumimoji="1" lang="ja-JP" altLang="en-US" smtClean="0"/>
+              <a:t>‹#›</a:t>
+            </a:fld>
+            <a:endParaRPr kumimoji="1" lang="ja-JP" altLang="en-US"/>
+          </a:p>
+        </p:txBody>
+      </p:sp>
+    </p:spTree>
+    <p:extLst>
+      <p:ext uri="{BB962C8B-B14F-4D97-AF65-F5344CB8AC3E}">
+        <p14:creationId xmlns:p14="http://schemas.microsoft.com/office/powerpoint/2010/main" val="3013874815"/>
+      </p:ext>
+    </p:extLst>
+  </p:cSld>
+  <p:clrMap bg1="lt1" tx1="dk1" bg2="lt2" tx2="dk2" accent1="accent1" accent2="accent2" accent3="accent3" accent4="accent4" accent5="accent5" accent6="accent6" hlink="hlink" folHlink="folHlink"/>
+  <p:notesStyle>
+    <a:lvl1pPr marL="0" algn="l" defTabSz="914400" rtl="0" eaLnBrk="1" latinLnBrk="0" hangingPunct="1">
+      <a:defRPr kumimoji="1" sz="1200" kern="1200">
+        <a:solidFill>
+          <a:schemeClr val="tx1"/>
+        </a:solidFill>
+        <a:latin typeface="+mn-lt"/>
+        <a:ea typeface="+mn-ea"/>
+        <a:cs typeface="+mn-cs"/>
+      </a:defRPr>
+    </a:lvl1pPr>
+    <a:lvl2pPr marL="457200" algn="l" defTabSz="914400" rtl="0" eaLnBrk="1" latinLnBrk="0" hangingPunct="1">
+      <a:defRPr kumimoji="1" sz="1200" kern="1200">
+        <a:solidFill>
+          <a:schemeClr val="tx1"/>
+        </a:solidFill>
+        <a:latin typeface="+mn-lt"/>
+        <a:ea typeface="+mn-ea"/>
+        <a:cs typeface="+mn-cs"/>
+      </a:defRPr>
+    </a:lvl2pPr>
+    <a:lvl3pPr marL="914400" algn="l" defTabSz="914400" rtl="0" eaLnBrk="1" latinLnBrk="0" hangingPunct="1">
+      <a:defRPr kumimoji="1" sz="1200" kern="1200">
+        <a:solidFill>
+          <a:schemeClr val="tx1"/>
+        </a:solidFill>
+        <a:latin typeface="+mn-lt"/>
+        <a:ea typeface="+mn-ea"/>
+        <a:cs typeface="+mn-cs"/>
+      </a:defRPr>
+    </a:lvl3pPr>
+    <a:lvl4pPr marL="1371600" algn="l" defTabSz="914400" rtl="0" eaLnBrk="1" latinLnBrk="0" hangingPunct="1">
+      <a:defRPr kumimoji="1" sz="1200" kern="1200">
+        <a:solidFill>
+          <a:schemeClr val="tx1"/>
+        </a:solidFill>
+        <a:latin typeface="+mn-lt"/>
+        <a:ea typeface="+mn-ea"/>
+        <a:cs typeface="+mn-cs"/>
+      </a:defRPr>
+    </a:lvl4pPr>
+    <a:lvl5pPr marL="1828800" algn="l" defTabSz="914400" rtl="0" eaLnBrk="1" latinLnBrk="0" hangingPunct="1">
+      <a:defRPr kumimoji="1" sz="1200" kern="1200">
+        <a:solidFill>
+          <a:schemeClr val="tx1"/>
+        </a:solidFill>
+        <a:latin typeface="+mn-lt"/>
+        <a:ea typeface="+mn-ea"/>
+        <a:cs typeface="+mn-cs"/>
+      </a:defRPr>
+    </a:lvl5pPr>
+    <a:lvl6pPr marL="2286000" algn="l" defTabSz="914400" rtl="0" eaLnBrk="1" latinLnBrk="0" hangingPunct="1">
+      <a:defRPr kumimoji="1" sz="1200" kern="1200">
+        <a:solidFill>
+          <a:schemeClr val="tx1"/>
+        </a:solidFill>
+        <a:latin typeface="+mn-lt"/>
+        <a:ea typeface="+mn-ea"/>
+        <a:cs typeface="+mn-cs"/>
+      </a:defRPr>
+    </a:lvl6pPr>
+    <a:lvl7pPr marL="2743200" algn="l" defTabSz="914400" rtl="0" eaLnBrk="1" latinLnBrk="0" hangingPunct="1">
+      <a:defRPr kumimoji="1" sz="1200" kern="1200">
+        <a:solidFill>
+          <a:schemeClr val="tx1"/>
+        </a:solidFill>
+        <a:latin typeface="+mn-lt"/>
+        <a:ea typeface="+mn-ea"/>
+        <a:cs typeface="+mn-cs"/>
+      </a:defRPr>
+    </a:lvl7pPr>
+    <a:lvl8pPr marL="3200400" algn="l" defTabSz="914400" rtl="0" eaLnBrk="1" latinLnBrk="0" hangingPunct="1">
+      <a:defRPr kumimoji="1" sz="1200" kern="1200">
+        <a:solidFill>
+          <a:schemeClr val="tx1"/>
+        </a:solidFill>
+        <a:latin typeface="+mn-lt"/>
+        <a:ea typeface="+mn-ea"/>
+        <a:cs typeface="+mn-cs"/>
+      </a:defRPr>
+    </a:lvl8pPr>
+    <a:lvl9pPr marL="3657600" algn="l" defTabSz="914400" rtl="0" eaLnBrk="1" latinLnBrk="0" hangingPunct="1">
+      <a:defRPr kumimoji="1" sz="1200" kern="1200">
+        <a:solidFill>
+          <a:schemeClr val="tx1"/>
+        </a:solidFill>
+        <a:latin typeface="+mn-lt"/>
+        <a:ea typeface="+mn-ea"/>
+        <a:cs typeface="+mn-cs"/>
+      </a:defRPr>
+    </a:lvl9pPr>
+  </p:notesStyle>
+</p:notesMaster>
+</file>
+
 <file path=ppt/slideLayouts/slideLayout1.xml><?xml version="1.0" encoding="utf-8"?>
 <p:sldLayout xmlns:a="http://schemas.openxmlformats.org/drawingml/2006/main" xmlns:r="http://schemas.openxmlformats.org/officeDocument/2006/relationships" xmlns:p="http://schemas.openxmlformats.org/presentationml/2006/main" type="title" preserve="1">
   <p:cSld name="Title Slide">
@@ -302,8 +690,8 @@
           <a:bodyPr/>
           <a:lstStyle/>
           <a:p>
-            <a:fld id="{241EB5C9-1307-BA42-ABA2-0BC069CD8E7F}" type="datetimeFigureOut">
-              <a:rPr lang="en-US" smtClean="0"/>
+            <a:fld id="{A7F9FE45-5ED0-4A7A-96C2-C16E341952AE}" type="datetime1">
+              <a:rPr lang="en-US" altLang="ja-JP" smtClean="0"/>
               <a:t>12/14/2023</a:t>
             </a:fld>
             <a:endParaRPr lang="en-US"/>
@@ -470,8 +858,8 @@
           <a:bodyPr/>
           <a:lstStyle/>
           <a:p>
-            <a:fld id="{241EB5C9-1307-BA42-ABA2-0BC069CD8E7F}" type="datetimeFigureOut">
-              <a:rPr lang="en-US" smtClean="0"/>
+            <a:fld id="{8BE53DBD-0AF7-4F40-A8AD-5E686AF2E037}" type="datetime1">
+              <a:rPr lang="en-US" altLang="ja-JP" smtClean="0"/>
               <a:t>12/14/2023</a:t>
             </a:fld>
             <a:endParaRPr lang="en-US"/>
@@ -648,8 +1036,8 @@
           <a:bodyPr/>
           <a:lstStyle/>
           <a:p>
-            <a:fld id="{241EB5C9-1307-BA42-ABA2-0BC069CD8E7F}" type="datetimeFigureOut">
-              <a:rPr lang="en-US" smtClean="0"/>
+            <a:fld id="{85A6803A-119B-46D1-AF1B-0443E1132D3A}" type="datetime1">
+              <a:rPr lang="en-US" altLang="ja-JP" smtClean="0"/>
               <a:t>12/14/2023</a:t>
             </a:fld>
             <a:endParaRPr lang="en-US"/>
@@ -816,8 +1204,8 @@
           <a:bodyPr/>
           <a:lstStyle/>
           <a:p>
-            <a:fld id="{241EB5C9-1307-BA42-ABA2-0BC069CD8E7F}" type="datetimeFigureOut">
-              <a:rPr lang="en-US" smtClean="0"/>
+            <a:fld id="{3461456D-C2EA-43D3-A7C8-AA0408BA2AC7}" type="datetime1">
+              <a:rPr lang="en-US" altLang="ja-JP" smtClean="0"/>
               <a:t>12/14/2023</a:t>
             </a:fld>
             <a:endParaRPr lang="en-US"/>
@@ -1061,8 +1449,8 @@
           <a:bodyPr/>
           <a:lstStyle/>
           <a:p>
-            <a:fld id="{241EB5C9-1307-BA42-ABA2-0BC069CD8E7F}" type="datetimeFigureOut">
-              <a:rPr lang="en-US" smtClean="0"/>
+            <a:fld id="{3DD8F672-DA43-4D0E-98FB-44EEC397DE10}" type="datetime1">
+              <a:rPr lang="en-US" altLang="ja-JP" smtClean="0"/>
               <a:t>12/14/2023</a:t>
             </a:fld>
             <a:endParaRPr lang="en-US"/>
@@ -1346,8 +1734,8 @@
           <a:bodyPr/>
           <a:lstStyle/>
           <a:p>
-            <a:fld id="{241EB5C9-1307-BA42-ABA2-0BC069CD8E7F}" type="datetimeFigureOut">
-              <a:rPr lang="en-US" smtClean="0"/>
+            <a:fld id="{59F364EA-A83B-4C51-8B21-9E17729F9329}" type="datetime1">
+              <a:rPr lang="en-US" altLang="ja-JP" smtClean="0"/>
               <a:t>12/14/2023</a:t>
             </a:fld>
             <a:endParaRPr lang="en-US"/>
@@ -1765,8 +2153,8 @@
           <a:bodyPr/>
           <a:lstStyle/>
           <a:p>
-            <a:fld id="{241EB5C9-1307-BA42-ABA2-0BC069CD8E7F}" type="datetimeFigureOut">
-              <a:rPr lang="en-US" smtClean="0"/>
+            <a:fld id="{66FF68B3-C21C-43A1-A419-124DFBBFBC16}" type="datetime1">
+              <a:rPr lang="en-US" altLang="ja-JP" smtClean="0"/>
               <a:t>12/14/2023</a:t>
             </a:fld>
             <a:endParaRPr lang="en-US"/>
@@ -1882,8 +2270,8 @@
           <a:bodyPr/>
           <a:lstStyle/>
           <a:p>
-            <a:fld id="{241EB5C9-1307-BA42-ABA2-0BC069CD8E7F}" type="datetimeFigureOut">
-              <a:rPr lang="en-US" smtClean="0"/>
+            <a:fld id="{4ADEE502-EEE2-4B4F-BF1F-54F8948914DC}" type="datetime1">
+              <a:rPr lang="en-US" altLang="ja-JP" smtClean="0"/>
               <a:t>12/14/2023</a:t>
             </a:fld>
             <a:endParaRPr lang="en-US"/>
@@ -1977,8 +2365,8 @@
           <a:bodyPr/>
           <a:lstStyle/>
           <a:p>
-            <a:fld id="{241EB5C9-1307-BA42-ABA2-0BC069CD8E7F}" type="datetimeFigureOut">
-              <a:rPr lang="en-US" smtClean="0"/>
+            <a:fld id="{EC383942-E659-4790-A4CE-D476C55599C8}" type="datetime1">
+              <a:rPr lang="en-US" altLang="ja-JP" smtClean="0"/>
               <a:t>12/14/2023</a:t>
             </a:fld>
             <a:endParaRPr lang="en-US"/>
@@ -2252,8 +2640,8 @@
           <a:bodyPr/>
           <a:lstStyle/>
           <a:p>
-            <a:fld id="{241EB5C9-1307-BA42-ABA2-0BC069CD8E7F}" type="datetimeFigureOut">
-              <a:rPr lang="en-US" smtClean="0"/>
+            <a:fld id="{65A0BD02-DF30-4C5A-BF69-3E786D8FD8E6}" type="datetime1">
+              <a:rPr lang="en-US" altLang="ja-JP" smtClean="0"/>
               <a:t>12/14/2023</a:t>
             </a:fld>
             <a:endParaRPr lang="en-US"/>
@@ -2504,8 +2892,8 @@
           <a:bodyPr/>
           <a:lstStyle/>
           <a:p>
-            <a:fld id="{241EB5C9-1307-BA42-ABA2-0BC069CD8E7F}" type="datetimeFigureOut">
-              <a:rPr lang="en-US" smtClean="0"/>
+            <a:fld id="{DA890AEB-20B6-4A4F-9061-23D19E003978}" type="datetime1">
+              <a:rPr lang="en-US" altLang="ja-JP" smtClean="0"/>
               <a:t>12/14/2023</a:t>
             </a:fld>
             <a:endParaRPr lang="en-US"/>
@@ -2715,8 +3103,8 @@
             </a:lvl1pPr>
           </a:lstStyle>
           <a:p>
-            <a:fld id="{241EB5C9-1307-BA42-ABA2-0BC069CD8E7F}" type="datetimeFigureOut">
-              <a:rPr lang="en-US" smtClean="0"/>
+            <a:fld id="{5548E569-DFCE-4B9D-B138-841DBB4D678D}" type="datetime1">
+              <a:rPr lang="en-US" altLang="ja-JP" smtClean="0"/>
               <a:t>12/14/2023</a:t>
             </a:fld>
             <a:endParaRPr lang="en-US"/>
@@ -2822,6 +3210,7 @@
     <p:sldLayoutId id="2147483658" r:id="rId10"/>
     <p:sldLayoutId id="2147483659" r:id="rId11"/>
   </p:sldLayoutIdLst>
+  <p:hf hdr="0" ftr="0" dt="0"/>
   <p:txStyles>
     <p:titleStyle>
       <a:lvl1pPr algn="ctr" defTabSz="342900" rtl="0" eaLnBrk="1" latinLnBrk="0" hangingPunct="1">
@@ -3118,9 +3507,27 @@
               <a:buNone/>
             </a:pPr>
             <a:r>
-              <a:rPr dirty="0"/>
-              <a:t>骨髄バンクドナーコーディネート初期行程におけるコーディネート進行率増加を目指した介入研究</a:t>
-            </a:r>
+              <a:rPr sz="2400" dirty="0"/>
+              <a:t>骨髄バンクドナーコーディネート初期行程における</a:t>
+            </a:r>
+            <a:br>
+              <a:rPr lang="en-US" sz="2400" dirty="0"/>
+            </a:br>
+            <a:r>
+              <a:rPr sz="2400" dirty="0"/>
+              <a:t>コーディネート進行率増加を目指した介入研究</a:t>
+            </a:r>
+            <a:br>
+              <a:rPr lang="en-US" sz="2400" dirty="0"/>
+            </a:br>
+            <a:br>
+              <a:rPr lang="en-US" sz="2400" dirty="0"/>
+            </a:br>
+            <a:r>
+              <a:rPr lang="ja-JP" altLang="en-US" sz="3200" dirty="0"/>
+              <a:t>進捗報告</a:t>
+            </a:r>
+            <a:endParaRPr sz="2400" dirty="0"/>
           </a:p>
         </p:txBody>
       </p:sp>
@@ -3142,48 +3549,160 @@
         </p:spPr>
         <p:txBody>
           <a:bodyPr>
-            <a:normAutofit fontScale="62500" lnSpcReduction="20000"/>
+            <a:normAutofit fontScale="85000" lnSpcReduction="20000"/>
           </a:bodyPr>
           <a:lstStyle/>
           <a:p>
             <a:pPr marL="0" lvl="0" indent="0">
               <a:buNone/>
             </a:pPr>
+            <a:r>
+              <a:rPr dirty="0"/>
+              <a:t>大竹文雄（大阪大学）</a:t>
+            </a:r>
             <a:br>
               <a:rPr dirty="0"/>
             </a:br>
             <a:r>
               <a:rPr dirty="0"/>
-              <a:t>大竹文雄（大阪大学）</a:t>
+              <a:t>加藤大貴（大阪大学）</a:t>
             </a:r>
             <a:br>
               <a:rPr dirty="0"/>
             </a:br>
             <a:r>
               <a:rPr dirty="0"/>
-              <a:t>加藤大貴（大阪大学）</a:t>
+              <a:t>黒澤彩子（伊那中央病院）</a:t>
             </a:r>
             <a:br>
               <a:rPr dirty="0"/>
             </a:br>
             <a:r>
               <a:rPr dirty="0"/>
-              <a:t>黒澤彩子（伊那中央病院）</a:t>
+              <a:t>吉内一浩（東京大学）</a:t>
             </a:r>
             <a:br>
               <a:rPr dirty="0"/>
             </a:br>
             <a:r>
               <a:rPr dirty="0"/>
-              <a:t>吉内一浩（東京大学）</a:t>
-            </a:r>
-            <a:br>
-              <a:rPr dirty="0"/>
-            </a:br>
-            <a:r>
-              <a:rPr dirty="0"/>
               <a:t>福田隆浩（国立がん研究センター中央病院）</a:t>
             </a:r>
+          </a:p>
+        </p:txBody>
+      </p:sp>
+      <p:sp>
+        <p:nvSpPr>
+          <p:cNvPr id="4" name="テキスト ボックス 3">
+            <a:extLst>
+              <a:ext uri="{FF2B5EF4-FFF2-40B4-BE49-F238E27FC236}">
+                <a16:creationId xmlns:a16="http://schemas.microsoft.com/office/drawing/2014/main" id="{127CC1CA-F19A-57AB-C4D5-5F2EC00D4677}"/>
+              </a:ext>
+            </a:extLst>
+          </p:cNvPr>
+          <p:cNvSpPr txBox="1"/>
+          <p:nvPr/>
+        </p:nvSpPr>
+        <p:spPr>
+          <a:xfrm>
+            <a:off x="5113002" y="59513"/>
+            <a:ext cx="4030998" cy="584775"/>
+          </a:xfrm>
+          <a:prstGeom prst="rect">
+            <a:avLst/>
+          </a:prstGeom>
+          <a:noFill/>
+        </p:spPr>
+        <p:txBody>
+          <a:bodyPr wrap="square" rtlCol="0">
+            <a:spAutoFit/>
+          </a:bodyPr>
+          <a:lstStyle/>
+          <a:p>
+            <a:r>
+              <a:rPr lang="ja-JP" altLang="ja-JP" sz="1600" dirty="0"/>
+              <a:t>２０２</a:t>
+            </a:r>
+            <a:r>
+              <a:rPr lang="ja-JP" altLang="en-US" sz="1600" dirty="0"/>
+              <a:t>３</a:t>
+            </a:r>
+            <a:r>
+              <a:rPr lang="ja-JP" altLang="ja-JP" sz="1600" dirty="0"/>
+              <a:t>年度第</a:t>
+            </a:r>
+            <a:r>
+              <a:rPr lang="ja-JP" altLang="en-US" sz="1600" dirty="0"/>
+              <a:t>２</a:t>
+            </a:r>
+            <a:r>
+              <a:rPr lang="ja-JP" altLang="ja-JP" sz="1600" dirty="0"/>
+              <a:t>回造血細胞移植合同班会議</a:t>
+            </a:r>
+          </a:p>
+          <a:p>
+            <a:r>
+              <a:rPr lang="ja-JP" altLang="ja-JP" sz="1600" dirty="0"/>
+              <a:t>令和</a:t>
+            </a:r>
+            <a:r>
+              <a:rPr lang="ja-JP" altLang="en-US" sz="1600" dirty="0"/>
+              <a:t>６</a:t>
+            </a:r>
+            <a:r>
+              <a:rPr lang="ja-JP" altLang="ja-JP" sz="1600" dirty="0"/>
+              <a:t>年</a:t>
+            </a:r>
+            <a:r>
+              <a:rPr lang="ja-JP" altLang="en-US" sz="1600" dirty="0"/>
+              <a:t>１</a:t>
+            </a:r>
+            <a:r>
+              <a:rPr lang="ja-JP" altLang="ja-JP" sz="1600" dirty="0"/>
+              <a:t>月</a:t>
+            </a:r>
+            <a:r>
+              <a:rPr lang="ja-JP" altLang="en-US" sz="1600" dirty="0"/>
+              <a:t>７</a:t>
+            </a:r>
+            <a:r>
+              <a:rPr lang="ja-JP" altLang="ja-JP" sz="1600" dirty="0"/>
+              <a:t>日（</a:t>
+            </a:r>
+            <a:r>
+              <a:rPr lang="ja-JP" altLang="en-US" sz="1600" dirty="0"/>
+              <a:t>日）</a:t>
+            </a:r>
+            <a:endParaRPr kumimoji="1" lang="ja-JP" altLang="en-US" sz="1600" dirty="0"/>
+          </a:p>
+        </p:txBody>
+      </p:sp>
+      <p:sp>
+        <p:nvSpPr>
+          <p:cNvPr id="5" name="スライド番号プレースホルダー 4">
+            <a:extLst>
+              <a:ext uri="{FF2B5EF4-FFF2-40B4-BE49-F238E27FC236}">
+                <a16:creationId xmlns:a16="http://schemas.microsoft.com/office/drawing/2014/main" id="{42B58A5F-87C7-2135-9DCC-9C97FC5AFCB2}"/>
+              </a:ext>
+            </a:extLst>
+          </p:cNvPr>
+          <p:cNvSpPr>
+            <a:spLocks noGrp="1"/>
+          </p:cNvSpPr>
+          <p:nvPr>
+            <p:ph type="sldNum" sz="quarter" idx="12"/>
+          </p:nvPr>
+        </p:nvSpPr>
+        <p:spPr/>
+        <p:txBody>
+          <a:bodyPr/>
+          <a:lstStyle/>
+          <a:p>
+            <a:fld id="{C5EF2332-01BF-834F-8236-50238282D533}" type="slidenum">
+              <a:rPr lang="en-US" smtClean="0"/>
+              <a:t>1</a:t>
+            </a:fld>
+            <a:endParaRPr lang="en-US"/>
           </a:p>
         </p:txBody>
       </p:sp>
@@ -3227,24 +3746,177 @@
           <a:bodyPr/>
           <a:lstStyle/>
           <a:p>
-            <a:pPr marL="0" lvl="0" indent="0">
-              <a:buNone/>
-            </a:pPr>
             <a:r>
               <a:rPr dirty="0"/>
-              <a:t>一律介入と最適ターゲティングの効果</a:t>
-            </a:r>
-          </a:p>
-        </p:txBody>
-      </p:sp>
-      <p:sp>
-        <p:nvSpPr>
-          <p:cNvPr id="3" name="Content Placeholder 2"/>
-          <p:cNvSpPr>
-            <a:spLocks noGrp="1"/>
-          </p:cNvSpPr>
-          <p:nvPr>
-            <p:ph idx="1"/>
+              <a:t>フィールド実験の介入</a:t>
+            </a:r>
+          </a:p>
+        </p:txBody>
+      </p:sp>
+      <mc:AlternateContent xmlns:mc="http://schemas.openxmlformats.org/markup-compatibility/2006" xmlns:a14="http://schemas.microsoft.com/office/drawing/2010/main">
+        <mc:Choice Requires="a14">
+          <p:sp>
+            <p:nvSpPr>
+              <p:cNvPr id="3" name="Content Placeholder 2"/>
+              <p:cNvSpPr>
+                <a:spLocks noGrp="1"/>
+              </p:cNvSpPr>
+              <p:nvPr>
+                <p:ph idx="1"/>
+              </p:nvPr>
+            </p:nvSpPr>
+            <p:spPr/>
+            <p:txBody>
+              <a:bodyPr/>
+              <a:lstStyle/>
+              <a:p>
+                <a:pPr lvl="1"/>
+                <a:r>
+                  <a:rPr dirty="0">
+                    <a:latin typeface="游ゴシック Medium" panose="020B0500000000000000" pitchFamily="50" charset="-128"/>
+                    <a:ea typeface="游ゴシック Medium" panose="020B0500000000000000" pitchFamily="50" charset="-128"/>
+                  </a:rPr>
+                  <a:t>対象：骨髄バンクドナー確定後に「適合通知」を受け取るドナー候補者（</a:t>
+                </a:r>
+                <a14:m>
+                  <m:oMath xmlns:m="http://schemas.openxmlformats.org/officeDocument/2006/math">
+                    <m:r>
+                      <a:rPr>
+                        <a:latin typeface="Cambria Math" panose="02040503050406030204" pitchFamily="18" charset="0"/>
+                      </a:rPr>
+                      <m:t>𝑁</m:t>
+                    </m:r>
+                    <m:r>
+                      <a:rPr>
+                        <a:latin typeface="Cambria Math" panose="02040503050406030204" pitchFamily="18" charset="0"/>
+                      </a:rPr>
+                      <m:t>=11,154</m:t>
+                    </m:r>
+                  </m:oMath>
+                </a14:m>
+                <a:r>
+                  <a:rPr dirty="0">
+                    <a:latin typeface="游ゴシック Medium" panose="020B0500000000000000" pitchFamily="50" charset="-128"/>
+                    <a:ea typeface="游ゴシック Medium" panose="020B0500000000000000" pitchFamily="50" charset="-128"/>
+                  </a:rPr>
+                  <a:t>）</a:t>
+                </a:r>
+              </a:p>
+              <a:p>
+                <a:pPr lvl="1"/>
+                <a:r>
+                  <a:rPr dirty="0">
+                    <a:latin typeface="游ゴシック Medium" panose="020B0500000000000000" pitchFamily="50" charset="-128"/>
+                    <a:ea typeface="游ゴシック Medium" panose="020B0500000000000000" pitchFamily="50" charset="-128"/>
+                  </a:rPr>
+                  <a:t>介入：ドナー候補者確定後に送付する「適合通知」の内容に以下のメッセージを加える</a:t>
+                </a:r>
+              </a:p>
+              <a:p>
+                <a:pPr lvl="2"/>
+                <a:r>
+                  <a:rPr dirty="0">
+                    <a:latin typeface="游ゴシック Medium" panose="020B0500000000000000" pitchFamily="50" charset="-128"/>
+                    <a:ea typeface="游ゴシック Medium" panose="020B0500000000000000" pitchFamily="50" charset="-128"/>
+                  </a:rPr>
+                  <a:t>確率メッセージ：「</a:t>
+                </a:r>
+                <a:r>
+                  <a:rPr dirty="0">
+                    <a:highlight>
+                      <a:srgbClr val="FFFF00"/>
+                    </a:highlight>
+                    <a:latin typeface="游ゴシック Medium" panose="020B0500000000000000" pitchFamily="50" charset="-128"/>
+                    <a:ea typeface="游ゴシック Medium" panose="020B0500000000000000" pitchFamily="50" charset="-128"/>
+                  </a:rPr>
+                  <a:t>１人の登録患者さんとHLA型が一致するドナー登録者は数百〜数万人に1人です。 ドナー候補者が複数みつかる場合もありますが、多くはないこともご理解頂ければ幸いです</a:t>
+                </a:r>
+                <a:r>
+                  <a:rPr dirty="0">
+                    <a:latin typeface="游ゴシック Medium" panose="020B0500000000000000" pitchFamily="50" charset="-128"/>
+                    <a:ea typeface="游ゴシック Medium" panose="020B0500000000000000" pitchFamily="50" charset="-128"/>
+                  </a:rPr>
+                  <a:t>。」</a:t>
+                </a:r>
+              </a:p>
+              <a:p>
+                <a:pPr lvl="2"/>
+                <a:r>
+                  <a:rPr lang="ja-JP" altLang="en-US" dirty="0">
+                    <a:latin typeface="游ゴシック Medium" panose="020B0500000000000000" pitchFamily="50" charset="-128"/>
+                    <a:ea typeface="游ゴシック Medium" panose="020B0500000000000000" pitchFamily="50" charset="-128"/>
+                  </a:rPr>
+                  <a:t>早期コーディネーションメッセージ</a:t>
+                </a:r>
+                <a:r>
+                  <a:rPr dirty="0">
+                    <a:latin typeface="游ゴシック Medium" panose="020B0500000000000000" pitchFamily="50" charset="-128"/>
+                    <a:ea typeface="游ゴシック Medium" panose="020B0500000000000000" pitchFamily="50" charset="-128"/>
+                  </a:rPr>
+                  <a:t>：「</a:t>
+                </a:r>
+                <a:r>
+                  <a:rPr dirty="0">
+                    <a:highlight>
+                      <a:srgbClr val="00FFFF"/>
+                    </a:highlight>
+                    <a:latin typeface="游ゴシック Medium" panose="020B0500000000000000" pitchFamily="50" charset="-128"/>
+                    <a:ea typeface="游ゴシック Medium" panose="020B0500000000000000" pitchFamily="50" charset="-128"/>
+                  </a:rPr>
+                  <a:t>骨髄バンクを介して移植ができる患者さんは現在約6割にとどまっています。 骨髄等を提供するドナーが早く見つかれば、その比率を高めることができます。」</a:t>
+                </a:r>
+              </a:p>
+            </p:txBody>
+          </p:sp>
+        </mc:Choice>
+        <mc:Fallback xmlns="">
+          <p:sp>
+            <p:nvSpPr>
+              <p:cNvPr id="3" name="Content Placeholder 2"/>
+              <p:cNvSpPr>
+                <a:spLocks noGrp="1" noRot="1" noChangeAspect="1" noMove="1" noResize="1" noEditPoints="1" noAdjustHandles="1" noChangeArrowheads="1" noChangeShapeType="1" noTextEdit="1"/>
+              </p:cNvSpPr>
+              <p:nvPr>
+                <p:ph idx="1"/>
+              </p:nvPr>
+            </p:nvSpPr>
+            <p:spPr>
+              <a:blipFill>
+                <a:blip r:embed="rId2"/>
+                <a:stretch>
+                  <a:fillRect t="-1482"/>
+                </a:stretch>
+              </a:blipFill>
+            </p:spPr>
+            <p:txBody>
+              <a:bodyPr/>
+              <a:lstStyle/>
+              <a:p>
+                <a:r>
+                  <a:rPr lang="ja-JP" altLang="en-US">
+                    <a:noFill/>
+                  </a:rPr>
+                  <a:t> </a:t>
+                </a:r>
+              </a:p>
+            </p:txBody>
+          </p:sp>
+        </mc:Fallback>
+      </mc:AlternateContent>
+      <p:sp>
+        <p:nvSpPr>
+          <p:cNvPr id="4" name="スライド番号プレースホルダー 3">
+            <a:extLst>
+              <a:ext uri="{FF2B5EF4-FFF2-40B4-BE49-F238E27FC236}">
+                <a16:creationId xmlns:a16="http://schemas.microsoft.com/office/drawing/2014/main" id="{D2134699-DBAB-8DE9-993C-AF9376108A7A}"/>
+              </a:ext>
+            </a:extLst>
+          </p:cNvPr>
+          <p:cNvSpPr>
+            <a:spLocks noGrp="1"/>
+          </p:cNvSpPr>
+          <p:nvPr>
+            <p:ph type="sldNum" sz="quarter" idx="12"/>
           </p:nvPr>
         </p:nvSpPr>
         <p:spPr/>
@@ -3252,1154 +3924,14 @@
           <a:bodyPr/>
           <a:lstStyle/>
           <a:p>
-            <a:pPr marL="0" lvl="0" indent="0">
-              <a:buNone/>
-            </a:pPr>
-            <a:r>
-              <a:rPr dirty="0"/>
-              <a:t>アウトカム：返信時に提供意向を示したかどうか</a:t>
-            </a:r>
-          </a:p>
-        </p:txBody>
-      </p:sp>
-      <p:graphicFrame>
-        <p:nvGraphicFramePr>
-          <p:cNvPr id="561575257" name="表 561575256"/>
-          <p:cNvGraphicFramePr>
-            <a:graphicFrameLocks noGrp="1"/>
-          </p:cNvGraphicFramePr>
-          <p:nvPr>
-            <p:extLst>
-              <p:ext uri="{D42A27DB-BD31-4B8C-83A1-F6EECF244321}">
-                <p14:modId xmlns:p14="http://schemas.microsoft.com/office/powerpoint/2010/main" val="167368018"/>
-              </p:ext>
-            </p:extLst>
-          </p:nvPr>
-        </p:nvGraphicFramePr>
-        <p:xfrm>
-          <a:off x="2743200" y="2137409"/>
-          <a:ext cx="3657600" cy="1805940"/>
-        </p:xfrm>
-        <a:graphic>
-          <a:graphicData uri="http://schemas.openxmlformats.org/drawingml/2006/table">
-            <a:tbl>
-              <a:tblPr/>
-              <a:tblGrid>
-                <a:gridCol w="1828800">
-                  <a:extLst>
-                    <a:ext uri="{9D8B030D-6E8A-4147-A177-3AD203B41FA5}">
-                      <a16:colId xmlns:a16="http://schemas.microsoft.com/office/drawing/2014/main" val="20000"/>
-                    </a:ext>
-                  </a:extLst>
-                </a:gridCol>
-                <a:gridCol w="914400">
-                  <a:extLst>
-                    <a:ext uri="{9D8B030D-6E8A-4147-A177-3AD203B41FA5}">
-                      <a16:colId xmlns:a16="http://schemas.microsoft.com/office/drawing/2014/main" val="20001"/>
-                    </a:ext>
-                  </a:extLst>
-                </a:gridCol>
-                <a:gridCol w="914400">
-                  <a:extLst>
-                    <a:ext uri="{9D8B030D-6E8A-4147-A177-3AD203B41FA5}">
-                      <a16:colId xmlns:a16="http://schemas.microsoft.com/office/drawing/2014/main" val="20002"/>
-                    </a:ext>
-                  </a:extLst>
-                </a:gridCol>
-              </a:tblGrid>
-              <a:tr h="228600">
-                <a:tc>
-                  <a:txBody>
-                    <a:bodyPr/>
-                    <a:lstStyle/>
-                    <a:p>
-                      <a:pPr marL="63500" marR="63500" algn="l">
-                        <a:lnSpc>
-                          <a:spcPct val="100000"/>
-                        </a:lnSpc>
-                        <a:spcBef>
-                          <a:spcPts val="500"/>
-                        </a:spcBef>
-                        <a:spcAft>
-                          <a:spcPts val="500"/>
-                        </a:spcAft>
-                        <a:buNone/>
-                      </a:pPr>
-                      <a:endParaRPr/>
-                    </a:p>
-                  </a:txBody>
-                  <a:tcPr marL="0" marR="0" marT="63500" marB="63500" anchor="ctr">
-                    <a:lnL w="0" cap="flat" cmpd="sng" algn="ctr">
-                      <a:noFill/>
-                      <a:prstDash val="solid"/>
-                    </a:lnL>
-                    <a:lnR w="0" cap="flat" cmpd="sng" algn="ctr">
-                      <a:noFill/>
-                      <a:prstDash val="solid"/>
-                    </a:lnR>
-                    <a:lnT w="12700" cap="flat" cmpd="sng" algn="ctr">
-                      <a:solidFill>
-                        <a:srgbClr val="000000">
-                          <a:alpha val="100000"/>
-                        </a:srgbClr>
-                      </a:solidFill>
-                      <a:prstDash val="solid"/>
-                    </a:lnT>
-                    <a:lnB w="0" cap="flat" cmpd="sng" algn="ctr">
-                      <a:noFill/>
-                      <a:prstDash val="solid"/>
-                    </a:lnB>
-                    <a:solidFill>
-                      <a:srgbClr val="FFFFFF">
-                        <a:alpha val="0"/>
-                      </a:srgbClr>
-                    </a:solidFill>
-                  </a:tcPr>
-                </a:tc>
-                <a:tc gridSpan="2">
-                  <a:txBody>
-                    <a:bodyPr/>
-                    <a:lstStyle/>
-                    <a:p>
-                      <a:pPr marL="63500" marR="63500" algn="ctr">
-                        <a:lnSpc>
-                          <a:spcPct val="100000"/>
-                        </a:lnSpc>
-                        <a:spcBef>
-                          <a:spcPts val="500"/>
-                        </a:spcBef>
-                        <a:spcAft>
-                          <a:spcPts val="500"/>
-                        </a:spcAft>
-                        <a:buNone/>
-                      </a:pPr>
-                      <a:r>
-                        <a:rPr sz="1100" b="0" i="0" u="none" cap="none">
-                          <a:solidFill>
-                            <a:srgbClr val="000000">
-                              <a:alpha val="100000"/>
-                            </a:srgbClr>
-                          </a:solidFill>
-                          <a:latin typeface="Arial"/>
-                          <a:cs typeface="Arial"/>
-                          <a:sym typeface="Arial"/>
-                        </a:rPr>
-                        <a:t>Predicted treatment effect</a:t>
-                      </a:r>
-                    </a:p>
-                  </a:txBody>
-                  <a:tcPr marL="0" marR="0" marT="63500" marB="63500" anchor="ctr">
-                    <a:lnL w="0" cap="flat" cmpd="sng" algn="ctr">
-                      <a:noFill/>
-                      <a:prstDash val="solid"/>
-                    </a:lnL>
-                    <a:lnR w="0" cap="flat" cmpd="sng" algn="ctr">
-                      <a:noFill/>
-                      <a:prstDash val="solid"/>
-                    </a:lnR>
-                    <a:lnT w="12700" cap="flat" cmpd="sng" algn="ctr">
-                      <a:solidFill>
-                        <a:srgbClr val="000000">
-                          <a:alpha val="100000"/>
-                        </a:srgbClr>
-                      </a:solidFill>
-                      <a:prstDash val="solid"/>
-                    </a:lnT>
-                    <a:lnB w="0" cap="flat" cmpd="sng" algn="ctr">
-                      <a:noFill/>
-                      <a:prstDash val="solid"/>
-                    </a:lnB>
-                    <a:solidFill>
-                      <a:srgbClr val="FFFFFF">
-                        <a:alpha val="0"/>
-                      </a:srgbClr>
-                    </a:solidFill>
-                  </a:tcPr>
-                </a:tc>
-                <a:tc hMerge="1">
-                  <a:txBody>
-                    <a:bodyPr/>
-                    <a:lstStyle/>
-                    <a:p>
-                      <a:pPr marL="63500" marR="63500" algn="ctr">
-                        <a:lnSpc>
-                          <a:spcPct val="100000"/>
-                        </a:lnSpc>
-                        <a:spcBef>
-                          <a:spcPts val="500"/>
-                        </a:spcBef>
-                        <a:spcAft>
-                          <a:spcPts val="500"/>
-                        </a:spcAft>
-                        <a:buNone/>
-                      </a:pPr>
-                      <a:r>
-                        <a:rPr sz="1100" b="0" i="0" u="none" cap="none">
-                          <a:solidFill>
-                            <a:srgbClr val="000000">
-                              <a:alpha val="100000"/>
-                            </a:srgbClr>
-                          </a:solidFill>
-                          <a:latin typeface="Arial"/>
-                          <a:cs typeface="Arial"/>
-                          <a:sym typeface="Arial"/>
-                        </a:rPr>
-                        <a:t>Predicted treatment effect</a:t>
-                      </a:r>
-                    </a:p>
-                  </a:txBody>
-                  <a:tcPr marL="0" marR="0" marT="63500" marB="63500" anchor="ctr">
-                    <a:lnL w="0" cap="flat" cmpd="sng" algn="ctr">
-                      <a:noFill/>
-                      <a:prstDash val="solid"/>
-                    </a:lnL>
-                    <a:lnR w="0" cap="flat" cmpd="sng" algn="ctr">
-                      <a:noFill/>
-                      <a:prstDash val="solid"/>
-                    </a:lnR>
-                    <a:lnT w="12700" cap="flat" cmpd="sng" algn="ctr">
-                      <a:solidFill>
-                        <a:srgbClr val="000000">
-                          <a:alpha val="100000"/>
-                        </a:srgbClr>
-                      </a:solidFill>
-                      <a:prstDash val="solid"/>
-                    </a:lnT>
-                    <a:lnB w="0" cap="flat" cmpd="sng" algn="ctr">
-                      <a:noFill/>
-                      <a:prstDash val="solid"/>
-                    </a:lnB>
-                    <a:solidFill>
-                      <a:srgbClr val="FFFFFF">
-                        <a:alpha val="0"/>
-                      </a:srgbClr>
-                    </a:solidFill>
-                  </a:tcPr>
-                </a:tc>
-                <a:extLst>
-                  <a:ext uri="{0D108BD9-81ED-4DB2-BD59-A6C34878D82A}">
-                    <a16:rowId xmlns:a16="http://schemas.microsoft.com/office/drawing/2014/main" val="10000"/>
-                  </a:ext>
-                </a:extLst>
-              </a:tr>
-              <a:tr h="228600">
-                <a:tc>
-                  <a:txBody>
-                    <a:bodyPr/>
-                    <a:lstStyle/>
-                    <a:p>
-                      <a:pPr marL="63500" marR="63500" algn="l">
-                        <a:lnSpc>
-                          <a:spcPct val="100000"/>
-                        </a:lnSpc>
-                        <a:spcBef>
-                          <a:spcPts val="500"/>
-                        </a:spcBef>
-                        <a:spcAft>
-                          <a:spcPts val="500"/>
-                        </a:spcAft>
-                        <a:buNone/>
-                      </a:pPr>
-                      <a:r>
-                        <a:rPr sz="1100" b="0" i="0" u="none" cap="none">
-                          <a:solidFill>
-                            <a:srgbClr val="000000">
-                              <a:alpha val="100000"/>
-                            </a:srgbClr>
-                          </a:solidFill>
-                          <a:latin typeface="Arial"/>
-                          <a:cs typeface="Arial"/>
-                          <a:sym typeface="Arial"/>
-                        </a:rPr>
-                        <a:t> </a:t>
-                      </a:r>
-                    </a:p>
-                  </a:txBody>
-                  <a:tcPr marL="0" marR="0" marT="63500" marB="63500" anchor="ctr">
-                    <a:lnL w="0" cap="flat" cmpd="sng" algn="ctr">
-                      <a:noFill/>
-                      <a:prstDash val="solid"/>
-                    </a:lnL>
-                    <a:lnR w="0" cap="flat" cmpd="sng" algn="ctr">
-                      <a:noFill/>
-                      <a:prstDash val="solid"/>
-                    </a:lnR>
-                    <a:lnT w="0" cap="flat" cmpd="sng" algn="ctr">
-                      <a:noFill/>
-                      <a:prstDash val="solid"/>
-                    </a:lnT>
-                    <a:lnB w="12700" cap="flat" cmpd="sng" algn="ctr">
-                      <a:solidFill>
-                        <a:srgbClr val="000000">
-                          <a:alpha val="100000"/>
-                        </a:srgbClr>
-                      </a:solidFill>
-                      <a:prstDash val="solid"/>
-                    </a:lnB>
-                    <a:solidFill>
-                      <a:srgbClr val="FFFFFF">
-                        <a:alpha val="0"/>
-                      </a:srgbClr>
-                    </a:solidFill>
-                  </a:tcPr>
-                </a:tc>
-                <a:tc>
-                  <a:txBody>
-                    <a:bodyPr/>
-                    <a:lstStyle/>
-                    <a:p>
-                      <a:pPr marL="63500" marR="63500" algn="ctr">
-                        <a:lnSpc>
-                          <a:spcPct val="100000"/>
-                        </a:lnSpc>
-                        <a:spcBef>
-                          <a:spcPts val="500"/>
-                        </a:spcBef>
-                        <a:spcAft>
-                          <a:spcPts val="500"/>
-                        </a:spcAft>
-                        <a:buNone/>
-                      </a:pPr>
-                      <a:r>
-                        <a:rPr sz="1100" b="0" i="0" u="none" cap="none">
-                          <a:solidFill>
-                            <a:srgbClr val="000000">
-                              <a:alpha val="100000"/>
-                            </a:srgbClr>
-                          </a:solidFill>
-                          <a:latin typeface="Arial"/>
-                          <a:cs typeface="Arial"/>
-                          <a:sym typeface="Arial"/>
-                        </a:rPr>
-                        <a:t>Mean</a:t>
-                      </a:r>
-                    </a:p>
-                  </a:txBody>
-                  <a:tcPr marL="0" marR="0" marT="63500" marB="63500" anchor="ctr">
-                    <a:lnL w="0" cap="flat" cmpd="sng" algn="ctr">
-                      <a:noFill/>
-                      <a:prstDash val="solid"/>
-                    </a:lnL>
-                    <a:lnR w="0" cap="flat" cmpd="sng" algn="ctr">
-                      <a:noFill/>
-                      <a:prstDash val="solid"/>
-                    </a:lnR>
-                    <a:lnT w="0" cap="flat" cmpd="sng" algn="ctr">
-                      <a:noFill/>
-                      <a:prstDash val="solid"/>
-                    </a:lnT>
-                    <a:lnB w="12700" cap="flat" cmpd="sng" algn="ctr">
-                      <a:solidFill>
-                        <a:srgbClr val="000000">
-                          <a:alpha val="100000"/>
-                        </a:srgbClr>
-                      </a:solidFill>
-                      <a:prstDash val="solid"/>
-                    </a:lnB>
-                    <a:solidFill>
-                      <a:srgbClr val="FFFFFF">
-                        <a:alpha val="0"/>
-                      </a:srgbClr>
-                    </a:solidFill>
-                  </a:tcPr>
-                </a:tc>
-                <a:tc>
-                  <a:txBody>
-                    <a:bodyPr/>
-                    <a:lstStyle/>
-                    <a:p>
-                      <a:pPr marL="63500" marR="63500" algn="ctr">
-                        <a:lnSpc>
-                          <a:spcPct val="100000"/>
-                        </a:lnSpc>
-                        <a:spcBef>
-                          <a:spcPts val="500"/>
-                        </a:spcBef>
-                        <a:spcAft>
-                          <a:spcPts val="500"/>
-                        </a:spcAft>
-                        <a:buNone/>
-                      </a:pPr>
-                      <a:r>
-                        <a:rPr sz="1100" b="0" i="0" u="none" cap="none">
-                          <a:solidFill>
-                            <a:srgbClr val="000000">
-                              <a:alpha val="100000"/>
-                            </a:srgbClr>
-                          </a:solidFill>
-                          <a:latin typeface="Arial"/>
-                          <a:cs typeface="Arial"/>
-                          <a:sym typeface="Arial"/>
-                        </a:rPr>
-                        <a:t>SD</a:t>
-                      </a:r>
-                    </a:p>
-                  </a:txBody>
-                  <a:tcPr marL="0" marR="0" marT="63500" marB="63500" anchor="ctr">
-                    <a:lnL w="0" cap="flat" cmpd="sng" algn="ctr">
-                      <a:noFill/>
-                      <a:prstDash val="solid"/>
-                    </a:lnL>
-                    <a:lnR w="0" cap="flat" cmpd="sng" algn="ctr">
-                      <a:noFill/>
-                      <a:prstDash val="solid"/>
-                    </a:lnR>
-                    <a:lnT w="0" cap="flat" cmpd="sng" algn="ctr">
-                      <a:noFill/>
-                      <a:prstDash val="solid"/>
-                    </a:lnT>
-                    <a:lnB w="12700" cap="flat" cmpd="sng" algn="ctr">
-                      <a:solidFill>
-                        <a:srgbClr val="000000">
-                          <a:alpha val="100000"/>
-                        </a:srgbClr>
-                      </a:solidFill>
-                      <a:prstDash val="solid"/>
-                    </a:lnB>
-                    <a:solidFill>
-                      <a:srgbClr val="FFFFFF">
-                        <a:alpha val="0"/>
-                      </a:srgbClr>
-                    </a:solidFill>
-                  </a:tcPr>
-                </a:tc>
-                <a:extLst>
-                  <a:ext uri="{0D108BD9-81ED-4DB2-BD59-A6C34878D82A}">
-                    <a16:rowId xmlns:a16="http://schemas.microsoft.com/office/drawing/2014/main" val="10001"/>
-                  </a:ext>
-                </a:extLst>
-              </a:tr>
-              <a:tr h="228600">
-                <a:tc>
-                  <a:txBody>
-                    <a:bodyPr/>
-                    <a:lstStyle/>
-                    <a:p>
-                      <a:pPr marL="63500" marR="63500" algn="l">
-                        <a:lnSpc>
-                          <a:spcPct val="100000"/>
-                        </a:lnSpc>
-                        <a:spcBef>
-                          <a:spcPts val="500"/>
-                        </a:spcBef>
-                        <a:spcAft>
-                          <a:spcPts val="500"/>
-                        </a:spcAft>
-                        <a:buNone/>
-                      </a:pPr>
-                      <a:r>
-                        <a:rPr sz="1100" b="0" i="0" u="none" cap="none">
-                          <a:solidFill>
-                            <a:srgbClr val="000000">
-                              <a:alpha val="100000"/>
-                            </a:srgbClr>
-                          </a:solidFill>
-                          <a:latin typeface="Arial"/>
-                          <a:cs typeface="Arial"/>
-                          <a:sym typeface="Arial"/>
-                        </a:rPr>
-                        <a:t>Treatment B (uniform)</a:t>
-                      </a:r>
-                    </a:p>
-                  </a:txBody>
-                  <a:tcPr marL="0" marR="0" marT="63500" marB="63500" anchor="ctr">
-                    <a:lnL w="0" cap="flat" cmpd="sng" algn="ctr">
-                      <a:noFill/>
-                      <a:prstDash val="solid"/>
-                    </a:lnL>
-                    <a:lnR w="0" cap="flat" cmpd="sng" algn="ctr">
-                      <a:noFill/>
-                      <a:prstDash val="solid"/>
-                    </a:lnR>
-                    <a:lnT w="12700" cap="flat" cmpd="sng" algn="ctr">
-                      <a:solidFill>
-                        <a:srgbClr val="000000"/>
-                      </a:solidFill>
-                      <a:prstDash val="solid"/>
-                      <a:round/>
-                      <a:headEnd type="none" w="med" len="med"/>
-                      <a:tailEnd type="none" w="med" len="med"/>
-                    </a:lnT>
-                    <a:lnB w="0" cap="flat" cmpd="sng" algn="ctr">
-                      <a:noFill/>
-                      <a:prstDash val="solid"/>
-                    </a:lnB>
-                    <a:solidFill>
-                      <a:srgbClr val="FFFFFF">
-                        <a:alpha val="0"/>
-                      </a:srgbClr>
-                    </a:solidFill>
-                  </a:tcPr>
-                </a:tc>
-                <a:tc>
-                  <a:txBody>
-                    <a:bodyPr/>
-                    <a:lstStyle/>
-                    <a:p>
-                      <a:pPr marL="63500" marR="63500" algn="ctr">
-                        <a:lnSpc>
-                          <a:spcPct val="100000"/>
-                        </a:lnSpc>
-                        <a:spcBef>
-                          <a:spcPts val="500"/>
-                        </a:spcBef>
-                        <a:spcAft>
-                          <a:spcPts val="500"/>
-                        </a:spcAft>
-                        <a:buNone/>
-                      </a:pPr>
-                      <a:r>
-                        <a:rPr sz="1100" b="0" i="0" u="none" cap="none">
-                          <a:solidFill>
-                            <a:srgbClr val="000000">
-                              <a:alpha val="100000"/>
-                            </a:srgbClr>
-                          </a:solidFill>
-                          <a:latin typeface="Arial"/>
-                          <a:cs typeface="Arial"/>
-                          <a:sym typeface="Arial"/>
-                        </a:rPr>
-                        <a:t>0.0206</a:t>
-                      </a:r>
-                    </a:p>
-                  </a:txBody>
-                  <a:tcPr marL="0" marR="0" marT="63500" marB="63500" anchor="ctr">
-                    <a:lnL w="0" cap="flat" cmpd="sng" algn="ctr">
-                      <a:noFill/>
-                      <a:prstDash val="solid"/>
-                    </a:lnL>
-                    <a:lnR w="0" cap="flat" cmpd="sng" algn="ctr">
-                      <a:noFill/>
-                      <a:prstDash val="solid"/>
-                    </a:lnR>
-                    <a:lnT w="12700" cap="flat" cmpd="sng" algn="ctr">
-                      <a:solidFill>
-                        <a:srgbClr val="000000"/>
-                      </a:solidFill>
-                      <a:prstDash val="solid"/>
-                      <a:round/>
-                      <a:headEnd type="none" w="med" len="med"/>
-                      <a:tailEnd type="none" w="med" len="med"/>
-                    </a:lnT>
-                    <a:lnB w="0" cap="flat" cmpd="sng" algn="ctr">
-                      <a:noFill/>
-                      <a:prstDash val="solid"/>
-                    </a:lnB>
-                    <a:solidFill>
-                      <a:srgbClr val="FFFFFF">
-                        <a:alpha val="0"/>
-                      </a:srgbClr>
-                    </a:solidFill>
-                  </a:tcPr>
-                </a:tc>
-                <a:tc>
-                  <a:txBody>
-                    <a:bodyPr/>
-                    <a:lstStyle/>
-                    <a:p>
-                      <a:pPr marL="63500" marR="63500" algn="ctr">
-                        <a:lnSpc>
-                          <a:spcPct val="100000"/>
-                        </a:lnSpc>
-                        <a:spcBef>
-                          <a:spcPts val="500"/>
-                        </a:spcBef>
-                        <a:spcAft>
-                          <a:spcPts val="500"/>
-                        </a:spcAft>
-                        <a:buNone/>
-                      </a:pPr>
-                      <a:r>
-                        <a:rPr sz="1100" b="0" i="0" u="none" cap="none">
-                          <a:solidFill>
-                            <a:srgbClr val="000000">
-                              <a:alpha val="100000"/>
-                            </a:srgbClr>
-                          </a:solidFill>
-                          <a:latin typeface="Arial"/>
-                          <a:cs typeface="Arial"/>
-                          <a:sym typeface="Arial"/>
-                        </a:rPr>
-                        <a:t>0.0570</a:t>
-                      </a:r>
-                    </a:p>
-                  </a:txBody>
-                  <a:tcPr marL="0" marR="0" marT="63500" marB="63500" anchor="ctr">
-                    <a:lnL w="0" cap="flat" cmpd="sng" algn="ctr">
-                      <a:noFill/>
-                      <a:prstDash val="solid"/>
-                    </a:lnL>
-                    <a:lnR w="0" cap="flat" cmpd="sng" algn="ctr">
-                      <a:noFill/>
-                      <a:prstDash val="solid"/>
-                    </a:lnR>
-                    <a:lnT w="12700" cap="flat" cmpd="sng" algn="ctr">
-                      <a:solidFill>
-                        <a:srgbClr val="000000"/>
-                      </a:solidFill>
-                      <a:prstDash val="solid"/>
-                      <a:round/>
-                      <a:headEnd type="none" w="med" len="med"/>
-                      <a:tailEnd type="none" w="med" len="med"/>
-                    </a:lnT>
-                    <a:lnB w="0" cap="flat" cmpd="sng" algn="ctr">
-                      <a:noFill/>
-                      <a:prstDash val="solid"/>
-                    </a:lnB>
-                    <a:solidFill>
-                      <a:srgbClr val="FFFFFF">
-                        <a:alpha val="0"/>
-                      </a:srgbClr>
-                    </a:solidFill>
-                  </a:tcPr>
-                </a:tc>
-                <a:extLst>
-                  <a:ext uri="{0D108BD9-81ED-4DB2-BD59-A6C34878D82A}">
-                    <a16:rowId xmlns:a16="http://schemas.microsoft.com/office/drawing/2014/main" val="10002"/>
-                  </a:ext>
-                </a:extLst>
-              </a:tr>
-              <a:tr h="228600">
-                <a:tc>
-                  <a:txBody>
-                    <a:bodyPr/>
-                    <a:lstStyle/>
-                    <a:p>
-                      <a:pPr marL="63500" marR="63500" algn="l">
-                        <a:lnSpc>
-                          <a:spcPct val="100000"/>
-                        </a:lnSpc>
-                        <a:spcBef>
-                          <a:spcPts val="500"/>
-                        </a:spcBef>
-                        <a:spcAft>
-                          <a:spcPts val="500"/>
-                        </a:spcAft>
-                        <a:buNone/>
-                      </a:pPr>
-                      <a:r>
-                        <a:rPr sz="1100" b="0" i="0" u="none" cap="none">
-                          <a:solidFill>
-                            <a:srgbClr val="000000">
-                              <a:alpha val="100000"/>
-                            </a:srgbClr>
-                          </a:solidFill>
-                          <a:latin typeface="Arial"/>
-                          <a:cs typeface="Arial"/>
-                          <a:sym typeface="Arial"/>
-                        </a:rPr>
-                        <a:t>Treatment C (uniform)</a:t>
-                      </a:r>
-                    </a:p>
-                  </a:txBody>
-                  <a:tcPr marL="0" marR="0" marT="63500" marB="63500" anchor="ctr">
-                    <a:lnL w="0" cap="flat" cmpd="sng" algn="ctr">
-                      <a:noFill/>
-                      <a:prstDash val="solid"/>
-                    </a:lnL>
-                    <a:lnR w="0" cap="flat" cmpd="sng" algn="ctr">
-                      <a:noFill/>
-                      <a:prstDash val="solid"/>
-                    </a:lnR>
-                    <a:lnT w="0" cap="flat" cmpd="sng" algn="ctr">
-                      <a:noFill/>
-                      <a:prstDash val="solid"/>
-                    </a:lnT>
-                    <a:lnB w="0" cap="flat" cmpd="sng" algn="ctr">
-                      <a:noFill/>
-                      <a:prstDash val="solid"/>
-                    </a:lnB>
-                    <a:solidFill>
-                      <a:srgbClr val="FFFFFF">
-                        <a:alpha val="0"/>
-                      </a:srgbClr>
-                    </a:solidFill>
-                  </a:tcPr>
-                </a:tc>
-                <a:tc>
-                  <a:txBody>
-                    <a:bodyPr/>
-                    <a:lstStyle/>
-                    <a:p>
-                      <a:pPr marL="63500" marR="63500" algn="ctr">
-                        <a:lnSpc>
-                          <a:spcPct val="100000"/>
-                        </a:lnSpc>
-                        <a:spcBef>
-                          <a:spcPts val="500"/>
-                        </a:spcBef>
-                        <a:spcAft>
-                          <a:spcPts val="500"/>
-                        </a:spcAft>
-                        <a:buNone/>
-                      </a:pPr>
-                      <a:r>
-                        <a:rPr sz="1100" b="0" i="0" u="none" cap="none">
-                          <a:solidFill>
-                            <a:srgbClr val="000000">
-                              <a:alpha val="100000"/>
-                            </a:srgbClr>
-                          </a:solidFill>
-                          <a:latin typeface="Arial"/>
-                          <a:cs typeface="Arial"/>
-                          <a:sym typeface="Arial"/>
-                        </a:rPr>
-                        <a:t>-0.0019</a:t>
-                      </a:r>
-                    </a:p>
-                  </a:txBody>
-                  <a:tcPr marL="0" marR="0" marT="63500" marB="63500" anchor="ctr">
-                    <a:lnL w="0" cap="flat" cmpd="sng" algn="ctr">
-                      <a:noFill/>
-                      <a:prstDash val="solid"/>
-                    </a:lnL>
-                    <a:lnR w="0" cap="flat" cmpd="sng" algn="ctr">
-                      <a:noFill/>
-                      <a:prstDash val="solid"/>
-                    </a:lnR>
-                    <a:lnT w="0" cap="flat" cmpd="sng" algn="ctr">
-                      <a:noFill/>
-                      <a:prstDash val="solid"/>
-                    </a:lnT>
-                    <a:lnB w="0" cap="flat" cmpd="sng" algn="ctr">
-                      <a:noFill/>
-                      <a:prstDash val="solid"/>
-                    </a:lnB>
-                    <a:solidFill>
-                      <a:srgbClr val="FFFFFF">
-                        <a:alpha val="0"/>
-                      </a:srgbClr>
-                    </a:solidFill>
-                  </a:tcPr>
-                </a:tc>
-                <a:tc>
-                  <a:txBody>
-                    <a:bodyPr/>
-                    <a:lstStyle/>
-                    <a:p>
-                      <a:pPr marL="63500" marR="63500" algn="ctr">
-                        <a:lnSpc>
-                          <a:spcPct val="100000"/>
-                        </a:lnSpc>
-                        <a:spcBef>
-                          <a:spcPts val="500"/>
-                        </a:spcBef>
-                        <a:spcAft>
-                          <a:spcPts val="500"/>
-                        </a:spcAft>
-                        <a:buNone/>
-                      </a:pPr>
-                      <a:r>
-                        <a:rPr sz="1100" b="0" i="0" u="none" cap="none">
-                          <a:solidFill>
-                            <a:srgbClr val="000000">
-                              <a:alpha val="100000"/>
-                            </a:srgbClr>
-                          </a:solidFill>
-                          <a:latin typeface="Arial"/>
-                          <a:cs typeface="Arial"/>
-                          <a:sym typeface="Arial"/>
-                        </a:rPr>
-                        <a:t>0.0598</a:t>
-                      </a:r>
-                    </a:p>
-                  </a:txBody>
-                  <a:tcPr marL="0" marR="0" marT="63500" marB="63500" anchor="ctr">
-                    <a:lnL w="0" cap="flat" cmpd="sng" algn="ctr">
-                      <a:noFill/>
-                      <a:prstDash val="solid"/>
-                    </a:lnL>
-                    <a:lnR w="0" cap="flat" cmpd="sng" algn="ctr">
-                      <a:noFill/>
-                      <a:prstDash val="solid"/>
-                    </a:lnR>
-                    <a:lnT w="0" cap="flat" cmpd="sng" algn="ctr">
-                      <a:noFill/>
-                      <a:prstDash val="solid"/>
-                    </a:lnT>
-                    <a:lnB w="0" cap="flat" cmpd="sng" algn="ctr">
-                      <a:noFill/>
-                      <a:prstDash val="solid"/>
-                    </a:lnB>
-                    <a:solidFill>
-                      <a:srgbClr val="FFFFFF">
-                        <a:alpha val="0"/>
-                      </a:srgbClr>
-                    </a:solidFill>
-                  </a:tcPr>
-                </a:tc>
-                <a:extLst>
-                  <a:ext uri="{0D108BD9-81ED-4DB2-BD59-A6C34878D82A}">
-                    <a16:rowId xmlns:a16="http://schemas.microsoft.com/office/drawing/2014/main" val="10003"/>
-                  </a:ext>
-                </a:extLst>
-              </a:tr>
-              <a:tr h="228600">
-                <a:tc>
-                  <a:txBody>
-                    <a:bodyPr/>
-                    <a:lstStyle/>
-                    <a:p>
-                      <a:pPr marL="63500" marR="63500" algn="l">
-                        <a:lnSpc>
-                          <a:spcPct val="100000"/>
-                        </a:lnSpc>
-                        <a:spcBef>
-                          <a:spcPts val="500"/>
-                        </a:spcBef>
-                        <a:spcAft>
-                          <a:spcPts val="500"/>
-                        </a:spcAft>
-                        <a:buNone/>
-                      </a:pPr>
-                      <a:r>
-                        <a:rPr sz="1100" b="0" i="0" u="none" cap="none">
-                          <a:solidFill>
-                            <a:srgbClr val="000000">
-                              <a:alpha val="100000"/>
-                            </a:srgbClr>
-                          </a:solidFill>
-                          <a:latin typeface="Arial"/>
-                          <a:cs typeface="Arial"/>
-                          <a:sym typeface="Arial"/>
-                        </a:rPr>
-                        <a:t>Treatment D (uniform)</a:t>
-                      </a:r>
-                    </a:p>
-                  </a:txBody>
-                  <a:tcPr marL="0" marR="0" marT="63500" marB="63500" anchor="ctr">
-                    <a:lnL w="0" cap="flat" cmpd="sng" algn="ctr">
-                      <a:noFill/>
-                      <a:prstDash val="solid"/>
-                    </a:lnL>
-                    <a:lnR w="0" cap="flat" cmpd="sng" algn="ctr">
-                      <a:noFill/>
-                      <a:prstDash val="solid"/>
-                    </a:lnR>
-                    <a:lnT w="0" cap="flat" cmpd="sng" algn="ctr">
-                      <a:noFill/>
-                      <a:prstDash val="solid"/>
-                    </a:lnT>
-                    <a:lnB w="0" cap="flat" cmpd="sng" algn="ctr">
-                      <a:noFill/>
-                      <a:prstDash val="solid"/>
-                    </a:lnB>
-                    <a:solidFill>
-                      <a:srgbClr val="FFFFFF">
-                        <a:alpha val="0"/>
-                      </a:srgbClr>
-                    </a:solidFill>
-                  </a:tcPr>
-                </a:tc>
-                <a:tc>
-                  <a:txBody>
-                    <a:bodyPr/>
-                    <a:lstStyle/>
-                    <a:p>
-                      <a:pPr marL="63500" marR="63500" algn="ctr">
-                        <a:lnSpc>
-                          <a:spcPct val="100000"/>
-                        </a:lnSpc>
-                        <a:spcBef>
-                          <a:spcPts val="500"/>
-                        </a:spcBef>
-                        <a:spcAft>
-                          <a:spcPts val="500"/>
-                        </a:spcAft>
-                        <a:buNone/>
-                      </a:pPr>
-                      <a:r>
-                        <a:rPr sz="1100" b="0" i="0" u="none" cap="none">
-                          <a:solidFill>
-                            <a:srgbClr val="000000">
-                              <a:alpha val="100000"/>
-                            </a:srgbClr>
-                          </a:solidFill>
-                          <a:latin typeface="Arial"/>
-                          <a:cs typeface="Arial"/>
-                          <a:sym typeface="Arial"/>
-                        </a:rPr>
-                        <a:t>0.0079</a:t>
-                      </a:r>
-                    </a:p>
-                  </a:txBody>
-                  <a:tcPr marL="0" marR="0" marT="63500" marB="63500" anchor="ctr">
-                    <a:lnL w="0" cap="flat" cmpd="sng" algn="ctr">
-                      <a:noFill/>
-                      <a:prstDash val="solid"/>
-                    </a:lnL>
-                    <a:lnR w="0" cap="flat" cmpd="sng" algn="ctr">
-                      <a:noFill/>
-                      <a:prstDash val="solid"/>
-                    </a:lnR>
-                    <a:lnT w="0" cap="flat" cmpd="sng" algn="ctr">
-                      <a:noFill/>
-                      <a:prstDash val="solid"/>
-                    </a:lnT>
-                    <a:lnB w="0" cap="flat" cmpd="sng" algn="ctr">
-                      <a:noFill/>
-                      <a:prstDash val="solid"/>
-                    </a:lnB>
-                    <a:solidFill>
-                      <a:srgbClr val="FFFFFF">
-                        <a:alpha val="0"/>
-                      </a:srgbClr>
-                    </a:solidFill>
-                  </a:tcPr>
-                </a:tc>
-                <a:tc>
-                  <a:txBody>
-                    <a:bodyPr/>
-                    <a:lstStyle/>
-                    <a:p>
-                      <a:pPr marL="63500" marR="63500" algn="ctr">
-                        <a:lnSpc>
-                          <a:spcPct val="100000"/>
-                        </a:lnSpc>
-                        <a:spcBef>
-                          <a:spcPts val="500"/>
-                        </a:spcBef>
-                        <a:spcAft>
-                          <a:spcPts val="500"/>
-                        </a:spcAft>
-                        <a:buNone/>
-                      </a:pPr>
-                      <a:r>
-                        <a:rPr sz="1100" b="0" i="0" u="none" cap="none">
-                          <a:solidFill>
-                            <a:srgbClr val="000000">
-                              <a:alpha val="100000"/>
-                            </a:srgbClr>
-                          </a:solidFill>
-                          <a:latin typeface="Arial"/>
-                          <a:cs typeface="Arial"/>
-                          <a:sym typeface="Arial"/>
-                        </a:rPr>
-                        <a:t>0.0628</a:t>
-                      </a:r>
-                    </a:p>
-                  </a:txBody>
-                  <a:tcPr marL="0" marR="0" marT="63500" marB="63500" anchor="ctr">
-                    <a:lnL w="0" cap="flat" cmpd="sng" algn="ctr">
-                      <a:noFill/>
-                      <a:prstDash val="solid"/>
-                    </a:lnL>
-                    <a:lnR w="0" cap="flat" cmpd="sng" algn="ctr">
-                      <a:noFill/>
-                      <a:prstDash val="solid"/>
-                    </a:lnR>
-                    <a:lnT w="0" cap="flat" cmpd="sng" algn="ctr">
-                      <a:noFill/>
-                      <a:prstDash val="solid"/>
-                    </a:lnT>
-                    <a:lnB w="0" cap="flat" cmpd="sng" algn="ctr">
-                      <a:noFill/>
-                      <a:prstDash val="solid"/>
-                    </a:lnB>
-                    <a:solidFill>
-                      <a:srgbClr val="FFFFFF">
-                        <a:alpha val="0"/>
-                      </a:srgbClr>
-                    </a:solidFill>
-                  </a:tcPr>
-                </a:tc>
-                <a:extLst>
-                  <a:ext uri="{0D108BD9-81ED-4DB2-BD59-A6C34878D82A}">
-                    <a16:rowId xmlns:a16="http://schemas.microsoft.com/office/drawing/2014/main" val="10004"/>
-                  </a:ext>
-                </a:extLst>
-              </a:tr>
-              <a:tr h="228600">
-                <a:tc>
-                  <a:txBody>
-                    <a:bodyPr/>
-                    <a:lstStyle/>
-                    <a:p>
-                      <a:pPr marL="63500" marR="63500" algn="l">
-                        <a:lnSpc>
-                          <a:spcPct val="100000"/>
-                        </a:lnSpc>
-                        <a:spcBef>
-                          <a:spcPts val="500"/>
-                        </a:spcBef>
-                        <a:spcAft>
-                          <a:spcPts val="500"/>
-                        </a:spcAft>
-                        <a:buNone/>
-                      </a:pPr>
-                      <a:r>
-                        <a:rPr sz="1100" b="0" i="0" u="none" cap="none">
-                          <a:solidFill>
-                            <a:srgbClr val="000000">
-                              <a:alpha val="100000"/>
-                            </a:srgbClr>
-                          </a:solidFill>
-                          <a:latin typeface="Arial"/>
-                          <a:cs typeface="Arial"/>
-                          <a:sym typeface="Arial"/>
-                        </a:rPr>
-                        <a:t>Optimum targeting</a:t>
-                      </a:r>
-                    </a:p>
-                  </a:txBody>
-                  <a:tcPr marL="0" marR="0" marT="63500" marB="63500" anchor="ctr">
-                    <a:lnL w="0" cap="flat" cmpd="sng" algn="ctr">
-                      <a:noFill/>
-                      <a:prstDash val="solid"/>
-                    </a:lnL>
-                    <a:lnR w="0" cap="flat" cmpd="sng" algn="ctr">
-                      <a:noFill/>
-                      <a:prstDash val="solid"/>
-                    </a:lnR>
-                    <a:lnT w="0" cap="flat" cmpd="sng" algn="ctr">
-                      <a:noFill/>
-                      <a:prstDash val="solid"/>
-                    </a:lnT>
-                    <a:lnB w="12700" cap="flat" cmpd="sng" algn="ctr">
-                      <a:solidFill>
-                        <a:srgbClr val="000000">
-                          <a:alpha val="100000"/>
-                        </a:srgbClr>
-                      </a:solidFill>
-                      <a:prstDash val="solid"/>
-                    </a:lnB>
-                    <a:solidFill>
-                      <a:srgbClr val="FFFFFF">
-                        <a:alpha val="0"/>
-                      </a:srgbClr>
-                    </a:solidFill>
-                  </a:tcPr>
-                </a:tc>
-                <a:tc>
-                  <a:txBody>
-                    <a:bodyPr/>
-                    <a:lstStyle/>
-                    <a:p>
-                      <a:pPr marL="63500" marR="63500" algn="ctr">
-                        <a:lnSpc>
-                          <a:spcPct val="100000"/>
-                        </a:lnSpc>
-                        <a:spcBef>
-                          <a:spcPts val="500"/>
-                        </a:spcBef>
-                        <a:spcAft>
-                          <a:spcPts val="500"/>
-                        </a:spcAft>
-                        <a:buNone/>
-                      </a:pPr>
-                      <a:r>
-                        <a:rPr sz="1100" b="0" i="0" u="none" cap="none">
-                          <a:solidFill>
-                            <a:srgbClr val="000000">
-                              <a:alpha val="100000"/>
-                            </a:srgbClr>
-                          </a:solidFill>
-                          <a:latin typeface="Arial"/>
-                          <a:cs typeface="Arial"/>
-                          <a:sym typeface="Arial"/>
-                        </a:rPr>
-                        <a:t>0.0473</a:t>
-                      </a:r>
-                    </a:p>
-                  </a:txBody>
-                  <a:tcPr marL="0" marR="0" marT="63500" marB="63500" anchor="ctr">
-                    <a:lnL w="0" cap="flat" cmpd="sng" algn="ctr">
-                      <a:noFill/>
-                      <a:prstDash val="solid"/>
-                    </a:lnL>
-                    <a:lnR w="0" cap="flat" cmpd="sng" algn="ctr">
-                      <a:noFill/>
-                      <a:prstDash val="solid"/>
-                    </a:lnR>
-                    <a:lnT w="0" cap="flat" cmpd="sng" algn="ctr">
-                      <a:noFill/>
-                      <a:prstDash val="solid"/>
-                    </a:lnT>
-                    <a:lnB w="12700" cap="flat" cmpd="sng" algn="ctr">
-                      <a:solidFill>
-                        <a:srgbClr val="000000">
-                          <a:alpha val="100000"/>
-                        </a:srgbClr>
-                      </a:solidFill>
-                      <a:prstDash val="solid"/>
-                    </a:lnB>
-                    <a:solidFill>
-                      <a:srgbClr val="FFFFFF">
-                        <a:alpha val="0"/>
-                      </a:srgbClr>
-                    </a:solidFill>
-                  </a:tcPr>
-                </a:tc>
-                <a:tc>
-                  <a:txBody>
-                    <a:bodyPr/>
-                    <a:lstStyle/>
-                    <a:p>
-                      <a:pPr marL="63500" marR="63500" algn="ctr">
-                        <a:lnSpc>
-                          <a:spcPct val="100000"/>
-                        </a:lnSpc>
-                        <a:spcBef>
-                          <a:spcPts val="500"/>
-                        </a:spcBef>
-                        <a:spcAft>
-                          <a:spcPts val="500"/>
-                        </a:spcAft>
-                        <a:buNone/>
-                      </a:pPr>
-                      <a:r>
-                        <a:rPr sz="1100" b="0" i="0" u="none" cap="none" dirty="0">
-                          <a:solidFill>
-                            <a:srgbClr val="000000">
-                              <a:alpha val="100000"/>
-                            </a:srgbClr>
-                          </a:solidFill>
-                          <a:latin typeface="Arial"/>
-                          <a:cs typeface="Arial"/>
-                          <a:sym typeface="Arial"/>
-                        </a:rPr>
-                        <a:t>0.0530</a:t>
-                      </a:r>
-                    </a:p>
-                  </a:txBody>
-                  <a:tcPr marL="0" marR="0" marT="63500" marB="63500" anchor="ctr">
-                    <a:lnL w="0" cap="flat" cmpd="sng" algn="ctr">
-                      <a:noFill/>
-                      <a:prstDash val="solid"/>
-                    </a:lnL>
-                    <a:lnR w="0" cap="flat" cmpd="sng" algn="ctr">
-                      <a:noFill/>
-                      <a:prstDash val="solid"/>
-                    </a:lnR>
-                    <a:lnT w="0" cap="flat" cmpd="sng" algn="ctr">
-                      <a:noFill/>
-                      <a:prstDash val="solid"/>
-                    </a:lnT>
-                    <a:lnB w="12700" cap="flat" cmpd="sng" algn="ctr">
-                      <a:solidFill>
-                        <a:srgbClr val="000000">
-                          <a:alpha val="100000"/>
-                        </a:srgbClr>
-                      </a:solidFill>
-                      <a:prstDash val="solid"/>
-                    </a:lnB>
-                    <a:solidFill>
-                      <a:srgbClr val="FFFFFF">
-                        <a:alpha val="0"/>
-                      </a:srgbClr>
-                    </a:solidFill>
-                  </a:tcPr>
-                </a:tc>
-                <a:extLst>
-                  <a:ext uri="{0D108BD9-81ED-4DB2-BD59-A6C34878D82A}">
-                    <a16:rowId xmlns:a16="http://schemas.microsoft.com/office/drawing/2014/main" val="10005"/>
-                  </a:ext>
-                </a:extLst>
-              </a:tr>
-            </a:tbl>
-          </a:graphicData>
-        </a:graphic>
-      </p:graphicFrame>
+            <a:fld id="{C5EF2332-01BF-834F-8236-50238282D533}" type="slidenum">
+              <a:rPr lang="en-US" smtClean="0"/>
+              <a:t>2</a:t>
+            </a:fld>
+            <a:endParaRPr lang="en-US"/>
+          </a:p>
+        </p:txBody>
+      </p:sp>
     </p:spTree>
   </p:cSld>
   <p:clrMapOvr>
@@ -4440,69 +3972,535 @@
           <a:bodyPr/>
           <a:lstStyle/>
           <a:p>
+            <a:r>
+              <a:rPr dirty="0"/>
+              <a:t>実験群</a:t>
+            </a:r>
+          </a:p>
+        </p:txBody>
+      </p:sp>
+      <p:sp>
+        <p:nvSpPr>
+          <p:cNvPr id="3" name="Content Placeholder 2"/>
+          <p:cNvSpPr>
+            <a:spLocks noGrp="1"/>
+          </p:cNvSpPr>
+          <p:nvPr>
+            <p:ph idx="1"/>
+          </p:nvPr>
+        </p:nvSpPr>
+        <p:spPr/>
+        <p:txBody>
+          <a:bodyPr/>
+          <a:lstStyle/>
+          <a:p>
+            <a:pPr lvl="1"/>
+            <a:r>
+              <a:rPr dirty="0">
+                <a:latin typeface="游ゴシック Medium" panose="020B0500000000000000" pitchFamily="50" charset="-128"/>
+                <a:ea typeface="游ゴシック Medium" panose="020B0500000000000000" pitchFamily="50" charset="-128"/>
+              </a:rPr>
+              <a:t>A群（コントロール）：通常の適合通知</a:t>
+            </a:r>
+          </a:p>
+          <a:p>
+            <a:pPr lvl="1"/>
+            <a:r>
+              <a:rPr dirty="0">
+                <a:latin typeface="游ゴシック Medium" panose="020B0500000000000000" pitchFamily="50" charset="-128"/>
+                <a:ea typeface="游ゴシック Medium" panose="020B0500000000000000" pitchFamily="50" charset="-128"/>
+              </a:rPr>
+              <a:t>B群（トリートメント1）：通常の適合通知＋確率メッセージ</a:t>
+            </a:r>
+          </a:p>
+          <a:p>
+            <a:pPr lvl="1"/>
+            <a:r>
+              <a:rPr dirty="0">
+                <a:latin typeface="游ゴシック Medium" panose="020B0500000000000000" pitchFamily="50" charset="-128"/>
+                <a:ea typeface="游ゴシック Medium" panose="020B0500000000000000" pitchFamily="50" charset="-128"/>
+              </a:rPr>
+              <a:t>C群（トリートメント2）：通常の適合通知＋</a:t>
+            </a:r>
+            <a:r>
+              <a:rPr lang="ja-JP" altLang="en-US" dirty="0">
+                <a:latin typeface="游ゴシック Medium" panose="020B0500000000000000" pitchFamily="50" charset="-128"/>
+                <a:ea typeface="游ゴシック Medium" panose="020B0500000000000000" pitchFamily="50" charset="-128"/>
+              </a:rPr>
+              <a:t>早期コーディネーションメッセージ</a:t>
+            </a:r>
+            <a:endParaRPr dirty="0">
+              <a:latin typeface="游ゴシック Medium" panose="020B0500000000000000" pitchFamily="50" charset="-128"/>
+              <a:ea typeface="游ゴシック Medium" panose="020B0500000000000000" pitchFamily="50" charset="-128"/>
+            </a:endParaRPr>
+          </a:p>
+          <a:p>
+            <a:pPr lvl="1"/>
+            <a:r>
+              <a:rPr dirty="0">
+                <a:latin typeface="游ゴシック Medium" panose="020B0500000000000000" pitchFamily="50" charset="-128"/>
+                <a:ea typeface="游ゴシック Medium" panose="020B0500000000000000" pitchFamily="50" charset="-128"/>
+              </a:rPr>
+              <a:t>D群（トリートメント3）：通常の適合通知＋確率メッセージ＋</a:t>
+            </a:r>
+            <a:r>
+              <a:rPr lang="ja-JP" altLang="en-US" dirty="0">
+                <a:latin typeface="游ゴシック Medium" panose="020B0500000000000000" pitchFamily="50" charset="-128"/>
+                <a:ea typeface="游ゴシック Medium" panose="020B0500000000000000" pitchFamily="50" charset="-128"/>
+              </a:rPr>
+              <a:t>早期コーディネーションメッセージ</a:t>
+            </a:r>
+            <a:endParaRPr lang="en-US" altLang="ja-JP" dirty="0">
+              <a:latin typeface="游ゴシック Medium" panose="020B0500000000000000" pitchFamily="50" charset="-128"/>
+              <a:ea typeface="游ゴシック Medium" panose="020B0500000000000000" pitchFamily="50" charset="-128"/>
+            </a:endParaRPr>
+          </a:p>
+          <a:p>
+            <a:pPr lvl="1"/>
+            <a:endParaRPr lang="en-US" dirty="0">
+              <a:latin typeface="游ゴシック Medium" panose="020B0500000000000000" pitchFamily="50" charset="-128"/>
+              <a:ea typeface="游ゴシック Medium" panose="020B0500000000000000" pitchFamily="50" charset="-128"/>
+            </a:endParaRPr>
+          </a:p>
+          <a:p>
+            <a:pPr marL="342900" lvl="1" indent="0">
+              <a:buNone/>
+            </a:pPr>
+            <a:r>
+              <a:rPr dirty="0">
+                <a:latin typeface="游ゴシック Medium" panose="020B0500000000000000" pitchFamily="50" charset="-128"/>
+                <a:ea typeface="游ゴシック Medium" panose="020B0500000000000000" pitchFamily="50" charset="-128"/>
+              </a:rPr>
+              <a:t>実験は2021/9～2022/2で実施し、週単位で実験群を割り当てた</a:t>
+            </a:r>
+          </a:p>
+        </p:txBody>
+      </p:sp>
+      <p:sp>
+        <p:nvSpPr>
+          <p:cNvPr id="4" name="スライド番号プレースホルダー 3">
+            <a:extLst>
+              <a:ext uri="{FF2B5EF4-FFF2-40B4-BE49-F238E27FC236}">
+                <a16:creationId xmlns:a16="http://schemas.microsoft.com/office/drawing/2014/main" id="{018514B0-39B9-EA96-6091-5742BC6FEBD9}"/>
+              </a:ext>
+            </a:extLst>
+          </p:cNvPr>
+          <p:cNvSpPr>
+            <a:spLocks noGrp="1"/>
+          </p:cNvSpPr>
+          <p:nvPr>
+            <p:ph type="sldNum" sz="quarter" idx="12"/>
+          </p:nvPr>
+        </p:nvSpPr>
+        <p:spPr/>
+        <p:txBody>
+          <a:bodyPr/>
+          <a:lstStyle/>
+          <a:p>
+            <a:fld id="{C5EF2332-01BF-834F-8236-50238282D533}" type="slidenum">
+              <a:rPr lang="en-US" smtClean="0"/>
+              <a:t>3</a:t>
+            </a:fld>
+            <a:endParaRPr lang="en-US"/>
+          </a:p>
+        </p:txBody>
+      </p:sp>
+    </p:spTree>
+  </p:cSld>
+  <p:clrMapOvr>
+    <a:masterClrMapping/>
+  </p:clrMapOvr>
+</p:sld>
+</file>
+
+<file path=ppt/slides/slide4.xml><?xml version="1.0" encoding="utf-8"?>
+<p:sld xmlns:a="http://schemas.openxmlformats.org/drawingml/2006/main" xmlns:r="http://schemas.openxmlformats.org/officeDocument/2006/relationships" xmlns:p="http://schemas.openxmlformats.org/presentationml/2006/main">
+  <p:cSld>
+    <p:spTree>
+      <p:nvGrpSpPr>
+        <p:cNvPr id="1" name=""/>
+        <p:cNvGrpSpPr/>
+        <p:nvPr/>
+      </p:nvGrpSpPr>
+      <p:grpSpPr>
+        <a:xfrm>
+          <a:off x="0" y="0"/>
+          <a:ext cx="0" cy="0"/>
+          <a:chOff x="0" y="0"/>
+          <a:chExt cx="0" cy="0"/>
+        </a:xfrm>
+      </p:grpSpPr>
+      <p:sp>
+        <p:nvSpPr>
+          <p:cNvPr id="2" name="タイトル 1">
+            <a:extLst>
+              <a:ext uri="{FF2B5EF4-FFF2-40B4-BE49-F238E27FC236}">
+                <a16:creationId xmlns:a16="http://schemas.microsoft.com/office/drawing/2014/main" id="{F56338AC-E229-F4D4-F65A-8F2C47956B3C}"/>
+              </a:ext>
+            </a:extLst>
+          </p:cNvPr>
+          <p:cNvSpPr>
+            <a:spLocks noGrp="1"/>
+          </p:cNvSpPr>
+          <p:nvPr>
+            <p:ph type="title"/>
+          </p:nvPr>
+        </p:nvSpPr>
+        <p:spPr/>
+        <p:txBody>
+          <a:bodyPr/>
+          <a:lstStyle/>
+          <a:p>
+            <a:r>
+              <a:rPr kumimoji="1" lang="ja-JP" altLang="en-US" dirty="0"/>
+              <a:t>機械学習を用いた効果測定</a:t>
+            </a:r>
+          </a:p>
+        </p:txBody>
+      </p:sp>
+      <p:sp>
+        <p:nvSpPr>
+          <p:cNvPr id="3" name="コンテンツ プレースホルダー 2">
+            <a:extLst>
+              <a:ext uri="{FF2B5EF4-FFF2-40B4-BE49-F238E27FC236}">
+                <a16:creationId xmlns:a16="http://schemas.microsoft.com/office/drawing/2014/main" id="{F80B9AE0-069C-23E5-8FE4-28210283B42A}"/>
+              </a:ext>
+            </a:extLst>
+          </p:cNvPr>
+          <p:cNvSpPr>
+            <a:spLocks noGrp="1"/>
+          </p:cNvSpPr>
+          <p:nvPr>
+            <p:ph idx="1"/>
+          </p:nvPr>
+        </p:nvSpPr>
+        <p:spPr/>
+        <p:txBody>
+          <a:bodyPr anchor="ctr"/>
+          <a:lstStyle/>
+          <a:p>
+            <a:r>
+              <a:rPr kumimoji="1" lang="ja-JP" altLang="en-US" dirty="0"/>
+              <a:t>介入効果の異質性の検証として</a:t>
+            </a:r>
+            <a:r>
+              <a:rPr kumimoji="1" lang="en-US" altLang="ja-JP" dirty="0"/>
+              <a:t>Random causal forest</a:t>
+            </a:r>
+            <a:r>
+              <a:rPr kumimoji="1" lang="ja-JP" altLang="en-US" dirty="0"/>
+              <a:t>を使用</a:t>
+            </a:r>
+            <a:endParaRPr kumimoji="1" lang="en-US" altLang="ja-JP" dirty="0"/>
+          </a:p>
+          <a:p>
+            <a:pPr lvl="1"/>
+            <a:r>
+              <a:rPr kumimoji="1" lang="ja-JP" altLang="en-US" dirty="0"/>
+              <a:t>介入効果の異質性を高めるように、サンプルを観察可能な特徴（共変量）で分割する</a:t>
+            </a:r>
+            <a:endParaRPr kumimoji="1" lang="en-US" altLang="ja-JP" dirty="0"/>
+          </a:p>
+          <a:p>
+            <a:pPr lvl="1"/>
+            <a:r>
+              <a:rPr kumimoji="1" lang="ja-JP" altLang="en-US" dirty="0"/>
+              <a:t>分割したサブサンプル内で介入効果を推定する</a:t>
+            </a:r>
+            <a:endParaRPr kumimoji="1" lang="en-US" altLang="ja-JP" dirty="0"/>
+          </a:p>
+          <a:p>
+            <a:pPr lvl="1"/>
+            <a:r>
+              <a:rPr kumimoji="1" lang="ja-JP" altLang="en-US" dirty="0"/>
+              <a:t>介入を受けていない人についても、その人の共変量に基づいて介入効果を予測できる</a:t>
+            </a:r>
+            <a:endParaRPr kumimoji="1" lang="en-US" altLang="ja-JP" dirty="0"/>
+          </a:p>
+          <a:p>
+            <a:r>
+              <a:rPr kumimoji="1" lang="ja-JP" altLang="en-US" dirty="0"/>
+              <a:t>アウトカム変数は「意向あり」を使用</a:t>
+            </a:r>
+          </a:p>
+        </p:txBody>
+      </p:sp>
+      <p:sp>
+        <p:nvSpPr>
+          <p:cNvPr id="4" name="スライド番号プレースホルダー 3">
+            <a:extLst>
+              <a:ext uri="{FF2B5EF4-FFF2-40B4-BE49-F238E27FC236}">
+                <a16:creationId xmlns:a16="http://schemas.microsoft.com/office/drawing/2014/main" id="{509D43B4-3903-2ED7-3E47-956FD149FF1A}"/>
+              </a:ext>
+            </a:extLst>
+          </p:cNvPr>
+          <p:cNvSpPr>
+            <a:spLocks noGrp="1"/>
+          </p:cNvSpPr>
+          <p:nvPr>
+            <p:ph type="sldNum" sz="quarter" idx="12"/>
+          </p:nvPr>
+        </p:nvSpPr>
+        <p:spPr/>
+        <p:txBody>
+          <a:bodyPr/>
+          <a:lstStyle/>
+          <a:p>
+            <a:fld id="{C5EF2332-01BF-834F-8236-50238282D533}" type="slidenum">
+              <a:rPr lang="en-US" smtClean="0"/>
+              <a:t>4</a:t>
+            </a:fld>
+            <a:endParaRPr lang="en-US"/>
+          </a:p>
+        </p:txBody>
+      </p:sp>
+    </p:spTree>
+    <p:extLst>
+      <p:ext uri="{BB962C8B-B14F-4D97-AF65-F5344CB8AC3E}">
+        <p14:creationId xmlns:p14="http://schemas.microsoft.com/office/powerpoint/2010/main" val="3617160859"/>
+      </p:ext>
+    </p:extLst>
+  </p:cSld>
+  <p:clrMapOvr>
+    <a:masterClrMapping/>
+  </p:clrMapOvr>
+</p:sld>
+</file>
+
+<file path=ppt/slides/slide5.xml><?xml version="1.0" encoding="utf-8"?>
+<p:sld xmlns:a="http://schemas.openxmlformats.org/drawingml/2006/main" xmlns:r="http://schemas.openxmlformats.org/officeDocument/2006/relationships" xmlns:p="http://schemas.openxmlformats.org/presentationml/2006/main">
+  <p:cSld>
+    <p:spTree>
+      <p:nvGrpSpPr>
+        <p:cNvPr id="1" name=""/>
+        <p:cNvGrpSpPr/>
+        <p:nvPr/>
+      </p:nvGrpSpPr>
+      <p:grpSpPr>
+        <a:xfrm>
+          <a:off x="0" y="0"/>
+          <a:ext cx="0" cy="0"/>
+          <a:chOff x="0" y="0"/>
+          <a:chExt cx="0" cy="0"/>
+        </a:xfrm>
+      </p:grpSpPr>
+      <p:sp>
+        <p:nvSpPr>
+          <p:cNvPr id="2" name="タイトル 1">
+            <a:extLst>
+              <a:ext uri="{FF2B5EF4-FFF2-40B4-BE49-F238E27FC236}">
+                <a16:creationId xmlns:a16="http://schemas.microsoft.com/office/drawing/2014/main" id="{27E8B3ED-E7C4-152D-6788-58F3F4C34858}"/>
+              </a:ext>
+            </a:extLst>
+          </p:cNvPr>
+          <p:cNvSpPr>
+            <a:spLocks noGrp="1"/>
+          </p:cNvSpPr>
+          <p:nvPr>
+            <p:ph type="title"/>
+          </p:nvPr>
+        </p:nvSpPr>
+        <p:spPr/>
+        <p:txBody>
+          <a:bodyPr/>
+          <a:lstStyle/>
+          <a:p>
+            <a:r>
+              <a:rPr kumimoji="1" lang="ja-JP" altLang="en-US" dirty="0"/>
+              <a:t>予測介入効果の分布</a:t>
+            </a:r>
+          </a:p>
+        </p:txBody>
+      </p:sp>
+      <p:sp>
+        <p:nvSpPr>
+          <p:cNvPr id="4" name="スライド番号プレースホルダー 3">
+            <a:extLst>
+              <a:ext uri="{FF2B5EF4-FFF2-40B4-BE49-F238E27FC236}">
+                <a16:creationId xmlns:a16="http://schemas.microsoft.com/office/drawing/2014/main" id="{634D0D7D-66E8-8EA4-DD7A-7469AAE4B0B1}"/>
+              </a:ext>
+            </a:extLst>
+          </p:cNvPr>
+          <p:cNvSpPr>
+            <a:spLocks noGrp="1"/>
+          </p:cNvSpPr>
+          <p:nvPr>
+            <p:ph type="sldNum" sz="quarter" idx="12"/>
+          </p:nvPr>
+        </p:nvSpPr>
+        <p:spPr/>
+        <p:txBody>
+          <a:bodyPr/>
+          <a:lstStyle/>
+          <a:p>
+            <a:fld id="{C5EF2332-01BF-834F-8236-50238282D533}" type="slidenum">
+              <a:rPr lang="en-US" smtClean="0"/>
+              <a:t>5</a:t>
+            </a:fld>
+            <a:endParaRPr lang="en-US"/>
+          </a:p>
+        </p:txBody>
+      </p:sp>
+      <p:pic>
+        <p:nvPicPr>
+          <p:cNvPr id="5" name="Picture" descr="Figure 3.2: Boxplot of Predicted Treatment Effects by Gender and Age. Notes: Blue fitted line represents GAM smoothing. Covariates are gender, age, number of past coordinations, number of hospitals per 10 square kilometers, number of hospitals with PBSC collection per 10 square kilometers and number of hospitals with BM collection per 10 square kilometers.">
+            <a:extLst>
+              <a:ext uri="{FF2B5EF4-FFF2-40B4-BE49-F238E27FC236}">
+                <a16:creationId xmlns:a16="http://schemas.microsoft.com/office/drawing/2014/main" id="{0D46F3F1-F8CE-B5CA-CA12-1976D46E8926}"/>
+              </a:ext>
+            </a:extLst>
+          </p:cNvPr>
+          <p:cNvPicPr/>
+          <p:nvPr/>
+        </p:nvPicPr>
+        <p:blipFill>
+          <a:blip r:embed="rId2"/>
+          <a:stretch>
+            <a:fillRect/>
+          </a:stretch>
+        </p:blipFill>
+        <p:spPr bwMode="auto">
+          <a:xfrm>
+            <a:off x="1475509" y="1063229"/>
+            <a:ext cx="6192982" cy="3769736"/>
+          </a:xfrm>
+          <a:prstGeom prst="rect">
+            <a:avLst/>
+          </a:prstGeom>
+          <a:noFill/>
+          <a:ln w="9525">
+            <a:noFill/>
+            <a:headEnd/>
+            <a:tailEnd/>
+          </a:ln>
+        </p:spPr>
+      </p:pic>
+    </p:spTree>
+    <p:extLst>
+      <p:ext uri="{BB962C8B-B14F-4D97-AF65-F5344CB8AC3E}">
+        <p14:creationId xmlns:p14="http://schemas.microsoft.com/office/powerpoint/2010/main" val="192308724"/>
+      </p:ext>
+    </p:extLst>
+  </p:cSld>
+  <p:clrMapOvr>
+    <a:masterClrMapping/>
+  </p:clrMapOvr>
+</p:sld>
+</file>
+
+<file path=ppt/slides/slide6.xml><?xml version="1.0" encoding="utf-8"?>
+<p:sld xmlns:a="http://schemas.openxmlformats.org/drawingml/2006/main" xmlns:r="http://schemas.openxmlformats.org/officeDocument/2006/relationships" xmlns:p="http://schemas.openxmlformats.org/presentationml/2006/main">
+  <p:cSld>
+    <p:spTree>
+      <p:nvGrpSpPr>
+        <p:cNvPr id="1" name=""/>
+        <p:cNvGrpSpPr/>
+        <p:nvPr/>
+      </p:nvGrpSpPr>
+      <p:grpSpPr>
+        <a:xfrm>
+          <a:off x="0" y="0"/>
+          <a:ext cx="0" cy="0"/>
+          <a:chOff x="0" y="0"/>
+          <a:chExt cx="0" cy="0"/>
+        </a:xfrm>
+      </p:grpSpPr>
+      <p:sp>
+        <p:nvSpPr>
+          <p:cNvPr id="2" name="Title 1"/>
+          <p:cNvSpPr>
+            <a:spLocks noGrp="1"/>
+          </p:cNvSpPr>
+          <p:nvPr>
+            <p:ph type="title"/>
+          </p:nvPr>
+        </p:nvSpPr>
+        <p:spPr/>
+        <p:txBody>
+          <a:bodyPr/>
+          <a:lstStyle/>
+          <a:p>
             <a:pPr marL="0" lvl="0" indent="0">
               <a:buNone/>
             </a:pPr>
             <a:r>
               <a:rPr dirty="0"/>
-              <a:t>最適ターゲティング別の個人属性の比較</a:t>
+              <a:t>一律介入と最適ターゲティングの効果</a:t>
+            </a:r>
+          </a:p>
+        </p:txBody>
+      </p:sp>
+      <p:sp>
+        <p:nvSpPr>
+          <p:cNvPr id="3" name="Content Placeholder 2"/>
+          <p:cNvSpPr>
+            <a:spLocks noGrp="1"/>
+          </p:cNvSpPr>
+          <p:nvPr>
+            <p:ph idx="1"/>
+          </p:nvPr>
+        </p:nvSpPr>
+        <p:spPr/>
+        <p:txBody>
+          <a:bodyPr/>
+          <a:lstStyle/>
+          <a:p>
+            <a:pPr marL="0" lvl="0" indent="0" algn="ctr">
+              <a:buNone/>
+            </a:pPr>
+            <a:r>
+              <a:rPr dirty="0"/>
+              <a:t>アウトカム：返信時に提供意向を示したかどうか</a:t>
             </a:r>
           </a:p>
         </p:txBody>
       </p:sp>
       <p:graphicFrame>
         <p:nvGraphicFramePr>
-          <p:cNvPr id="502000238" name="表 502000237"/>
+          <p:cNvPr id="561575257" name="表 561575256"/>
           <p:cNvGraphicFramePr>
             <a:graphicFrameLocks noGrp="1"/>
           </p:cNvGraphicFramePr>
           <p:nvPr>
             <p:extLst>
               <p:ext uri="{D42A27DB-BD31-4B8C-83A1-F6EECF244321}">
-                <p14:modId xmlns:p14="http://schemas.microsoft.com/office/powerpoint/2010/main" val="1743021703"/>
+                <p14:modId xmlns:p14="http://schemas.microsoft.com/office/powerpoint/2010/main" val="1361197822"/>
               </p:ext>
             </p:extLst>
           </p:nvPr>
         </p:nvGraphicFramePr>
         <p:xfrm>
-          <a:off x="1530927" y="1634836"/>
-          <a:ext cx="6400800" cy="2357120"/>
+          <a:off x="959771" y="1872951"/>
+          <a:ext cx="7224458" cy="2752154"/>
         </p:xfrm>
         <a:graphic>
           <a:graphicData uri="http://schemas.openxmlformats.org/drawingml/2006/table">
             <a:tbl>
               <a:tblPr/>
               <a:tblGrid>
-                <a:gridCol w="3657600">
+                <a:gridCol w="3612230">
                   <a:extLst>
                     <a:ext uri="{9D8B030D-6E8A-4147-A177-3AD203B41FA5}">
                       <a16:colId xmlns:a16="http://schemas.microsoft.com/office/drawing/2014/main" val="20000"/>
                     </a:ext>
                   </a:extLst>
                 </a:gridCol>
-                <a:gridCol w="914400">
+                <a:gridCol w="1806114">
                   <a:extLst>
                     <a:ext uri="{9D8B030D-6E8A-4147-A177-3AD203B41FA5}">
                       <a16:colId xmlns:a16="http://schemas.microsoft.com/office/drawing/2014/main" val="20001"/>
                     </a:ext>
                   </a:extLst>
                 </a:gridCol>
-                <a:gridCol w="914400">
+                <a:gridCol w="1806114">
                   <a:extLst>
                     <a:ext uri="{9D8B030D-6E8A-4147-A177-3AD203B41FA5}">
                       <a16:colId xmlns:a16="http://schemas.microsoft.com/office/drawing/2014/main" val="20002"/>
                     </a:ext>
                   </a:extLst>
                 </a:gridCol>
-                <a:gridCol w="914400">
-                  <a:extLst>
-                    <a:ext uri="{9D8B030D-6E8A-4147-A177-3AD203B41FA5}">
-                      <a16:colId xmlns:a16="http://schemas.microsoft.com/office/drawing/2014/main" val="20003"/>
-                    </a:ext>
-                  </a:extLst>
-                </a:gridCol>
               </a:tblGrid>
-              <a:tr h="228600">
+              <a:tr h="510238">
                 <a:tc>
                   <a:txBody>
                     <a:bodyPr/>
@@ -4520,8 +4518,183 @@
                         </a:spcAft>
                         <a:buNone/>
                       </a:pPr>
+                      <a:endParaRPr sz="1800"/>
+                    </a:p>
+                  </a:txBody>
+                  <a:tcPr marL="0" marR="0" marT="63500" marB="63500" anchor="ctr">
+                    <a:lnL w="0" cap="flat" cmpd="sng" algn="ctr">
+                      <a:noFill/>
+                      <a:prstDash val="solid"/>
+                    </a:lnL>
+                    <a:lnR w="0" cap="flat" cmpd="sng" algn="ctr">
+                      <a:noFill/>
+                      <a:prstDash val="solid"/>
+                    </a:lnR>
+                    <a:lnT w="12700" cap="flat" cmpd="sng" algn="ctr">
+                      <a:solidFill>
+                        <a:srgbClr val="000000">
+                          <a:alpha val="100000"/>
+                        </a:srgbClr>
+                      </a:solidFill>
+                      <a:prstDash val="solid"/>
+                    </a:lnT>
+                    <a:lnB w="0" cap="flat" cmpd="sng" algn="ctr">
+                      <a:noFill/>
+                      <a:prstDash val="solid"/>
+                    </a:lnB>
+                    <a:solidFill>
+                      <a:srgbClr val="FFFFFF">
+                        <a:alpha val="0"/>
+                      </a:srgbClr>
+                    </a:solidFill>
+                  </a:tcPr>
+                </a:tc>
+                <a:tc gridSpan="2">
+                  <a:txBody>
+                    <a:bodyPr/>
+                    <a:lstStyle/>
+                    <a:p>
+                      <a:pPr marL="63500" marR="63500" algn="ctr">
+                        <a:lnSpc>
+                          <a:spcPct val="100000"/>
+                        </a:lnSpc>
+                        <a:spcBef>
+                          <a:spcPts val="500"/>
+                        </a:spcBef>
+                        <a:spcAft>
+                          <a:spcPts val="500"/>
+                        </a:spcAft>
+                        <a:buNone/>
+                      </a:pPr>
+                      <a:r>
+                        <a:rPr sz="1600" b="0" i="0" u="none" cap="none">
+                          <a:solidFill>
+                            <a:srgbClr val="000000">
+                              <a:alpha val="100000"/>
+                            </a:srgbClr>
+                          </a:solidFill>
+                          <a:latin typeface="Arial"/>
+                          <a:cs typeface="Arial"/>
+                          <a:sym typeface="Arial"/>
+                        </a:rPr>
+                        <a:t>Predicted treatment effect</a:t>
+                      </a:r>
+                    </a:p>
+                  </a:txBody>
+                  <a:tcPr marL="0" marR="0" marT="63500" marB="63500" anchor="ctr">
+                    <a:lnL w="0" cap="flat" cmpd="sng" algn="ctr">
+                      <a:noFill/>
+                      <a:prstDash val="solid"/>
+                    </a:lnL>
+                    <a:lnR w="0" cap="flat" cmpd="sng" algn="ctr">
+                      <a:noFill/>
+                      <a:prstDash val="solid"/>
+                    </a:lnR>
+                    <a:lnT w="12700" cap="flat" cmpd="sng" algn="ctr">
+                      <a:solidFill>
+                        <a:srgbClr val="000000">
+                          <a:alpha val="100000"/>
+                        </a:srgbClr>
+                      </a:solidFill>
+                      <a:prstDash val="solid"/>
+                    </a:lnT>
+                    <a:lnB w="0" cap="flat" cmpd="sng" algn="ctr">
+                      <a:noFill/>
+                      <a:prstDash val="solid"/>
+                    </a:lnB>
+                    <a:solidFill>
+                      <a:srgbClr val="FFFFFF">
+                        <a:alpha val="0"/>
+                      </a:srgbClr>
+                    </a:solidFill>
+                  </a:tcPr>
+                </a:tc>
+                <a:tc hMerge="1">
+                  <a:txBody>
+                    <a:bodyPr/>
+                    <a:lstStyle/>
+                    <a:p>
+                      <a:pPr marL="63500" marR="63500" algn="ctr">
+                        <a:lnSpc>
+                          <a:spcPct val="100000"/>
+                        </a:lnSpc>
+                        <a:spcBef>
+                          <a:spcPts val="500"/>
+                        </a:spcBef>
+                        <a:spcAft>
+                          <a:spcPts val="500"/>
+                        </a:spcAft>
+                        <a:buNone/>
+                      </a:pPr>
                       <a:r>
                         <a:rPr sz="1100" b="0" i="0" u="none" cap="none">
+                          <a:solidFill>
+                            <a:srgbClr val="000000">
+                              <a:alpha val="100000"/>
+                            </a:srgbClr>
+                          </a:solidFill>
+                          <a:latin typeface="Arial"/>
+                          <a:cs typeface="Arial"/>
+                          <a:sym typeface="Arial"/>
+                        </a:rPr>
+                        <a:t>Predicted treatment effect</a:t>
+                      </a:r>
+                    </a:p>
+                  </a:txBody>
+                  <a:tcPr marL="0" marR="0" marT="63500" marB="63500" anchor="ctr">
+                    <a:lnL w="0" cap="flat" cmpd="sng" algn="ctr">
+                      <a:noFill/>
+                      <a:prstDash val="solid"/>
+                    </a:lnL>
+                    <a:lnR w="0" cap="flat" cmpd="sng" algn="ctr">
+                      <a:noFill/>
+                      <a:prstDash val="solid"/>
+                    </a:lnR>
+                    <a:lnT w="12700" cap="flat" cmpd="sng" algn="ctr">
+                      <a:solidFill>
+                        <a:srgbClr val="000000">
+                          <a:alpha val="100000"/>
+                        </a:srgbClr>
+                      </a:solidFill>
+                      <a:prstDash val="solid"/>
+                    </a:lnT>
+                    <a:lnB w="0" cap="flat" cmpd="sng" algn="ctr">
+                      <a:noFill/>
+                      <a:prstDash val="solid"/>
+                    </a:lnB>
+                    <a:solidFill>
+                      <a:srgbClr val="FFFFFF">
+                        <a:alpha val="0"/>
+                      </a:srgbClr>
+                    </a:solidFill>
+                  </a:tcPr>
+                </a:tc>
+                <a:extLst>
+                  <a:ext uri="{0D108BD9-81ED-4DB2-BD59-A6C34878D82A}">
+                    <a16:rowId xmlns:a16="http://schemas.microsoft.com/office/drawing/2014/main" val="10000"/>
+                  </a:ext>
+                </a:extLst>
+              </a:tr>
+              <a:tr h="313632">
+                <a:tc>
+                  <a:txBody>
+                    <a:bodyPr/>
+                    <a:lstStyle/>
+                    <a:p>
+                      <a:pPr marL="63500" marR="63500" algn="l">
+                        <a:lnSpc>
+                          <a:spcPct val="100000"/>
+                        </a:lnSpc>
+                        <a:spcBef>
+                          <a:spcPts val="500"/>
+                        </a:spcBef>
+                        <a:spcAft>
+                          <a:spcPts val="500"/>
+                        </a:spcAft>
+                        <a:buNone/>
+                      </a:pPr>
+                      <a:r>
+                        <a:rPr sz="1600" b="0" i="0" u="none" cap="none">
                           <a:solidFill>
                             <a:srgbClr val="000000">
                               <a:alpha val="100000"/>
@@ -4544,12 +4717,8 @@
                       <a:noFill/>
                       <a:prstDash val="solid"/>
                     </a:lnR>
-                    <a:lnT w="12700" cap="flat" cmpd="sng" algn="ctr">
-                      <a:solidFill>
-                        <a:srgbClr val="000000">
-                          <a:alpha val="100000"/>
-                        </a:srgbClr>
-                      </a:solidFill>
+                    <a:lnT w="0" cap="flat" cmpd="sng" algn="ctr">
+                      <a:noFill/>
                       <a:prstDash val="solid"/>
                     </a:lnT>
                     <a:lnB w="12700" cap="flat" cmpd="sng" algn="ctr">
@@ -4585,7 +4754,7 @@
                         <a:buNone/>
                       </a:pPr>
                       <a:r>
-                        <a:rPr sz="1100" b="0" i="0" u="none" cap="none">
+                        <a:rPr sz="1600" b="0" i="0" u="none" cap="none">
                           <a:solidFill>
                             <a:srgbClr val="000000">
                               <a:alpha val="100000"/>
@@ -4595,7 +4764,7 @@
                           <a:cs typeface="Arial"/>
                           <a:sym typeface="Arial"/>
                         </a:rPr>
-                        <a:t>Treatment B</a:t>
+                        <a:t>Mean</a:t>
                       </a:r>
                     </a:p>
                   </a:txBody>
@@ -4608,12 +4777,8 @@
                       <a:noFill/>
                       <a:prstDash val="solid"/>
                     </a:lnR>
-                    <a:lnT w="12700" cap="flat" cmpd="sng" algn="ctr">
-                      <a:solidFill>
-                        <a:srgbClr val="000000">
-                          <a:alpha val="100000"/>
-                        </a:srgbClr>
-                      </a:solidFill>
+                    <a:lnT w="0" cap="flat" cmpd="sng" algn="ctr">
+                      <a:noFill/>
                       <a:prstDash val="solid"/>
                     </a:lnT>
                     <a:lnB w="12700" cap="flat" cmpd="sng" algn="ctr">
@@ -4649,7 +4814,7 @@
                         <a:buNone/>
                       </a:pPr>
                       <a:r>
-                        <a:rPr sz="1100" b="0" i="0" u="none" cap="none">
+                        <a:rPr sz="1600" b="0" i="0" u="none" cap="none">
                           <a:solidFill>
                             <a:srgbClr val="000000">
                               <a:alpha val="100000"/>
@@ -4659,7 +4824,7 @@
                           <a:cs typeface="Arial"/>
                           <a:sym typeface="Arial"/>
                         </a:rPr>
-                        <a:t>Treatment C</a:t>
+                        <a:t>SD</a:t>
                       </a:r>
                     </a:p>
                   </a:txBody>
@@ -4672,12 +4837,8 @@
                       <a:noFill/>
                       <a:prstDash val="solid"/>
                     </a:lnR>
-                    <a:lnT w="12700" cap="flat" cmpd="sng" algn="ctr">
-                      <a:solidFill>
-                        <a:srgbClr val="000000">
-                          <a:alpha val="100000"/>
-                        </a:srgbClr>
-                      </a:solidFill>
+                    <a:lnT w="0" cap="flat" cmpd="sng" algn="ctr">
+                      <a:noFill/>
                       <a:prstDash val="solid"/>
                     </a:lnT>
                     <a:lnB w="12700" cap="flat" cmpd="sng" algn="ctr">
@@ -4686,6 +4847,74 @@
                           <a:alpha val="100000"/>
                         </a:srgbClr>
                       </a:solidFill>
+                      <a:prstDash val="solid"/>
+                    </a:lnB>
+                    <a:solidFill>
+                      <a:srgbClr val="FFFFFF">
+                        <a:alpha val="0"/>
+                      </a:srgbClr>
+                    </a:solidFill>
+                  </a:tcPr>
+                </a:tc>
+                <a:extLst>
+                  <a:ext uri="{0D108BD9-81ED-4DB2-BD59-A6C34878D82A}">
+                    <a16:rowId xmlns:a16="http://schemas.microsoft.com/office/drawing/2014/main" val="10001"/>
+                  </a:ext>
+                </a:extLst>
+              </a:tr>
+              <a:tr h="467769">
+                <a:tc>
+                  <a:txBody>
+                    <a:bodyPr/>
+                    <a:lstStyle/>
+                    <a:p>
+                      <a:pPr marL="63500" marR="63500" algn="l">
+                        <a:lnSpc>
+                          <a:spcPct val="100000"/>
+                        </a:lnSpc>
+                        <a:spcBef>
+                          <a:spcPts val="500"/>
+                        </a:spcBef>
+                        <a:spcAft>
+                          <a:spcPts val="500"/>
+                        </a:spcAft>
+                        <a:buNone/>
+                      </a:pPr>
+                      <a:r>
+                        <a:rPr sz="1600" b="0" i="0" u="none" cap="none">
+                          <a:solidFill>
+                            <a:srgbClr val="000000">
+                              <a:alpha val="100000"/>
+                            </a:srgbClr>
+                          </a:solidFill>
+                          <a:latin typeface="Arial"/>
+                          <a:cs typeface="Arial"/>
+                          <a:sym typeface="Arial"/>
+                        </a:rPr>
+                        <a:t>Treatment B (uniform)</a:t>
+                      </a:r>
+                    </a:p>
+                  </a:txBody>
+                  <a:tcPr marL="0" marR="0" marT="63500" marB="63500" anchor="ctr">
+                    <a:lnL w="0" cap="flat" cmpd="sng" algn="ctr">
+                      <a:noFill/>
+                      <a:prstDash val="solid"/>
+                    </a:lnL>
+                    <a:lnR w="0" cap="flat" cmpd="sng" algn="ctr">
+                      <a:noFill/>
+                      <a:prstDash val="solid"/>
+                    </a:lnR>
+                    <a:lnT w="12700" cap="flat" cmpd="sng" algn="ctr">
+                      <a:solidFill>
+                        <a:srgbClr val="000000"/>
+                      </a:solidFill>
+                      <a:prstDash val="solid"/>
+                      <a:round/>
+                      <a:headEnd type="none" w="med" len="med"/>
+                      <a:tailEnd type="none" w="med" len="med"/>
+                    </a:lnT>
+                    <a:lnB w="0" cap="flat" cmpd="sng" algn="ctr">
+                      <a:noFill/>
                       <a:prstDash val="solid"/>
                     </a:lnB>
                     <a:solidFill>
@@ -4713,7 +4942,7 @@
                         <a:buNone/>
                       </a:pPr>
                       <a:r>
-                        <a:rPr sz="1100" b="0" i="0" u="none" cap="none">
+                        <a:rPr sz="1600" b="0" i="0" u="none" cap="none">
                           <a:solidFill>
                             <a:srgbClr val="000000">
                               <a:alpha val="100000"/>
@@ -4723,78 +4952,7 @@
                           <a:cs typeface="Arial"/>
                           <a:sym typeface="Arial"/>
                         </a:rPr>
-                        <a:t>Treatment D</a:t>
-                      </a:r>
-                    </a:p>
-                  </a:txBody>
-                  <a:tcPr marL="0" marR="0" marT="63500" marB="63500" anchor="ctr">
-                    <a:lnL w="0" cap="flat" cmpd="sng" algn="ctr">
-                      <a:noFill/>
-                      <a:prstDash val="solid"/>
-                    </a:lnL>
-                    <a:lnR w="0" cap="flat" cmpd="sng" algn="ctr">
-                      <a:noFill/>
-                      <a:prstDash val="solid"/>
-                    </a:lnR>
-                    <a:lnT w="12700" cap="flat" cmpd="sng" algn="ctr">
-                      <a:solidFill>
-                        <a:srgbClr val="000000">
-                          <a:alpha val="100000"/>
-                        </a:srgbClr>
-                      </a:solidFill>
-                      <a:prstDash val="solid"/>
-                    </a:lnT>
-                    <a:lnB w="12700" cap="flat" cmpd="sng" algn="ctr">
-                      <a:solidFill>
-                        <a:srgbClr val="000000">
-                          <a:alpha val="100000"/>
-                        </a:srgbClr>
-                      </a:solidFill>
-                      <a:prstDash val="solid"/>
-                    </a:lnB>
-                    <a:solidFill>
-                      <a:srgbClr val="FFFFFF">
-                        <a:alpha val="0"/>
-                      </a:srgbClr>
-                    </a:solidFill>
-                  </a:tcPr>
-                </a:tc>
-                <a:extLst>
-                  <a:ext uri="{0D108BD9-81ED-4DB2-BD59-A6C34878D82A}">
-                    <a16:rowId xmlns:a16="http://schemas.microsoft.com/office/drawing/2014/main" val="10000"/>
-                  </a:ext>
-                </a:extLst>
-              </a:tr>
-              <a:tr h="228600">
-                <a:tc>
-                  <a:txBody>
-                    <a:bodyPr/>
-                    <a:lstStyle/>
-                    <a:p>
-                      <a:pPr marL="63500" marR="63500" algn="l">
-                        <a:lnSpc>
-                          <a:spcPct val="100000"/>
-                        </a:lnSpc>
-                        <a:spcBef>
-                          <a:spcPts val="500"/>
-                        </a:spcBef>
-                        <a:spcAft>
-                          <a:spcPts val="500"/>
-                        </a:spcAft>
-                        <a:buNone/>
-                      </a:pPr>
-                      <a:r>
-                        <a:rPr sz="1100" b="0" i="0" u="none" cap="none">
-                          <a:solidFill>
-                            <a:srgbClr val="000000">
-                              <a:alpha val="100000"/>
-                            </a:srgbClr>
-                          </a:solidFill>
-                          <a:latin typeface="Arial"/>
-                          <a:cs typeface="Arial"/>
-                          <a:sym typeface="Arial"/>
-                        </a:rPr>
-                        <a:t>Male (= 1)</a:t>
+                        <a:t>0.0206</a:t>
                       </a:r>
                     </a:p>
                   </a:txBody>
@@ -4845,7 +5003,7 @@
                         <a:buNone/>
                       </a:pPr>
                       <a:r>
-                        <a:rPr sz="1100" b="0" i="0" u="none" cap="none">
+                        <a:rPr sz="1600" b="0" i="0" u="none" cap="none">
                           <a:solidFill>
                             <a:srgbClr val="000000">
                               <a:alpha val="100000"/>
@@ -4855,7 +5013,7 @@
                           <a:cs typeface="Arial"/>
                           <a:sym typeface="Arial"/>
                         </a:rPr>
-                        <a:t>0.64</a:t>
+                        <a:t>0.0570</a:t>
                       </a:r>
                     </a:p>
                   </a:txBody>
@@ -4876,6 +5034,69 @@
                       <a:round/>
                       <a:headEnd type="none" w="med" len="med"/>
                       <a:tailEnd type="none" w="med" len="med"/>
+                    </a:lnT>
+                    <a:lnB w="0" cap="flat" cmpd="sng" algn="ctr">
+                      <a:noFill/>
+                      <a:prstDash val="solid"/>
+                    </a:lnB>
+                    <a:solidFill>
+                      <a:srgbClr val="FFFFFF">
+                        <a:alpha val="0"/>
+                      </a:srgbClr>
+                    </a:solidFill>
+                  </a:tcPr>
+                </a:tc>
+                <a:extLst>
+                  <a:ext uri="{0D108BD9-81ED-4DB2-BD59-A6C34878D82A}">
+                    <a16:rowId xmlns:a16="http://schemas.microsoft.com/office/drawing/2014/main" val="10002"/>
+                  </a:ext>
+                </a:extLst>
+              </a:tr>
+              <a:tr h="467769">
+                <a:tc>
+                  <a:txBody>
+                    <a:bodyPr/>
+                    <a:lstStyle/>
+                    <a:p>
+                      <a:pPr marL="63500" marR="63500" algn="l">
+                        <a:lnSpc>
+                          <a:spcPct val="100000"/>
+                        </a:lnSpc>
+                        <a:spcBef>
+                          <a:spcPts val="500"/>
+                        </a:spcBef>
+                        <a:spcAft>
+                          <a:spcPts val="500"/>
+                        </a:spcAft>
+                        <a:buNone/>
+                      </a:pPr>
+                      <a:r>
+                        <a:rPr sz="1600" b="0" i="0" u="none" cap="none">
+                          <a:solidFill>
+                            <a:srgbClr val="000000">
+                              <a:alpha val="100000"/>
+                            </a:srgbClr>
+                          </a:solidFill>
+                          <a:latin typeface="Arial"/>
+                          <a:cs typeface="Arial"/>
+                          <a:sym typeface="Arial"/>
+                        </a:rPr>
+                        <a:t>Treatment C (uniform)</a:t>
+                      </a:r>
+                    </a:p>
+                  </a:txBody>
+                  <a:tcPr marL="0" marR="0" marT="63500" marB="63500" anchor="ctr">
+                    <a:lnL w="0" cap="flat" cmpd="sng" algn="ctr">
+                      <a:noFill/>
+                      <a:prstDash val="solid"/>
+                    </a:lnL>
+                    <a:lnR w="0" cap="flat" cmpd="sng" algn="ctr">
+                      <a:noFill/>
+                      <a:prstDash val="solid"/>
+                    </a:lnR>
+                    <a:lnT w="0" cap="flat" cmpd="sng" algn="ctr">
+                      <a:noFill/>
+                      <a:prstDash val="solid"/>
                     </a:lnT>
                     <a:lnB w="0" cap="flat" cmpd="sng" algn="ctr">
                       <a:noFill/>
@@ -4906,7 +5127,7 @@
                         <a:buNone/>
                       </a:pPr>
                       <a:r>
-                        <a:rPr sz="1100" b="0" i="0" u="none" cap="none">
+                        <a:rPr sz="1600" b="0" i="0" u="none" cap="none">
                           <a:solidFill>
                             <a:srgbClr val="000000">
                               <a:alpha val="100000"/>
@@ -4916,7 +5137,7 @@
                           <a:cs typeface="Arial"/>
                           <a:sym typeface="Arial"/>
                         </a:rPr>
-                        <a:t>0.54</a:t>
+                        <a:t>-0.0019</a:t>
                       </a:r>
                     </a:p>
                   </a:txBody>
@@ -4929,14 +5150,9 @@
                       <a:noFill/>
                       <a:prstDash val="solid"/>
                     </a:lnR>
-                    <a:lnT w="12700" cap="flat" cmpd="sng" algn="ctr">
-                      <a:solidFill>
-                        <a:srgbClr val="000000"/>
-                      </a:solidFill>
-                      <a:prstDash val="solid"/>
-                      <a:round/>
-                      <a:headEnd type="none" w="med" len="med"/>
-                      <a:tailEnd type="none" w="med" len="med"/>
+                    <a:lnT w="0" cap="flat" cmpd="sng" algn="ctr">
+                      <a:noFill/>
+                      <a:prstDash val="solid"/>
                     </a:lnT>
                     <a:lnB w="0" cap="flat" cmpd="sng" algn="ctr">
                       <a:noFill/>
@@ -4967,7 +5183,7 @@
                         <a:buNone/>
                       </a:pPr>
                       <a:r>
-                        <a:rPr sz="1100" b="0" i="0" u="none" cap="none">
+                        <a:rPr sz="1600" b="0" i="0" u="none" cap="none">
                           <a:solidFill>
                             <a:srgbClr val="000000">
                               <a:alpha val="100000"/>
@@ -4977,7 +5193,7 @@
                           <a:cs typeface="Arial"/>
                           <a:sym typeface="Arial"/>
                         </a:rPr>
-                        <a:t>0.67</a:t>
+                        <a:t>0.0598</a:t>
                       </a:r>
                     </a:p>
                   </a:txBody>
@@ -4990,14 +5206,9 @@
                       <a:noFill/>
                       <a:prstDash val="solid"/>
                     </a:lnR>
-                    <a:lnT w="12700" cap="flat" cmpd="sng" algn="ctr">
-                      <a:solidFill>
-                        <a:srgbClr val="000000"/>
-                      </a:solidFill>
-                      <a:prstDash val="solid"/>
-                      <a:round/>
-                      <a:headEnd type="none" w="med" len="med"/>
-                      <a:tailEnd type="none" w="med" len="med"/>
+                    <a:lnT w="0" cap="flat" cmpd="sng" algn="ctr">
+                      <a:noFill/>
+                      <a:prstDash val="solid"/>
                     </a:lnT>
                     <a:lnB w="0" cap="flat" cmpd="sng" algn="ctr">
                       <a:noFill/>
@@ -5012,11 +5223,11 @@
                 </a:tc>
                 <a:extLst>
                   <a:ext uri="{0D108BD9-81ED-4DB2-BD59-A6C34878D82A}">
-                    <a16:rowId xmlns:a16="http://schemas.microsoft.com/office/drawing/2014/main" val="10001"/>
+                    <a16:rowId xmlns:a16="http://schemas.microsoft.com/office/drawing/2014/main" val="10003"/>
                   </a:ext>
                 </a:extLst>
               </a:tr>
-              <a:tr h="228600">
+              <a:tr h="467769">
                 <a:tc>
                   <a:txBody>
                     <a:bodyPr/>
@@ -5035,7 +5246,7 @@
                         <a:buNone/>
                       </a:pPr>
                       <a:r>
-                        <a:rPr sz="1100" b="0" i="0" u="none" cap="none">
+                        <a:rPr sz="1600" b="0" i="0" u="none" cap="none" dirty="0">
                           <a:solidFill>
                             <a:srgbClr val="000000">
                               <a:alpha val="100000"/>
@@ -5045,7 +5256,7 @@
                           <a:cs typeface="Arial"/>
                           <a:sym typeface="Arial"/>
                         </a:rPr>
-                        <a:t>Age</a:t>
+                        <a:t>Treatment D (uniform)</a:t>
                       </a:r>
                     </a:p>
                   </a:txBody>
@@ -5091,7 +5302,7 @@
                         <a:buNone/>
                       </a:pPr>
                       <a:r>
-                        <a:rPr sz="1100" b="0" i="0" u="none" cap="none">
+                        <a:rPr sz="1600" b="0" i="0" u="none" cap="none">
                           <a:solidFill>
                             <a:srgbClr val="000000">
                               <a:alpha val="100000"/>
@@ -5101,7 +5312,7 @@
                           <a:cs typeface="Arial"/>
                           <a:sym typeface="Arial"/>
                         </a:rPr>
-                        <a:t>34.97</a:t>
+                        <a:t>0.0079</a:t>
                       </a:r>
                     </a:p>
                   </a:txBody>
@@ -5147,7 +5358,7 @@
                         <a:buNone/>
                       </a:pPr>
                       <a:r>
-                        <a:rPr sz="1100" b="0" i="0" u="none" cap="none">
+                        <a:rPr sz="1600" b="0" i="0" u="none" cap="none">
                           <a:solidFill>
                             <a:srgbClr val="000000">
                               <a:alpha val="100000"/>
@@ -5157,7 +5368,7 @@
                           <a:cs typeface="Arial"/>
                           <a:sym typeface="Arial"/>
                         </a:rPr>
-                        <a:t>41.44</a:t>
+                        <a:t>0.0628</a:t>
                       </a:r>
                     </a:p>
                   </a:txBody>
@@ -5176,6 +5387,73 @@
                     </a:lnT>
                     <a:lnB w="0" cap="flat" cmpd="sng" algn="ctr">
                       <a:noFill/>
+                      <a:prstDash val="solid"/>
+                    </a:lnB>
+                    <a:solidFill>
+                      <a:srgbClr val="FFFFFF">
+                        <a:alpha val="0"/>
+                      </a:srgbClr>
+                    </a:solidFill>
+                  </a:tcPr>
+                </a:tc>
+                <a:extLst>
+                  <a:ext uri="{0D108BD9-81ED-4DB2-BD59-A6C34878D82A}">
+                    <a16:rowId xmlns:a16="http://schemas.microsoft.com/office/drawing/2014/main" val="10004"/>
+                  </a:ext>
+                </a:extLst>
+              </a:tr>
+              <a:tr h="467769">
+                <a:tc>
+                  <a:txBody>
+                    <a:bodyPr/>
+                    <a:lstStyle/>
+                    <a:p>
+                      <a:pPr marL="63500" marR="63500" algn="l">
+                        <a:lnSpc>
+                          <a:spcPct val="100000"/>
+                        </a:lnSpc>
+                        <a:spcBef>
+                          <a:spcPts val="500"/>
+                        </a:spcBef>
+                        <a:spcAft>
+                          <a:spcPts val="500"/>
+                        </a:spcAft>
+                        <a:buNone/>
+                      </a:pPr>
+                      <a:r>
+                        <a:rPr sz="1600" b="0" i="0" u="none" cap="none">
+                          <a:solidFill>
+                            <a:srgbClr val="000000">
+                              <a:alpha val="100000"/>
+                            </a:srgbClr>
+                          </a:solidFill>
+                          <a:latin typeface="Arial"/>
+                          <a:cs typeface="Arial"/>
+                          <a:sym typeface="Arial"/>
+                        </a:rPr>
+                        <a:t>Optimum targeting</a:t>
+                      </a:r>
+                    </a:p>
+                  </a:txBody>
+                  <a:tcPr marL="0" marR="0" marT="63500" marB="63500" anchor="ctr">
+                    <a:lnL w="0" cap="flat" cmpd="sng" algn="ctr">
+                      <a:noFill/>
+                      <a:prstDash val="solid"/>
+                    </a:lnL>
+                    <a:lnR w="0" cap="flat" cmpd="sng" algn="ctr">
+                      <a:noFill/>
+                      <a:prstDash val="solid"/>
+                    </a:lnR>
+                    <a:lnT w="0" cap="flat" cmpd="sng" algn="ctr">
+                      <a:noFill/>
+                      <a:prstDash val="solid"/>
+                    </a:lnT>
+                    <a:lnB w="12700" cap="flat" cmpd="sng" algn="ctr">
+                      <a:solidFill>
+                        <a:srgbClr val="000000">
+                          <a:alpha val="100000"/>
+                        </a:srgbClr>
+                      </a:solidFill>
                       <a:prstDash val="solid"/>
                     </a:lnB>
                     <a:solidFill>
@@ -5203,7 +5481,7 @@
                         <a:buNone/>
                       </a:pPr>
                       <a:r>
-                        <a:rPr sz="1100" b="0" i="0" u="none" cap="none">
+                        <a:rPr sz="1600" b="0" i="0" u="none" cap="none" dirty="0">
                           <a:solidFill>
                             <a:srgbClr val="000000">
                               <a:alpha val="100000"/>
@@ -5213,7 +5491,7 @@
                           <a:cs typeface="Arial"/>
                           <a:sym typeface="Arial"/>
                         </a:rPr>
-                        <a:t>39.64</a:t>
+                        <a:t>0.0473</a:t>
                       </a:r>
                     </a:p>
                   </a:txBody>
@@ -5230,71 +5508,12 @@
                       <a:noFill/>
                       <a:prstDash val="solid"/>
                     </a:lnT>
-                    <a:lnB w="0" cap="flat" cmpd="sng" algn="ctr">
-                      <a:noFill/>
-                      <a:prstDash val="solid"/>
-                    </a:lnB>
-                    <a:solidFill>
-                      <a:srgbClr val="FFFFFF">
-                        <a:alpha val="0"/>
-                      </a:srgbClr>
-                    </a:solidFill>
-                  </a:tcPr>
-                </a:tc>
-                <a:extLst>
-                  <a:ext uri="{0D108BD9-81ED-4DB2-BD59-A6C34878D82A}">
-                    <a16:rowId xmlns:a16="http://schemas.microsoft.com/office/drawing/2014/main" val="10002"/>
-                  </a:ext>
-                </a:extLst>
-              </a:tr>
-              <a:tr h="228600">
-                <a:tc>
-                  <a:txBody>
-                    <a:bodyPr/>
-                    <a:lstStyle/>
-                    <a:p>
-                      <a:pPr marL="63500" marR="63500" algn="l">
-                        <a:lnSpc>
-                          <a:spcPct val="100000"/>
-                        </a:lnSpc>
-                        <a:spcBef>
-                          <a:spcPts val="500"/>
-                        </a:spcBef>
-                        <a:spcAft>
-                          <a:spcPts val="500"/>
-                        </a:spcAft>
-                        <a:buNone/>
-                      </a:pPr>
-                      <a:r>
-                        <a:rPr sz="1100" b="0" i="0" u="none" cap="none">
-                          <a:solidFill>
-                            <a:srgbClr val="000000">
-                              <a:alpha val="100000"/>
-                            </a:srgbClr>
-                          </a:solidFill>
-                          <a:latin typeface="Arial"/>
-                          <a:cs typeface="Arial"/>
-                          <a:sym typeface="Arial"/>
-                        </a:rPr>
-                        <a:t>Number of past coordinations</a:t>
-                      </a:r>
-                    </a:p>
-                  </a:txBody>
-                  <a:tcPr marL="0" marR="0" marT="63500" marB="63500" anchor="ctr">
-                    <a:lnL w="0" cap="flat" cmpd="sng" algn="ctr">
-                      <a:noFill/>
-                      <a:prstDash val="solid"/>
-                    </a:lnL>
-                    <a:lnR w="0" cap="flat" cmpd="sng" algn="ctr">
-                      <a:noFill/>
-                      <a:prstDash val="solid"/>
-                    </a:lnR>
-                    <a:lnT w="0" cap="flat" cmpd="sng" algn="ctr">
-                      <a:noFill/>
-                      <a:prstDash val="solid"/>
-                    </a:lnT>
-                    <a:lnB w="0" cap="flat" cmpd="sng" algn="ctr">
-                      <a:noFill/>
+                    <a:lnB w="12700" cap="flat" cmpd="sng" algn="ctr">
+                      <a:solidFill>
+                        <a:srgbClr val="000000">
+                          <a:alpha val="100000"/>
+                        </a:srgbClr>
+                      </a:solidFill>
                       <a:prstDash val="solid"/>
                     </a:lnB>
                     <a:solidFill>
@@ -5322,7 +5541,7 @@
                         <a:buNone/>
                       </a:pPr>
                       <a:r>
-                        <a:rPr sz="1100" b="0" i="0" u="none" cap="none">
+                        <a:rPr sz="1600" b="0" i="0" u="none" cap="none" dirty="0">
                           <a:solidFill>
                             <a:srgbClr val="000000">
                               <a:alpha val="100000"/>
@@ -5332,7 +5551,7 @@
                           <a:cs typeface="Arial"/>
                           <a:sym typeface="Arial"/>
                         </a:rPr>
-                        <a:t>1.49</a:t>
+                        <a:t>0.0530</a:t>
                       </a:r>
                     </a:p>
                   </a:txBody>
@@ -5349,8 +5568,218 @@
                       <a:noFill/>
                       <a:prstDash val="solid"/>
                     </a:lnT>
-                    <a:lnB w="0" cap="flat" cmpd="sng" algn="ctr">
-                      <a:noFill/>
+                    <a:lnB w="12700" cap="flat" cmpd="sng" algn="ctr">
+                      <a:solidFill>
+                        <a:srgbClr val="000000">
+                          <a:alpha val="100000"/>
+                        </a:srgbClr>
+                      </a:solidFill>
+                      <a:prstDash val="solid"/>
+                    </a:lnB>
+                    <a:solidFill>
+                      <a:srgbClr val="FFFFFF">
+                        <a:alpha val="0"/>
+                      </a:srgbClr>
+                    </a:solidFill>
+                  </a:tcPr>
+                </a:tc>
+                <a:extLst>
+                  <a:ext uri="{0D108BD9-81ED-4DB2-BD59-A6C34878D82A}">
+                    <a16:rowId xmlns:a16="http://schemas.microsoft.com/office/drawing/2014/main" val="10005"/>
+                  </a:ext>
+                </a:extLst>
+              </a:tr>
+            </a:tbl>
+          </a:graphicData>
+        </a:graphic>
+      </p:graphicFrame>
+      <p:sp>
+        <p:nvSpPr>
+          <p:cNvPr id="4" name="スライド番号プレースホルダー 3">
+            <a:extLst>
+              <a:ext uri="{FF2B5EF4-FFF2-40B4-BE49-F238E27FC236}">
+                <a16:creationId xmlns:a16="http://schemas.microsoft.com/office/drawing/2014/main" id="{DBCE206D-3265-9411-E15A-25D0467409DE}"/>
+              </a:ext>
+            </a:extLst>
+          </p:cNvPr>
+          <p:cNvSpPr>
+            <a:spLocks noGrp="1"/>
+          </p:cNvSpPr>
+          <p:nvPr>
+            <p:ph type="sldNum" sz="quarter" idx="12"/>
+          </p:nvPr>
+        </p:nvSpPr>
+        <p:spPr/>
+        <p:txBody>
+          <a:bodyPr/>
+          <a:lstStyle/>
+          <a:p>
+            <a:fld id="{C5EF2332-01BF-834F-8236-50238282D533}" type="slidenum">
+              <a:rPr lang="en-US" smtClean="0"/>
+              <a:t>6</a:t>
+            </a:fld>
+            <a:endParaRPr lang="en-US"/>
+          </a:p>
+        </p:txBody>
+      </p:sp>
+    </p:spTree>
+  </p:cSld>
+  <p:clrMapOvr>
+    <a:masterClrMapping/>
+  </p:clrMapOvr>
+</p:sld>
+</file>
+
+<file path=ppt/slides/slide7.xml><?xml version="1.0" encoding="utf-8"?>
+<p:sld xmlns:a="http://schemas.openxmlformats.org/drawingml/2006/main" xmlns:r="http://schemas.openxmlformats.org/officeDocument/2006/relationships" xmlns:p="http://schemas.openxmlformats.org/presentationml/2006/main">
+  <p:cSld>
+    <p:spTree>
+      <p:nvGrpSpPr>
+        <p:cNvPr id="1" name=""/>
+        <p:cNvGrpSpPr/>
+        <p:nvPr/>
+      </p:nvGrpSpPr>
+      <p:grpSpPr>
+        <a:xfrm>
+          <a:off x="0" y="0"/>
+          <a:ext cx="0" cy="0"/>
+          <a:chOff x="0" y="0"/>
+          <a:chExt cx="0" cy="0"/>
+        </a:xfrm>
+      </p:grpSpPr>
+      <p:sp>
+        <p:nvSpPr>
+          <p:cNvPr id="2" name="Title 1"/>
+          <p:cNvSpPr>
+            <a:spLocks noGrp="1"/>
+          </p:cNvSpPr>
+          <p:nvPr>
+            <p:ph type="title"/>
+          </p:nvPr>
+        </p:nvSpPr>
+        <p:spPr/>
+        <p:txBody>
+          <a:bodyPr/>
+          <a:lstStyle/>
+          <a:p>
+            <a:pPr marL="0" lvl="0" indent="0">
+              <a:buNone/>
+            </a:pPr>
+            <a:r>
+              <a:rPr dirty="0"/>
+              <a:t>最適ターゲティング別の個人属性の比較</a:t>
+            </a:r>
+          </a:p>
+        </p:txBody>
+      </p:sp>
+      <p:graphicFrame>
+        <p:nvGraphicFramePr>
+          <p:cNvPr id="502000238" name="表 502000237"/>
+          <p:cNvGraphicFramePr>
+            <a:graphicFrameLocks noGrp="1"/>
+          </p:cNvGraphicFramePr>
+          <p:nvPr>
+            <p:extLst>
+              <p:ext uri="{D42A27DB-BD31-4B8C-83A1-F6EECF244321}">
+                <p14:modId xmlns:p14="http://schemas.microsoft.com/office/powerpoint/2010/main" val="93034994"/>
+              </p:ext>
+            </p:extLst>
+          </p:nvPr>
+        </p:nvGraphicFramePr>
+        <p:xfrm>
+          <a:off x="565392" y="1063228"/>
+          <a:ext cx="8121409" cy="3745934"/>
+        </p:xfrm>
+        <a:graphic>
+          <a:graphicData uri="http://schemas.openxmlformats.org/drawingml/2006/table">
+            <a:tbl>
+              <a:tblPr/>
+              <a:tblGrid>
+                <a:gridCol w="4640803">
+                  <a:extLst>
+                    <a:ext uri="{9D8B030D-6E8A-4147-A177-3AD203B41FA5}">
+                      <a16:colId xmlns:a16="http://schemas.microsoft.com/office/drawing/2014/main" val="20000"/>
+                    </a:ext>
+                  </a:extLst>
+                </a:gridCol>
+                <a:gridCol w="1160202">
+                  <a:extLst>
+                    <a:ext uri="{9D8B030D-6E8A-4147-A177-3AD203B41FA5}">
+                      <a16:colId xmlns:a16="http://schemas.microsoft.com/office/drawing/2014/main" val="20001"/>
+                    </a:ext>
+                  </a:extLst>
+                </a:gridCol>
+                <a:gridCol w="1160202">
+                  <a:extLst>
+                    <a:ext uri="{9D8B030D-6E8A-4147-A177-3AD203B41FA5}">
+                      <a16:colId xmlns:a16="http://schemas.microsoft.com/office/drawing/2014/main" val="20002"/>
+                    </a:ext>
+                  </a:extLst>
+                </a:gridCol>
+                <a:gridCol w="1160202">
+                  <a:extLst>
+                    <a:ext uri="{9D8B030D-6E8A-4147-A177-3AD203B41FA5}">
+                      <a16:colId xmlns:a16="http://schemas.microsoft.com/office/drawing/2014/main" val="20003"/>
+                    </a:ext>
+                  </a:extLst>
+                </a:gridCol>
+              </a:tblGrid>
+              <a:tr h="447322">
+                <a:tc>
+                  <a:txBody>
+                    <a:bodyPr/>
+                    <a:lstStyle/>
+                    <a:p>
+                      <a:pPr marL="63500" marR="63500" algn="l">
+                        <a:lnSpc>
+                          <a:spcPct val="100000"/>
+                        </a:lnSpc>
+                        <a:spcBef>
+                          <a:spcPts val="500"/>
+                        </a:spcBef>
+                        <a:spcAft>
+                          <a:spcPts val="500"/>
+                        </a:spcAft>
+                        <a:buNone/>
+                      </a:pPr>
+                      <a:r>
+                        <a:rPr sz="1600" b="0" i="0" u="none" cap="none">
+                          <a:solidFill>
+                            <a:srgbClr val="000000">
+                              <a:alpha val="100000"/>
+                            </a:srgbClr>
+                          </a:solidFill>
+                          <a:latin typeface="Arial"/>
+                          <a:cs typeface="Arial"/>
+                          <a:sym typeface="Arial"/>
+                        </a:rPr>
+                        <a:t> </a:t>
+                      </a:r>
+                    </a:p>
+                  </a:txBody>
+                  <a:tcPr marL="0" marR="0" marT="63500" marB="63500" anchor="ctr">
+                    <a:lnL w="0" cap="flat" cmpd="sng" algn="ctr">
+                      <a:noFill/>
+                      <a:prstDash val="solid"/>
+                    </a:lnL>
+                    <a:lnR w="0" cap="flat" cmpd="sng" algn="ctr">
+                      <a:noFill/>
+                      <a:prstDash val="solid"/>
+                    </a:lnR>
+                    <a:lnT w="12700" cap="flat" cmpd="sng" algn="ctr">
+                      <a:solidFill>
+                        <a:srgbClr val="000000">
+                          <a:alpha val="100000"/>
+                        </a:srgbClr>
+                      </a:solidFill>
+                      <a:prstDash val="solid"/>
+                    </a:lnT>
+                    <a:lnB w="12700" cap="flat" cmpd="sng" algn="ctr">
+                      <a:solidFill>
+                        <a:srgbClr val="000000">
+                          <a:alpha val="100000"/>
+                        </a:srgbClr>
+                      </a:solidFill>
                       <a:prstDash val="solid"/>
                     </a:lnB>
                     <a:solidFill>
@@ -5378,7 +5807,7 @@
                         <a:buNone/>
                       </a:pPr>
                       <a:r>
-                        <a:rPr sz="1100" b="0" i="0" u="none" cap="none">
+                        <a:rPr sz="1600" b="0" i="0" u="none" cap="none">
                           <a:solidFill>
                             <a:srgbClr val="000000">
                               <a:alpha val="100000"/>
@@ -5388,7 +5817,7 @@
                           <a:cs typeface="Arial"/>
                           <a:sym typeface="Arial"/>
                         </a:rPr>
-                        <a:t>1.65</a:t>
+                        <a:t>Treatment B</a:t>
                       </a:r>
                     </a:p>
                   </a:txBody>
@@ -5401,12 +5830,20 @@
                       <a:noFill/>
                       <a:prstDash val="solid"/>
                     </a:lnR>
-                    <a:lnT w="0" cap="flat" cmpd="sng" algn="ctr">
-                      <a:noFill/>
+                    <a:lnT w="12700" cap="flat" cmpd="sng" algn="ctr">
+                      <a:solidFill>
+                        <a:srgbClr val="000000">
+                          <a:alpha val="100000"/>
+                        </a:srgbClr>
+                      </a:solidFill>
                       <a:prstDash val="solid"/>
                     </a:lnT>
-                    <a:lnB w="0" cap="flat" cmpd="sng" algn="ctr">
-                      <a:noFill/>
+                    <a:lnB w="12700" cap="flat" cmpd="sng" algn="ctr">
+                      <a:solidFill>
+                        <a:srgbClr val="000000">
+                          <a:alpha val="100000"/>
+                        </a:srgbClr>
+                      </a:solidFill>
                       <a:prstDash val="solid"/>
                     </a:lnB>
                     <a:solidFill>
@@ -5434,7 +5871,7 @@
                         <a:buNone/>
                       </a:pPr>
                       <a:r>
-                        <a:rPr sz="1100" b="0" i="0" u="none" cap="none">
+                        <a:rPr sz="1600" b="0" i="0" u="none" cap="none">
                           <a:solidFill>
                             <a:srgbClr val="000000">
                               <a:alpha val="100000"/>
@@ -5444,7 +5881,7 @@
                           <a:cs typeface="Arial"/>
                           <a:sym typeface="Arial"/>
                         </a:rPr>
-                        <a:t>1.70</a:t>
+                        <a:t>Treatment C</a:t>
                       </a:r>
                     </a:p>
                   </a:txBody>
@@ -5457,75 +5894,20 @@
                       <a:noFill/>
                       <a:prstDash val="solid"/>
                     </a:lnR>
-                    <a:lnT w="0" cap="flat" cmpd="sng" algn="ctr">
-                      <a:noFill/>
+                    <a:lnT w="12700" cap="flat" cmpd="sng" algn="ctr">
+                      <a:solidFill>
+                        <a:srgbClr val="000000">
+                          <a:alpha val="100000"/>
+                        </a:srgbClr>
+                      </a:solidFill>
                       <a:prstDash val="solid"/>
                     </a:lnT>
-                    <a:lnB w="0" cap="flat" cmpd="sng" algn="ctr">
-                      <a:noFill/>
-                      <a:prstDash val="solid"/>
-                    </a:lnB>
-                    <a:solidFill>
-                      <a:srgbClr val="FFFFFF">
-                        <a:alpha val="0"/>
-                      </a:srgbClr>
-                    </a:solidFill>
-                  </a:tcPr>
-                </a:tc>
-                <a:extLst>
-                  <a:ext uri="{0D108BD9-81ED-4DB2-BD59-A6C34878D82A}">
-                    <a16:rowId xmlns:a16="http://schemas.microsoft.com/office/drawing/2014/main" val="10003"/>
-                  </a:ext>
-                </a:extLst>
-              </a:tr>
-              <a:tr h="228600">
-                <a:tc>
-                  <a:txBody>
-                    <a:bodyPr/>
-                    <a:lstStyle/>
-                    <a:p>
-                      <a:pPr marL="63500" marR="63500" algn="l">
-                        <a:lnSpc>
-                          <a:spcPct val="100000"/>
-                        </a:lnSpc>
-                        <a:spcBef>
-                          <a:spcPts val="500"/>
-                        </a:spcBef>
-                        <a:spcAft>
-                          <a:spcPts val="500"/>
-                        </a:spcAft>
-                        <a:buNone/>
-                      </a:pPr>
-                      <a:r>
-                        <a:rPr sz="1100" b="0" i="0" u="none" cap="none" dirty="0">
-                          <a:solidFill>
-                            <a:srgbClr val="000000">
-                              <a:alpha val="100000"/>
-                            </a:srgbClr>
-                          </a:solidFill>
-                          <a:latin typeface="Arial"/>
-                          <a:cs typeface="Arial"/>
-                          <a:sym typeface="Arial"/>
-                        </a:rPr>
-                        <a:t>Number of listed hospitals</a:t>
-                      </a:r>
-                    </a:p>
-                  </a:txBody>
-                  <a:tcPr marL="0" marR="0" marT="63500" marB="63500" anchor="ctr">
-                    <a:lnL w="0" cap="flat" cmpd="sng" algn="ctr">
-                      <a:noFill/>
-                      <a:prstDash val="solid"/>
-                    </a:lnL>
-                    <a:lnR w="0" cap="flat" cmpd="sng" algn="ctr">
-                      <a:noFill/>
-                      <a:prstDash val="solid"/>
-                    </a:lnR>
-                    <a:lnT w="0" cap="flat" cmpd="sng" algn="ctr">
-                      <a:noFill/>
-                      <a:prstDash val="solid"/>
-                    </a:lnT>
-                    <a:lnB w="0" cap="flat" cmpd="sng" algn="ctr">
-                      <a:noFill/>
+                    <a:lnB w="12700" cap="flat" cmpd="sng" algn="ctr">
+                      <a:solidFill>
+                        <a:srgbClr val="000000">
+                          <a:alpha val="100000"/>
+                        </a:srgbClr>
+                      </a:solidFill>
                       <a:prstDash val="solid"/>
                     </a:lnB>
                     <a:solidFill>
@@ -5553,7 +5935,7 @@
                         <a:buNone/>
                       </a:pPr>
                       <a:r>
-                        <a:rPr sz="1100" b="0" i="0" u="none" cap="none">
+                        <a:rPr sz="1600" b="0" i="0" u="none" cap="none">
                           <a:solidFill>
                             <a:srgbClr val="000000">
                               <a:alpha val="100000"/>
@@ -5563,7 +5945,7 @@
                           <a:cs typeface="Arial"/>
                           <a:sym typeface="Arial"/>
                         </a:rPr>
-                        <a:t>0.47</a:t>
+                        <a:t>Treatment D</a:t>
                       </a:r>
                     </a:p>
                   </a:txBody>
@@ -5576,9 +5958,85 @@
                       <a:noFill/>
                       <a:prstDash val="solid"/>
                     </a:lnR>
-                    <a:lnT w="0" cap="flat" cmpd="sng" algn="ctr">
-                      <a:noFill/>
-                      <a:prstDash val="solid"/>
+                    <a:lnT w="12700" cap="flat" cmpd="sng" algn="ctr">
+                      <a:solidFill>
+                        <a:srgbClr val="000000">
+                          <a:alpha val="100000"/>
+                        </a:srgbClr>
+                      </a:solidFill>
+                      <a:prstDash val="solid"/>
+                    </a:lnT>
+                    <a:lnB w="12700" cap="flat" cmpd="sng" algn="ctr">
+                      <a:solidFill>
+                        <a:srgbClr val="000000">
+                          <a:alpha val="100000"/>
+                        </a:srgbClr>
+                      </a:solidFill>
+                      <a:prstDash val="solid"/>
+                    </a:lnB>
+                    <a:solidFill>
+                      <a:srgbClr val="FFFFFF">
+                        <a:alpha val="0"/>
+                      </a:srgbClr>
+                    </a:solidFill>
+                  </a:tcPr>
+                </a:tc>
+                <a:extLst>
+                  <a:ext uri="{0D108BD9-81ED-4DB2-BD59-A6C34878D82A}">
+                    <a16:rowId xmlns:a16="http://schemas.microsoft.com/office/drawing/2014/main" val="10000"/>
+                  </a:ext>
+                </a:extLst>
+              </a:tr>
+              <a:tr h="447322">
+                <a:tc>
+                  <a:txBody>
+                    <a:bodyPr/>
+                    <a:lstStyle/>
+                    <a:p>
+                      <a:pPr marL="63500" marR="63500" algn="l">
+                        <a:lnSpc>
+                          <a:spcPct val="100000"/>
+                        </a:lnSpc>
+                        <a:spcBef>
+                          <a:spcPts val="500"/>
+                        </a:spcBef>
+                        <a:spcAft>
+                          <a:spcPts val="500"/>
+                        </a:spcAft>
+                        <a:buNone/>
+                      </a:pPr>
+                      <a:r>
+                        <a:rPr sz="1600" b="0" i="0" u="none" cap="none">
+                          <a:solidFill>
+                            <a:srgbClr val="000000">
+                              <a:alpha val="100000"/>
+                            </a:srgbClr>
+                          </a:solidFill>
+                          <a:latin typeface="Arial"/>
+                          <a:cs typeface="Arial"/>
+                          <a:sym typeface="Arial"/>
+                        </a:rPr>
+                        <a:t>Male (= 1)</a:t>
+                      </a:r>
+                    </a:p>
+                  </a:txBody>
+                  <a:tcPr marL="0" marR="0" marT="63500" marB="63500" anchor="ctr">
+                    <a:lnL w="0" cap="flat" cmpd="sng" algn="ctr">
+                      <a:noFill/>
+                      <a:prstDash val="solid"/>
+                    </a:lnL>
+                    <a:lnR w="0" cap="flat" cmpd="sng" algn="ctr">
+                      <a:noFill/>
+                      <a:prstDash val="solid"/>
+                    </a:lnR>
+                    <a:lnT w="12700" cap="flat" cmpd="sng" algn="ctr">
+                      <a:solidFill>
+                        <a:srgbClr val="000000"/>
+                      </a:solidFill>
+                      <a:prstDash val="solid"/>
+                      <a:round/>
+                      <a:headEnd type="none" w="med" len="med"/>
+                      <a:tailEnd type="none" w="med" len="med"/>
                     </a:lnT>
                     <a:lnB w="0" cap="flat" cmpd="sng" algn="ctr">
                       <a:noFill/>
@@ -5609,7 +6067,7 @@
                         <a:buNone/>
                       </a:pPr>
                       <a:r>
-                        <a:rPr sz="1100" b="0" i="0" u="none" cap="none">
+                        <a:rPr sz="1600" b="0" i="0" u="none" cap="none">
                           <a:solidFill>
                             <a:srgbClr val="000000">
                               <a:alpha val="100000"/>
@@ -5619,7 +6077,7 @@
                           <a:cs typeface="Arial"/>
                           <a:sym typeface="Arial"/>
                         </a:rPr>
-                        <a:t>0.40</a:t>
+                        <a:t>0.64</a:t>
                       </a:r>
                     </a:p>
                   </a:txBody>
@@ -5632,9 +6090,14 @@
                       <a:noFill/>
                       <a:prstDash val="solid"/>
                     </a:lnR>
-                    <a:lnT w="0" cap="flat" cmpd="sng" algn="ctr">
-                      <a:noFill/>
-                      <a:prstDash val="solid"/>
+                    <a:lnT w="12700" cap="flat" cmpd="sng" algn="ctr">
+                      <a:solidFill>
+                        <a:srgbClr val="000000"/>
+                      </a:solidFill>
+                      <a:prstDash val="solid"/>
+                      <a:round/>
+                      <a:headEnd type="none" w="med" len="med"/>
+                      <a:tailEnd type="none" w="med" len="med"/>
                     </a:lnT>
                     <a:lnB w="0" cap="flat" cmpd="sng" algn="ctr">
                       <a:noFill/>
@@ -5665,7 +6128,7 @@
                         <a:buNone/>
                       </a:pPr>
                       <a:r>
-                        <a:rPr sz="1100" b="0" i="0" u="none" cap="none">
+                        <a:rPr sz="1600" b="0" i="0" u="none" cap="none">
                           <a:solidFill>
                             <a:srgbClr val="000000">
                               <a:alpha val="100000"/>
@@ -5675,7 +6138,7 @@
                           <a:cs typeface="Arial"/>
                           <a:sym typeface="Arial"/>
                         </a:rPr>
-                        <a:t>0.58</a:t>
+                        <a:t>0.54</a:t>
                       </a:r>
                     </a:p>
                   </a:txBody>
@@ -5688,72 +6151,14 @@
                       <a:noFill/>
                       <a:prstDash val="solid"/>
                     </a:lnR>
-                    <a:lnT w="0" cap="flat" cmpd="sng" algn="ctr">
-                      <a:noFill/>
-                      <a:prstDash val="solid"/>
-                    </a:lnT>
-                    <a:lnB w="0" cap="flat" cmpd="sng" algn="ctr">
-                      <a:noFill/>
-                      <a:prstDash val="solid"/>
-                    </a:lnB>
-                    <a:solidFill>
-                      <a:srgbClr val="FFFFFF">
-                        <a:alpha val="0"/>
-                      </a:srgbClr>
-                    </a:solidFill>
-                  </a:tcPr>
-                </a:tc>
-                <a:extLst>
-                  <a:ext uri="{0D108BD9-81ED-4DB2-BD59-A6C34878D82A}">
-                    <a16:rowId xmlns:a16="http://schemas.microsoft.com/office/drawing/2014/main" val="10004"/>
-                  </a:ext>
-                </a:extLst>
-              </a:tr>
-              <a:tr h="228600">
-                <a:tc>
-                  <a:txBody>
-                    <a:bodyPr/>
-                    <a:lstStyle/>
-                    <a:p>
-                      <a:pPr marL="63500" marR="63500" algn="l">
-                        <a:lnSpc>
-                          <a:spcPct val="100000"/>
-                        </a:lnSpc>
-                        <a:spcBef>
-                          <a:spcPts val="500"/>
-                        </a:spcBef>
-                        <a:spcAft>
-                          <a:spcPts val="500"/>
-                        </a:spcAft>
-                        <a:buNone/>
-                      </a:pPr>
-                      <a:r>
-                        <a:rPr sz="1100" b="0" i="0" u="none" cap="none">
-                          <a:solidFill>
-                            <a:srgbClr val="000000">
-                              <a:alpha val="100000"/>
-                            </a:srgbClr>
-                          </a:solidFill>
-                          <a:latin typeface="Arial"/>
-                          <a:cs typeface="Arial"/>
-                          <a:sym typeface="Arial"/>
-                        </a:rPr>
-                        <a:t>Number of hospitals listed with PBSC collection</a:t>
-                      </a:r>
-                    </a:p>
-                  </a:txBody>
-                  <a:tcPr marL="0" marR="0" marT="63500" marB="63500" anchor="ctr">
-                    <a:lnL w="0" cap="flat" cmpd="sng" algn="ctr">
-                      <a:noFill/>
-                      <a:prstDash val="solid"/>
-                    </a:lnL>
-                    <a:lnR w="0" cap="flat" cmpd="sng" algn="ctr">
-                      <a:noFill/>
-                      <a:prstDash val="solid"/>
-                    </a:lnR>
-                    <a:lnT w="0" cap="flat" cmpd="sng" algn="ctr">
-                      <a:noFill/>
-                      <a:prstDash val="solid"/>
+                    <a:lnT w="12700" cap="flat" cmpd="sng" algn="ctr">
+                      <a:solidFill>
+                        <a:srgbClr val="000000"/>
+                      </a:solidFill>
+                      <a:prstDash val="solid"/>
+                      <a:round/>
+                      <a:headEnd type="none" w="med" len="med"/>
+                      <a:tailEnd type="none" w="med" len="med"/>
                     </a:lnT>
                     <a:lnB w="0" cap="flat" cmpd="sng" algn="ctr">
                       <a:noFill/>
@@ -5784,7 +6189,7 @@
                         <a:buNone/>
                       </a:pPr>
                       <a:r>
-                        <a:rPr sz="1100" b="0" i="0" u="none" cap="none">
+                        <a:rPr sz="1600" b="0" i="0" u="none" cap="none">
                           <a:solidFill>
                             <a:srgbClr val="000000">
                               <a:alpha val="100000"/>
@@ -5794,7 +6199,75 @@
                           <a:cs typeface="Arial"/>
                           <a:sym typeface="Arial"/>
                         </a:rPr>
-                        <a:t>0.16</a:t>
+                        <a:t>0.67</a:t>
+                      </a:r>
+                    </a:p>
+                  </a:txBody>
+                  <a:tcPr marL="0" marR="0" marT="63500" marB="63500" anchor="ctr">
+                    <a:lnL w="0" cap="flat" cmpd="sng" algn="ctr">
+                      <a:noFill/>
+                      <a:prstDash val="solid"/>
+                    </a:lnL>
+                    <a:lnR w="0" cap="flat" cmpd="sng" algn="ctr">
+                      <a:noFill/>
+                      <a:prstDash val="solid"/>
+                    </a:lnR>
+                    <a:lnT w="12700" cap="flat" cmpd="sng" algn="ctr">
+                      <a:solidFill>
+                        <a:srgbClr val="000000"/>
+                      </a:solidFill>
+                      <a:prstDash val="solid"/>
+                      <a:round/>
+                      <a:headEnd type="none" w="med" len="med"/>
+                      <a:tailEnd type="none" w="med" len="med"/>
+                    </a:lnT>
+                    <a:lnB w="0" cap="flat" cmpd="sng" algn="ctr">
+                      <a:noFill/>
+                      <a:prstDash val="solid"/>
+                    </a:lnB>
+                    <a:solidFill>
+                      <a:srgbClr val="FFFFFF">
+                        <a:alpha val="0"/>
+                      </a:srgbClr>
+                    </a:solidFill>
+                  </a:tcPr>
+                </a:tc>
+                <a:extLst>
+                  <a:ext uri="{0D108BD9-81ED-4DB2-BD59-A6C34878D82A}">
+                    <a16:rowId xmlns:a16="http://schemas.microsoft.com/office/drawing/2014/main" val="10001"/>
+                  </a:ext>
+                </a:extLst>
+              </a:tr>
+              <a:tr h="447322">
+                <a:tc>
+                  <a:txBody>
+                    <a:bodyPr/>
+                    <a:lstStyle/>
+                    <a:p>
+                      <a:pPr marL="63500" marR="63500" algn="l">
+                        <a:lnSpc>
+                          <a:spcPct val="100000"/>
+                        </a:lnSpc>
+                        <a:spcBef>
+                          <a:spcPts val="500"/>
+                        </a:spcBef>
+                        <a:spcAft>
+                          <a:spcPts val="500"/>
+                        </a:spcAft>
+                        <a:buNone/>
+                      </a:pPr>
+                      <a:r>
+                        <a:rPr sz="1600" b="0" i="0" u="none" cap="none">
+                          <a:solidFill>
+                            <a:srgbClr val="000000">
+                              <a:alpha val="100000"/>
+                            </a:srgbClr>
+                          </a:solidFill>
+                          <a:latin typeface="Arial"/>
+                          <a:cs typeface="Arial"/>
+                          <a:sym typeface="Arial"/>
+                        </a:rPr>
+                        <a:t>Age</a:t>
                       </a:r>
                     </a:p>
                   </a:txBody>
@@ -5840,7 +6313,7 @@
                         <a:buNone/>
                       </a:pPr>
                       <a:r>
-                        <a:rPr sz="1100" b="0" i="0" u="none" cap="none">
+                        <a:rPr sz="1600" b="0" i="0" u="none" cap="none">
                           <a:solidFill>
                             <a:srgbClr val="000000">
                               <a:alpha val="100000"/>
@@ -5850,7 +6323,7 @@
                           <a:cs typeface="Arial"/>
                           <a:sym typeface="Arial"/>
                         </a:rPr>
-                        <a:t>0.13</a:t>
+                        <a:t>34.97</a:t>
                       </a:r>
                     </a:p>
                   </a:txBody>
@@ -5896,7 +6369,7 @@
                         <a:buNone/>
                       </a:pPr>
                       <a:r>
-                        <a:rPr sz="1100" b="0" i="0" u="none" cap="none">
+                        <a:rPr sz="1600" b="0" i="0" u="none" cap="none">
                           <a:solidFill>
                             <a:srgbClr val="000000">
                               <a:alpha val="100000"/>
@@ -5906,70 +6379,7 @@
                           <a:cs typeface="Arial"/>
                           <a:sym typeface="Arial"/>
                         </a:rPr>
-                        <a:t>0.20</a:t>
-                      </a:r>
-                    </a:p>
-                  </a:txBody>
-                  <a:tcPr marL="0" marR="0" marT="63500" marB="63500" anchor="ctr">
-                    <a:lnL w="0" cap="flat" cmpd="sng" algn="ctr">
-                      <a:noFill/>
-                      <a:prstDash val="solid"/>
-                    </a:lnL>
-                    <a:lnR w="0" cap="flat" cmpd="sng" algn="ctr">
-                      <a:noFill/>
-                      <a:prstDash val="solid"/>
-                    </a:lnR>
-                    <a:lnT w="0" cap="flat" cmpd="sng" algn="ctr">
-                      <a:noFill/>
-                      <a:prstDash val="solid"/>
-                    </a:lnT>
-                    <a:lnB w="0" cap="flat" cmpd="sng" algn="ctr">
-                      <a:noFill/>
-                      <a:prstDash val="solid"/>
-                    </a:lnB>
-                    <a:solidFill>
-                      <a:srgbClr val="FFFFFF">
-                        <a:alpha val="0"/>
-                      </a:srgbClr>
-                    </a:solidFill>
-                  </a:tcPr>
-                </a:tc>
-                <a:extLst>
-                  <a:ext uri="{0D108BD9-81ED-4DB2-BD59-A6C34878D82A}">
-                    <a16:rowId xmlns:a16="http://schemas.microsoft.com/office/drawing/2014/main" val="10005"/>
-                  </a:ext>
-                </a:extLst>
-              </a:tr>
-              <a:tr h="228600">
-                <a:tc>
-                  <a:txBody>
-                    <a:bodyPr/>
-                    <a:lstStyle/>
-                    <a:p>
-                      <a:pPr marL="63500" marR="63500" algn="l">
-                        <a:lnSpc>
-                          <a:spcPct val="100000"/>
-                        </a:lnSpc>
-                        <a:spcBef>
-                          <a:spcPts val="500"/>
-                        </a:spcBef>
-                        <a:spcAft>
-                          <a:spcPts val="500"/>
-                        </a:spcAft>
-                        <a:buNone/>
-                      </a:pPr>
-                      <a:r>
-                        <a:rPr sz="1100" b="0" i="0" u="none" cap="none">
-                          <a:solidFill>
-                            <a:srgbClr val="000000">
-                              <a:alpha val="100000"/>
-                            </a:srgbClr>
-                          </a:solidFill>
-                          <a:latin typeface="Arial"/>
-                          <a:cs typeface="Arial"/>
-                          <a:sym typeface="Arial"/>
-                        </a:rPr>
-                        <a:t>Number of hospitals listed with BM collection</a:t>
+                        <a:t>41.44</a:t>
                       </a:r>
                     </a:p>
                   </a:txBody>
@@ -6015,7 +6425,7 @@
                         <a:buNone/>
                       </a:pPr>
                       <a:r>
-                        <a:rPr sz="1100" b="0" i="0" u="none" cap="none">
+                        <a:rPr sz="1600" b="0" i="0" u="none" cap="none">
                           <a:solidFill>
                             <a:srgbClr val="000000">
                               <a:alpha val="100000"/>
@@ -6025,7 +6435,70 @@
                           <a:cs typeface="Arial"/>
                           <a:sym typeface="Arial"/>
                         </a:rPr>
-                        <a:t>0.24</a:t>
+                        <a:t>39.64</a:t>
+                      </a:r>
+                    </a:p>
+                  </a:txBody>
+                  <a:tcPr marL="0" marR="0" marT="63500" marB="63500" anchor="ctr">
+                    <a:lnL w="0" cap="flat" cmpd="sng" algn="ctr">
+                      <a:noFill/>
+                      <a:prstDash val="solid"/>
+                    </a:lnL>
+                    <a:lnR w="0" cap="flat" cmpd="sng" algn="ctr">
+                      <a:noFill/>
+                      <a:prstDash val="solid"/>
+                    </a:lnR>
+                    <a:lnT w="0" cap="flat" cmpd="sng" algn="ctr">
+                      <a:noFill/>
+                      <a:prstDash val="solid"/>
+                    </a:lnT>
+                    <a:lnB w="0" cap="flat" cmpd="sng" algn="ctr">
+                      <a:noFill/>
+                      <a:prstDash val="solid"/>
+                    </a:lnB>
+                    <a:solidFill>
+                      <a:srgbClr val="FFFFFF">
+                        <a:alpha val="0"/>
+                      </a:srgbClr>
+                    </a:solidFill>
+                  </a:tcPr>
+                </a:tc>
+                <a:extLst>
+                  <a:ext uri="{0D108BD9-81ED-4DB2-BD59-A6C34878D82A}">
+                    <a16:rowId xmlns:a16="http://schemas.microsoft.com/office/drawing/2014/main" val="10002"/>
+                  </a:ext>
+                </a:extLst>
+              </a:tr>
+              <a:tr h="447322">
+                <a:tc>
+                  <a:txBody>
+                    <a:bodyPr/>
+                    <a:lstStyle/>
+                    <a:p>
+                      <a:pPr marL="63500" marR="63500" algn="l">
+                        <a:lnSpc>
+                          <a:spcPct val="100000"/>
+                        </a:lnSpc>
+                        <a:spcBef>
+                          <a:spcPts val="500"/>
+                        </a:spcBef>
+                        <a:spcAft>
+                          <a:spcPts val="500"/>
+                        </a:spcAft>
+                        <a:buNone/>
+                      </a:pPr>
+                      <a:r>
+                        <a:rPr sz="1600" b="0" i="0" u="none" cap="none">
+                          <a:solidFill>
+                            <a:srgbClr val="000000">
+                              <a:alpha val="100000"/>
+                            </a:srgbClr>
+                          </a:solidFill>
+                          <a:latin typeface="Arial"/>
+                          <a:cs typeface="Arial"/>
+                          <a:sym typeface="Arial"/>
+                        </a:rPr>
+                        <a:t>Number of past coordinations</a:t>
                       </a:r>
                     </a:p>
                   </a:txBody>
@@ -6071,7 +6544,7 @@
                         <a:buNone/>
                       </a:pPr>
                       <a:r>
-                        <a:rPr sz="1100" b="0" i="0" u="none" cap="none">
+                        <a:rPr sz="1600" b="0" i="0" u="none" cap="none">
                           <a:solidFill>
                             <a:srgbClr val="000000">
                               <a:alpha val="100000"/>
@@ -6081,7 +6554,7 @@
                           <a:cs typeface="Arial"/>
                           <a:sym typeface="Arial"/>
                         </a:rPr>
-                        <a:t>0.20</a:t>
+                        <a:t>1.49</a:t>
                       </a:r>
                     </a:p>
                   </a:txBody>
@@ -6127,7 +6600,7 @@
                         <a:buNone/>
                       </a:pPr>
                       <a:r>
-                        <a:rPr sz="1100" b="0" i="0" u="none" cap="none">
+                        <a:rPr sz="1600" b="0" i="0" u="none" cap="none">
                           <a:solidFill>
                             <a:srgbClr val="000000">
                               <a:alpha val="100000"/>
@@ -6137,7 +6610,7 @@
                           <a:cs typeface="Arial"/>
                           <a:sym typeface="Arial"/>
                         </a:rPr>
-                        <a:t>0.31</a:t>
+                        <a:t>1.65</a:t>
                       </a:r>
                     </a:p>
                   </a:txBody>
@@ -6156,73 +6629,6 @@
                     </a:lnT>
                     <a:lnB w="0" cap="flat" cmpd="sng" algn="ctr">
                       <a:noFill/>
-                      <a:prstDash val="solid"/>
-                    </a:lnB>
-                    <a:solidFill>
-                      <a:srgbClr val="FFFFFF">
-                        <a:alpha val="0"/>
-                      </a:srgbClr>
-                    </a:solidFill>
-                  </a:tcPr>
-                </a:tc>
-                <a:extLst>
-                  <a:ext uri="{0D108BD9-81ED-4DB2-BD59-A6C34878D82A}">
-                    <a16:rowId xmlns:a16="http://schemas.microsoft.com/office/drawing/2014/main" val="10006"/>
-                  </a:ext>
-                </a:extLst>
-              </a:tr>
-              <a:tr h="228600">
-                <a:tc>
-                  <a:txBody>
-                    <a:bodyPr/>
-                    <a:lstStyle/>
-                    <a:p>
-                      <a:pPr marL="63500" marR="63500" algn="l">
-                        <a:lnSpc>
-                          <a:spcPct val="100000"/>
-                        </a:lnSpc>
-                        <a:spcBef>
-                          <a:spcPts val="500"/>
-                        </a:spcBef>
-                        <a:spcAft>
-                          <a:spcPts val="500"/>
-                        </a:spcAft>
-                        <a:buNone/>
-                      </a:pPr>
-                      <a:r>
-                        <a:rPr sz="1100" b="0" i="0" u="none" cap="none">
-                          <a:solidFill>
-                            <a:srgbClr val="000000">
-                              <a:alpha val="100000"/>
-                            </a:srgbClr>
-                          </a:solidFill>
-                          <a:latin typeface="Arial"/>
-                          <a:cs typeface="Arial"/>
-                          <a:sym typeface="Arial"/>
-                        </a:rPr>
-                        <a:t>N</a:t>
-                      </a:r>
-                    </a:p>
-                  </a:txBody>
-                  <a:tcPr marL="0" marR="0" marT="63500" marB="63500" anchor="ctr">
-                    <a:lnL w="0" cap="flat" cmpd="sng" algn="ctr">
-                      <a:noFill/>
-                      <a:prstDash val="solid"/>
-                    </a:lnL>
-                    <a:lnR w="0" cap="flat" cmpd="sng" algn="ctr">
-                      <a:noFill/>
-                      <a:prstDash val="solid"/>
-                    </a:lnR>
-                    <a:lnT w="0" cap="flat" cmpd="sng" algn="ctr">
-                      <a:noFill/>
-                      <a:prstDash val="solid"/>
-                    </a:lnT>
-                    <a:lnB w="12700" cap="flat" cmpd="sng" algn="ctr">
-                      <a:solidFill>
-                        <a:srgbClr val="000000">
-                          <a:alpha val="100000"/>
-                        </a:srgbClr>
-                      </a:solidFill>
                       <a:prstDash val="solid"/>
                     </a:lnB>
                     <a:solidFill>
@@ -6250,7 +6656,7 @@
                         <a:buNone/>
                       </a:pPr>
                       <a:r>
-                        <a:rPr sz="1100" b="0" i="0" u="none" cap="none">
+                        <a:rPr sz="1600" b="0" i="0" u="none" cap="none">
                           <a:solidFill>
                             <a:srgbClr val="000000">
                               <a:alpha val="100000"/>
@@ -6260,7 +6666,7 @@
                           <a:cs typeface="Arial"/>
                           <a:sym typeface="Arial"/>
                         </a:rPr>
-                        <a:t>4980</a:t>
+                        <a:t>1.70</a:t>
                       </a:r>
                     </a:p>
                   </a:txBody>
@@ -6277,12 +6683,71 @@
                       <a:noFill/>
                       <a:prstDash val="solid"/>
                     </a:lnT>
-                    <a:lnB w="12700" cap="flat" cmpd="sng" algn="ctr">
-                      <a:solidFill>
-                        <a:srgbClr val="000000">
-                          <a:alpha val="100000"/>
-                        </a:srgbClr>
-                      </a:solidFill>
+                    <a:lnB w="0" cap="flat" cmpd="sng" algn="ctr">
+                      <a:noFill/>
+                      <a:prstDash val="solid"/>
+                    </a:lnB>
+                    <a:solidFill>
+                      <a:srgbClr val="FFFFFF">
+                        <a:alpha val="0"/>
+                      </a:srgbClr>
+                    </a:solidFill>
+                  </a:tcPr>
+                </a:tc>
+                <a:extLst>
+                  <a:ext uri="{0D108BD9-81ED-4DB2-BD59-A6C34878D82A}">
+                    <a16:rowId xmlns:a16="http://schemas.microsoft.com/office/drawing/2014/main" val="10003"/>
+                  </a:ext>
+                </a:extLst>
+              </a:tr>
+              <a:tr h="447322">
+                <a:tc>
+                  <a:txBody>
+                    <a:bodyPr/>
+                    <a:lstStyle/>
+                    <a:p>
+                      <a:pPr marL="63500" marR="63500" algn="l">
+                        <a:lnSpc>
+                          <a:spcPct val="100000"/>
+                        </a:lnSpc>
+                        <a:spcBef>
+                          <a:spcPts val="500"/>
+                        </a:spcBef>
+                        <a:spcAft>
+                          <a:spcPts val="500"/>
+                        </a:spcAft>
+                        <a:buNone/>
+                      </a:pPr>
+                      <a:r>
+                        <a:rPr sz="1600" b="0" i="0" u="none" cap="none" dirty="0">
+                          <a:solidFill>
+                            <a:srgbClr val="000000">
+                              <a:alpha val="100000"/>
+                            </a:srgbClr>
+                          </a:solidFill>
+                          <a:latin typeface="Arial"/>
+                          <a:cs typeface="Arial"/>
+                          <a:sym typeface="Arial"/>
+                        </a:rPr>
+                        <a:t>Number of listed hospitals</a:t>
+                      </a:r>
+                    </a:p>
+                  </a:txBody>
+                  <a:tcPr marL="0" marR="0" marT="63500" marB="63500" anchor="ctr">
+                    <a:lnL w="0" cap="flat" cmpd="sng" algn="ctr">
+                      <a:noFill/>
+                      <a:prstDash val="solid"/>
+                    </a:lnL>
+                    <a:lnR w="0" cap="flat" cmpd="sng" algn="ctr">
+                      <a:noFill/>
+                      <a:prstDash val="solid"/>
+                    </a:lnR>
+                    <a:lnT w="0" cap="flat" cmpd="sng" algn="ctr">
+                      <a:noFill/>
+                      <a:prstDash val="solid"/>
+                    </a:lnT>
+                    <a:lnB w="0" cap="flat" cmpd="sng" algn="ctr">
+                      <a:noFill/>
                       <a:prstDash val="solid"/>
                     </a:lnB>
                     <a:solidFill>
@@ -6310,7 +6775,7 @@
                         <a:buNone/>
                       </a:pPr>
                       <a:r>
-                        <a:rPr sz="1100" b="0" i="0" u="none" cap="none">
+                        <a:rPr sz="1600" b="0" i="0" u="none" cap="none">
                           <a:solidFill>
                             <a:srgbClr val="000000">
                               <a:alpha val="100000"/>
@@ -6320,7 +6785,7 @@
                           <a:cs typeface="Arial"/>
                           <a:sym typeface="Arial"/>
                         </a:rPr>
-                        <a:t>2728</a:t>
+                        <a:t>0.47</a:t>
                       </a:r>
                     </a:p>
                   </a:txBody>
@@ -6337,12 +6802,8 @@
                       <a:noFill/>
                       <a:prstDash val="solid"/>
                     </a:lnT>
-                    <a:lnB w="12700" cap="flat" cmpd="sng" algn="ctr">
-                      <a:solidFill>
-                        <a:srgbClr val="000000">
-                          <a:alpha val="100000"/>
-                        </a:srgbClr>
-                      </a:solidFill>
+                    <a:lnB w="0" cap="flat" cmpd="sng" algn="ctr">
+                      <a:noFill/>
                       <a:prstDash val="solid"/>
                     </a:lnB>
                     <a:solidFill>
@@ -6370,7 +6831,768 @@
                         <a:buNone/>
                       </a:pPr>
                       <a:r>
-                        <a:rPr sz="1100" b="0" i="0" u="none" cap="none" dirty="0">
+                        <a:rPr sz="1600" b="0" i="0" u="none" cap="none">
+                          <a:solidFill>
+                            <a:srgbClr val="000000">
+                              <a:alpha val="100000"/>
+                            </a:srgbClr>
+                          </a:solidFill>
+                          <a:latin typeface="Arial"/>
+                          <a:cs typeface="Arial"/>
+                          <a:sym typeface="Arial"/>
+                        </a:rPr>
+                        <a:t>0.40</a:t>
+                      </a:r>
+                    </a:p>
+                  </a:txBody>
+                  <a:tcPr marL="0" marR="0" marT="63500" marB="63500" anchor="ctr">
+                    <a:lnL w="0" cap="flat" cmpd="sng" algn="ctr">
+                      <a:noFill/>
+                      <a:prstDash val="solid"/>
+                    </a:lnL>
+                    <a:lnR w="0" cap="flat" cmpd="sng" algn="ctr">
+                      <a:noFill/>
+                      <a:prstDash val="solid"/>
+                    </a:lnR>
+                    <a:lnT w="0" cap="flat" cmpd="sng" algn="ctr">
+                      <a:noFill/>
+                      <a:prstDash val="solid"/>
+                    </a:lnT>
+                    <a:lnB w="0" cap="flat" cmpd="sng" algn="ctr">
+                      <a:noFill/>
+                      <a:prstDash val="solid"/>
+                    </a:lnB>
+                    <a:solidFill>
+                      <a:srgbClr val="FFFFFF">
+                        <a:alpha val="0"/>
+                      </a:srgbClr>
+                    </a:solidFill>
+                  </a:tcPr>
+                </a:tc>
+                <a:tc>
+                  <a:txBody>
+                    <a:bodyPr/>
+                    <a:lstStyle/>
+                    <a:p>
+                      <a:pPr marL="63500" marR="63500" algn="ctr">
+                        <a:lnSpc>
+                          <a:spcPct val="100000"/>
+                        </a:lnSpc>
+                        <a:spcBef>
+                          <a:spcPts val="500"/>
+                        </a:spcBef>
+                        <a:spcAft>
+                          <a:spcPts val="500"/>
+                        </a:spcAft>
+                        <a:buNone/>
+                      </a:pPr>
+                      <a:r>
+                        <a:rPr sz="1600" b="0" i="0" u="none" cap="none">
+                          <a:solidFill>
+                            <a:srgbClr val="000000">
+                              <a:alpha val="100000"/>
+                            </a:srgbClr>
+                          </a:solidFill>
+                          <a:latin typeface="Arial"/>
+                          <a:cs typeface="Arial"/>
+                          <a:sym typeface="Arial"/>
+                        </a:rPr>
+                        <a:t>0.58</a:t>
+                      </a:r>
+                    </a:p>
+                  </a:txBody>
+                  <a:tcPr marL="0" marR="0" marT="63500" marB="63500" anchor="ctr">
+                    <a:lnL w="0" cap="flat" cmpd="sng" algn="ctr">
+                      <a:noFill/>
+                      <a:prstDash val="solid"/>
+                    </a:lnL>
+                    <a:lnR w="0" cap="flat" cmpd="sng" algn="ctr">
+                      <a:noFill/>
+                      <a:prstDash val="solid"/>
+                    </a:lnR>
+                    <a:lnT w="0" cap="flat" cmpd="sng" algn="ctr">
+                      <a:noFill/>
+                      <a:prstDash val="solid"/>
+                    </a:lnT>
+                    <a:lnB w="0" cap="flat" cmpd="sng" algn="ctr">
+                      <a:noFill/>
+                      <a:prstDash val="solid"/>
+                    </a:lnB>
+                    <a:solidFill>
+                      <a:srgbClr val="FFFFFF">
+                        <a:alpha val="0"/>
+                      </a:srgbClr>
+                    </a:solidFill>
+                  </a:tcPr>
+                </a:tc>
+                <a:extLst>
+                  <a:ext uri="{0D108BD9-81ED-4DB2-BD59-A6C34878D82A}">
+                    <a16:rowId xmlns:a16="http://schemas.microsoft.com/office/drawing/2014/main" val="10004"/>
+                  </a:ext>
+                </a:extLst>
+              </a:tr>
+              <a:tr h="447322">
+                <a:tc>
+                  <a:txBody>
+                    <a:bodyPr/>
+                    <a:lstStyle/>
+                    <a:p>
+                      <a:pPr marL="63500" marR="63500" algn="l">
+                        <a:lnSpc>
+                          <a:spcPct val="100000"/>
+                        </a:lnSpc>
+                        <a:spcBef>
+                          <a:spcPts val="500"/>
+                        </a:spcBef>
+                        <a:spcAft>
+                          <a:spcPts val="500"/>
+                        </a:spcAft>
+                        <a:buNone/>
+                      </a:pPr>
+                      <a:r>
+                        <a:rPr sz="1600" b="0" i="0" u="none" cap="none">
+                          <a:solidFill>
+                            <a:srgbClr val="000000">
+                              <a:alpha val="100000"/>
+                            </a:srgbClr>
+                          </a:solidFill>
+                          <a:latin typeface="Arial"/>
+                          <a:cs typeface="Arial"/>
+                          <a:sym typeface="Arial"/>
+                        </a:rPr>
+                        <a:t>Number of hospitals listed with PBSC collection</a:t>
+                      </a:r>
+                    </a:p>
+                  </a:txBody>
+                  <a:tcPr marL="0" marR="0" marT="63500" marB="63500" anchor="ctr">
+                    <a:lnL w="0" cap="flat" cmpd="sng" algn="ctr">
+                      <a:noFill/>
+                      <a:prstDash val="solid"/>
+                    </a:lnL>
+                    <a:lnR w="0" cap="flat" cmpd="sng" algn="ctr">
+                      <a:noFill/>
+                      <a:prstDash val="solid"/>
+                    </a:lnR>
+                    <a:lnT w="0" cap="flat" cmpd="sng" algn="ctr">
+                      <a:noFill/>
+                      <a:prstDash val="solid"/>
+                    </a:lnT>
+                    <a:lnB w="0" cap="flat" cmpd="sng" algn="ctr">
+                      <a:noFill/>
+                      <a:prstDash val="solid"/>
+                    </a:lnB>
+                    <a:solidFill>
+                      <a:srgbClr val="FFFFFF">
+                        <a:alpha val="0"/>
+                      </a:srgbClr>
+                    </a:solidFill>
+                  </a:tcPr>
+                </a:tc>
+                <a:tc>
+                  <a:txBody>
+                    <a:bodyPr/>
+                    <a:lstStyle/>
+                    <a:p>
+                      <a:pPr marL="63500" marR="63500" algn="ctr">
+                        <a:lnSpc>
+                          <a:spcPct val="100000"/>
+                        </a:lnSpc>
+                        <a:spcBef>
+                          <a:spcPts val="500"/>
+                        </a:spcBef>
+                        <a:spcAft>
+                          <a:spcPts val="500"/>
+                        </a:spcAft>
+                        <a:buNone/>
+                      </a:pPr>
+                      <a:r>
+                        <a:rPr sz="1600" b="0" i="0" u="none" cap="none">
+                          <a:solidFill>
+                            <a:srgbClr val="000000">
+                              <a:alpha val="100000"/>
+                            </a:srgbClr>
+                          </a:solidFill>
+                          <a:latin typeface="Arial"/>
+                          <a:cs typeface="Arial"/>
+                          <a:sym typeface="Arial"/>
+                        </a:rPr>
+                        <a:t>0.16</a:t>
+                      </a:r>
+                    </a:p>
+                  </a:txBody>
+                  <a:tcPr marL="0" marR="0" marT="63500" marB="63500" anchor="ctr">
+                    <a:lnL w="0" cap="flat" cmpd="sng" algn="ctr">
+                      <a:noFill/>
+                      <a:prstDash val="solid"/>
+                    </a:lnL>
+                    <a:lnR w="0" cap="flat" cmpd="sng" algn="ctr">
+                      <a:noFill/>
+                      <a:prstDash val="solid"/>
+                    </a:lnR>
+                    <a:lnT w="0" cap="flat" cmpd="sng" algn="ctr">
+                      <a:noFill/>
+                      <a:prstDash val="solid"/>
+                    </a:lnT>
+                    <a:lnB w="0" cap="flat" cmpd="sng" algn="ctr">
+                      <a:noFill/>
+                      <a:prstDash val="solid"/>
+                    </a:lnB>
+                    <a:solidFill>
+                      <a:srgbClr val="FFFFFF">
+                        <a:alpha val="0"/>
+                      </a:srgbClr>
+                    </a:solidFill>
+                  </a:tcPr>
+                </a:tc>
+                <a:tc>
+                  <a:txBody>
+                    <a:bodyPr/>
+                    <a:lstStyle/>
+                    <a:p>
+                      <a:pPr marL="63500" marR="63500" algn="ctr">
+                        <a:lnSpc>
+                          <a:spcPct val="100000"/>
+                        </a:lnSpc>
+                        <a:spcBef>
+                          <a:spcPts val="500"/>
+                        </a:spcBef>
+                        <a:spcAft>
+                          <a:spcPts val="500"/>
+                        </a:spcAft>
+                        <a:buNone/>
+                      </a:pPr>
+                      <a:r>
+                        <a:rPr sz="1600" b="0" i="0" u="none" cap="none">
+                          <a:solidFill>
+                            <a:srgbClr val="000000">
+                              <a:alpha val="100000"/>
+                            </a:srgbClr>
+                          </a:solidFill>
+                          <a:latin typeface="Arial"/>
+                          <a:cs typeface="Arial"/>
+                          <a:sym typeface="Arial"/>
+                        </a:rPr>
+                        <a:t>0.13</a:t>
+                      </a:r>
+                    </a:p>
+                  </a:txBody>
+                  <a:tcPr marL="0" marR="0" marT="63500" marB="63500" anchor="ctr">
+                    <a:lnL w="0" cap="flat" cmpd="sng" algn="ctr">
+                      <a:noFill/>
+                      <a:prstDash val="solid"/>
+                    </a:lnL>
+                    <a:lnR w="0" cap="flat" cmpd="sng" algn="ctr">
+                      <a:noFill/>
+                      <a:prstDash val="solid"/>
+                    </a:lnR>
+                    <a:lnT w="0" cap="flat" cmpd="sng" algn="ctr">
+                      <a:noFill/>
+                      <a:prstDash val="solid"/>
+                    </a:lnT>
+                    <a:lnB w="0" cap="flat" cmpd="sng" algn="ctr">
+                      <a:noFill/>
+                      <a:prstDash val="solid"/>
+                    </a:lnB>
+                    <a:solidFill>
+                      <a:srgbClr val="FFFFFF">
+                        <a:alpha val="0"/>
+                      </a:srgbClr>
+                    </a:solidFill>
+                  </a:tcPr>
+                </a:tc>
+                <a:tc>
+                  <a:txBody>
+                    <a:bodyPr/>
+                    <a:lstStyle/>
+                    <a:p>
+                      <a:pPr marL="63500" marR="63500" algn="ctr">
+                        <a:lnSpc>
+                          <a:spcPct val="100000"/>
+                        </a:lnSpc>
+                        <a:spcBef>
+                          <a:spcPts val="500"/>
+                        </a:spcBef>
+                        <a:spcAft>
+                          <a:spcPts val="500"/>
+                        </a:spcAft>
+                        <a:buNone/>
+                      </a:pPr>
+                      <a:r>
+                        <a:rPr sz="1600" b="0" i="0" u="none" cap="none">
+                          <a:solidFill>
+                            <a:srgbClr val="000000">
+                              <a:alpha val="100000"/>
+                            </a:srgbClr>
+                          </a:solidFill>
+                          <a:latin typeface="Arial"/>
+                          <a:cs typeface="Arial"/>
+                          <a:sym typeface="Arial"/>
+                        </a:rPr>
+                        <a:t>0.20</a:t>
+                      </a:r>
+                    </a:p>
+                  </a:txBody>
+                  <a:tcPr marL="0" marR="0" marT="63500" marB="63500" anchor="ctr">
+                    <a:lnL w="0" cap="flat" cmpd="sng" algn="ctr">
+                      <a:noFill/>
+                      <a:prstDash val="solid"/>
+                    </a:lnL>
+                    <a:lnR w="0" cap="flat" cmpd="sng" algn="ctr">
+                      <a:noFill/>
+                      <a:prstDash val="solid"/>
+                    </a:lnR>
+                    <a:lnT w="0" cap="flat" cmpd="sng" algn="ctr">
+                      <a:noFill/>
+                      <a:prstDash val="solid"/>
+                    </a:lnT>
+                    <a:lnB w="0" cap="flat" cmpd="sng" algn="ctr">
+                      <a:noFill/>
+                      <a:prstDash val="solid"/>
+                    </a:lnB>
+                    <a:solidFill>
+                      <a:srgbClr val="FFFFFF">
+                        <a:alpha val="0"/>
+                      </a:srgbClr>
+                    </a:solidFill>
+                  </a:tcPr>
+                </a:tc>
+                <a:extLst>
+                  <a:ext uri="{0D108BD9-81ED-4DB2-BD59-A6C34878D82A}">
+                    <a16:rowId xmlns:a16="http://schemas.microsoft.com/office/drawing/2014/main" val="10005"/>
+                  </a:ext>
+                </a:extLst>
+              </a:tr>
+              <a:tr h="447322">
+                <a:tc>
+                  <a:txBody>
+                    <a:bodyPr/>
+                    <a:lstStyle/>
+                    <a:p>
+                      <a:pPr marL="63500" marR="63500" algn="l">
+                        <a:lnSpc>
+                          <a:spcPct val="100000"/>
+                        </a:lnSpc>
+                        <a:spcBef>
+                          <a:spcPts val="500"/>
+                        </a:spcBef>
+                        <a:spcAft>
+                          <a:spcPts val="500"/>
+                        </a:spcAft>
+                        <a:buNone/>
+                      </a:pPr>
+                      <a:r>
+                        <a:rPr sz="1600" b="0" i="0" u="none" cap="none" dirty="0">
+                          <a:solidFill>
+                            <a:srgbClr val="000000">
+                              <a:alpha val="100000"/>
+                            </a:srgbClr>
+                          </a:solidFill>
+                          <a:latin typeface="Arial"/>
+                          <a:cs typeface="Arial"/>
+                          <a:sym typeface="Arial"/>
+                        </a:rPr>
+                        <a:t>Number of hospitals listed with BM collection</a:t>
+                      </a:r>
+                    </a:p>
+                  </a:txBody>
+                  <a:tcPr marL="0" marR="0" marT="63500" marB="63500" anchor="ctr">
+                    <a:lnL w="0" cap="flat" cmpd="sng" algn="ctr">
+                      <a:noFill/>
+                      <a:prstDash val="solid"/>
+                    </a:lnL>
+                    <a:lnR w="0" cap="flat" cmpd="sng" algn="ctr">
+                      <a:noFill/>
+                      <a:prstDash val="solid"/>
+                    </a:lnR>
+                    <a:lnT w="0" cap="flat" cmpd="sng" algn="ctr">
+                      <a:noFill/>
+                      <a:prstDash val="solid"/>
+                    </a:lnT>
+                    <a:lnB w="0" cap="flat" cmpd="sng" algn="ctr">
+                      <a:noFill/>
+                      <a:prstDash val="solid"/>
+                    </a:lnB>
+                    <a:solidFill>
+                      <a:srgbClr val="FFFFFF">
+                        <a:alpha val="0"/>
+                      </a:srgbClr>
+                    </a:solidFill>
+                  </a:tcPr>
+                </a:tc>
+                <a:tc>
+                  <a:txBody>
+                    <a:bodyPr/>
+                    <a:lstStyle/>
+                    <a:p>
+                      <a:pPr marL="63500" marR="63500" algn="ctr">
+                        <a:lnSpc>
+                          <a:spcPct val="100000"/>
+                        </a:lnSpc>
+                        <a:spcBef>
+                          <a:spcPts val="500"/>
+                        </a:spcBef>
+                        <a:spcAft>
+                          <a:spcPts val="500"/>
+                        </a:spcAft>
+                        <a:buNone/>
+                      </a:pPr>
+                      <a:r>
+                        <a:rPr sz="1600" b="0" i="0" u="none" cap="none">
+                          <a:solidFill>
+                            <a:srgbClr val="000000">
+                              <a:alpha val="100000"/>
+                            </a:srgbClr>
+                          </a:solidFill>
+                          <a:latin typeface="Arial"/>
+                          <a:cs typeface="Arial"/>
+                          <a:sym typeface="Arial"/>
+                        </a:rPr>
+                        <a:t>0.24</a:t>
+                      </a:r>
+                    </a:p>
+                  </a:txBody>
+                  <a:tcPr marL="0" marR="0" marT="63500" marB="63500" anchor="ctr">
+                    <a:lnL w="0" cap="flat" cmpd="sng" algn="ctr">
+                      <a:noFill/>
+                      <a:prstDash val="solid"/>
+                    </a:lnL>
+                    <a:lnR w="0" cap="flat" cmpd="sng" algn="ctr">
+                      <a:noFill/>
+                      <a:prstDash val="solid"/>
+                    </a:lnR>
+                    <a:lnT w="0" cap="flat" cmpd="sng" algn="ctr">
+                      <a:noFill/>
+                      <a:prstDash val="solid"/>
+                    </a:lnT>
+                    <a:lnB w="0" cap="flat" cmpd="sng" algn="ctr">
+                      <a:noFill/>
+                      <a:prstDash val="solid"/>
+                    </a:lnB>
+                    <a:solidFill>
+                      <a:srgbClr val="FFFFFF">
+                        <a:alpha val="0"/>
+                      </a:srgbClr>
+                    </a:solidFill>
+                  </a:tcPr>
+                </a:tc>
+                <a:tc>
+                  <a:txBody>
+                    <a:bodyPr/>
+                    <a:lstStyle/>
+                    <a:p>
+                      <a:pPr marL="63500" marR="63500" algn="ctr">
+                        <a:lnSpc>
+                          <a:spcPct val="100000"/>
+                        </a:lnSpc>
+                        <a:spcBef>
+                          <a:spcPts val="500"/>
+                        </a:spcBef>
+                        <a:spcAft>
+                          <a:spcPts val="500"/>
+                        </a:spcAft>
+                        <a:buNone/>
+                      </a:pPr>
+                      <a:r>
+                        <a:rPr sz="1600" b="0" i="0" u="none" cap="none">
+                          <a:solidFill>
+                            <a:srgbClr val="000000">
+                              <a:alpha val="100000"/>
+                            </a:srgbClr>
+                          </a:solidFill>
+                          <a:latin typeface="Arial"/>
+                          <a:cs typeface="Arial"/>
+                          <a:sym typeface="Arial"/>
+                        </a:rPr>
+                        <a:t>0.20</a:t>
+                      </a:r>
+                    </a:p>
+                  </a:txBody>
+                  <a:tcPr marL="0" marR="0" marT="63500" marB="63500" anchor="ctr">
+                    <a:lnL w="0" cap="flat" cmpd="sng" algn="ctr">
+                      <a:noFill/>
+                      <a:prstDash val="solid"/>
+                    </a:lnL>
+                    <a:lnR w="0" cap="flat" cmpd="sng" algn="ctr">
+                      <a:noFill/>
+                      <a:prstDash val="solid"/>
+                    </a:lnR>
+                    <a:lnT w="0" cap="flat" cmpd="sng" algn="ctr">
+                      <a:noFill/>
+                      <a:prstDash val="solid"/>
+                    </a:lnT>
+                    <a:lnB w="0" cap="flat" cmpd="sng" algn="ctr">
+                      <a:noFill/>
+                      <a:prstDash val="solid"/>
+                    </a:lnB>
+                    <a:solidFill>
+                      <a:srgbClr val="FFFFFF">
+                        <a:alpha val="0"/>
+                      </a:srgbClr>
+                    </a:solidFill>
+                  </a:tcPr>
+                </a:tc>
+                <a:tc>
+                  <a:txBody>
+                    <a:bodyPr/>
+                    <a:lstStyle/>
+                    <a:p>
+                      <a:pPr marL="63500" marR="63500" algn="ctr">
+                        <a:lnSpc>
+                          <a:spcPct val="100000"/>
+                        </a:lnSpc>
+                        <a:spcBef>
+                          <a:spcPts val="500"/>
+                        </a:spcBef>
+                        <a:spcAft>
+                          <a:spcPts val="500"/>
+                        </a:spcAft>
+                        <a:buNone/>
+                      </a:pPr>
+                      <a:r>
+                        <a:rPr sz="1600" b="0" i="0" u="none" cap="none">
+                          <a:solidFill>
+                            <a:srgbClr val="000000">
+                              <a:alpha val="100000"/>
+                            </a:srgbClr>
+                          </a:solidFill>
+                          <a:latin typeface="Arial"/>
+                          <a:cs typeface="Arial"/>
+                          <a:sym typeface="Arial"/>
+                        </a:rPr>
+                        <a:t>0.31</a:t>
+                      </a:r>
+                    </a:p>
+                  </a:txBody>
+                  <a:tcPr marL="0" marR="0" marT="63500" marB="63500" anchor="ctr">
+                    <a:lnL w="0" cap="flat" cmpd="sng" algn="ctr">
+                      <a:noFill/>
+                      <a:prstDash val="solid"/>
+                    </a:lnL>
+                    <a:lnR w="0" cap="flat" cmpd="sng" algn="ctr">
+                      <a:noFill/>
+                      <a:prstDash val="solid"/>
+                    </a:lnR>
+                    <a:lnT w="0" cap="flat" cmpd="sng" algn="ctr">
+                      <a:noFill/>
+                      <a:prstDash val="solid"/>
+                    </a:lnT>
+                    <a:lnB w="0" cap="flat" cmpd="sng" algn="ctr">
+                      <a:noFill/>
+                      <a:prstDash val="solid"/>
+                    </a:lnB>
+                    <a:solidFill>
+                      <a:srgbClr val="FFFFFF">
+                        <a:alpha val="0"/>
+                      </a:srgbClr>
+                    </a:solidFill>
+                  </a:tcPr>
+                </a:tc>
+                <a:extLst>
+                  <a:ext uri="{0D108BD9-81ED-4DB2-BD59-A6C34878D82A}">
+                    <a16:rowId xmlns:a16="http://schemas.microsoft.com/office/drawing/2014/main" val="10006"/>
+                  </a:ext>
+                </a:extLst>
+              </a:tr>
+              <a:tr h="447322">
+                <a:tc>
+                  <a:txBody>
+                    <a:bodyPr/>
+                    <a:lstStyle/>
+                    <a:p>
+                      <a:pPr marL="63500" marR="63500" algn="l">
+                        <a:lnSpc>
+                          <a:spcPct val="100000"/>
+                        </a:lnSpc>
+                        <a:spcBef>
+                          <a:spcPts val="500"/>
+                        </a:spcBef>
+                        <a:spcAft>
+                          <a:spcPts val="500"/>
+                        </a:spcAft>
+                        <a:buNone/>
+                      </a:pPr>
+                      <a:r>
+                        <a:rPr sz="1600" b="0" i="0" u="none" cap="none">
+                          <a:solidFill>
+                            <a:srgbClr val="000000">
+                              <a:alpha val="100000"/>
+                            </a:srgbClr>
+                          </a:solidFill>
+                          <a:latin typeface="Arial"/>
+                          <a:cs typeface="Arial"/>
+                          <a:sym typeface="Arial"/>
+                        </a:rPr>
+                        <a:t>N</a:t>
+                      </a:r>
+                    </a:p>
+                  </a:txBody>
+                  <a:tcPr marL="0" marR="0" marT="63500" marB="63500" anchor="ctr">
+                    <a:lnL w="0" cap="flat" cmpd="sng" algn="ctr">
+                      <a:noFill/>
+                      <a:prstDash val="solid"/>
+                    </a:lnL>
+                    <a:lnR w="0" cap="flat" cmpd="sng" algn="ctr">
+                      <a:noFill/>
+                      <a:prstDash val="solid"/>
+                    </a:lnR>
+                    <a:lnT w="0" cap="flat" cmpd="sng" algn="ctr">
+                      <a:noFill/>
+                      <a:prstDash val="solid"/>
+                    </a:lnT>
+                    <a:lnB w="12700" cap="flat" cmpd="sng" algn="ctr">
+                      <a:solidFill>
+                        <a:srgbClr val="000000">
+                          <a:alpha val="100000"/>
+                        </a:srgbClr>
+                      </a:solidFill>
+                      <a:prstDash val="solid"/>
+                    </a:lnB>
+                    <a:solidFill>
+                      <a:srgbClr val="FFFFFF">
+                        <a:alpha val="0"/>
+                      </a:srgbClr>
+                    </a:solidFill>
+                  </a:tcPr>
+                </a:tc>
+                <a:tc>
+                  <a:txBody>
+                    <a:bodyPr/>
+                    <a:lstStyle/>
+                    <a:p>
+                      <a:pPr marL="63500" marR="63500" algn="ctr">
+                        <a:lnSpc>
+                          <a:spcPct val="100000"/>
+                        </a:lnSpc>
+                        <a:spcBef>
+                          <a:spcPts val="500"/>
+                        </a:spcBef>
+                        <a:spcAft>
+                          <a:spcPts val="500"/>
+                        </a:spcAft>
+                        <a:buNone/>
+                      </a:pPr>
+                      <a:r>
+                        <a:rPr sz="1600" b="0" i="0" u="none" cap="none">
+                          <a:solidFill>
+                            <a:srgbClr val="000000">
+                              <a:alpha val="100000"/>
+                            </a:srgbClr>
+                          </a:solidFill>
+                          <a:latin typeface="Arial"/>
+                          <a:cs typeface="Arial"/>
+                          <a:sym typeface="Arial"/>
+                        </a:rPr>
+                        <a:t>4980</a:t>
+                      </a:r>
+                    </a:p>
+                  </a:txBody>
+                  <a:tcPr marL="0" marR="0" marT="63500" marB="63500" anchor="ctr">
+                    <a:lnL w="0" cap="flat" cmpd="sng" algn="ctr">
+                      <a:noFill/>
+                      <a:prstDash val="solid"/>
+                    </a:lnL>
+                    <a:lnR w="0" cap="flat" cmpd="sng" algn="ctr">
+                      <a:noFill/>
+                      <a:prstDash val="solid"/>
+                    </a:lnR>
+                    <a:lnT w="0" cap="flat" cmpd="sng" algn="ctr">
+                      <a:noFill/>
+                      <a:prstDash val="solid"/>
+                    </a:lnT>
+                    <a:lnB w="12700" cap="flat" cmpd="sng" algn="ctr">
+                      <a:solidFill>
+                        <a:srgbClr val="000000">
+                          <a:alpha val="100000"/>
+                        </a:srgbClr>
+                      </a:solidFill>
+                      <a:prstDash val="solid"/>
+                    </a:lnB>
+                    <a:solidFill>
+                      <a:srgbClr val="FFFFFF">
+                        <a:alpha val="0"/>
+                      </a:srgbClr>
+                    </a:solidFill>
+                  </a:tcPr>
+                </a:tc>
+                <a:tc>
+                  <a:txBody>
+                    <a:bodyPr/>
+                    <a:lstStyle/>
+                    <a:p>
+                      <a:pPr marL="63500" marR="63500" algn="ctr">
+                        <a:lnSpc>
+                          <a:spcPct val="100000"/>
+                        </a:lnSpc>
+                        <a:spcBef>
+                          <a:spcPts val="500"/>
+                        </a:spcBef>
+                        <a:spcAft>
+                          <a:spcPts val="500"/>
+                        </a:spcAft>
+                        <a:buNone/>
+                      </a:pPr>
+                      <a:r>
+                        <a:rPr sz="1600" b="0" i="0" u="none" cap="none">
+                          <a:solidFill>
+                            <a:srgbClr val="000000">
+                              <a:alpha val="100000"/>
+                            </a:srgbClr>
+                          </a:solidFill>
+                          <a:latin typeface="Arial"/>
+                          <a:cs typeface="Arial"/>
+                          <a:sym typeface="Arial"/>
+                        </a:rPr>
+                        <a:t>2728</a:t>
+                      </a:r>
+                    </a:p>
+                  </a:txBody>
+                  <a:tcPr marL="0" marR="0" marT="63500" marB="63500" anchor="ctr">
+                    <a:lnL w="0" cap="flat" cmpd="sng" algn="ctr">
+                      <a:noFill/>
+                      <a:prstDash val="solid"/>
+                    </a:lnL>
+                    <a:lnR w="0" cap="flat" cmpd="sng" algn="ctr">
+                      <a:noFill/>
+                      <a:prstDash val="solid"/>
+                    </a:lnR>
+                    <a:lnT w="0" cap="flat" cmpd="sng" algn="ctr">
+                      <a:noFill/>
+                      <a:prstDash val="solid"/>
+                    </a:lnT>
+                    <a:lnB w="12700" cap="flat" cmpd="sng" algn="ctr">
+                      <a:solidFill>
+                        <a:srgbClr val="000000">
+                          <a:alpha val="100000"/>
+                        </a:srgbClr>
+                      </a:solidFill>
+                      <a:prstDash val="solid"/>
+                    </a:lnB>
+                    <a:solidFill>
+                      <a:srgbClr val="FFFFFF">
+                        <a:alpha val="0"/>
+                      </a:srgbClr>
+                    </a:solidFill>
+                  </a:tcPr>
+                </a:tc>
+                <a:tc>
+                  <a:txBody>
+                    <a:bodyPr/>
+                    <a:lstStyle/>
+                    <a:p>
+                      <a:pPr marL="63500" marR="63500" algn="ctr">
+                        <a:lnSpc>
+                          <a:spcPct val="100000"/>
+                        </a:lnSpc>
+                        <a:spcBef>
+                          <a:spcPts val="500"/>
+                        </a:spcBef>
+                        <a:spcAft>
+                          <a:spcPts val="500"/>
+                        </a:spcAft>
+                        <a:buNone/>
+                      </a:pPr>
+                      <a:r>
+                        <a:rPr sz="1600" b="0" i="0" u="none" cap="none" dirty="0">
                           <a:solidFill>
                             <a:srgbClr val="000000">
                               <a:alpha val="100000"/>
@@ -6422,6 +7644,35 @@
           </a:graphicData>
         </a:graphic>
       </p:graphicFrame>
+      <p:sp>
+        <p:nvSpPr>
+          <p:cNvPr id="3" name="スライド番号プレースホルダー 2">
+            <a:extLst>
+              <a:ext uri="{FF2B5EF4-FFF2-40B4-BE49-F238E27FC236}">
+                <a16:creationId xmlns:a16="http://schemas.microsoft.com/office/drawing/2014/main" id="{CC23A198-009D-6C7C-A961-A75FC79925DA}"/>
+              </a:ext>
+            </a:extLst>
+          </p:cNvPr>
+          <p:cNvSpPr>
+            <a:spLocks noGrp="1"/>
+          </p:cNvSpPr>
+          <p:nvPr>
+            <p:ph type="sldNum" sz="quarter" idx="12"/>
+          </p:nvPr>
+        </p:nvSpPr>
+        <p:spPr/>
+        <p:txBody>
+          <a:bodyPr/>
+          <a:lstStyle/>
+          <a:p>
+            <a:fld id="{C5EF2332-01BF-834F-8236-50238282D533}" type="slidenum">
+              <a:rPr lang="en-US" smtClean="0"/>
+              <a:t>7</a:t>
+            </a:fld>
+            <a:endParaRPr lang="en-US"/>
+          </a:p>
+        </p:txBody>
+      </p:sp>
     </p:spTree>
   </p:cSld>
   <p:clrMapOvr>
@@ -6748,4 +7999,299 @@
   </a:objectDefaults>
   <a:extraClrSchemeLst/>
 </a:theme>
+</file>
+
+<file path=ppt/theme/theme2.xml><?xml version="1.0" encoding="utf-8"?>
+<a:theme xmlns:a="http://schemas.openxmlformats.org/drawingml/2006/main" name="Office テーマ">
+  <a:themeElements>
+    <a:clrScheme name="Office">
+      <a:dk1>
+        <a:sysClr val="windowText" lastClr="000000"/>
+      </a:dk1>
+      <a:lt1>
+        <a:sysClr val="window" lastClr="FFFFFF"/>
+      </a:lt1>
+      <a:dk2>
+        <a:srgbClr val="44546A"/>
+      </a:dk2>
+      <a:lt2>
+        <a:srgbClr val="E7E6E6"/>
+      </a:lt2>
+      <a:accent1>
+        <a:srgbClr val="4472C4"/>
+      </a:accent1>
+      <a:accent2>
+        <a:srgbClr val="ED7D31"/>
+      </a:accent2>
+      <a:accent3>
+        <a:srgbClr val="A5A5A5"/>
+      </a:accent3>
+      <a:accent4>
+        <a:srgbClr val="FFC000"/>
+      </a:accent4>
+      <a:accent5>
+        <a:srgbClr val="5B9BD5"/>
+      </a:accent5>
+      <a:accent6>
+        <a:srgbClr val="70AD47"/>
+      </a:accent6>
+      <a:hlink>
+        <a:srgbClr val="0563C1"/>
+      </a:hlink>
+      <a:folHlink>
+        <a:srgbClr val="954F72"/>
+      </a:folHlink>
+    </a:clrScheme>
+    <a:fontScheme name="Office">
+      <a:majorFont>
+        <a:latin typeface="游ゴシック Light" panose="020F0302020204030204"/>
+        <a:ea typeface=""/>
+        <a:cs typeface=""/>
+        <a:font script="Jpan" typeface="游ゴシック Light"/>
+        <a:font script="Hang" typeface="맑은 고딕"/>
+        <a:font script="Hans" typeface="等线 Light"/>
+        <a:font script="Hant" typeface="新細明體"/>
+        <a:font script="Arab" typeface="Times New Roman"/>
+        <a:font script="Hebr" typeface="Times New Roman"/>
+        <a:font script="Thai" typeface="Angsana New"/>
+        <a:font script="Ethi" typeface="Nyala"/>
+        <a:font script="Beng" typeface="Vrinda"/>
+        <a:font script="Gujr" typeface="Shruti"/>
+        <a:font script="Khmr" typeface="MoolBoran"/>
+        <a:font script="Knda" typeface="Tunga"/>
+        <a:font script="Guru" typeface="Raavi"/>
+        <a:font script="Cans" typeface="Euphemia"/>
+        <a:font script="Cher" typeface="Plantagenet Cherokee"/>
+        <a:font script="Yiii" typeface="Microsoft Yi Baiti"/>
+        <a:font script="Tibt" typeface="Microsoft Himalaya"/>
+        <a:font script="Thaa" typeface="MV Boli"/>
+        <a:font script="Deva" typeface="Mangal"/>
+        <a:font script="Telu" typeface="Gautami"/>
+        <a:font script="Taml" typeface="Latha"/>
+        <a:font script="Syrc" typeface="Estrangelo Edessa"/>
+        <a:font script="Orya" typeface="Kalinga"/>
+        <a:font script="Mlym" typeface="Kartika"/>
+        <a:font script="Laoo" typeface="DokChampa"/>
+        <a:font script="Sinh" typeface="Iskoola Pota"/>
+        <a:font script="Mong" typeface="Mongolian Baiti"/>
+        <a:font script="Viet" typeface="Times New Roman"/>
+        <a:font script="Uigh" typeface="Microsoft Uighur"/>
+        <a:font script="Geor" typeface="Sylfaen"/>
+        <a:font script="Armn" typeface="Arial"/>
+        <a:font script="Bugi" typeface="Leelawadee UI"/>
+        <a:font script="Bopo" typeface="Microsoft JhengHei"/>
+        <a:font script="Java" typeface="Javanese Text"/>
+        <a:font script="Lisu" typeface="Segoe UI"/>
+        <a:font script="Mymr" typeface="Myanmar Text"/>
+        <a:font script="Nkoo" typeface="Ebrima"/>
+        <a:font script="Olck" typeface="Nirmala UI"/>
+        <a:font script="Osma" typeface="Ebrima"/>
+        <a:font script="Phag" typeface="Phagspa"/>
+        <a:font script="Syrn" typeface="Estrangelo Edessa"/>
+        <a:font script="Syrj" typeface="Estrangelo Edessa"/>
+        <a:font script="Syre" typeface="Estrangelo Edessa"/>
+        <a:font script="Sora" typeface="Nirmala UI"/>
+        <a:font script="Tale" typeface="Microsoft Tai Le"/>
+        <a:font script="Talu" typeface="Microsoft New Tai Lue"/>
+        <a:font script="Tfng" typeface="Ebrima"/>
+      </a:majorFont>
+      <a:minorFont>
+        <a:latin typeface="游ゴシック" panose="020F0502020204030204"/>
+        <a:ea typeface=""/>
+        <a:cs typeface=""/>
+        <a:font script="Jpan" typeface="游ゴシック"/>
+        <a:font script="Hang" typeface="맑은 고딕"/>
+        <a:font script="Hans" typeface="等线"/>
+        <a:font script="Hant" typeface="新細明體"/>
+        <a:font script="Arab" typeface="Arial"/>
+        <a:font script="Hebr" typeface="Arial"/>
+        <a:font script="Thai" typeface="Cordia New"/>
+        <a:font script="Ethi" typeface="Nyala"/>
+        <a:font script="Beng" typeface="Vrinda"/>
+        <a:font script="Gujr" typeface="Shruti"/>
+        <a:font script="Khmr" typeface="DaunPenh"/>
+        <a:font script="Knda" typeface="Tunga"/>
+        <a:font script="Guru" typeface="Raavi"/>
+        <a:font script="Cans" typeface="Euphemia"/>
+        <a:font script="Cher" typeface="Plantagenet Cherokee"/>
+        <a:font script="Yiii" typeface="Microsoft Yi Baiti"/>
+        <a:font script="Tibt" typeface="Microsoft Himalaya"/>
+        <a:font script="Thaa" typeface="MV Boli"/>
+        <a:font script="Deva" typeface="Mangal"/>
+        <a:font script="Telu" typeface="Gautami"/>
+        <a:font script="Taml" typeface="Latha"/>
+        <a:font script="Syrc" typeface="Estrangelo Edessa"/>
+        <a:font script="Orya" typeface="Kalinga"/>
+        <a:font script="Mlym" typeface="Kartika"/>
+        <a:font script="Laoo" typeface="DokChampa"/>
+        <a:font script="Sinh" typeface="Iskoola Pota"/>
+        <a:font script="Mong" typeface="Mongolian Baiti"/>
+        <a:font script="Viet" typeface="Arial"/>
+        <a:font script="Uigh" typeface="Microsoft Uighur"/>
+        <a:font script="Geor" typeface="Sylfaen"/>
+        <a:font script="Armn" typeface="Arial"/>
+        <a:font script="Bugi" typeface="Leelawadee UI"/>
+        <a:font script="Bopo" typeface="Microsoft JhengHei"/>
+        <a:font script="Java" typeface="Javanese Text"/>
+        <a:font script="Lisu" typeface="Segoe UI"/>
+        <a:font script="Mymr" typeface="Myanmar Text"/>
+        <a:font script="Nkoo" typeface="Ebrima"/>
+        <a:font script="Olck" typeface="Nirmala UI"/>
+        <a:font script="Osma" typeface="Ebrima"/>
+        <a:font script="Phag" typeface="Phagspa"/>
+        <a:font script="Syrn" typeface="Estrangelo Edessa"/>
+        <a:font script="Syrj" typeface="Estrangelo Edessa"/>
+        <a:font script="Syre" typeface="Estrangelo Edessa"/>
+        <a:font script="Sora" typeface="Nirmala UI"/>
+        <a:font script="Tale" typeface="Microsoft Tai Le"/>
+        <a:font script="Talu" typeface="Microsoft New Tai Lue"/>
+        <a:font script="Tfng" typeface="Ebrima"/>
+      </a:minorFont>
+    </a:fontScheme>
+    <a:fmtScheme name="Office">
+      <a:fillStyleLst>
+        <a:solidFill>
+          <a:schemeClr val="phClr"/>
+        </a:solidFill>
+        <a:gradFill rotWithShape="1">
+          <a:gsLst>
+            <a:gs pos="0">
+              <a:schemeClr val="phClr">
+                <a:lumMod val="110000"/>
+                <a:satMod val="105000"/>
+                <a:tint val="67000"/>
+              </a:schemeClr>
+            </a:gs>
+            <a:gs pos="50000">
+              <a:schemeClr val="phClr">
+                <a:lumMod val="105000"/>
+                <a:satMod val="103000"/>
+                <a:tint val="73000"/>
+              </a:schemeClr>
+            </a:gs>
+            <a:gs pos="100000">
+              <a:schemeClr val="phClr">
+                <a:lumMod val="105000"/>
+                <a:satMod val="109000"/>
+                <a:tint val="81000"/>
+              </a:schemeClr>
+            </a:gs>
+          </a:gsLst>
+          <a:lin ang="5400000" scaled="0"/>
+        </a:gradFill>
+        <a:gradFill rotWithShape="1">
+          <a:gsLst>
+            <a:gs pos="0">
+              <a:schemeClr val="phClr">
+                <a:satMod val="103000"/>
+                <a:lumMod val="102000"/>
+                <a:tint val="94000"/>
+              </a:schemeClr>
+            </a:gs>
+            <a:gs pos="50000">
+              <a:schemeClr val="phClr">
+                <a:satMod val="110000"/>
+                <a:lumMod val="100000"/>
+                <a:shade val="100000"/>
+              </a:schemeClr>
+            </a:gs>
+            <a:gs pos="100000">
+              <a:schemeClr val="phClr">
+                <a:lumMod val="99000"/>
+                <a:satMod val="120000"/>
+                <a:shade val="78000"/>
+              </a:schemeClr>
+            </a:gs>
+          </a:gsLst>
+          <a:lin ang="5400000" scaled="0"/>
+        </a:gradFill>
+      </a:fillStyleLst>
+      <a:lnStyleLst>
+        <a:ln w="6350" cap="flat" cmpd="sng" algn="ctr">
+          <a:solidFill>
+            <a:schemeClr val="phClr"/>
+          </a:solidFill>
+          <a:prstDash val="solid"/>
+          <a:miter lim="800000"/>
+        </a:ln>
+        <a:ln w="12700" cap="flat" cmpd="sng" algn="ctr">
+          <a:solidFill>
+            <a:schemeClr val="phClr"/>
+          </a:solidFill>
+          <a:prstDash val="solid"/>
+          <a:miter lim="800000"/>
+        </a:ln>
+        <a:ln w="19050" cap="flat" cmpd="sng" algn="ctr">
+          <a:solidFill>
+            <a:schemeClr val="phClr"/>
+          </a:solidFill>
+          <a:prstDash val="solid"/>
+          <a:miter lim="800000"/>
+        </a:ln>
+      </a:lnStyleLst>
+      <a:effectStyleLst>
+        <a:effectStyle>
+          <a:effectLst/>
+        </a:effectStyle>
+        <a:effectStyle>
+          <a:effectLst/>
+        </a:effectStyle>
+        <a:effectStyle>
+          <a:effectLst>
+            <a:outerShdw blurRad="57150" dist="19050" dir="5400000" algn="ctr" rotWithShape="0">
+              <a:srgbClr val="000000">
+                <a:alpha val="63000"/>
+              </a:srgbClr>
+            </a:outerShdw>
+          </a:effectLst>
+        </a:effectStyle>
+      </a:effectStyleLst>
+      <a:bgFillStyleLst>
+        <a:solidFill>
+          <a:schemeClr val="phClr"/>
+        </a:solidFill>
+        <a:solidFill>
+          <a:schemeClr val="phClr">
+            <a:tint val="95000"/>
+            <a:satMod val="170000"/>
+          </a:schemeClr>
+        </a:solidFill>
+        <a:gradFill rotWithShape="1">
+          <a:gsLst>
+            <a:gs pos="0">
+              <a:schemeClr val="phClr">
+                <a:tint val="93000"/>
+                <a:satMod val="150000"/>
+                <a:shade val="98000"/>
+                <a:lumMod val="102000"/>
+              </a:schemeClr>
+            </a:gs>
+            <a:gs pos="50000">
+              <a:schemeClr val="phClr">
+                <a:tint val="98000"/>
+                <a:satMod val="130000"/>
+                <a:shade val="90000"/>
+                <a:lumMod val="103000"/>
+              </a:schemeClr>
+            </a:gs>
+            <a:gs pos="100000">
+              <a:schemeClr val="phClr">
+                <a:shade val="63000"/>
+                <a:satMod val="120000"/>
+              </a:schemeClr>
+            </a:gs>
+          </a:gsLst>
+          <a:lin ang="5400000" scaled="0"/>
+        </a:gradFill>
+      </a:bgFillStyleLst>
+    </a:fmtScheme>
+  </a:themeElements>
+  <a:objectDefaults/>
+  <a:extraClrSchemeLst/>
+  <a:extLst>
+    <a:ext uri="{05A4C25C-085E-4340-85A3-A5531E510DB2}">
+      <thm15:themeFamily xmlns:thm15="http://schemas.microsoft.com/office/thememl/2012/main" name="Office Theme" id="{62F939B6-93AF-4DB8-9C6B-D6C7DFDC589F}" vid="{4A3C46E8-61CC-4603-A589-7422A47A8E4A}"/>
+    </a:ext>
+  </a:extLst>
+</a:theme>
 </file>
--- a/targeting.pptx
+++ b/targeting.pptx
@@ -1,20 +1,15 @@
 
 <file path=ppt/presentation.xml><?xml version="1.0" encoding="utf-8"?>
-<p:presentation xmlns:a="http://schemas.openxmlformats.org/drawingml/2006/main" xmlns:r="http://schemas.openxmlformats.org/officeDocument/2006/relationships" xmlns:p="http://schemas.openxmlformats.org/presentationml/2006/main" saveSubsetFonts="1" autoCompressPictures="0">
+<p:presentation xmlns:a="http://schemas.openxmlformats.org/drawingml/2006/main" xmlns:p="http://schemas.openxmlformats.org/presentationml/2006/main" xmlns:r="http://schemas.openxmlformats.org/officeDocument/2006/relationships" autoCompressPictures="0" saveSubsetFonts="1">
   <p:sldMasterIdLst>
     <p:sldMasterId id="2147483648" r:id="rId1"/>
   </p:sldMasterIdLst>
-  <p:notesMasterIdLst>
-    <p:notesMasterId r:id="rId9"/>
-  </p:notesMasterIdLst>
   <p:sldIdLst>
     <p:sldId id="256" r:id="rId2"/>
-    <p:sldId id="259" r:id="rId3"/>
-    <p:sldId id="260" r:id="rId4"/>
-    <p:sldId id="306" r:id="rId5"/>
-    <p:sldId id="307" r:id="rId6"/>
-    <p:sldId id="257" r:id="rId7"/>
-    <p:sldId id="258" r:id="rId8"/>
+    <p:sldId id="257" r:id="rId3"/>
+    <p:sldId id="258" r:id="rId4"/>
+    <p:sldId id="259" r:id="rId5"/>
+    <p:sldId id="260" r:id="rId6"/>
   </p:sldIdLst>
   <p:sldSz cx="9144000" cy="5143500" type="screen16x9"/>
   <p:notesSz cx="6858000" cy="9144000"/>
@@ -22,8 +17,8 @@
     <a:defPPr>
       <a:defRPr lang="en-US"/>
     </a:defPPr>
-    <a:lvl1pPr marL="0" algn="l" defTabSz="457200" rtl="0" eaLnBrk="1" latinLnBrk="0" hangingPunct="1">
-      <a:defRPr sz="1800" kern="1200">
+    <a:lvl1pPr algn="l" defTabSz="457200" eaLnBrk="1" hangingPunct="1" latinLnBrk="0" marL="0" rtl="0">
+      <a:defRPr kern="1200" sz="1800">
         <a:solidFill>
           <a:schemeClr val="tx1"/>
         </a:solidFill>
@@ -32,8 +27,8 @@
         <a:cs typeface="+mn-cs"/>
       </a:defRPr>
     </a:lvl1pPr>
-    <a:lvl2pPr marL="457200" algn="l" defTabSz="457200" rtl="0" eaLnBrk="1" latinLnBrk="0" hangingPunct="1">
-      <a:defRPr sz="1800" kern="1200">
+    <a:lvl2pPr algn="l" defTabSz="457200" eaLnBrk="1" hangingPunct="1" latinLnBrk="0" marL="457200" rtl="0">
+      <a:defRPr kern="1200" sz="1800">
         <a:solidFill>
           <a:schemeClr val="tx1"/>
         </a:solidFill>
@@ -42,8 +37,8 @@
         <a:cs typeface="+mn-cs"/>
       </a:defRPr>
     </a:lvl2pPr>
-    <a:lvl3pPr marL="914400" algn="l" defTabSz="457200" rtl="0" eaLnBrk="1" latinLnBrk="0" hangingPunct="1">
-      <a:defRPr sz="1800" kern="1200">
+    <a:lvl3pPr algn="l" defTabSz="457200" eaLnBrk="1" hangingPunct="1" latinLnBrk="0" marL="914400" rtl="0">
+      <a:defRPr kern="1200" sz="1800">
         <a:solidFill>
           <a:schemeClr val="tx1"/>
         </a:solidFill>
@@ -52,8 +47,8 @@
         <a:cs typeface="+mn-cs"/>
       </a:defRPr>
     </a:lvl3pPr>
-    <a:lvl4pPr marL="1371600" algn="l" defTabSz="457200" rtl="0" eaLnBrk="1" latinLnBrk="0" hangingPunct="1">
-      <a:defRPr sz="1800" kern="1200">
+    <a:lvl4pPr algn="l" defTabSz="457200" eaLnBrk="1" hangingPunct="1" latinLnBrk="0" marL="1371600" rtl="0">
+      <a:defRPr kern="1200" sz="1800">
         <a:solidFill>
           <a:schemeClr val="tx1"/>
         </a:solidFill>
@@ -62,8 +57,8 @@
         <a:cs typeface="+mn-cs"/>
       </a:defRPr>
     </a:lvl4pPr>
-    <a:lvl5pPr marL="1828800" algn="l" defTabSz="457200" rtl="0" eaLnBrk="1" latinLnBrk="0" hangingPunct="1">
-      <a:defRPr sz="1800" kern="1200">
+    <a:lvl5pPr algn="l" defTabSz="457200" eaLnBrk="1" hangingPunct="1" latinLnBrk="0" marL="1828800" rtl="0">
+      <a:defRPr kern="1200" sz="1800">
         <a:solidFill>
           <a:schemeClr val="tx1"/>
         </a:solidFill>
@@ -72,8 +67,8 @@
         <a:cs typeface="+mn-cs"/>
       </a:defRPr>
     </a:lvl5pPr>
-    <a:lvl6pPr marL="2286000" algn="l" defTabSz="457200" rtl="0" eaLnBrk="1" latinLnBrk="0" hangingPunct="1">
-      <a:defRPr sz="1800" kern="1200">
+    <a:lvl6pPr algn="l" defTabSz="457200" eaLnBrk="1" hangingPunct="1" latinLnBrk="0" marL="2286000" rtl="0">
+      <a:defRPr kern="1200" sz="1800">
         <a:solidFill>
           <a:schemeClr val="tx1"/>
         </a:solidFill>
@@ -82,8 +77,8 @@
         <a:cs typeface="+mn-cs"/>
       </a:defRPr>
     </a:lvl6pPr>
-    <a:lvl7pPr marL="2743200" algn="l" defTabSz="457200" rtl="0" eaLnBrk="1" latinLnBrk="0" hangingPunct="1">
-      <a:defRPr sz="1800" kern="1200">
+    <a:lvl7pPr algn="l" defTabSz="457200" eaLnBrk="1" hangingPunct="1" latinLnBrk="0" marL="2743200" rtl="0">
+      <a:defRPr kern="1200" sz="1800">
         <a:solidFill>
           <a:schemeClr val="tx1"/>
         </a:solidFill>
@@ -92,8 +87,8 @@
         <a:cs typeface="+mn-cs"/>
       </a:defRPr>
     </a:lvl7pPr>
-    <a:lvl8pPr marL="3200400" algn="l" defTabSz="457200" rtl="0" eaLnBrk="1" latinLnBrk="0" hangingPunct="1">
-      <a:defRPr sz="1800" kern="1200">
+    <a:lvl8pPr algn="l" defTabSz="457200" eaLnBrk="1" hangingPunct="1" latinLnBrk="0" marL="3200400" rtl="0">
+      <a:defRPr kern="1200" sz="1800">
         <a:solidFill>
           <a:schemeClr val="tx1"/>
         </a:solidFill>
@@ -102,8 +97,8 @@
         <a:cs typeface="+mn-cs"/>
       </a:defRPr>
     </a:lvl8pPr>
-    <a:lvl9pPr marL="3657600" algn="l" defTabSz="457200" rtl="0" eaLnBrk="1" latinLnBrk="0" hangingPunct="1">
-      <a:defRPr sz="1800" kern="1200">
+    <a:lvl9pPr algn="l" defTabSz="457200" eaLnBrk="1" hangingPunct="1" latinLnBrk="0" marL="3657600" rtl="0">
+      <a:defRPr kern="1200" sz="1800">
         <a:solidFill>
           <a:schemeClr val="tx1"/>
         </a:solidFill>
@@ -130,387 +125,6 @@
     </p:ext>
   </p:extLst>
 </p:presentation>
-</file>
-
-<file path=ppt/notesMasters/notesMaster1.xml><?xml version="1.0" encoding="utf-8"?>
-<p:notesMaster xmlns:a="http://schemas.openxmlformats.org/drawingml/2006/main" xmlns:r="http://schemas.openxmlformats.org/officeDocument/2006/relationships" xmlns:p="http://schemas.openxmlformats.org/presentationml/2006/main">
-  <p:cSld>
-    <p:bg>
-      <p:bgRef idx="1001">
-        <a:schemeClr val="bg1"/>
-      </p:bgRef>
-    </p:bg>
-    <p:spTree>
-      <p:nvGrpSpPr>
-        <p:cNvPr id="1" name=""/>
-        <p:cNvGrpSpPr/>
-        <p:nvPr/>
-      </p:nvGrpSpPr>
-      <p:grpSpPr>
-        <a:xfrm>
-          <a:off x="0" y="0"/>
-          <a:ext cx="0" cy="0"/>
-          <a:chOff x="0" y="0"/>
-          <a:chExt cx="0" cy="0"/>
-        </a:xfrm>
-      </p:grpSpPr>
-      <p:sp>
-        <p:nvSpPr>
-          <p:cNvPr id="2" name="ヘッダー プレースホルダー 1"/>
-          <p:cNvSpPr>
-            <a:spLocks noGrp="1"/>
-          </p:cNvSpPr>
-          <p:nvPr>
-            <p:ph type="hdr" sz="quarter"/>
-          </p:nvPr>
-        </p:nvSpPr>
-        <p:spPr>
-          <a:xfrm>
-            <a:off x="0" y="0"/>
-            <a:ext cx="2971800" cy="458788"/>
-          </a:xfrm>
-          <a:prstGeom prst="rect">
-            <a:avLst/>
-          </a:prstGeom>
-        </p:spPr>
-        <p:txBody>
-          <a:bodyPr vert="horz" lIns="91440" tIns="45720" rIns="91440" bIns="45720" rtlCol="0"/>
-          <a:lstStyle>
-            <a:lvl1pPr algn="l">
-              <a:defRPr sz="1200"/>
-            </a:lvl1pPr>
-          </a:lstStyle>
-          <a:p>
-            <a:endParaRPr kumimoji="1" lang="ja-JP" altLang="en-US"/>
-          </a:p>
-        </p:txBody>
-      </p:sp>
-      <p:sp>
-        <p:nvSpPr>
-          <p:cNvPr id="3" name="日付プレースホルダー 2"/>
-          <p:cNvSpPr>
-            <a:spLocks noGrp="1"/>
-          </p:cNvSpPr>
-          <p:nvPr>
-            <p:ph type="dt" idx="1"/>
-          </p:nvPr>
-        </p:nvSpPr>
-        <p:spPr>
-          <a:xfrm>
-            <a:off x="3884613" y="0"/>
-            <a:ext cx="2971800" cy="458788"/>
-          </a:xfrm>
-          <a:prstGeom prst="rect">
-            <a:avLst/>
-          </a:prstGeom>
-        </p:spPr>
-        <p:txBody>
-          <a:bodyPr vert="horz" lIns="91440" tIns="45720" rIns="91440" bIns="45720" rtlCol="0"/>
-          <a:lstStyle>
-            <a:lvl1pPr algn="r">
-              <a:defRPr sz="1200"/>
-            </a:lvl1pPr>
-          </a:lstStyle>
-          <a:p>
-            <a:fld id="{5B72E490-59BC-489E-87F3-529E0D60A7C1}" type="datetimeFigureOut">
-              <a:rPr kumimoji="1" lang="ja-JP" altLang="en-US" smtClean="0"/>
-              <a:t>2023/12/14</a:t>
-            </a:fld>
-            <a:endParaRPr kumimoji="1" lang="ja-JP" altLang="en-US"/>
-          </a:p>
-        </p:txBody>
-      </p:sp>
-      <p:sp>
-        <p:nvSpPr>
-          <p:cNvPr id="4" name="スライド イメージ プレースホルダー 3"/>
-          <p:cNvSpPr>
-            <a:spLocks noGrp="1" noRot="1" noChangeAspect="1"/>
-          </p:cNvSpPr>
-          <p:nvPr>
-            <p:ph type="sldImg" idx="2"/>
-          </p:nvPr>
-        </p:nvSpPr>
-        <p:spPr>
-          <a:xfrm>
-            <a:off x="685800" y="1143000"/>
-            <a:ext cx="5486400" cy="3086100"/>
-          </a:xfrm>
-          <a:prstGeom prst="rect">
-            <a:avLst/>
-          </a:prstGeom>
-          <a:noFill/>
-          <a:ln w="12700">
-            <a:solidFill>
-              <a:prstClr val="black"/>
-            </a:solidFill>
-          </a:ln>
-        </p:spPr>
-        <p:txBody>
-          <a:bodyPr vert="horz" lIns="91440" tIns="45720" rIns="91440" bIns="45720" rtlCol="0" anchor="ctr"/>
-          <a:lstStyle/>
-          <a:p>
-            <a:endParaRPr lang="ja-JP" altLang="en-US"/>
-          </a:p>
-        </p:txBody>
-      </p:sp>
-      <p:sp>
-        <p:nvSpPr>
-          <p:cNvPr id="5" name="ノート プレースホルダー 4"/>
-          <p:cNvSpPr>
-            <a:spLocks noGrp="1"/>
-          </p:cNvSpPr>
-          <p:nvPr>
-            <p:ph type="body" sz="quarter" idx="3"/>
-          </p:nvPr>
-        </p:nvSpPr>
-        <p:spPr>
-          <a:xfrm>
-            <a:off x="685800" y="4400550"/>
-            <a:ext cx="5486400" cy="3600450"/>
-          </a:xfrm>
-          <a:prstGeom prst="rect">
-            <a:avLst/>
-          </a:prstGeom>
-        </p:spPr>
-        <p:txBody>
-          <a:bodyPr vert="horz" lIns="91440" tIns="45720" rIns="91440" bIns="45720" rtlCol="0"/>
-          <a:lstStyle/>
-          <a:p>
-            <a:pPr lvl="0"/>
-            <a:r>
-              <a:rPr kumimoji="1" lang="ja-JP" altLang="en-US"/>
-              <a:t>マスター テキストの書式設定</a:t>
-            </a:r>
-          </a:p>
-          <a:p>
-            <a:pPr lvl="1"/>
-            <a:r>
-              <a:rPr kumimoji="1" lang="ja-JP" altLang="en-US"/>
-              <a:t>第 </a:t>
-            </a:r>
-            <a:r>
-              <a:rPr kumimoji="1" lang="en-US" altLang="ja-JP"/>
-              <a:t>2 </a:t>
-            </a:r>
-            <a:r>
-              <a:rPr kumimoji="1" lang="ja-JP" altLang="en-US"/>
-              <a:t>レベル</a:t>
-            </a:r>
-          </a:p>
-          <a:p>
-            <a:pPr lvl="2"/>
-            <a:r>
-              <a:rPr kumimoji="1" lang="ja-JP" altLang="en-US"/>
-              <a:t>第 </a:t>
-            </a:r>
-            <a:r>
-              <a:rPr kumimoji="1" lang="en-US" altLang="ja-JP"/>
-              <a:t>3 </a:t>
-            </a:r>
-            <a:r>
-              <a:rPr kumimoji="1" lang="ja-JP" altLang="en-US"/>
-              <a:t>レベル</a:t>
-            </a:r>
-          </a:p>
-          <a:p>
-            <a:pPr lvl="3"/>
-            <a:r>
-              <a:rPr kumimoji="1" lang="ja-JP" altLang="en-US"/>
-              <a:t>第 </a:t>
-            </a:r>
-            <a:r>
-              <a:rPr kumimoji="1" lang="en-US" altLang="ja-JP"/>
-              <a:t>4 </a:t>
-            </a:r>
-            <a:r>
-              <a:rPr kumimoji="1" lang="ja-JP" altLang="en-US"/>
-              <a:t>レベル</a:t>
-            </a:r>
-          </a:p>
-          <a:p>
-            <a:pPr lvl="4"/>
-            <a:r>
-              <a:rPr kumimoji="1" lang="ja-JP" altLang="en-US"/>
-              <a:t>第 </a:t>
-            </a:r>
-            <a:r>
-              <a:rPr kumimoji="1" lang="en-US" altLang="ja-JP"/>
-              <a:t>5 </a:t>
-            </a:r>
-            <a:r>
-              <a:rPr kumimoji="1" lang="ja-JP" altLang="en-US"/>
-              <a:t>レベル</a:t>
-            </a:r>
-          </a:p>
-        </p:txBody>
-      </p:sp>
-      <p:sp>
-        <p:nvSpPr>
-          <p:cNvPr id="6" name="フッター プレースホルダー 5"/>
-          <p:cNvSpPr>
-            <a:spLocks noGrp="1"/>
-          </p:cNvSpPr>
-          <p:nvPr>
-            <p:ph type="ftr" sz="quarter" idx="4"/>
-          </p:nvPr>
-        </p:nvSpPr>
-        <p:spPr>
-          <a:xfrm>
-            <a:off x="0" y="8685213"/>
-            <a:ext cx="2971800" cy="458787"/>
-          </a:xfrm>
-          <a:prstGeom prst="rect">
-            <a:avLst/>
-          </a:prstGeom>
-        </p:spPr>
-        <p:txBody>
-          <a:bodyPr vert="horz" lIns="91440" tIns="45720" rIns="91440" bIns="45720" rtlCol="0" anchor="b"/>
-          <a:lstStyle>
-            <a:lvl1pPr algn="l">
-              <a:defRPr sz="1200"/>
-            </a:lvl1pPr>
-          </a:lstStyle>
-          <a:p>
-            <a:endParaRPr kumimoji="1" lang="ja-JP" altLang="en-US"/>
-          </a:p>
-        </p:txBody>
-      </p:sp>
-      <p:sp>
-        <p:nvSpPr>
-          <p:cNvPr id="7" name="スライド番号プレースホルダー 6"/>
-          <p:cNvSpPr>
-            <a:spLocks noGrp="1"/>
-          </p:cNvSpPr>
-          <p:nvPr>
-            <p:ph type="sldNum" sz="quarter" idx="5"/>
-          </p:nvPr>
-        </p:nvSpPr>
-        <p:spPr>
-          <a:xfrm>
-            <a:off x="3884613" y="8685213"/>
-            <a:ext cx="2971800" cy="458787"/>
-          </a:xfrm>
-          <a:prstGeom prst="rect">
-            <a:avLst/>
-          </a:prstGeom>
-        </p:spPr>
-        <p:txBody>
-          <a:bodyPr vert="horz" lIns="91440" tIns="45720" rIns="91440" bIns="45720" rtlCol="0" anchor="b"/>
-          <a:lstStyle>
-            <a:lvl1pPr algn="r">
-              <a:defRPr sz="1200"/>
-            </a:lvl1pPr>
-          </a:lstStyle>
-          <a:p>
-            <a:fld id="{3110208E-8233-4476-96D8-D9E049078CC6}" type="slidenum">
-              <a:rPr kumimoji="1" lang="ja-JP" altLang="en-US" smtClean="0"/>
-              <a:t>‹#›</a:t>
-            </a:fld>
-            <a:endParaRPr kumimoji="1" lang="ja-JP" altLang="en-US"/>
-          </a:p>
-        </p:txBody>
-      </p:sp>
-    </p:spTree>
-    <p:extLst>
-      <p:ext uri="{BB962C8B-B14F-4D97-AF65-F5344CB8AC3E}">
-        <p14:creationId xmlns:p14="http://schemas.microsoft.com/office/powerpoint/2010/main" val="3013874815"/>
-      </p:ext>
-    </p:extLst>
-  </p:cSld>
-  <p:clrMap bg1="lt1" tx1="dk1" bg2="lt2" tx2="dk2" accent1="accent1" accent2="accent2" accent3="accent3" accent4="accent4" accent5="accent5" accent6="accent6" hlink="hlink" folHlink="folHlink"/>
-  <p:notesStyle>
-    <a:lvl1pPr marL="0" algn="l" defTabSz="914400" rtl="0" eaLnBrk="1" latinLnBrk="0" hangingPunct="1">
-      <a:defRPr kumimoji="1" sz="1200" kern="1200">
-        <a:solidFill>
-          <a:schemeClr val="tx1"/>
-        </a:solidFill>
-        <a:latin typeface="+mn-lt"/>
-        <a:ea typeface="+mn-ea"/>
-        <a:cs typeface="+mn-cs"/>
-      </a:defRPr>
-    </a:lvl1pPr>
-    <a:lvl2pPr marL="457200" algn="l" defTabSz="914400" rtl="0" eaLnBrk="1" latinLnBrk="0" hangingPunct="1">
-      <a:defRPr kumimoji="1" sz="1200" kern="1200">
-        <a:solidFill>
-          <a:schemeClr val="tx1"/>
-        </a:solidFill>
-        <a:latin typeface="+mn-lt"/>
-        <a:ea typeface="+mn-ea"/>
-        <a:cs typeface="+mn-cs"/>
-      </a:defRPr>
-    </a:lvl2pPr>
-    <a:lvl3pPr marL="914400" algn="l" defTabSz="914400" rtl="0" eaLnBrk="1" latinLnBrk="0" hangingPunct="1">
-      <a:defRPr kumimoji="1" sz="1200" kern="1200">
-        <a:solidFill>
-          <a:schemeClr val="tx1"/>
-        </a:solidFill>
-        <a:latin typeface="+mn-lt"/>
-        <a:ea typeface="+mn-ea"/>
-        <a:cs typeface="+mn-cs"/>
-      </a:defRPr>
-    </a:lvl3pPr>
-    <a:lvl4pPr marL="1371600" algn="l" defTabSz="914400" rtl="0" eaLnBrk="1" latinLnBrk="0" hangingPunct="1">
-      <a:defRPr kumimoji="1" sz="1200" kern="1200">
-        <a:solidFill>
-          <a:schemeClr val="tx1"/>
-        </a:solidFill>
-        <a:latin typeface="+mn-lt"/>
-        <a:ea typeface="+mn-ea"/>
-        <a:cs typeface="+mn-cs"/>
-      </a:defRPr>
-    </a:lvl4pPr>
-    <a:lvl5pPr marL="1828800" algn="l" defTabSz="914400" rtl="0" eaLnBrk="1" latinLnBrk="0" hangingPunct="1">
-      <a:defRPr kumimoji="1" sz="1200" kern="1200">
-        <a:solidFill>
-          <a:schemeClr val="tx1"/>
-        </a:solidFill>
-        <a:latin typeface="+mn-lt"/>
-        <a:ea typeface="+mn-ea"/>
-        <a:cs typeface="+mn-cs"/>
-      </a:defRPr>
-    </a:lvl5pPr>
-    <a:lvl6pPr marL="2286000" algn="l" defTabSz="914400" rtl="0" eaLnBrk="1" latinLnBrk="0" hangingPunct="1">
-      <a:defRPr kumimoji="1" sz="1200" kern="1200">
-        <a:solidFill>
-          <a:schemeClr val="tx1"/>
-        </a:solidFill>
-        <a:latin typeface="+mn-lt"/>
-        <a:ea typeface="+mn-ea"/>
-        <a:cs typeface="+mn-cs"/>
-      </a:defRPr>
-    </a:lvl6pPr>
-    <a:lvl7pPr marL="2743200" algn="l" defTabSz="914400" rtl="0" eaLnBrk="1" latinLnBrk="0" hangingPunct="1">
-      <a:defRPr kumimoji="1" sz="1200" kern="1200">
-        <a:solidFill>
-          <a:schemeClr val="tx1"/>
-        </a:solidFill>
-        <a:latin typeface="+mn-lt"/>
-        <a:ea typeface="+mn-ea"/>
-        <a:cs typeface="+mn-cs"/>
-      </a:defRPr>
-    </a:lvl7pPr>
-    <a:lvl8pPr marL="3200400" algn="l" defTabSz="914400" rtl="0" eaLnBrk="1" latinLnBrk="0" hangingPunct="1">
-      <a:defRPr kumimoji="1" sz="1200" kern="1200">
-        <a:solidFill>
-          <a:schemeClr val="tx1"/>
-        </a:solidFill>
-        <a:latin typeface="+mn-lt"/>
-        <a:ea typeface="+mn-ea"/>
-        <a:cs typeface="+mn-cs"/>
-      </a:defRPr>
-    </a:lvl8pPr>
-    <a:lvl9pPr marL="3657600" algn="l" defTabSz="914400" rtl="0" eaLnBrk="1" latinLnBrk="0" hangingPunct="1">
-      <a:defRPr kumimoji="1" sz="1200" kern="1200">
-        <a:solidFill>
-          <a:schemeClr val="tx1"/>
-        </a:solidFill>
-        <a:latin typeface="+mn-lt"/>
-        <a:ea typeface="+mn-ea"/>
-        <a:cs typeface="+mn-cs"/>
-      </a:defRPr>
-    </a:lvl9pPr>
-  </p:notesStyle>
-</p:notesMaster>
 </file>
 
 <file path=ppt/slideLayouts/slideLayout1.xml><?xml version="1.0" encoding="utf-8"?>
@@ -690,9 +304,9 @@
           <a:bodyPr/>
           <a:lstStyle/>
           <a:p>
-            <a:fld id="{A7F9FE45-5ED0-4A7A-96C2-C16E341952AE}" type="datetime1">
-              <a:rPr lang="en-US" altLang="ja-JP" smtClean="0"/>
-              <a:t>12/14/2023</a:t>
+            <a:fld id="{241EB5C9-1307-BA42-ABA2-0BC069CD8E7F}" type="datetimeFigureOut">
+              <a:rPr lang="en-US" smtClean="0"/>
+              <a:t>1/2/22</a:t>
             </a:fld>
             <a:endParaRPr lang="en-US"/>
           </a:p>
@@ -858,9 +472,9 @@
           <a:bodyPr/>
           <a:lstStyle/>
           <a:p>
-            <a:fld id="{8BE53DBD-0AF7-4F40-A8AD-5E686AF2E037}" type="datetime1">
-              <a:rPr lang="en-US" altLang="ja-JP" smtClean="0"/>
-              <a:t>12/14/2023</a:t>
+            <a:fld id="{241EB5C9-1307-BA42-ABA2-0BC069CD8E7F}" type="datetimeFigureOut">
+              <a:rPr lang="en-US" smtClean="0"/>
+              <a:t>1/2/22</a:t>
             </a:fld>
             <a:endParaRPr lang="en-US"/>
           </a:p>
@@ -1036,9 +650,9 @@
           <a:bodyPr/>
           <a:lstStyle/>
           <a:p>
-            <a:fld id="{85A6803A-119B-46D1-AF1B-0443E1132D3A}" type="datetime1">
-              <a:rPr lang="en-US" altLang="ja-JP" smtClean="0"/>
-              <a:t>12/14/2023</a:t>
+            <a:fld id="{241EB5C9-1307-BA42-ABA2-0BC069CD8E7F}" type="datetimeFigureOut">
+              <a:rPr lang="en-US" smtClean="0"/>
+              <a:t>1/2/22</a:t>
             </a:fld>
             <a:endParaRPr lang="en-US"/>
           </a:p>
@@ -1204,9 +818,9 @@
           <a:bodyPr/>
           <a:lstStyle/>
           <a:p>
-            <a:fld id="{3461456D-C2EA-43D3-A7C8-AA0408BA2AC7}" type="datetime1">
-              <a:rPr lang="en-US" altLang="ja-JP" smtClean="0"/>
-              <a:t>12/14/2023</a:t>
+            <a:fld id="{241EB5C9-1307-BA42-ABA2-0BC069CD8E7F}" type="datetimeFigureOut">
+              <a:rPr lang="en-US" smtClean="0"/>
+              <a:t>1/2/22</a:t>
             </a:fld>
             <a:endParaRPr lang="en-US"/>
           </a:p>
@@ -1449,9 +1063,9 @@
           <a:bodyPr/>
           <a:lstStyle/>
           <a:p>
-            <a:fld id="{3DD8F672-DA43-4D0E-98FB-44EEC397DE10}" type="datetime1">
-              <a:rPr lang="en-US" altLang="ja-JP" smtClean="0"/>
-              <a:t>12/14/2023</a:t>
+            <a:fld id="{241EB5C9-1307-BA42-ABA2-0BC069CD8E7F}" type="datetimeFigureOut">
+              <a:rPr lang="en-US" smtClean="0"/>
+              <a:t>1/2/22</a:t>
             </a:fld>
             <a:endParaRPr lang="en-US"/>
           </a:p>
@@ -1734,9 +1348,9 @@
           <a:bodyPr/>
           <a:lstStyle/>
           <a:p>
-            <a:fld id="{59F364EA-A83B-4C51-8B21-9E17729F9329}" type="datetime1">
-              <a:rPr lang="en-US" altLang="ja-JP" smtClean="0"/>
-              <a:t>12/14/2023</a:t>
+            <a:fld id="{241EB5C9-1307-BA42-ABA2-0BC069CD8E7F}" type="datetimeFigureOut">
+              <a:rPr lang="en-US" smtClean="0"/>
+              <a:t>1/2/22</a:t>
             </a:fld>
             <a:endParaRPr lang="en-US"/>
           </a:p>
@@ -2153,9 +1767,9 @@
           <a:bodyPr/>
           <a:lstStyle/>
           <a:p>
-            <a:fld id="{66FF68B3-C21C-43A1-A419-124DFBBFBC16}" type="datetime1">
-              <a:rPr lang="en-US" altLang="ja-JP" smtClean="0"/>
-              <a:t>12/14/2023</a:t>
+            <a:fld id="{241EB5C9-1307-BA42-ABA2-0BC069CD8E7F}" type="datetimeFigureOut">
+              <a:rPr lang="en-US" smtClean="0"/>
+              <a:t>1/2/22</a:t>
             </a:fld>
             <a:endParaRPr lang="en-US"/>
           </a:p>
@@ -2270,9 +1884,9 @@
           <a:bodyPr/>
           <a:lstStyle/>
           <a:p>
-            <a:fld id="{4ADEE502-EEE2-4B4F-BF1F-54F8948914DC}" type="datetime1">
-              <a:rPr lang="en-US" altLang="ja-JP" smtClean="0"/>
-              <a:t>12/14/2023</a:t>
+            <a:fld id="{241EB5C9-1307-BA42-ABA2-0BC069CD8E7F}" type="datetimeFigureOut">
+              <a:rPr lang="en-US" smtClean="0"/>
+              <a:t>1/2/22</a:t>
             </a:fld>
             <a:endParaRPr lang="en-US"/>
           </a:p>
@@ -2365,9 +1979,9 @@
           <a:bodyPr/>
           <a:lstStyle/>
           <a:p>
-            <a:fld id="{EC383942-E659-4790-A4CE-D476C55599C8}" type="datetime1">
-              <a:rPr lang="en-US" altLang="ja-JP" smtClean="0"/>
-              <a:t>12/14/2023</a:t>
+            <a:fld id="{241EB5C9-1307-BA42-ABA2-0BC069CD8E7F}" type="datetimeFigureOut">
+              <a:rPr lang="en-US" smtClean="0"/>
+              <a:t>1/2/22</a:t>
             </a:fld>
             <a:endParaRPr lang="en-US"/>
           </a:p>
@@ -2640,9 +2254,9 @@
           <a:bodyPr/>
           <a:lstStyle/>
           <a:p>
-            <a:fld id="{65A0BD02-DF30-4C5A-BF69-3E786D8FD8E6}" type="datetime1">
-              <a:rPr lang="en-US" altLang="ja-JP" smtClean="0"/>
-              <a:t>12/14/2023</a:t>
+            <a:fld id="{241EB5C9-1307-BA42-ABA2-0BC069CD8E7F}" type="datetimeFigureOut">
+              <a:rPr lang="en-US" smtClean="0"/>
+              <a:t>1/2/22</a:t>
             </a:fld>
             <a:endParaRPr lang="en-US"/>
           </a:p>
@@ -2892,9 +2506,9 @@
           <a:bodyPr/>
           <a:lstStyle/>
           <a:p>
-            <a:fld id="{DA890AEB-20B6-4A4F-9061-23D19E003978}" type="datetime1">
-              <a:rPr lang="en-US" altLang="ja-JP" smtClean="0"/>
-              <a:t>12/14/2023</a:t>
+            <a:fld id="{241EB5C9-1307-BA42-ABA2-0BC069CD8E7F}" type="datetimeFigureOut">
+              <a:rPr lang="en-US" smtClean="0"/>
+              <a:t>1/2/22</a:t>
             </a:fld>
             <a:endParaRPr lang="en-US"/>
           </a:p>
@@ -2956,7 +2570,7 @@
 </file>
 
 <file path=ppt/slideMasters/slideMaster1.xml><?xml version="1.0" encoding="utf-8"?>
-<p:sldMaster xmlns:a="http://schemas.openxmlformats.org/drawingml/2006/main" xmlns:r="http://schemas.openxmlformats.org/officeDocument/2006/relationships" xmlns:p="http://schemas.openxmlformats.org/presentationml/2006/main">
+<p:sldMaster xmlns:a="http://schemas.openxmlformats.org/drawingml/2006/main" xmlns:p="http://schemas.openxmlformats.org/presentationml/2006/main" xmlns:r="http://schemas.openxmlformats.org/officeDocument/2006/relationships">
   <p:cSld>
     <p:bg>
       <p:bgRef idx="1001">
@@ -2997,7 +2611,7 @@
           </a:prstGeom>
         </p:spPr>
         <p:txBody>
-          <a:bodyPr vert="horz" lIns="91440" tIns="45720" rIns="91440" bIns="45720" rtlCol="0" anchor="ctr">
+          <a:bodyPr anchor="ctr" bIns="45720" lIns="91440" rIns="91440" rtlCol="0" tIns="45720" vert="horz">
             <a:normAutofit/>
           </a:bodyPr>
           <a:lstStyle/>
@@ -3016,7 +2630,7 @@
             <a:spLocks noGrp="1"/>
           </p:cNvSpPr>
           <p:nvPr>
-            <p:ph type="body" idx="1"/>
+            <p:ph idx="1" type="body"/>
           </p:nvPr>
         </p:nvSpPr>
         <p:spPr>
@@ -3029,7 +2643,7 @@
           </a:prstGeom>
         </p:spPr>
         <p:txBody>
-          <a:bodyPr vert="horz" lIns="91440" tIns="45720" rIns="91440" bIns="45720" rtlCol="0">
+          <a:bodyPr bIns="45720" lIns="91440" rIns="91440" rtlCol="0" tIns="45720" vert="horz">
             <a:normAutofit/>
           </a:bodyPr>
           <a:lstStyle/>
@@ -3077,7 +2691,7 @@
             <a:spLocks noGrp="1"/>
           </p:cNvSpPr>
           <p:nvPr>
-            <p:ph type="dt" sz="half" idx="2"/>
+            <p:ph idx="2" sz="half" type="dt"/>
           </p:nvPr>
         </p:nvSpPr>
         <p:spPr>
@@ -3090,7 +2704,7 @@
           </a:prstGeom>
         </p:spPr>
         <p:txBody>
-          <a:bodyPr vert="horz" lIns="91440" tIns="45720" rIns="91440" bIns="45720" rtlCol="0" anchor="ctr"/>
+          <a:bodyPr anchor="ctr" bIns="45720" lIns="91440" rIns="91440" rtlCol="0" tIns="45720" vert="horz"/>
           <a:lstStyle>
             <a:lvl1pPr algn="l">
               <a:defRPr sz="900">
@@ -3103,9 +2717,9 @@
             </a:lvl1pPr>
           </a:lstStyle>
           <a:p>
-            <a:fld id="{5548E569-DFCE-4B9D-B138-841DBB4D678D}" type="datetime1">
-              <a:rPr lang="en-US" altLang="ja-JP" smtClean="0"/>
-              <a:t>12/14/2023</a:t>
+            <a:fld id="{241EB5C9-1307-BA42-ABA2-0BC069CD8E7F}" type="datetimeFigureOut">
+              <a:rPr lang="en-US" smtClean="0"/>
+              <a:t>1/2/22</a:t>
             </a:fld>
             <a:endParaRPr lang="en-US"/>
           </a:p>
@@ -3118,7 +2732,7 @@
             <a:spLocks noGrp="1"/>
           </p:cNvSpPr>
           <p:nvPr>
-            <p:ph type="ftr" sz="quarter" idx="3"/>
+            <p:ph idx="3" sz="quarter" type="ftr"/>
           </p:nvPr>
         </p:nvSpPr>
         <p:spPr>
@@ -3131,7 +2745,7 @@
           </a:prstGeom>
         </p:spPr>
         <p:txBody>
-          <a:bodyPr vert="horz" lIns="91440" tIns="45720" rIns="91440" bIns="45720" rtlCol="0" anchor="ctr"/>
+          <a:bodyPr anchor="ctr" bIns="45720" lIns="91440" rIns="91440" rtlCol="0" tIns="45720" vert="horz"/>
           <a:lstStyle>
             <a:lvl1pPr algn="ctr">
               <a:defRPr sz="900">
@@ -3155,7 +2769,7 @@
             <a:spLocks noGrp="1"/>
           </p:cNvSpPr>
           <p:nvPr>
-            <p:ph type="sldNum" sz="quarter" idx="4"/>
+            <p:ph idx="4" sz="quarter" type="sldNum"/>
           </p:nvPr>
         </p:nvSpPr>
         <p:spPr>
@@ -3168,7 +2782,7 @@
           </a:prstGeom>
         </p:spPr>
         <p:txBody>
-          <a:bodyPr vert="horz" lIns="91440" tIns="45720" rIns="91440" bIns="45720" rtlCol="0" anchor="ctr"/>
+          <a:bodyPr anchor="ctr" bIns="45720" lIns="91440" rIns="91440" rtlCol="0" tIns="45720" vert="horz"/>
           <a:lstStyle>
             <a:lvl1pPr algn="r">
               <a:defRPr sz="900">
@@ -3196,7 +2810,7 @@
       </p:ext>
     </p:extLst>
   </p:cSld>
-  <p:clrMap bg1="lt1" tx1="dk1" bg2="lt2" tx2="dk2" accent1="accent1" accent2="accent2" accent3="accent3" accent4="accent4" accent5="accent5" accent6="accent6" hlink="hlink" folHlink="folHlink"/>
+  <p:clrMap accent1="accent1" accent2="accent2" accent3="accent3" accent4="accent4" accent5="accent5" accent6="accent6" bg1="lt1" bg2="lt2" folHlink="folHlink" hlink="hlink" tx1="dk1" tx2="dk2"/>
   <p:sldLayoutIdLst>
     <p:sldLayoutId id="2147483649" r:id="rId1"/>
     <p:sldLayoutId id="2147483650" r:id="rId2"/>
@@ -3210,15 +2824,14 @@
     <p:sldLayoutId id="2147483658" r:id="rId10"/>
     <p:sldLayoutId id="2147483659" r:id="rId11"/>
   </p:sldLayoutIdLst>
-  <p:hf hdr="0" ftr="0" dt="0"/>
   <p:txStyles>
     <p:titleStyle>
-      <a:lvl1pPr algn="ctr" defTabSz="342900" rtl="0" eaLnBrk="1" latinLnBrk="0" hangingPunct="1">
+      <a:lvl1pPr algn="ctr" defTabSz="342900" eaLnBrk="1" hangingPunct="1" latinLnBrk="0" rtl="0">
         <a:spcBef>
           <a:spcPct val="0"/>
         </a:spcBef>
         <a:buNone/>
-        <a:defRPr sz="3300" kern="1200">
+        <a:defRPr kern="1200" sz="3300">
           <a:solidFill>
             <a:schemeClr val="tx1"/>
           </a:solidFill>
@@ -3229,13 +2842,13 @@
       </a:lvl1pPr>
     </p:titleStyle>
     <p:bodyStyle>
-      <a:lvl1pPr marL="342900" indent="-342900" algn="l" defTabSz="342900" rtl="0" eaLnBrk="1" latinLnBrk="0" hangingPunct="1">
+      <a:lvl1pPr algn="l" defTabSz="342900" eaLnBrk="1" hangingPunct="1" indent="-342900" latinLnBrk="0" marL="342900" rtl="0">
         <a:spcBef>
           <a:spcPct val="20000"/>
         </a:spcBef>
         <a:buFont typeface="Arial"/>
         <a:buChar char="•"/>
-        <a:defRPr sz="2400" kern="1200">
+        <a:defRPr kern="1200" sz="2400">
           <a:solidFill>
             <a:schemeClr val="tx1"/>
           </a:solidFill>
@@ -3244,13 +2857,13 @@
           <a:cs typeface="+mn-cs"/>
         </a:defRPr>
       </a:lvl1pPr>
-      <a:lvl2pPr marL="685800" indent="-342900" algn="l" defTabSz="342900" rtl="0" eaLnBrk="1" latinLnBrk="0" hangingPunct="1">
+      <a:lvl2pPr algn="l" defTabSz="342900" eaLnBrk="1" hangingPunct="1" indent="-342900" latinLnBrk="0" marL="685800" rtl="0">
         <a:spcBef>
           <a:spcPct val="20000"/>
         </a:spcBef>
         <a:buFont typeface="Arial"/>
         <a:buChar char="–"/>
-        <a:defRPr sz="2100" kern="1200">
+        <a:defRPr kern="1200" sz="2100">
           <a:solidFill>
             <a:schemeClr val="tx1"/>
           </a:solidFill>
@@ -3259,13 +2872,13 @@
           <a:cs typeface="+mn-cs"/>
         </a:defRPr>
       </a:lvl2pPr>
-      <a:lvl3pPr marL="1028700" indent="-342900" algn="l" defTabSz="342900" rtl="0" eaLnBrk="1" latinLnBrk="0" hangingPunct="1">
+      <a:lvl3pPr algn="l" defTabSz="342900" eaLnBrk="1" hangingPunct="1" indent="-342900" latinLnBrk="0" marL="1028700" rtl="0">
         <a:spcBef>
           <a:spcPct val="20000"/>
         </a:spcBef>
         <a:buFont typeface="Arial"/>
         <a:buChar char="•"/>
-        <a:defRPr sz="1800" kern="1200">
+        <a:defRPr kern="1200" sz="1800">
           <a:solidFill>
             <a:schemeClr val="tx1"/>
           </a:solidFill>
@@ -3274,13 +2887,13 @@
           <a:cs typeface="+mn-cs"/>
         </a:defRPr>
       </a:lvl3pPr>
-      <a:lvl4pPr marL="1371600" indent="-342900" algn="l" defTabSz="342900" rtl="0" eaLnBrk="1" latinLnBrk="0" hangingPunct="1">
+      <a:lvl4pPr algn="l" defTabSz="342900" eaLnBrk="1" hangingPunct="1" indent="-342900" latinLnBrk="0" marL="1371600" rtl="0">
         <a:spcBef>
           <a:spcPct val="20000"/>
         </a:spcBef>
         <a:buFont typeface="Arial"/>
         <a:buChar char="–"/>
-        <a:defRPr sz="1500" kern="1200">
+        <a:defRPr kern="1200" sz="1500">
           <a:solidFill>
             <a:schemeClr val="tx1"/>
           </a:solidFill>
@@ -3289,13 +2902,13 @@
           <a:cs typeface="+mn-cs"/>
         </a:defRPr>
       </a:lvl4pPr>
-      <a:lvl5pPr marL="1714500" indent="-342900" algn="l" defTabSz="342900" rtl="0" eaLnBrk="1" latinLnBrk="0" hangingPunct="1">
+      <a:lvl5pPr algn="l" defTabSz="342900" eaLnBrk="1" hangingPunct="1" indent="-342900" latinLnBrk="0" marL="1714500" rtl="0">
         <a:spcBef>
           <a:spcPct val="20000"/>
         </a:spcBef>
         <a:buFont typeface="Arial"/>
         <a:buChar char="»"/>
-        <a:defRPr sz="1500" kern="1200">
+        <a:defRPr kern="1200" sz="1500">
           <a:solidFill>
             <a:schemeClr val="tx1"/>
           </a:solidFill>
@@ -3304,13 +2917,13 @@
           <a:cs typeface="+mn-cs"/>
         </a:defRPr>
       </a:lvl5pPr>
-      <a:lvl6pPr marL="2057400" indent="-342900" algn="l" defTabSz="342900" rtl="0" eaLnBrk="1" latinLnBrk="0" hangingPunct="1">
+      <a:lvl6pPr algn="l" defTabSz="342900" eaLnBrk="1" hangingPunct="1" indent="-342900" latinLnBrk="0" marL="2057400" rtl="0">
         <a:spcBef>
           <a:spcPct val="20000"/>
         </a:spcBef>
         <a:buFont typeface="Arial"/>
         <a:buChar char="•"/>
-        <a:defRPr sz="1500" kern="1200">
+        <a:defRPr kern="1200" sz="1500">
           <a:solidFill>
             <a:schemeClr val="tx1"/>
           </a:solidFill>
@@ -3319,13 +2932,13 @@
           <a:cs typeface="+mn-cs"/>
         </a:defRPr>
       </a:lvl6pPr>
-      <a:lvl7pPr marL="2400300" indent="-342900" algn="l" defTabSz="342900" rtl="0" eaLnBrk="1" latinLnBrk="0" hangingPunct="1">
+      <a:lvl7pPr algn="l" defTabSz="342900" eaLnBrk="1" hangingPunct="1" indent="-342900" latinLnBrk="0" marL="2400300" rtl="0">
         <a:spcBef>
           <a:spcPct val="20000"/>
         </a:spcBef>
         <a:buFont typeface="Arial"/>
         <a:buChar char="•"/>
-        <a:defRPr sz="1500" kern="1200">
+        <a:defRPr kern="1200" sz="1500">
           <a:solidFill>
             <a:schemeClr val="tx1"/>
           </a:solidFill>
@@ -3334,13 +2947,13 @@
           <a:cs typeface="+mn-cs"/>
         </a:defRPr>
       </a:lvl7pPr>
-      <a:lvl8pPr marL="2743200" indent="-342900" algn="l" defTabSz="342900" rtl="0" eaLnBrk="1" latinLnBrk="0" hangingPunct="1">
+      <a:lvl8pPr algn="l" defTabSz="342900" eaLnBrk="1" hangingPunct="1" indent="-342900" latinLnBrk="0" marL="2743200" rtl="0">
         <a:spcBef>
           <a:spcPct val="20000"/>
         </a:spcBef>
         <a:buFont typeface="Arial"/>
         <a:buChar char="•"/>
-        <a:defRPr sz="1500" kern="1200">
+        <a:defRPr kern="1200" sz="1500">
           <a:solidFill>
             <a:schemeClr val="tx1"/>
           </a:solidFill>
@@ -3349,13 +2962,13 @@
           <a:cs typeface="+mn-cs"/>
         </a:defRPr>
       </a:lvl8pPr>
-      <a:lvl9pPr marL="3086100" indent="-342900" algn="l" defTabSz="342900" rtl="0" eaLnBrk="1" latinLnBrk="0" hangingPunct="1">
+      <a:lvl9pPr algn="l" defTabSz="342900" eaLnBrk="1" hangingPunct="1" indent="-342900" latinLnBrk="0" marL="3086100" rtl="0">
         <a:spcBef>
           <a:spcPct val="20000"/>
         </a:spcBef>
         <a:buFont typeface="Arial"/>
         <a:buChar char="•"/>
-        <a:defRPr sz="1500" kern="1200">
+        <a:defRPr kern="1200" sz="1500">
           <a:solidFill>
             <a:schemeClr val="tx1"/>
           </a:solidFill>
@@ -3369,8 +2982,8 @@
       <a:defPPr>
         <a:defRPr lang="en-US"/>
       </a:defPPr>
-      <a:lvl1pPr marL="0" algn="l" defTabSz="342900" rtl="0" eaLnBrk="1" latinLnBrk="0" hangingPunct="1">
-        <a:defRPr sz="1350" kern="1200">
+      <a:lvl1pPr algn="l" defTabSz="342900" eaLnBrk="1" hangingPunct="1" latinLnBrk="0" marL="0" rtl="0">
+        <a:defRPr kern="1200" sz="1350">
           <a:solidFill>
             <a:schemeClr val="tx1"/>
           </a:solidFill>
@@ -3379,8 +2992,8 @@
           <a:cs typeface="+mn-cs"/>
         </a:defRPr>
       </a:lvl1pPr>
-      <a:lvl2pPr marL="342900" algn="l" defTabSz="342900" rtl="0" eaLnBrk="1" latinLnBrk="0" hangingPunct="1">
-        <a:defRPr sz="1350" kern="1200">
+      <a:lvl2pPr algn="l" defTabSz="342900" eaLnBrk="1" hangingPunct="1" latinLnBrk="0" marL="342900" rtl="0">
+        <a:defRPr kern="1200" sz="1350">
           <a:solidFill>
             <a:schemeClr val="tx1"/>
           </a:solidFill>
@@ -3389,8 +3002,8 @@
           <a:cs typeface="+mn-cs"/>
         </a:defRPr>
       </a:lvl2pPr>
-      <a:lvl3pPr marL="685800" algn="l" defTabSz="342900" rtl="0" eaLnBrk="1" latinLnBrk="0" hangingPunct="1">
-        <a:defRPr sz="1350" kern="1200">
+      <a:lvl3pPr algn="l" defTabSz="342900" eaLnBrk="1" hangingPunct="1" latinLnBrk="0" marL="685800" rtl="0">
+        <a:defRPr kern="1200" sz="1350">
           <a:solidFill>
             <a:schemeClr val="tx1"/>
           </a:solidFill>
@@ -3399,8 +3012,8 @@
           <a:cs typeface="+mn-cs"/>
         </a:defRPr>
       </a:lvl3pPr>
-      <a:lvl4pPr marL="1028700" algn="l" defTabSz="342900" rtl="0" eaLnBrk="1" latinLnBrk="0" hangingPunct="1">
-        <a:defRPr sz="1350" kern="1200">
+      <a:lvl4pPr algn="l" defTabSz="342900" eaLnBrk="1" hangingPunct="1" latinLnBrk="0" marL="1028700" rtl="0">
+        <a:defRPr kern="1200" sz="1350">
           <a:solidFill>
             <a:schemeClr val="tx1"/>
           </a:solidFill>
@@ -3409,8 +3022,8 @@
           <a:cs typeface="+mn-cs"/>
         </a:defRPr>
       </a:lvl4pPr>
-      <a:lvl5pPr marL="1371600" algn="l" defTabSz="342900" rtl="0" eaLnBrk="1" latinLnBrk="0" hangingPunct="1">
-        <a:defRPr sz="1350" kern="1200">
+      <a:lvl5pPr algn="l" defTabSz="342900" eaLnBrk="1" hangingPunct="1" latinLnBrk="0" marL="1371600" rtl="0">
+        <a:defRPr kern="1200" sz="1350">
           <a:solidFill>
             <a:schemeClr val="tx1"/>
           </a:solidFill>
@@ -3419,8 +3032,8 @@
           <a:cs typeface="+mn-cs"/>
         </a:defRPr>
       </a:lvl5pPr>
-      <a:lvl6pPr marL="1714500" algn="l" defTabSz="342900" rtl="0" eaLnBrk="1" latinLnBrk="0" hangingPunct="1">
-        <a:defRPr sz="1350" kern="1200">
+      <a:lvl6pPr algn="l" defTabSz="342900" eaLnBrk="1" hangingPunct="1" latinLnBrk="0" marL="1714500" rtl="0">
+        <a:defRPr kern="1200" sz="1350">
           <a:solidFill>
             <a:schemeClr val="tx1"/>
           </a:solidFill>
@@ -3429,8 +3042,8 @@
           <a:cs typeface="+mn-cs"/>
         </a:defRPr>
       </a:lvl6pPr>
-      <a:lvl7pPr marL="2057400" algn="l" defTabSz="342900" rtl="0" eaLnBrk="1" latinLnBrk="0" hangingPunct="1">
-        <a:defRPr sz="1350" kern="1200">
+      <a:lvl7pPr algn="l" defTabSz="342900" eaLnBrk="1" hangingPunct="1" latinLnBrk="0" marL="2057400" rtl="0">
+        <a:defRPr kern="1200" sz="1350">
           <a:solidFill>
             <a:schemeClr val="tx1"/>
           </a:solidFill>
@@ -3439,8 +3052,8 @@
           <a:cs typeface="+mn-cs"/>
         </a:defRPr>
       </a:lvl7pPr>
-      <a:lvl8pPr marL="2400300" algn="l" defTabSz="342900" rtl="0" eaLnBrk="1" latinLnBrk="0" hangingPunct="1">
-        <a:defRPr sz="1350" kern="1200">
+      <a:lvl8pPr algn="l" defTabSz="342900" eaLnBrk="1" hangingPunct="1" latinLnBrk="0" marL="2400300" rtl="0">
+        <a:defRPr kern="1200" sz="1350">
           <a:solidFill>
             <a:schemeClr val="tx1"/>
           </a:solidFill>
@@ -3449,8 +3062,8 @@
           <a:cs typeface="+mn-cs"/>
         </a:defRPr>
       </a:lvl8pPr>
-      <a:lvl9pPr marL="2743200" algn="l" defTabSz="342900" rtl="0" eaLnBrk="1" latinLnBrk="0" hangingPunct="1">
-        <a:defRPr sz="1350" kern="1200">
+      <a:lvl9pPr algn="l" defTabSz="342900" eaLnBrk="1" hangingPunct="1" latinLnBrk="0" marL="2743200" rtl="0">
+        <a:defRPr kern="1200" sz="1350">
           <a:solidFill>
             <a:schemeClr val="tx1"/>
           </a:solidFill>
@@ -3493,41 +3106,21 @@
         </p:nvSpPr>
         <p:spPr>
           <a:xfrm>
-            <a:off x="685800" y="602673"/>
-            <a:ext cx="7772400" cy="2216727"/>
+            <a:off x="685800" y="1597819"/>
+            <a:ext cx="7772400" cy="1102519"/>
           </a:xfrm>
         </p:spPr>
         <p:txBody>
-          <a:bodyPr>
-            <a:normAutofit/>
-          </a:bodyPr>
+          <a:bodyPr/>
           <a:lstStyle/>
           <a:p>
-            <a:pPr marL="0" lvl="0" indent="0">
+            <a:pPr lvl="0" indent="0" marL="0">
               <a:buNone/>
             </a:pPr>
             <a:r>
-              <a:rPr sz="2400" dirty="0"/>
-              <a:t>骨髄バンクドナーコーディネート初期行程における</a:t>
-            </a:r>
-            <a:br>
-              <a:rPr lang="en-US" sz="2400" dirty="0"/>
-            </a:br>
-            <a:r>
-              <a:rPr sz="2400" dirty="0"/>
-              <a:t>コーディネート進行率増加を目指した介入研究</a:t>
-            </a:r>
-            <a:br>
-              <a:rPr lang="en-US" sz="2400" dirty="0"/>
-            </a:br>
-            <a:br>
-              <a:rPr lang="en-US" sz="2400" dirty="0"/>
-            </a:br>
-            <a:r>
-              <a:rPr lang="ja-JP" altLang="en-US" sz="3200" dirty="0"/>
-              <a:t>進捗報告</a:t>
-            </a:r>
-            <a:endParaRPr sz="2400" dirty="0"/>
+              <a:rPr/>
+              <a:t>骨髄バンクドナーコーディネート初期行程におけるコーディネート進行率増加を目指した介入研究</a:t>
+            </a:r>
           </a:p>
         </p:txBody>
       </p:sp>
@@ -3538,7 +3131,7 @@
             <a:spLocks noGrp="1"/>
           </p:cNvSpPr>
           <p:nvPr>
-            <p:ph type="subTitle" idx="1"/>
+            <p:ph idx="1" type="subTitle"/>
           </p:nvPr>
         </p:nvSpPr>
         <p:spPr>
@@ -3548,169 +3141,43 @@
           </a:xfrm>
         </p:spPr>
         <p:txBody>
-          <a:bodyPr>
-            <a:normAutofit fontScale="85000" lnSpcReduction="20000"/>
-          </a:bodyPr>
+          <a:bodyPr/>
           <a:lstStyle/>
           <a:p>
-            <a:pPr marL="0" lvl="0" indent="0">
+            <a:pPr lvl="0" indent="0" marL="0">
               <a:buNone/>
             </a:pPr>
-            <a:r>
-              <a:rPr dirty="0"/>
+            <a:br/>
+            <a:br/>
+            <a:r>
+              <a:rPr/>
               <a:t>大竹文雄（大阪大学）</a:t>
             </a:r>
-            <a:br>
-              <a:rPr dirty="0"/>
-            </a:br>
-            <a:r>
-              <a:rPr dirty="0"/>
+            <a:br/>
+            <a:r>
+              <a:rPr/>
               <a:t>加藤大貴（大阪大学）</a:t>
             </a:r>
-            <a:br>
-              <a:rPr dirty="0"/>
-            </a:br>
-            <a:r>
-              <a:rPr dirty="0"/>
+            <a:br/>
+            <a:r>
+              <a:rPr/>
               <a:t>黒澤彩子（伊那中央病院）</a:t>
             </a:r>
-            <a:br>
-              <a:rPr dirty="0"/>
-            </a:br>
-            <a:r>
-              <a:rPr dirty="0"/>
+            <a:br/>
+            <a:r>
+              <a:rPr/>
               <a:t>吉内一浩（東京大学）</a:t>
             </a:r>
-            <a:br>
-              <a:rPr dirty="0"/>
-            </a:br>
-            <a:r>
-              <a:rPr dirty="0"/>
+            <a:br/>
+            <a:r>
+              <a:rPr/>
               <a:t>福田隆浩（国立がん研究センター中央病院）</a:t>
             </a:r>
-          </a:p>
-        </p:txBody>
-      </p:sp>
-      <p:sp>
-        <p:nvSpPr>
-          <p:cNvPr id="4" name="テキスト ボックス 3">
-            <a:extLst>
-              <a:ext uri="{FF2B5EF4-FFF2-40B4-BE49-F238E27FC236}">
-                <a16:creationId xmlns:a16="http://schemas.microsoft.com/office/drawing/2014/main" id="{127CC1CA-F19A-57AB-C4D5-5F2EC00D4677}"/>
-              </a:ext>
-            </a:extLst>
-          </p:cNvPr>
-          <p:cNvSpPr txBox="1"/>
-          <p:nvPr/>
-        </p:nvSpPr>
-        <p:spPr>
-          <a:xfrm>
-            <a:off x="5113002" y="59513"/>
-            <a:ext cx="4030998" cy="584775"/>
-          </a:xfrm>
-          <a:prstGeom prst="rect">
-            <a:avLst/>
-          </a:prstGeom>
-          <a:noFill/>
-        </p:spPr>
-        <p:txBody>
-          <a:bodyPr wrap="square" rtlCol="0">
-            <a:spAutoFit/>
-          </a:bodyPr>
-          <a:lstStyle/>
-          <a:p>
-            <a:r>
-              <a:rPr lang="ja-JP" altLang="ja-JP" sz="1600" dirty="0"/>
-              <a:t>２０２</a:t>
-            </a:r>
-            <a:r>
-              <a:rPr lang="ja-JP" altLang="en-US" sz="1600" dirty="0"/>
-              <a:t>３</a:t>
-            </a:r>
-            <a:r>
-              <a:rPr lang="ja-JP" altLang="ja-JP" sz="1600" dirty="0"/>
-              <a:t>年度第</a:t>
-            </a:r>
-            <a:r>
-              <a:rPr lang="ja-JP" altLang="en-US" sz="1600" dirty="0"/>
-              <a:t>２</a:t>
-            </a:r>
-            <a:r>
-              <a:rPr lang="ja-JP" altLang="ja-JP" sz="1600" dirty="0"/>
-              <a:t>回造血細胞移植合同班会議</a:t>
-            </a:r>
-          </a:p>
-          <a:p>
-            <a:r>
-              <a:rPr lang="ja-JP" altLang="ja-JP" sz="1600" dirty="0"/>
-              <a:t>令和</a:t>
-            </a:r>
-            <a:r>
-              <a:rPr lang="ja-JP" altLang="en-US" sz="1600" dirty="0"/>
-              <a:t>６</a:t>
-            </a:r>
-            <a:r>
-              <a:rPr lang="ja-JP" altLang="ja-JP" sz="1600" dirty="0"/>
-              <a:t>年</a:t>
-            </a:r>
-            <a:r>
-              <a:rPr lang="ja-JP" altLang="en-US" sz="1600" dirty="0"/>
-              <a:t>１</a:t>
-            </a:r>
-            <a:r>
-              <a:rPr lang="ja-JP" altLang="ja-JP" sz="1600" dirty="0"/>
-              <a:t>月</a:t>
-            </a:r>
-            <a:r>
-              <a:rPr lang="ja-JP" altLang="en-US" sz="1600" dirty="0"/>
-              <a:t>７</a:t>
-            </a:r>
-            <a:r>
-              <a:rPr lang="ja-JP" altLang="ja-JP" sz="1600" dirty="0"/>
-              <a:t>日（</a:t>
-            </a:r>
-            <a:r>
-              <a:rPr lang="ja-JP" altLang="en-US" sz="1600" dirty="0"/>
-              <a:t>日）</a:t>
-            </a:r>
-            <a:endParaRPr kumimoji="1" lang="ja-JP" altLang="en-US" sz="1600" dirty="0"/>
-          </a:p>
-        </p:txBody>
-      </p:sp>
-      <p:sp>
-        <p:nvSpPr>
-          <p:cNvPr id="5" name="スライド番号プレースホルダー 4">
-            <a:extLst>
-              <a:ext uri="{FF2B5EF4-FFF2-40B4-BE49-F238E27FC236}">
-                <a16:creationId xmlns:a16="http://schemas.microsoft.com/office/drawing/2014/main" id="{42B58A5F-87C7-2135-9DCC-9C97FC5AFCB2}"/>
-              </a:ext>
-            </a:extLst>
-          </p:cNvPr>
-          <p:cNvSpPr>
-            <a:spLocks noGrp="1"/>
-          </p:cNvSpPr>
-          <p:nvPr>
-            <p:ph type="sldNum" sz="quarter" idx="12"/>
-          </p:nvPr>
-        </p:nvSpPr>
-        <p:spPr/>
-        <p:txBody>
-          <a:bodyPr/>
-          <a:lstStyle/>
-          <a:p>
-            <a:fld id="{C5EF2332-01BF-834F-8236-50238282D533}" type="slidenum">
-              <a:rPr lang="en-US" smtClean="0"/>
-              <a:t>1</a:t>
-            </a:fld>
-            <a:endParaRPr lang="en-US"/>
           </a:p>
         </p:txBody>
       </p:sp>
     </p:spTree>
   </p:cSld>
-  <p:clrMapOvr>
-    <a:masterClrMapping/>
-  </p:clrMapOvr>
 </p:sld>
 </file>
 
@@ -3746,177 +3213,24 @@
           <a:bodyPr/>
           <a:lstStyle/>
           <a:p>
-            <a:r>
-              <a:rPr dirty="0"/>
-              <a:t>フィールド実験の介入</a:t>
+            <a:pPr lvl="0" indent="0" marL="0">
+              <a:buNone/>
+            </a:pPr>
+            <a:r>
+              <a:rPr/>
+              <a:t>一律介入と最適ターゲティングの効果</a:t>
             </a:r>
           </a:p>
         </p:txBody>
       </p:sp>
-      <mc:AlternateContent xmlns:mc="http://schemas.openxmlformats.org/markup-compatibility/2006" xmlns:a14="http://schemas.microsoft.com/office/drawing/2010/main">
-        <mc:Choice Requires="a14">
-          <p:sp>
-            <p:nvSpPr>
-              <p:cNvPr id="3" name="Content Placeholder 2"/>
-              <p:cNvSpPr>
-                <a:spLocks noGrp="1"/>
-              </p:cNvSpPr>
-              <p:nvPr>
-                <p:ph idx="1"/>
-              </p:nvPr>
-            </p:nvSpPr>
-            <p:spPr/>
-            <p:txBody>
-              <a:bodyPr/>
-              <a:lstStyle/>
-              <a:p>
-                <a:pPr lvl="1"/>
-                <a:r>
-                  <a:rPr dirty="0">
-                    <a:latin typeface="游ゴシック Medium" panose="020B0500000000000000" pitchFamily="50" charset="-128"/>
-                    <a:ea typeface="游ゴシック Medium" panose="020B0500000000000000" pitchFamily="50" charset="-128"/>
-                  </a:rPr>
-                  <a:t>対象：骨髄バンクドナー確定後に「適合通知」を受け取るドナー候補者（</a:t>
-                </a:r>
-                <a14:m>
-                  <m:oMath xmlns:m="http://schemas.openxmlformats.org/officeDocument/2006/math">
-                    <m:r>
-                      <a:rPr>
-                        <a:latin typeface="Cambria Math" panose="02040503050406030204" pitchFamily="18" charset="0"/>
-                      </a:rPr>
-                      <m:t>𝑁</m:t>
-                    </m:r>
-                    <m:r>
-                      <a:rPr>
-                        <a:latin typeface="Cambria Math" panose="02040503050406030204" pitchFamily="18" charset="0"/>
-                      </a:rPr>
-                      <m:t>=11,154</m:t>
-                    </m:r>
-                  </m:oMath>
-                </a14:m>
-                <a:r>
-                  <a:rPr dirty="0">
-                    <a:latin typeface="游ゴシック Medium" panose="020B0500000000000000" pitchFamily="50" charset="-128"/>
-                    <a:ea typeface="游ゴシック Medium" panose="020B0500000000000000" pitchFamily="50" charset="-128"/>
-                  </a:rPr>
-                  <a:t>）</a:t>
-                </a:r>
-              </a:p>
-              <a:p>
-                <a:pPr lvl="1"/>
-                <a:r>
-                  <a:rPr dirty="0">
-                    <a:latin typeface="游ゴシック Medium" panose="020B0500000000000000" pitchFamily="50" charset="-128"/>
-                    <a:ea typeface="游ゴシック Medium" panose="020B0500000000000000" pitchFamily="50" charset="-128"/>
-                  </a:rPr>
-                  <a:t>介入：ドナー候補者確定後に送付する「適合通知」の内容に以下のメッセージを加える</a:t>
-                </a:r>
-              </a:p>
-              <a:p>
-                <a:pPr lvl="2"/>
-                <a:r>
-                  <a:rPr dirty="0">
-                    <a:latin typeface="游ゴシック Medium" panose="020B0500000000000000" pitchFamily="50" charset="-128"/>
-                    <a:ea typeface="游ゴシック Medium" panose="020B0500000000000000" pitchFamily="50" charset="-128"/>
-                  </a:rPr>
-                  <a:t>確率メッセージ：「</a:t>
-                </a:r>
-                <a:r>
-                  <a:rPr dirty="0">
-                    <a:highlight>
-                      <a:srgbClr val="FFFF00"/>
-                    </a:highlight>
-                    <a:latin typeface="游ゴシック Medium" panose="020B0500000000000000" pitchFamily="50" charset="-128"/>
-                    <a:ea typeface="游ゴシック Medium" panose="020B0500000000000000" pitchFamily="50" charset="-128"/>
-                  </a:rPr>
-                  <a:t>１人の登録患者さんとHLA型が一致するドナー登録者は数百〜数万人に1人です。 ドナー候補者が複数みつかる場合もありますが、多くはないこともご理解頂ければ幸いです</a:t>
-                </a:r>
-                <a:r>
-                  <a:rPr dirty="0">
-                    <a:latin typeface="游ゴシック Medium" panose="020B0500000000000000" pitchFamily="50" charset="-128"/>
-                    <a:ea typeface="游ゴシック Medium" panose="020B0500000000000000" pitchFamily="50" charset="-128"/>
-                  </a:rPr>
-                  <a:t>。」</a:t>
-                </a:r>
-              </a:p>
-              <a:p>
-                <a:pPr lvl="2"/>
-                <a:r>
-                  <a:rPr lang="ja-JP" altLang="en-US" dirty="0">
-                    <a:latin typeface="游ゴシック Medium" panose="020B0500000000000000" pitchFamily="50" charset="-128"/>
-                    <a:ea typeface="游ゴシック Medium" panose="020B0500000000000000" pitchFamily="50" charset="-128"/>
-                  </a:rPr>
-                  <a:t>早期コーディネーションメッセージ</a:t>
-                </a:r>
-                <a:r>
-                  <a:rPr dirty="0">
-                    <a:latin typeface="游ゴシック Medium" panose="020B0500000000000000" pitchFamily="50" charset="-128"/>
-                    <a:ea typeface="游ゴシック Medium" panose="020B0500000000000000" pitchFamily="50" charset="-128"/>
-                  </a:rPr>
-                  <a:t>：「</a:t>
-                </a:r>
-                <a:r>
-                  <a:rPr dirty="0">
-                    <a:highlight>
-                      <a:srgbClr val="00FFFF"/>
-                    </a:highlight>
-                    <a:latin typeface="游ゴシック Medium" panose="020B0500000000000000" pitchFamily="50" charset="-128"/>
-                    <a:ea typeface="游ゴシック Medium" panose="020B0500000000000000" pitchFamily="50" charset="-128"/>
-                  </a:rPr>
-                  <a:t>骨髄バンクを介して移植ができる患者さんは現在約6割にとどまっています。 骨髄等を提供するドナーが早く見つかれば、その比率を高めることができます。」</a:t>
-                </a:r>
-              </a:p>
-            </p:txBody>
-          </p:sp>
-        </mc:Choice>
-        <mc:Fallback xmlns="">
-          <p:sp>
-            <p:nvSpPr>
-              <p:cNvPr id="3" name="Content Placeholder 2"/>
-              <p:cNvSpPr>
-                <a:spLocks noGrp="1" noRot="1" noChangeAspect="1" noMove="1" noResize="1" noEditPoints="1" noAdjustHandles="1" noChangeArrowheads="1" noChangeShapeType="1" noTextEdit="1"/>
-              </p:cNvSpPr>
-              <p:nvPr>
-                <p:ph idx="1"/>
-              </p:nvPr>
-            </p:nvSpPr>
-            <p:spPr>
-              <a:blipFill>
-                <a:blip r:embed="rId2"/>
-                <a:stretch>
-                  <a:fillRect t="-1482"/>
-                </a:stretch>
-              </a:blipFill>
-            </p:spPr>
-            <p:txBody>
-              <a:bodyPr/>
-              <a:lstStyle/>
-              <a:p>
-                <a:r>
-                  <a:rPr lang="ja-JP" altLang="en-US">
-                    <a:noFill/>
-                  </a:rPr>
-                  <a:t> </a:t>
-                </a:r>
-              </a:p>
-            </p:txBody>
-          </p:sp>
-        </mc:Fallback>
-      </mc:AlternateContent>
       <p:sp>
         <p:nvSpPr>
-          <p:cNvPr id="4" name="スライド番号プレースホルダー 3">
-            <a:extLst>
-              <a:ext uri="{FF2B5EF4-FFF2-40B4-BE49-F238E27FC236}">
-                <a16:creationId xmlns:a16="http://schemas.microsoft.com/office/drawing/2014/main" id="{D2134699-DBAB-8DE9-993C-AF9376108A7A}"/>
-              </a:ext>
-            </a:extLst>
-          </p:cNvPr>
+          <p:cNvPr id="3" name="Content Placeholder 2"/>
           <p:cNvSpPr>
             <a:spLocks noGrp="1"/>
           </p:cNvSpPr>
           <p:nvPr>
-            <p:ph type="sldNum" sz="quarter" idx="12"/>
+            <p:ph idx="1"/>
           </p:nvPr>
         </p:nvSpPr>
         <p:spPr/>
@@ -3924,19 +3238,1117 @@
           <a:bodyPr/>
           <a:lstStyle/>
           <a:p>
-            <a:fld id="{C5EF2332-01BF-834F-8236-50238282D533}" type="slidenum">
-              <a:rPr lang="en-US" smtClean="0"/>
-              <a:t>2</a:t>
-            </a:fld>
-            <a:endParaRPr lang="en-US"/>
+            <a:pPr lvl="0" indent="0" marL="0">
+              <a:buNone/>
+            </a:pPr>
+            <a:r>
+              <a:rPr/>
+              <a:t>アウトカム：返信時に提供意向を示したかどうか</a:t>
+            </a:r>
           </a:p>
         </p:txBody>
       </p:sp>
+      <p:graphicFrame xmlns:a="http://schemas.openxmlformats.org/drawingml/2006/main" xmlns:r="http://schemas.openxmlformats.org/officeDocument/2006/relationships" xmlns:p="http://schemas.openxmlformats.org/presentationml/2006/main">
+        <p:nvGraphicFramePr>
+          <p:cNvPr id="459957587" name=""/>
+          <p:cNvGraphicFramePr>
+            <a:graphicFrameLocks noGrp="true"/>
+          </p:cNvGraphicFramePr>
+          <p:nvPr/>
+        </p:nvGraphicFramePr>
+        <p:xfrm rot="0">
+          <a:off x="914400" y="1828800"/>
+          <a:ext cx="9144000" cy="5486400"/>
+        </p:xfrm>
+        <a:graphic>
+          <a:graphicData uri="http://schemas.openxmlformats.org/drawingml/2006/table">
+            <a:tbl>
+              <a:tblPr/>
+              <a:tblGrid>
+                <a:gridCol w="1828800"/>
+                <a:gridCol w="914400"/>
+                <a:gridCol w="914400"/>
+              </a:tblGrid>
+              <a:tr h="228600">
+                <a:tc>
+                  <a:txBody>
+                    <a:bodyPr/>
+                    <a:lstStyle/>
+                    <a:p>
+                      <a:pPr algn="l" marL="63500" marR="63500">
+                        <a:lnSpc>
+                          <a:spcPct val="100000"/>
+                        </a:lnSpc>
+                        <a:spcBef>
+                          <a:spcPts val="500"/>
+                        </a:spcBef>
+                        <a:spcAft>
+                          <a:spcPts val="500"/>
+                        </a:spcAft>
+                        <a:buNone/>
+                      </a:pPr>
+                      <a:r>
+                        <a:rPr cap="none" sz="1100" i="0" b="0" u="none">
+                          <a:solidFill>
+                            <a:srgbClr val="000000">
+                              <a:alpha val="100000"/>
+                            </a:srgbClr>
+                          </a:solidFill>
+                          <a:latin typeface="Arial"/>
+                          <a:cs typeface="Arial"/>
+                          <a:ea typeface="Arial"/>
+                          <a:sym typeface="Arial"/>
+                        </a:rPr>
+                        <a:t/>
+                      </a:r>
+                    </a:p>
+                  </a:txBody>
+                  <a:tcPr anchor="ctr" marB="63500" marT="63500" marR="0" marL="0">
+                    <a:lnL algn="ctr" cmpd="sng" cap="flat" w="0">
+                      <a:noFill/>
+                      <a:prstDash val="solid"/>
+                    </a:lnL>
+                    <a:lnR algn="ctr" cmpd="sng" cap="flat" w="0">
+                      <a:noFill/>
+                      <a:prstDash val="solid"/>
+                    </a:lnR>
+                    <a:lnT algn="ctr" cmpd="sng" cap="flat" w="12700">
+                      <a:solidFill>
+                        <a:srgbClr val="000000">
+                          <a:alpha val="100000"/>
+                        </a:srgbClr>
+                      </a:solidFill>
+                      <a:prstDash val="solid"/>
+                    </a:lnT>
+                    <a:lnB algn="ctr" cmpd="sng" cap="flat" w="0">
+                      <a:noFill/>
+                      <a:prstDash val="solid"/>
+                    </a:lnB>
+                    <a:solidFill>
+                      <a:srgbClr val="FFFFFF">
+                        <a:alpha val="0"/>
+                      </a:srgbClr>
+                    </a:solidFill>
+                  </a:tcPr>
+                </a:tc>
+                <a:tc gridSpan="2">
+                  <a:txBody>
+                    <a:bodyPr/>
+                    <a:lstStyle/>
+                    <a:p>
+                      <a:pPr algn="ctr" marL="63500" marR="63500">
+                        <a:lnSpc>
+                          <a:spcPct val="100000"/>
+                        </a:lnSpc>
+                        <a:spcBef>
+                          <a:spcPts val="500"/>
+                        </a:spcBef>
+                        <a:spcAft>
+                          <a:spcPts val="500"/>
+                        </a:spcAft>
+                        <a:buNone/>
+                      </a:pPr>
+                      <a:r>
+                        <a:rPr cap="none" sz="1100" i="0" b="0" u="none">
+                          <a:solidFill>
+                            <a:srgbClr val="000000">
+                              <a:alpha val="100000"/>
+                            </a:srgbClr>
+                          </a:solidFill>
+                          <a:latin typeface="Arial"/>
+                          <a:cs typeface="Arial"/>
+                          <a:ea typeface="Arial"/>
+                          <a:sym typeface="Arial"/>
+                        </a:rPr>
+                        <a:t>Predicted treatment effect</a:t>
+                      </a:r>
+                    </a:p>
+                  </a:txBody>
+                  <a:tcPr anchor="ctr" marB="63500" marT="63500" marR="0" marL="0">
+                    <a:lnL algn="ctr" cmpd="sng" cap="flat" w="0">
+                      <a:noFill/>
+                      <a:prstDash val="solid"/>
+                    </a:lnL>
+                    <a:lnR algn="ctr" cmpd="sng" cap="flat" w="0">
+                      <a:noFill/>
+                      <a:prstDash val="solid"/>
+                    </a:lnR>
+                    <a:lnT algn="ctr" cmpd="sng" cap="flat" w="12700">
+                      <a:solidFill>
+                        <a:srgbClr val="000000">
+                          <a:alpha val="100000"/>
+                        </a:srgbClr>
+                      </a:solidFill>
+                      <a:prstDash val="solid"/>
+                    </a:lnT>
+                    <a:lnB algn="ctr" cmpd="sng" cap="flat" w="0">
+                      <a:noFill/>
+                      <a:prstDash val="solid"/>
+                    </a:lnB>
+                    <a:solidFill>
+                      <a:srgbClr val="FFFFFF">
+                        <a:alpha val="0"/>
+                      </a:srgbClr>
+                    </a:solidFill>
+                  </a:tcPr>
+                </a:tc>
+                <a:tc hMerge="true">
+                  <a:txBody>
+                    <a:bodyPr/>
+                    <a:lstStyle/>
+                    <a:p>
+                      <a:pPr algn="ctr" marL="63500" marR="63500">
+                        <a:lnSpc>
+                          <a:spcPct val="100000"/>
+                        </a:lnSpc>
+                        <a:spcBef>
+                          <a:spcPts val="500"/>
+                        </a:spcBef>
+                        <a:spcAft>
+                          <a:spcPts val="500"/>
+                        </a:spcAft>
+                        <a:buNone/>
+                      </a:pPr>
+                      <a:r>
+                        <a:rPr cap="none" sz="1100" i="0" b="0" u="none">
+                          <a:solidFill>
+                            <a:srgbClr val="000000">
+                              <a:alpha val="100000"/>
+                            </a:srgbClr>
+                          </a:solidFill>
+                          <a:latin typeface="Arial"/>
+                          <a:cs typeface="Arial"/>
+                          <a:ea typeface="Arial"/>
+                          <a:sym typeface="Arial"/>
+                        </a:rPr>
+                        <a:t>Predicted treatment effect</a:t>
+                      </a:r>
+                    </a:p>
+                  </a:txBody>
+                  <a:tcPr anchor="ctr" marB="63500" marT="63500" marR="0" marL="0">
+                    <a:lnL algn="ctr" cmpd="sng" cap="flat" w="0">
+                      <a:noFill/>
+                      <a:prstDash val="solid"/>
+                    </a:lnL>
+                    <a:lnR algn="ctr" cmpd="sng" cap="flat" w="0">
+                      <a:noFill/>
+                      <a:prstDash val="solid"/>
+                    </a:lnR>
+                    <a:lnT algn="ctr" cmpd="sng" cap="flat" w="12700">
+                      <a:solidFill>
+                        <a:srgbClr val="000000">
+                          <a:alpha val="100000"/>
+                        </a:srgbClr>
+                      </a:solidFill>
+                      <a:prstDash val="solid"/>
+                    </a:lnT>
+                    <a:lnB algn="ctr" cmpd="sng" cap="flat" w="0">
+                      <a:noFill/>
+                      <a:prstDash val="solid"/>
+                    </a:lnB>
+                    <a:solidFill>
+                      <a:srgbClr val="FFFFFF">
+                        <a:alpha val="0"/>
+                      </a:srgbClr>
+                    </a:solidFill>
+                  </a:tcPr>
+                </a:tc>
+              </a:tr>
+              <a:tr h="228600">
+                <a:tc>
+                  <a:txBody>
+                    <a:bodyPr/>
+                    <a:lstStyle/>
+                    <a:p>
+                      <a:pPr algn="l" marL="63500" marR="63500">
+                        <a:lnSpc>
+                          <a:spcPct val="100000"/>
+                        </a:lnSpc>
+                        <a:spcBef>
+                          <a:spcPts val="500"/>
+                        </a:spcBef>
+                        <a:spcAft>
+                          <a:spcPts val="500"/>
+                        </a:spcAft>
+                        <a:buNone/>
+                      </a:pPr>
+                      <a:r>
+                        <a:rPr cap="none" sz="1100" i="0" b="0" u="none">
+                          <a:solidFill>
+                            <a:srgbClr val="000000">
+                              <a:alpha val="100000"/>
+                            </a:srgbClr>
+                          </a:solidFill>
+                          <a:latin typeface="Arial"/>
+                          <a:cs typeface="Arial"/>
+                          <a:ea typeface="Arial"/>
+                          <a:sym typeface="Arial"/>
+                        </a:rPr>
+                        <a:t> </a:t>
+                      </a:r>
+                    </a:p>
+                  </a:txBody>
+                  <a:tcPr anchor="ctr" marB="63500" marT="63500" marR="0" marL="0">
+                    <a:lnL algn="ctr" cmpd="sng" cap="flat" w="0">
+                      <a:noFill/>
+                      <a:prstDash val="solid"/>
+                    </a:lnL>
+                    <a:lnR algn="ctr" cmpd="sng" cap="flat" w="0">
+                      <a:noFill/>
+                      <a:prstDash val="solid"/>
+                    </a:lnR>
+                    <a:lnT algn="ctr" cmpd="sng" cap="flat" w="0">
+                      <a:noFill/>
+                      <a:prstDash val="solid"/>
+                    </a:lnT>
+                    <a:lnB algn="ctr" cmpd="sng" cap="flat" w="12700">
+                      <a:solidFill>
+                        <a:srgbClr val="000000">
+                          <a:alpha val="100000"/>
+                        </a:srgbClr>
+                      </a:solidFill>
+                      <a:prstDash val="solid"/>
+                    </a:lnB>
+                    <a:solidFill>
+                      <a:srgbClr val="FFFFFF">
+                        <a:alpha val="0"/>
+                      </a:srgbClr>
+                    </a:solidFill>
+                  </a:tcPr>
+                </a:tc>
+                <a:tc>
+                  <a:txBody>
+                    <a:bodyPr/>
+                    <a:lstStyle/>
+                    <a:p>
+                      <a:pPr algn="ctr" marL="63500" marR="63500">
+                        <a:lnSpc>
+                          <a:spcPct val="100000"/>
+                        </a:lnSpc>
+                        <a:spcBef>
+                          <a:spcPts val="500"/>
+                        </a:spcBef>
+                        <a:spcAft>
+                          <a:spcPts val="500"/>
+                        </a:spcAft>
+                        <a:buNone/>
+                      </a:pPr>
+                      <a:r>
+                        <a:rPr cap="none" sz="1100" i="0" b="0" u="none">
+                          <a:solidFill>
+                            <a:srgbClr val="000000">
+                              <a:alpha val="100000"/>
+                            </a:srgbClr>
+                          </a:solidFill>
+                          <a:latin typeface="Arial"/>
+                          <a:cs typeface="Arial"/>
+                          <a:ea typeface="Arial"/>
+                          <a:sym typeface="Arial"/>
+                        </a:rPr>
+                        <a:t>Mean</a:t>
+                      </a:r>
+                    </a:p>
+                  </a:txBody>
+                  <a:tcPr anchor="ctr" marB="63500" marT="63500" marR="0" marL="0">
+                    <a:lnL algn="ctr" cmpd="sng" cap="flat" w="0">
+                      <a:noFill/>
+                      <a:prstDash val="solid"/>
+                    </a:lnL>
+                    <a:lnR algn="ctr" cmpd="sng" cap="flat" w="0">
+                      <a:noFill/>
+                      <a:prstDash val="solid"/>
+                    </a:lnR>
+                    <a:lnT algn="ctr" cmpd="sng" cap="flat" w="0">
+                      <a:noFill/>
+                      <a:prstDash val="solid"/>
+                    </a:lnT>
+                    <a:lnB algn="ctr" cmpd="sng" cap="flat" w="12700">
+                      <a:solidFill>
+                        <a:srgbClr val="000000">
+                          <a:alpha val="100000"/>
+                        </a:srgbClr>
+                      </a:solidFill>
+                      <a:prstDash val="solid"/>
+                    </a:lnB>
+                    <a:solidFill>
+                      <a:srgbClr val="FFFFFF">
+                        <a:alpha val="0"/>
+                      </a:srgbClr>
+                    </a:solidFill>
+                  </a:tcPr>
+                </a:tc>
+                <a:tc>
+                  <a:txBody>
+                    <a:bodyPr/>
+                    <a:lstStyle/>
+                    <a:p>
+                      <a:pPr algn="ctr" marL="63500" marR="63500">
+                        <a:lnSpc>
+                          <a:spcPct val="100000"/>
+                        </a:lnSpc>
+                        <a:spcBef>
+                          <a:spcPts val="500"/>
+                        </a:spcBef>
+                        <a:spcAft>
+                          <a:spcPts val="500"/>
+                        </a:spcAft>
+                        <a:buNone/>
+                      </a:pPr>
+                      <a:r>
+                        <a:rPr cap="none" sz="1100" i="0" b="0" u="none">
+                          <a:solidFill>
+                            <a:srgbClr val="000000">
+                              <a:alpha val="100000"/>
+                            </a:srgbClr>
+                          </a:solidFill>
+                          <a:latin typeface="Arial"/>
+                          <a:cs typeface="Arial"/>
+                          <a:ea typeface="Arial"/>
+                          <a:sym typeface="Arial"/>
+                        </a:rPr>
+                        <a:t>SD</a:t>
+                      </a:r>
+                    </a:p>
+                  </a:txBody>
+                  <a:tcPr anchor="ctr" marB="63500" marT="63500" marR="0" marL="0">
+                    <a:lnL algn="ctr" cmpd="sng" cap="flat" w="0">
+                      <a:noFill/>
+                      <a:prstDash val="solid"/>
+                    </a:lnL>
+                    <a:lnR algn="ctr" cmpd="sng" cap="flat" w="0">
+                      <a:noFill/>
+                      <a:prstDash val="solid"/>
+                    </a:lnR>
+                    <a:lnT algn="ctr" cmpd="sng" cap="flat" w="0">
+                      <a:noFill/>
+                      <a:prstDash val="solid"/>
+                    </a:lnT>
+                    <a:lnB algn="ctr" cmpd="sng" cap="flat" w="12700">
+                      <a:solidFill>
+                        <a:srgbClr val="000000">
+                          <a:alpha val="100000"/>
+                        </a:srgbClr>
+                      </a:solidFill>
+                      <a:prstDash val="solid"/>
+                    </a:lnB>
+                    <a:solidFill>
+                      <a:srgbClr val="FFFFFF">
+                        <a:alpha val="0"/>
+                      </a:srgbClr>
+                    </a:solidFill>
+                  </a:tcPr>
+                </a:tc>
+              </a:tr>
+              <a:tr h="228600">
+                <a:tc>
+                  <a:txBody>
+                    <a:bodyPr/>
+                    <a:lstStyle/>
+                    <a:p>
+                      <a:pPr algn="l" marL="63500" marR="63500">
+                        <a:lnSpc>
+                          <a:spcPct val="100000"/>
+                        </a:lnSpc>
+                        <a:spcBef>
+                          <a:spcPts val="500"/>
+                        </a:spcBef>
+                        <a:spcAft>
+                          <a:spcPts val="500"/>
+                        </a:spcAft>
+                        <a:buNone/>
+                      </a:pPr>
+                      <a:r>
+                        <a:rPr cap="none" sz="1100" i="0" b="0" u="none">
+                          <a:solidFill>
+                            <a:srgbClr val="000000">
+                              <a:alpha val="100000"/>
+                            </a:srgbClr>
+                          </a:solidFill>
+                          <a:latin typeface="Arial"/>
+                          <a:cs typeface="Arial"/>
+                          <a:ea typeface="Arial"/>
+                          <a:sym typeface="Arial"/>
+                        </a:rPr>
+                        <a:t>Treatment B (uniform)</a:t>
+                      </a:r>
+                    </a:p>
+                  </a:txBody>
+                  <a:tcPr anchor="ctr" marB="63500" marT="63500" marR="0" marL="0">
+                    <a:lnL algn="ctr" cmpd="sng" cap="flat" w="0">
+                      <a:noFill/>
+                      <a:prstDash val="solid"/>
+                    </a:lnL>
+                    <a:lnR algn="ctr" cmpd="sng" cap="flat" w="0">
+                      <a:noFill/>
+                      <a:prstDash val="solid"/>
+                    </a:lnR>
+                    <a:lnT algn="ctr" cmpd="sng" cap="flat" w="0">
+                      <a:noFill/>
+                      <a:prstDash val="solid"/>
+                    </a:lnT>
+                    <a:lnB algn="ctr" cmpd="sng" cap="flat" w="0">
+                      <a:noFill/>
+                      <a:prstDash val="solid"/>
+                    </a:lnB>
+                    <a:solidFill>
+                      <a:srgbClr val="FFFFFF">
+                        <a:alpha val="0"/>
+                      </a:srgbClr>
+                    </a:solidFill>
+                  </a:tcPr>
+                </a:tc>
+                <a:tc>
+                  <a:txBody>
+                    <a:bodyPr/>
+                    <a:lstStyle/>
+                    <a:p>
+                      <a:pPr algn="ctr" marL="63500" marR="63500">
+                        <a:lnSpc>
+                          <a:spcPct val="100000"/>
+                        </a:lnSpc>
+                        <a:spcBef>
+                          <a:spcPts val="500"/>
+                        </a:spcBef>
+                        <a:spcAft>
+                          <a:spcPts val="500"/>
+                        </a:spcAft>
+                        <a:buNone/>
+                      </a:pPr>
+                      <a:r>
+                        <a:rPr cap="none" sz="1100" i="0" b="0" u="none">
+                          <a:solidFill>
+                            <a:srgbClr val="000000">
+                              <a:alpha val="100000"/>
+                            </a:srgbClr>
+                          </a:solidFill>
+                          <a:latin typeface="Arial"/>
+                          <a:cs typeface="Arial"/>
+                          <a:ea typeface="Arial"/>
+                          <a:sym typeface="Arial"/>
+                        </a:rPr>
+                        <a:t>0.0206</a:t>
+                      </a:r>
+                    </a:p>
+                  </a:txBody>
+                  <a:tcPr anchor="ctr" marB="63500" marT="63500" marR="0" marL="0">
+                    <a:lnL algn="ctr" cmpd="sng" cap="flat" w="0">
+                      <a:noFill/>
+                      <a:prstDash val="solid"/>
+                    </a:lnL>
+                    <a:lnR algn="ctr" cmpd="sng" cap="flat" w="0">
+                      <a:noFill/>
+                      <a:prstDash val="solid"/>
+                    </a:lnR>
+                    <a:lnT algn="ctr" cmpd="sng" cap="flat" w="0">
+                      <a:noFill/>
+                      <a:prstDash val="solid"/>
+                    </a:lnT>
+                    <a:lnB algn="ctr" cmpd="sng" cap="flat" w="0">
+                      <a:noFill/>
+                      <a:prstDash val="solid"/>
+                    </a:lnB>
+                    <a:solidFill>
+                      <a:srgbClr val="FFFFFF">
+                        <a:alpha val="0"/>
+                      </a:srgbClr>
+                    </a:solidFill>
+                  </a:tcPr>
+                </a:tc>
+                <a:tc>
+                  <a:txBody>
+                    <a:bodyPr/>
+                    <a:lstStyle/>
+                    <a:p>
+                      <a:pPr algn="ctr" marL="63500" marR="63500">
+                        <a:lnSpc>
+                          <a:spcPct val="100000"/>
+                        </a:lnSpc>
+                        <a:spcBef>
+                          <a:spcPts val="500"/>
+                        </a:spcBef>
+                        <a:spcAft>
+                          <a:spcPts val="500"/>
+                        </a:spcAft>
+                        <a:buNone/>
+                      </a:pPr>
+                      <a:r>
+                        <a:rPr cap="none" sz="1100" i="0" b="0" u="none">
+                          <a:solidFill>
+                            <a:srgbClr val="000000">
+                              <a:alpha val="100000"/>
+                            </a:srgbClr>
+                          </a:solidFill>
+                          <a:latin typeface="Arial"/>
+                          <a:cs typeface="Arial"/>
+                          <a:ea typeface="Arial"/>
+                          <a:sym typeface="Arial"/>
+                        </a:rPr>
+                        <a:t>0.0570</a:t>
+                      </a:r>
+                    </a:p>
+                  </a:txBody>
+                  <a:tcPr anchor="ctr" marB="63500" marT="63500" marR="0" marL="0">
+                    <a:lnL algn="ctr" cmpd="sng" cap="flat" w="0">
+                      <a:noFill/>
+                      <a:prstDash val="solid"/>
+                    </a:lnL>
+                    <a:lnR algn="ctr" cmpd="sng" cap="flat" w="0">
+                      <a:noFill/>
+                      <a:prstDash val="solid"/>
+                    </a:lnR>
+                    <a:lnT algn="ctr" cmpd="sng" cap="flat" w="0">
+                      <a:noFill/>
+                      <a:prstDash val="solid"/>
+                    </a:lnT>
+                    <a:lnB algn="ctr" cmpd="sng" cap="flat" w="0">
+                      <a:noFill/>
+                      <a:prstDash val="solid"/>
+                    </a:lnB>
+                    <a:solidFill>
+                      <a:srgbClr val="FFFFFF">
+                        <a:alpha val="0"/>
+                      </a:srgbClr>
+                    </a:solidFill>
+                  </a:tcPr>
+                </a:tc>
+              </a:tr>
+              <a:tr h="228600">
+                <a:tc>
+                  <a:txBody>
+                    <a:bodyPr/>
+                    <a:lstStyle/>
+                    <a:p>
+                      <a:pPr algn="l" marL="63500" marR="63500">
+                        <a:lnSpc>
+                          <a:spcPct val="100000"/>
+                        </a:lnSpc>
+                        <a:spcBef>
+                          <a:spcPts val="500"/>
+                        </a:spcBef>
+                        <a:spcAft>
+                          <a:spcPts val="500"/>
+                        </a:spcAft>
+                        <a:buNone/>
+                      </a:pPr>
+                      <a:r>
+                        <a:rPr cap="none" sz="1100" i="0" b="0" u="none">
+                          <a:solidFill>
+                            <a:srgbClr val="000000">
+                              <a:alpha val="100000"/>
+                            </a:srgbClr>
+                          </a:solidFill>
+                          <a:latin typeface="Arial"/>
+                          <a:cs typeface="Arial"/>
+                          <a:ea typeface="Arial"/>
+                          <a:sym typeface="Arial"/>
+                        </a:rPr>
+                        <a:t>Treatment C (uniform)</a:t>
+                      </a:r>
+                    </a:p>
+                  </a:txBody>
+                  <a:tcPr anchor="ctr" marB="63500" marT="63500" marR="0" marL="0">
+                    <a:lnL algn="ctr" cmpd="sng" cap="flat" w="0">
+                      <a:noFill/>
+                      <a:prstDash val="solid"/>
+                    </a:lnL>
+                    <a:lnR algn="ctr" cmpd="sng" cap="flat" w="0">
+                      <a:noFill/>
+                      <a:prstDash val="solid"/>
+                    </a:lnR>
+                    <a:lnT algn="ctr" cmpd="sng" cap="flat" w="0">
+                      <a:noFill/>
+                      <a:prstDash val="solid"/>
+                    </a:lnT>
+                    <a:lnB algn="ctr" cmpd="sng" cap="flat" w="0">
+                      <a:noFill/>
+                      <a:prstDash val="solid"/>
+                    </a:lnB>
+                    <a:solidFill>
+                      <a:srgbClr val="FFFFFF">
+                        <a:alpha val="0"/>
+                      </a:srgbClr>
+                    </a:solidFill>
+                  </a:tcPr>
+                </a:tc>
+                <a:tc>
+                  <a:txBody>
+                    <a:bodyPr/>
+                    <a:lstStyle/>
+                    <a:p>
+                      <a:pPr algn="ctr" marL="63500" marR="63500">
+                        <a:lnSpc>
+                          <a:spcPct val="100000"/>
+                        </a:lnSpc>
+                        <a:spcBef>
+                          <a:spcPts val="500"/>
+                        </a:spcBef>
+                        <a:spcAft>
+                          <a:spcPts val="500"/>
+                        </a:spcAft>
+                        <a:buNone/>
+                      </a:pPr>
+                      <a:r>
+                        <a:rPr cap="none" sz="1100" i="0" b="0" u="none">
+                          <a:solidFill>
+                            <a:srgbClr val="000000">
+                              <a:alpha val="100000"/>
+                            </a:srgbClr>
+                          </a:solidFill>
+                          <a:latin typeface="Arial"/>
+                          <a:cs typeface="Arial"/>
+                          <a:ea typeface="Arial"/>
+                          <a:sym typeface="Arial"/>
+                        </a:rPr>
+                        <a:t>-0.0019</a:t>
+                      </a:r>
+                    </a:p>
+                  </a:txBody>
+                  <a:tcPr anchor="ctr" marB="63500" marT="63500" marR="0" marL="0">
+                    <a:lnL algn="ctr" cmpd="sng" cap="flat" w="0">
+                      <a:noFill/>
+                      <a:prstDash val="solid"/>
+                    </a:lnL>
+                    <a:lnR algn="ctr" cmpd="sng" cap="flat" w="0">
+                      <a:noFill/>
+                      <a:prstDash val="solid"/>
+                    </a:lnR>
+                    <a:lnT algn="ctr" cmpd="sng" cap="flat" w="0">
+                      <a:noFill/>
+                      <a:prstDash val="solid"/>
+                    </a:lnT>
+                    <a:lnB algn="ctr" cmpd="sng" cap="flat" w="0">
+                      <a:noFill/>
+                      <a:prstDash val="solid"/>
+                    </a:lnB>
+                    <a:solidFill>
+                      <a:srgbClr val="FFFFFF">
+                        <a:alpha val="0"/>
+                      </a:srgbClr>
+                    </a:solidFill>
+                  </a:tcPr>
+                </a:tc>
+                <a:tc>
+                  <a:txBody>
+                    <a:bodyPr/>
+                    <a:lstStyle/>
+                    <a:p>
+                      <a:pPr algn="ctr" marL="63500" marR="63500">
+                        <a:lnSpc>
+                          <a:spcPct val="100000"/>
+                        </a:lnSpc>
+                        <a:spcBef>
+                          <a:spcPts val="500"/>
+                        </a:spcBef>
+                        <a:spcAft>
+                          <a:spcPts val="500"/>
+                        </a:spcAft>
+                        <a:buNone/>
+                      </a:pPr>
+                      <a:r>
+                        <a:rPr cap="none" sz="1100" i="0" b="0" u="none">
+                          <a:solidFill>
+                            <a:srgbClr val="000000">
+                              <a:alpha val="100000"/>
+                            </a:srgbClr>
+                          </a:solidFill>
+                          <a:latin typeface="Arial"/>
+                          <a:cs typeface="Arial"/>
+                          <a:ea typeface="Arial"/>
+                          <a:sym typeface="Arial"/>
+                        </a:rPr>
+                        <a:t>0.0598</a:t>
+                      </a:r>
+                    </a:p>
+                  </a:txBody>
+                  <a:tcPr anchor="ctr" marB="63500" marT="63500" marR="0" marL="0">
+                    <a:lnL algn="ctr" cmpd="sng" cap="flat" w="0">
+                      <a:noFill/>
+                      <a:prstDash val="solid"/>
+                    </a:lnL>
+                    <a:lnR algn="ctr" cmpd="sng" cap="flat" w="0">
+                      <a:noFill/>
+                      <a:prstDash val="solid"/>
+                    </a:lnR>
+                    <a:lnT algn="ctr" cmpd="sng" cap="flat" w="0">
+                      <a:noFill/>
+                      <a:prstDash val="solid"/>
+                    </a:lnT>
+                    <a:lnB algn="ctr" cmpd="sng" cap="flat" w="0">
+                      <a:noFill/>
+                      <a:prstDash val="solid"/>
+                    </a:lnB>
+                    <a:solidFill>
+                      <a:srgbClr val="FFFFFF">
+                        <a:alpha val="0"/>
+                      </a:srgbClr>
+                    </a:solidFill>
+                  </a:tcPr>
+                </a:tc>
+              </a:tr>
+              <a:tr h="228600">
+                <a:tc>
+                  <a:txBody>
+                    <a:bodyPr/>
+                    <a:lstStyle/>
+                    <a:p>
+                      <a:pPr algn="l" marL="63500" marR="63500">
+                        <a:lnSpc>
+                          <a:spcPct val="100000"/>
+                        </a:lnSpc>
+                        <a:spcBef>
+                          <a:spcPts val="500"/>
+                        </a:spcBef>
+                        <a:spcAft>
+                          <a:spcPts val="500"/>
+                        </a:spcAft>
+                        <a:buNone/>
+                      </a:pPr>
+                      <a:r>
+                        <a:rPr cap="none" sz="1100" i="0" b="0" u="none">
+                          <a:solidFill>
+                            <a:srgbClr val="000000">
+                              <a:alpha val="100000"/>
+                            </a:srgbClr>
+                          </a:solidFill>
+                          <a:latin typeface="Arial"/>
+                          <a:cs typeface="Arial"/>
+                          <a:ea typeface="Arial"/>
+                          <a:sym typeface="Arial"/>
+                        </a:rPr>
+                        <a:t>Treatment D (uniform)</a:t>
+                      </a:r>
+                    </a:p>
+                  </a:txBody>
+                  <a:tcPr anchor="ctr" marB="63500" marT="63500" marR="0" marL="0">
+                    <a:lnL algn="ctr" cmpd="sng" cap="flat" w="0">
+                      <a:noFill/>
+                      <a:prstDash val="solid"/>
+                    </a:lnL>
+                    <a:lnR algn="ctr" cmpd="sng" cap="flat" w="0">
+                      <a:noFill/>
+                      <a:prstDash val="solid"/>
+                    </a:lnR>
+                    <a:lnT algn="ctr" cmpd="sng" cap="flat" w="0">
+                      <a:noFill/>
+                      <a:prstDash val="solid"/>
+                    </a:lnT>
+                    <a:lnB algn="ctr" cmpd="sng" cap="flat" w="0">
+                      <a:noFill/>
+                      <a:prstDash val="solid"/>
+                    </a:lnB>
+                    <a:solidFill>
+                      <a:srgbClr val="FFFFFF">
+                        <a:alpha val="0"/>
+                      </a:srgbClr>
+                    </a:solidFill>
+                  </a:tcPr>
+                </a:tc>
+                <a:tc>
+                  <a:txBody>
+                    <a:bodyPr/>
+                    <a:lstStyle/>
+                    <a:p>
+                      <a:pPr algn="ctr" marL="63500" marR="63500">
+                        <a:lnSpc>
+                          <a:spcPct val="100000"/>
+                        </a:lnSpc>
+                        <a:spcBef>
+                          <a:spcPts val="500"/>
+                        </a:spcBef>
+                        <a:spcAft>
+                          <a:spcPts val="500"/>
+                        </a:spcAft>
+                        <a:buNone/>
+                      </a:pPr>
+                      <a:r>
+                        <a:rPr cap="none" sz="1100" i="0" b="0" u="none">
+                          <a:solidFill>
+                            <a:srgbClr val="000000">
+                              <a:alpha val="100000"/>
+                            </a:srgbClr>
+                          </a:solidFill>
+                          <a:latin typeface="Arial"/>
+                          <a:cs typeface="Arial"/>
+                          <a:ea typeface="Arial"/>
+                          <a:sym typeface="Arial"/>
+                        </a:rPr>
+                        <a:t>0.0079</a:t>
+                      </a:r>
+                    </a:p>
+                  </a:txBody>
+                  <a:tcPr anchor="ctr" marB="63500" marT="63500" marR="0" marL="0">
+                    <a:lnL algn="ctr" cmpd="sng" cap="flat" w="0">
+                      <a:noFill/>
+                      <a:prstDash val="solid"/>
+                    </a:lnL>
+                    <a:lnR algn="ctr" cmpd="sng" cap="flat" w="0">
+                      <a:noFill/>
+                      <a:prstDash val="solid"/>
+                    </a:lnR>
+                    <a:lnT algn="ctr" cmpd="sng" cap="flat" w="0">
+                      <a:noFill/>
+                      <a:prstDash val="solid"/>
+                    </a:lnT>
+                    <a:lnB algn="ctr" cmpd="sng" cap="flat" w="0">
+                      <a:noFill/>
+                      <a:prstDash val="solid"/>
+                    </a:lnB>
+                    <a:solidFill>
+                      <a:srgbClr val="FFFFFF">
+                        <a:alpha val="0"/>
+                      </a:srgbClr>
+                    </a:solidFill>
+                  </a:tcPr>
+                </a:tc>
+                <a:tc>
+                  <a:txBody>
+                    <a:bodyPr/>
+                    <a:lstStyle/>
+                    <a:p>
+                      <a:pPr algn="ctr" marL="63500" marR="63500">
+                        <a:lnSpc>
+                          <a:spcPct val="100000"/>
+                        </a:lnSpc>
+                        <a:spcBef>
+                          <a:spcPts val="500"/>
+                        </a:spcBef>
+                        <a:spcAft>
+                          <a:spcPts val="500"/>
+                        </a:spcAft>
+                        <a:buNone/>
+                      </a:pPr>
+                      <a:r>
+                        <a:rPr cap="none" sz="1100" i="0" b="0" u="none">
+                          <a:solidFill>
+                            <a:srgbClr val="000000">
+                              <a:alpha val="100000"/>
+                            </a:srgbClr>
+                          </a:solidFill>
+                          <a:latin typeface="Arial"/>
+                          <a:cs typeface="Arial"/>
+                          <a:ea typeface="Arial"/>
+                          <a:sym typeface="Arial"/>
+                        </a:rPr>
+                        <a:t>0.0628</a:t>
+                      </a:r>
+                    </a:p>
+                  </a:txBody>
+                  <a:tcPr anchor="ctr" marB="63500" marT="63500" marR="0" marL="0">
+                    <a:lnL algn="ctr" cmpd="sng" cap="flat" w="0">
+                      <a:noFill/>
+                      <a:prstDash val="solid"/>
+                    </a:lnL>
+                    <a:lnR algn="ctr" cmpd="sng" cap="flat" w="0">
+                      <a:noFill/>
+                      <a:prstDash val="solid"/>
+                    </a:lnR>
+                    <a:lnT algn="ctr" cmpd="sng" cap="flat" w="0">
+                      <a:noFill/>
+                      <a:prstDash val="solid"/>
+                    </a:lnT>
+                    <a:lnB algn="ctr" cmpd="sng" cap="flat" w="0">
+                      <a:noFill/>
+                      <a:prstDash val="solid"/>
+                    </a:lnB>
+                    <a:solidFill>
+                      <a:srgbClr val="FFFFFF">
+                        <a:alpha val="0"/>
+                      </a:srgbClr>
+                    </a:solidFill>
+                  </a:tcPr>
+                </a:tc>
+              </a:tr>
+              <a:tr h="228600">
+                <a:tc>
+                  <a:txBody>
+                    <a:bodyPr/>
+                    <a:lstStyle/>
+                    <a:p>
+                      <a:pPr algn="l" marL="63500" marR="63500">
+                        <a:lnSpc>
+                          <a:spcPct val="100000"/>
+                        </a:lnSpc>
+                        <a:spcBef>
+                          <a:spcPts val="500"/>
+                        </a:spcBef>
+                        <a:spcAft>
+                          <a:spcPts val="500"/>
+                        </a:spcAft>
+                        <a:buNone/>
+                      </a:pPr>
+                      <a:r>
+                        <a:rPr cap="none" sz="1100" i="0" b="0" u="none">
+                          <a:solidFill>
+                            <a:srgbClr val="000000">
+                              <a:alpha val="100000"/>
+                            </a:srgbClr>
+                          </a:solidFill>
+                          <a:latin typeface="Arial"/>
+                          <a:cs typeface="Arial"/>
+                          <a:ea typeface="Arial"/>
+                          <a:sym typeface="Arial"/>
+                        </a:rPr>
+                        <a:t>Optimum targeting</a:t>
+                      </a:r>
+                    </a:p>
+                  </a:txBody>
+                  <a:tcPr anchor="ctr" marB="63500" marT="63500" marR="0" marL="0">
+                    <a:lnL algn="ctr" cmpd="sng" cap="flat" w="0">
+                      <a:noFill/>
+                      <a:prstDash val="solid"/>
+                    </a:lnL>
+                    <a:lnR algn="ctr" cmpd="sng" cap="flat" w="0">
+                      <a:noFill/>
+                      <a:prstDash val="solid"/>
+                    </a:lnR>
+                    <a:lnT algn="ctr" cmpd="sng" cap="flat" w="0">
+                      <a:noFill/>
+                      <a:prstDash val="solid"/>
+                    </a:lnT>
+                    <a:lnB algn="ctr" cmpd="sng" cap="flat" w="12700">
+                      <a:solidFill>
+                        <a:srgbClr val="000000">
+                          <a:alpha val="100000"/>
+                        </a:srgbClr>
+                      </a:solidFill>
+                      <a:prstDash val="solid"/>
+                    </a:lnB>
+                    <a:solidFill>
+                      <a:srgbClr val="FFFFFF">
+                        <a:alpha val="0"/>
+                      </a:srgbClr>
+                    </a:solidFill>
+                  </a:tcPr>
+                </a:tc>
+                <a:tc>
+                  <a:txBody>
+                    <a:bodyPr/>
+                    <a:lstStyle/>
+                    <a:p>
+                      <a:pPr algn="ctr" marL="63500" marR="63500">
+                        <a:lnSpc>
+                          <a:spcPct val="100000"/>
+                        </a:lnSpc>
+                        <a:spcBef>
+                          <a:spcPts val="500"/>
+                        </a:spcBef>
+                        <a:spcAft>
+                          <a:spcPts val="500"/>
+                        </a:spcAft>
+                        <a:buNone/>
+                      </a:pPr>
+                      <a:r>
+                        <a:rPr cap="none" sz="1100" i="0" b="0" u="none">
+                          <a:solidFill>
+                            <a:srgbClr val="000000">
+                              <a:alpha val="100000"/>
+                            </a:srgbClr>
+                          </a:solidFill>
+                          <a:latin typeface="Arial"/>
+                          <a:cs typeface="Arial"/>
+                          <a:ea typeface="Arial"/>
+                          <a:sym typeface="Arial"/>
+                        </a:rPr>
+                        <a:t>0.0473</a:t>
+                      </a:r>
+                    </a:p>
+                  </a:txBody>
+                  <a:tcPr anchor="ctr" marB="63500" marT="63500" marR="0" marL="0">
+                    <a:lnL algn="ctr" cmpd="sng" cap="flat" w="0">
+                      <a:noFill/>
+                      <a:prstDash val="solid"/>
+                    </a:lnL>
+                    <a:lnR algn="ctr" cmpd="sng" cap="flat" w="0">
+                      <a:noFill/>
+                      <a:prstDash val="solid"/>
+                    </a:lnR>
+                    <a:lnT algn="ctr" cmpd="sng" cap="flat" w="0">
+                      <a:noFill/>
+                      <a:prstDash val="solid"/>
+                    </a:lnT>
+                    <a:lnB algn="ctr" cmpd="sng" cap="flat" w="12700">
+                      <a:solidFill>
+                        <a:srgbClr val="000000">
+                          <a:alpha val="100000"/>
+                        </a:srgbClr>
+                      </a:solidFill>
+                      <a:prstDash val="solid"/>
+                    </a:lnB>
+                    <a:solidFill>
+                      <a:srgbClr val="FFFFFF">
+                        <a:alpha val="0"/>
+                      </a:srgbClr>
+                    </a:solidFill>
+                  </a:tcPr>
+                </a:tc>
+                <a:tc>
+                  <a:txBody>
+                    <a:bodyPr/>
+                    <a:lstStyle/>
+                    <a:p>
+                      <a:pPr algn="ctr" marL="63500" marR="63500">
+                        <a:lnSpc>
+                          <a:spcPct val="100000"/>
+                        </a:lnSpc>
+                        <a:spcBef>
+                          <a:spcPts val="500"/>
+                        </a:spcBef>
+                        <a:spcAft>
+                          <a:spcPts val="500"/>
+                        </a:spcAft>
+                        <a:buNone/>
+                      </a:pPr>
+                      <a:r>
+                        <a:rPr cap="none" sz="1100" i="0" b="0" u="none">
+                          <a:solidFill>
+                            <a:srgbClr val="000000">
+                              <a:alpha val="100000"/>
+                            </a:srgbClr>
+                          </a:solidFill>
+                          <a:latin typeface="Arial"/>
+                          <a:cs typeface="Arial"/>
+                          <a:ea typeface="Arial"/>
+                          <a:sym typeface="Arial"/>
+                        </a:rPr>
+                        <a:t>0.0530</a:t>
+                      </a:r>
+                    </a:p>
+                  </a:txBody>
+                  <a:tcPr anchor="ctr" marB="63500" marT="63500" marR="0" marL="0">
+                    <a:lnL algn="ctr" cmpd="sng" cap="flat" w="0">
+                      <a:noFill/>
+                      <a:prstDash val="solid"/>
+                    </a:lnL>
+                    <a:lnR algn="ctr" cmpd="sng" cap="flat" w="0">
+                      <a:noFill/>
+                      <a:prstDash val="solid"/>
+                    </a:lnR>
+                    <a:lnT algn="ctr" cmpd="sng" cap="flat" w="0">
+                      <a:noFill/>
+                      <a:prstDash val="solid"/>
+                    </a:lnT>
+                    <a:lnB algn="ctr" cmpd="sng" cap="flat" w="12700">
+                      <a:solidFill>
+                        <a:srgbClr val="000000">
+                          <a:alpha val="100000"/>
+                        </a:srgbClr>
+                      </a:solidFill>
+                      <a:prstDash val="solid"/>
+                    </a:lnB>
+                    <a:solidFill>
+                      <a:srgbClr val="FFFFFF">
+                        <a:alpha val="0"/>
+                      </a:srgbClr>
+                    </a:solidFill>
+                  </a:tcPr>
+                </a:tc>
+              </a:tr>
+            </a:tbl>
+          </a:graphicData>
+        </a:graphic>
+      </p:graphicFrame>
     </p:spTree>
   </p:cSld>
-  <p:clrMapOvr>
-    <a:masterClrMapping/>
-  </p:clrMapOvr>
 </p:sld>
 </file>
 
@@ -3972,385 +4384,22 @@
           <a:bodyPr/>
           <a:lstStyle/>
           <a:p>
-            <a:r>
-              <a:rPr dirty="0"/>
-              <a:t>実験群</a:t>
-            </a:r>
-          </a:p>
-        </p:txBody>
-      </p:sp>
-      <p:sp>
-        <p:nvSpPr>
-          <p:cNvPr id="3" name="Content Placeholder 2"/>
-          <p:cNvSpPr>
-            <a:spLocks noGrp="1"/>
-          </p:cNvSpPr>
-          <p:nvPr>
-            <p:ph idx="1"/>
-          </p:nvPr>
-        </p:nvSpPr>
-        <p:spPr/>
-        <p:txBody>
-          <a:bodyPr/>
-          <a:lstStyle/>
-          <a:p>
-            <a:pPr lvl="1"/>
-            <a:r>
-              <a:rPr dirty="0">
-                <a:latin typeface="游ゴシック Medium" panose="020B0500000000000000" pitchFamily="50" charset="-128"/>
-                <a:ea typeface="游ゴシック Medium" panose="020B0500000000000000" pitchFamily="50" charset="-128"/>
-              </a:rPr>
-              <a:t>A群（コントロール）：通常の適合通知</a:t>
-            </a:r>
-          </a:p>
-          <a:p>
-            <a:pPr lvl="1"/>
-            <a:r>
-              <a:rPr dirty="0">
-                <a:latin typeface="游ゴシック Medium" panose="020B0500000000000000" pitchFamily="50" charset="-128"/>
-                <a:ea typeface="游ゴシック Medium" panose="020B0500000000000000" pitchFamily="50" charset="-128"/>
-              </a:rPr>
-              <a:t>B群（トリートメント1）：通常の適合通知＋確率メッセージ</a:t>
-            </a:r>
-          </a:p>
-          <a:p>
-            <a:pPr lvl="1"/>
-            <a:r>
-              <a:rPr dirty="0">
-                <a:latin typeface="游ゴシック Medium" panose="020B0500000000000000" pitchFamily="50" charset="-128"/>
-                <a:ea typeface="游ゴシック Medium" panose="020B0500000000000000" pitchFamily="50" charset="-128"/>
-              </a:rPr>
-              <a:t>C群（トリートメント2）：通常の適合通知＋</a:t>
-            </a:r>
-            <a:r>
-              <a:rPr lang="ja-JP" altLang="en-US" dirty="0">
-                <a:latin typeface="游ゴシック Medium" panose="020B0500000000000000" pitchFamily="50" charset="-128"/>
-                <a:ea typeface="游ゴシック Medium" panose="020B0500000000000000" pitchFamily="50" charset="-128"/>
-              </a:rPr>
-              <a:t>早期コーディネーションメッセージ</a:t>
-            </a:r>
-            <a:endParaRPr dirty="0">
-              <a:latin typeface="游ゴシック Medium" panose="020B0500000000000000" pitchFamily="50" charset="-128"/>
-              <a:ea typeface="游ゴシック Medium" panose="020B0500000000000000" pitchFamily="50" charset="-128"/>
-            </a:endParaRPr>
-          </a:p>
-          <a:p>
-            <a:pPr lvl="1"/>
-            <a:r>
-              <a:rPr dirty="0">
-                <a:latin typeface="游ゴシック Medium" panose="020B0500000000000000" pitchFamily="50" charset="-128"/>
-                <a:ea typeface="游ゴシック Medium" panose="020B0500000000000000" pitchFamily="50" charset="-128"/>
-              </a:rPr>
-              <a:t>D群（トリートメント3）：通常の適合通知＋確率メッセージ＋</a:t>
-            </a:r>
-            <a:r>
-              <a:rPr lang="ja-JP" altLang="en-US" dirty="0">
-                <a:latin typeface="游ゴシック Medium" panose="020B0500000000000000" pitchFamily="50" charset="-128"/>
-                <a:ea typeface="游ゴシック Medium" panose="020B0500000000000000" pitchFamily="50" charset="-128"/>
-              </a:rPr>
-              <a:t>早期コーディネーションメッセージ</a:t>
-            </a:r>
-            <a:endParaRPr lang="en-US" altLang="ja-JP" dirty="0">
-              <a:latin typeface="游ゴシック Medium" panose="020B0500000000000000" pitchFamily="50" charset="-128"/>
-              <a:ea typeface="游ゴシック Medium" panose="020B0500000000000000" pitchFamily="50" charset="-128"/>
-            </a:endParaRPr>
-          </a:p>
-          <a:p>
-            <a:pPr lvl="1"/>
-            <a:endParaRPr lang="en-US" dirty="0">
-              <a:latin typeface="游ゴシック Medium" panose="020B0500000000000000" pitchFamily="50" charset="-128"/>
-              <a:ea typeface="游ゴシック Medium" panose="020B0500000000000000" pitchFamily="50" charset="-128"/>
-            </a:endParaRPr>
-          </a:p>
-          <a:p>
-            <a:pPr marL="342900" lvl="1" indent="0">
+            <a:pPr lvl="0" indent="0" marL="0">
               <a:buNone/>
             </a:pPr>
             <a:r>
-              <a:rPr dirty="0">
-                <a:latin typeface="游ゴシック Medium" panose="020B0500000000000000" pitchFamily="50" charset="-128"/>
-                <a:ea typeface="游ゴシック Medium" panose="020B0500000000000000" pitchFamily="50" charset="-128"/>
-              </a:rPr>
-              <a:t>実験は2021/9～2022/2で実施し、週単位で実験群を割り当てた</a:t>
-            </a:r>
-          </a:p>
-        </p:txBody>
-      </p:sp>
-      <p:sp>
-        <p:nvSpPr>
-          <p:cNvPr id="4" name="スライド番号プレースホルダー 3">
-            <a:extLst>
-              <a:ext uri="{FF2B5EF4-FFF2-40B4-BE49-F238E27FC236}">
-                <a16:creationId xmlns:a16="http://schemas.microsoft.com/office/drawing/2014/main" id="{018514B0-39B9-EA96-6091-5742BC6FEBD9}"/>
-              </a:ext>
-            </a:extLst>
-          </p:cNvPr>
-          <p:cNvSpPr>
-            <a:spLocks noGrp="1"/>
-          </p:cNvSpPr>
-          <p:nvPr>
-            <p:ph type="sldNum" sz="quarter" idx="12"/>
-          </p:nvPr>
-        </p:nvSpPr>
-        <p:spPr/>
-        <p:txBody>
-          <a:bodyPr/>
-          <a:lstStyle/>
-          <a:p>
-            <a:fld id="{C5EF2332-01BF-834F-8236-50238282D533}" type="slidenum">
-              <a:rPr lang="en-US" smtClean="0"/>
-              <a:t>3</a:t>
-            </a:fld>
-            <a:endParaRPr lang="en-US"/>
-          </a:p>
-        </p:txBody>
-      </p:sp>
-    </p:spTree>
-  </p:cSld>
-  <p:clrMapOvr>
-    <a:masterClrMapping/>
-  </p:clrMapOvr>
-</p:sld>
-</file>
-
-<file path=ppt/slides/slide4.xml><?xml version="1.0" encoding="utf-8"?>
-<p:sld xmlns:a="http://schemas.openxmlformats.org/drawingml/2006/main" xmlns:r="http://schemas.openxmlformats.org/officeDocument/2006/relationships" xmlns:p="http://schemas.openxmlformats.org/presentationml/2006/main">
-  <p:cSld>
-    <p:spTree>
-      <p:nvGrpSpPr>
-        <p:cNvPr id="1" name=""/>
-        <p:cNvGrpSpPr/>
-        <p:nvPr/>
-      </p:nvGrpSpPr>
-      <p:grpSpPr>
-        <a:xfrm>
-          <a:off x="0" y="0"/>
-          <a:ext cx="0" cy="0"/>
-          <a:chOff x="0" y="0"/>
-          <a:chExt cx="0" cy="0"/>
-        </a:xfrm>
-      </p:grpSpPr>
-      <p:sp>
-        <p:nvSpPr>
-          <p:cNvPr id="2" name="タイトル 1">
-            <a:extLst>
-              <a:ext uri="{FF2B5EF4-FFF2-40B4-BE49-F238E27FC236}">
-                <a16:creationId xmlns:a16="http://schemas.microsoft.com/office/drawing/2014/main" id="{F56338AC-E229-F4D4-F65A-8F2C47956B3C}"/>
-              </a:ext>
-            </a:extLst>
-          </p:cNvPr>
-          <p:cNvSpPr>
-            <a:spLocks noGrp="1"/>
-          </p:cNvSpPr>
-          <p:nvPr>
-            <p:ph type="title"/>
-          </p:nvPr>
-        </p:nvSpPr>
-        <p:spPr/>
-        <p:txBody>
-          <a:bodyPr/>
-          <a:lstStyle/>
-          <a:p>
-            <a:r>
-              <a:rPr kumimoji="1" lang="ja-JP" altLang="en-US" dirty="0"/>
-              <a:t>機械学習を用いた効果測定</a:t>
-            </a:r>
-          </a:p>
-        </p:txBody>
-      </p:sp>
-      <p:sp>
-        <p:nvSpPr>
-          <p:cNvPr id="3" name="コンテンツ プレースホルダー 2">
-            <a:extLst>
-              <a:ext uri="{FF2B5EF4-FFF2-40B4-BE49-F238E27FC236}">
-                <a16:creationId xmlns:a16="http://schemas.microsoft.com/office/drawing/2014/main" id="{F80B9AE0-069C-23E5-8FE4-28210283B42A}"/>
-              </a:ext>
-            </a:extLst>
-          </p:cNvPr>
-          <p:cNvSpPr>
-            <a:spLocks noGrp="1"/>
-          </p:cNvSpPr>
-          <p:nvPr>
-            <p:ph idx="1"/>
-          </p:nvPr>
-        </p:nvSpPr>
-        <p:spPr/>
-        <p:txBody>
-          <a:bodyPr anchor="ctr"/>
-          <a:lstStyle/>
-          <a:p>
-            <a:r>
-              <a:rPr kumimoji="1" lang="ja-JP" altLang="en-US" dirty="0"/>
-              <a:t>介入効果の異質性の検証として</a:t>
-            </a:r>
-            <a:r>
-              <a:rPr kumimoji="1" lang="en-US" altLang="ja-JP" dirty="0"/>
-              <a:t>Random causal forest</a:t>
-            </a:r>
-            <a:r>
-              <a:rPr kumimoji="1" lang="ja-JP" altLang="en-US" dirty="0"/>
-              <a:t>を使用</a:t>
-            </a:r>
-            <a:endParaRPr kumimoji="1" lang="en-US" altLang="ja-JP" dirty="0"/>
-          </a:p>
-          <a:p>
-            <a:pPr lvl="1"/>
-            <a:r>
-              <a:rPr kumimoji="1" lang="ja-JP" altLang="en-US" dirty="0"/>
-              <a:t>介入効果の異質性を高めるように、サンプルを観察可能な特徴（共変量）で分割する</a:t>
-            </a:r>
-            <a:endParaRPr kumimoji="1" lang="en-US" altLang="ja-JP" dirty="0"/>
-          </a:p>
-          <a:p>
-            <a:pPr lvl="1"/>
-            <a:r>
-              <a:rPr kumimoji="1" lang="ja-JP" altLang="en-US" dirty="0"/>
-              <a:t>分割したサブサンプル内で介入効果を推定する</a:t>
-            </a:r>
-            <a:endParaRPr kumimoji="1" lang="en-US" altLang="ja-JP" dirty="0"/>
-          </a:p>
-          <a:p>
-            <a:pPr lvl="1"/>
-            <a:r>
-              <a:rPr kumimoji="1" lang="ja-JP" altLang="en-US" dirty="0"/>
-              <a:t>介入を受けていない人についても、その人の共変量に基づいて介入効果を予測できる</a:t>
-            </a:r>
-            <a:endParaRPr kumimoji="1" lang="en-US" altLang="ja-JP" dirty="0"/>
-          </a:p>
-          <a:p>
-            <a:r>
-              <a:rPr kumimoji="1" lang="ja-JP" altLang="en-US" dirty="0"/>
-              <a:t>アウトカム変数は「意向あり」を使用</a:t>
-            </a:r>
-          </a:p>
-        </p:txBody>
-      </p:sp>
-      <p:sp>
-        <p:nvSpPr>
-          <p:cNvPr id="4" name="スライド番号プレースホルダー 3">
-            <a:extLst>
-              <a:ext uri="{FF2B5EF4-FFF2-40B4-BE49-F238E27FC236}">
-                <a16:creationId xmlns:a16="http://schemas.microsoft.com/office/drawing/2014/main" id="{509D43B4-3903-2ED7-3E47-956FD149FF1A}"/>
-              </a:ext>
-            </a:extLst>
-          </p:cNvPr>
-          <p:cNvSpPr>
-            <a:spLocks noGrp="1"/>
-          </p:cNvSpPr>
-          <p:nvPr>
-            <p:ph type="sldNum" sz="quarter" idx="12"/>
-          </p:nvPr>
-        </p:nvSpPr>
-        <p:spPr/>
-        <p:txBody>
-          <a:bodyPr/>
-          <a:lstStyle/>
-          <a:p>
-            <a:fld id="{C5EF2332-01BF-834F-8236-50238282D533}" type="slidenum">
-              <a:rPr lang="en-US" smtClean="0"/>
-              <a:t>4</a:t>
-            </a:fld>
-            <a:endParaRPr lang="en-US"/>
-          </a:p>
-        </p:txBody>
-      </p:sp>
-    </p:spTree>
-    <p:extLst>
-      <p:ext uri="{BB962C8B-B14F-4D97-AF65-F5344CB8AC3E}">
-        <p14:creationId xmlns:p14="http://schemas.microsoft.com/office/powerpoint/2010/main" val="3617160859"/>
-      </p:ext>
-    </p:extLst>
-  </p:cSld>
-  <p:clrMapOvr>
-    <a:masterClrMapping/>
-  </p:clrMapOvr>
-</p:sld>
-</file>
-
-<file path=ppt/slides/slide5.xml><?xml version="1.0" encoding="utf-8"?>
-<p:sld xmlns:a="http://schemas.openxmlformats.org/drawingml/2006/main" xmlns:r="http://schemas.openxmlformats.org/officeDocument/2006/relationships" xmlns:p="http://schemas.openxmlformats.org/presentationml/2006/main">
-  <p:cSld>
-    <p:spTree>
-      <p:nvGrpSpPr>
-        <p:cNvPr id="1" name=""/>
-        <p:cNvGrpSpPr/>
-        <p:nvPr/>
-      </p:nvGrpSpPr>
-      <p:grpSpPr>
-        <a:xfrm>
-          <a:off x="0" y="0"/>
-          <a:ext cx="0" cy="0"/>
-          <a:chOff x="0" y="0"/>
-          <a:chExt cx="0" cy="0"/>
-        </a:xfrm>
-      </p:grpSpPr>
-      <p:sp>
-        <p:nvSpPr>
-          <p:cNvPr id="2" name="タイトル 1">
-            <a:extLst>
-              <a:ext uri="{FF2B5EF4-FFF2-40B4-BE49-F238E27FC236}">
-                <a16:creationId xmlns:a16="http://schemas.microsoft.com/office/drawing/2014/main" id="{27E8B3ED-E7C4-152D-6788-58F3F4C34858}"/>
-              </a:ext>
-            </a:extLst>
-          </p:cNvPr>
-          <p:cNvSpPr>
-            <a:spLocks noGrp="1"/>
-          </p:cNvSpPr>
-          <p:nvPr>
-            <p:ph type="title"/>
-          </p:nvPr>
-        </p:nvSpPr>
-        <p:spPr/>
-        <p:txBody>
-          <a:bodyPr/>
-          <a:lstStyle/>
-          <a:p>
-            <a:r>
-              <a:rPr kumimoji="1" lang="ja-JP" altLang="en-US" dirty="0"/>
+              <a:rPr/>
               <a:t>予測介入効果の分布</a:t>
             </a:r>
-          </a:p>
-        </p:txBody>
-      </p:sp>
-      <p:sp>
-        <p:nvSpPr>
-          <p:cNvPr id="4" name="スライド番号プレースホルダー 3">
-            <a:extLst>
-              <a:ext uri="{FF2B5EF4-FFF2-40B4-BE49-F238E27FC236}">
-                <a16:creationId xmlns:a16="http://schemas.microsoft.com/office/drawing/2014/main" id="{634D0D7D-66E8-8EA4-DD7A-7469AAE4B0B1}"/>
-              </a:ext>
-            </a:extLst>
-          </p:cNvPr>
-          <p:cNvSpPr>
-            <a:spLocks noGrp="1"/>
-          </p:cNvSpPr>
-          <p:nvPr>
-            <p:ph type="sldNum" sz="quarter" idx="12"/>
-          </p:nvPr>
-        </p:nvSpPr>
-        <p:spPr/>
-        <p:txBody>
-          <a:bodyPr/>
-          <a:lstStyle/>
-          <a:p>
-            <a:fld id="{C5EF2332-01BF-834F-8236-50238282D533}" type="slidenum">
-              <a:rPr lang="en-US" smtClean="0"/>
-              <a:t>5</a:t>
-            </a:fld>
-            <a:endParaRPr lang="en-US"/>
           </a:p>
         </p:txBody>
       </p:sp>
       <p:pic>
         <p:nvPicPr>
-          <p:cNvPr id="5" name="Picture" descr="Figure 3.2: Boxplot of Predicted Treatment Effects by Gender and Age. Notes: Blue fitted line represents GAM smoothing. Covariates are gender, age, number of past coordinations, number of hospitals per 10 square kilometers, number of hospitals with PBSC collection per 10 square kilometers and number of hospitals with BM collection per 10 square kilometers.">
-            <a:extLst>
-              <a:ext uri="{FF2B5EF4-FFF2-40B4-BE49-F238E27FC236}">
-                <a16:creationId xmlns:a16="http://schemas.microsoft.com/office/drawing/2014/main" id="{0D46F3F1-F8CE-B5CA-CA12-1976D46E8926}"/>
-              </a:ext>
-            </a:extLst>
-          </p:cNvPr>
-          <p:cNvPicPr/>
+          <p:cNvPr descr="targeting_files/figure-pptx/dist-targeting-effect-1.png" id="0" name="Picture 1"/>
+          <p:cNvPicPr>
+            <a:picLocks noGrp="1" noChangeAspect="1"/>
+          </p:cNvPicPr>
           <p:nvPr/>
         </p:nvPicPr>
         <p:blipFill>
@@ -4361,8 +4410,8 @@
         </p:blipFill>
         <p:spPr bwMode="auto">
           <a:xfrm>
-            <a:off x="1475509" y="1063229"/>
-            <a:ext cx="6192982" cy="3769736"/>
+            <a:off x="1397000" y="1193800"/>
+            <a:ext cx="6362700" cy="3390900"/>
           </a:xfrm>
           <a:prstGeom prst="rect">
             <a:avLst/>
@@ -4376,19 +4425,11 @@
         </p:spPr>
       </p:pic>
     </p:spTree>
-    <p:extLst>
-      <p:ext uri="{BB962C8B-B14F-4D97-AF65-F5344CB8AC3E}">
-        <p14:creationId xmlns:p14="http://schemas.microsoft.com/office/powerpoint/2010/main" val="192308724"/>
-      </p:ext>
-    </p:extLst>
   </p:cSld>
-  <p:clrMapOvr>
-    <a:masterClrMapping/>
-  </p:clrMapOvr>
 </p:sld>
 </file>
 
-<file path=ppt/slides/slide6.xml><?xml version="1.0" encoding="utf-8"?>
+<file path=ppt/slides/slide4.xml><?xml version="1.0" encoding="utf-8"?>
 <p:sld xmlns:a="http://schemas.openxmlformats.org/drawingml/2006/main" xmlns:r="http://schemas.openxmlformats.org/officeDocument/2006/relationships" xmlns:p="http://schemas.openxmlformats.org/presentationml/2006/main">
   <p:cSld>
     <p:spTree>
@@ -4420,93 +4461,45 @@
           <a:bodyPr/>
           <a:lstStyle/>
           <a:p>
-            <a:pPr marL="0" lvl="0" indent="0">
+            <a:pPr lvl="0" indent="0" marL="0">
               <a:buNone/>
             </a:pPr>
             <a:r>
-              <a:rPr dirty="0"/>
-              <a:t>一律介入と最適ターゲティングの効果</a:t>
+              <a:rPr/>
+              <a:t>最適ターゲティング別の個人属性の比較</a:t>
             </a:r>
           </a:p>
         </p:txBody>
       </p:sp>
-      <p:sp>
-        <p:nvSpPr>
-          <p:cNvPr id="3" name="Content Placeholder 2"/>
-          <p:cNvSpPr>
-            <a:spLocks noGrp="1"/>
-          </p:cNvSpPr>
-          <p:nvPr>
-            <p:ph idx="1"/>
-          </p:nvPr>
-        </p:nvSpPr>
-        <p:spPr/>
-        <p:txBody>
-          <a:bodyPr/>
-          <a:lstStyle/>
-          <a:p>
-            <a:pPr marL="0" lvl="0" indent="0" algn="ctr">
-              <a:buNone/>
-            </a:pPr>
-            <a:r>
-              <a:rPr dirty="0"/>
-              <a:t>アウトカム：返信時に提供意向を示したかどうか</a:t>
-            </a:r>
-          </a:p>
-        </p:txBody>
-      </p:sp>
-      <p:graphicFrame>
+      <p:graphicFrame xmlns:a="http://schemas.openxmlformats.org/drawingml/2006/main" xmlns:r="http://schemas.openxmlformats.org/officeDocument/2006/relationships" xmlns:p="http://schemas.openxmlformats.org/presentationml/2006/main">
         <p:nvGraphicFramePr>
-          <p:cNvPr id="561575257" name="表 561575256"/>
+          <p:cNvPr id="45218601" name=""/>
           <p:cNvGraphicFramePr>
-            <a:graphicFrameLocks noGrp="1"/>
+            <a:graphicFrameLocks noGrp="true"/>
           </p:cNvGraphicFramePr>
-          <p:nvPr>
-            <p:extLst>
-              <p:ext uri="{D42A27DB-BD31-4B8C-83A1-F6EECF244321}">
-                <p14:modId xmlns:p14="http://schemas.microsoft.com/office/powerpoint/2010/main" val="1361197822"/>
-              </p:ext>
-            </p:extLst>
-          </p:nvPr>
+          <p:nvPr/>
         </p:nvGraphicFramePr>
-        <p:xfrm>
-          <a:off x="959771" y="1872951"/>
-          <a:ext cx="7224458" cy="2752154"/>
+        <p:xfrm rot="0">
+          <a:off x="914400" y="1828800"/>
+          <a:ext cx="9144000" cy="5486400"/>
         </p:xfrm>
         <a:graphic>
           <a:graphicData uri="http://schemas.openxmlformats.org/drawingml/2006/table">
             <a:tbl>
               <a:tblPr/>
               <a:tblGrid>
-                <a:gridCol w="3612230">
-                  <a:extLst>
-                    <a:ext uri="{9D8B030D-6E8A-4147-A177-3AD203B41FA5}">
-                      <a16:colId xmlns:a16="http://schemas.microsoft.com/office/drawing/2014/main" val="20000"/>
-                    </a:ext>
-                  </a:extLst>
-                </a:gridCol>
-                <a:gridCol w="1806114">
-                  <a:extLst>
-                    <a:ext uri="{9D8B030D-6E8A-4147-A177-3AD203B41FA5}">
-                      <a16:colId xmlns:a16="http://schemas.microsoft.com/office/drawing/2014/main" val="20001"/>
-                    </a:ext>
-                  </a:extLst>
-                </a:gridCol>
-                <a:gridCol w="1806114">
-                  <a:extLst>
-                    <a:ext uri="{9D8B030D-6E8A-4147-A177-3AD203B41FA5}">
-                      <a16:colId xmlns:a16="http://schemas.microsoft.com/office/drawing/2014/main" val="20002"/>
-                    </a:ext>
-                  </a:extLst>
-                </a:gridCol>
+                <a:gridCol w="3657600"/>
+                <a:gridCol w="914400"/>
+                <a:gridCol w="914400"/>
+                <a:gridCol w="914400"/>
               </a:tblGrid>
-              <a:tr h="510238">
+              <a:tr h="228600">
                 <a:tc>
                   <a:txBody>
                     <a:bodyPr/>
                     <a:lstStyle/>
                     <a:p>
-                      <a:pPr marL="63500" marR="63500" algn="l">
+                      <a:pPr algn="l" marL="63500" marR="63500">
                         <a:lnSpc>
                           <a:spcPct val="100000"/>
                         </a:lnSpc>
@@ -4518,56 +4511,8 @@
                         </a:spcAft>
                         <a:buNone/>
                       </a:pPr>
-                      <a:endParaRPr sz="1800"/>
-                    </a:p>
-                  </a:txBody>
-                  <a:tcPr marL="0" marR="0" marT="63500" marB="63500" anchor="ctr">
-                    <a:lnL w="0" cap="flat" cmpd="sng" algn="ctr">
-                      <a:noFill/>
-                      <a:prstDash val="solid"/>
-                    </a:lnL>
-                    <a:lnR w="0" cap="flat" cmpd="sng" algn="ctr">
-                      <a:noFill/>
-                      <a:prstDash val="solid"/>
-                    </a:lnR>
-                    <a:lnT w="12700" cap="flat" cmpd="sng" algn="ctr">
-                      <a:solidFill>
-                        <a:srgbClr val="000000">
-                          <a:alpha val="100000"/>
-                        </a:srgbClr>
-                      </a:solidFill>
-                      <a:prstDash val="solid"/>
-                    </a:lnT>
-                    <a:lnB w="0" cap="flat" cmpd="sng" algn="ctr">
-                      <a:noFill/>
-                      <a:prstDash val="solid"/>
-                    </a:lnB>
-                    <a:solidFill>
-                      <a:srgbClr val="FFFFFF">
-                        <a:alpha val="0"/>
-                      </a:srgbClr>
-                    </a:solidFill>
-                  </a:tcPr>
-                </a:tc>
-                <a:tc gridSpan="2">
-                  <a:txBody>
-                    <a:bodyPr/>
-                    <a:lstStyle/>
-                    <a:p>
-                      <a:pPr marL="63500" marR="63500" algn="ctr">
-                        <a:lnSpc>
-                          <a:spcPct val="100000"/>
-                        </a:lnSpc>
-                        <a:spcBef>
-                          <a:spcPts val="500"/>
-                        </a:spcBef>
-                        <a:spcAft>
-                          <a:spcPts val="500"/>
-                        </a:spcAft>
-                        <a:buNone/>
-                      </a:pPr>
                       <a:r>
-                        <a:rPr sz="1600" b="0" i="0" u="none" cap="none">
+                        <a:rPr cap="none" sz="1100" i="0" b="0" u="none">
                           <a:solidFill>
                             <a:srgbClr val="000000">
                               <a:alpha val="100000"/>
@@ -4575,153 +4520,31 @@
                           </a:solidFill>
                           <a:latin typeface="Arial"/>
                           <a:cs typeface="Arial"/>
-                          <a:sym typeface="Arial"/>
-                        </a:rPr>
-                        <a:t>Predicted treatment effect</a:t>
-                      </a:r>
-                    </a:p>
-                  </a:txBody>
-                  <a:tcPr marL="0" marR="0" marT="63500" marB="63500" anchor="ctr">
-                    <a:lnL w="0" cap="flat" cmpd="sng" algn="ctr">
-                      <a:noFill/>
-                      <a:prstDash val="solid"/>
-                    </a:lnL>
-                    <a:lnR w="0" cap="flat" cmpd="sng" algn="ctr">
-                      <a:noFill/>
-                      <a:prstDash val="solid"/>
-                    </a:lnR>
-                    <a:lnT w="12700" cap="flat" cmpd="sng" algn="ctr">
-                      <a:solidFill>
-                        <a:srgbClr val="000000">
-                          <a:alpha val="100000"/>
-                        </a:srgbClr>
-                      </a:solidFill>
-                      <a:prstDash val="solid"/>
-                    </a:lnT>
-                    <a:lnB w="0" cap="flat" cmpd="sng" algn="ctr">
-                      <a:noFill/>
-                      <a:prstDash val="solid"/>
-                    </a:lnB>
-                    <a:solidFill>
-                      <a:srgbClr val="FFFFFF">
-                        <a:alpha val="0"/>
-                      </a:srgbClr>
-                    </a:solidFill>
-                  </a:tcPr>
-                </a:tc>
-                <a:tc hMerge="1">
-                  <a:txBody>
-                    <a:bodyPr/>
-                    <a:lstStyle/>
-                    <a:p>
-                      <a:pPr marL="63500" marR="63500" algn="ctr">
-                        <a:lnSpc>
-                          <a:spcPct val="100000"/>
-                        </a:lnSpc>
-                        <a:spcBef>
-                          <a:spcPts val="500"/>
-                        </a:spcBef>
-                        <a:spcAft>
-                          <a:spcPts val="500"/>
-                        </a:spcAft>
-                        <a:buNone/>
-                      </a:pPr>
-                      <a:r>
-                        <a:rPr sz="1100" b="0" i="0" u="none" cap="none">
-                          <a:solidFill>
-                            <a:srgbClr val="000000">
-                              <a:alpha val="100000"/>
-                            </a:srgbClr>
-                          </a:solidFill>
-                          <a:latin typeface="Arial"/>
-                          <a:cs typeface="Arial"/>
-                          <a:sym typeface="Arial"/>
-                        </a:rPr>
-                        <a:t>Predicted treatment effect</a:t>
-                      </a:r>
-                    </a:p>
-                  </a:txBody>
-                  <a:tcPr marL="0" marR="0" marT="63500" marB="63500" anchor="ctr">
-                    <a:lnL w="0" cap="flat" cmpd="sng" algn="ctr">
-                      <a:noFill/>
-                      <a:prstDash val="solid"/>
-                    </a:lnL>
-                    <a:lnR w="0" cap="flat" cmpd="sng" algn="ctr">
-                      <a:noFill/>
-                      <a:prstDash val="solid"/>
-                    </a:lnR>
-                    <a:lnT w="12700" cap="flat" cmpd="sng" algn="ctr">
-                      <a:solidFill>
-                        <a:srgbClr val="000000">
-                          <a:alpha val="100000"/>
-                        </a:srgbClr>
-                      </a:solidFill>
-                      <a:prstDash val="solid"/>
-                    </a:lnT>
-                    <a:lnB w="0" cap="flat" cmpd="sng" algn="ctr">
-                      <a:noFill/>
-                      <a:prstDash val="solid"/>
-                    </a:lnB>
-                    <a:solidFill>
-                      <a:srgbClr val="FFFFFF">
-                        <a:alpha val="0"/>
-                      </a:srgbClr>
-                    </a:solidFill>
-                  </a:tcPr>
-                </a:tc>
-                <a:extLst>
-                  <a:ext uri="{0D108BD9-81ED-4DB2-BD59-A6C34878D82A}">
-                    <a16:rowId xmlns:a16="http://schemas.microsoft.com/office/drawing/2014/main" val="10000"/>
-                  </a:ext>
-                </a:extLst>
-              </a:tr>
-              <a:tr h="313632">
-                <a:tc>
-                  <a:txBody>
-                    <a:bodyPr/>
-                    <a:lstStyle/>
-                    <a:p>
-                      <a:pPr marL="63500" marR="63500" algn="l">
-                        <a:lnSpc>
-                          <a:spcPct val="100000"/>
-                        </a:lnSpc>
-                        <a:spcBef>
-                          <a:spcPts val="500"/>
-                        </a:spcBef>
-                        <a:spcAft>
-                          <a:spcPts val="500"/>
-                        </a:spcAft>
-                        <a:buNone/>
-                      </a:pPr>
-                      <a:r>
-                        <a:rPr sz="1600" b="0" i="0" u="none" cap="none">
-                          <a:solidFill>
-                            <a:srgbClr val="000000">
-                              <a:alpha val="100000"/>
-                            </a:srgbClr>
-                          </a:solidFill>
-                          <a:latin typeface="Arial"/>
-                          <a:cs typeface="Arial"/>
+                          <a:ea typeface="Arial"/>
                           <a:sym typeface="Arial"/>
                         </a:rPr>
                         <a:t> </a:t>
                       </a:r>
                     </a:p>
                   </a:txBody>
-                  <a:tcPr marL="0" marR="0" marT="63500" marB="63500" anchor="ctr">
-                    <a:lnL w="0" cap="flat" cmpd="sng" algn="ctr">
+                  <a:tcPr anchor="ctr" marB="63500" marT="63500" marR="0" marL="0">
+                    <a:lnL algn="ctr" cmpd="sng" cap="flat" w="0">
                       <a:noFill/>
                       <a:prstDash val="solid"/>
                     </a:lnL>
-                    <a:lnR w="0" cap="flat" cmpd="sng" algn="ctr">
+                    <a:lnR algn="ctr" cmpd="sng" cap="flat" w="0">
                       <a:noFill/>
                       <a:prstDash val="solid"/>
                     </a:lnR>
-                    <a:lnT w="0" cap="flat" cmpd="sng" algn="ctr">
-                      <a:noFill/>
+                    <a:lnT algn="ctr" cmpd="sng" cap="flat" w="12700">
+                      <a:solidFill>
+                        <a:srgbClr val="000000">
+                          <a:alpha val="100000"/>
+                        </a:srgbClr>
+                      </a:solidFill>
                       <a:prstDash val="solid"/>
                     </a:lnT>
-                    <a:lnB w="12700" cap="flat" cmpd="sng" algn="ctr">
+                    <a:lnB algn="ctr" cmpd="sng" cap="flat" w="12700">
                       <a:solidFill>
                         <a:srgbClr val="000000">
                           <a:alpha val="100000"/>
@@ -4741,7 +4564,7 @@
                     <a:bodyPr/>
                     <a:lstStyle/>
                     <a:p>
-                      <a:pPr marL="63500" marR="63500" algn="ctr">
+                      <a:pPr algn="ctr" marL="63500" marR="63500">
                         <a:lnSpc>
                           <a:spcPct val="100000"/>
                         </a:lnSpc>
@@ -4754,7 +4577,7 @@
                         <a:buNone/>
                       </a:pPr>
                       <a:r>
-                        <a:rPr sz="1600" b="0" i="0" u="none" cap="none">
+                        <a:rPr cap="none" sz="1100" i="0" b="0" u="none">
                           <a:solidFill>
                             <a:srgbClr val="000000">
                               <a:alpha val="100000"/>
@@ -4762,26 +4585,31 @@
                           </a:solidFill>
                           <a:latin typeface="Arial"/>
                           <a:cs typeface="Arial"/>
+                          <a:ea typeface="Arial"/>
                           <a:sym typeface="Arial"/>
                         </a:rPr>
-                        <a:t>Mean</a:t>
+                        <a:t>Treatment B</a:t>
                       </a:r>
                     </a:p>
                   </a:txBody>
-                  <a:tcPr marL="0" marR="0" marT="63500" marB="63500" anchor="ctr">
-                    <a:lnL w="0" cap="flat" cmpd="sng" algn="ctr">
+                  <a:tcPr anchor="ctr" marB="63500" marT="63500" marR="0" marL="0">
+                    <a:lnL algn="ctr" cmpd="sng" cap="flat" w="0">
                       <a:noFill/>
                       <a:prstDash val="solid"/>
                     </a:lnL>
-                    <a:lnR w="0" cap="flat" cmpd="sng" algn="ctr">
+                    <a:lnR algn="ctr" cmpd="sng" cap="flat" w="0">
                       <a:noFill/>
                       <a:prstDash val="solid"/>
                     </a:lnR>
-                    <a:lnT w="0" cap="flat" cmpd="sng" algn="ctr">
-                      <a:noFill/>
+                    <a:lnT algn="ctr" cmpd="sng" cap="flat" w="12700">
+                      <a:solidFill>
+                        <a:srgbClr val="000000">
+                          <a:alpha val="100000"/>
+                        </a:srgbClr>
+                      </a:solidFill>
                       <a:prstDash val="solid"/>
                     </a:lnT>
-                    <a:lnB w="12700" cap="flat" cmpd="sng" algn="ctr">
+                    <a:lnB algn="ctr" cmpd="sng" cap="flat" w="12700">
                       <a:solidFill>
                         <a:srgbClr val="000000">
                           <a:alpha val="100000"/>
@@ -4801,7 +4629,7 @@
                     <a:bodyPr/>
                     <a:lstStyle/>
                     <a:p>
-                      <a:pPr marL="63500" marR="63500" algn="ctr">
+                      <a:pPr algn="ctr" marL="63500" marR="63500">
                         <a:lnSpc>
                           <a:spcPct val="100000"/>
                         </a:lnSpc>
@@ -4814,7 +4642,7 @@
                         <a:buNone/>
                       </a:pPr>
                       <a:r>
-                        <a:rPr sz="1600" b="0" i="0" u="none" cap="none">
+                        <a:rPr cap="none" sz="1100" i="0" b="0" u="none">
                           <a:solidFill>
                             <a:srgbClr val="000000">
                               <a:alpha val="100000"/>
@@ -4822,99 +4650,36 @@
                           </a:solidFill>
                           <a:latin typeface="Arial"/>
                           <a:cs typeface="Arial"/>
+                          <a:ea typeface="Arial"/>
                           <a:sym typeface="Arial"/>
                         </a:rPr>
-                        <a:t>SD</a:t>
+                        <a:t>Treatment C</a:t>
                       </a:r>
                     </a:p>
                   </a:txBody>
-                  <a:tcPr marL="0" marR="0" marT="63500" marB="63500" anchor="ctr">
-                    <a:lnL w="0" cap="flat" cmpd="sng" algn="ctr">
+                  <a:tcPr anchor="ctr" marB="63500" marT="63500" marR="0" marL="0">
+                    <a:lnL algn="ctr" cmpd="sng" cap="flat" w="0">
                       <a:noFill/>
                       <a:prstDash val="solid"/>
                     </a:lnL>
-                    <a:lnR w="0" cap="flat" cmpd="sng" algn="ctr">
+                    <a:lnR algn="ctr" cmpd="sng" cap="flat" w="0">
                       <a:noFill/>
                       <a:prstDash val="solid"/>
                     </a:lnR>
-                    <a:lnT w="0" cap="flat" cmpd="sng" algn="ctr">
-                      <a:noFill/>
-                      <a:prstDash val="solid"/>
-                    </a:lnT>
-                    <a:lnB w="12700" cap="flat" cmpd="sng" algn="ctr">
+                    <a:lnT algn="ctr" cmpd="sng" cap="flat" w="12700">
                       <a:solidFill>
                         <a:srgbClr val="000000">
                           <a:alpha val="100000"/>
                         </a:srgbClr>
                       </a:solidFill>
                       <a:prstDash val="solid"/>
-                    </a:lnB>
-                    <a:solidFill>
-                      <a:srgbClr val="FFFFFF">
-                        <a:alpha val="0"/>
-                      </a:srgbClr>
-                    </a:solidFill>
-                  </a:tcPr>
-                </a:tc>
-                <a:extLst>
-                  <a:ext uri="{0D108BD9-81ED-4DB2-BD59-A6C34878D82A}">
-                    <a16:rowId xmlns:a16="http://schemas.microsoft.com/office/drawing/2014/main" val="10001"/>
-                  </a:ext>
-                </a:extLst>
-              </a:tr>
-              <a:tr h="467769">
-                <a:tc>
-                  <a:txBody>
-                    <a:bodyPr/>
-                    <a:lstStyle/>
-                    <a:p>
-                      <a:pPr marL="63500" marR="63500" algn="l">
-                        <a:lnSpc>
-                          <a:spcPct val="100000"/>
-                        </a:lnSpc>
-                        <a:spcBef>
-                          <a:spcPts val="500"/>
-                        </a:spcBef>
-                        <a:spcAft>
-                          <a:spcPts val="500"/>
-                        </a:spcAft>
-                        <a:buNone/>
-                      </a:pPr>
-                      <a:r>
-                        <a:rPr sz="1600" b="0" i="0" u="none" cap="none">
-                          <a:solidFill>
-                            <a:srgbClr val="000000">
-                              <a:alpha val="100000"/>
-                            </a:srgbClr>
-                          </a:solidFill>
-                          <a:latin typeface="Arial"/>
-                          <a:cs typeface="Arial"/>
-                          <a:sym typeface="Arial"/>
-                        </a:rPr>
-                        <a:t>Treatment B (uniform)</a:t>
-                      </a:r>
-                    </a:p>
-                  </a:txBody>
-                  <a:tcPr marL="0" marR="0" marT="63500" marB="63500" anchor="ctr">
-                    <a:lnL w="0" cap="flat" cmpd="sng" algn="ctr">
-                      <a:noFill/>
-                      <a:prstDash val="solid"/>
-                    </a:lnL>
-                    <a:lnR w="0" cap="flat" cmpd="sng" algn="ctr">
-                      <a:noFill/>
-                      <a:prstDash val="solid"/>
-                    </a:lnR>
-                    <a:lnT w="12700" cap="flat" cmpd="sng" algn="ctr">
+                    </a:lnT>
+                    <a:lnB algn="ctr" cmpd="sng" cap="flat" w="12700">
                       <a:solidFill>
-                        <a:srgbClr val="000000"/>
+                        <a:srgbClr val="000000">
+                          <a:alpha val="100000"/>
+                        </a:srgbClr>
                       </a:solidFill>
-                      <a:prstDash val="solid"/>
-                      <a:round/>
-                      <a:headEnd type="none" w="med" len="med"/>
-                      <a:tailEnd type="none" w="med" len="med"/>
-                    </a:lnT>
-                    <a:lnB w="0" cap="flat" cmpd="sng" algn="ctr">
-                      <a:noFill/>
                       <a:prstDash val="solid"/>
                     </a:lnB>
                     <a:solidFill>
@@ -4929,7 +4694,7 @@
                     <a:bodyPr/>
                     <a:lstStyle/>
                     <a:p>
-                      <a:pPr marL="63500" marR="63500" algn="ctr">
+                      <a:pPr algn="ctr" marL="63500" marR="63500">
                         <a:lnSpc>
                           <a:spcPct val="100000"/>
                         </a:lnSpc>
@@ -4942,7 +4707,7 @@
                         <a:buNone/>
                       </a:pPr>
                       <a:r>
-                        <a:rPr sz="1600" b="0" i="0" u="none" cap="none">
+                        <a:rPr cap="none" sz="1100" i="0" b="0" u="none">
                           <a:solidFill>
                             <a:srgbClr val="000000">
                               <a:alpha val="100000"/>
@@ -4950,31 +4715,94 @@
                           </a:solidFill>
                           <a:latin typeface="Arial"/>
                           <a:cs typeface="Arial"/>
+                          <a:ea typeface="Arial"/>
                           <a:sym typeface="Arial"/>
                         </a:rPr>
-                        <a:t>0.0206</a:t>
+                        <a:t>Treatment D</a:t>
                       </a:r>
                     </a:p>
                   </a:txBody>
-                  <a:tcPr marL="0" marR="0" marT="63500" marB="63500" anchor="ctr">
-                    <a:lnL w="0" cap="flat" cmpd="sng" algn="ctr">
+                  <a:tcPr anchor="ctr" marB="63500" marT="63500" marR="0" marL="0">
+                    <a:lnL algn="ctr" cmpd="sng" cap="flat" w="0">
                       <a:noFill/>
                       <a:prstDash val="solid"/>
                     </a:lnL>
-                    <a:lnR w="0" cap="flat" cmpd="sng" algn="ctr">
+                    <a:lnR algn="ctr" cmpd="sng" cap="flat" w="0">
                       <a:noFill/>
                       <a:prstDash val="solid"/>
                     </a:lnR>
-                    <a:lnT w="12700" cap="flat" cmpd="sng" algn="ctr">
+                    <a:lnT algn="ctr" cmpd="sng" cap="flat" w="12700">
                       <a:solidFill>
-                        <a:srgbClr val="000000"/>
+                        <a:srgbClr val="000000">
+                          <a:alpha val="100000"/>
+                        </a:srgbClr>
                       </a:solidFill>
                       <a:prstDash val="solid"/>
-                      <a:round/>
-                      <a:headEnd type="none" w="med" len="med"/>
-                      <a:tailEnd type="none" w="med" len="med"/>
                     </a:lnT>
-                    <a:lnB w="0" cap="flat" cmpd="sng" algn="ctr">
+                    <a:lnB algn="ctr" cmpd="sng" cap="flat" w="12700">
+                      <a:solidFill>
+                        <a:srgbClr val="000000">
+                          <a:alpha val="100000"/>
+                        </a:srgbClr>
+                      </a:solidFill>
+                      <a:prstDash val="solid"/>
+                    </a:lnB>
+                    <a:solidFill>
+                      <a:srgbClr val="FFFFFF">
+                        <a:alpha val="0"/>
+                      </a:srgbClr>
+                    </a:solidFill>
+                  </a:tcPr>
+                </a:tc>
+              </a:tr>
+              <a:tr h="228600">
+                <a:tc>
+                  <a:txBody>
+                    <a:bodyPr/>
+                    <a:lstStyle/>
+                    <a:p>
+                      <a:pPr algn="l" marL="63500" marR="63500">
+                        <a:lnSpc>
+                          <a:spcPct val="100000"/>
+                        </a:lnSpc>
+                        <a:spcBef>
+                          <a:spcPts val="500"/>
+                        </a:spcBef>
+                        <a:spcAft>
+                          <a:spcPts val="500"/>
+                        </a:spcAft>
+                        <a:buNone/>
+                      </a:pPr>
+                      <a:r>
+                        <a:rPr cap="none" sz="1100" i="0" b="0" u="none">
+                          <a:solidFill>
+                            <a:srgbClr val="000000">
+                              <a:alpha val="100000"/>
+                            </a:srgbClr>
+                          </a:solidFill>
+                          <a:latin typeface="Arial"/>
+                          <a:cs typeface="Arial"/>
+                          <a:ea typeface="Arial"/>
+                          <a:sym typeface="Arial"/>
+                        </a:rPr>
+                        <a:t>Male (= 1)</a:t>
+                      </a:r>
+                    </a:p>
+                  </a:txBody>
+                  <a:tcPr anchor="ctr" marB="63500" marT="63500" marR="0" marL="0">
+                    <a:lnL algn="ctr" cmpd="sng" cap="flat" w="0">
+                      <a:noFill/>
+                      <a:prstDash val="solid"/>
+                    </a:lnL>
+                    <a:lnR algn="ctr" cmpd="sng" cap="flat" w="0">
+                      <a:noFill/>
+                      <a:prstDash val="solid"/>
+                    </a:lnR>
+                    <a:lnT algn="ctr" cmpd="sng" cap="flat" w="0">
+                      <a:noFill/>
+                      <a:prstDash val="solid"/>
+                    </a:lnT>
+                    <a:lnB algn="ctr" cmpd="sng" cap="flat" w="0">
                       <a:noFill/>
                       <a:prstDash val="solid"/>
                     </a:lnB>
@@ -4990,7 +4818,7 @@
                     <a:bodyPr/>
                     <a:lstStyle/>
                     <a:p>
-                      <a:pPr marL="63500" marR="63500" algn="ctr">
+                      <a:pPr algn="ctr" marL="63500" marR="63500">
                         <a:lnSpc>
                           <a:spcPct val="100000"/>
                         </a:lnSpc>
@@ -5003,7 +4831,7 @@
                         <a:buNone/>
                       </a:pPr>
                       <a:r>
-                        <a:rPr sz="1600" b="0" i="0" u="none" cap="none">
+                        <a:rPr cap="none" sz="1100" i="0" b="0" u="none">
                           <a:solidFill>
                             <a:srgbClr val="000000">
                               <a:alpha val="100000"/>
@@ -5011,94 +4839,27 @@
                           </a:solidFill>
                           <a:latin typeface="Arial"/>
                           <a:cs typeface="Arial"/>
+                          <a:ea typeface="Arial"/>
                           <a:sym typeface="Arial"/>
                         </a:rPr>
-                        <a:t>0.0570</a:t>
+                        <a:t>0.64</a:t>
                       </a:r>
                     </a:p>
                   </a:txBody>
-                  <a:tcPr marL="0" marR="0" marT="63500" marB="63500" anchor="ctr">
-                    <a:lnL w="0" cap="flat" cmpd="sng" algn="ctr">
+                  <a:tcPr anchor="ctr" marB="63500" marT="63500" marR="0" marL="0">
+                    <a:lnL algn="ctr" cmpd="sng" cap="flat" w="0">
                       <a:noFill/>
                       <a:prstDash val="solid"/>
                     </a:lnL>
-                    <a:lnR w="0" cap="flat" cmpd="sng" algn="ctr">
+                    <a:lnR algn="ctr" cmpd="sng" cap="flat" w="0">
                       <a:noFill/>
                       <a:prstDash val="solid"/>
                     </a:lnR>
-                    <a:lnT w="12700" cap="flat" cmpd="sng" algn="ctr">
-                      <a:solidFill>
-                        <a:srgbClr val="000000"/>
-                      </a:solidFill>
-                      <a:prstDash val="solid"/>
-                      <a:round/>
-                      <a:headEnd type="none" w="med" len="med"/>
-                      <a:tailEnd type="none" w="med" len="med"/>
+                    <a:lnT algn="ctr" cmpd="sng" cap="flat" w="0">
+                      <a:noFill/>
+                      <a:prstDash val="solid"/>
                     </a:lnT>
-                    <a:lnB w="0" cap="flat" cmpd="sng" algn="ctr">
-                      <a:noFill/>
-                      <a:prstDash val="solid"/>
-                    </a:lnB>
-                    <a:solidFill>
-                      <a:srgbClr val="FFFFFF">
-                        <a:alpha val="0"/>
-                      </a:srgbClr>
-                    </a:solidFill>
-                  </a:tcPr>
-                </a:tc>
-                <a:extLst>
-                  <a:ext uri="{0D108BD9-81ED-4DB2-BD59-A6C34878D82A}">
-                    <a16:rowId xmlns:a16="http://schemas.microsoft.com/office/drawing/2014/main" val="10002"/>
-                  </a:ext>
-                </a:extLst>
-              </a:tr>
-              <a:tr h="467769">
-                <a:tc>
-                  <a:txBody>
-                    <a:bodyPr/>
-                    <a:lstStyle/>
-                    <a:p>
-                      <a:pPr marL="63500" marR="63500" algn="l">
-                        <a:lnSpc>
-                          <a:spcPct val="100000"/>
-                        </a:lnSpc>
-                        <a:spcBef>
-                          <a:spcPts val="500"/>
-                        </a:spcBef>
-                        <a:spcAft>
-                          <a:spcPts val="500"/>
-                        </a:spcAft>
-                        <a:buNone/>
-                      </a:pPr>
-                      <a:r>
-                        <a:rPr sz="1600" b="0" i="0" u="none" cap="none">
-                          <a:solidFill>
-                            <a:srgbClr val="000000">
-                              <a:alpha val="100000"/>
-                            </a:srgbClr>
-                          </a:solidFill>
-                          <a:latin typeface="Arial"/>
-                          <a:cs typeface="Arial"/>
-                          <a:sym typeface="Arial"/>
-                        </a:rPr>
-                        <a:t>Treatment C (uniform)</a:t>
-                      </a:r>
-                    </a:p>
-                  </a:txBody>
-                  <a:tcPr marL="0" marR="0" marT="63500" marB="63500" anchor="ctr">
-                    <a:lnL w="0" cap="flat" cmpd="sng" algn="ctr">
-                      <a:noFill/>
-                      <a:prstDash val="solid"/>
-                    </a:lnL>
-                    <a:lnR w="0" cap="flat" cmpd="sng" algn="ctr">
-                      <a:noFill/>
-                      <a:prstDash val="solid"/>
-                    </a:lnR>
-                    <a:lnT w="0" cap="flat" cmpd="sng" algn="ctr">
-                      <a:noFill/>
-                      <a:prstDash val="solid"/>
-                    </a:lnT>
-                    <a:lnB w="0" cap="flat" cmpd="sng" algn="ctr">
+                    <a:lnB algn="ctr" cmpd="sng" cap="flat" w="0">
                       <a:noFill/>
                       <a:prstDash val="solid"/>
                     </a:lnB>
@@ -5114,7 +4875,7 @@
                     <a:bodyPr/>
                     <a:lstStyle/>
                     <a:p>
-                      <a:pPr marL="63500" marR="63500" algn="ctr">
+                      <a:pPr algn="ctr" marL="63500" marR="63500">
                         <a:lnSpc>
                           <a:spcPct val="100000"/>
                         </a:lnSpc>
@@ -5127,7 +4888,7 @@
                         <a:buNone/>
                       </a:pPr>
                       <a:r>
-                        <a:rPr sz="1600" b="0" i="0" u="none" cap="none">
+                        <a:rPr cap="none" sz="1100" i="0" b="0" u="none">
                           <a:solidFill>
                             <a:srgbClr val="000000">
                               <a:alpha val="100000"/>
@@ -5135,26 +4896,27 @@
                           </a:solidFill>
                           <a:latin typeface="Arial"/>
                           <a:cs typeface="Arial"/>
+                          <a:ea typeface="Arial"/>
                           <a:sym typeface="Arial"/>
                         </a:rPr>
-                        <a:t>-0.0019</a:t>
+                        <a:t>0.54</a:t>
                       </a:r>
                     </a:p>
                   </a:txBody>
-                  <a:tcPr marL="0" marR="0" marT="63500" marB="63500" anchor="ctr">
-                    <a:lnL w="0" cap="flat" cmpd="sng" algn="ctr">
+                  <a:tcPr anchor="ctr" marB="63500" marT="63500" marR="0" marL="0">
+                    <a:lnL algn="ctr" cmpd="sng" cap="flat" w="0">
                       <a:noFill/>
                       <a:prstDash val="solid"/>
                     </a:lnL>
-                    <a:lnR w="0" cap="flat" cmpd="sng" algn="ctr">
+                    <a:lnR algn="ctr" cmpd="sng" cap="flat" w="0">
                       <a:noFill/>
                       <a:prstDash val="solid"/>
                     </a:lnR>
-                    <a:lnT w="0" cap="flat" cmpd="sng" algn="ctr">
+                    <a:lnT algn="ctr" cmpd="sng" cap="flat" w="0">
                       <a:noFill/>
                       <a:prstDash val="solid"/>
                     </a:lnT>
-                    <a:lnB w="0" cap="flat" cmpd="sng" algn="ctr">
+                    <a:lnB algn="ctr" cmpd="sng" cap="flat" w="0">
                       <a:noFill/>
                       <a:prstDash val="solid"/>
                     </a:lnB>
@@ -5170,7 +4932,7 @@
                     <a:bodyPr/>
                     <a:lstStyle/>
                     <a:p>
-                      <a:pPr marL="63500" marR="63500" algn="ctr">
+                      <a:pPr algn="ctr" marL="63500" marR="63500">
                         <a:lnSpc>
                           <a:spcPct val="100000"/>
                         </a:lnSpc>
@@ -5183,7 +4945,7 @@
                         <a:buNone/>
                       </a:pPr>
                       <a:r>
-                        <a:rPr sz="1600" b="0" i="0" u="none" cap="none">
+                        <a:rPr cap="none" sz="1100" i="0" b="0" u="none">
                           <a:solidFill>
                             <a:srgbClr val="000000">
                               <a:alpha val="100000"/>
@@ -5191,26 +4953,27 @@
                           </a:solidFill>
                           <a:latin typeface="Arial"/>
                           <a:cs typeface="Arial"/>
+                          <a:ea typeface="Arial"/>
                           <a:sym typeface="Arial"/>
                         </a:rPr>
-                        <a:t>0.0598</a:t>
+                        <a:t>0.67</a:t>
                       </a:r>
                     </a:p>
                   </a:txBody>
-                  <a:tcPr marL="0" marR="0" marT="63500" marB="63500" anchor="ctr">
-                    <a:lnL w="0" cap="flat" cmpd="sng" algn="ctr">
+                  <a:tcPr anchor="ctr" marB="63500" marT="63500" marR="0" marL="0">
+                    <a:lnL algn="ctr" cmpd="sng" cap="flat" w="0">
                       <a:noFill/>
                       <a:prstDash val="solid"/>
                     </a:lnL>
-                    <a:lnR w="0" cap="flat" cmpd="sng" algn="ctr">
+                    <a:lnR algn="ctr" cmpd="sng" cap="flat" w="0">
                       <a:noFill/>
                       <a:prstDash val="solid"/>
                     </a:lnR>
-                    <a:lnT w="0" cap="flat" cmpd="sng" algn="ctr">
+                    <a:lnT algn="ctr" cmpd="sng" cap="flat" w="0">
                       <a:noFill/>
                       <a:prstDash val="solid"/>
                     </a:lnT>
-                    <a:lnB w="0" cap="flat" cmpd="sng" algn="ctr">
+                    <a:lnB algn="ctr" cmpd="sng" cap="flat" w="0">
                       <a:noFill/>
                       <a:prstDash val="solid"/>
                     </a:lnB>
@@ -5221,19 +4984,14 @@
                     </a:solidFill>
                   </a:tcPr>
                 </a:tc>
-                <a:extLst>
-                  <a:ext uri="{0D108BD9-81ED-4DB2-BD59-A6C34878D82A}">
-                    <a16:rowId xmlns:a16="http://schemas.microsoft.com/office/drawing/2014/main" val="10003"/>
-                  </a:ext>
-                </a:extLst>
               </a:tr>
-              <a:tr h="467769">
+              <a:tr h="228600">
                 <a:tc>
                   <a:txBody>
                     <a:bodyPr/>
                     <a:lstStyle/>
                     <a:p>
-                      <a:pPr marL="63500" marR="63500" algn="l">
+                      <a:pPr algn="l" marL="63500" marR="63500">
                         <a:lnSpc>
                           <a:spcPct val="100000"/>
                         </a:lnSpc>
@@ -5246,7 +5004,7 @@
                         <a:buNone/>
                       </a:pPr>
                       <a:r>
-                        <a:rPr sz="1600" b="0" i="0" u="none" cap="none" dirty="0">
+                        <a:rPr cap="none" sz="1100" i="0" b="0" u="none">
                           <a:solidFill>
                             <a:srgbClr val="000000">
                               <a:alpha val="100000"/>
@@ -5254,26 +5012,27 @@
                           </a:solidFill>
                           <a:latin typeface="Arial"/>
                           <a:cs typeface="Arial"/>
+                          <a:ea typeface="Arial"/>
                           <a:sym typeface="Arial"/>
                         </a:rPr>
-                        <a:t>Treatment D (uniform)</a:t>
+                        <a:t>Age</a:t>
                       </a:r>
                     </a:p>
                   </a:txBody>
-                  <a:tcPr marL="0" marR="0" marT="63500" marB="63500" anchor="ctr">
-                    <a:lnL w="0" cap="flat" cmpd="sng" algn="ctr">
+                  <a:tcPr anchor="ctr" marB="63500" marT="63500" marR="0" marL="0">
+                    <a:lnL algn="ctr" cmpd="sng" cap="flat" w="0">
                       <a:noFill/>
                       <a:prstDash val="solid"/>
                     </a:lnL>
-                    <a:lnR w="0" cap="flat" cmpd="sng" algn="ctr">
+                    <a:lnR algn="ctr" cmpd="sng" cap="flat" w="0">
                       <a:noFill/>
                       <a:prstDash val="solid"/>
                     </a:lnR>
-                    <a:lnT w="0" cap="flat" cmpd="sng" algn="ctr">
+                    <a:lnT algn="ctr" cmpd="sng" cap="flat" w="0">
                       <a:noFill/>
                       <a:prstDash val="solid"/>
                     </a:lnT>
-                    <a:lnB w="0" cap="flat" cmpd="sng" algn="ctr">
+                    <a:lnB algn="ctr" cmpd="sng" cap="flat" w="0">
                       <a:noFill/>
                       <a:prstDash val="solid"/>
                     </a:lnB>
@@ -5289,7 +5048,7 @@
                     <a:bodyPr/>
                     <a:lstStyle/>
                     <a:p>
-                      <a:pPr marL="63500" marR="63500" algn="ctr">
+                      <a:pPr algn="ctr" marL="63500" marR="63500">
                         <a:lnSpc>
                           <a:spcPct val="100000"/>
                         </a:lnSpc>
@@ -5302,7 +5061,7 @@
                         <a:buNone/>
                       </a:pPr>
                       <a:r>
-                        <a:rPr sz="1600" b="0" i="0" u="none" cap="none">
+                        <a:rPr cap="none" sz="1100" i="0" b="0" u="none">
                           <a:solidFill>
                             <a:srgbClr val="000000">
                               <a:alpha val="100000"/>
@@ -5310,26 +5069,27 @@
                           </a:solidFill>
                           <a:latin typeface="Arial"/>
                           <a:cs typeface="Arial"/>
+                          <a:ea typeface="Arial"/>
                           <a:sym typeface="Arial"/>
                         </a:rPr>
-                        <a:t>0.0079</a:t>
+                        <a:t>34.97</a:t>
                       </a:r>
                     </a:p>
                   </a:txBody>
-                  <a:tcPr marL="0" marR="0" marT="63500" marB="63500" anchor="ctr">
-                    <a:lnL w="0" cap="flat" cmpd="sng" algn="ctr">
+                  <a:tcPr anchor="ctr" marB="63500" marT="63500" marR="0" marL="0">
+                    <a:lnL algn="ctr" cmpd="sng" cap="flat" w="0">
                       <a:noFill/>
                       <a:prstDash val="solid"/>
                     </a:lnL>
-                    <a:lnR w="0" cap="flat" cmpd="sng" algn="ctr">
+                    <a:lnR algn="ctr" cmpd="sng" cap="flat" w="0">
                       <a:noFill/>
                       <a:prstDash val="solid"/>
                     </a:lnR>
-                    <a:lnT w="0" cap="flat" cmpd="sng" algn="ctr">
+                    <a:lnT algn="ctr" cmpd="sng" cap="flat" w="0">
                       <a:noFill/>
                       <a:prstDash val="solid"/>
                     </a:lnT>
-                    <a:lnB w="0" cap="flat" cmpd="sng" algn="ctr">
+                    <a:lnB algn="ctr" cmpd="sng" cap="flat" w="0">
                       <a:noFill/>
                       <a:prstDash val="solid"/>
                     </a:lnB>
@@ -5345,7 +5105,7 @@
                     <a:bodyPr/>
                     <a:lstStyle/>
                     <a:p>
-                      <a:pPr marL="63500" marR="63500" algn="ctr">
+                      <a:pPr algn="ctr" marL="63500" marR="63500">
                         <a:lnSpc>
                           <a:spcPct val="100000"/>
                         </a:lnSpc>
@@ -5358,7 +5118,7 @@
                         <a:buNone/>
                       </a:pPr>
                       <a:r>
-                        <a:rPr sz="1600" b="0" i="0" u="none" cap="none">
+                        <a:rPr cap="none" sz="1100" i="0" b="0" u="none">
                           <a:solidFill>
                             <a:srgbClr val="000000">
                               <a:alpha val="100000"/>
@@ -5366,94 +5126,28 @@
                           </a:solidFill>
                           <a:latin typeface="Arial"/>
                           <a:cs typeface="Arial"/>
+                          <a:ea typeface="Arial"/>
                           <a:sym typeface="Arial"/>
                         </a:rPr>
-                        <a:t>0.0628</a:t>
+                        <a:t>41.44</a:t>
                       </a:r>
                     </a:p>
                   </a:txBody>
-                  <a:tcPr marL="0" marR="0" marT="63500" marB="63500" anchor="ctr">
-                    <a:lnL w="0" cap="flat" cmpd="sng" algn="ctr">
+                  <a:tcPr anchor="ctr" marB="63500" marT="63500" marR="0" marL="0">
+                    <a:lnL algn="ctr" cmpd="sng" cap="flat" w="0">
                       <a:noFill/>
                       <a:prstDash val="solid"/>
                     </a:lnL>
-                    <a:lnR w="0" cap="flat" cmpd="sng" algn="ctr">
+                    <a:lnR algn="ctr" cmpd="sng" cap="flat" w="0">
                       <a:noFill/>
                       <a:prstDash val="solid"/>
                     </a:lnR>
-                    <a:lnT w="0" cap="flat" cmpd="sng" algn="ctr">
+                    <a:lnT algn="ctr" cmpd="sng" cap="flat" w="0">
                       <a:noFill/>
                       <a:prstDash val="solid"/>
                     </a:lnT>
-                    <a:lnB w="0" cap="flat" cmpd="sng" algn="ctr">
-                      <a:noFill/>
-                      <a:prstDash val="solid"/>
-                    </a:lnB>
-                    <a:solidFill>
-                      <a:srgbClr val="FFFFFF">
-                        <a:alpha val="0"/>
-                      </a:srgbClr>
-                    </a:solidFill>
-                  </a:tcPr>
-                </a:tc>
-                <a:extLst>
-                  <a:ext uri="{0D108BD9-81ED-4DB2-BD59-A6C34878D82A}">
-                    <a16:rowId xmlns:a16="http://schemas.microsoft.com/office/drawing/2014/main" val="10004"/>
-                  </a:ext>
-                </a:extLst>
-              </a:tr>
-              <a:tr h="467769">
-                <a:tc>
-                  <a:txBody>
-                    <a:bodyPr/>
-                    <a:lstStyle/>
-                    <a:p>
-                      <a:pPr marL="63500" marR="63500" algn="l">
-                        <a:lnSpc>
-                          <a:spcPct val="100000"/>
-                        </a:lnSpc>
-                        <a:spcBef>
-                          <a:spcPts val="500"/>
-                        </a:spcBef>
-                        <a:spcAft>
-                          <a:spcPts val="500"/>
-                        </a:spcAft>
-                        <a:buNone/>
-                      </a:pPr>
-                      <a:r>
-                        <a:rPr sz="1600" b="0" i="0" u="none" cap="none">
-                          <a:solidFill>
-                            <a:srgbClr val="000000">
-                              <a:alpha val="100000"/>
-                            </a:srgbClr>
-                          </a:solidFill>
-                          <a:latin typeface="Arial"/>
-                          <a:cs typeface="Arial"/>
-                          <a:sym typeface="Arial"/>
-                        </a:rPr>
-                        <a:t>Optimum targeting</a:t>
-                      </a:r>
-                    </a:p>
-                  </a:txBody>
-                  <a:tcPr marL="0" marR="0" marT="63500" marB="63500" anchor="ctr">
-                    <a:lnL w="0" cap="flat" cmpd="sng" algn="ctr">
-                      <a:noFill/>
-                      <a:prstDash val="solid"/>
-                    </a:lnL>
-                    <a:lnR w="0" cap="flat" cmpd="sng" algn="ctr">
-                      <a:noFill/>
-                      <a:prstDash val="solid"/>
-                    </a:lnR>
-                    <a:lnT w="0" cap="flat" cmpd="sng" algn="ctr">
-                      <a:noFill/>
-                      <a:prstDash val="solid"/>
-                    </a:lnT>
-                    <a:lnB w="12700" cap="flat" cmpd="sng" algn="ctr">
-                      <a:solidFill>
-                        <a:srgbClr val="000000">
-                          <a:alpha val="100000"/>
-                        </a:srgbClr>
-                      </a:solidFill>
+                    <a:lnB algn="ctr" cmpd="sng" cap="flat" w="0">
+                      <a:noFill/>
                       <a:prstDash val="solid"/>
                     </a:lnB>
                     <a:solidFill>
@@ -5468,7 +5162,7 @@
                     <a:bodyPr/>
                     <a:lstStyle/>
                     <a:p>
-                      <a:pPr marL="63500" marR="63500" algn="ctr">
+                      <a:pPr algn="ctr" marL="63500" marR="63500">
                         <a:lnSpc>
                           <a:spcPct val="100000"/>
                         </a:lnSpc>
@@ -5481,7 +5175,7 @@
                         <a:buNone/>
                       </a:pPr>
                       <a:r>
-                        <a:rPr sz="1600" b="0" i="0" u="none" cap="none" dirty="0">
+                        <a:rPr cap="none" sz="1100" i="0" b="0" u="none">
                           <a:solidFill>
                             <a:srgbClr val="000000">
                               <a:alpha val="100000"/>
@@ -5489,31 +5183,87 @@
                           </a:solidFill>
                           <a:latin typeface="Arial"/>
                           <a:cs typeface="Arial"/>
+                          <a:ea typeface="Arial"/>
                           <a:sym typeface="Arial"/>
                         </a:rPr>
-                        <a:t>0.0473</a:t>
+                        <a:t>39.64</a:t>
                       </a:r>
                     </a:p>
                   </a:txBody>
-                  <a:tcPr marL="0" marR="0" marT="63500" marB="63500" anchor="ctr">
-                    <a:lnL w="0" cap="flat" cmpd="sng" algn="ctr">
+                  <a:tcPr anchor="ctr" marB="63500" marT="63500" marR="0" marL="0">
+                    <a:lnL algn="ctr" cmpd="sng" cap="flat" w="0">
                       <a:noFill/>
                       <a:prstDash val="solid"/>
                     </a:lnL>
-                    <a:lnR w="0" cap="flat" cmpd="sng" algn="ctr">
+                    <a:lnR algn="ctr" cmpd="sng" cap="flat" w="0">
                       <a:noFill/>
                       <a:prstDash val="solid"/>
                     </a:lnR>
-                    <a:lnT w="0" cap="flat" cmpd="sng" algn="ctr">
+                    <a:lnT algn="ctr" cmpd="sng" cap="flat" w="0">
                       <a:noFill/>
                       <a:prstDash val="solid"/>
                     </a:lnT>
-                    <a:lnB w="12700" cap="flat" cmpd="sng" algn="ctr">
-                      <a:solidFill>
-                        <a:srgbClr val="000000">
-                          <a:alpha val="100000"/>
-                        </a:srgbClr>
-                      </a:solidFill>
+                    <a:lnB algn="ctr" cmpd="sng" cap="flat" w="0">
+                      <a:noFill/>
+                      <a:prstDash val="solid"/>
+                    </a:lnB>
+                    <a:solidFill>
+                      <a:srgbClr val="FFFFFF">
+                        <a:alpha val="0"/>
+                      </a:srgbClr>
+                    </a:solidFill>
+                  </a:tcPr>
+                </a:tc>
+              </a:tr>
+              <a:tr h="228600">
+                <a:tc>
+                  <a:txBody>
+                    <a:bodyPr/>
+                    <a:lstStyle/>
+                    <a:p>
+                      <a:pPr algn="l" marL="63500" marR="63500">
+                        <a:lnSpc>
+                          <a:spcPct val="100000"/>
+                        </a:lnSpc>
+                        <a:spcBef>
+                          <a:spcPts val="500"/>
+                        </a:spcBef>
+                        <a:spcAft>
+                          <a:spcPts val="500"/>
+                        </a:spcAft>
+                        <a:buNone/>
+                      </a:pPr>
+                      <a:r>
+                        <a:rPr cap="none" sz="1100" i="0" b="0" u="none">
+                          <a:solidFill>
+                            <a:srgbClr val="000000">
+                              <a:alpha val="100000"/>
+                            </a:srgbClr>
+                          </a:solidFill>
+                          <a:latin typeface="Arial"/>
+                          <a:cs typeface="Arial"/>
+                          <a:ea typeface="Arial"/>
+                          <a:sym typeface="Arial"/>
+                        </a:rPr>
+                        <a:t>Number of past coordinations</a:t>
+                      </a:r>
+                    </a:p>
+                  </a:txBody>
+                  <a:tcPr anchor="ctr" marB="63500" marT="63500" marR="0" marL="0">
+                    <a:lnL algn="ctr" cmpd="sng" cap="flat" w="0">
+                      <a:noFill/>
+                      <a:prstDash val="solid"/>
+                    </a:lnL>
+                    <a:lnR algn="ctr" cmpd="sng" cap="flat" w="0">
+                      <a:noFill/>
+                      <a:prstDash val="solid"/>
+                    </a:lnR>
+                    <a:lnT algn="ctr" cmpd="sng" cap="flat" w="0">
+                      <a:noFill/>
+                      <a:prstDash val="solid"/>
+                    </a:lnT>
+                    <a:lnB algn="ctr" cmpd="sng" cap="flat" w="0">
+                      <a:noFill/>
                       <a:prstDash val="solid"/>
                     </a:lnB>
                     <a:solidFill>
@@ -5528,7 +5278,7 @@
                     <a:bodyPr/>
                     <a:lstStyle/>
                     <a:p>
-                      <a:pPr marL="63500" marR="63500" algn="ctr">
+                      <a:pPr algn="ctr" marL="63500" marR="63500">
                         <a:lnSpc>
                           <a:spcPct val="100000"/>
                         </a:lnSpc>
@@ -5541,7 +5291,7 @@
                         <a:buNone/>
                       </a:pPr>
                       <a:r>
-                        <a:rPr sz="1600" b="0" i="0" u="none" cap="none" dirty="0">
+                        <a:rPr cap="none" sz="1100" i="0" b="0" u="none">
                           <a:solidFill>
                             <a:srgbClr val="000000">
                               <a:alpha val="100000"/>
@@ -5549,31 +5299,28 @@
                           </a:solidFill>
                           <a:latin typeface="Arial"/>
                           <a:cs typeface="Arial"/>
+                          <a:ea typeface="Arial"/>
                           <a:sym typeface="Arial"/>
                         </a:rPr>
-                        <a:t>0.0530</a:t>
+                        <a:t>1.49</a:t>
                       </a:r>
                     </a:p>
                   </a:txBody>
-                  <a:tcPr marL="0" marR="0" marT="63500" marB="63500" anchor="ctr">
-                    <a:lnL w="0" cap="flat" cmpd="sng" algn="ctr">
+                  <a:tcPr anchor="ctr" marB="63500" marT="63500" marR="0" marL="0">
+                    <a:lnL algn="ctr" cmpd="sng" cap="flat" w="0">
                       <a:noFill/>
                       <a:prstDash val="solid"/>
                     </a:lnL>
-                    <a:lnR w="0" cap="flat" cmpd="sng" algn="ctr">
+                    <a:lnR algn="ctr" cmpd="sng" cap="flat" w="0">
                       <a:noFill/>
                       <a:prstDash val="solid"/>
                     </a:lnR>
-                    <a:lnT w="0" cap="flat" cmpd="sng" algn="ctr">
+                    <a:lnT algn="ctr" cmpd="sng" cap="flat" w="0">
                       <a:noFill/>
                       <a:prstDash val="solid"/>
                     </a:lnT>
-                    <a:lnB w="12700" cap="flat" cmpd="sng" algn="ctr">
-                      <a:solidFill>
-                        <a:srgbClr val="000000">
-                          <a:alpha val="100000"/>
-                        </a:srgbClr>
-                      </a:solidFill>
+                    <a:lnB algn="ctr" cmpd="sng" cap="flat" w="0">
+                      <a:noFill/>
                       <a:prstDash val="solid"/>
                     </a:lnB>
                     <a:solidFill>
@@ -5583,54 +5330,1067 @@
                     </a:solidFill>
                   </a:tcPr>
                 </a:tc>
-                <a:extLst>
-                  <a:ext uri="{0D108BD9-81ED-4DB2-BD59-A6C34878D82A}">
-                    <a16:rowId xmlns:a16="http://schemas.microsoft.com/office/drawing/2014/main" val="10005"/>
-                  </a:ext>
-                </a:extLst>
+                <a:tc>
+                  <a:txBody>
+                    <a:bodyPr/>
+                    <a:lstStyle/>
+                    <a:p>
+                      <a:pPr algn="ctr" marL="63500" marR="63500">
+                        <a:lnSpc>
+                          <a:spcPct val="100000"/>
+                        </a:lnSpc>
+                        <a:spcBef>
+                          <a:spcPts val="500"/>
+                        </a:spcBef>
+                        <a:spcAft>
+                          <a:spcPts val="500"/>
+                        </a:spcAft>
+                        <a:buNone/>
+                      </a:pPr>
+                      <a:r>
+                        <a:rPr cap="none" sz="1100" i="0" b="0" u="none">
+                          <a:solidFill>
+                            <a:srgbClr val="000000">
+                              <a:alpha val="100000"/>
+                            </a:srgbClr>
+                          </a:solidFill>
+                          <a:latin typeface="Arial"/>
+                          <a:cs typeface="Arial"/>
+                          <a:ea typeface="Arial"/>
+                          <a:sym typeface="Arial"/>
+                        </a:rPr>
+                        <a:t>1.65</a:t>
+                      </a:r>
+                    </a:p>
+                  </a:txBody>
+                  <a:tcPr anchor="ctr" marB="63500" marT="63500" marR="0" marL="0">
+                    <a:lnL algn="ctr" cmpd="sng" cap="flat" w="0">
+                      <a:noFill/>
+                      <a:prstDash val="solid"/>
+                    </a:lnL>
+                    <a:lnR algn="ctr" cmpd="sng" cap="flat" w="0">
+                      <a:noFill/>
+                      <a:prstDash val="solid"/>
+                    </a:lnR>
+                    <a:lnT algn="ctr" cmpd="sng" cap="flat" w="0">
+                      <a:noFill/>
+                      <a:prstDash val="solid"/>
+                    </a:lnT>
+                    <a:lnB algn="ctr" cmpd="sng" cap="flat" w="0">
+                      <a:noFill/>
+                      <a:prstDash val="solid"/>
+                    </a:lnB>
+                    <a:solidFill>
+                      <a:srgbClr val="FFFFFF">
+                        <a:alpha val="0"/>
+                      </a:srgbClr>
+                    </a:solidFill>
+                  </a:tcPr>
+                </a:tc>
+                <a:tc>
+                  <a:txBody>
+                    <a:bodyPr/>
+                    <a:lstStyle/>
+                    <a:p>
+                      <a:pPr algn="ctr" marL="63500" marR="63500">
+                        <a:lnSpc>
+                          <a:spcPct val="100000"/>
+                        </a:lnSpc>
+                        <a:spcBef>
+                          <a:spcPts val="500"/>
+                        </a:spcBef>
+                        <a:spcAft>
+                          <a:spcPts val="500"/>
+                        </a:spcAft>
+                        <a:buNone/>
+                      </a:pPr>
+                      <a:r>
+                        <a:rPr cap="none" sz="1100" i="0" b="0" u="none">
+                          <a:solidFill>
+                            <a:srgbClr val="000000">
+                              <a:alpha val="100000"/>
+                            </a:srgbClr>
+                          </a:solidFill>
+                          <a:latin typeface="Arial"/>
+                          <a:cs typeface="Arial"/>
+                          <a:ea typeface="Arial"/>
+                          <a:sym typeface="Arial"/>
+                        </a:rPr>
+                        <a:t>1.70</a:t>
+                      </a:r>
+                    </a:p>
+                  </a:txBody>
+                  <a:tcPr anchor="ctr" marB="63500" marT="63500" marR="0" marL="0">
+                    <a:lnL algn="ctr" cmpd="sng" cap="flat" w="0">
+                      <a:noFill/>
+                      <a:prstDash val="solid"/>
+                    </a:lnL>
+                    <a:lnR algn="ctr" cmpd="sng" cap="flat" w="0">
+                      <a:noFill/>
+                      <a:prstDash val="solid"/>
+                    </a:lnR>
+                    <a:lnT algn="ctr" cmpd="sng" cap="flat" w="0">
+                      <a:noFill/>
+                      <a:prstDash val="solid"/>
+                    </a:lnT>
+                    <a:lnB algn="ctr" cmpd="sng" cap="flat" w="0">
+                      <a:noFill/>
+                      <a:prstDash val="solid"/>
+                    </a:lnB>
+                    <a:solidFill>
+                      <a:srgbClr val="FFFFFF">
+                        <a:alpha val="0"/>
+                      </a:srgbClr>
+                    </a:solidFill>
+                  </a:tcPr>
+                </a:tc>
+              </a:tr>
+              <a:tr h="228600">
+                <a:tc>
+                  <a:txBody>
+                    <a:bodyPr/>
+                    <a:lstStyle/>
+                    <a:p>
+                      <a:pPr algn="l" marL="63500" marR="63500">
+                        <a:lnSpc>
+                          <a:spcPct val="100000"/>
+                        </a:lnSpc>
+                        <a:spcBef>
+                          <a:spcPts val="500"/>
+                        </a:spcBef>
+                        <a:spcAft>
+                          <a:spcPts val="500"/>
+                        </a:spcAft>
+                        <a:buNone/>
+                      </a:pPr>
+                      <a:r>
+                        <a:rPr cap="none" sz="1100" i="0" b="0" u="none">
+                          <a:solidFill>
+                            <a:srgbClr val="000000">
+                              <a:alpha val="100000"/>
+                            </a:srgbClr>
+                          </a:solidFill>
+                          <a:latin typeface="Arial"/>
+                          <a:cs typeface="Arial"/>
+                          <a:ea typeface="Arial"/>
+                          <a:sym typeface="Arial"/>
+                        </a:rPr>
+                        <a:t>Number of listed hospitals</a:t>
+                      </a:r>
+                    </a:p>
+                  </a:txBody>
+                  <a:tcPr anchor="ctr" marB="63500" marT="63500" marR="0" marL="0">
+                    <a:lnL algn="ctr" cmpd="sng" cap="flat" w="0">
+                      <a:noFill/>
+                      <a:prstDash val="solid"/>
+                    </a:lnL>
+                    <a:lnR algn="ctr" cmpd="sng" cap="flat" w="0">
+                      <a:noFill/>
+                      <a:prstDash val="solid"/>
+                    </a:lnR>
+                    <a:lnT algn="ctr" cmpd="sng" cap="flat" w="0">
+                      <a:noFill/>
+                      <a:prstDash val="solid"/>
+                    </a:lnT>
+                    <a:lnB algn="ctr" cmpd="sng" cap="flat" w="0">
+                      <a:noFill/>
+                      <a:prstDash val="solid"/>
+                    </a:lnB>
+                    <a:solidFill>
+                      <a:srgbClr val="FFFFFF">
+                        <a:alpha val="0"/>
+                      </a:srgbClr>
+                    </a:solidFill>
+                  </a:tcPr>
+                </a:tc>
+                <a:tc>
+                  <a:txBody>
+                    <a:bodyPr/>
+                    <a:lstStyle/>
+                    <a:p>
+                      <a:pPr algn="ctr" marL="63500" marR="63500">
+                        <a:lnSpc>
+                          <a:spcPct val="100000"/>
+                        </a:lnSpc>
+                        <a:spcBef>
+                          <a:spcPts val="500"/>
+                        </a:spcBef>
+                        <a:spcAft>
+                          <a:spcPts val="500"/>
+                        </a:spcAft>
+                        <a:buNone/>
+                      </a:pPr>
+                      <a:r>
+                        <a:rPr cap="none" sz="1100" i="0" b="0" u="none">
+                          <a:solidFill>
+                            <a:srgbClr val="000000">
+                              <a:alpha val="100000"/>
+                            </a:srgbClr>
+                          </a:solidFill>
+                          <a:latin typeface="Arial"/>
+                          <a:cs typeface="Arial"/>
+                          <a:ea typeface="Arial"/>
+                          <a:sym typeface="Arial"/>
+                        </a:rPr>
+                        <a:t>0.47</a:t>
+                      </a:r>
+                    </a:p>
+                  </a:txBody>
+                  <a:tcPr anchor="ctr" marB="63500" marT="63500" marR="0" marL="0">
+                    <a:lnL algn="ctr" cmpd="sng" cap="flat" w="0">
+                      <a:noFill/>
+                      <a:prstDash val="solid"/>
+                    </a:lnL>
+                    <a:lnR algn="ctr" cmpd="sng" cap="flat" w="0">
+                      <a:noFill/>
+                      <a:prstDash val="solid"/>
+                    </a:lnR>
+                    <a:lnT algn="ctr" cmpd="sng" cap="flat" w="0">
+                      <a:noFill/>
+                      <a:prstDash val="solid"/>
+                    </a:lnT>
+                    <a:lnB algn="ctr" cmpd="sng" cap="flat" w="0">
+                      <a:noFill/>
+                      <a:prstDash val="solid"/>
+                    </a:lnB>
+                    <a:solidFill>
+                      <a:srgbClr val="FFFFFF">
+                        <a:alpha val="0"/>
+                      </a:srgbClr>
+                    </a:solidFill>
+                  </a:tcPr>
+                </a:tc>
+                <a:tc>
+                  <a:txBody>
+                    <a:bodyPr/>
+                    <a:lstStyle/>
+                    <a:p>
+                      <a:pPr algn="ctr" marL="63500" marR="63500">
+                        <a:lnSpc>
+                          <a:spcPct val="100000"/>
+                        </a:lnSpc>
+                        <a:spcBef>
+                          <a:spcPts val="500"/>
+                        </a:spcBef>
+                        <a:spcAft>
+                          <a:spcPts val="500"/>
+                        </a:spcAft>
+                        <a:buNone/>
+                      </a:pPr>
+                      <a:r>
+                        <a:rPr cap="none" sz="1100" i="0" b="0" u="none">
+                          <a:solidFill>
+                            <a:srgbClr val="000000">
+                              <a:alpha val="100000"/>
+                            </a:srgbClr>
+                          </a:solidFill>
+                          <a:latin typeface="Arial"/>
+                          <a:cs typeface="Arial"/>
+                          <a:ea typeface="Arial"/>
+                          <a:sym typeface="Arial"/>
+                        </a:rPr>
+                        <a:t>0.40</a:t>
+                      </a:r>
+                    </a:p>
+                  </a:txBody>
+                  <a:tcPr anchor="ctr" marB="63500" marT="63500" marR="0" marL="0">
+                    <a:lnL algn="ctr" cmpd="sng" cap="flat" w="0">
+                      <a:noFill/>
+                      <a:prstDash val="solid"/>
+                    </a:lnL>
+                    <a:lnR algn="ctr" cmpd="sng" cap="flat" w="0">
+                      <a:noFill/>
+                      <a:prstDash val="solid"/>
+                    </a:lnR>
+                    <a:lnT algn="ctr" cmpd="sng" cap="flat" w="0">
+                      <a:noFill/>
+                      <a:prstDash val="solid"/>
+                    </a:lnT>
+                    <a:lnB algn="ctr" cmpd="sng" cap="flat" w="0">
+                      <a:noFill/>
+                      <a:prstDash val="solid"/>
+                    </a:lnB>
+                    <a:solidFill>
+                      <a:srgbClr val="FFFFFF">
+                        <a:alpha val="0"/>
+                      </a:srgbClr>
+                    </a:solidFill>
+                  </a:tcPr>
+                </a:tc>
+                <a:tc>
+                  <a:txBody>
+                    <a:bodyPr/>
+                    <a:lstStyle/>
+                    <a:p>
+                      <a:pPr algn="ctr" marL="63500" marR="63500">
+                        <a:lnSpc>
+                          <a:spcPct val="100000"/>
+                        </a:lnSpc>
+                        <a:spcBef>
+                          <a:spcPts val="500"/>
+                        </a:spcBef>
+                        <a:spcAft>
+                          <a:spcPts val="500"/>
+                        </a:spcAft>
+                        <a:buNone/>
+                      </a:pPr>
+                      <a:r>
+                        <a:rPr cap="none" sz="1100" i="0" b="0" u="none">
+                          <a:solidFill>
+                            <a:srgbClr val="000000">
+                              <a:alpha val="100000"/>
+                            </a:srgbClr>
+                          </a:solidFill>
+                          <a:latin typeface="Arial"/>
+                          <a:cs typeface="Arial"/>
+                          <a:ea typeface="Arial"/>
+                          <a:sym typeface="Arial"/>
+                        </a:rPr>
+                        <a:t>0.58</a:t>
+                      </a:r>
+                    </a:p>
+                  </a:txBody>
+                  <a:tcPr anchor="ctr" marB="63500" marT="63500" marR="0" marL="0">
+                    <a:lnL algn="ctr" cmpd="sng" cap="flat" w="0">
+                      <a:noFill/>
+                      <a:prstDash val="solid"/>
+                    </a:lnL>
+                    <a:lnR algn="ctr" cmpd="sng" cap="flat" w="0">
+                      <a:noFill/>
+                      <a:prstDash val="solid"/>
+                    </a:lnR>
+                    <a:lnT algn="ctr" cmpd="sng" cap="flat" w="0">
+                      <a:noFill/>
+                      <a:prstDash val="solid"/>
+                    </a:lnT>
+                    <a:lnB algn="ctr" cmpd="sng" cap="flat" w="0">
+                      <a:noFill/>
+                      <a:prstDash val="solid"/>
+                    </a:lnB>
+                    <a:solidFill>
+                      <a:srgbClr val="FFFFFF">
+                        <a:alpha val="0"/>
+                      </a:srgbClr>
+                    </a:solidFill>
+                  </a:tcPr>
+                </a:tc>
+              </a:tr>
+              <a:tr h="228600">
+                <a:tc>
+                  <a:txBody>
+                    <a:bodyPr/>
+                    <a:lstStyle/>
+                    <a:p>
+                      <a:pPr algn="l" marL="63500" marR="63500">
+                        <a:lnSpc>
+                          <a:spcPct val="100000"/>
+                        </a:lnSpc>
+                        <a:spcBef>
+                          <a:spcPts val="500"/>
+                        </a:spcBef>
+                        <a:spcAft>
+                          <a:spcPts val="500"/>
+                        </a:spcAft>
+                        <a:buNone/>
+                      </a:pPr>
+                      <a:r>
+                        <a:rPr cap="none" sz="1100" i="0" b="0" u="none">
+                          <a:solidFill>
+                            <a:srgbClr val="000000">
+                              <a:alpha val="100000"/>
+                            </a:srgbClr>
+                          </a:solidFill>
+                          <a:latin typeface="Arial"/>
+                          <a:cs typeface="Arial"/>
+                          <a:ea typeface="Arial"/>
+                          <a:sym typeface="Arial"/>
+                        </a:rPr>
+                        <a:t>Number of hospitals listed with PBSC collection</a:t>
+                      </a:r>
+                    </a:p>
+                  </a:txBody>
+                  <a:tcPr anchor="ctr" marB="63500" marT="63500" marR="0" marL="0">
+                    <a:lnL algn="ctr" cmpd="sng" cap="flat" w="0">
+                      <a:noFill/>
+                      <a:prstDash val="solid"/>
+                    </a:lnL>
+                    <a:lnR algn="ctr" cmpd="sng" cap="flat" w="0">
+                      <a:noFill/>
+                      <a:prstDash val="solid"/>
+                    </a:lnR>
+                    <a:lnT algn="ctr" cmpd="sng" cap="flat" w="0">
+                      <a:noFill/>
+                      <a:prstDash val="solid"/>
+                    </a:lnT>
+                    <a:lnB algn="ctr" cmpd="sng" cap="flat" w="0">
+                      <a:noFill/>
+                      <a:prstDash val="solid"/>
+                    </a:lnB>
+                    <a:solidFill>
+                      <a:srgbClr val="FFFFFF">
+                        <a:alpha val="0"/>
+                      </a:srgbClr>
+                    </a:solidFill>
+                  </a:tcPr>
+                </a:tc>
+                <a:tc>
+                  <a:txBody>
+                    <a:bodyPr/>
+                    <a:lstStyle/>
+                    <a:p>
+                      <a:pPr algn="ctr" marL="63500" marR="63500">
+                        <a:lnSpc>
+                          <a:spcPct val="100000"/>
+                        </a:lnSpc>
+                        <a:spcBef>
+                          <a:spcPts val="500"/>
+                        </a:spcBef>
+                        <a:spcAft>
+                          <a:spcPts val="500"/>
+                        </a:spcAft>
+                        <a:buNone/>
+                      </a:pPr>
+                      <a:r>
+                        <a:rPr cap="none" sz="1100" i="0" b="0" u="none">
+                          <a:solidFill>
+                            <a:srgbClr val="000000">
+                              <a:alpha val="100000"/>
+                            </a:srgbClr>
+                          </a:solidFill>
+                          <a:latin typeface="Arial"/>
+                          <a:cs typeface="Arial"/>
+                          <a:ea typeface="Arial"/>
+                          <a:sym typeface="Arial"/>
+                        </a:rPr>
+                        <a:t>0.16</a:t>
+                      </a:r>
+                    </a:p>
+                  </a:txBody>
+                  <a:tcPr anchor="ctr" marB="63500" marT="63500" marR="0" marL="0">
+                    <a:lnL algn="ctr" cmpd="sng" cap="flat" w="0">
+                      <a:noFill/>
+                      <a:prstDash val="solid"/>
+                    </a:lnL>
+                    <a:lnR algn="ctr" cmpd="sng" cap="flat" w="0">
+                      <a:noFill/>
+                      <a:prstDash val="solid"/>
+                    </a:lnR>
+                    <a:lnT algn="ctr" cmpd="sng" cap="flat" w="0">
+                      <a:noFill/>
+                      <a:prstDash val="solid"/>
+                    </a:lnT>
+                    <a:lnB algn="ctr" cmpd="sng" cap="flat" w="0">
+                      <a:noFill/>
+                      <a:prstDash val="solid"/>
+                    </a:lnB>
+                    <a:solidFill>
+                      <a:srgbClr val="FFFFFF">
+                        <a:alpha val="0"/>
+                      </a:srgbClr>
+                    </a:solidFill>
+                  </a:tcPr>
+                </a:tc>
+                <a:tc>
+                  <a:txBody>
+                    <a:bodyPr/>
+                    <a:lstStyle/>
+                    <a:p>
+                      <a:pPr algn="ctr" marL="63500" marR="63500">
+                        <a:lnSpc>
+                          <a:spcPct val="100000"/>
+                        </a:lnSpc>
+                        <a:spcBef>
+                          <a:spcPts val="500"/>
+                        </a:spcBef>
+                        <a:spcAft>
+                          <a:spcPts val="500"/>
+                        </a:spcAft>
+                        <a:buNone/>
+                      </a:pPr>
+                      <a:r>
+                        <a:rPr cap="none" sz="1100" i="0" b="0" u="none">
+                          <a:solidFill>
+                            <a:srgbClr val="000000">
+                              <a:alpha val="100000"/>
+                            </a:srgbClr>
+                          </a:solidFill>
+                          <a:latin typeface="Arial"/>
+                          <a:cs typeface="Arial"/>
+                          <a:ea typeface="Arial"/>
+                          <a:sym typeface="Arial"/>
+                        </a:rPr>
+                        <a:t>0.13</a:t>
+                      </a:r>
+                    </a:p>
+                  </a:txBody>
+                  <a:tcPr anchor="ctr" marB="63500" marT="63500" marR="0" marL="0">
+                    <a:lnL algn="ctr" cmpd="sng" cap="flat" w="0">
+                      <a:noFill/>
+                      <a:prstDash val="solid"/>
+                    </a:lnL>
+                    <a:lnR algn="ctr" cmpd="sng" cap="flat" w="0">
+                      <a:noFill/>
+                      <a:prstDash val="solid"/>
+                    </a:lnR>
+                    <a:lnT algn="ctr" cmpd="sng" cap="flat" w="0">
+                      <a:noFill/>
+                      <a:prstDash val="solid"/>
+                    </a:lnT>
+                    <a:lnB algn="ctr" cmpd="sng" cap="flat" w="0">
+                      <a:noFill/>
+                      <a:prstDash val="solid"/>
+                    </a:lnB>
+                    <a:solidFill>
+                      <a:srgbClr val="FFFFFF">
+                        <a:alpha val="0"/>
+                      </a:srgbClr>
+                    </a:solidFill>
+                  </a:tcPr>
+                </a:tc>
+                <a:tc>
+                  <a:txBody>
+                    <a:bodyPr/>
+                    <a:lstStyle/>
+                    <a:p>
+                      <a:pPr algn="ctr" marL="63500" marR="63500">
+                        <a:lnSpc>
+                          <a:spcPct val="100000"/>
+                        </a:lnSpc>
+                        <a:spcBef>
+                          <a:spcPts val="500"/>
+                        </a:spcBef>
+                        <a:spcAft>
+                          <a:spcPts val="500"/>
+                        </a:spcAft>
+                        <a:buNone/>
+                      </a:pPr>
+                      <a:r>
+                        <a:rPr cap="none" sz="1100" i="0" b="0" u="none">
+                          <a:solidFill>
+                            <a:srgbClr val="000000">
+                              <a:alpha val="100000"/>
+                            </a:srgbClr>
+                          </a:solidFill>
+                          <a:latin typeface="Arial"/>
+                          <a:cs typeface="Arial"/>
+                          <a:ea typeface="Arial"/>
+                          <a:sym typeface="Arial"/>
+                        </a:rPr>
+                        <a:t>0.20</a:t>
+                      </a:r>
+                    </a:p>
+                  </a:txBody>
+                  <a:tcPr anchor="ctr" marB="63500" marT="63500" marR="0" marL="0">
+                    <a:lnL algn="ctr" cmpd="sng" cap="flat" w="0">
+                      <a:noFill/>
+                      <a:prstDash val="solid"/>
+                    </a:lnL>
+                    <a:lnR algn="ctr" cmpd="sng" cap="flat" w="0">
+                      <a:noFill/>
+                      <a:prstDash val="solid"/>
+                    </a:lnR>
+                    <a:lnT algn="ctr" cmpd="sng" cap="flat" w="0">
+                      <a:noFill/>
+                      <a:prstDash val="solid"/>
+                    </a:lnT>
+                    <a:lnB algn="ctr" cmpd="sng" cap="flat" w="0">
+                      <a:noFill/>
+                      <a:prstDash val="solid"/>
+                    </a:lnB>
+                    <a:solidFill>
+                      <a:srgbClr val="FFFFFF">
+                        <a:alpha val="0"/>
+                      </a:srgbClr>
+                    </a:solidFill>
+                  </a:tcPr>
+                </a:tc>
+              </a:tr>
+              <a:tr h="228600">
+                <a:tc>
+                  <a:txBody>
+                    <a:bodyPr/>
+                    <a:lstStyle/>
+                    <a:p>
+                      <a:pPr algn="l" marL="63500" marR="63500">
+                        <a:lnSpc>
+                          <a:spcPct val="100000"/>
+                        </a:lnSpc>
+                        <a:spcBef>
+                          <a:spcPts val="500"/>
+                        </a:spcBef>
+                        <a:spcAft>
+                          <a:spcPts val="500"/>
+                        </a:spcAft>
+                        <a:buNone/>
+                      </a:pPr>
+                      <a:r>
+                        <a:rPr cap="none" sz="1100" i="0" b="0" u="none">
+                          <a:solidFill>
+                            <a:srgbClr val="000000">
+                              <a:alpha val="100000"/>
+                            </a:srgbClr>
+                          </a:solidFill>
+                          <a:latin typeface="Arial"/>
+                          <a:cs typeface="Arial"/>
+                          <a:ea typeface="Arial"/>
+                          <a:sym typeface="Arial"/>
+                        </a:rPr>
+                        <a:t>Number of hospitals listed with BM collection</a:t>
+                      </a:r>
+                    </a:p>
+                  </a:txBody>
+                  <a:tcPr anchor="ctr" marB="63500" marT="63500" marR="0" marL="0">
+                    <a:lnL algn="ctr" cmpd="sng" cap="flat" w="0">
+                      <a:noFill/>
+                      <a:prstDash val="solid"/>
+                    </a:lnL>
+                    <a:lnR algn="ctr" cmpd="sng" cap="flat" w="0">
+                      <a:noFill/>
+                      <a:prstDash val="solid"/>
+                    </a:lnR>
+                    <a:lnT algn="ctr" cmpd="sng" cap="flat" w="0">
+                      <a:noFill/>
+                      <a:prstDash val="solid"/>
+                    </a:lnT>
+                    <a:lnB algn="ctr" cmpd="sng" cap="flat" w="0">
+                      <a:noFill/>
+                      <a:prstDash val="solid"/>
+                    </a:lnB>
+                    <a:solidFill>
+                      <a:srgbClr val="FFFFFF">
+                        <a:alpha val="0"/>
+                      </a:srgbClr>
+                    </a:solidFill>
+                  </a:tcPr>
+                </a:tc>
+                <a:tc>
+                  <a:txBody>
+                    <a:bodyPr/>
+                    <a:lstStyle/>
+                    <a:p>
+                      <a:pPr algn="ctr" marL="63500" marR="63500">
+                        <a:lnSpc>
+                          <a:spcPct val="100000"/>
+                        </a:lnSpc>
+                        <a:spcBef>
+                          <a:spcPts val="500"/>
+                        </a:spcBef>
+                        <a:spcAft>
+                          <a:spcPts val="500"/>
+                        </a:spcAft>
+                        <a:buNone/>
+                      </a:pPr>
+                      <a:r>
+                        <a:rPr cap="none" sz="1100" i="0" b="0" u="none">
+                          <a:solidFill>
+                            <a:srgbClr val="000000">
+                              <a:alpha val="100000"/>
+                            </a:srgbClr>
+                          </a:solidFill>
+                          <a:latin typeface="Arial"/>
+                          <a:cs typeface="Arial"/>
+                          <a:ea typeface="Arial"/>
+                          <a:sym typeface="Arial"/>
+                        </a:rPr>
+                        <a:t>0.24</a:t>
+                      </a:r>
+                    </a:p>
+                  </a:txBody>
+                  <a:tcPr anchor="ctr" marB="63500" marT="63500" marR="0" marL="0">
+                    <a:lnL algn="ctr" cmpd="sng" cap="flat" w="0">
+                      <a:noFill/>
+                      <a:prstDash val="solid"/>
+                    </a:lnL>
+                    <a:lnR algn="ctr" cmpd="sng" cap="flat" w="0">
+                      <a:noFill/>
+                      <a:prstDash val="solid"/>
+                    </a:lnR>
+                    <a:lnT algn="ctr" cmpd="sng" cap="flat" w="0">
+                      <a:noFill/>
+                      <a:prstDash val="solid"/>
+                    </a:lnT>
+                    <a:lnB algn="ctr" cmpd="sng" cap="flat" w="0">
+                      <a:noFill/>
+                      <a:prstDash val="solid"/>
+                    </a:lnB>
+                    <a:solidFill>
+                      <a:srgbClr val="FFFFFF">
+                        <a:alpha val="0"/>
+                      </a:srgbClr>
+                    </a:solidFill>
+                  </a:tcPr>
+                </a:tc>
+                <a:tc>
+                  <a:txBody>
+                    <a:bodyPr/>
+                    <a:lstStyle/>
+                    <a:p>
+                      <a:pPr algn="ctr" marL="63500" marR="63500">
+                        <a:lnSpc>
+                          <a:spcPct val="100000"/>
+                        </a:lnSpc>
+                        <a:spcBef>
+                          <a:spcPts val="500"/>
+                        </a:spcBef>
+                        <a:spcAft>
+                          <a:spcPts val="500"/>
+                        </a:spcAft>
+                        <a:buNone/>
+                      </a:pPr>
+                      <a:r>
+                        <a:rPr cap="none" sz="1100" i="0" b="0" u="none">
+                          <a:solidFill>
+                            <a:srgbClr val="000000">
+                              <a:alpha val="100000"/>
+                            </a:srgbClr>
+                          </a:solidFill>
+                          <a:latin typeface="Arial"/>
+                          <a:cs typeface="Arial"/>
+                          <a:ea typeface="Arial"/>
+                          <a:sym typeface="Arial"/>
+                        </a:rPr>
+                        <a:t>0.20</a:t>
+                      </a:r>
+                    </a:p>
+                  </a:txBody>
+                  <a:tcPr anchor="ctr" marB="63500" marT="63500" marR="0" marL="0">
+                    <a:lnL algn="ctr" cmpd="sng" cap="flat" w="0">
+                      <a:noFill/>
+                      <a:prstDash val="solid"/>
+                    </a:lnL>
+                    <a:lnR algn="ctr" cmpd="sng" cap="flat" w="0">
+                      <a:noFill/>
+                      <a:prstDash val="solid"/>
+                    </a:lnR>
+                    <a:lnT algn="ctr" cmpd="sng" cap="flat" w="0">
+                      <a:noFill/>
+                      <a:prstDash val="solid"/>
+                    </a:lnT>
+                    <a:lnB algn="ctr" cmpd="sng" cap="flat" w="0">
+                      <a:noFill/>
+                      <a:prstDash val="solid"/>
+                    </a:lnB>
+                    <a:solidFill>
+                      <a:srgbClr val="FFFFFF">
+                        <a:alpha val="0"/>
+                      </a:srgbClr>
+                    </a:solidFill>
+                  </a:tcPr>
+                </a:tc>
+                <a:tc>
+                  <a:txBody>
+                    <a:bodyPr/>
+                    <a:lstStyle/>
+                    <a:p>
+                      <a:pPr algn="ctr" marL="63500" marR="63500">
+                        <a:lnSpc>
+                          <a:spcPct val="100000"/>
+                        </a:lnSpc>
+                        <a:spcBef>
+                          <a:spcPts val="500"/>
+                        </a:spcBef>
+                        <a:spcAft>
+                          <a:spcPts val="500"/>
+                        </a:spcAft>
+                        <a:buNone/>
+                      </a:pPr>
+                      <a:r>
+                        <a:rPr cap="none" sz="1100" i="0" b="0" u="none">
+                          <a:solidFill>
+                            <a:srgbClr val="000000">
+                              <a:alpha val="100000"/>
+                            </a:srgbClr>
+                          </a:solidFill>
+                          <a:latin typeface="Arial"/>
+                          <a:cs typeface="Arial"/>
+                          <a:ea typeface="Arial"/>
+                          <a:sym typeface="Arial"/>
+                        </a:rPr>
+                        <a:t>0.31</a:t>
+                      </a:r>
+                    </a:p>
+                  </a:txBody>
+                  <a:tcPr anchor="ctr" marB="63500" marT="63500" marR="0" marL="0">
+                    <a:lnL algn="ctr" cmpd="sng" cap="flat" w="0">
+                      <a:noFill/>
+                      <a:prstDash val="solid"/>
+                    </a:lnL>
+                    <a:lnR algn="ctr" cmpd="sng" cap="flat" w="0">
+                      <a:noFill/>
+                      <a:prstDash val="solid"/>
+                    </a:lnR>
+                    <a:lnT algn="ctr" cmpd="sng" cap="flat" w="0">
+                      <a:noFill/>
+                      <a:prstDash val="solid"/>
+                    </a:lnT>
+                    <a:lnB algn="ctr" cmpd="sng" cap="flat" w="0">
+                      <a:noFill/>
+                      <a:prstDash val="solid"/>
+                    </a:lnB>
+                    <a:solidFill>
+                      <a:srgbClr val="FFFFFF">
+                        <a:alpha val="0"/>
+                      </a:srgbClr>
+                    </a:solidFill>
+                  </a:tcPr>
+                </a:tc>
+              </a:tr>
+              <a:tr h="228600">
+                <a:tc>
+                  <a:txBody>
+                    <a:bodyPr/>
+                    <a:lstStyle/>
+                    <a:p>
+                      <a:pPr algn="l" marL="63500" marR="63500">
+                        <a:lnSpc>
+                          <a:spcPct val="100000"/>
+                        </a:lnSpc>
+                        <a:spcBef>
+                          <a:spcPts val="500"/>
+                        </a:spcBef>
+                        <a:spcAft>
+                          <a:spcPts val="500"/>
+                        </a:spcAft>
+                        <a:buNone/>
+                      </a:pPr>
+                      <a:r>
+                        <a:rPr cap="none" sz="1100" i="0" b="0" u="none">
+                          <a:solidFill>
+                            <a:srgbClr val="000000">
+                              <a:alpha val="100000"/>
+                            </a:srgbClr>
+                          </a:solidFill>
+                          <a:latin typeface="Arial"/>
+                          <a:cs typeface="Arial"/>
+                          <a:ea typeface="Arial"/>
+                          <a:sym typeface="Arial"/>
+                        </a:rPr>
+                        <a:t>N</a:t>
+                      </a:r>
+                    </a:p>
+                  </a:txBody>
+                  <a:tcPr anchor="ctr" marB="63500" marT="63500" marR="0" marL="0">
+                    <a:lnL algn="ctr" cmpd="sng" cap="flat" w="0">
+                      <a:noFill/>
+                      <a:prstDash val="solid"/>
+                    </a:lnL>
+                    <a:lnR algn="ctr" cmpd="sng" cap="flat" w="0">
+                      <a:noFill/>
+                      <a:prstDash val="solid"/>
+                    </a:lnR>
+                    <a:lnT algn="ctr" cmpd="sng" cap="flat" w="0">
+                      <a:noFill/>
+                      <a:prstDash val="solid"/>
+                    </a:lnT>
+                    <a:lnB algn="ctr" cmpd="sng" cap="flat" w="12700">
+                      <a:solidFill>
+                        <a:srgbClr val="000000">
+                          <a:alpha val="100000"/>
+                        </a:srgbClr>
+                      </a:solidFill>
+                      <a:prstDash val="solid"/>
+                    </a:lnB>
+                    <a:solidFill>
+                      <a:srgbClr val="FFFFFF">
+                        <a:alpha val="0"/>
+                      </a:srgbClr>
+                    </a:solidFill>
+                  </a:tcPr>
+                </a:tc>
+                <a:tc>
+                  <a:txBody>
+                    <a:bodyPr/>
+                    <a:lstStyle/>
+                    <a:p>
+                      <a:pPr algn="ctr" marL="63500" marR="63500">
+                        <a:lnSpc>
+                          <a:spcPct val="100000"/>
+                        </a:lnSpc>
+                        <a:spcBef>
+                          <a:spcPts val="500"/>
+                        </a:spcBef>
+                        <a:spcAft>
+                          <a:spcPts val="500"/>
+                        </a:spcAft>
+                        <a:buNone/>
+                      </a:pPr>
+                      <a:r>
+                        <a:rPr cap="none" sz="1100" i="0" b="0" u="none">
+                          <a:solidFill>
+                            <a:srgbClr val="000000">
+                              <a:alpha val="100000"/>
+                            </a:srgbClr>
+                          </a:solidFill>
+                          <a:latin typeface="Arial"/>
+                          <a:cs typeface="Arial"/>
+                          <a:ea typeface="Arial"/>
+                          <a:sym typeface="Arial"/>
+                        </a:rPr>
+                        <a:t>4980</a:t>
+                      </a:r>
+                    </a:p>
+                  </a:txBody>
+                  <a:tcPr anchor="ctr" marB="63500" marT="63500" marR="0" marL="0">
+                    <a:lnL algn="ctr" cmpd="sng" cap="flat" w="0">
+                      <a:noFill/>
+                      <a:prstDash val="solid"/>
+                    </a:lnL>
+                    <a:lnR algn="ctr" cmpd="sng" cap="flat" w="0">
+                      <a:noFill/>
+                      <a:prstDash val="solid"/>
+                    </a:lnR>
+                    <a:lnT algn="ctr" cmpd="sng" cap="flat" w="0">
+                      <a:noFill/>
+                      <a:prstDash val="solid"/>
+                    </a:lnT>
+                    <a:lnB algn="ctr" cmpd="sng" cap="flat" w="12700">
+                      <a:solidFill>
+                        <a:srgbClr val="000000">
+                          <a:alpha val="100000"/>
+                        </a:srgbClr>
+                      </a:solidFill>
+                      <a:prstDash val="solid"/>
+                    </a:lnB>
+                    <a:solidFill>
+                      <a:srgbClr val="FFFFFF">
+                        <a:alpha val="0"/>
+                      </a:srgbClr>
+                    </a:solidFill>
+                  </a:tcPr>
+                </a:tc>
+                <a:tc>
+                  <a:txBody>
+                    <a:bodyPr/>
+                    <a:lstStyle/>
+                    <a:p>
+                      <a:pPr algn="ctr" marL="63500" marR="63500">
+                        <a:lnSpc>
+                          <a:spcPct val="100000"/>
+                        </a:lnSpc>
+                        <a:spcBef>
+                          <a:spcPts val="500"/>
+                        </a:spcBef>
+                        <a:spcAft>
+                          <a:spcPts val="500"/>
+                        </a:spcAft>
+                        <a:buNone/>
+                      </a:pPr>
+                      <a:r>
+                        <a:rPr cap="none" sz="1100" i="0" b="0" u="none">
+                          <a:solidFill>
+                            <a:srgbClr val="000000">
+                              <a:alpha val="100000"/>
+                            </a:srgbClr>
+                          </a:solidFill>
+                          <a:latin typeface="Arial"/>
+                          <a:cs typeface="Arial"/>
+                          <a:ea typeface="Arial"/>
+                          <a:sym typeface="Arial"/>
+                        </a:rPr>
+                        <a:t>2728</a:t>
+                      </a:r>
+                    </a:p>
+                  </a:txBody>
+                  <a:tcPr anchor="ctr" marB="63500" marT="63500" marR="0" marL="0">
+                    <a:lnL algn="ctr" cmpd="sng" cap="flat" w="0">
+                      <a:noFill/>
+                      <a:prstDash val="solid"/>
+                    </a:lnL>
+                    <a:lnR algn="ctr" cmpd="sng" cap="flat" w="0">
+                      <a:noFill/>
+                      <a:prstDash val="solid"/>
+                    </a:lnR>
+                    <a:lnT algn="ctr" cmpd="sng" cap="flat" w="0">
+                      <a:noFill/>
+                      <a:prstDash val="solid"/>
+                    </a:lnT>
+                    <a:lnB algn="ctr" cmpd="sng" cap="flat" w="12700">
+                      <a:solidFill>
+                        <a:srgbClr val="000000">
+                          <a:alpha val="100000"/>
+                        </a:srgbClr>
+                      </a:solidFill>
+                      <a:prstDash val="solid"/>
+                    </a:lnB>
+                    <a:solidFill>
+                      <a:srgbClr val="FFFFFF">
+                        <a:alpha val="0"/>
+                      </a:srgbClr>
+                    </a:solidFill>
+                  </a:tcPr>
+                </a:tc>
+                <a:tc>
+                  <a:txBody>
+                    <a:bodyPr/>
+                    <a:lstStyle/>
+                    <a:p>
+                      <a:pPr algn="ctr" marL="63500" marR="63500">
+                        <a:lnSpc>
+                          <a:spcPct val="100000"/>
+                        </a:lnSpc>
+                        <a:spcBef>
+                          <a:spcPts val="500"/>
+                        </a:spcBef>
+                        <a:spcAft>
+                          <a:spcPts val="500"/>
+                        </a:spcAft>
+                        <a:buNone/>
+                      </a:pPr>
+                      <a:r>
+                        <a:rPr cap="none" sz="1100" i="0" b="0" u="none">
+                          <a:solidFill>
+                            <a:srgbClr val="000000">
+                              <a:alpha val="100000"/>
+                            </a:srgbClr>
+                          </a:solidFill>
+                          <a:latin typeface="Arial"/>
+                          <a:cs typeface="Arial"/>
+                          <a:ea typeface="Arial"/>
+                          <a:sym typeface="Arial"/>
+                        </a:rPr>
+                        <a:t>3341</a:t>
+                      </a:r>
+                    </a:p>
+                  </a:txBody>
+                  <a:tcPr anchor="ctr" marB="63500" marT="63500" marR="0" marL="0">
+                    <a:lnL algn="ctr" cmpd="sng" cap="flat" w="0">
+                      <a:noFill/>
+                      <a:prstDash val="solid"/>
+                    </a:lnL>
+                    <a:lnR algn="ctr" cmpd="sng" cap="flat" w="0">
+                      <a:noFill/>
+                      <a:prstDash val="solid"/>
+                    </a:lnR>
+                    <a:lnT algn="ctr" cmpd="sng" cap="flat" w="0">
+                      <a:noFill/>
+                      <a:prstDash val="solid"/>
+                    </a:lnT>
+                    <a:lnB algn="ctr" cmpd="sng" cap="flat" w="12700">
+                      <a:solidFill>
+                        <a:srgbClr val="000000">
+                          <a:alpha val="100000"/>
+                        </a:srgbClr>
+                      </a:solidFill>
+                      <a:prstDash val="solid"/>
+                    </a:lnB>
+                    <a:solidFill>
+                      <a:srgbClr val="FFFFFF">
+                        <a:alpha val="0"/>
+                      </a:srgbClr>
+                    </a:solidFill>
+                  </a:tcPr>
+                </a:tc>
               </a:tr>
             </a:tbl>
           </a:graphicData>
         </a:graphic>
       </p:graphicFrame>
-      <p:sp>
-        <p:nvSpPr>
-          <p:cNvPr id="4" name="スライド番号プレースホルダー 3">
-            <a:extLst>
-              <a:ext uri="{FF2B5EF4-FFF2-40B4-BE49-F238E27FC236}">
-                <a16:creationId xmlns:a16="http://schemas.microsoft.com/office/drawing/2014/main" id="{DBCE206D-3265-9411-E15A-25D0467409DE}"/>
-              </a:ext>
-            </a:extLst>
-          </p:cNvPr>
-          <p:cNvSpPr>
-            <a:spLocks noGrp="1"/>
-          </p:cNvSpPr>
-          <p:nvPr>
-            <p:ph type="sldNum" sz="quarter" idx="12"/>
-          </p:nvPr>
-        </p:nvSpPr>
-        <p:spPr/>
-        <p:txBody>
-          <a:bodyPr/>
-          <a:lstStyle/>
-          <a:p>
-            <a:fld id="{C5EF2332-01BF-834F-8236-50238282D533}" type="slidenum">
-              <a:rPr lang="en-US" smtClean="0"/>
-              <a:t>6</a:t>
-            </a:fld>
-            <a:endParaRPr lang="en-US"/>
-          </a:p>
-        </p:txBody>
-      </p:sp>
     </p:spTree>
   </p:cSld>
-  <p:clrMapOvr>
-    <a:masterClrMapping/>
-  </p:clrMapOvr>
 </p:sld>
 </file>
 
-<file path=ppt/slides/slide7.xml><?xml version="1.0" encoding="utf-8"?>
+<file path=ppt/slides/slide5.xml><?xml version="1.0" encoding="utf-8"?>
 <p:sld xmlns:a="http://schemas.openxmlformats.org/drawingml/2006/main" xmlns:r="http://schemas.openxmlformats.org/officeDocument/2006/relationships" xmlns:p="http://schemas.openxmlformats.org/presentationml/2006/main">
   <p:cSld>
     <p:spTree>
@@ -5662,2022 +6422,48 @@
           <a:bodyPr/>
           <a:lstStyle/>
           <a:p>
-            <a:pPr marL="0" lvl="0" indent="0">
+            <a:pPr lvl="0" indent="0" marL="0">
               <a:buNone/>
             </a:pPr>
             <a:r>
-              <a:rPr dirty="0"/>
-              <a:t>最適ターゲティング別の個人属性の比較</a:t>
+              <a:rPr/>
+              <a:t>個人属性の分布</a:t>
             </a:r>
           </a:p>
         </p:txBody>
       </p:sp>
-      <p:graphicFrame>
-        <p:nvGraphicFramePr>
-          <p:cNvPr id="502000238" name="表 502000237"/>
-          <p:cNvGraphicFramePr>
-            <a:graphicFrameLocks noGrp="1"/>
-          </p:cNvGraphicFramePr>
-          <p:nvPr>
-            <p:extLst>
-              <p:ext uri="{D42A27DB-BD31-4B8C-83A1-F6EECF244321}">
-                <p14:modId xmlns:p14="http://schemas.microsoft.com/office/powerpoint/2010/main" val="93034994"/>
-              </p:ext>
-            </p:extLst>
-          </p:nvPr>
-        </p:nvGraphicFramePr>
-        <p:xfrm>
-          <a:off x="565392" y="1063228"/>
-          <a:ext cx="8121409" cy="3745934"/>
-        </p:xfrm>
-        <a:graphic>
-          <a:graphicData uri="http://schemas.openxmlformats.org/drawingml/2006/table">
-            <a:tbl>
-              <a:tblPr/>
-              <a:tblGrid>
-                <a:gridCol w="4640803">
-                  <a:extLst>
-                    <a:ext uri="{9D8B030D-6E8A-4147-A177-3AD203B41FA5}">
-                      <a16:colId xmlns:a16="http://schemas.microsoft.com/office/drawing/2014/main" val="20000"/>
-                    </a:ext>
-                  </a:extLst>
-                </a:gridCol>
-                <a:gridCol w="1160202">
-                  <a:extLst>
-                    <a:ext uri="{9D8B030D-6E8A-4147-A177-3AD203B41FA5}">
-                      <a16:colId xmlns:a16="http://schemas.microsoft.com/office/drawing/2014/main" val="20001"/>
-                    </a:ext>
-                  </a:extLst>
-                </a:gridCol>
-                <a:gridCol w="1160202">
-                  <a:extLst>
-                    <a:ext uri="{9D8B030D-6E8A-4147-A177-3AD203B41FA5}">
-                      <a16:colId xmlns:a16="http://schemas.microsoft.com/office/drawing/2014/main" val="20002"/>
-                    </a:ext>
-                  </a:extLst>
-                </a:gridCol>
-                <a:gridCol w="1160202">
-                  <a:extLst>
-                    <a:ext uri="{9D8B030D-6E8A-4147-A177-3AD203B41FA5}">
-                      <a16:colId xmlns:a16="http://schemas.microsoft.com/office/drawing/2014/main" val="20003"/>
-                    </a:ext>
-                  </a:extLst>
-                </a:gridCol>
-              </a:tblGrid>
-              <a:tr h="447322">
-                <a:tc>
-                  <a:txBody>
-                    <a:bodyPr/>
-                    <a:lstStyle/>
-                    <a:p>
-                      <a:pPr marL="63500" marR="63500" algn="l">
-                        <a:lnSpc>
-                          <a:spcPct val="100000"/>
-                        </a:lnSpc>
-                        <a:spcBef>
-                          <a:spcPts val="500"/>
-                        </a:spcBef>
-                        <a:spcAft>
-                          <a:spcPts val="500"/>
-                        </a:spcAft>
-                        <a:buNone/>
-                      </a:pPr>
-                      <a:r>
-                        <a:rPr sz="1600" b="0" i="0" u="none" cap="none">
-                          <a:solidFill>
-                            <a:srgbClr val="000000">
-                              <a:alpha val="100000"/>
-                            </a:srgbClr>
-                          </a:solidFill>
-                          <a:latin typeface="Arial"/>
-                          <a:cs typeface="Arial"/>
-                          <a:sym typeface="Arial"/>
-                        </a:rPr>
-                        <a:t> </a:t>
-                      </a:r>
-                    </a:p>
-                  </a:txBody>
-                  <a:tcPr marL="0" marR="0" marT="63500" marB="63500" anchor="ctr">
-                    <a:lnL w="0" cap="flat" cmpd="sng" algn="ctr">
-                      <a:noFill/>
-                      <a:prstDash val="solid"/>
-                    </a:lnL>
-                    <a:lnR w="0" cap="flat" cmpd="sng" algn="ctr">
-                      <a:noFill/>
-                      <a:prstDash val="solid"/>
-                    </a:lnR>
-                    <a:lnT w="12700" cap="flat" cmpd="sng" algn="ctr">
-                      <a:solidFill>
-                        <a:srgbClr val="000000">
-                          <a:alpha val="100000"/>
-                        </a:srgbClr>
-                      </a:solidFill>
-                      <a:prstDash val="solid"/>
-                    </a:lnT>
-                    <a:lnB w="12700" cap="flat" cmpd="sng" algn="ctr">
-                      <a:solidFill>
-                        <a:srgbClr val="000000">
-                          <a:alpha val="100000"/>
-                        </a:srgbClr>
-                      </a:solidFill>
-                      <a:prstDash val="solid"/>
-                    </a:lnB>
-                    <a:solidFill>
-                      <a:srgbClr val="FFFFFF">
-                        <a:alpha val="0"/>
-                      </a:srgbClr>
-                    </a:solidFill>
-                  </a:tcPr>
-                </a:tc>
-                <a:tc>
-                  <a:txBody>
-                    <a:bodyPr/>
-                    <a:lstStyle/>
-                    <a:p>
-                      <a:pPr marL="63500" marR="63500" algn="ctr">
-                        <a:lnSpc>
-                          <a:spcPct val="100000"/>
-                        </a:lnSpc>
-                        <a:spcBef>
-                          <a:spcPts val="500"/>
-                        </a:spcBef>
-                        <a:spcAft>
-                          <a:spcPts val="500"/>
-                        </a:spcAft>
-                        <a:buNone/>
-                      </a:pPr>
-                      <a:r>
-                        <a:rPr sz="1600" b="0" i="0" u="none" cap="none">
-                          <a:solidFill>
-                            <a:srgbClr val="000000">
-                              <a:alpha val="100000"/>
-                            </a:srgbClr>
-                          </a:solidFill>
-                          <a:latin typeface="Arial"/>
-                          <a:cs typeface="Arial"/>
-                          <a:sym typeface="Arial"/>
-                        </a:rPr>
-                        <a:t>Treatment B</a:t>
-                      </a:r>
-                    </a:p>
-                  </a:txBody>
-                  <a:tcPr marL="0" marR="0" marT="63500" marB="63500" anchor="ctr">
-                    <a:lnL w="0" cap="flat" cmpd="sng" algn="ctr">
-                      <a:noFill/>
-                      <a:prstDash val="solid"/>
-                    </a:lnL>
-                    <a:lnR w="0" cap="flat" cmpd="sng" algn="ctr">
-                      <a:noFill/>
-                      <a:prstDash val="solid"/>
-                    </a:lnR>
-                    <a:lnT w="12700" cap="flat" cmpd="sng" algn="ctr">
-                      <a:solidFill>
-                        <a:srgbClr val="000000">
-                          <a:alpha val="100000"/>
-                        </a:srgbClr>
-                      </a:solidFill>
-                      <a:prstDash val="solid"/>
-                    </a:lnT>
-                    <a:lnB w="12700" cap="flat" cmpd="sng" algn="ctr">
-                      <a:solidFill>
-                        <a:srgbClr val="000000">
-                          <a:alpha val="100000"/>
-                        </a:srgbClr>
-                      </a:solidFill>
-                      <a:prstDash val="solid"/>
-                    </a:lnB>
-                    <a:solidFill>
-                      <a:srgbClr val="FFFFFF">
-                        <a:alpha val="0"/>
-                      </a:srgbClr>
-                    </a:solidFill>
-                  </a:tcPr>
-                </a:tc>
-                <a:tc>
-                  <a:txBody>
-                    <a:bodyPr/>
-                    <a:lstStyle/>
-                    <a:p>
-                      <a:pPr marL="63500" marR="63500" algn="ctr">
-                        <a:lnSpc>
-                          <a:spcPct val="100000"/>
-                        </a:lnSpc>
-                        <a:spcBef>
-                          <a:spcPts val="500"/>
-                        </a:spcBef>
-                        <a:spcAft>
-                          <a:spcPts val="500"/>
-                        </a:spcAft>
-                        <a:buNone/>
-                      </a:pPr>
-                      <a:r>
-                        <a:rPr sz="1600" b="0" i="0" u="none" cap="none">
-                          <a:solidFill>
-                            <a:srgbClr val="000000">
-                              <a:alpha val="100000"/>
-                            </a:srgbClr>
-                          </a:solidFill>
-                          <a:latin typeface="Arial"/>
-                          <a:cs typeface="Arial"/>
-                          <a:sym typeface="Arial"/>
-                        </a:rPr>
-                        <a:t>Treatment C</a:t>
-                      </a:r>
-                    </a:p>
-                  </a:txBody>
-                  <a:tcPr marL="0" marR="0" marT="63500" marB="63500" anchor="ctr">
-                    <a:lnL w="0" cap="flat" cmpd="sng" algn="ctr">
-                      <a:noFill/>
-                      <a:prstDash val="solid"/>
-                    </a:lnL>
-                    <a:lnR w="0" cap="flat" cmpd="sng" algn="ctr">
-                      <a:noFill/>
-                      <a:prstDash val="solid"/>
-                    </a:lnR>
-                    <a:lnT w="12700" cap="flat" cmpd="sng" algn="ctr">
-                      <a:solidFill>
-                        <a:srgbClr val="000000">
-                          <a:alpha val="100000"/>
-                        </a:srgbClr>
-                      </a:solidFill>
-                      <a:prstDash val="solid"/>
-                    </a:lnT>
-                    <a:lnB w="12700" cap="flat" cmpd="sng" algn="ctr">
-                      <a:solidFill>
-                        <a:srgbClr val="000000">
-                          <a:alpha val="100000"/>
-                        </a:srgbClr>
-                      </a:solidFill>
-                      <a:prstDash val="solid"/>
-                    </a:lnB>
-                    <a:solidFill>
-                      <a:srgbClr val="FFFFFF">
-                        <a:alpha val="0"/>
-                      </a:srgbClr>
-                    </a:solidFill>
-                  </a:tcPr>
-                </a:tc>
-                <a:tc>
-                  <a:txBody>
-                    <a:bodyPr/>
-                    <a:lstStyle/>
-                    <a:p>
-                      <a:pPr marL="63500" marR="63500" algn="ctr">
-                        <a:lnSpc>
-                          <a:spcPct val="100000"/>
-                        </a:lnSpc>
-                        <a:spcBef>
-                          <a:spcPts val="500"/>
-                        </a:spcBef>
-                        <a:spcAft>
-                          <a:spcPts val="500"/>
-                        </a:spcAft>
-                        <a:buNone/>
-                      </a:pPr>
-                      <a:r>
-                        <a:rPr sz="1600" b="0" i="0" u="none" cap="none">
-                          <a:solidFill>
-                            <a:srgbClr val="000000">
-                              <a:alpha val="100000"/>
-                            </a:srgbClr>
-                          </a:solidFill>
-                          <a:latin typeface="Arial"/>
-                          <a:cs typeface="Arial"/>
-                          <a:sym typeface="Arial"/>
-                        </a:rPr>
-                        <a:t>Treatment D</a:t>
-                      </a:r>
-                    </a:p>
-                  </a:txBody>
-                  <a:tcPr marL="0" marR="0" marT="63500" marB="63500" anchor="ctr">
-                    <a:lnL w="0" cap="flat" cmpd="sng" algn="ctr">
-                      <a:noFill/>
-                      <a:prstDash val="solid"/>
-                    </a:lnL>
-                    <a:lnR w="0" cap="flat" cmpd="sng" algn="ctr">
-                      <a:noFill/>
-                      <a:prstDash val="solid"/>
-                    </a:lnR>
-                    <a:lnT w="12700" cap="flat" cmpd="sng" algn="ctr">
-                      <a:solidFill>
-                        <a:srgbClr val="000000">
-                          <a:alpha val="100000"/>
-                        </a:srgbClr>
-                      </a:solidFill>
-                      <a:prstDash val="solid"/>
-                    </a:lnT>
-                    <a:lnB w="12700" cap="flat" cmpd="sng" algn="ctr">
-                      <a:solidFill>
-                        <a:srgbClr val="000000">
-                          <a:alpha val="100000"/>
-                        </a:srgbClr>
-                      </a:solidFill>
-                      <a:prstDash val="solid"/>
-                    </a:lnB>
-                    <a:solidFill>
-                      <a:srgbClr val="FFFFFF">
-                        <a:alpha val="0"/>
-                      </a:srgbClr>
-                    </a:solidFill>
-                  </a:tcPr>
-                </a:tc>
-                <a:extLst>
-                  <a:ext uri="{0D108BD9-81ED-4DB2-BD59-A6C34878D82A}">
-                    <a16:rowId xmlns:a16="http://schemas.microsoft.com/office/drawing/2014/main" val="10000"/>
-                  </a:ext>
-                </a:extLst>
-              </a:tr>
-              <a:tr h="447322">
-                <a:tc>
-                  <a:txBody>
-                    <a:bodyPr/>
-                    <a:lstStyle/>
-                    <a:p>
-                      <a:pPr marL="63500" marR="63500" algn="l">
-                        <a:lnSpc>
-                          <a:spcPct val="100000"/>
-                        </a:lnSpc>
-                        <a:spcBef>
-                          <a:spcPts val="500"/>
-                        </a:spcBef>
-                        <a:spcAft>
-                          <a:spcPts val="500"/>
-                        </a:spcAft>
-                        <a:buNone/>
-                      </a:pPr>
-                      <a:r>
-                        <a:rPr sz="1600" b="0" i="0" u="none" cap="none">
-                          <a:solidFill>
-                            <a:srgbClr val="000000">
-                              <a:alpha val="100000"/>
-                            </a:srgbClr>
-                          </a:solidFill>
-                          <a:latin typeface="Arial"/>
-                          <a:cs typeface="Arial"/>
-                          <a:sym typeface="Arial"/>
-                        </a:rPr>
-                        <a:t>Male (= 1)</a:t>
-                      </a:r>
-                    </a:p>
-                  </a:txBody>
-                  <a:tcPr marL="0" marR="0" marT="63500" marB="63500" anchor="ctr">
-                    <a:lnL w="0" cap="flat" cmpd="sng" algn="ctr">
-                      <a:noFill/>
-                      <a:prstDash val="solid"/>
-                    </a:lnL>
-                    <a:lnR w="0" cap="flat" cmpd="sng" algn="ctr">
-                      <a:noFill/>
-                      <a:prstDash val="solid"/>
-                    </a:lnR>
-                    <a:lnT w="12700" cap="flat" cmpd="sng" algn="ctr">
-                      <a:solidFill>
-                        <a:srgbClr val="000000"/>
-                      </a:solidFill>
-                      <a:prstDash val="solid"/>
-                      <a:round/>
-                      <a:headEnd type="none" w="med" len="med"/>
-                      <a:tailEnd type="none" w="med" len="med"/>
-                    </a:lnT>
-                    <a:lnB w="0" cap="flat" cmpd="sng" algn="ctr">
-                      <a:noFill/>
-                      <a:prstDash val="solid"/>
-                    </a:lnB>
-                    <a:solidFill>
-                      <a:srgbClr val="FFFFFF">
-                        <a:alpha val="0"/>
-                      </a:srgbClr>
-                    </a:solidFill>
-                  </a:tcPr>
-                </a:tc>
-                <a:tc>
-                  <a:txBody>
-                    <a:bodyPr/>
-                    <a:lstStyle/>
-                    <a:p>
-                      <a:pPr marL="63500" marR="63500" algn="ctr">
-                        <a:lnSpc>
-                          <a:spcPct val="100000"/>
-                        </a:lnSpc>
-                        <a:spcBef>
-                          <a:spcPts val="500"/>
-                        </a:spcBef>
-                        <a:spcAft>
-                          <a:spcPts val="500"/>
-                        </a:spcAft>
-                        <a:buNone/>
-                      </a:pPr>
-                      <a:r>
-                        <a:rPr sz="1600" b="0" i="0" u="none" cap="none">
-                          <a:solidFill>
-                            <a:srgbClr val="000000">
-                              <a:alpha val="100000"/>
-                            </a:srgbClr>
-                          </a:solidFill>
-                          <a:latin typeface="Arial"/>
-                          <a:cs typeface="Arial"/>
-                          <a:sym typeface="Arial"/>
-                        </a:rPr>
-                        <a:t>0.64</a:t>
-                      </a:r>
-                    </a:p>
-                  </a:txBody>
-                  <a:tcPr marL="0" marR="0" marT="63500" marB="63500" anchor="ctr">
-                    <a:lnL w="0" cap="flat" cmpd="sng" algn="ctr">
-                      <a:noFill/>
-                      <a:prstDash val="solid"/>
-                    </a:lnL>
-                    <a:lnR w="0" cap="flat" cmpd="sng" algn="ctr">
-                      <a:noFill/>
-                      <a:prstDash val="solid"/>
-                    </a:lnR>
-                    <a:lnT w="12700" cap="flat" cmpd="sng" algn="ctr">
-                      <a:solidFill>
-                        <a:srgbClr val="000000"/>
-                      </a:solidFill>
-                      <a:prstDash val="solid"/>
-                      <a:round/>
-                      <a:headEnd type="none" w="med" len="med"/>
-                      <a:tailEnd type="none" w="med" len="med"/>
-                    </a:lnT>
-                    <a:lnB w="0" cap="flat" cmpd="sng" algn="ctr">
-                      <a:noFill/>
-                      <a:prstDash val="solid"/>
-                    </a:lnB>
-                    <a:solidFill>
-                      <a:srgbClr val="FFFFFF">
-                        <a:alpha val="0"/>
-                      </a:srgbClr>
-                    </a:solidFill>
-                  </a:tcPr>
-                </a:tc>
-                <a:tc>
-                  <a:txBody>
-                    <a:bodyPr/>
-                    <a:lstStyle/>
-                    <a:p>
-                      <a:pPr marL="63500" marR="63500" algn="ctr">
-                        <a:lnSpc>
-                          <a:spcPct val="100000"/>
-                        </a:lnSpc>
-                        <a:spcBef>
-                          <a:spcPts val="500"/>
-                        </a:spcBef>
-                        <a:spcAft>
-                          <a:spcPts val="500"/>
-                        </a:spcAft>
-                        <a:buNone/>
-                      </a:pPr>
-                      <a:r>
-                        <a:rPr sz="1600" b="0" i="0" u="none" cap="none">
-                          <a:solidFill>
-                            <a:srgbClr val="000000">
-                              <a:alpha val="100000"/>
-                            </a:srgbClr>
-                          </a:solidFill>
-                          <a:latin typeface="Arial"/>
-                          <a:cs typeface="Arial"/>
-                          <a:sym typeface="Arial"/>
-                        </a:rPr>
-                        <a:t>0.54</a:t>
-                      </a:r>
-                    </a:p>
-                  </a:txBody>
-                  <a:tcPr marL="0" marR="0" marT="63500" marB="63500" anchor="ctr">
-                    <a:lnL w="0" cap="flat" cmpd="sng" algn="ctr">
-                      <a:noFill/>
-                      <a:prstDash val="solid"/>
-                    </a:lnL>
-                    <a:lnR w="0" cap="flat" cmpd="sng" algn="ctr">
-                      <a:noFill/>
-                      <a:prstDash val="solid"/>
-                    </a:lnR>
-                    <a:lnT w="12700" cap="flat" cmpd="sng" algn="ctr">
-                      <a:solidFill>
-                        <a:srgbClr val="000000"/>
-                      </a:solidFill>
-                      <a:prstDash val="solid"/>
-                      <a:round/>
-                      <a:headEnd type="none" w="med" len="med"/>
-                      <a:tailEnd type="none" w="med" len="med"/>
-                    </a:lnT>
-                    <a:lnB w="0" cap="flat" cmpd="sng" algn="ctr">
-                      <a:noFill/>
-                      <a:prstDash val="solid"/>
-                    </a:lnB>
-                    <a:solidFill>
-                      <a:srgbClr val="FFFFFF">
-                        <a:alpha val="0"/>
-                      </a:srgbClr>
-                    </a:solidFill>
-                  </a:tcPr>
-                </a:tc>
-                <a:tc>
-                  <a:txBody>
-                    <a:bodyPr/>
-                    <a:lstStyle/>
-                    <a:p>
-                      <a:pPr marL="63500" marR="63500" algn="ctr">
-                        <a:lnSpc>
-                          <a:spcPct val="100000"/>
-                        </a:lnSpc>
-                        <a:spcBef>
-                          <a:spcPts val="500"/>
-                        </a:spcBef>
-                        <a:spcAft>
-                          <a:spcPts val="500"/>
-                        </a:spcAft>
-                        <a:buNone/>
-                      </a:pPr>
-                      <a:r>
-                        <a:rPr sz="1600" b="0" i="0" u="none" cap="none">
-                          <a:solidFill>
-                            <a:srgbClr val="000000">
-                              <a:alpha val="100000"/>
-                            </a:srgbClr>
-                          </a:solidFill>
-                          <a:latin typeface="Arial"/>
-                          <a:cs typeface="Arial"/>
-                          <a:sym typeface="Arial"/>
-                        </a:rPr>
-                        <a:t>0.67</a:t>
-                      </a:r>
-                    </a:p>
-                  </a:txBody>
-                  <a:tcPr marL="0" marR="0" marT="63500" marB="63500" anchor="ctr">
-                    <a:lnL w="0" cap="flat" cmpd="sng" algn="ctr">
-                      <a:noFill/>
-                      <a:prstDash val="solid"/>
-                    </a:lnL>
-                    <a:lnR w="0" cap="flat" cmpd="sng" algn="ctr">
-                      <a:noFill/>
-                      <a:prstDash val="solid"/>
-                    </a:lnR>
-                    <a:lnT w="12700" cap="flat" cmpd="sng" algn="ctr">
-                      <a:solidFill>
-                        <a:srgbClr val="000000"/>
-                      </a:solidFill>
-                      <a:prstDash val="solid"/>
-                      <a:round/>
-                      <a:headEnd type="none" w="med" len="med"/>
-                      <a:tailEnd type="none" w="med" len="med"/>
-                    </a:lnT>
-                    <a:lnB w="0" cap="flat" cmpd="sng" algn="ctr">
-                      <a:noFill/>
-                      <a:prstDash val="solid"/>
-                    </a:lnB>
-                    <a:solidFill>
-                      <a:srgbClr val="FFFFFF">
-                        <a:alpha val="0"/>
-                      </a:srgbClr>
-                    </a:solidFill>
-                  </a:tcPr>
-                </a:tc>
-                <a:extLst>
-                  <a:ext uri="{0D108BD9-81ED-4DB2-BD59-A6C34878D82A}">
-                    <a16:rowId xmlns:a16="http://schemas.microsoft.com/office/drawing/2014/main" val="10001"/>
-                  </a:ext>
-                </a:extLst>
-              </a:tr>
-              <a:tr h="447322">
-                <a:tc>
-                  <a:txBody>
-                    <a:bodyPr/>
-                    <a:lstStyle/>
-                    <a:p>
-                      <a:pPr marL="63500" marR="63500" algn="l">
-                        <a:lnSpc>
-                          <a:spcPct val="100000"/>
-                        </a:lnSpc>
-                        <a:spcBef>
-                          <a:spcPts val="500"/>
-                        </a:spcBef>
-                        <a:spcAft>
-                          <a:spcPts val="500"/>
-                        </a:spcAft>
-                        <a:buNone/>
-                      </a:pPr>
-                      <a:r>
-                        <a:rPr sz="1600" b="0" i="0" u="none" cap="none">
-                          <a:solidFill>
-                            <a:srgbClr val="000000">
-                              <a:alpha val="100000"/>
-                            </a:srgbClr>
-                          </a:solidFill>
-                          <a:latin typeface="Arial"/>
-                          <a:cs typeface="Arial"/>
-                          <a:sym typeface="Arial"/>
-                        </a:rPr>
-                        <a:t>Age</a:t>
-                      </a:r>
-                    </a:p>
-                  </a:txBody>
-                  <a:tcPr marL="0" marR="0" marT="63500" marB="63500" anchor="ctr">
-                    <a:lnL w="0" cap="flat" cmpd="sng" algn="ctr">
-                      <a:noFill/>
-                      <a:prstDash val="solid"/>
-                    </a:lnL>
-                    <a:lnR w="0" cap="flat" cmpd="sng" algn="ctr">
-                      <a:noFill/>
-                      <a:prstDash val="solid"/>
-                    </a:lnR>
-                    <a:lnT w="0" cap="flat" cmpd="sng" algn="ctr">
-                      <a:noFill/>
-                      <a:prstDash val="solid"/>
-                    </a:lnT>
-                    <a:lnB w="0" cap="flat" cmpd="sng" algn="ctr">
-                      <a:noFill/>
-                      <a:prstDash val="solid"/>
-                    </a:lnB>
-                    <a:solidFill>
-                      <a:srgbClr val="FFFFFF">
-                        <a:alpha val="0"/>
-                      </a:srgbClr>
-                    </a:solidFill>
-                  </a:tcPr>
-                </a:tc>
-                <a:tc>
-                  <a:txBody>
-                    <a:bodyPr/>
-                    <a:lstStyle/>
-                    <a:p>
-                      <a:pPr marL="63500" marR="63500" algn="ctr">
-                        <a:lnSpc>
-                          <a:spcPct val="100000"/>
-                        </a:lnSpc>
-                        <a:spcBef>
-                          <a:spcPts val="500"/>
-                        </a:spcBef>
-                        <a:spcAft>
-                          <a:spcPts val="500"/>
-                        </a:spcAft>
-                        <a:buNone/>
-                      </a:pPr>
-                      <a:r>
-                        <a:rPr sz="1600" b="0" i="0" u="none" cap="none">
-                          <a:solidFill>
-                            <a:srgbClr val="000000">
-                              <a:alpha val="100000"/>
-                            </a:srgbClr>
-                          </a:solidFill>
-                          <a:latin typeface="Arial"/>
-                          <a:cs typeface="Arial"/>
-                          <a:sym typeface="Arial"/>
-                        </a:rPr>
-                        <a:t>34.97</a:t>
-                      </a:r>
-                    </a:p>
-                  </a:txBody>
-                  <a:tcPr marL="0" marR="0" marT="63500" marB="63500" anchor="ctr">
-                    <a:lnL w="0" cap="flat" cmpd="sng" algn="ctr">
-                      <a:noFill/>
-                      <a:prstDash val="solid"/>
-                    </a:lnL>
-                    <a:lnR w="0" cap="flat" cmpd="sng" algn="ctr">
-                      <a:noFill/>
-                      <a:prstDash val="solid"/>
-                    </a:lnR>
-                    <a:lnT w="0" cap="flat" cmpd="sng" algn="ctr">
-                      <a:noFill/>
-                      <a:prstDash val="solid"/>
-                    </a:lnT>
-                    <a:lnB w="0" cap="flat" cmpd="sng" algn="ctr">
-                      <a:noFill/>
-                      <a:prstDash val="solid"/>
-                    </a:lnB>
-                    <a:solidFill>
-                      <a:srgbClr val="FFFFFF">
-                        <a:alpha val="0"/>
-                      </a:srgbClr>
-                    </a:solidFill>
-                  </a:tcPr>
-                </a:tc>
-                <a:tc>
-                  <a:txBody>
-                    <a:bodyPr/>
-                    <a:lstStyle/>
-                    <a:p>
-                      <a:pPr marL="63500" marR="63500" algn="ctr">
-                        <a:lnSpc>
-                          <a:spcPct val="100000"/>
-                        </a:lnSpc>
-                        <a:spcBef>
-                          <a:spcPts val="500"/>
-                        </a:spcBef>
-                        <a:spcAft>
-                          <a:spcPts val="500"/>
-                        </a:spcAft>
-                        <a:buNone/>
-                      </a:pPr>
-                      <a:r>
-                        <a:rPr sz="1600" b="0" i="0" u="none" cap="none">
-                          <a:solidFill>
-                            <a:srgbClr val="000000">
-                              <a:alpha val="100000"/>
-                            </a:srgbClr>
-                          </a:solidFill>
-                          <a:latin typeface="Arial"/>
-                          <a:cs typeface="Arial"/>
-                          <a:sym typeface="Arial"/>
-                        </a:rPr>
-                        <a:t>41.44</a:t>
-                      </a:r>
-                    </a:p>
-                  </a:txBody>
-                  <a:tcPr marL="0" marR="0" marT="63500" marB="63500" anchor="ctr">
-                    <a:lnL w="0" cap="flat" cmpd="sng" algn="ctr">
-                      <a:noFill/>
-                      <a:prstDash val="solid"/>
-                    </a:lnL>
-                    <a:lnR w="0" cap="flat" cmpd="sng" algn="ctr">
-                      <a:noFill/>
-                      <a:prstDash val="solid"/>
-                    </a:lnR>
-                    <a:lnT w="0" cap="flat" cmpd="sng" algn="ctr">
-                      <a:noFill/>
-                      <a:prstDash val="solid"/>
-                    </a:lnT>
-                    <a:lnB w="0" cap="flat" cmpd="sng" algn="ctr">
-                      <a:noFill/>
-                      <a:prstDash val="solid"/>
-                    </a:lnB>
-                    <a:solidFill>
-                      <a:srgbClr val="FFFFFF">
-                        <a:alpha val="0"/>
-                      </a:srgbClr>
-                    </a:solidFill>
-                  </a:tcPr>
-                </a:tc>
-                <a:tc>
-                  <a:txBody>
-                    <a:bodyPr/>
-                    <a:lstStyle/>
-                    <a:p>
-                      <a:pPr marL="63500" marR="63500" algn="ctr">
-                        <a:lnSpc>
-                          <a:spcPct val="100000"/>
-                        </a:lnSpc>
-                        <a:spcBef>
-                          <a:spcPts val="500"/>
-                        </a:spcBef>
-                        <a:spcAft>
-                          <a:spcPts val="500"/>
-                        </a:spcAft>
-                        <a:buNone/>
-                      </a:pPr>
-                      <a:r>
-                        <a:rPr sz="1600" b="0" i="0" u="none" cap="none">
-                          <a:solidFill>
-                            <a:srgbClr val="000000">
-                              <a:alpha val="100000"/>
-                            </a:srgbClr>
-                          </a:solidFill>
-                          <a:latin typeface="Arial"/>
-                          <a:cs typeface="Arial"/>
-                          <a:sym typeface="Arial"/>
-                        </a:rPr>
-                        <a:t>39.64</a:t>
-                      </a:r>
-                    </a:p>
-                  </a:txBody>
-                  <a:tcPr marL="0" marR="0" marT="63500" marB="63500" anchor="ctr">
-                    <a:lnL w="0" cap="flat" cmpd="sng" algn="ctr">
-                      <a:noFill/>
-                      <a:prstDash val="solid"/>
-                    </a:lnL>
-                    <a:lnR w="0" cap="flat" cmpd="sng" algn="ctr">
-                      <a:noFill/>
-                      <a:prstDash val="solid"/>
-                    </a:lnR>
-                    <a:lnT w="0" cap="flat" cmpd="sng" algn="ctr">
-                      <a:noFill/>
-                      <a:prstDash val="solid"/>
-                    </a:lnT>
-                    <a:lnB w="0" cap="flat" cmpd="sng" algn="ctr">
-                      <a:noFill/>
-                      <a:prstDash val="solid"/>
-                    </a:lnB>
-                    <a:solidFill>
-                      <a:srgbClr val="FFFFFF">
-                        <a:alpha val="0"/>
-                      </a:srgbClr>
-                    </a:solidFill>
-                  </a:tcPr>
-                </a:tc>
-                <a:extLst>
-                  <a:ext uri="{0D108BD9-81ED-4DB2-BD59-A6C34878D82A}">
-                    <a16:rowId xmlns:a16="http://schemas.microsoft.com/office/drawing/2014/main" val="10002"/>
-                  </a:ext>
-                </a:extLst>
-              </a:tr>
-              <a:tr h="447322">
-                <a:tc>
-                  <a:txBody>
-                    <a:bodyPr/>
-                    <a:lstStyle/>
-                    <a:p>
-                      <a:pPr marL="63500" marR="63500" algn="l">
-                        <a:lnSpc>
-                          <a:spcPct val="100000"/>
-                        </a:lnSpc>
-                        <a:spcBef>
-                          <a:spcPts val="500"/>
-                        </a:spcBef>
-                        <a:spcAft>
-                          <a:spcPts val="500"/>
-                        </a:spcAft>
-                        <a:buNone/>
-                      </a:pPr>
-                      <a:r>
-                        <a:rPr sz="1600" b="0" i="0" u="none" cap="none">
-                          <a:solidFill>
-                            <a:srgbClr val="000000">
-                              <a:alpha val="100000"/>
-                            </a:srgbClr>
-                          </a:solidFill>
-                          <a:latin typeface="Arial"/>
-                          <a:cs typeface="Arial"/>
-                          <a:sym typeface="Arial"/>
-                        </a:rPr>
-                        <a:t>Number of past coordinations</a:t>
-                      </a:r>
-                    </a:p>
-                  </a:txBody>
-                  <a:tcPr marL="0" marR="0" marT="63500" marB="63500" anchor="ctr">
-                    <a:lnL w="0" cap="flat" cmpd="sng" algn="ctr">
-                      <a:noFill/>
-                      <a:prstDash val="solid"/>
-                    </a:lnL>
-                    <a:lnR w="0" cap="flat" cmpd="sng" algn="ctr">
-                      <a:noFill/>
-                      <a:prstDash val="solid"/>
-                    </a:lnR>
-                    <a:lnT w="0" cap="flat" cmpd="sng" algn="ctr">
-                      <a:noFill/>
-                      <a:prstDash val="solid"/>
-                    </a:lnT>
-                    <a:lnB w="0" cap="flat" cmpd="sng" algn="ctr">
-                      <a:noFill/>
-                      <a:prstDash val="solid"/>
-                    </a:lnB>
-                    <a:solidFill>
-                      <a:srgbClr val="FFFFFF">
-                        <a:alpha val="0"/>
-                      </a:srgbClr>
-                    </a:solidFill>
-                  </a:tcPr>
-                </a:tc>
-                <a:tc>
-                  <a:txBody>
-                    <a:bodyPr/>
-                    <a:lstStyle/>
-                    <a:p>
-                      <a:pPr marL="63500" marR="63500" algn="ctr">
-                        <a:lnSpc>
-                          <a:spcPct val="100000"/>
-                        </a:lnSpc>
-                        <a:spcBef>
-                          <a:spcPts val="500"/>
-                        </a:spcBef>
-                        <a:spcAft>
-                          <a:spcPts val="500"/>
-                        </a:spcAft>
-                        <a:buNone/>
-                      </a:pPr>
-                      <a:r>
-                        <a:rPr sz="1600" b="0" i="0" u="none" cap="none">
-                          <a:solidFill>
-                            <a:srgbClr val="000000">
-                              <a:alpha val="100000"/>
-                            </a:srgbClr>
-                          </a:solidFill>
-                          <a:latin typeface="Arial"/>
-                          <a:cs typeface="Arial"/>
-                          <a:sym typeface="Arial"/>
-                        </a:rPr>
-                        <a:t>1.49</a:t>
-                      </a:r>
-                    </a:p>
-                  </a:txBody>
-                  <a:tcPr marL="0" marR="0" marT="63500" marB="63500" anchor="ctr">
-                    <a:lnL w="0" cap="flat" cmpd="sng" algn="ctr">
-                      <a:noFill/>
-                      <a:prstDash val="solid"/>
-                    </a:lnL>
-                    <a:lnR w="0" cap="flat" cmpd="sng" algn="ctr">
-                      <a:noFill/>
-                      <a:prstDash val="solid"/>
-                    </a:lnR>
-                    <a:lnT w="0" cap="flat" cmpd="sng" algn="ctr">
-                      <a:noFill/>
-                      <a:prstDash val="solid"/>
-                    </a:lnT>
-                    <a:lnB w="0" cap="flat" cmpd="sng" algn="ctr">
-                      <a:noFill/>
-                      <a:prstDash val="solid"/>
-                    </a:lnB>
-                    <a:solidFill>
-                      <a:srgbClr val="FFFFFF">
-                        <a:alpha val="0"/>
-                      </a:srgbClr>
-                    </a:solidFill>
-                  </a:tcPr>
-                </a:tc>
-                <a:tc>
-                  <a:txBody>
-                    <a:bodyPr/>
-                    <a:lstStyle/>
-                    <a:p>
-                      <a:pPr marL="63500" marR="63500" algn="ctr">
-                        <a:lnSpc>
-                          <a:spcPct val="100000"/>
-                        </a:lnSpc>
-                        <a:spcBef>
-                          <a:spcPts val="500"/>
-                        </a:spcBef>
-                        <a:spcAft>
-                          <a:spcPts val="500"/>
-                        </a:spcAft>
-                        <a:buNone/>
-                      </a:pPr>
-                      <a:r>
-                        <a:rPr sz="1600" b="0" i="0" u="none" cap="none">
-                          <a:solidFill>
-                            <a:srgbClr val="000000">
-                              <a:alpha val="100000"/>
-                            </a:srgbClr>
-                          </a:solidFill>
-                          <a:latin typeface="Arial"/>
-                          <a:cs typeface="Arial"/>
-                          <a:sym typeface="Arial"/>
-                        </a:rPr>
-                        <a:t>1.65</a:t>
-                      </a:r>
-                    </a:p>
-                  </a:txBody>
-                  <a:tcPr marL="0" marR="0" marT="63500" marB="63500" anchor="ctr">
-                    <a:lnL w="0" cap="flat" cmpd="sng" algn="ctr">
-                      <a:noFill/>
-                      <a:prstDash val="solid"/>
-                    </a:lnL>
-                    <a:lnR w="0" cap="flat" cmpd="sng" algn="ctr">
-                      <a:noFill/>
-                      <a:prstDash val="solid"/>
-                    </a:lnR>
-                    <a:lnT w="0" cap="flat" cmpd="sng" algn="ctr">
-                      <a:noFill/>
-                      <a:prstDash val="solid"/>
-                    </a:lnT>
-                    <a:lnB w="0" cap="flat" cmpd="sng" algn="ctr">
-                      <a:noFill/>
-                      <a:prstDash val="solid"/>
-                    </a:lnB>
-                    <a:solidFill>
-                      <a:srgbClr val="FFFFFF">
-                        <a:alpha val="0"/>
-                      </a:srgbClr>
-                    </a:solidFill>
-                  </a:tcPr>
-                </a:tc>
-                <a:tc>
-                  <a:txBody>
-                    <a:bodyPr/>
-                    <a:lstStyle/>
-                    <a:p>
-                      <a:pPr marL="63500" marR="63500" algn="ctr">
-                        <a:lnSpc>
-                          <a:spcPct val="100000"/>
-                        </a:lnSpc>
-                        <a:spcBef>
-                          <a:spcPts val="500"/>
-                        </a:spcBef>
-                        <a:spcAft>
-                          <a:spcPts val="500"/>
-                        </a:spcAft>
-                        <a:buNone/>
-                      </a:pPr>
-                      <a:r>
-                        <a:rPr sz="1600" b="0" i="0" u="none" cap="none">
-                          <a:solidFill>
-                            <a:srgbClr val="000000">
-                              <a:alpha val="100000"/>
-                            </a:srgbClr>
-                          </a:solidFill>
-                          <a:latin typeface="Arial"/>
-                          <a:cs typeface="Arial"/>
-                          <a:sym typeface="Arial"/>
-                        </a:rPr>
-                        <a:t>1.70</a:t>
-                      </a:r>
-                    </a:p>
-                  </a:txBody>
-                  <a:tcPr marL="0" marR="0" marT="63500" marB="63500" anchor="ctr">
-                    <a:lnL w="0" cap="flat" cmpd="sng" algn="ctr">
-                      <a:noFill/>
-                      <a:prstDash val="solid"/>
-                    </a:lnL>
-                    <a:lnR w="0" cap="flat" cmpd="sng" algn="ctr">
-                      <a:noFill/>
-                      <a:prstDash val="solid"/>
-                    </a:lnR>
-                    <a:lnT w="0" cap="flat" cmpd="sng" algn="ctr">
-                      <a:noFill/>
-                      <a:prstDash val="solid"/>
-                    </a:lnT>
-                    <a:lnB w="0" cap="flat" cmpd="sng" algn="ctr">
-                      <a:noFill/>
-                      <a:prstDash val="solid"/>
-                    </a:lnB>
-                    <a:solidFill>
-                      <a:srgbClr val="FFFFFF">
-                        <a:alpha val="0"/>
-                      </a:srgbClr>
-                    </a:solidFill>
-                  </a:tcPr>
-                </a:tc>
-                <a:extLst>
-                  <a:ext uri="{0D108BD9-81ED-4DB2-BD59-A6C34878D82A}">
-                    <a16:rowId xmlns:a16="http://schemas.microsoft.com/office/drawing/2014/main" val="10003"/>
-                  </a:ext>
-                </a:extLst>
-              </a:tr>
-              <a:tr h="447322">
-                <a:tc>
-                  <a:txBody>
-                    <a:bodyPr/>
-                    <a:lstStyle/>
-                    <a:p>
-                      <a:pPr marL="63500" marR="63500" algn="l">
-                        <a:lnSpc>
-                          <a:spcPct val="100000"/>
-                        </a:lnSpc>
-                        <a:spcBef>
-                          <a:spcPts val="500"/>
-                        </a:spcBef>
-                        <a:spcAft>
-                          <a:spcPts val="500"/>
-                        </a:spcAft>
-                        <a:buNone/>
-                      </a:pPr>
-                      <a:r>
-                        <a:rPr sz="1600" b="0" i="0" u="none" cap="none" dirty="0">
-                          <a:solidFill>
-                            <a:srgbClr val="000000">
-                              <a:alpha val="100000"/>
-                            </a:srgbClr>
-                          </a:solidFill>
-                          <a:latin typeface="Arial"/>
-                          <a:cs typeface="Arial"/>
-                          <a:sym typeface="Arial"/>
-                        </a:rPr>
-                        <a:t>Number of listed hospitals</a:t>
-                      </a:r>
-                    </a:p>
-                  </a:txBody>
-                  <a:tcPr marL="0" marR="0" marT="63500" marB="63500" anchor="ctr">
-                    <a:lnL w="0" cap="flat" cmpd="sng" algn="ctr">
-                      <a:noFill/>
-                      <a:prstDash val="solid"/>
-                    </a:lnL>
-                    <a:lnR w="0" cap="flat" cmpd="sng" algn="ctr">
-                      <a:noFill/>
-                      <a:prstDash val="solid"/>
-                    </a:lnR>
-                    <a:lnT w="0" cap="flat" cmpd="sng" algn="ctr">
-                      <a:noFill/>
-                      <a:prstDash val="solid"/>
-                    </a:lnT>
-                    <a:lnB w="0" cap="flat" cmpd="sng" algn="ctr">
-                      <a:noFill/>
-                      <a:prstDash val="solid"/>
-                    </a:lnB>
-                    <a:solidFill>
-                      <a:srgbClr val="FFFFFF">
-                        <a:alpha val="0"/>
-                      </a:srgbClr>
-                    </a:solidFill>
-                  </a:tcPr>
-                </a:tc>
-                <a:tc>
-                  <a:txBody>
-                    <a:bodyPr/>
-                    <a:lstStyle/>
-                    <a:p>
-                      <a:pPr marL="63500" marR="63500" algn="ctr">
-                        <a:lnSpc>
-                          <a:spcPct val="100000"/>
-                        </a:lnSpc>
-                        <a:spcBef>
-                          <a:spcPts val="500"/>
-                        </a:spcBef>
-                        <a:spcAft>
-                          <a:spcPts val="500"/>
-                        </a:spcAft>
-                        <a:buNone/>
-                      </a:pPr>
-                      <a:r>
-                        <a:rPr sz="1600" b="0" i="0" u="none" cap="none">
-                          <a:solidFill>
-                            <a:srgbClr val="000000">
-                              <a:alpha val="100000"/>
-                            </a:srgbClr>
-                          </a:solidFill>
-                          <a:latin typeface="Arial"/>
-                          <a:cs typeface="Arial"/>
-                          <a:sym typeface="Arial"/>
-                        </a:rPr>
-                        <a:t>0.47</a:t>
-                      </a:r>
-                    </a:p>
-                  </a:txBody>
-                  <a:tcPr marL="0" marR="0" marT="63500" marB="63500" anchor="ctr">
-                    <a:lnL w="0" cap="flat" cmpd="sng" algn="ctr">
-                      <a:noFill/>
-                      <a:prstDash val="solid"/>
-                    </a:lnL>
-                    <a:lnR w="0" cap="flat" cmpd="sng" algn="ctr">
-                      <a:noFill/>
-                      <a:prstDash val="solid"/>
-                    </a:lnR>
-                    <a:lnT w="0" cap="flat" cmpd="sng" algn="ctr">
-                      <a:noFill/>
-                      <a:prstDash val="solid"/>
-                    </a:lnT>
-                    <a:lnB w="0" cap="flat" cmpd="sng" algn="ctr">
-                      <a:noFill/>
-                      <a:prstDash val="solid"/>
-                    </a:lnB>
-                    <a:solidFill>
-                      <a:srgbClr val="FFFFFF">
-                        <a:alpha val="0"/>
-                      </a:srgbClr>
-                    </a:solidFill>
-                  </a:tcPr>
-                </a:tc>
-                <a:tc>
-                  <a:txBody>
-                    <a:bodyPr/>
-                    <a:lstStyle/>
-                    <a:p>
-                      <a:pPr marL="63500" marR="63500" algn="ctr">
-                        <a:lnSpc>
-                          <a:spcPct val="100000"/>
-                        </a:lnSpc>
-                        <a:spcBef>
-                          <a:spcPts val="500"/>
-                        </a:spcBef>
-                        <a:spcAft>
-                          <a:spcPts val="500"/>
-                        </a:spcAft>
-                        <a:buNone/>
-                      </a:pPr>
-                      <a:r>
-                        <a:rPr sz="1600" b="0" i="0" u="none" cap="none">
-                          <a:solidFill>
-                            <a:srgbClr val="000000">
-                              <a:alpha val="100000"/>
-                            </a:srgbClr>
-                          </a:solidFill>
-                          <a:latin typeface="Arial"/>
-                          <a:cs typeface="Arial"/>
-                          <a:sym typeface="Arial"/>
-                        </a:rPr>
-                        <a:t>0.40</a:t>
-                      </a:r>
-                    </a:p>
-                  </a:txBody>
-                  <a:tcPr marL="0" marR="0" marT="63500" marB="63500" anchor="ctr">
-                    <a:lnL w="0" cap="flat" cmpd="sng" algn="ctr">
-                      <a:noFill/>
-                      <a:prstDash val="solid"/>
-                    </a:lnL>
-                    <a:lnR w="0" cap="flat" cmpd="sng" algn="ctr">
-                      <a:noFill/>
-                      <a:prstDash val="solid"/>
-                    </a:lnR>
-                    <a:lnT w="0" cap="flat" cmpd="sng" algn="ctr">
-                      <a:noFill/>
-                      <a:prstDash val="solid"/>
-                    </a:lnT>
-                    <a:lnB w="0" cap="flat" cmpd="sng" algn="ctr">
-                      <a:noFill/>
-                      <a:prstDash val="solid"/>
-                    </a:lnB>
-                    <a:solidFill>
-                      <a:srgbClr val="FFFFFF">
-                        <a:alpha val="0"/>
-                      </a:srgbClr>
-                    </a:solidFill>
-                  </a:tcPr>
-                </a:tc>
-                <a:tc>
-                  <a:txBody>
-                    <a:bodyPr/>
-                    <a:lstStyle/>
-                    <a:p>
-                      <a:pPr marL="63500" marR="63500" algn="ctr">
-                        <a:lnSpc>
-                          <a:spcPct val="100000"/>
-                        </a:lnSpc>
-                        <a:spcBef>
-                          <a:spcPts val="500"/>
-                        </a:spcBef>
-                        <a:spcAft>
-                          <a:spcPts val="500"/>
-                        </a:spcAft>
-                        <a:buNone/>
-                      </a:pPr>
-                      <a:r>
-                        <a:rPr sz="1600" b="0" i="0" u="none" cap="none">
-                          <a:solidFill>
-                            <a:srgbClr val="000000">
-                              <a:alpha val="100000"/>
-                            </a:srgbClr>
-                          </a:solidFill>
-                          <a:latin typeface="Arial"/>
-                          <a:cs typeface="Arial"/>
-                          <a:sym typeface="Arial"/>
-                        </a:rPr>
-                        <a:t>0.58</a:t>
-                      </a:r>
-                    </a:p>
-                  </a:txBody>
-                  <a:tcPr marL="0" marR="0" marT="63500" marB="63500" anchor="ctr">
-                    <a:lnL w="0" cap="flat" cmpd="sng" algn="ctr">
-                      <a:noFill/>
-                      <a:prstDash val="solid"/>
-                    </a:lnL>
-                    <a:lnR w="0" cap="flat" cmpd="sng" algn="ctr">
-                      <a:noFill/>
-                      <a:prstDash val="solid"/>
-                    </a:lnR>
-                    <a:lnT w="0" cap="flat" cmpd="sng" algn="ctr">
-                      <a:noFill/>
-                      <a:prstDash val="solid"/>
-                    </a:lnT>
-                    <a:lnB w="0" cap="flat" cmpd="sng" algn="ctr">
-                      <a:noFill/>
-                      <a:prstDash val="solid"/>
-                    </a:lnB>
-                    <a:solidFill>
-                      <a:srgbClr val="FFFFFF">
-                        <a:alpha val="0"/>
-                      </a:srgbClr>
-                    </a:solidFill>
-                  </a:tcPr>
-                </a:tc>
-                <a:extLst>
-                  <a:ext uri="{0D108BD9-81ED-4DB2-BD59-A6C34878D82A}">
-                    <a16:rowId xmlns:a16="http://schemas.microsoft.com/office/drawing/2014/main" val="10004"/>
-                  </a:ext>
-                </a:extLst>
-              </a:tr>
-              <a:tr h="447322">
-                <a:tc>
-                  <a:txBody>
-                    <a:bodyPr/>
-                    <a:lstStyle/>
-                    <a:p>
-                      <a:pPr marL="63500" marR="63500" algn="l">
-                        <a:lnSpc>
-                          <a:spcPct val="100000"/>
-                        </a:lnSpc>
-                        <a:spcBef>
-                          <a:spcPts val="500"/>
-                        </a:spcBef>
-                        <a:spcAft>
-                          <a:spcPts val="500"/>
-                        </a:spcAft>
-                        <a:buNone/>
-                      </a:pPr>
-                      <a:r>
-                        <a:rPr sz="1600" b="0" i="0" u="none" cap="none">
-                          <a:solidFill>
-                            <a:srgbClr val="000000">
-                              <a:alpha val="100000"/>
-                            </a:srgbClr>
-                          </a:solidFill>
-                          <a:latin typeface="Arial"/>
-                          <a:cs typeface="Arial"/>
-                          <a:sym typeface="Arial"/>
-                        </a:rPr>
-                        <a:t>Number of hospitals listed with PBSC collection</a:t>
-                      </a:r>
-                    </a:p>
-                  </a:txBody>
-                  <a:tcPr marL="0" marR="0" marT="63500" marB="63500" anchor="ctr">
-                    <a:lnL w="0" cap="flat" cmpd="sng" algn="ctr">
-                      <a:noFill/>
-                      <a:prstDash val="solid"/>
-                    </a:lnL>
-                    <a:lnR w="0" cap="flat" cmpd="sng" algn="ctr">
-                      <a:noFill/>
-                      <a:prstDash val="solid"/>
-                    </a:lnR>
-                    <a:lnT w="0" cap="flat" cmpd="sng" algn="ctr">
-                      <a:noFill/>
-                      <a:prstDash val="solid"/>
-                    </a:lnT>
-                    <a:lnB w="0" cap="flat" cmpd="sng" algn="ctr">
-                      <a:noFill/>
-                      <a:prstDash val="solid"/>
-                    </a:lnB>
-                    <a:solidFill>
-                      <a:srgbClr val="FFFFFF">
-                        <a:alpha val="0"/>
-                      </a:srgbClr>
-                    </a:solidFill>
-                  </a:tcPr>
-                </a:tc>
-                <a:tc>
-                  <a:txBody>
-                    <a:bodyPr/>
-                    <a:lstStyle/>
-                    <a:p>
-                      <a:pPr marL="63500" marR="63500" algn="ctr">
-                        <a:lnSpc>
-                          <a:spcPct val="100000"/>
-                        </a:lnSpc>
-                        <a:spcBef>
-                          <a:spcPts val="500"/>
-                        </a:spcBef>
-                        <a:spcAft>
-                          <a:spcPts val="500"/>
-                        </a:spcAft>
-                        <a:buNone/>
-                      </a:pPr>
-                      <a:r>
-                        <a:rPr sz="1600" b="0" i="0" u="none" cap="none">
-                          <a:solidFill>
-                            <a:srgbClr val="000000">
-                              <a:alpha val="100000"/>
-                            </a:srgbClr>
-                          </a:solidFill>
-                          <a:latin typeface="Arial"/>
-                          <a:cs typeface="Arial"/>
-                          <a:sym typeface="Arial"/>
-                        </a:rPr>
-                        <a:t>0.16</a:t>
-                      </a:r>
-                    </a:p>
-                  </a:txBody>
-                  <a:tcPr marL="0" marR="0" marT="63500" marB="63500" anchor="ctr">
-                    <a:lnL w="0" cap="flat" cmpd="sng" algn="ctr">
-                      <a:noFill/>
-                      <a:prstDash val="solid"/>
-                    </a:lnL>
-                    <a:lnR w="0" cap="flat" cmpd="sng" algn="ctr">
-                      <a:noFill/>
-                      <a:prstDash val="solid"/>
-                    </a:lnR>
-                    <a:lnT w="0" cap="flat" cmpd="sng" algn="ctr">
-                      <a:noFill/>
-                      <a:prstDash val="solid"/>
-                    </a:lnT>
-                    <a:lnB w="0" cap="flat" cmpd="sng" algn="ctr">
-                      <a:noFill/>
-                      <a:prstDash val="solid"/>
-                    </a:lnB>
-                    <a:solidFill>
-                      <a:srgbClr val="FFFFFF">
-                        <a:alpha val="0"/>
-                      </a:srgbClr>
-                    </a:solidFill>
-                  </a:tcPr>
-                </a:tc>
-                <a:tc>
-                  <a:txBody>
-                    <a:bodyPr/>
-                    <a:lstStyle/>
-                    <a:p>
-                      <a:pPr marL="63500" marR="63500" algn="ctr">
-                        <a:lnSpc>
-                          <a:spcPct val="100000"/>
-                        </a:lnSpc>
-                        <a:spcBef>
-                          <a:spcPts val="500"/>
-                        </a:spcBef>
-                        <a:spcAft>
-                          <a:spcPts val="500"/>
-                        </a:spcAft>
-                        <a:buNone/>
-                      </a:pPr>
-                      <a:r>
-                        <a:rPr sz="1600" b="0" i="0" u="none" cap="none">
-                          <a:solidFill>
-                            <a:srgbClr val="000000">
-                              <a:alpha val="100000"/>
-                            </a:srgbClr>
-                          </a:solidFill>
-                          <a:latin typeface="Arial"/>
-                          <a:cs typeface="Arial"/>
-                          <a:sym typeface="Arial"/>
-                        </a:rPr>
-                        <a:t>0.13</a:t>
-                      </a:r>
-                    </a:p>
-                  </a:txBody>
-                  <a:tcPr marL="0" marR="0" marT="63500" marB="63500" anchor="ctr">
-                    <a:lnL w="0" cap="flat" cmpd="sng" algn="ctr">
-                      <a:noFill/>
-                      <a:prstDash val="solid"/>
-                    </a:lnL>
-                    <a:lnR w="0" cap="flat" cmpd="sng" algn="ctr">
-                      <a:noFill/>
-                      <a:prstDash val="solid"/>
-                    </a:lnR>
-                    <a:lnT w="0" cap="flat" cmpd="sng" algn="ctr">
-                      <a:noFill/>
-                      <a:prstDash val="solid"/>
-                    </a:lnT>
-                    <a:lnB w="0" cap="flat" cmpd="sng" algn="ctr">
-                      <a:noFill/>
-                      <a:prstDash val="solid"/>
-                    </a:lnB>
-                    <a:solidFill>
-                      <a:srgbClr val="FFFFFF">
-                        <a:alpha val="0"/>
-                      </a:srgbClr>
-                    </a:solidFill>
-                  </a:tcPr>
-                </a:tc>
-                <a:tc>
-                  <a:txBody>
-                    <a:bodyPr/>
-                    <a:lstStyle/>
-                    <a:p>
-                      <a:pPr marL="63500" marR="63500" algn="ctr">
-                        <a:lnSpc>
-                          <a:spcPct val="100000"/>
-                        </a:lnSpc>
-                        <a:spcBef>
-                          <a:spcPts val="500"/>
-                        </a:spcBef>
-                        <a:spcAft>
-                          <a:spcPts val="500"/>
-                        </a:spcAft>
-                        <a:buNone/>
-                      </a:pPr>
-                      <a:r>
-                        <a:rPr sz="1600" b="0" i="0" u="none" cap="none">
-                          <a:solidFill>
-                            <a:srgbClr val="000000">
-                              <a:alpha val="100000"/>
-                            </a:srgbClr>
-                          </a:solidFill>
-                          <a:latin typeface="Arial"/>
-                          <a:cs typeface="Arial"/>
-                          <a:sym typeface="Arial"/>
-                        </a:rPr>
-                        <a:t>0.20</a:t>
-                      </a:r>
-                    </a:p>
-                  </a:txBody>
-                  <a:tcPr marL="0" marR="0" marT="63500" marB="63500" anchor="ctr">
-                    <a:lnL w="0" cap="flat" cmpd="sng" algn="ctr">
-                      <a:noFill/>
-                      <a:prstDash val="solid"/>
-                    </a:lnL>
-                    <a:lnR w="0" cap="flat" cmpd="sng" algn="ctr">
-                      <a:noFill/>
-                      <a:prstDash val="solid"/>
-                    </a:lnR>
-                    <a:lnT w="0" cap="flat" cmpd="sng" algn="ctr">
-                      <a:noFill/>
-                      <a:prstDash val="solid"/>
-                    </a:lnT>
-                    <a:lnB w="0" cap="flat" cmpd="sng" algn="ctr">
-                      <a:noFill/>
-                      <a:prstDash val="solid"/>
-                    </a:lnB>
-                    <a:solidFill>
-                      <a:srgbClr val="FFFFFF">
-                        <a:alpha val="0"/>
-                      </a:srgbClr>
-                    </a:solidFill>
-                  </a:tcPr>
-                </a:tc>
-                <a:extLst>
-                  <a:ext uri="{0D108BD9-81ED-4DB2-BD59-A6C34878D82A}">
-                    <a16:rowId xmlns:a16="http://schemas.microsoft.com/office/drawing/2014/main" val="10005"/>
-                  </a:ext>
-                </a:extLst>
-              </a:tr>
-              <a:tr h="447322">
-                <a:tc>
-                  <a:txBody>
-                    <a:bodyPr/>
-                    <a:lstStyle/>
-                    <a:p>
-                      <a:pPr marL="63500" marR="63500" algn="l">
-                        <a:lnSpc>
-                          <a:spcPct val="100000"/>
-                        </a:lnSpc>
-                        <a:spcBef>
-                          <a:spcPts val="500"/>
-                        </a:spcBef>
-                        <a:spcAft>
-                          <a:spcPts val="500"/>
-                        </a:spcAft>
-                        <a:buNone/>
-                      </a:pPr>
-                      <a:r>
-                        <a:rPr sz="1600" b="0" i="0" u="none" cap="none" dirty="0">
-                          <a:solidFill>
-                            <a:srgbClr val="000000">
-                              <a:alpha val="100000"/>
-                            </a:srgbClr>
-                          </a:solidFill>
-                          <a:latin typeface="Arial"/>
-                          <a:cs typeface="Arial"/>
-                          <a:sym typeface="Arial"/>
-                        </a:rPr>
-                        <a:t>Number of hospitals listed with BM collection</a:t>
-                      </a:r>
-                    </a:p>
-                  </a:txBody>
-                  <a:tcPr marL="0" marR="0" marT="63500" marB="63500" anchor="ctr">
-                    <a:lnL w="0" cap="flat" cmpd="sng" algn="ctr">
-                      <a:noFill/>
-                      <a:prstDash val="solid"/>
-                    </a:lnL>
-                    <a:lnR w="0" cap="flat" cmpd="sng" algn="ctr">
-                      <a:noFill/>
-                      <a:prstDash val="solid"/>
-                    </a:lnR>
-                    <a:lnT w="0" cap="flat" cmpd="sng" algn="ctr">
-                      <a:noFill/>
-                      <a:prstDash val="solid"/>
-                    </a:lnT>
-                    <a:lnB w="0" cap="flat" cmpd="sng" algn="ctr">
-                      <a:noFill/>
-                      <a:prstDash val="solid"/>
-                    </a:lnB>
-                    <a:solidFill>
-                      <a:srgbClr val="FFFFFF">
-                        <a:alpha val="0"/>
-                      </a:srgbClr>
-                    </a:solidFill>
-                  </a:tcPr>
-                </a:tc>
-                <a:tc>
-                  <a:txBody>
-                    <a:bodyPr/>
-                    <a:lstStyle/>
-                    <a:p>
-                      <a:pPr marL="63500" marR="63500" algn="ctr">
-                        <a:lnSpc>
-                          <a:spcPct val="100000"/>
-                        </a:lnSpc>
-                        <a:spcBef>
-                          <a:spcPts val="500"/>
-                        </a:spcBef>
-                        <a:spcAft>
-                          <a:spcPts val="500"/>
-                        </a:spcAft>
-                        <a:buNone/>
-                      </a:pPr>
-                      <a:r>
-                        <a:rPr sz="1600" b="0" i="0" u="none" cap="none">
-                          <a:solidFill>
-                            <a:srgbClr val="000000">
-                              <a:alpha val="100000"/>
-                            </a:srgbClr>
-                          </a:solidFill>
-                          <a:latin typeface="Arial"/>
-                          <a:cs typeface="Arial"/>
-                          <a:sym typeface="Arial"/>
-                        </a:rPr>
-                        <a:t>0.24</a:t>
-                      </a:r>
-                    </a:p>
-                  </a:txBody>
-                  <a:tcPr marL="0" marR="0" marT="63500" marB="63500" anchor="ctr">
-                    <a:lnL w="0" cap="flat" cmpd="sng" algn="ctr">
-                      <a:noFill/>
-                      <a:prstDash val="solid"/>
-                    </a:lnL>
-                    <a:lnR w="0" cap="flat" cmpd="sng" algn="ctr">
-                      <a:noFill/>
-                      <a:prstDash val="solid"/>
-                    </a:lnR>
-                    <a:lnT w="0" cap="flat" cmpd="sng" algn="ctr">
-                      <a:noFill/>
-                      <a:prstDash val="solid"/>
-                    </a:lnT>
-                    <a:lnB w="0" cap="flat" cmpd="sng" algn="ctr">
-                      <a:noFill/>
-                      <a:prstDash val="solid"/>
-                    </a:lnB>
-                    <a:solidFill>
-                      <a:srgbClr val="FFFFFF">
-                        <a:alpha val="0"/>
-                      </a:srgbClr>
-                    </a:solidFill>
-                  </a:tcPr>
-                </a:tc>
-                <a:tc>
-                  <a:txBody>
-                    <a:bodyPr/>
-                    <a:lstStyle/>
-                    <a:p>
-                      <a:pPr marL="63500" marR="63500" algn="ctr">
-                        <a:lnSpc>
-                          <a:spcPct val="100000"/>
-                        </a:lnSpc>
-                        <a:spcBef>
-                          <a:spcPts val="500"/>
-                        </a:spcBef>
-                        <a:spcAft>
-                          <a:spcPts val="500"/>
-                        </a:spcAft>
-                        <a:buNone/>
-                      </a:pPr>
-                      <a:r>
-                        <a:rPr sz="1600" b="0" i="0" u="none" cap="none">
-                          <a:solidFill>
-                            <a:srgbClr val="000000">
-                              <a:alpha val="100000"/>
-                            </a:srgbClr>
-                          </a:solidFill>
-                          <a:latin typeface="Arial"/>
-                          <a:cs typeface="Arial"/>
-                          <a:sym typeface="Arial"/>
-                        </a:rPr>
-                        <a:t>0.20</a:t>
-                      </a:r>
-                    </a:p>
-                  </a:txBody>
-                  <a:tcPr marL="0" marR="0" marT="63500" marB="63500" anchor="ctr">
-                    <a:lnL w="0" cap="flat" cmpd="sng" algn="ctr">
-                      <a:noFill/>
-                      <a:prstDash val="solid"/>
-                    </a:lnL>
-                    <a:lnR w="0" cap="flat" cmpd="sng" algn="ctr">
-                      <a:noFill/>
-                      <a:prstDash val="solid"/>
-                    </a:lnR>
-                    <a:lnT w="0" cap="flat" cmpd="sng" algn="ctr">
-                      <a:noFill/>
-                      <a:prstDash val="solid"/>
-                    </a:lnT>
-                    <a:lnB w="0" cap="flat" cmpd="sng" algn="ctr">
-                      <a:noFill/>
-                      <a:prstDash val="solid"/>
-                    </a:lnB>
-                    <a:solidFill>
-                      <a:srgbClr val="FFFFFF">
-                        <a:alpha val="0"/>
-                      </a:srgbClr>
-                    </a:solidFill>
-                  </a:tcPr>
-                </a:tc>
-                <a:tc>
-                  <a:txBody>
-                    <a:bodyPr/>
-                    <a:lstStyle/>
-                    <a:p>
-                      <a:pPr marL="63500" marR="63500" algn="ctr">
-                        <a:lnSpc>
-                          <a:spcPct val="100000"/>
-                        </a:lnSpc>
-                        <a:spcBef>
-                          <a:spcPts val="500"/>
-                        </a:spcBef>
-                        <a:spcAft>
-                          <a:spcPts val="500"/>
-                        </a:spcAft>
-                        <a:buNone/>
-                      </a:pPr>
-                      <a:r>
-                        <a:rPr sz="1600" b="0" i="0" u="none" cap="none">
-                          <a:solidFill>
-                            <a:srgbClr val="000000">
-                              <a:alpha val="100000"/>
-                            </a:srgbClr>
-                          </a:solidFill>
-                          <a:latin typeface="Arial"/>
-                          <a:cs typeface="Arial"/>
-                          <a:sym typeface="Arial"/>
-                        </a:rPr>
-                        <a:t>0.31</a:t>
-                      </a:r>
-                    </a:p>
-                  </a:txBody>
-                  <a:tcPr marL="0" marR="0" marT="63500" marB="63500" anchor="ctr">
-                    <a:lnL w="0" cap="flat" cmpd="sng" algn="ctr">
-                      <a:noFill/>
-                      <a:prstDash val="solid"/>
-                    </a:lnL>
-                    <a:lnR w="0" cap="flat" cmpd="sng" algn="ctr">
-                      <a:noFill/>
-                      <a:prstDash val="solid"/>
-                    </a:lnR>
-                    <a:lnT w="0" cap="flat" cmpd="sng" algn="ctr">
-                      <a:noFill/>
-                      <a:prstDash val="solid"/>
-                    </a:lnT>
-                    <a:lnB w="0" cap="flat" cmpd="sng" algn="ctr">
-                      <a:noFill/>
-                      <a:prstDash val="solid"/>
-                    </a:lnB>
-                    <a:solidFill>
-                      <a:srgbClr val="FFFFFF">
-                        <a:alpha val="0"/>
-                      </a:srgbClr>
-                    </a:solidFill>
-                  </a:tcPr>
-                </a:tc>
-                <a:extLst>
-                  <a:ext uri="{0D108BD9-81ED-4DB2-BD59-A6C34878D82A}">
-                    <a16:rowId xmlns:a16="http://schemas.microsoft.com/office/drawing/2014/main" val="10006"/>
-                  </a:ext>
-                </a:extLst>
-              </a:tr>
-              <a:tr h="447322">
-                <a:tc>
-                  <a:txBody>
-                    <a:bodyPr/>
-                    <a:lstStyle/>
-                    <a:p>
-                      <a:pPr marL="63500" marR="63500" algn="l">
-                        <a:lnSpc>
-                          <a:spcPct val="100000"/>
-                        </a:lnSpc>
-                        <a:spcBef>
-                          <a:spcPts val="500"/>
-                        </a:spcBef>
-                        <a:spcAft>
-                          <a:spcPts val="500"/>
-                        </a:spcAft>
-                        <a:buNone/>
-                      </a:pPr>
-                      <a:r>
-                        <a:rPr sz="1600" b="0" i="0" u="none" cap="none">
-                          <a:solidFill>
-                            <a:srgbClr val="000000">
-                              <a:alpha val="100000"/>
-                            </a:srgbClr>
-                          </a:solidFill>
-                          <a:latin typeface="Arial"/>
-                          <a:cs typeface="Arial"/>
-                          <a:sym typeface="Arial"/>
-                        </a:rPr>
-                        <a:t>N</a:t>
-                      </a:r>
-                    </a:p>
-                  </a:txBody>
-                  <a:tcPr marL="0" marR="0" marT="63500" marB="63500" anchor="ctr">
-                    <a:lnL w="0" cap="flat" cmpd="sng" algn="ctr">
-                      <a:noFill/>
-                      <a:prstDash val="solid"/>
-                    </a:lnL>
-                    <a:lnR w="0" cap="flat" cmpd="sng" algn="ctr">
-                      <a:noFill/>
-                      <a:prstDash val="solid"/>
-                    </a:lnR>
-                    <a:lnT w="0" cap="flat" cmpd="sng" algn="ctr">
-                      <a:noFill/>
-                      <a:prstDash val="solid"/>
-                    </a:lnT>
-                    <a:lnB w="12700" cap="flat" cmpd="sng" algn="ctr">
-                      <a:solidFill>
-                        <a:srgbClr val="000000">
-                          <a:alpha val="100000"/>
-                        </a:srgbClr>
-                      </a:solidFill>
-                      <a:prstDash val="solid"/>
-                    </a:lnB>
-                    <a:solidFill>
-                      <a:srgbClr val="FFFFFF">
-                        <a:alpha val="0"/>
-                      </a:srgbClr>
-                    </a:solidFill>
-                  </a:tcPr>
-                </a:tc>
-                <a:tc>
-                  <a:txBody>
-                    <a:bodyPr/>
-                    <a:lstStyle/>
-                    <a:p>
-                      <a:pPr marL="63500" marR="63500" algn="ctr">
-                        <a:lnSpc>
-                          <a:spcPct val="100000"/>
-                        </a:lnSpc>
-                        <a:spcBef>
-                          <a:spcPts val="500"/>
-                        </a:spcBef>
-                        <a:spcAft>
-                          <a:spcPts val="500"/>
-                        </a:spcAft>
-                        <a:buNone/>
-                      </a:pPr>
-                      <a:r>
-                        <a:rPr sz="1600" b="0" i="0" u="none" cap="none">
-                          <a:solidFill>
-                            <a:srgbClr val="000000">
-                              <a:alpha val="100000"/>
-                            </a:srgbClr>
-                          </a:solidFill>
-                          <a:latin typeface="Arial"/>
-                          <a:cs typeface="Arial"/>
-                          <a:sym typeface="Arial"/>
-                        </a:rPr>
-                        <a:t>4980</a:t>
-                      </a:r>
-                    </a:p>
-                  </a:txBody>
-                  <a:tcPr marL="0" marR="0" marT="63500" marB="63500" anchor="ctr">
-                    <a:lnL w="0" cap="flat" cmpd="sng" algn="ctr">
-                      <a:noFill/>
-                      <a:prstDash val="solid"/>
-                    </a:lnL>
-                    <a:lnR w="0" cap="flat" cmpd="sng" algn="ctr">
-                      <a:noFill/>
-                      <a:prstDash val="solid"/>
-                    </a:lnR>
-                    <a:lnT w="0" cap="flat" cmpd="sng" algn="ctr">
-                      <a:noFill/>
-                      <a:prstDash val="solid"/>
-                    </a:lnT>
-                    <a:lnB w="12700" cap="flat" cmpd="sng" algn="ctr">
-                      <a:solidFill>
-                        <a:srgbClr val="000000">
-                          <a:alpha val="100000"/>
-                        </a:srgbClr>
-                      </a:solidFill>
-                      <a:prstDash val="solid"/>
-                    </a:lnB>
-                    <a:solidFill>
-                      <a:srgbClr val="FFFFFF">
-                        <a:alpha val="0"/>
-                      </a:srgbClr>
-                    </a:solidFill>
-                  </a:tcPr>
-                </a:tc>
-                <a:tc>
-                  <a:txBody>
-                    <a:bodyPr/>
-                    <a:lstStyle/>
-                    <a:p>
-                      <a:pPr marL="63500" marR="63500" algn="ctr">
-                        <a:lnSpc>
-                          <a:spcPct val="100000"/>
-                        </a:lnSpc>
-                        <a:spcBef>
-                          <a:spcPts val="500"/>
-                        </a:spcBef>
-                        <a:spcAft>
-                          <a:spcPts val="500"/>
-                        </a:spcAft>
-                        <a:buNone/>
-                      </a:pPr>
-                      <a:r>
-                        <a:rPr sz="1600" b="0" i="0" u="none" cap="none">
-                          <a:solidFill>
-                            <a:srgbClr val="000000">
-                              <a:alpha val="100000"/>
-                            </a:srgbClr>
-                          </a:solidFill>
-                          <a:latin typeface="Arial"/>
-                          <a:cs typeface="Arial"/>
-                          <a:sym typeface="Arial"/>
-                        </a:rPr>
-                        <a:t>2728</a:t>
-                      </a:r>
-                    </a:p>
-                  </a:txBody>
-                  <a:tcPr marL="0" marR="0" marT="63500" marB="63500" anchor="ctr">
-                    <a:lnL w="0" cap="flat" cmpd="sng" algn="ctr">
-                      <a:noFill/>
-                      <a:prstDash val="solid"/>
-                    </a:lnL>
-                    <a:lnR w="0" cap="flat" cmpd="sng" algn="ctr">
-                      <a:noFill/>
-                      <a:prstDash val="solid"/>
-                    </a:lnR>
-                    <a:lnT w="0" cap="flat" cmpd="sng" algn="ctr">
-                      <a:noFill/>
-                      <a:prstDash val="solid"/>
-                    </a:lnT>
-                    <a:lnB w="12700" cap="flat" cmpd="sng" algn="ctr">
-                      <a:solidFill>
-                        <a:srgbClr val="000000">
-                          <a:alpha val="100000"/>
-                        </a:srgbClr>
-                      </a:solidFill>
-                      <a:prstDash val="solid"/>
-                    </a:lnB>
-                    <a:solidFill>
-                      <a:srgbClr val="FFFFFF">
-                        <a:alpha val="0"/>
-                      </a:srgbClr>
-                    </a:solidFill>
-                  </a:tcPr>
-                </a:tc>
-                <a:tc>
-                  <a:txBody>
-                    <a:bodyPr/>
-                    <a:lstStyle/>
-                    <a:p>
-                      <a:pPr marL="63500" marR="63500" algn="ctr">
-                        <a:lnSpc>
-                          <a:spcPct val="100000"/>
-                        </a:lnSpc>
-                        <a:spcBef>
-                          <a:spcPts val="500"/>
-                        </a:spcBef>
-                        <a:spcAft>
-                          <a:spcPts val="500"/>
-                        </a:spcAft>
-                        <a:buNone/>
-                      </a:pPr>
-                      <a:r>
-                        <a:rPr sz="1600" b="0" i="0" u="none" cap="none" dirty="0">
-                          <a:solidFill>
-                            <a:srgbClr val="000000">
-                              <a:alpha val="100000"/>
-                            </a:srgbClr>
-                          </a:solidFill>
-                          <a:latin typeface="Arial"/>
-                          <a:cs typeface="Arial"/>
-                          <a:sym typeface="Arial"/>
-                        </a:rPr>
-                        <a:t>3341</a:t>
-                      </a:r>
-                    </a:p>
-                  </a:txBody>
-                  <a:tcPr marL="0" marR="0" marT="63500" marB="63500" anchor="ctr">
-                    <a:lnL w="0" cap="flat" cmpd="sng" algn="ctr">
-                      <a:noFill/>
-                      <a:prstDash val="solid"/>
-                    </a:lnL>
-                    <a:lnR w="0" cap="flat" cmpd="sng" algn="ctr">
-                      <a:noFill/>
-                      <a:prstDash val="solid"/>
-                    </a:lnR>
-                    <a:lnT w="0" cap="flat" cmpd="sng" algn="ctr">
-                      <a:noFill/>
-                      <a:prstDash val="solid"/>
-                    </a:lnT>
-                    <a:lnB w="12700" cap="flat" cmpd="sng" algn="ctr">
-                      <a:solidFill>
-                        <a:srgbClr val="000000">
-                          <a:alpha val="100000"/>
-                        </a:srgbClr>
-                      </a:solidFill>
-                      <a:prstDash val="solid"/>
-                    </a:lnB>
-                    <a:solidFill>
-                      <a:srgbClr val="FFFFFF">
-                        <a:alpha val="0"/>
-                      </a:srgbClr>
-                    </a:solidFill>
-                  </a:tcPr>
-                </a:tc>
-                <a:extLst>
-                  <a:ext uri="{0D108BD9-81ED-4DB2-BD59-A6C34878D82A}">
-                    <a16:rowId xmlns:a16="http://schemas.microsoft.com/office/drawing/2014/main" val="10007"/>
-                  </a:ext>
-                </a:extLst>
-              </a:tr>
-            </a:tbl>
-          </a:graphicData>
-        </a:graphic>
-      </p:graphicFrame>
-      <p:sp>
-        <p:nvSpPr>
-          <p:cNvPr id="3" name="スライド番号プレースホルダー 2">
-            <a:extLst>
-              <a:ext uri="{FF2B5EF4-FFF2-40B4-BE49-F238E27FC236}">
-                <a16:creationId xmlns:a16="http://schemas.microsoft.com/office/drawing/2014/main" id="{CC23A198-009D-6C7C-A961-A75FC79925DA}"/>
-              </a:ext>
-            </a:extLst>
-          </p:cNvPr>
-          <p:cNvSpPr>
-            <a:spLocks noGrp="1"/>
-          </p:cNvSpPr>
-          <p:nvPr>
-            <p:ph type="sldNum" sz="quarter" idx="12"/>
-          </p:nvPr>
-        </p:nvSpPr>
-        <p:spPr/>
-        <p:txBody>
-          <a:bodyPr/>
-          <a:lstStyle/>
-          <a:p>
-            <a:fld id="{C5EF2332-01BF-834F-8236-50238282D533}" type="slidenum">
-              <a:rPr lang="en-US" smtClean="0"/>
-              <a:t>7</a:t>
-            </a:fld>
-            <a:endParaRPr lang="en-US"/>
-          </a:p>
-        </p:txBody>
-      </p:sp>
+      <p:pic>
+        <p:nvPicPr>
+          <p:cNvPr descr="targeting_files/figure-pptx/chacteristics-targeting-dist-1.png" id="0" name="Picture 1"/>
+          <p:cNvPicPr>
+            <a:picLocks noGrp="1" noChangeAspect="1"/>
+          </p:cNvPicPr>
+          <p:nvPr/>
+        </p:nvPicPr>
+        <p:blipFill>
+          <a:blip r:embed="rId2"/>
+          <a:stretch>
+            <a:fillRect/>
+          </a:stretch>
+        </p:blipFill>
+        <p:spPr bwMode="auto">
+          <a:xfrm>
+            <a:off x="1397000" y="1193800"/>
+            <a:ext cx="6362700" cy="3390900"/>
+          </a:xfrm>
+          <a:prstGeom prst="rect">
+            <a:avLst/>
+          </a:prstGeom>
+          <a:noFill/>
+          <a:ln w="9525">
+            <a:noFill/>
+            <a:headEnd/>
+            <a:tailEnd/>
+          </a:ln>
+        </p:spPr>
+      </p:pic>
     </p:spTree>
   </p:cSld>
-  <p:clrMapOvr>
-    <a:masterClrMapping/>
-  </p:clrMapOvr>
 </p:sld>
 </file>
 
@@ -8002,7 +6788,7 @@
 </file>
 
 <file path=ppt/theme/theme2.xml><?xml version="1.0" encoding="utf-8"?>
-<a:theme xmlns:a="http://schemas.openxmlformats.org/drawingml/2006/main" name="Office テーマ">
+<a:theme xmlns:a="http://schemas.openxmlformats.org/drawingml/2006/main" name="Office Theme">
   <a:themeElements>
     <a:clrScheme name="Office">
       <a:dk1>
@@ -8018,7 +6804,7 @@
         <a:srgbClr val="E7E6E6"/>
       </a:lt2>
       <a:accent1>
-        <a:srgbClr val="4472C4"/>
+        <a:srgbClr val="5B9BD5"/>
       </a:accent1>
       <a:accent2>
         <a:srgbClr val="ED7D31"/>
@@ -8030,7 +6816,7 @@
         <a:srgbClr val="FFC000"/>
       </a:accent4>
       <a:accent5>
-        <a:srgbClr val="5B9BD5"/>
+        <a:srgbClr val="4472C4"/>
       </a:accent5>
       <a:accent6>
         <a:srgbClr val="70AD47"/>
@@ -8044,12 +6830,12 @@
     </a:clrScheme>
     <a:fontScheme name="Office">
       <a:majorFont>
-        <a:latin typeface="游ゴシック Light" panose="020F0302020204030204"/>
+        <a:latin typeface="Calibri Light" panose="020F0302020204030204"/>
         <a:ea typeface=""/>
         <a:cs typeface=""/>
-        <a:font script="Jpan" typeface="游ゴシック Light"/>
+        <a:font script="Jpan" typeface="ＭＳ Ｐゴシック"/>
         <a:font script="Hang" typeface="맑은 고딕"/>
-        <a:font script="Hans" typeface="等线 Light"/>
+        <a:font script="Hans" typeface="宋体"/>
         <a:font script="Hant" typeface="新細明體"/>
         <a:font script="Arab" typeface="Times New Roman"/>
         <a:font script="Hebr" typeface="Times New Roman"/>
@@ -8077,31 +6863,14 @@
         <a:font script="Viet" typeface="Times New Roman"/>
         <a:font script="Uigh" typeface="Microsoft Uighur"/>
         <a:font script="Geor" typeface="Sylfaen"/>
-        <a:font script="Armn" typeface="Arial"/>
-        <a:font script="Bugi" typeface="Leelawadee UI"/>
-        <a:font script="Bopo" typeface="Microsoft JhengHei"/>
-        <a:font script="Java" typeface="Javanese Text"/>
-        <a:font script="Lisu" typeface="Segoe UI"/>
-        <a:font script="Mymr" typeface="Myanmar Text"/>
-        <a:font script="Nkoo" typeface="Ebrima"/>
-        <a:font script="Olck" typeface="Nirmala UI"/>
-        <a:font script="Osma" typeface="Ebrima"/>
-        <a:font script="Phag" typeface="Phagspa"/>
-        <a:font script="Syrn" typeface="Estrangelo Edessa"/>
-        <a:font script="Syrj" typeface="Estrangelo Edessa"/>
-        <a:font script="Syre" typeface="Estrangelo Edessa"/>
-        <a:font script="Sora" typeface="Nirmala UI"/>
-        <a:font script="Tale" typeface="Microsoft Tai Le"/>
-        <a:font script="Talu" typeface="Microsoft New Tai Lue"/>
-        <a:font script="Tfng" typeface="Ebrima"/>
       </a:majorFont>
       <a:minorFont>
-        <a:latin typeface="游ゴシック" panose="020F0502020204030204"/>
+        <a:latin typeface="Calibri" panose="020F0502020204030204"/>
         <a:ea typeface=""/>
         <a:cs typeface=""/>
-        <a:font script="Jpan" typeface="游ゴシック"/>
+        <a:font script="Jpan" typeface="ＭＳ Ｐゴシック"/>
         <a:font script="Hang" typeface="맑은 고딕"/>
-        <a:font script="Hans" typeface="等线"/>
+        <a:font script="Hans" typeface="宋体"/>
         <a:font script="Hant" typeface="新細明體"/>
         <a:font script="Arab" typeface="Arial"/>
         <a:font script="Hebr" typeface="Arial"/>
@@ -8129,23 +6898,6 @@
         <a:font script="Viet" typeface="Arial"/>
         <a:font script="Uigh" typeface="Microsoft Uighur"/>
         <a:font script="Geor" typeface="Sylfaen"/>
-        <a:font script="Armn" typeface="Arial"/>
-        <a:font script="Bugi" typeface="Leelawadee UI"/>
-        <a:font script="Bopo" typeface="Microsoft JhengHei"/>
-        <a:font script="Java" typeface="Javanese Text"/>
-        <a:font script="Lisu" typeface="Segoe UI"/>
-        <a:font script="Mymr" typeface="Myanmar Text"/>
-        <a:font script="Nkoo" typeface="Ebrima"/>
-        <a:font script="Olck" typeface="Nirmala UI"/>
-        <a:font script="Osma" typeface="Ebrima"/>
-        <a:font script="Phag" typeface="Phagspa"/>
-        <a:font script="Syrn" typeface="Estrangelo Edessa"/>
-        <a:font script="Syrj" typeface="Estrangelo Edessa"/>
-        <a:font script="Syre" typeface="Estrangelo Edessa"/>
-        <a:font script="Sora" typeface="Nirmala UI"/>
-        <a:font script="Tale" typeface="Microsoft Tai Le"/>
-        <a:font script="Talu" typeface="Microsoft New Tai Lue"/>
-        <a:font script="Tfng" typeface="Ebrima"/>
       </a:minorFont>
     </a:fontScheme>
     <a:fmtScheme name="Office">

--- a/targeting.pptx
+++ b/targeting.pptx
@@ -1,6 +1,6 @@
 
 <file path=ppt/presentation.xml><?xml version="1.0" encoding="utf-8"?>
-<p:presentation xmlns:a="http://schemas.openxmlformats.org/drawingml/2006/main" xmlns:p="http://schemas.openxmlformats.org/presentationml/2006/main" xmlns:r="http://schemas.openxmlformats.org/officeDocument/2006/relationships" autoCompressPictures="0" saveSubsetFonts="1">
+<p:presentation xmlns:a="http://schemas.openxmlformats.org/drawingml/2006/main" xmlns:r="http://schemas.openxmlformats.org/officeDocument/2006/relationships" xmlns:p="http://schemas.openxmlformats.org/presentationml/2006/main" saveSubsetFonts="1" autoCompressPictures="0">
   <p:sldMasterIdLst>
     <p:sldMasterId id="2147483648" r:id="rId1"/>
   </p:sldMasterIdLst>
@@ -17,8 +17,8 @@
     <a:defPPr>
       <a:defRPr lang="en-US"/>
     </a:defPPr>
-    <a:lvl1pPr algn="l" defTabSz="457200" eaLnBrk="1" hangingPunct="1" latinLnBrk="0" marL="0" rtl="0">
-      <a:defRPr kern="1200" sz="1800">
+    <a:lvl1pPr marL="0" algn="l" defTabSz="457200" rtl="0" eaLnBrk="1" latinLnBrk="0" hangingPunct="1">
+      <a:defRPr sz="1800" kern="1200">
         <a:solidFill>
           <a:schemeClr val="tx1"/>
         </a:solidFill>
@@ -27,8 +27,8 @@
         <a:cs typeface="+mn-cs"/>
       </a:defRPr>
     </a:lvl1pPr>
-    <a:lvl2pPr algn="l" defTabSz="457200" eaLnBrk="1" hangingPunct="1" latinLnBrk="0" marL="457200" rtl="0">
-      <a:defRPr kern="1200" sz="1800">
+    <a:lvl2pPr marL="457200" algn="l" defTabSz="457200" rtl="0" eaLnBrk="1" latinLnBrk="0" hangingPunct="1">
+      <a:defRPr sz="1800" kern="1200">
         <a:solidFill>
           <a:schemeClr val="tx1"/>
         </a:solidFill>
@@ -37,8 +37,8 @@
         <a:cs typeface="+mn-cs"/>
       </a:defRPr>
     </a:lvl2pPr>
-    <a:lvl3pPr algn="l" defTabSz="457200" eaLnBrk="1" hangingPunct="1" latinLnBrk="0" marL="914400" rtl="0">
-      <a:defRPr kern="1200" sz="1800">
+    <a:lvl3pPr marL="914400" algn="l" defTabSz="457200" rtl="0" eaLnBrk="1" latinLnBrk="0" hangingPunct="1">
+      <a:defRPr sz="1800" kern="1200">
         <a:solidFill>
           <a:schemeClr val="tx1"/>
         </a:solidFill>
@@ -47,8 +47,8 @@
         <a:cs typeface="+mn-cs"/>
       </a:defRPr>
     </a:lvl3pPr>
-    <a:lvl4pPr algn="l" defTabSz="457200" eaLnBrk="1" hangingPunct="1" latinLnBrk="0" marL="1371600" rtl="0">
-      <a:defRPr kern="1200" sz="1800">
+    <a:lvl4pPr marL="1371600" algn="l" defTabSz="457200" rtl="0" eaLnBrk="1" latinLnBrk="0" hangingPunct="1">
+      <a:defRPr sz="1800" kern="1200">
         <a:solidFill>
           <a:schemeClr val="tx1"/>
         </a:solidFill>
@@ -57,8 +57,8 @@
         <a:cs typeface="+mn-cs"/>
       </a:defRPr>
     </a:lvl4pPr>
-    <a:lvl5pPr algn="l" defTabSz="457200" eaLnBrk="1" hangingPunct="1" latinLnBrk="0" marL="1828800" rtl="0">
-      <a:defRPr kern="1200" sz="1800">
+    <a:lvl5pPr marL="1828800" algn="l" defTabSz="457200" rtl="0" eaLnBrk="1" latinLnBrk="0" hangingPunct="1">
+      <a:defRPr sz="1800" kern="1200">
         <a:solidFill>
           <a:schemeClr val="tx1"/>
         </a:solidFill>
@@ -67,8 +67,8 @@
         <a:cs typeface="+mn-cs"/>
       </a:defRPr>
     </a:lvl5pPr>
-    <a:lvl6pPr algn="l" defTabSz="457200" eaLnBrk="1" hangingPunct="1" latinLnBrk="0" marL="2286000" rtl="0">
-      <a:defRPr kern="1200" sz="1800">
+    <a:lvl6pPr marL="2286000" algn="l" defTabSz="457200" rtl="0" eaLnBrk="1" latinLnBrk="0" hangingPunct="1">
+      <a:defRPr sz="1800" kern="1200">
         <a:solidFill>
           <a:schemeClr val="tx1"/>
         </a:solidFill>
@@ -77,8 +77,8 @@
         <a:cs typeface="+mn-cs"/>
       </a:defRPr>
     </a:lvl6pPr>
-    <a:lvl7pPr algn="l" defTabSz="457200" eaLnBrk="1" hangingPunct="1" latinLnBrk="0" marL="2743200" rtl="0">
-      <a:defRPr kern="1200" sz="1800">
+    <a:lvl7pPr marL="2743200" algn="l" defTabSz="457200" rtl="0" eaLnBrk="1" latinLnBrk="0" hangingPunct="1">
+      <a:defRPr sz="1800" kern="1200">
         <a:solidFill>
           <a:schemeClr val="tx1"/>
         </a:solidFill>
@@ -87,8 +87,8 @@
         <a:cs typeface="+mn-cs"/>
       </a:defRPr>
     </a:lvl7pPr>
-    <a:lvl8pPr algn="l" defTabSz="457200" eaLnBrk="1" hangingPunct="1" latinLnBrk="0" marL="3200400" rtl="0">
-      <a:defRPr kern="1200" sz="1800">
+    <a:lvl8pPr marL="3200400" algn="l" defTabSz="457200" rtl="0" eaLnBrk="1" latinLnBrk="0" hangingPunct="1">
+      <a:defRPr sz="1800" kern="1200">
         <a:solidFill>
           <a:schemeClr val="tx1"/>
         </a:solidFill>
@@ -97,8 +97,8 @@
         <a:cs typeface="+mn-cs"/>
       </a:defRPr>
     </a:lvl8pPr>
-    <a:lvl9pPr algn="l" defTabSz="457200" eaLnBrk="1" hangingPunct="1" latinLnBrk="0" marL="3657600" rtl="0">
-      <a:defRPr kern="1200" sz="1800">
+    <a:lvl9pPr marL="3657600" algn="l" defTabSz="457200" rtl="0" eaLnBrk="1" latinLnBrk="0" hangingPunct="1">
+      <a:defRPr sz="1800" kern="1200">
         <a:solidFill>
           <a:schemeClr val="tx1"/>
         </a:solidFill>
@@ -306,7 +306,7 @@
           <a:p>
             <a:fld id="{241EB5C9-1307-BA42-ABA2-0BC069CD8E7F}" type="datetimeFigureOut">
               <a:rPr lang="en-US" smtClean="0"/>
-              <a:t>1/2/22</a:t>
+              <a:t>12/28/2023</a:t>
             </a:fld>
             <a:endParaRPr lang="en-US"/>
           </a:p>
@@ -474,7 +474,7 @@
           <a:p>
             <a:fld id="{241EB5C9-1307-BA42-ABA2-0BC069CD8E7F}" type="datetimeFigureOut">
               <a:rPr lang="en-US" smtClean="0"/>
-              <a:t>1/2/22</a:t>
+              <a:t>12/28/2023</a:t>
             </a:fld>
             <a:endParaRPr lang="en-US"/>
           </a:p>
@@ -652,7 +652,7 @@
           <a:p>
             <a:fld id="{241EB5C9-1307-BA42-ABA2-0BC069CD8E7F}" type="datetimeFigureOut">
               <a:rPr lang="en-US" smtClean="0"/>
-              <a:t>1/2/22</a:t>
+              <a:t>12/28/2023</a:t>
             </a:fld>
             <a:endParaRPr lang="en-US"/>
           </a:p>
@@ -820,7 +820,7 @@
           <a:p>
             <a:fld id="{241EB5C9-1307-BA42-ABA2-0BC069CD8E7F}" type="datetimeFigureOut">
               <a:rPr lang="en-US" smtClean="0"/>
-              <a:t>1/2/22</a:t>
+              <a:t>12/28/2023</a:t>
             </a:fld>
             <a:endParaRPr lang="en-US"/>
           </a:p>
@@ -1065,7 +1065,7 @@
           <a:p>
             <a:fld id="{241EB5C9-1307-BA42-ABA2-0BC069CD8E7F}" type="datetimeFigureOut">
               <a:rPr lang="en-US" smtClean="0"/>
-              <a:t>1/2/22</a:t>
+              <a:t>12/28/2023</a:t>
             </a:fld>
             <a:endParaRPr lang="en-US"/>
           </a:p>
@@ -1350,7 +1350,7 @@
           <a:p>
             <a:fld id="{241EB5C9-1307-BA42-ABA2-0BC069CD8E7F}" type="datetimeFigureOut">
               <a:rPr lang="en-US" smtClean="0"/>
-              <a:t>1/2/22</a:t>
+              <a:t>12/28/2023</a:t>
             </a:fld>
             <a:endParaRPr lang="en-US"/>
           </a:p>
@@ -1769,7 +1769,7 @@
           <a:p>
             <a:fld id="{241EB5C9-1307-BA42-ABA2-0BC069CD8E7F}" type="datetimeFigureOut">
               <a:rPr lang="en-US" smtClean="0"/>
-              <a:t>1/2/22</a:t>
+              <a:t>12/28/2023</a:t>
             </a:fld>
             <a:endParaRPr lang="en-US"/>
           </a:p>
@@ -1886,7 +1886,7 @@
           <a:p>
             <a:fld id="{241EB5C9-1307-BA42-ABA2-0BC069CD8E7F}" type="datetimeFigureOut">
               <a:rPr lang="en-US" smtClean="0"/>
-              <a:t>1/2/22</a:t>
+              <a:t>12/28/2023</a:t>
             </a:fld>
             <a:endParaRPr lang="en-US"/>
           </a:p>
@@ -1981,7 +1981,7 @@
           <a:p>
             <a:fld id="{241EB5C9-1307-BA42-ABA2-0BC069CD8E7F}" type="datetimeFigureOut">
               <a:rPr lang="en-US" smtClean="0"/>
-              <a:t>1/2/22</a:t>
+              <a:t>12/28/2023</a:t>
             </a:fld>
             <a:endParaRPr lang="en-US"/>
           </a:p>
@@ -2256,7 +2256,7 @@
           <a:p>
             <a:fld id="{241EB5C9-1307-BA42-ABA2-0BC069CD8E7F}" type="datetimeFigureOut">
               <a:rPr lang="en-US" smtClean="0"/>
-              <a:t>1/2/22</a:t>
+              <a:t>12/28/2023</a:t>
             </a:fld>
             <a:endParaRPr lang="en-US"/>
           </a:p>
@@ -2508,7 +2508,7 @@
           <a:p>
             <a:fld id="{241EB5C9-1307-BA42-ABA2-0BC069CD8E7F}" type="datetimeFigureOut">
               <a:rPr lang="en-US" smtClean="0"/>
-              <a:t>1/2/22</a:t>
+              <a:t>12/28/2023</a:t>
             </a:fld>
             <a:endParaRPr lang="en-US"/>
           </a:p>
@@ -2570,7 +2570,7 @@
 </file>
 
 <file path=ppt/slideMasters/slideMaster1.xml><?xml version="1.0" encoding="utf-8"?>
-<p:sldMaster xmlns:a="http://schemas.openxmlformats.org/drawingml/2006/main" xmlns:p="http://schemas.openxmlformats.org/presentationml/2006/main" xmlns:r="http://schemas.openxmlformats.org/officeDocument/2006/relationships">
+<p:sldMaster xmlns:a="http://schemas.openxmlformats.org/drawingml/2006/main" xmlns:r="http://schemas.openxmlformats.org/officeDocument/2006/relationships" xmlns:p="http://schemas.openxmlformats.org/presentationml/2006/main">
   <p:cSld>
     <p:bg>
       <p:bgRef idx="1001">
@@ -2611,7 +2611,7 @@
           </a:prstGeom>
         </p:spPr>
         <p:txBody>
-          <a:bodyPr anchor="ctr" bIns="45720" lIns="91440" rIns="91440" rtlCol="0" tIns="45720" vert="horz">
+          <a:bodyPr vert="horz" lIns="91440" tIns="45720" rIns="91440" bIns="45720" rtlCol="0" anchor="ctr">
             <a:normAutofit/>
           </a:bodyPr>
           <a:lstStyle/>
@@ -2630,7 +2630,7 @@
             <a:spLocks noGrp="1"/>
           </p:cNvSpPr>
           <p:nvPr>
-            <p:ph idx="1" type="body"/>
+            <p:ph type="body" idx="1"/>
           </p:nvPr>
         </p:nvSpPr>
         <p:spPr>
@@ -2643,7 +2643,7 @@
           </a:prstGeom>
         </p:spPr>
         <p:txBody>
-          <a:bodyPr bIns="45720" lIns="91440" rIns="91440" rtlCol="0" tIns="45720" vert="horz">
+          <a:bodyPr vert="horz" lIns="91440" tIns="45720" rIns="91440" bIns="45720" rtlCol="0">
             <a:normAutofit/>
           </a:bodyPr>
           <a:lstStyle/>
@@ -2691,7 +2691,7 @@
             <a:spLocks noGrp="1"/>
           </p:cNvSpPr>
           <p:nvPr>
-            <p:ph idx="2" sz="half" type="dt"/>
+            <p:ph type="dt" sz="half" idx="2"/>
           </p:nvPr>
         </p:nvSpPr>
         <p:spPr>
@@ -2704,7 +2704,7 @@
           </a:prstGeom>
         </p:spPr>
         <p:txBody>
-          <a:bodyPr anchor="ctr" bIns="45720" lIns="91440" rIns="91440" rtlCol="0" tIns="45720" vert="horz"/>
+          <a:bodyPr vert="horz" lIns="91440" tIns="45720" rIns="91440" bIns="45720" rtlCol="0" anchor="ctr"/>
           <a:lstStyle>
             <a:lvl1pPr algn="l">
               <a:defRPr sz="900">
@@ -2719,7 +2719,7 @@
           <a:p>
             <a:fld id="{241EB5C9-1307-BA42-ABA2-0BC069CD8E7F}" type="datetimeFigureOut">
               <a:rPr lang="en-US" smtClean="0"/>
-              <a:t>1/2/22</a:t>
+              <a:t>12/28/2023</a:t>
             </a:fld>
             <a:endParaRPr lang="en-US"/>
           </a:p>
@@ -2732,7 +2732,7 @@
             <a:spLocks noGrp="1"/>
           </p:cNvSpPr>
           <p:nvPr>
-            <p:ph idx="3" sz="quarter" type="ftr"/>
+            <p:ph type="ftr" sz="quarter" idx="3"/>
           </p:nvPr>
         </p:nvSpPr>
         <p:spPr>
@@ -2745,7 +2745,7 @@
           </a:prstGeom>
         </p:spPr>
         <p:txBody>
-          <a:bodyPr anchor="ctr" bIns="45720" lIns="91440" rIns="91440" rtlCol="0" tIns="45720" vert="horz"/>
+          <a:bodyPr vert="horz" lIns="91440" tIns="45720" rIns="91440" bIns="45720" rtlCol="0" anchor="ctr"/>
           <a:lstStyle>
             <a:lvl1pPr algn="ctr">
               <a:defRPr sz="900">
@@ -2769,7 +2769,7 @@
             <a:spLocks noGrp="1"/>
           </p:cNvSpPr>
           <p:nvPr>
-            <p:ph idx="4" sz="quarter" type="sldNum"/>
+            <p:ph type="sldNum" sz="quarter" idx="4"/>
           </p:nvPr>
         </p:nvSpPr>
         <p:spPr>
@@ -2782,7 +2782,7 @@
           </a:prstGeom>
         </p:spPr>
         <p:txBody>
-          <a:bodyPr anchor="ctr" bIns="45720" lIns="91440" rIns="91440" rtlCol="0" tIns="45720" vert="horz"/>
+          <a:bodyPr vert="horz" lIns="91440" tIns="45720" rIns="91440" bIns="45720" rtlCol="0" anchor="ctr"/>
           <a:lstStyle>
             <a:lvl1pPr algn="r">
               <a:defRPr sz="900">
@@ -2810,7 +2810,7 @@
       </p:ext>
     </p:extLst>
   </p:cSld>
-  <p:clrMap accent1="accent1" accent2="accent2" accent3="accent3" accent4="accent4" accent5="accent5" accent6="accent6" bg1="lt1" bg2="lt2" folHlink="folHlink" hlink="hlink" tx1="dk1" tx2="dk2"/>
+  <p:clrMap bg1="lt1" tx1="dk1" bg2="lt2" tx2="dk2" accent1="accent1" accent2="accent2" accent3="accent3" accent4="accent4" accent5="accent5" accent6="accent6" hlink="hlink" folHlink="folHlink"/>
   <p:sldLayoutIdLst>
     <p:sldLayoutId id="2147483649" r:id="rId1"/>
     <p:sldLayoutId id="2147483650" r:id="rId2"/>
@@ -2826,12 +2826,12 @@
   </p:sldLayoutIdLst>
   <p:txStyles>
     <p:titleStyle>
-      <a:lvl1pPr algn="ctr" defTabSz="342900" eaLnBrk="1" hangingPunct="1" latinLnBrk="0" rtl="0">
+      <a:lvl1pPr algn="ctr" defTabSz="342900" rtl="0" eaLnBrk="1" latinLnBrk="0" hangingPunct="1">
         <a:spcBef>
           <a:spcPct val="0"/>
         </a:spcBef>
         <a:buNone/>
-        <a:defRPr kern="1200" sz="3300">
+        <a:defRPr sz="3300" kern="1200">
           <a:solidFill>
             <a:schemeClr val="tx1"/>
           </a:solidFill>
@@ -2842,13 +2842,13 @@
       </a:lvl1pPr>
     </p:titleStyle>
     <p:bodyStyle>
-      <a:lvl1pPr algn="l" defTabSz="342900" eaLnBrk="1" hangingPunct="1" indent="-342900" latinLnBrk="0" marL="342900" rtl="0">
+      <a:lvl1pPr marL="342900" indent="-342900" algn="l" defTabSz="342900" rtl="0" eaLnBrk="1" latinLnBrk="0" hangingPunct="1">
         <a:spcBef>
           <a:spcPct val="20000"/>
         </a:spcBef>
         <a:buFont typeface="Arial"/>
         <a:buChar char="•"/>
-        <a:defRPr kern="1200" sz="2400">
+        <a:defRPr sz="2400" kern="1200">
           <a:solidFill>
             <a:schemeClr val="tx1"/>
           </a:solidFill>
@@ -2857,13 +2857,13 @@
           <a:cs typeface="+mn-cs"/>
         </a:defRPr>
       </a:lvl1pPr>
-      <a:lvl2pPr algn="l" defTabSz="342900" eaLnBrk="1" hangingPunct="1" indent="-342900" latinLnBrk="0" marL="685800" rtl="0">
+      <a:lvl2pPr marL="685800" indent="-342900" algn="l" defTabSz="342900" rtl="0" eaLnBrk="1" latinLnBrk="0" hangingPunct="1">
         <a:spcBef>
           <a:spcPct val="20000"/>
         </a:spcBef>
         <a:buFont typeface="Arial"/>
         <a:buChar char="–"/>
-        <a:defRPr kern="1200" sz="2100">
+        <a:defRPr sz="2100" kern="1200">
           <a:solidFill>
             <a:schemeClr val="tx1"/>
           </a:solidFill>
@@ -2872,13 +2872,13 @@
           <a:cs typeface="+mn-cs"/>
         </a:defRPr>
       </a:lvl2pPr>
-      <a:lvl3pPr algn="l" defTabSz="342900" eaLnBrk="1" hangingPunct="1" indent="-342900" latinLnBrk="0" marL="1028700" rtl="0">
+      <a:lvl3pPr marL="1028700" indent="-342900" algn="l" defTabSz="342900" rtl="0" eaLnBrk="1" latinLnBrk="0" hangingPunct="1">
         <a:spcBef>
           <a:spcPct val="20000"/>
         </a:spcBef>
         <a:buFont typeface="Arial"/>
         <a:buChar char="•"/>
-        <a:defRPr kern="1200" sz="1800">
+        <a:defRPr sz="1800" kern="1200">
           <a:solidFill>
             <a:schemeClr val="tx1"/>
           </a:solidFill>
@@ -2887,13 +2887,13 @@
           <a:cs typeface="+mn-cs"/>
         </a:defRPr>
       </a:lvl3pPr>
-      <a:lvl4pPr algn="l" defTabSz="342900" eaLnBrk="1" hangingPunct="1" indent="-342900" latinLnBrk="0" marL="1371600" rtl="0">
+      <a:lvl4pPr marL="1371600" indent="-342900" algn="l" defTabSz="342900" rtl="0" eaLnBrk="1" latinLnBrk="0" hangingPunct="1">
         <a:spcBef>
           <a:spcPct val="20000"/>
         </a:spcBef>
         <a:buFont typeface="Arial"/>
         <a:buChar char="–"/>
-        <a:defRPr kern="1200" sz="1500">
+        <a:defRPr sz="1500" kern="1200">
           <a:solidFill>
             <a:schemeClr val="tx1"/>
           </a:solidFill>
@@ -2902,13 +2902,13 @@
           <a:cs typeface="+mn-cs"/>
         </a:defRPr>
       </a:lvl4pPr>
-      <a:lvl5pPr algn="l" defTabSz="342900" eaLnBrk="1" hangingPunct="1" indent="-342900" latinLnBrk="0" marL="1714500" rtl="0">
+      <a:lvl5pPr marL="1714500" indent="-342900" algn="l" defTabSz="342900" rtl="0" eaLnBrk="1" latinLnBrk="0" hangingPunct="1">
         <a:spcBef>
           <a:spcPct val="20000"/>
         </a:spcBef>
         <a:buFont typeface="Arial"/>
         <a:buChar char="»"/>
-        <a:defRPr kern="1200" sz="1500">
+        <a:defRPr sz="1500" kern="1200">
           <a:solidFill>
             <a:schemeClr val="tx1"/>
           </a:solidFill>
@@ -2917,13 +2917,13 @@
           <a:cs typeface="+mn-cs"/>
         </a:defRPr>
       </a:lvl5pPr>
-      <a:lvl6pPr algn="l" defTabSz="342900" eaLnBrk="1" hangingPunct="1" indent="-342900" latinLnBrk="0" marL="2057400" rtl="0">
+      <a:lvl6pPr marL="2057400" indent="-342900" algn="l" defTabSz="342900" rtl="0" eaLnBrk="1" latinLnBrk="0" hangingPunct="1">
         <a:spcBef>
           <a:spcPct val="20000"/>
         </a:spcBef>
         <a:buFont typeface="Arial"/>
         <a:buChar char="•"/>
-        <a:defRPr kern="1200" sz="1500">
+        <a:defRPr sz="1500" kern="1200">
           <a:solidFill>
             <a:schemeClr val="tx1"/>
           </a:solidFill>
@@ -2932,13 +2932,13 @@
           <a:cs typeface="+mn-cs"/>
         </a:defRPr>
       </a:lvl6pPr>
-      <a:lvl7pPr algn="l" defTabSz="342900" eaLnBrk="1" hangingPunct="1" indent="-342900" latinLnBrk="0" marL="2400300" rtl="0">
+      <a:lvl7pPr marL="2400300" indent="-342900" algn="l" defTabSz="342900" rtl="0" eaLnBrk="1" latinLnBrk="0" hangingPunct="1">
         <a:spcBef>
           <a:spcPct val="20000"/>
         </a:spcBef>
         <a:buFont typeface="Arial"/>
         <a:buChar char="•"/>
-        <a:defRPr kern="1200" sz="1500">
+        <a:defRPr sz="1500" kern="1200">
           <a:solidFill>
             <a:schemeClr val="tx1"/>
           </a:solidFill>
@@ -2947,13 +2947,13 @@
           <a:cs typeface="+mn-cs"/>
         </a:defRPr>
       </a:lvl7pPr>
-      <a:lvl8pPr algn="l" defTabSz="342900" eaLnBrk="1" hangingPunct="1" indent="-342900" latinLnBrk="0" marL="2743200" rtl="0">
+      <a:lvl8pPr marL="2743200" indent="-342900" algn="l" defTabSz="342900" rtl="0" eaLnBrk="1" latinLnBrk="0" hangingPunct="1">
         <a:spcBef>
           <a:spcPct val="20000"/>
         </a:spcBef>
         <a:buFont typeface="Arial"/>
         <a:buChar char="•"/>
-        <a:defRPr kern="1200" sz="1500">
+        <a:defRPr sz="1500" kern="1200">
           <a:solidFill>
             <a:schemeClr val="tx1"/>
           </a:solidFill>
@@ -2962,13 +2962,13 @@
           <a:cs typeface="+mn-cs"/>
         </a:defRPr>
       </a:lvl8pPr>
-      <a:lvl9pPr algn="l" defTabSz="342900" eaLnBrk="1" hangingPunct="1" indent="-342900" latinLnBrk="0" marL="3086100" rtl="0">
+      <a:lvl9pPr marL="3086100" indent="-342900" algn="l" defTabSz="342900" rtl="0" eaLnBrk="1" latinLnBrk="0" hangingPunct="1">
         <a:spcBef>
           <a:spcPct val="20000"/>
         </a:spcBef>
         <a:buFont typeface="Arial"/>
         <a:buChar char="•"/>
-        <a:defRPr kern="1200" sz="1500">
+        <a:defRPr sz="1500" kern="1200">
           <a:solidFill>
             <a:schemeClr val="tx1"/>
           </a:solidFill>
@@ -2982,8 +2982,8 @@
       <a:defPPr>
         <a:defRPr lang="en-US"/>
       </a:defPPr>
-      <a:lvl1pPr algn="l" defTabSz="342900" eaLnBrk="1" hangingPunct="1" latinLnBrk="0" marL="0" rtl="0">
-        <a:defRPr kern="1200" sz="1350">
+      <a:lvl1pPr marL="0" algn="l" defTabSz="342900" rtl="0" eaLnBrk="1" latinLnBrk="0" hangingPunct="1">
+        <a:defRPr sz="1350" kern="1200">
           <a:solidFill>
             <a:schemeClr val="tx1"/>
           </a:solidFill>
@@ -2992,8 +2992,8 @@
           <a:cs typeface="+mn-cs"/>
         </a:defRPr>
       </a:lvl1pPr>
-      <a:lvl2pPr algn="l" defTabSz="342900" eaLnBrk="1" hangingPunct="1" latinLnBrk="0" marL="342900" rtl="0">
-        <a:defRPr kern="1200" sz="1350">
+      <a:lvl2pPr marL="342900" algn="l" defTabSz="342900" rtl="0" eaLnBrk="1" latinLnBrk="0" hangingPunct="1">
+        <a:defRPr sz="1350" kern="1200">
           <a:solidFill>
             <a:schemeClr val="tx1"/>
           </a:solidFill>
@@ -3002,8 +3002,8 @@
           <a:cs typeface="+mn-cs"/>
         </a:defRPr>
       </a:lvl2pPr>
-      <a:lvl3pPr algn="l" defTabSz="342900" eaLnBrk="1" hangingPunct="1" latinLnBrk="0" marL="685800" rtl="0">
-        <a:defRPr kern="1200" sz="1350">
+      <a:lvl3pPr marL="685800" algn="l" defTabSz="342900" rtl="0" eaLnBrk="1" latinLnBrk="0" hangingPunct="1">
+        <a:defRPr sz="1350" kern="1200">
           <a:solidFill>
             <a:schemeClr val="tx1"/>
           </a:solidFill>
@@ -3012,8 +3012,8 @@
           <a:cs typeface="+mn-cs"/>
         </a:defRPr>
       </a:lvl3pPr>
-      <a:lvl4pPr algn="l" defTabSz="342900" eaLnBrk="1" hangingPunct="1" latinLnBrk="0" marL="1028700" rtl="0">
-        <a:defRPr kern="1200" sz="1350">
+      <a:lvl4pPr marL="1028700" algn="l" defTabSz="342900" rtl="0" eaLnBrk="1" latinLnBrk="0" hangingPunct="1">
+        <a:defRPr sz="1350" kern="1200">
           <a:solidFill>
             <a:schemeClr val="tx1"/>
           </a:solidFill>
@@ -3022,8 +3022,8 @@
           <a:cs typeface="+mn-cs"/>
         </a:defRPr>
       </a:lvl4pPr>
-      <a:lvl5pPr algn="l" defTabSz="342900" eaLnBrk="1" hangingPunct="1" latinLnBrk="0" marL="1371600" rtl="0">
-        <a:defRPr kern="1200" sz="1350">
+      <a:lvl5pPr marL="1371600" algn="l" defTabSz="342900" rtl="0" eaLnBrk="1" latinLnBrk="0" hangingPunct="1">
+        <a:defRPr sz="1350" kern="1200">
           <a:solidFill>
             <a:schemeClr val="tx1"/>
           </a:solidFill>
@@ -3032,8 +3032,8 @@
           <a:cs typeface="+mn-cs"/>
         </a:defRPr>
       </a:lvl5pPr>
-      <a:lvl6pPr algn="l" defTabSz="342900" eaLnBrk="1" hangingPunct="1" latinLnBrk="0" marL="1714500" rtl="0">
-        <a:defRPr kern="1200" sz="1350">
+      <a:lvl6pPr marL="1714500" algn="l" defTabSz="342900" rtl="0" eaLnBrk="1" latinLnBrk="0" hangingPunct="1">
+        <a:defRPr sz="1350" kern="1200">
           <a:solidFill>
             <a:schemeClr val="tx1"/>
           </a:solidFill>
@@ -3042,8 +3042,8 @@
           <a:cs typeface="+mn-cs"/>
         </a:defRPr>
       </a:lvl6pPr>
-      <a:lvl7pPr algn="l" defTabSz="342900" eaLnBrk="1" hangingPunct="1" latinLnBrk="0" marL="2057400" rtl="0">
-        <a:defRPr kern="1200" sz="1350">
+      <a:lvl7pPr marL="2057400" algn="l" defTabSz="342900" rtl="0" eaLnBrk="1" latinLnBrk="0" hangingPunct="1">
+        <a:defRPr sz="1350" kern="1200">
           <a:solidFill>
             <a:schemeClr val="tx1"/>
           </a:solidFill>
@@ -3052,8 +3052,8 @@
           <a:cs typeface="+mn-cs"/>
         </a:defRPr>
       </a:lvl7pPr>
-      <a:lvl8pPr algn="l" defTabSz="342900" eaLnBrk="1" hangingPunct="1" latinLnBrk="0" marL="2400300" rtl="0">
-        <a:defRPr kern="1200" sz="1350">
+      <a:lvl8pPr marL="2400300" algn="l" defTabSz="342900" rtl="0" eaLnBrk="1" latinLnBrk="0" hangingPunct="1">
+        <a:defRPr sz="1350" kern="1200">
           <a:solidFill>
             <a:schemeClr val="tx1"/>
           </a:solidFill>
@@ -3062,8 +3062,8 @@
           <a:cs typeface="+mn-cs"/>
         </a:defRPr>
       </a:lvl8pPr>
-      <a:lvl9pPr algn="l" defTabSz="342900" eaLnBrk="1" hangingPunct="1" latinLnBrk="0" marL="2743200" rtl="0">
-        <a:defRPr kern="1200" sz="1350">
+      <a:lvl9pPr marL="2743200" algn="l" defTabSz="342900" rtl="0" eaLnBrk="1" latinLnBrk="0" hangingPunct="1">
+        <a:defRPr sz="1350" kern="1200">
           <a:solidFill>
             <a:schemeClr val="tx1"/>
           </a:solidFill>
@@ -3114,11 +3114,10 @@
           <a:bodyPr/>
           <a:lstStyle/>
           <a:p>
-            <a:pPr lvl="0" indent="0" marL="0">
+            <a:pPr marL="0" lvl="0" indent="0">
               <a:buNone/>
             </a:pPr>
             <a:r>
-              <a:rPr/>
               <a:t>骨髄バンクドナーコーディネート初期行程におけるコーディネート進行率増加を目指した介入研究</a:t>
             </a:r>
           </a:p>
@@ -3131,7 +3130,7 @@
             <a:spLocks noGrp="1"/>
           </p:cNvSpPr>
           <p:nvPr>
-            <p:ph idx="1" type="subTitle"/>
+            <p:ph type="subTitle" idx="1"/>
           </p:nvPr>
         </p:nvSpPr>
         <p:spPr>
@@ -3144,33 +3143,28 @@
           <a:bodyPr/>
           <a:lstStyle/>
           <a:p>
-            <a:pPr lvl="0" indent="0" marL="0">
+            <a:pPr marL="0" lvl="0" indent="0">
               <a:buNone/>
             </a:pPr>
             <a:br/>
             <a:br/>
             <a:r>
-              <a:rPr/>
               <a:t>大竹文雄（大阪大学）</a:t>
             </a:r>
             <a:br/>
             <a:r>
-              <a:rPr/>
               <a:t>加藤大貴（大阪大学）</a:t>
             </a:r>
             <a:br/>
             <a:r>
-              <a:rPr/>
               <a:t>黒澤彩子（伊那中央病院）</a:t>
             </a:r>
             <a:br/>
             <a:r>
-              <a:rPr/>
               <a:t>吉内一浩（東京大学）</a:t>
             </a:r>
             <a:br/>
             <a:r>
-              <a:rPr/>
               <a:t>福田隆浩（国立がん研究センター中央病院）</a:t>
             </a:r>
           </a:p>
@@ -3178,6 +3172,9 @@
       </p:sp>
     </p:spTree>
   </p:cSld>
+  <p:clrMapOvr>
+    <a:masterClrMapping/>
+  </p:clrMapOvr>
 </p:sld>
 </file>
 
@@ -3213,11 +3210,10 @@
           <a:bodyPr/>
           <a:lstStyle/>
           <a:p>
-            <a:pPr lvl="0" indent="0" marL="0">
+            <a:pPr marL="0" lvl="0" indent="0">
               <a:buNone/>
             </a:pPr>
             <a:r>
-              <a:rPr/>
               <a:t>一律介入と最適ターゲティングの効果</a:t>
             </a:r>
           </a:p>
@@ -3238,36 +3234,67 @@
           <a:bodyPr/>
           <a:lstStyle/>
           <a:p>
-            <a:pPr lvl="0" indent="0" marL="0">
+            <a:pPr marL="0" lvl="0" indent="0">
               <a:buNone/>
             </a:pPr>
             <a:r>
-              <a:rPr/>
               <a:t>アウトカム：返信時に提供意向を示したかどうか</a:t>
             </a:r>
           </a:p>
         </p:txBody>
       </p:sp>
-      <p:graphicFrame xmlns:a="http://schemas.openxmlformats.org/drawingml/2006/main" xmlns:r="http://schemas.openxmlformats.org/officeDocument/2006/relationships" xmlns:p="http://schemas.openxmlformats.org/presentationml/2006/main">
+      <p:graphicFrame>
         <p:nvGraphicFramePr>
-          <p:cNvPr id="459957587" name=""/>
+          <p:cNvPr id="820423760" name="表 820423759"/>
           <p:cNvGraphicFramePr>
-            <a:graphicFrameLocks noGrp="true"/>
+            <a:graphicFrameLocks noGrp="1"/>
           </p:cNvGraphicFramePr>
           <p:nvPr/>
         </p:nvGraphicFramePr>
-        <p:xfrm rot="0">
+        <p:xfrm>
           <a:off x="914400" y="1828800"/>
-          <a:ext cx="9144000" cy="5486400"/>
+          <a:ext cx="5486400" cy="1844040"/>
         </p:xfrm>
         <a:graphic>
           <a:graphicData uri="http://schemas.openxmlformats.org/drawingml/2006/table">
             <a:tbl>
               <a:tblPr/>
               <a:tblGrid>
-                <a:gridCol w="1828800"/>
-                <a:gridCol w="914400"/>
-                <a:gridCol w="914400"/>
+                <a:gridCol w="1828800">
+                  <a:extLst>
+                    <a:ext uri="{9D8B030D-6E8A-4147-A177-3AD203B41FA5}">
+                      <a16:colId xmlns:a16="http://schemas.microsoft.com/office/drawing/2014/main" val="20000"/>
+                    </a:ext>
+                  </a:extLst>
+                </a:gridCol>
+                <a:gridCol w="914400">
+                  <a:extLst>
+                    <a:ext uri="{9D8B030D-6E8A-4147-A177-3AD203B41FA5}">
+                      <a16:colId xmlns:a16="http://schemas.microsoft.com/office/drawing/2014/main" val="20001"/>
+                    </a:ext>
+                  </a:extLst>
+                </a:gridCol>
+                <a:gridCol w="914400">
+                  <a:extLst>
+                    <a:ext uri="{9D8B030D-6E8A-4147-A177-3AD203B41FA5}">
+                      <a16:colId xmlns:a16="http://schemas.microsoft.com/office/drawing/2014/main" val="20002"/>
+                    </a:ext>
+                  </a:extLst>
+                </a:gridCol>
+                <a:gridCol w="914400">
+                  <a:extLst>
+                    <a:ext uri="{9D8B030D-6E8A-4147-A177-3AD203B41FA5}">
+                      <a16:colId xmlns:a16="http://schemas.microsoft.com/office/drawing/2014/main" val="20003"/>
+                    </a:ext>
+                  </a:extLst>
+                </a:gridCol>
+                <a:gridCol w="914400">
+                  <a:extLst>
+                    <a:ext uri="{9D8B030D-6E8A-4147-A177-3AD203B41FA5}">
+                      <a16:colId xmlns:a16="http://schemas.microsoft.com/office/drawing/2014/main" val="20004"/>
+                    </a:ext>
+                  </a:extLst>
+                </a:gridCol>
               </a:tblGrid>
               <a:tr h="228600">
                 <a:tc>
@@ -3275,7 +3302,7 @@
                     <a:bodyPr/>
                     <a:lstStyle/>
                     <a:p>
-                      <a:pPr algn="l" marL="63500" marR="63500">
+                      <a:pPr marL="63500" marR="63500" algn="l">
                         <a:lnSpc>
                           <a:spcPct val="100000"/>
                         </a:lnSpc>
@@ -3287,32 +3314,19 @@
                         </a:spcAft>
                         <a:buNone/>
                       </a:pPr>
-                      <a:r>
-                        <a:rPr cap="none" sz="1100" i="0" b="0" u="none">
-                          <a:solidFill>
-                            <a:srgbClr val="000000">
-                              <a:alpha val="100000"/>
-                            </a:srgbClr>
-                          </a:solidFill>
-                          <a:latin typeface="Arial"/>
-                          <a:cs typeface="Arial"/>
-                          <a:ea typeface="Arial"/>
-                          <a:sym typeface="Arial"/>
-                        </a:rPr>
-                        <a:t/>
-                      </a:r>
+                      <a:endParaRPr/>
                     </a:p>
                   </a:txBody>
-                  <a:tcPr anchor="ctr" marB="63500" marT="63500" marR="0" marL="0">
-                    <a:lnL algn="ctr" cmpd="sng" cap="flat" w="0">
+                  <a:tcPr marL="0" marR="0" marT="63500" marB="63500" anchor="ctr">
+                    <a:lnL w="0" cap="flat" cmpd="sng" algn="ctr">
                       <a:noFill/>
                       <a:prstDash val="solid"/>
                     </a:lnL>
-                    <a:lnR algn="ctr" cmpd="sng" cap="flat" w="0">
+                    <a:lnR w="0" cap="flat" cmpd="sng" algn="ctr">
                       <a:noFill/>
                       <a:prstDash val="solid"/>
                     </a:lnR>
-                    <a:lnT algn="ctr" cmpd="sng" cap="flat" w="12700">
+                    <a:lnT w="12700" cap="flat" cmpd="sng" algn="ctr">
                       <a:solidFill>
                         <a:srgbClr val="000000">
                           <a:alpha val="100000"/>
@@ -3320,7 +3334,7 @@
                       </a:solidFill>
                       <a:prstDash val="solid"/>
                     </a:lnT>
-                    <a:lnB algn="ctr" cmpd="sng" cap="flat" w="0">
+                    <a:lnB w="0" cap="flat" cmpd="sng" algn="ctr">
                       <a:noFill/>
                       <a:prstDash val="solid"/>
                     </a:lnB>
@@ -3336,7 +3350,7 @@
                     <a:bodyPr/>
                     <a:lstStyle/>
                     <a:p>
-                      <a:pPr algn="ctr" marL="63500" marR="63500">
+                      <a:pPr marL="63500" marR="63500" algn="ctr">
                         <a:lnSpc>
                           <a:spcPct val="100000"/>
                         </a:lnSpc>
@@ -3349,7 +3363,7 @@
                         <a:buNone/>
                       </a:pPr>
                       <a:r>
-                        <a:rPr cap="none" sz="1100" i="0" b="0" u="none">
+                        <a:rPr sz="1100" b="0" i="0" u="none" cap="none">
                           <a:solidFill>
                             <a:srgbClr val="000000">
                               <a:alpha val="100000"/>
@@ -3357,23 +3371,22 @@
                           </a:solidFill>
                           <a:latin typeface="Arial"/>
                           <a:cs typeface="Arial"/>
-                          <a:ea typeface="Arial"/>
                           <a:sym typeface="Arial"/>
                         </a:rPr>
-                        <a:t>Predicted treatment effect</a:t>
+                        <a:t>Targeting</a:t>
                       </a:r>
                     </a:p>
                   </a:txBody>
-                  <a:tcPr anchor="ctr" marB="63500" marT="63500" marR="0" marL="0">
-                    <a:lnL algn="ctr" cmpd="sng" cap="flat" w="0">
+                  <a:tcPr marL="0" marR="0" marT="63500" marB="63500" anchor="ctr">
+                    <a:lnL w="0" cap="flat" cmpd="sng" algn="ctr">
                       <a:noFill/>
                       <a:prstDash val="solid"/>
                     </a:lnL>
-                    <a:lnR algn="ctr" cmpd="sng" cap="flat" w="0">
+                    <a:lnR w="0" cap="flat" cmpd="sng" algn="ctr">
                       <a:noFill/>
                       <a:prstDash val="solid"/>
                     </a:lnR>
-                    <a:lnT algn="ctr" cmpd="sng" cap="flat" w="12700">
+                    <a:lnT w="12700" cap="flat" cmpd="sng" algn="ctr">
                       <a:solidFill>
                         <a:srgbClr val="000000">
                           <a:alpha val="100000"/>
@@ -3381,7 +3394,7 @@
                       </a:solidFill>
                       <a:prstDash val="solid"/>
                     </a:lnT>
-                    <a:lnB algn="ctr" cmpd="sng" cap="flat" w="0">
+                    <a:lnB w="0" cap="flat" cmpd="sng" algn="ctr">
                       <a:noFill/>
                       <a:prstDash val="solid"/>
                     </a:lnB>
@@ -3392,12 +3405,12 @@
                     </a:solidFill>
                   </a:tcPr>
                 </a:tc>
-                <a:tc hMerge="true">
+                <a:tc hMerge="1">
                   <a:txBody>
                     <a:bodyPr/>
                     <a:lstStyle/>
                     <a:p>
-                      <a:pPr algn="ctr" marL="63500" marR="63500">
+                      <a:pPr marL="63500" marR="63500" algn="ctr">
                         <a:lnSpc>
                           <a:spcPct val="100000"/>
                         </a:lnSpc>
@@ -3410,7 +3423,7 @@
                         <a:buNone/>
                       </a:pPr>
                       <a:r>
-                        <a:rPr cap="none" sz="1100" i="0" b="0" u="none">
+                        <a:rPr sz="1100" b="0" i="0" u="none" cap="none">
                           <a:solidFill>
                             <a:srgbClr val="000000">
                               <a:alpha val="100000"/>
@@ -3418,23 +3431,22 @@
                           </a:solidFill>
                           <a:latin typeface="Arial"/>
                           <a:cs typeface="Arial"/>
-                          <a:ea typeface="Arial"/>
                           <a:sym typeface="Arial"/>
                         </a:rPr>
-                        <a:t>Predicted treatment effect</a:t>
+                        <a:t>Targeting</a:t>
                       </a:r>
                     </a:p>
                   </a:txBody>
-                  <a:tcPr anchor="ctr" marB="63500" marT="63500" marR="0" marL="0">
-                    <a:lnL algn="ctr" cmpd="sng" cap="flat" w="0">
+                  <a:tcPr marL="0" marR="0" marT="63500" marB="63500" anchor="ctr">
+                    <a:lnL w="0" cap="flat" cmpd="sng" algn="ctr">
                       <a:noFill/>
                       <a:prstDash val="solid"/>
                     </a:lnL>
-                    <a:lnR algn="ctr" cmpd="sng" cap="flat" w="0">
+                    <a:lnR w="0" cap="flat" cmpd="sng" algn="ctr">
                       <a:noFill/>
                       <a:prstDash val="solid"/>
                     </a:lnR>
-                    <a:lnT algn="ctr" cmpd="sng" cap="flat" w="12700">
+                    <a:lnT w="12700" cap="flat" cmpd="sng" algn="ctr">
                       <a:solidFill>
                         <a:srgbClr val="000000">
                           <a:alpha val="100000"/>
@@ -3442,7 +3454,7 @@
                       </a:solidFill>
                       <a:prstDash val="solid"/>
                     </a:lnT>
-                    <a:lnB algn="ctr" cmpd="sng" cap="flat" w="0">
+                    <a:lnB w="0" cap="flat" cmpd="sng" algn="ctr">
                       <a:noFill/>
                       <a:prstDash val="solid"/>
                     </a:lnB>
@@ -3453,6 +3465,131 @@
                     </a:solidFill>
                   </a:tcPr>
                 </a:tc>
+                <a:tc gridSpan="2">
+                  <a:txBody>
+                    <a:bodyPr/>
+                    <a:lstStyle/>
+                    <a:p>
+                      <a:pPr marL="63500" marR="63500" algn="ctr">
+                        <a:lnSpc>
+                          <a:spcPct val="100000"/>
+                        </a:lnSpc>
+                        <a:spcBef>
+                          <a:spcPts val="500"/>
+                        </a:spcBef>
+                        <a:spcAft>
+                          <a:spcPts val="500"/>
+                        </a:spcAft>
+                        <a:buNone/>
+                      </a:pPr>
+                      <a:r>
+                        <a:rPr sz="1100" b="0" i="0" u="none" cap="none">
+                          <a:solidFill>
+                            <a:srgbClr val="000000">
+                              <a:alpha val="100000"/>
+                            </a:srgbClr>
+                          </a:solidFill>
+                          <a:latin typeface="Arial"/>
+                          <a:cs typeface="Arial"/>
+                          <a:sym typeface="Arial"/>
+                        </a:rPr>
+                        <a:t>Uniform</a:t>
+                      </a:r>
+                    </a:p>
+                  </a:txBody>
+                  <a:tcPr marL="0" marR="0" marT="63500" marB="63500" anchor="ctr">
+                    <a:lnL w="0" cap="flat" cmpd="sng" algn="ctr">
+                      <a:noFill/>
+                      <a:prstDash val="solid"/>
+                    </a:lnL>
+                    <a:lnR w="0" cap="flat" cmpd="sng" algn="ctr">
+                      <a:noFill/>
+                      <a:prstDash val="solid"/>
+                    </a:lnR>
+                    <a:lnT w="12700" cap="flat" cmpd="sng" algn="ctr">
+                      <a:solidFill>
+                        <a:srgbClr val="000000">
+                          <a:alpha val="100000"/>
+                        </a:srgbClr>
+                      </a:solidFill>
+                      <a:prstDash val="solid"/>
+                    </a:lnT>
+                    <a:lnB w="0" cap="flat" cmpd="sng" algn="ctr">
+                      <a:noFill/>
+                      <a:prstDash val="solid"/>
+                    </a:lnB>
+                    <a:solidFill>
+                      <a:srgbClr val="FFFFFF">
+                        <a:alpha val="0"/>
+                      </a:srgbClr>
+                    </a:solidFill>
+                  </a:tcPr>
+                </a:tc>
+                <a:tc hMerge="1">
+                  <a:txBody>
+                    <a:bodyPr/>
+                    <a:lstStyle/>
+                    <a:p>
+                      <a:pPr marL="63500" marR="63500" algn="ctr">
+                        <a:lnSpc>
+                          <a:spcPct val="100000"/>
+                        </a:lnSpc>
+                        <a:spcBef>
+                          <a:spcPts val="500"/>
+                        </a:spcBef>
+                        <a:spcAft>
+                          <a:spcPts val="500"/>
+                        </a:spcAft>
+                        <a:buNone/>
+                      </a:pPr>
+                      <a:r>
+                        <a:rPr sz="1100" b="0" i="0" u="none" cap="none">
+                          <a:solidFill>
+                            <a:srgbClr val="000000">
+                              <a:alpha val="100000"/>
+                            </a:srgbClr>
+                          </a:solidFill>
+                          <a:latin typeface="Arial"/>
+                          <a:cs typeface="Arial"/>
+                          <a:sym typeface="Arial"/>
+                        </a:rPr>
+                        <a:t>Uniform</a:t>
+                      </a:r>
+                    </a:p>
+                  </a:txBody>
+                  <a:tcPr marL="0" marR="0" marT="63500" marB="63500" anchor="ctr">
+                    <a:lnL w="0" cap="flat" cmpd="sng" algn="ctr">
+                      <a:noFill/>
+                      <a:prstDash val="solid"/>
+                    </a:lnL>
+                    <a:lnR w="0" cap="flat" cmpd="sng" algn="ctr">
+                      <a:noFill/>
+                      <a:prstDash val="solid"/>
+                    </a:lnR>
+                    <a:lnT w="12700" cap="flat" cmpd="sng" algn="ctr">
+                      <a:solidFill>
+                        <a:srgbClr val="000000">
+                          <a:alpha val="100000"/>
+                        </a:srgbClr>
+                      </a:solidFill>
+                      <a:prstDash val="solid"/>
+                    </a:lnT>
+                    <a:lnB w="0" cap="flat" cmpd="sng" algn="ctr">
+                      <a:noFill/>
+                      <a:prstDash val="solid"/>
+                    </a:lnB>
+                    <a:solidFill>
+                      <a:srgbClr val="FFFFFF">
+                        <a:alpha val="0"/>
+                      </a:srgbClr>
+                    </a:solidFill>
+                  </a:tcPr>
+                </a:tc>
+                <a:extLst>
+                  <a:ext uri="{0D108BD9-81ED-4DB2-BD59-A6C34878D82A}">
+                    <a16:rowId xmlns:a16="http://schemas.microsoft.com/office/drawing/2014/main" val="10000"/>
+                  </a:ext>
+                </a:extLst>
               </a:tr>
               <a:tr h="228600">
                 <a:tc>
@@ -3460,7 +3597,7 @@
                     <a:bodyPr/>
                     <a:lstStyle/>
                     <a:p>
-                      <a:pPr algn="l" marL="63500" marR="63500">
+                      <a:pPr marL="63500" marR="63500" algn="l">
                         <a:lnSpc>
                           <a:spcPct val="100000"/>
                         </a:lnSpc>
@@ -3473,7 +3610,7 @@
                         <a:buNone/>
                       </a:pPr>
                       <a:r>
-                        <a:rPr cap="none" sz="1100" i="0" b="0" u="none">
+                        <a:rPr sz="1100" b="0" i="0" u="none" cap="none">
                           <a:solidFill>
                             <a:srgbClr val="000000">
                               <a:alpha val="100000"/>
@@ -3481,27 +3618,26 @@
                           </a:solidFill>
                           <a:latin typeface="Arial"/>
                           <a:cs typeface="Arial"/>
-                          <a:ea typeface="Arial"/>
                           <a:sym typeface="Arial"/>
                         </a:rPr>
                         <a:t> </a:t>
                       </a:r>
                     </a:p>
                   </a:txBody>
-                  <a:tcPr anchor="ctr" marB="63500" marT="63500" marR="0" marL="0">
-                    <a:lnL algn="ctr" cmpd="sng" cap="flat" w="0">
+                  <a:tcPr marL="0" marR="0" marT="63500" marB="63500" anchor="ctr">
+                    <a:lnL w="0" cap="flat" cmpd="sng" algn="ctr">
                       <a:noFill/>
                       <a:prstDash val="solid"/>
                     </a:lnL>
-                    <a:lnR algn="ctr" cmpd="sng" cap="flat" w="0">
+                    <a:lnR w="0" cap="flat" cmpd="sng" algn="ctr">
                       <a:noFill/>
                       <a:prstDash val="solid"/>
                     </a:lnR>
-                    <a:lnT algn="ctr" cmpd="sng" cap="flat" w="0">
+                    <a:lnT w="0" cap="flat" cmpd="sng" algn="ctr">
                       <a:noFill/>
                       <a:prstDash val="solid"/>
                     </a:lnT>
-                    <a:lnB algn="ctr" cmpd="sng" cap="flat" w="12700">
+                    <a:lnB w="12700" cap="flat" cmpd="sng" algn="ctr">
                       <a:solidFill>
                         <a:srgbClr val="000000">
                           <a:alpha val="100000"/>
@@ -3521,7 +3657,7 @@
                     <a:bodyPr/>
                     <a:lstStyle/>
                     <a:p>
-                      <a:pPr algn="ctr" marL="63500" marR="63500">
+                      <a:pPr marL="63500" marR="63500" algn="ctr">
                         <a:lnSpc>
                           <a:spcPct val="100000"/>
                         </a:lnSpc>
@@ -3534,7 +3670,7 @@
                         <a:buNone/>
                       </a:pPr>
                       <a:r>
-                        <a:rPr cap="none" sz="1100" i="0" b="0" u="none">
+                        <a:rPr sz="1100" b="0" i="0" u="none" cap="none">
                           <a:solidFill>
                             <a:srgbClr val="000000">
                               <a:alpha val="100000"/>
@@ -3542,27 +3678,26 @@
                           </a:solidFill>
                           <a:latin typeface="Arial"/>
                           <a:cs typeface="Arial"/>
-                          <a:ea typeface="Arial"/>
                           <a:sym typeface="Arial"/>
                         </a:rPr>
                         <a:t>Mean</a:t>
                       </a:r>
                     </a:p>
                   </a:txBody>
-                  <a:tcPr anchor="ctr" marB="63500" marT="63500" marR="0" marL="0">
-                    <a:lnL algn="ctr" cmpd="sng" cap="flat" w="0">
+                  <a:tcPr marL="0" marR="0" marT="63500" marB="63500" anchor="ctr">
+                    <a:lnL w="0" cap="flat" cmpd="sng" algn="ctr">
                       <a:noFill/>
                       <a:prstDash val="solid"/>
                     </a:lnL>
-                    <a:lnR algn="ctr" cmpd="sng" cap="flat" w="0">
+                    <a:lnR w="0" cap="flat" cmpd="sng" algn="ctr">
                       <a:noFill/>
                       <a:prstDash val="solid"/>
                     </a:lnR>
-                    <a:lnT algn="ctr" cmpd="sng" cap="flat" w="0">
+                    <a:lnT w="0" cap="flat" cmpd="sng" algn="ctr">
                       <a:noFill/>
                       <a:prstDash val="solid"/>
                     </a:lnT>
-                    <a:lnB algn="ctr" cmpd="sng" cap="flat" w="12700">
+                    <a:lnB w="12700" cap="flat" cmpd="sng" algn="ctr">
                       <a:solidFill>
                         <a:srgbClr val="000000">
                           <a:alpha val="100000"/>
@@ -3582,7 +3717,7 @@
                     <a:bodyPr/>
                     <a:lstStyle/>
                     <a:p>
-                      <a:pPr algn="ctr" marL="63500" marR="63500">
+                      <a:pPr marL="63500" marR="63500" algn="ctr">
                         <a:lnSpc>
                           <a:spcPct val="100000"/>
                         </a:lnSpc>
@@ -3595,7 +3730,7 @@
                         <a:buNone/>
                       </a:pPr>
                       <a:r>
-                        <a:rPr cap="none" sz="1100" i="0" b="0" u="none">
+                        <a:rPr sz="1100" b="0" i="0" u="none" cap="none">
                           <a:solidFill>
                             <a:srgbClr val="000000">
                               <a:alpha val="100000"/>
@@ -3603,91 +3738,31 @@
                           </a:solidFill>
                           <a:latin typeface="Arial"/>
                           <a:cs typeface="Arial"/>
-                          <a:ea typeface="Arial"/>
                           <a:sym typeface="Arial"/>
                         </a:rPr>
                         <a:t>SD</a:t>
                       </a:r>
                     </a:p>
                   </a:txBody>
-                  <a:tcPr anchor="ctr" marB="63500" marT="63500" marR="0" marL="0">
-                    <a:lnL algn="ctr" cmpd="sng" cap="flat" w="0">
+                  <a:tcPr marL="0" marR="0" marT="63500" marB="63500" anchor="ctr">
+                    <a:lnL w="0" cap="flat" cmpd="sng" algn="ctr">
                       <a:noFill/>
                       <a:prstDash val="solid"/>
                     </a:lnL>
-                    <a:lnR algn="ctr" cmpd="sng" cap="flat" w="0">
+                    <a:lnR w="0" cap="flat" cmpd="sng" algn="ctr">
                       <a:noFill/>
                       <a:prstDash val="solid"/>
                     </a:lnR>
-                    <a:lnT algn="ctr" cmpd="sng" cap="flat" w="0">
+                    <a:lnT w="0" cap="flat" cmpd="sng" algn="ctr">
                       <a:noFill/>
                       <a:prstDash val="solid"/>
                     </a:lnT>
-                    <a:lnB algn="ctr" cmpd="sng" cap="flat" w="12700">
+                    <a:lnB w="12700" cap="flat" cmpd="sng" algn="ctr">
                       <a:solidFill>
                         <a:srgbClr val="000000">
                           <a:alpha val="100000"/>
                         </a:srgbClr>
                       </a:solidFill>
-                      <a:prstDash val="solid"/>
-                    </a:lnB>
-                    <a:solidFill>
-                      <a:srgbClr val="FFFFFF">
-                        <a:alpha val="0"/>
-                      </a:srgbClr>
-                    </a:solidFill>
-                  </a:tcPr>
-                </a:tc>
-              </a:tr>
-              <a:tr h="228600">
-                <a:tc>
-                  <a:txBody>
-                    <a:bodyPr/>
-                    <a:lstStyle/>
-                    <a:p>
-                      <a:pPr algn="l" marL="63500" marR="63500">
-                        <a:lnSpc>
-                          <a:spcPct val="100000"/>
-                        </a:lnSpc>
-                        <a:spcBef>
-                          <a:spcPts val="500"/>
-                        </a:spcBef>
-                        <a:spcAft>
-                          <a:spcPts val="500"/>
-                        </a:spcAft>
-                        <a:buNone/>
-                      </a:pPr>
-                      <a:r>
-                        <a:rPr cap="none" sz="1100" i="0" b="0" u="none">
-                          <a:solidFill>
-                            <a:srgbClr val="000000">
-                              <a:alpha val="100000"/>
-                            </a:srgbClr>
-                          </a:solidFill>
-                          <a:latin typeface="Arial"/>
-                          <a:cs typeface="Arial"/>
-                          <a:ea typeface="Arial"/>
-                          <a:sym typeface="Arial"/>
-                        </a:rPr>
-                        <a:t>Treatment B (uniform)</a:t>
-                      </a:r>
-                    </a:p>
-                  </a:txBody>
-                  <a:tcPr anchor="ctr" marB="63500" marT="63500" marR="0" marL="0">
-                    <a:lnL algn="ctr" cmpd="sng" cap="flat" w="0">
-                      <a:noFill/>
-                      <a:prstDash val="solid"/>
-                    </a:lnL>
-                    <a:lnR algn="ctr" cmpd="sng" cap="flat" w="0">
-                      <a:noFill/>
-                      <a:prstDash val="solid"/>
-                    </a:lnR>
-                    <a:lnT algn="ctr" cmpd="sng" cap="flat" w="0">
-                      <a:noFill/>
-                      <a:prstDash val="solid"/>
-                    </a:lnT>
-                    <a:lnB algn="ctr" cmpd="sng" cap="flat" w="0">
-                      <a:noFill/>
                       <a:prstDash val="solid"/>
                     </a:lnB>
                     <a:solidFill>
@@ -3702,7 +3777,7 @@
                     <a:bodyPr/>
                     <a:lstStyle/>
                     <a:p>
-                      <a:pPr algn="ctr" marL="63500" marR="63500">
+                      <a:pPr marL="63500" marR="63500" algn="ctr">
                         <a:lnSpc>
                           <a:spcPct val="100000"/>
                         </a:lnSpc>
@@ -3715,7 +3790,7 @@
                         <a:buNone/>
                       </a:pPr>
                       <a:r>
-                        <a:rPr cap="none" sz="1100" i="0" b="0" u="none">
+                        <a:rPr sz="1100" b="0" i="0" u="none" cap="none">
                           <a:solidFill>
                             <a:srgbClr val="000000">
                               <a:alpha val="100000"/>
@@ -3723,28 +3798,31 @@
                           </a:solidFill>
                           <a:latin typeface="Arial"/>
                           <a:cs typeface="Arial"/>
-                          <a:ea typeface="Arial"/>
                           <a:sym typeface="Arial"/>
                         </a:rPr>
-                        <a:t>0.0206</a:t>
+                        <a:t>Mean</a:t>
                       </a:r>
                     </a:p>
                   </a:txBody>
-                  <a:tcPr anchor="ctr" marB="63500" marT="63500" marR="0" marL="0">
-                    <a:lnL algn="ctr" cmpd="sng" cap="flat" w="0">
+                  <a:tcPr marL="0" marR="0" marT="63500" marB="63500" anchor="ctr">
+                    <a:lnL w="0" cap="flat" cmpd="sng" algn="ctr">
                       <a:noFill/>
                       <a:prstDash val="solid"/>
                     </a:lnL>
-                    <a:lnR algn="ctr" cmpd="sng" cap="flat" w="0">
+                    <a:lnR w="0" cap="flat" cmpd="sng" algn="ctr">
                       <a:noFill/>
                       <a:prstDash val="solid"/>
                     </a:lnR>
-                    <a:lnT algn="ctr" cmpd="sng" cap="flat" w="0">
+                    <a:lnT w="0" cap="flat" cmpd="sng" algn="ctr">
                       <a:noFill/>
                       <a:prstDash val="solid"/>
                     </a:lnT>
-                    <a:lnB algn="ctr" cmpd="sng" cap="flat" w="0">
-                      <a:noFill/>
+                    <a:lnB w="12700" cap="flat" cmpd="sng" algn="ctr">
+                      <a:solidFill>
+                        <a:srgbClr val="000000">
+                          <a:alpha val="100000"/>
+                        </a:srgbClr>
+                      </a:solidFill>
                       <a:prstDash val="solid"/>
                     </a:lnB>
                     <a:solidFill>
@@ -3759,7 +3837,7 @@
                     <a:bodyPr/>
                     <a:lstStyle/>
                     <a:p>
-                      <a:pPr algn="ctr" marL="63500" marR="63500">
+                      <a:pPr marL="63500" marR="63500" algn="ctr">
                         <a:lnSpc>
                           <a:spcPct val="100000"/>
                         </a:lnSpc>
@@ -3772,7 +3850,7 @@
                         <a:buNone/>
                       </a:pPr>
                       <a:r>
-                        <a:rPr cap="none" sz="1100" i="0" b="0" u="none">
+                        <a:rPr sz="1100" b="0" i="0" u="none" cap="none">
                           <a:solidFill>
                             <a:srgbClr val="000000">
                               <a:alpha val="100000"/>
@@ -3780,28 +3858,31 @@
                           </a:solidFill>
                           <a:latin typeface="Arial"/>
                           <a:cs typeface="Arial"/>
-                          <a:ea typeface="Arial"/>
                           <a:sym typeface="Arial"/>
                         </a:rPr>
-                        <a:t>0.0570</a:t>
+                        <a:t>SD</a:t>
                       </a:r>
                     </a:p>
                   </a:txBody>
-                  <a:tcPr anchor="ctr" marB="63500" marT="63500" marR="0" marL="0">
-                    <a:lnL algn="ctr" cmpd="sng" cap="flat" w="0">
+                  <a:tcPr marL="0" marR="0" marT="63500" marB="63500" anchor="ctr">
+                    <a:lnL w="0" cap="flat" cmpd="sng" algn="ctr">
                       <a:noFill/>
                       <a:prstDash val="solid"/>
                     </a:lnL>
-                    <a:lnR algn="ctr" cmpd="sng" cap="flat" w="0">
+                    <a:lnR w="0" cap="flat" cmpd="sng" algn="ctr">
                       <a:noFill/>
                       <a:prstDash val="solid"/>
                     </a:lnR>
-                    <a:lnT algn="ctr" cmpd="sng" cap="flat" w="0">
+                    <a:lnT w="0" cap="flat" cmpd="sng" algn="ctr">
                       <a:noFill/>
                       <a:prstDash val="solid"/>
                     </a:lnT>
-                    <a:lnB algn="ctr" cmpd="sng" cap="flat" w="0">
-                      <a:noFill/>
+                    <a:lnB w="12700" cap="flat" cmpd="sng" algn="ctr">
+                      <a:solidFill>
+                        <a:srgbClr val="000000">
+                          <a:alpha val="100000"/>
+                        </a:srgbClr>
+                      </a:solidFill>
                       <a:prstDash val="solid"/>
                     </a:lnB>
                     <a:solidFill>
@@ -3811,6 +3892,11 @@
                     </a:solidFill>
                   </a:tcPr>
                 </a:tc>
+                <a:extLst>
+                  <a:ext uri="{0D108BD9-81ED-4DB2-BD59-A6C34878D82A}">
+                    <a16:rowId xmlns:a16="http://schemas.microsoft.com/office/drawing/2014/main" val="10001"/>
+                  </a:ext>
+                </a:extLst>
               </a:tr>
               <a:tr h="228600">
                 <a:tc>
@@ -3818,7 +3904,7 @@
                     <a:bodyPr/>
                     <a:lstStyle/>
                     <a:p>
-                      <a:pPr algn="l" marL="63500" marR="63500">
+                      <a:pPr marL="63500" marR="63500" algn="l">
                         <a:lnSpc>
                           <a:spcPct val="100000"/>
                         </a:lnSpc>
@@ -3831,7 +3917,7 @@
                         <a:buNone/>
                       </a:pPr>
                       <a:r>
-                        <a:rPr cap="none" sz="1100" i="0" b="0" u="none">
+                        <a:rPr sz="1100" b="0" i="0" u="none" cap="none">
                           <a:solidFill>
                             <a:srgbClr val="000000">
                               <a:alpha val="100000"/>
@@ -3839,27 +3925,31 @@
                           </a:solidFill>
                           <a:latin typeface="Arial"/>
                           <a:cs typeface="Arial"/>
-                          <a:ea typeface="Arial"/>
                           <a:sym typeface="Arial"/>
                         </a:rPr>
-                        <a:t>Treatment C (uniform)</a:t>
+                        <a:t>Treatment B</a:t>
                       </a:r>
                     </a:p>
                   </a:txBody>
-                  <a:tcPr anchor="ctr" marB="63500" marT="63500" marR="0" marL="0">
-                    <a:lnL algn="ctr" cmpd="sng" cap="flat" w="0">
+                  <a:tcPr marL="0" marR="0" marT="63500" marB="63500" anchor="ctr">
+                    <a:lnL w="0" cap="flat" cmpd="sng" algn="ctr">
                       <a:noFill/>
                       <a:prstDash val="solid"/>
                     </a:lnL>
-                    <a:lnR algn="ctr" cmpd="sng" cap="flat" w="0">
+                    <a:lnR w="0" cap="flat" cmpd="sng" algn="ctr">
                       <a:noFill/>
                       <a:prstDash val="solid"/>
                     </a:lnR>
-                    <a:lnT algn="ctr" cmpd="sng" cap="flat" w="0">
-                      <a:noFill/>
-                      <a:prstDash val="solid"/>
+                    <a:lnT w="12700" cap="flat" cmpd="sng" algn="ctr">
+                      <a:solidFill>
+                        <a:srgbClr val="000000"/>
+                      </a:solidFill>
+                      <a:prstDash val="solid"/>
+                      <a:round/>
+                      <a:headEnd type="none" w="med" len="med"/>
+                      <a:tailEnd type="none" w="med" len="med"/>
                     </a:lnT>
-                    <a:lnB algn="ctr" cmpd="sng" cap="flat" w="0">
+                    <a:lnB w="0" cap="flat" cmpd="sng" algn="ctr">
                       <a:noFill/>
                       <a:prstDash val="solid"/>
                     </a:lnB>
@@ -3875,7 +3965,7 @@
                     <a:bodyPr/>
                     <a:lstStyle/>
                     <a:p>
-                      <a:pPr algn="ctr" marL="63500" marR="63500">
+                      <a:pPr marL="63500" marR="63500" algn="ctr">
                         <a:lnSpc>
                           <a:spcPct val="100000"/>
                         </a:lnSpc>
@@ -3888,7 +3978,7 @@
                         <a:buNone/>
                       </a:pPr>
                       <a:r>
-                        <a:rPr cap="none" sz="1100" i="0" b="0" u="none">
+                        <a:rPr sz="1100" b="0" i="0" u="none" cap="none">
                           <a:solidFill>
                             <a:srgbClr val="000000">
                               <a:alpha val="100000"/>
@@ -3896,27 +3986,31 @@
                           </a:solidFill>
                           <a:latin typeface="Arial"/>
                           <a:cs typeface="Arial"/>
-                          <a:ea typeface="Arial"/>
                           <a:sym typeface="Arial"/>
                         </a:rPr>
-                        <a:t>-0.0019</a:t>
+                        <a:t>0.0336</a:t>
                       </a:r>
                     </a:p>
                   </a:txBody>
-                  <a:tcPr anchor="ctr" marB="63500" marT="63500" marR="0" marL="0">
-                    <a:lnL algn="ctr" cmpd="sng" cap="flat" w="0">
+                  <a:tcPr marL="0" marR="0" marT="63500" marB="63500" anchor="ctr">
+                    <a:lnL w="0" cap="flat" cmpd="sng" algn="ctr">
                       <a:noFill/>
                       <a:prstDash val="solid"/>
                     </a:lnL>
-                    <a:lnR algn="ctr" cmpd="sng" cap="flat" w="0">
+                    <a:lnR w="0" cap="flat" cmpd="sng" algn="ctr">
                       <a:noFill/>
                       <a:prstDash val="solid"/>
                     </a:lnR>
-                    <a:lnT algn="ctr" cmpd="sng" cap="flat" w="0">
-                      <a:noFill/>
-                      <a:prstDash val="solid"/>
+                    <a:lnT w="12700" cap="flat" cmpd="sng" algn="ctr">
+                      <a:solidFill>
+                        <a:srgbClr val="000000"/>
+                      </a:solidFill>
+                      <a:prstDash val="solid"/>
+                      <a:round/>
+                      <a:headEnd type="none" w="med" len="med"/>
+                      <a:tailEnd type="none" w="med" len="med"/>
                     </a:lnT>
-                    <a:lnB algn="ctr" cmpd="sng" cap="flat" w="0">
+                    <a:lnB w="0" cap="flat" cmpd="sng" algn="ctr">
                       <a:noFill/>
                       <a:prstDash val="solid"/>
                     </a:lnB>
@@ -3932,7 +4026,7 @@
                     <a:bodyPr/>
                     <a:lstStyle/>
                     <a:p>
-                      <a:pPr algn="ctr" marL="63500" marR="63500">
+                      <a:pPr marL="63500" marR="63500" algn="ctr">
                         <a:lnSpc>
                           <a:spcPct val="100000"/>
                         </a:lnSpc>
@@ -3945,7 +4039,7 @@
                         <a:buNone/>
                       </a:pPr>
                       <a:r>
-                        <a:rPr cap="none" sz="1100" i="0" b="0" u="none">
+                        <a:rPr sz="1100" b="0" i="0" u="none" cap="none">
                           <a:solidFill>
                             <a:srgbClr val="000000">
                               <a:alpha val="100000"/>
@@ -3953,86 +4047,31 @@
                           </a:solidFill>
                           <a:latin typeface="Arial"/>
                           <a:cs typeface="Arial"/>
-                          <a:ea typeface="Arial"/>
                           <a:sym typeface="Arial"/>
                         </a:rPr>
-                        <a:t>0.0598</a:t>
+                        <a:t>0.0422</a:t>
                       </a:r>
                     </a:p>
                   </a:txBody>
-                  <a:tcPr anchor="ctr" marB="63500" marT="63500" marR="0" marL="0">
-                    <a:lnL algn="ctr" cmpd="sng" cap="flat" w="0">
+                  <a:tcPr marL="0" marR="0" marT="63500" marB="63500" anchor="ctr">
+                    <a:lnL w="0" cap="flat" cmpd="sng" algn="ctr">
                       <a:noFill/>
                       <a:prstDash val="solid"/>
                     </a:lnL>
-                    <a:lnR algn="ctr" cmpd="sng" cap="flat" w="0">
+                    <a:lnR w="0" cap="flat" cmpd="sng" algn="ctr">
                       <a:noFill/>
                       <a:prstDash val="solid"/>
                     </a:lnR>
-                    <a:lnT algn="ctr" cmpd="sng" cap="flat" w="0">
-                      <a:noFill/>
-                      <a:prstDash val="solid"/>
+                    <a:lnT w="12700" cap="flat" cmpd="sng" algn="ctr">
+                      <a:solidFill>
+                        <a:srgbClr val="000000"/>
+                      </a:solidFill>
+                      <a:prstDash val="solid"/>
+                      <a:round/>
+                      <a:headEnd type="none" w="med" len="med"/>
+                      <a:tailEnd type="none" w="med" len="med"/>
                     </a:lnT>
-                    <a:lnB algn="ctr" cmpd="sng" cap="flat" w="0">
-                      <a:noFill/>
-                      <a:prstDash val="solid"/>
-                    </a:lnB>
-                    <a:solidFill>
-                      <a:srgbClr val="FFFFFF">
-                        <a:alpha val="0"/>
-                      </a:srgbClr>
-                    </a:solidFill>
-                  </a:tcPr>
-                </a:tc>
-              </a:tr>
-              <a:tr h="228600">
-                <a:tc>
-                  <a:txBody>
-                    <a:bodyPr/>
-                    <a:lstStyle/>
-                    <a:p>
-                      <a:pPr algn="l" marL="63500" marR="63500">
-                        <a:lnSpc>
-                          <a:spcPct val="100000"/>
-                        </a:lnSpc>
-                        <a:spcBef>
-                          <a:spcPts val="500"/>
-                        </a:spcBef>
-                        <a:spcAft>
-                          <a:spcPts val="500"/>
-                        </a:spcAft>
-                        <a:buNone/>
-                      </a:pPr>
-                      <a:r>
-                        <a:rPr cap="none" sz="1100" i="0" b="0" u="none">
-                          <a:solidFill>
-                            <a:srgbClr val="000000">
-                              <a:alpha val="100000"/>
-                            </a:srgbClr>
-                          </a:solidFill>
-                          <a:latin typeface="Arial"/>
-                          <a:cs typeface="Arial"/>
-                          <a:ea typeface="Arial"/>
-                          <a:sym typeface="Arial"/>
-                        </a:rPr>
-                        <a:t>Treatment D (uniform)</a:t>
-                      </a:r>
-                    </a:p>
-                  </a:txBody>
-                  <a:tcPr anchor="ctr" marB="63500" marT="63500" marR="0" marL="0">
-                    <a:lnL algn="ctr" cmpd="sng" cap="flat" w="0">
-                      <a:noFill/>
-                      <a:prstDash val="solid"/>
-                    </a:lnL>
-                    <a:lnR algn="ctr" cmpd="sng" cap="flat" w="0">
-                      <a:noFill/>
-                      <a:prstDash val="solid"/>
-                    </a:lnR>
-                    <a:lnT algn="ctr" cmpd="sng" cap="flat" w="0">
-                      <a:noFill/>
-                      <a:prstDash val="solid"/>
-                    </a:lnT>
-                    <a:lnB algn="ctr" cmpd="sng" cap="flat" w="0">
+                    <a:lnB w="0" cap="flat" cmpd="sng" algn="ctr">
                       <a:noFill/>
                       <a:prstDash val="solid"/>
                     </a:lnB>
@@ -4048,7 +4087,7 @@
                     <a:bodyPr/>
                     <a:lstStyle/>
                     <a:p>
-                      <a:pPr algn="ctr" marL="63500" marR="63500">
+                      <a:pPr marL="63500" marR="63500" algn="ctr">
                         <a:lnSpc>
                           <a:spcPct val="100000"/>
                         </a:lnSpc>
@@ -4061,7 +4100,7 @@
                         <a:buNone/>
                       </a:pPr>
                       <a:r>
-                        <a:rPr cap="none" sz="1100" i="0" b="0" u="none">
+                        <a:rPr sz="1100" b="0" i="0" u="none" cap="none">
                           <a:solidFill>
                             <a:srgbClr val="000000">
                               <a:alpha val="100000"/>
@@ -4069,27 +4108,31 @@
                           </a:solidFill>
                           <a:latin typeface="Arial"/>
                           <a:cs typeface="Arial"/>
-                          <a:ea typeface="Arial"/>
                           <a:sym typeface="Arial"/>
                         </a:rPr>
-                        <a:t>0.0079</a:t>
+                        <a:t>0.0206</a:t>
                       </a:r>
                     </a:p>
                   </a:txBody>
-                  <a:tcPr anchor="ctr" marB="63500" marT="63500" marR="0" marL="0">
-                    <a:lnL algn="ctr" cmpd="sng" cap="flat" w="0">
+                  <a:tcPr marL="0" marR="0" marT="63500" marB="63500" anchor="ctr">
+                    <a:lnL w="0" cap="flat" cmpd="sng" algn="ctr">
                       <a:noFill/>
                       <a:prstDash val="solid"/>
                     </a:lnL>
-                    <a:lnR algn="ctr" cmpd="sng" cap="flat" w="0">
+                    <a:lnR w="0" cap="flat" cmpd="sng" algn="ctr">
                       <a:noFill/>
                       <a:prstDash val="solid"/>
                     </a:lnR>
-                    <a:lnT algn="ctr" cmpd="sng" cap="flat" w="0">
-                      <a:noFill/>
-                      <a:prstDash val="solid"/>
+                    <a:lnT w="12700" cap="flat" cmpd="sng" algn="ctr">
+                      <a:solidFill>
+                        <a:srgbClr val="000000"/>
+                      </a:solidFill>
+                      <a:prstDash val="solid"/>
+                      <a:round/>
+                      <a:headEnd type="none" w="med" len="med"/>
+                      <a:tailEnd type="none" w="med" len="med"/>
                     </a:lnT>
-                    <a:lnB algn="ctr" cmpd="sng" cap="flat" w="0">
+                    <a:lnB w="0" cap="flat" cmpd="sng" algn="ctr">
                       <a:noFill/>
                       <a:prstDash val="solid"/>
                     </a:lnB>
@@ -4105,7 +4148,7 @@
                     <a:bodyPr/>
                     <a:lstStyle/>
                     <a:p>
-                      <a:pPr algn="ctr" marL="63500" marR="63500">
+                      <a:pPr marL="63500" marR="63500" algn="ctr">
                         <a:lnSpc>
                           <a:spcPct val="100000"/>
                         </a:lnSpc>
@@ -4118,7 +4161,7 @@
                         <a:buNone/>
                       </a:pPr>
                       <a:r>
-                        <a:rPr cap="none" sz="1100" i="0" b="0" u="none">
+                        <a:rPr sz="1100" b="0" i="0" u="none" cap="none">
                           <a:solidFill>
                             <a:srgbClr val="000000">
                               <a:alpha val="100000"/>
@@ -4126,27 +4169,31 @@
                           </a:solidFill>
                           <a:latin typeface="Arial"/>
                           <a:cs typeface="Arial"/>
-                          <a:ea typeface="Arial"/>
                           <a:sym typeface="Arial"/>
                         </a:rPr>
-                        <a:t>0.0628</a:t>
+                        <a:t>0.0570</a:t>
                       </a:r>
                     </a:p>
                   </a:txBody>
-                  <a:tcPr anchor="ctr" marB="63500" marT="63500" marR="0" marL="0">
-                    <a:lnL algn="ctr" cmpd="sng" cap="flat" w="0">
+                  <a:tcPr marL="0" marR="0" marT="63500" marB="63500" anchor="ctr">
+                    <a:lnL w="0" cap="flat" cmpd="sng" algn="ctr">
                       <a:noFill/>
                       <a:prstDash val="solid"/>
                     </a:lnL>
-                    <a:lnR algn="ctr" cmpd="sng" cap="flat" w="0">
+                    <a:lnR w="0" cap="flat" cmpd="sng" algn="ctr">
                       <a:noFill/>
                       <a:prstDash val="solid"/>
                     </a:lnR>
-                    <a:lnT algn="ctr" cmpd="sng" cap="flat" w="0">
-                      <a:noFill/>
-                      <a:prstDash val="solid"/>
+                    <a:lnT w="12700" cap="flat" cmpd="sng" algn="ctr">
+                      <a:solidFill>
+                        <a:srgbClr val="000000"/>
+                      </a:solidFill>
+                      <a:prstDash val="solid"/>
+                      <a:round/>
+                      <a:headEnd type="none" w="med" len="med"/>
+                      <a:tailEnd type="none" w="med" len="med"/>
                     </a:lnT>
-                    <a:lnB algn="ctr" cmpd="sng" cap="flat" w="0">
+                    <a:lnB w="0" cap="flat" cmpd="sng" algn="ctr">
                       <a:noFill/>
                       <a:prstDash val="solid"/>
                     </a:lnB>
@@ -4157,6 +4204,11 @@
                     </a:solidFill>
                   </a:tcPr>
                 </a:tc>
+                <a:extLst>
+                  <a:ext uri="{0D108BD9-81ED-4DB2-BD59-A6C34878D82A}">
+                    <a16:rowId xmlns:a16="http://schemas.microsoft.com/office/drawing/2014/main" val="10002"/>
+                  </a:ext>
+                </a:extLst>
               </a:tr>
               <a:tr h="228600">
                 <a:tc>
@@ -4164,7 +4216,7 @@
                     <a:bodyPr/>
                     <a:lstStyle/>
                     <a:p>
-                      <a:pPr algn="l" marL="63500" marR="63500">
+                      <a:pPr marL="63500" marR="63500" algn="l">
                         <a:lnSpc>
                           <a:spcPct val="100000"/>
                         </a:lnSpc>
@@ -4177,7 +4229,7 @@
                         <a:buNone/>
                       </a:pPr>
                       <a:r>
-                        <a:rPr cap="none" sz="1100" i="0" b="0" u="none">
+                        <a:rPr sz="1100" b="0" i="0" u="none" cap="none">
                           <a:solidFill>
                             <a:srgbClr val="000000">
                               <a:alpha val="100000"/>
@@ -4185,32 +4237,27 @@
                           </a:solidFill>
                           <a:latin typeface="Arial"/>
                           <a:cs typeface="Arial"/>
-                          <a:ea typeface="Arial"/>
                           <a:sym typeface="Arial"/>
                         </a:rPr>
-                        <a:t>Optimum targeting</a:t>
+                        <a:t>Treatment C</a:t>
                       </a:r>
                     </a:p>
                   </a:txBody>
-                  <a:tcPr anchor="ctr" marB="63500" marT="63500" marR="0" marL="0">
-                    <a:lnL algn="ctr" cmpd="sng" cap="flat" w="0">
+                  <a:tcPr marL="0" marR="0" marT="63500" marB="63500" anchor="ctr">
+                    <a:lnL w="0" cap="flat" cmpd="sng" algn="ctr">
                       <a:noFill/>
                       <a:prstDash val="solid"/>
                     </a:lnL>
-                    <a:lnR algn="ctr" cmpd="sng" cap="flat" w="0">
+                    <a:lnR w="0" cap="flat" cmpd="sng" algn="ctr">
                       <a:noFill/>
                       <a:prstDash val="solid"/>
                     </a:lnR>
-                    <a:lnT algn="ctr" cmpd="sng" cap="flat" w="0">
+                    <a:lnT w="0" cap="flat" cmpd="sng" algn="ctr">
                       <a:noFill/>
                       <a:prstDash val="solid"/>
                     </a:lnT>
-                    <a:lnB algn="ctr" cmpd="sng" cap="flat" w="12700">
-                      <a:solidFill>
-                        <a:srgbClr val="000000">
-                          <a:alpha val="100000"/>
-                        </a:srgbClr>
-                      </a:solidFill>
+                    <a:lnB w="0" cap="flat" cmpd="sng" algn="ctr">
+                      <a:noFill/>
                       <a:prstDash val="solid"/>
                     </a:lnB>
                     <a:solidFill>
@@ -4225,7 +4272,7 @@
                     <a:bodyPr/>
                     <a:lstStyle/>
                     <a:p>
-                      <a:pPr algn="ctr" marL="63500" marR="63500">
+                      <a:pPr marL="63500" marR="63500" algn="ctr">
                         <a:lnSpc>
                           <a:spcPct val="100000"/>
                         </a:lnSpc>
@@ -4238,7 +4285,7 @@
                         <a:buNone/>
                       </a:pPr>
                       <a:r>
-                        <a:rPr cap="none" sz="1100" i="0" b="0" u="none">
+                        <a:rPr sz="1100" b="0" i="0" u="none" cap="none">
                           <a:solidFill>
                             <a:srgbClr val="000000">
                               <a:alpha val="100000"/>
@@ -4246,32 +4293,27 @@
                           </a:solidFill>
                           <a:latin typeface="Arial"/>
                           <a:cs typeface="Arial"/>
-                          <a:ea typeface="Arial"/>
                           <a:sym typeface="Arial"/>
                         </a:rPr>
-                        <a:t>0.0473</a:t>
+                        <a:t>0.0230</a:t>
                       </a:r>
                     </a:p>
                   </a:txBody>
-                  <a:tcPr anchor="ctr" marB="63500" marT="63500" marR="0" marL="0">
-                    <a:lnL algn="ctr" cmpd="sng" cap="flat" w="0">
+                  <a:tcPr marL="0" marR="0" marT="63500" marB="63500" anchor="ctr">
+                    <a:lnL w="0" cap="flat" cmpd="sng" algn="ctr">
                       <a:noFill/>
                       <a:prstDash val="solid"/>
                     </a:lnL>
-                    <a:lnR algn="ctr" cmpd="sng" cap="flat" w="0">
+                    <a:lnR w="0" cap="flat" cmpd="sng" algn="ctr">
                       <a:noFill/>
                       <a:prstDash val="solid"/>
                     </a:lnR>
-                    <a:lnT algn="ctr" cmpd="sng" cap="flat" w="0">
+                    <a:lnT w="0" cap="flat" cmpd="sng" algn="ctr">
                       <a:noFill/>
                       <a:prstDash val="solid"/>
                     </a:lnT>
-                    <a:lnB algn="ctr" cmpd="sng" cap="flat" w="12700">
-                      <a:solidFill>
-                        <a:srgbClr val="000000">
-                          <a:alpha val="100000"/>
-                        </a:srgbClr>
-                      </a:solidFill>
+                    <a:lnB w="0" cap="flat" cmpd="sng" algn="ctr">
+                      <a:noFill/>
                       <a:prstDash val="solid"/>
                     </a:lnB>
                     <a:solidFill>
@@ -4286,7 +4328,7 @@
                     <a:bodyPr/>
                     <a:lstStyle/>
                     <a:p>
-                      <a:pPr algn="ctr" marL="63500" marR="63500">
+                      <a:pPr marL="63500" marR="63500" algn="ctr">
                         <a:lnSpc>
                           <a:spcPct val="100000"/>
                         </a:lnSpc>
@@ -4299,7 +4341,7 @@
                         <a:buNone/>
                       </a:pPr>
                       <a:r>
-                        <a:rPr cap="none" sz="1100" i="0" b="0" u="none">
+                        <a:rPr sz="1100" b="0" i="0" u="none" cap="none">
                           <a:solidFill>
                             <a:srgbClr val="000000">
                               <a:alpha val="100000"/>
@@ -4307,32 +4349,27 @@
                           </a:solidFill>
                           <a:latin typeface="Arial"/>
                           <a:cs typeface="Arial"/>
-                          <a:ea typeface="Arial"/>
                           <a:sym typeface="Arial"/>
                         </a:rPr>
-                        <a:t>0.0530</a:t>
+                        <a:t>0.0336</a:t>
                       </a:r>
                     </a:p>
                   </a:txBody>
-                  <a:tcPr anchor="ctr" marB="63500" marT="63500" marR="0" marL="0">
-                    <a:lnL algn="ctr" cmpd="sng" cap="flat" w="0">
+                  <a:tcPr marL="0" marR="0" marT="63500" marB="63500" anchor="ctr">
+                    <a:lnL w="0" cap="flat" cmpd="sng" algn="ctr">
                       <a:noFill/>
                       <a:prstDash val="solid"/>
                     </a:lnL>
-                    <a:lnR algn="ctr" cmpd="sng" cap="flat" w="0">
+                    <a:lnR w="0" cap="flat" cmpd="sng" algn="ctr">
                       <a:noFill/>
                       <a:prstDash val="solid"/>
                     </a:lnR>
-                    <a:lnT algn="ctr" cmpd="sng" cap="flat" w="0">
+                    <a:lnT w="0" cap="flat" cmpd="sng" algn="ctr">
                       <a:noFill/>
                       <a:prstDash val="solid"/>
                     </a:lnT>
-                    <a:lnB algn="ctr" cmpd="sng" cap="flat" w="12700">
-                      <a:solidFill>
-                        <a:srgbClr val="000000">
-                          <a:alpha val="100000"/>
-                        </a:srgbClr>
-                      </a:solidFill>
+                    <a:lnB w="0" cap="flat" cmpd="sng" algn="ctr">
+                      <a:noFill/>
                       <a:prstDash val="solid"/>
                     </a:lnB>
                     <a:solidFill>
@@ -4342,6 +4379,693 @@
                     </a:solidFill>
                   </a:tcPr>
                 </a:tc>
+                <a:tc>
+                  <a:txBody>
+                    <a:bodyPr/>
+                    <a:lstStyle/>
+                    <a:p>
+                      <a:pPr marL="63500" marR="63500" algn="ctr">
+                        <a:lnSpc>
+                          <a:spcPct val="100000"/>
+                        </a:lnSpc>
+                        <a:spcBef>
+                          <a:spcPts val="500"/>
+                        </a:spcBef>
+                        <a:spcAft>
+                          <a:spcPts val="500"/>
+                        </a:spcAft>
+                        <a:buNone/>
+                      </a:pPr>
+                      <a:r>
+                        <a:rPr sz="1100" b="0" i="0" u="none" cap="none">
+                          <a:solidFill>
+                            <a:srgbClr val="000000">
+                              <a:alpha val="100000"/>
+                            </a:srgbClr>
+                          </a:solidFill>
+                          <a:latin typeface="Arial"/>
+                          <a:cs typeface="Arial"/>
+                          <a:sym typeface="Arial"/>
+                        </a:rPr>
+                        <a:t>-0.0019</a:t>
+                      </a:r>
+                    </a:p>
+                  </a:txBody>
+                  <a:tcPr marL="0" marR="0" marT="63500" marB="63500" anchor="ctr">
+                    <a:lnL w="0" cap="flat" cmpd="sng" algn="ctr">
+                      <a:noFill/>
+                      <a:prstDash val="solid"/>
+                    </a:lnL>
+                    <a:lnR w="0" cap="flat" cmpd="sng" algn="ctr">
+                      <a:noFill/>
+                      <a:prstDash val="solid"/>
+                    </a:lnR>
+                    <a:lnT w="0" cap="flat" cmpd="sng" algn="ctr">
+                      <a:noFill/>
+                      <a:prstDash val="solid"/>
+                    </a:lnT>
+                    <a:lnB w="0" cap="flat" cmpd="sng" algn="ctr">
+                      <a:noFill/>
+                      <a:prstDash val="solid"/>
+                    </a:lnB>
+                    <a:solidFill>
+                      <a:srgbClr val="FFFFFF">
+                        <a:alpha val="0"/>
+                      </a:srgbClr>
+                    </a:solidFill>
+                  </a:tcPr>
+                </a:tc>
+                <a:tc>
+                  <a:txBody>
+                    <a:bodyPr/>
+                    <a:lstStyle/>
+                    <a:p>
+                      <a:pPr marL="63500" marR="63500" algn="ctr">
+                        <a:lnSpc>
+                          <a:spcPct val="100000"/>
+                        </a:lnSpc>
+                        <a:spcBef>
+                          <a:spcPts val="500"/>
+                        </a:spcBef>
+                        <a:spcAft>
+                          <a:spcPts val="500"/>
+                        </a:spcAft>
+                        <a:buNone/>
+                      </a:pPr>
+                      <a:r>
+                        <a:rPr sz="1100" b="0" i="0" u="none" cap="none">
+                          <a:solidFill>
+                            <a:srgbClr val="000000">
+                              <a:alpha val="100000"/>
+                            </a:srgbClr>
+                          </a:solidFill>
+                          <a:latin typeface="Arial"/>
+                          <a:cs typeface="Arial"/>
+                          <a:sym typeface="Arial"/>
+                        </a:rPr>
+                        <a:t>0.0598</a:t>
+                      </a:r>
+                    </a:p>
+                  </a:txBody>
+                  <a:tcPr marL="0" marR="0" marT="63500" marB="63500" anchor="ctr">
+                    <a:lnL w="0" cap="flat" cmpd="sng" algn="ctr">
+                      <a:noFill/>
+                      <a:prstDash val="solid"/>
+                    </a:lnL>
+                    <a:lnR w="0" cap="flat" cmpd="sng" algn="ctr">
+                      <a:noFill/>
+                      <a:prstDash val="solid"/>
+                    </a:lnR>
+                    <a:lnT w="0" cap="flat" cmpd="sng" algn="ctr">
+                      <a:noFill/>
+                      <a:prstDash val="solid"/>
+                    </a:lnT>
+                    <a:lnB w="0" cap="flat" cmpd="sng" algn="ctr">
+                      <a:noFill/>
+                      <a:prstDash val="solid"/>
+                    </a:lnB>
+                    <a:solidFill>
+                      <a:srgbClr val="FFFFFF">
+                        <a:alpha val="0"/>
+                      </a:srgbClr>
+                    </a:solidFill>
+                  </a:tcPr>
+                </a:tc>
+                <a:extLst>
+                  <a:ext uri="{0D108BD9-81ED-4DB2-BD59-A6C34878D82A}">
+                    <a16:rowId xmlns:a16="http://schemas.microsoft.com/office/drawing/2014/main" val="10003"/>
+                  </a:ext>
+                </a:extLst>
+              </a:tr>
+              <a:tr h="228600">
+                <a:tc>
+                  <a:txBody>
+                    <a:bodyPr/>
+                    <a:lstStyle/>
+                    <a:p>
+                      <a:pPr marL="63500" marR="63500" algn="l">
+                        <a:lnSpc>
+                          <a:spcPct val="100000"/>
+                        </a:lnSpc>
+                        <a:spcBef>
+                          <a:spcPts val="500"/>
+                        </a:spcBef>
+                        <a:spcAft>
+                          <a:spcPts val="500"/>
+                        </a:spcAft>
+                        <a:buNone/>
+                      </a:pPr>
+                      <a:r>
+                        <a:rPr sz="1100" b="0" i="0" u="none" cap="none">
+                          <a:solidFill>
+                            <a:srgbClr val="000000">
+                              <a:alpha val="100000"/>
+                            </a:srgbClr>
+                          </a:solidFill>
+                          <a:latin typeface="Arial"/>
+                          <a:cs typeface="Arial"/>
+                          <a:sym typeface="Arial"/>
+                        </a:rPr>
+                        <a:t>Treatment D</a:t>
+                      </a:r>
+                    </a:p>
+                  </a:txBody>
+                  <a:tcPr marL="0" marR="0" marT="63500" marB="63500" anchor="ctr">
+                    <a:lnL w="0" cap="flat" cmpd="sng" algn="ctr">
+                      <a:noFill/>
+                      <a:prstDash val="solid"/>
+                    </a:lnL>
+                    <a:lnR w="0" cap="flat" cmpd="sng" algn="ctr">
+                      <a:noFill/>
+                      <a:prstDash val="solid"/>
+                    </a:lnR>
+                    <a:lnT w="0" cap="flat" cmpd="sng" algn="ctr">
+                      <a:noFill/>
+                      <a:prstDash val="solid"/>
+                    </a:lnT>
+                    <a:lnB w="0" cap="flat" cmpd="sng" algn="ctr">
+                      <a:noFill/>
+                      <a:prstDash val="solid"/>
+                    </a:lnB>
+                    <a:solidFill>
+                      <a:srgbClr val="FFFFFF">
+                        <a:alpha val="0"/>
+                      </a:srgbClr>
+                    </a:solidFill>
+                  </a:tcPr>
+                </a:tc>
+                <a:tc>
+                  <a:txBody>
+                    <a:bodyPr/>
+                    <a:lstStyle/>
+                    <a:p>
+                      <a:pPr marL="63500" marR="63500" algn="ctr">
+                        <a:lnSpc>
+                          <a:spcPct val="100000"/>
+                        </a:lnSpc>
+                        <a:spcBef>
+                          <a:spcPts val="500"/>
+                        </a:spcBef>
+                        <a:spcAft>
+                          <a:spcPts val="500"/>
+                        </a:spcAft>
+                        <a:buNone/>
+                      </a:pPr>
+                      <a:r>
+                        <a:rPr sz="1100" b="0" i="0" u="none" cap="none">
+                          <a:solidFill>
+                            <a:srgbClr val="000000">
+                              <a:alpha val="100000"/>
+                            </a:srgbClr>
+                          </a:solidFill>
+                          <a:latin typeface="Arial"/>
+                          <a:cs typeface="Arial"/>
+                          <a:sym typeface="Arial"/>
+                        </a:rPr>
+                        <a:t>0.0287</a:t>
+                      </a:r>
+                    </a:p>
+                  </a:txBody>
+                  <a:tcPr marL="0" marR="0" marT="63500" marB="63500" anchor="ctr">
+                    <a:lnL w="0" cap="flat" cmpd="sng" algn="ctr">
+                      <a:noFill/>
+                      <a:prstDash val="solid"/>
+                    </a:lnL>
+                    <a:lnR w="0" cap="flat" cmpd="sng" algn="ctr">
+                      <a:noFill/>
+                      <a:prstDash val="solid"/>
+                    </a:lnR>
+                    <a:lnT w="0" cap="flat" cmpd="sng" algn="ctr">
+                      <a:noFill/>
+                      <a:prstDash val="solid"/>
+                    </a:lnT>
+                    <a:lnB w="0" cap="flat" cmpd="sng" algn="ctr">
+                      <a:noFill/>
+                      <a:prstDash val="solid"/>
+                    </a:lnB>
+                    <a:solidFill>
+                      <a:srgbClr val="FFFFFF">
+                        <a:alpha val="0"/>
+                      </a:srgbClr>
+                    </a:solidFill>
+                  </a:tcPr>
+                </a:tc>
+                <a:tc>
+                  <a:txBody>
+                    <a:bodyPr/>
+                    <a:lstStyle/>
+                    <a:p>
+                      <a:pPr marL="63500" marR="63500" algn="ctr">
+                        <a:lnSpc>
+                          <a:spcPct val="100000"/>
+                        </a:lnSpc>
+                        <a:spcBef>
+                          <a:spcPts val="500"/>
+                        </a:spcBef>
+                        <a:spcAft>
+                          <a:spcPts val="500"/>
+                        </a:spcAft>
+                        <a:buNone/>
+                      </a:pPr>
+                      <a:r>
+                        <a:rPr sz="1100" b="0" i="0" u="none" cap="none">
+                          <a:solidFill>
+                            <a:srgbClr val="000000">
+                              <a:alpha val="100000"/>
+                            </a:srgbClr>
+                          </a:solidFill>
+                          <a:latin typeface="Arial"/>
+                          <a:cs typeface="Arial"/>
+                          <a:sym typeface="Arial"/>
+                        </a:rPr>
+                        <a:t>0.0390</a:t>
+                      </a:r>
+                    </a:p>
+                  </a:txBody>
+                  <a:tcPr marL="0" marR="0" marT="63500" marB="63500" anchor="ctr">
+                    <a:lnL w="0" cap="flat" cmpd="sng" algn="ctr">
+                      <a:noFill/>
+                      <a:prstDash val="solid"/>
+                    </a:lnL>
+                    <a:lnR w="0" cap="flat" cmpd="sng" algn="ctr">
+                      <a:noFill/>
+                      <a:prstDash val="solid"/>
+                    </a:lnR>
+                    <a:lnT w="0" cap="flat" cmpd="sng" algn="ctr">
+                      <a:noFill/>
+                      <a:prstDash val="solid"/>
+                    </a:lnT>
+                    <a:lnB w="0" cap="flat" cmpd="sng" algn="ctr">
+                      <a:noFill/>
+                      <a:prstDash val="solid"/>
+                    </a:lnB>
+                    <a:solidFill>
+                      <a:srgbClr val="FFFFFF">
+                        <a:alpha val="0"/>
+                      </a:srgbClr>
+                    </a:solidFill>
+                  </a:tcPr>
+                </a:tc>
+                <a:tc>
+                  <a:txBody>
+                    <a:bodyPr/>
+                    <a:lstStyle/>
+                    <a:p>
+                      <a:pPr marL="63500" marR="63500" algn="ctr">
+                        <a:lnSpc>
+                          <a:spcPct val="100000"/>
+                        </a:lnSpc>
+                        <a:spcBef>
+                          <a:spcPts val="500"/>
+                        </a:spcBef>
+                        <a:spcAft>
+                          <a:spcPts val="500"/>
+                        </a:spcAft>
+                        <a:buNone/>
+                      </a:pPr>
+                      <a:r>
+                        <a:rPr sz="1100" b="0" i="0" u="none" cap="none">
+                          <a:solidFill>
+                            <a:srgbClr val="000000">
+                              <a:alpha val="100000"/>
+                            </a:srgbClr>
+                          </a:solidFill>
+                          <a:latin typeface="Arial"/>
+                          <a:cs typeface="Arial"/>
+                          <a:sym typeface="Arial"/>
+                        </a:rPr>
+                        <a:t>0.0079</a:t>
+                      </a:r>
+                    </a:p>
+                  </a:txBody>
+                  <a:tcPr marL="0" marR="0" marT="63500" marB="63500" anchor="ctr">
+                    <a:lnL w="0" cap="flat" cmpd="sng" algn="ctr">
+                      <a:noFill/>
+                      <a:prstDash val="solid"/>
+                    </a:lnL>
+                    <a:lnR w="0" cap="flat" cmpd="sng" algn="ctr">
+                      <a:noFill/>
+                      <a:prstDash val="solid"/>
+                    </a:lnR>
+                    <a:lnT w="0" cap="flat" cmpd="sng" algn="ctr">
+                      <a:noFill/>
+                      <a:prstDash val="solid"/>
+                    </a:lnT>
+                    <a:lnB w="0" cap="flat" cmpd="sng" algn="ctr">
+                      <a:noFill/>
+                      <a:prstDash val="solid"/>
+                    </a:lnB>
+                    <a:solidFill>
+                      <a:srgbClr val="FFFFFF">
+                        <a:alpha val="0"/>
+                      </a:srgbClr>
+                    </a:solidFill>
+                  </a:tcPr>
+                </a:tc>
+                <a:tc>
+                  <a:txBody>
+                    <a:bodyPr/>
+                    <a:lstStyle/>
+                    <a:p>
+                      <a:pPr marL="63500" marR="63500" algn="ctr">
+                        <a:lnSpc>
+                          <a:spcPct val="100000"/>
+                        </a:lnSpc>
+                        <a:spcBef>
+                          <a:spcPts val="500"/>
+                        </a:spcBef>
+                        <a:spcAft>
+                          <a:spcPts val="500"/>
+                        </a:spcAft>
+                        <a:buNone/>
+                      </a:pPr>
+                      <a:r>
+                        <a:rPr sz="1100" b="0" i="0" u="none" cap="none">
+                          <a:solidFill>
+                            <a:srgbClr val="000000">
+                              <a:alpha val="100000"/>
+                            </a:srgbClr>
+                          </a:solidFill>
+                          <a:latin typeface="Arial"/>
+                          <a:cs typeface="Arial"/>
+                          <a:sym typeface="Arial"/>
+                        </a:rPr>
+                        <a:t>0.0628</a:t>
+                      </a:r>
+                    </a:p>
+                  </a:txBody>
+                  <a:tcPr marL="0" marR="0" marT="63500" marB="63500" anchor="ctr">
+                    <a:lnL w="0" cap="flat" cmpd="sng" algn="ctr">
+                      <a:noFill/>
+                      <a:prstDash val="solid"/>
+                    </a:lnL>
+                    <a:lnR w="0" cap="flat" cmpd="sng" algn="ctr">
+                      <a:noFill/>
+                      <a:prstDash val="solid"/>
+                    </a:lnR>
+                    <a:lnT w="0" cap="flat" cmpd="sng" algn="ctr">
+                      <a:noFill/>
+                      <a:prstDash val="solid"/>
+                    </a:lnT>
+                    <a:lnB w="0" cap="flat" cmpd="sng" algn="ctr">
+                      <a:noFill/>
+                      <a:prstDash val="solid"/>
+                    </a:lnB>
+                    <a:solidFill>
+                      <a:srgbClr val="FFFFFF">
+                        <a:alpha val="0"/>
+                      </a:srgbClr>
+                    </a:solidFill>
+                  </a:tcPr>
+                </a:tc>
+                <a:extLst>
+                  <a:ext uri="{0D108BD9-81ED-4DB2-BD59-A6C34878D82A}">
+                    <a16:rowId xmlns:a16="http://schemas.microsoft.com/office/drawing/2014/main" val="10004"/>
+                  </a:ext>
+                </a:extLst>
+              </a:tr>
+              <a:tr h="228600">
+                <a:tc>
+                  <a:txBody>
+                    <a:bodyPr/>
+                    <a:lstStyle/>
+                    <a:p>
+                      <a:pPr marL="63500" marR="63500" algn="l">
+                        <a:lnSpc>
+                          <a:spcPct val="100000"/>
+                        </a:lnSpc>
+                        <a:spcBef>
+                          <a:spcPts val="500"/>
+                        </a:spcBef>
+                        <a:spcAft>
+                          <a:spcPts val="500"/>
+                        </a:spcAft>
+                        <a:buNone/>
+                      </a:pPr>
+                      <a:r>
+                        <a:rPr sz="1100" b="0" i="0" u="none" cap="none">
+                          <a:solidFill>
+                            <a:srgbClr val="000000">
+                              <a:alpha val="100000"/>
+                            </a:srgbClr>
+                          </a:solidFill>
+                          <a:latin typeface="Arial"/>
+                          <a:cs typeface="Arial"/>
+                          <a:sym typeface="Arial"/>
+                        </a:rPr>
+                        <a:t>Optimum targeting</a:t>
+                      </a:r>
+                    </a:p>
+                  </a:txBody>
+                  <a:tcPr marL="0" marR="0" marT="63500" marB="63500" anchor="ctr">
+                    <a:lnL w="0" cap="flat" cmpd="sng" algn="ctr">
+                      <a:noFill/>
+                      <a:prstDash val="solid"/>
+                    </a:lnL>
+                    <a:lnR w="0" cap="flat" cmpd="sng" algn="ctr">
+                      <a:noFill/>
+                      <a:prstDash val="solid"/>
+                    </a:lnR>
+                    <a:lnT w="0" cap="flat" cmpd="sng" algn="ctr">
+                      <a:noFill/>
+                      <a:prstDash val="solid"/>
+                    </a:lnT>
+                    <a:lnB w="12700" cap="flat" cmpd="sng" algn="ctr">
+                      <a:solidFill>
+                        <a:srgbClr val="000000">
+                          <a:alpha val="100000"/>
+                        </a:srgbClr>
+                      </a:solidFill>
+                      <a:prstDash val="solid"/>
+                    </a:lnB>
+                    <a:solidFill>
+                      <a:srgbClr val="FFFFFF">
+                        <a:alpha val="0"/>
+                      </a:srgbClr>
+                    </a:solidFill>
+                  </a:tcPr>
+                </a:tc>
+                <a:tc>
+                  <a:txBody>
+                    <a:bodyPr/>
+                    <a:lstStyle/>
+                    <a:p>
+                      <a:pPr marL="63500" marR="63500" algn="ctr">
+                        <a:lnSpc>
+                          <a:spcPct val="100000"/>
+                        </a:lnSpc>
+                        <a:spcBef>
+                          <a:spcPts val="500"/>
+                        </a:spcBef>
+                        <a:spcAft>
+                          <a:spcPts val="500"/>
+                        </a:spcAft>
+                        <a:buNone/>
+                      </a:pPr>
+                      <a:r>
+                        <a:rPr sz="1100" b="0" i="0" u="none" cap="none">
+                          <a:solidFill>
+                            <a:srgbClr val="000000">
+                              <a:alpha val="100000"/>
+                            </a:srgbClr>
+                          </a:solidFill>
+                          <a:latin typeface="Arial"/>
+                          <a:cs typeface="Arial"/>
+                          <a:sym typeface="Arial"/>
+                        </a:rPr>
+                        <a:t>0.0473</a:t>
+                      </a:r>
+                    </a:p>
+                  </a:txBody>
+                  <a:tcPr marL="0" marR="0" marT="63500" marB="63500" anchor="ctr">
+                    <a:lnL w="0" cap="flat" cmpd="sng" algn="ctr">
+                      <a:noFill/>
+                      <a:prstDash val="solid"/>
+                    </a:lnL>
+                    <a:lnR w="0" cap="flat" cmpd="sng" algn="ctr">
+                      <a:noFill/>
+                      <a:prstDash val="solid"/>
+                    </a:lnR>
+                    <a:lnT w="0" cap="flat" cmpd="sng" algn="ctr">
+                      <a:noFill/>
+                      <a:prstDash val="solid"/>
+                    </a:lnT>
+                    <a:lnB w="12700" cap="flat" cmpd="sng" algn="ctr">
+                      <a:solidFill>
+                        <a:srgbClr val="000000">
+                          <a:alpha val="100000"/>
+                        </a:srgbClr>
+                      </a:solidFill>
+                      <a:prstDash val="solid"/>
+                    </a:lnB>
+                    <a:solidFill>
+                      <a:srgbClr val="FFFFFF">
+                        <a:alpha val="0"/>
+                      </a:srgbClr>
+                    </a:solidFill>
+                  </a:tcPr>
+                </a:tc>
+                <a:tc>
+                  <a:txBody>
+                    <a:bodyPr/>
+                    <a:lstStyle/>
+                    <a:p>
+                      <a:pPr marL="63500" marR="63500" algn="ctr">
+                        <a:lnSpc>
+                          <a:spcPct val="100000"/>
+                        </a:lnSpc>
+                        <a:spcBef>
+                          <a:spcPts val="500"/>
+                        </a:spcBef>
+                        <a:spcAft>
+                          <a:spcPts val="500"/>
+                        </a:spcAft>
+                        <a:buNone/>
+                      </a:pPr>
+                      <a:r>
+                        <a:rPr sz="1100" b="0" i="0" u="none" cap="none">
+                          <a:solidFill>
+                            <a:srgbClr val="000000">
+                              <a:alpha val="100000"/>
+                            </a:srgbClr>
+                          </a:solidFill>
+                          <a:latin typeface="Arial"/>
+                          <a:cs typeface="Arial"/>
+                          <a:sym typeface="Arial"/>
+                        </a:rPr>
+                        <a:t>0.0530</a:t>
+                      </a:r>
+                    </a:p>
+                  </a:txBody>
+                  <a:tcPr marL="0" marR="0" marT="63500" marB="63500" anchor="ctr">
+                    <a:lnL w="0" cap="flat" cmpd="sng" algn="ctr">
+                      <a:noFill/>
+                      <a:prstDash val="solid"/>
+                    </a:lnL>
+                    <a:lnR w="0" cap="flat" cmpd="sng" algn="ctr">
+                      <a:noFill/>
+                      <a:prstDash val="solid"/>
+                    </a:lnR>
+                    <a:lnT w="0" cap="flat" cmpd="sng" algn="ctr">
+                      <a:noFill/>
+                      <a:prstDash val="solid"/>
+                    </a:lnT>
+                    <a:lnB w="12700" cap="flat" cmpd="sng" algn="ctr">
+                      <a:solidFill>
+                        <a:srgbClr val="000000">
+                          <a:alpha val="100000"/>
+                        </a:srgbClr>
+                      </a:solidFill>
+                      <a:prstDash val="solid"/>
+                    </a:lnB>
+                    <a:solidFill>
+                      <a:srgbClr val="FFFFFF">
+                        <a:alpha val="0"/>
+                      </a:srgbClr>
+                    </a:solidFill>
+                  </a:tcPr>
+                </a:tc>
+                <a:tc>
+                  <a:txBody>
+                    <a:bodyPr/>
+                    <a:lstStyle/>
+                    <a:p>
+                      <a:pPr marL="63500" marR="63500" algn="ctr">
+                        <a:lnSpc>
+                          <a:spcPct val="100000"/>
+                        </a:lnSpc>
+                        <a:spcBef>
+                          <a:spcPts val="500"/>
+                        </a:spcBef>
+                        <a:spcAft>
+                          <a:spcPts val="500"/>
+                        </a:spcAft>
+                        <a:buNone/>
+                      </a:pPr>
+                      <a:endParaRPr/>
+                    </a:p>
+                  </a:txBody>
+                  <a:tcPr marL="0" marR="0" marT="63500" marB="63500" anchor="ctr">
+                    <a:lnL w="0" cap="flat" cmpd="sng" algn="ctr">
+                      <a:noFill/>
+                      <a:prstDash val="solid"/>
+                    </a:lnL>
+                    <a:lnR w="0" cap="flat" cmpd="sng" algn="ctr">
+                      <a:noFill/>
+                      <a:prstDash val="solid"/>
+                    </a:lnR>
+                    <a:lnT w="0" cap="flat" cmpd="sng" algn="ctr">
+                      <a:noFill/>
+                      <a:prstDash val="solid"/>
+                    </a:lnT>
+                    <a:lnB w="12700" cap="flat" cmpd="sng" algn="ctr">
+                      <a:solidFill>
+                        <a:srgbClr val="000000">
+                          <a:alpha val="100000"/>
+                        </a:srgbClr>
+                      </a:solidFill>
+                      <a:prstDash val="solid"/>
+                    </a:lnB>
+                    <a:solidFill>
+                      <a:srgbClr val="FFFFFF">
+                        <a:alpha val="0"/>
+                      </a:srgbClr>
+                    </a:solidFill>
+                  </a:tcPr>
+                </a:tc>
+                <a:tc>
+                  <a:txBody>
+                    <a:bodyPr/>
+                    <a:lstStyle/>
+                    <a:p>
+                      <a:pPr marL="63500" marR="63500" algn="ctr">
+                        <a:lnSpc>
+                          <a:spcPct val="100000"/>
+                        </a:lnSpc>
+                        <a:spcBef>
+                          <a:spcPts val="500"/>
+                        </a:spcBef>
+                        <a:spcAft>
+                          <a:spcPts val="500"/>
+                        </a:spcAft>
+                        <a:buNone/>
+                      </a:pPr>
+                      <a:endParaRPr/>
+                    </a:p>
+                  </a:txBody>
+                  <a:tcPr marL="0" marR="0" marT="63500" marB="63500" anchor="ctr">
+                    <a:lnL w="0" cap="flat" cmpd="sng" algn="ctr">
+                      <a:noFill/>
+                      <a:prstDash val="solid"/>
+                    </a:lnL>
+                    <a:lnR w="0" cap="flat" cmpd="sng" algn="ctr">
+                      <a:noFill/>
+                      <a:prstDash val="solid"/>
+                    </a:lnR>
+                    <a:lnT w="0" cap="flat" cmpd="sng" algn="ctr">
+                      <a:noFill/>
+                      <a:prstDash val="solid"/>
+                    </a:lnT>
+                    <a:lnB w="12700" cap="flat" cmpd="sng" algn="ctr">
+                      <a:solidFill>
+                        <a:srgbClr val="000000">
+                          <a:alpha val="100000"/>
+                        </a:srgbClr>
+                      </a:solidFill>
+                      <a:prstDash val="solid"/>
+                    </a:lnB>
+                    <a:solidFill>
+                      <a:srgbClr val="FFFFFF">
+                        <a:alpha val="0"/>
+                      </a:srgbClr>
+                    </a:solidFill>
+                  </a:tcPr>
+                </a:tc>
+                <a:extLst>
+                  <a:ext uri="{0D108BD9-81ED-4DB2-BD59-A6C34878D82A}">
+                    <a16:rowId xmlns:a16="http://schemas.microsoft.com/office/drawing/2014/main" val="10005"/>
+                  </a:ext>
+                </a:extLst>
               </a:tr>
             </a:tbl>
           </a:graphicData>
@@ -4349,6 +5073,9 @@
       </p:graphicFrame>
     </p:spTree>
   </p:cSld>
+  <p:clrMapOvr>
+    <a:masterClrMapping/>
+  </p:clrMapOvr>
 </p:sld>
 </file>
 
@@ -4384,11 +5111,10 @@
           <a:bodyPr/>
           <a:lstStyle/>
           <a:p>
-            <a:pPr lvl="0" indent="0" marL="0">
+            <a:pPr marL="0" lvl="0" indent="0">
               <a:buNone/>
             </a:pPr>
             <a:r>
-              <a:rPr/>
               <a:t>予測介入効果の分布</a:t>
             </a:r>
           </a:p>
@@ -4396,7 +5122,7 @@
       </p:sp>
       <p:pic>
         <p:nvPicPr>
-          <p:cNvPr descr="targeting_files/figure-pptx/dist-targeting-effect-1.png" id="0" name="Picture 1"/>
+          <p:cNvPr id="3" name="Picture 1" descr="targeting_files/figure-pptx/dist-targeting-effect-1.png"/>
           <p:cNvPicPr>
             <a:picLocks noGrp="1" noChangeAspect="1"/>
           </p:cNvPicPr>
@@ -4426,6 +5152,9 @@
       </p:pic>
     </p:spTree>
   </p:cSld>
+  <p:clrMapOvr>
+    <a:masterClrMapping/>
+  </p:clrMapOvr>
 </p:sld>
 </file>
 
@@ -4461,37 +5190,60 @@
           <a:bodyPr/>
           <a:lstStyle/>
           <a:p>
-            <a:pPr lvl="0" indent="0" marL="0">
+            <a:pPr marL="0" lvl="0" indent="0">
               <a:buNone/>
             </a:pPr>
             <a:r>
-              <a:rPr/>
               <a:t>最適ターゲティング別の個人属性の比較</a:t>
             </a:r>
           </a:p>
         </p:txBody>
       </p:sp>
-      <p:graphicFrame xmlns:a="http://schemas.openxmlformats.org/drawingml/2006/main" xmlns:r="http://schemas.openxmlformats.org/officeDocument/2006/relationships" xmlns:p="http://schemas.openxmlformats.org/presentationml/2006/main">
+      <p:graphicFrame>
         <p:nvGraphicFramePr>
-          <p:cNvPr id="45218601" name=""/>
+          <p:cNvPr id="197082987" name="表 197082986"/>
           <p:cNvGraphicFramePr>
-            <a:graphicFrameLocks noGrp="true"/>
+            <a:graphicFrameLocks noGrp="1"/>
           </p:cNvGraphicFramePr>
           <p:nvPr/>
         </p:nvGraphicFramePr>
-        <p:xfrm rot="0">
+        <p:xfrm>
           <a:off x="914400" y="1828800"/>
-          <a:ext cx="9144000" cy="5486400"/>
+          <a:ext cx="6400800" cy="2357120"/>
         </p:xfrm>
         <a:graphic>
           <a:graphicData uri="http://schemas.openxmlformats.org/drawingml/2006/table">
             <a:tbl>
               <a:tblPr/>
               <a:tblGrid>
-                <a:gridCol w="3657600"/>
-                <a:gridCol w="914400"/>
-                <a:gridCol w="914400"/>
-                <a:gridCol w="914400"/>
+                <a:gridCol w="3657600">
+                  <a:extLst>
+                    <a:ext uri="{9D8B030D-6E8A-4147-A177-3AD203B41FA5}">
+                      <a16:colId xmlns:a16="http://schemas.microsoft.com/office/drawing/2014/main" val="20000"/>
+                    </a:ext>
+                  </a:extLst>
+                </a:gridCol>
+                <a:gridCol w="914400">
+                  <a:extLst>
+                    <a:ext uri="{9D8B030D-6E8A-4147-A177-3AD203B41FA5}">
+                      <a16:colId xmlns:a16="http://schemas.microsoft.com/office/drawing/2014/main" val="20001"/>
+                    </a:ext>
+                  </a:extLst>
+                </a:gridCol>
+                <a:gridCol w="914400">
+                  <a:extLst>
+                    <a:ext uri="{9D8B030D-6E8A-4147-A177-3AD203B41FA5}">
+                      <a16:colId xmlns:a16="http://schemas.microsoft.com/office/drawing/2014/main" val="20002"/>
+                    </a:ext>
+                  </a:extLst>
+                </a:gridCol>
+                <a:gridCol w="914400">
+                  <a:extLst>
+                    <a:ext uri="{9D8B030D-6E8A-4147-A177-3AD203B41FA5}">
+                      <a16:colId xmlns:a16="http://schemas.microsoft.com/office/drawing/2014/main" val="20003"/>
+                    </a:ext>
+                  </a:extLst>
+                </a:gridCol>
               </a:tblGrid>
               <a:tr h="228600">
                 <a:tc>
@@ -4499,7 +5251,7 @@
                     <a:bodyPr/>
                     <a:lstStyle/>
                     <a:p>
-                      <a:pPr algn="l" marL="63500" marR="63500">
+                      <a:pPr marL="63500" marR="63500" algn="l">
                         <a:lnSpc>
                           <a:spcPct val="100000"/>
                         </a:lnSpc>
@@ -4512,7 +5264,7 @@
                         <a:buNone/>
                       </a:pPr>
                       <a:r>
-                        <a:rPr cap="none" sz="1100" i="0" b="0" u="none">
+                        <a:rPr sz="1100" b="0" i="0" u="none" cap="none">
                           <a:solidFill>
                             <a:srgbClr val="000000">
                               <a:alpha val="100000"/>
@@ -4520,23 +5272,22 @@
                           </a:solidFill>
                           <a:latin typeface="Arial"/>
                           <a:cs typeface="Arial"/>
-                          <a:ea typeface="Arial"/>
                           <a:sym typeface="Arial"/>
                         </a:rPr>
                         <a:t> </a:t>
                       </a:r>
                     </a:p>
                   </a:txBody>
-                  <a:tcPr anchor="ctr" marB="63500" marT="63500" marR="0" marL="0">
-                    <a:lnL algn="ctr" cmpd="sng" cap="flat" w="0">
+                  <a:tcPr marL="0" marR="0" marT="63500" marB="63500" anchor="ctr">
+                    <a:lnL w="0" cap="flat" cmpd="sng" algn="ctr">
                       <a:noFill/>
                       <a:prstDash val="solid"/>
                     </a:lnL>
-                    <a:lnR algn="ctr" cmpd="sng" cap="flat" w="0">
+                    <a:lnR w="0" cap="flat" cmpd="sng" algn="ctr">
                       <a:noFill/>
                       <a:prstDash val="solid"/>
                     </a:lnR>
-                    <a:lnT algn="ctr" cmpd="sng" cap="flat" w="12700">
+                    <a:lnT w="12700" cap="flat" cmpd="sng" algn="ctr">
                       <a:solidFill>
                         <a:srgbClr val="000000">
                           <a:alpha val="100000"/>
@@ -4544,7 +5295,7 @@
                       </a:solidFill>
                       <a:prstDash val="solid"/>
                     </a:lnT>
-                    <a:lnB algn="ctr" cmpd="sng" cap="flat" w="12700">
+                    <a:lnB w="12700" cap="flat" cmpd="sng" algn="ctr">
                       <a:solidFill>
                         <a:srgbClr val="000000">
                           <a:alpha val="100000"/>
@@ -4564,7 +5315,7 @@
                     <a:bodyPr/>
                     <a:lstStyle/>
                     <a:p>
-                      <a:pPr algn="ctr" marL="63500" marR="63500">
+                      <a:pPr marL="63500" marR="63500" algn="ctr">
                         <a:lnSpc>
                           <a:spcPct val="100000"/>
                         </a:lnSpc>
@@ -4577,7 +5328,7 @@
                         <a:buNone/>
                       </a:pPr>
                       <a:r>
-                        <a:rPr cap="none" sz="1100" i="0" b="0" u="none">
+                        <a:rPr sz="1100" b="0" i="0" u="none" cap="none">
                           <a:solidFill>
                             <a:srgbClr val="000000">
                               <a:alpha val="100000"/>
@@ -4585,23 +5336,22 @@
                           </a:solidFill>
                           <a:latin typeface="Arial"/>
                           <a:cs typeface="Arial"/>
-                          <a:ea typeface="Arial"/>
                           <a:sym typeface="Arial"/>
                         </a:rPr>
                         <a:t>Treatment B</a:t>
                       </a:r>
                     </a:p>
                   </a:txBody>
-                  <a:tcPr anchor="ctr" marB="63500" marT="63500" marR="0" marL="0">
-                    <a:lnL algn="ctr" cmpd="sng" cap="flat" w="0">
+                  <a:tcPr marL="0" marR="0" marT="63500" marB="63500" anchor="ctr">
+                    <a:lnL w="0" cap="flat" cmpd="sng" algn="ctr">
                       <a:noFill/>
                       <a:prstDash val="solid"/>
                     </a:lnL>
-                    <a:lnR algn="ctr" cmpd="sng" cap="flat" w="0">
+                    <a:lnR w="0" cap="flat" cmpd="sng" algn="ctr">
                       <a:noFill/>
                       <a:prstDash val="solid"/>
                     </a:lnR>
-                    <a:lnT algn="ctr" cmpd="sng" cap="flat" w="12700">
+                    <a:lnT w="12700" cap="flat" cmpd="sng" algn="ctr">
                       <a:solidFill>
                         <a:srgbClr val="000000">
                           <a:alpha val="100000"/>
@@ -4609,7 +5359,7 @@
                       </a:solidFill>
                       <a:prstDash val="solid"/>
                     </a:lnT>
-                    <a:lnB algn="ctr" cmpd="sng" cap="flat" w="12700">
+                    <a:lnB w="12700" cap="flat" cmpd="sng" algn="ctr">
                       <a:solidFill>
                         <a:srgbClr val="000000">
                           <a:alpha val="100000"/>
@@ -4629,7 +5379,7 @@
                     <a:bodyPr/>
                     <a:lstStyle/>
                     <a:p>
-                      <a:pPr algn="ctr" marL="63500" marR="63500">
+                      <a:pPr marL="63500" marR="63500" algn="ctr">
                         <a:lnSpc>
                           <a:spcPct val="100000"/>
                         </a:lnSpc>
@@ -4642,7 +5392,7 @@
                         <a:buNone/>
                       </a:pPr>
                       <a:r>
-                        <a:rPr cap="none" sz="1100" i="0" b="0" u="none">
+                        <a:rPr sz="1100" b="0" i="0" u="none" cap="none">
                           <a:solidFill>
                             <a:srgbClr val="000000">
                               <a:alpha val="100000"/>
@@ -4650,23 +5400,22 @@
                           </a:solidFill>
                           <a:latin typeface="Arial"/>
                           <a:cs typeface="Arial"/>
-                          <a:ea typeface="Arial"/>
                           <a:sym typeface="Arial"/>
                         </a:rPr>
                         <a:t>Treatment C</a:t>
                       </a:r>
                     </a:p>
                   </a:txBody>
-                  <a:tcPr anchor="ctr" marB="63500" marT="63500" marR="0" marL="0">
-                    <a:lnL algn="ctr" cmpd="sng" cap="flat" w="0">
+                  <a:tcPr marL="0" marR="0" marT="63500" marB="63500" anchor="ctr">
+                    <a:lnL w="0" cap="flat" cmpd="sng" algn="ctr">
                       <a:noFill/>
                       <a:prstDash val="solid"/>
                     </a:lnL>
-                    <a:lnR algn="ctr" cmpd="sng" cap="flat" w="0">
+                    <a:lnR w="0" cap="flat" cmpd="sng" algn="ctr">
                       <a:noFill/>
                       <a:prstDash val="solid"/>
                     </a:lnR>
-                    <a:lnT algn="ctr" cmpd="sng" cap="flat" w="12700">
+                    <a:lnT w="12700" cap="flat" cmpd="sng" algn="ctr">
                       <a:solidFill>
                         <a:srgbClr val="000000">
                           <a:alpha val="100000"/>
@@ -4674,7 +5423,7 @@
                       </a:solidFill>
                       <a:prstDash val="solid"/>
                     </a:lnT>
-                    <a:lnB algn="ctr" cmpd="sng" cap="flat" w="12700">
+                    <a:lnB w="12700" cap="flat" cmpd="sng" algn="ctr">
                       <a:solidFill>
                         <a:srgbClr val="000000">
                           <a:alpha val="100000"/>
@@ -4694,7 +5443,7 @@
                     <a:bodyPr/>
                     <a:lstStyle/>
                     <a:p>
-                      <a:pPr algn="ctr" marL="63500" marR="63500">
+                      <a:pPr marL="63500" marR="63500" algn="ctr">
                         <a:lnSpc>
                           <a:spcPct val="100000"/>
                         </a:lnSpc>
@@ -4707,7 +5456,7 @@
                         <a:buNone/>
                       </a:pPr>
                       <a:r>
-                        <a:rPr cap="none" sz="1100" i="0" b="0" u="none">
+                        <a:rPr sz="1100" b="0" i="0" u="none" cap="none">
                           <a:solidFill>
                             <a:srgbClr val="000000">
                               <a:alpha val="100000"/>
@@ -4715,23 +5464,22 @@
                           </a:solidFill>
                           <a:latin typeface="Arial"/>
                           <a:cs typeface="Arial"/>
-                          <a:ea typeface="Arial"/>
                           <a:sym typeface="Arial"/>
                         </a:rPr>
                         <a:t>Treatment D</a:t>
                       </a:r>
                     </a:p>
                   </a:txBody>
-                  <a:tcPr anchor="ctr" marB="63500" marT="63500" marR="0" marL="0">
-                    <a:lnL algn="ctr" cmpd="sng" cap="flat" w="0">
+                  <a:tcPr marL="0" marR="0" marT="63500" marB="63500" anchor="ctr">
+                    <a:lnL w="0" cap="flat" cmpd="sng" algn="ctr">
                       <a:noFill/>
                       <a:prstDash val="solid"/>
                     </a:lnL>
-                    <a:lnR algn="ctr" cmpd="sng" cap="flat" w="0">
+                    <a:lnR w="0" cap="flat" cmpd="sng" algn="ctr">
                       <a:noFill/>
                       <a:prstDash val="solid"/>
                     </a:lnR>
-                    <a:lnT algn="ctr" cmpd="sng" cap="flat" w="12700">
+                    <a:lnT w="12700" cap="flat" cmpd="sng" algn="ctr">
                       <a:solidFill>
                         <a:srgbClr val="000000">
                           <a:alpha val="100000"/>
@@ -4739,7 +5487,7 @@
                       </a:solidFill>
                       <a:prstDash val="solid"/>
                     </a:lnT>
-                    <a:lnB algn="ctr" cmpd="sng" cap="flat" w="12700">
+                    <a:lnB w="12700" cap="flat" cmpd="sng" algn="ctr">
                       <a:solidFill>
                         <a:srgbClr val="000000">
                           <a:alpha val="100000"/>
@@ -4754,6 +5502,11 @@
                     </a:solidFill>
                   </a:tcPr>
                 </a:tc>
+                <a:extLst>
+                  <a:ext uri="{0D108BD9-81ED-4DB2-BD59-A6C34878D82A}">
+                    <a16:rowId xmlns:a16="http://schemas.microsoft.com/office/drawing/2014/main" val="10000"/>
+                  </a:ext>
+                </a:extLst>
               </a:tr>
               <a:tr h="228600">
                 <a:tc>
@@ -4761,7 +5514,7 @@
                     <a:bodyPr/>
                     <a:lstStyle/>
                     <a:p>
-                      <a:pPr algn="l" marL="63500" marR="63500">
+                      <a:pPr marL="63500" marR="63500" algn="l">
                         <a:lnSpc>
                           <a:spcPct val="100000"/>
                         </a:lnSpc>
@@ -4774,7 +5527,7 @@
                         <a:buNone/>
                       </a:pPr>
                       <a:r>
-                        <a:rPr cap="none" sz="1100" i="0" b="0" u="none">
+                        <a:rPr sz="1100" b="0" i="0" u="none" cap="none">
                           <a:solidFill>
                             <a:srgbClr val="000000">
                               <a:alpha val="100000"/>
@@ -4782,27 +5535,31 @@
                           </a:solidFill>
                           <a:latin typeface="Arial"/>
                           <a:cs typeface="Arial"/>
-                          <a:ea typeface="Arial"/>
                           <a:sym typeface="Arial"/>
                         </a:rPr>
                         <a:t>Male (= 1)</a:t>
                       </a:r>
                     </a:p>
                   </a:txBody>
-                  <a:tcPr anchor="ctr" marB="63500" marT="63500" marR="0" marL="0">
-                    <a:lnL algn="ctr" cmpd="sng" cap="flat" w="0">
+                  <a:tcPr marL="0" marR="0" marT="63500" marB="63500" anchor="ctr">
+                    <a:lnL w="0" cap="flat" cmpd="sng" algn="ctr">
                       <a:noFill/>
                       <a:prstDash val="solid"/>
                     </a:lnL>
-                    <a:lnR algn="ctr" cmpd="sng" cap="flat" w="0">
+                    <a:lnR w="0" cap="flat" cmpd="sng" algn="ctr">
                       <a:noFill/>
                       <a:prstDash val="solid"/>
                     </a:lnR>
-                    <a:lnT algn="ctr" cmpd="sng" cap="flat" w="0">
-                      <a:noFill/>
-                      <a:prstDash val="solid"/>
+                    <a:lnT w="12700" cap="flat" cmpd="sng" algn="ctr">
+                      <a:solidFill>
+                        <a:srgbClr val="000000"/>
+                      </a:solidFill>
+                      <a:prstDash val="solid"/>
+                      <a:round/>
+                      <a:headEnd type="none" w="med" len="med"/>
+                      <a:tailEnd type="none" w="med" len="med"/>
                     </a:lnT>
-                    <a:lnB algn="ctr" cmpd="sng" cap="flat" w="0">
+                    <a:lnB w="0" cap="flat" cmpd="sng" algn="ctr">
                       <a:noFill/>
                       <a:prstDash val="solid"/>
                     </a:lnB>
@@ -4818,7 +5575,7 @@
                     <a:bodyPr/>
                     <a:lstStyle/>
                     <a:p>
-                      <a:pPr algn="ctr" marL="63500" marR="63500">
+                      <a:pPr marL="63500" marR="63500" algn="ctr">
                         <a:lnSpc>
                           <a:spcPct val="100000"/>
                         </a:lnSpc>
@@ -4831,7 +5588,7 @@
                         <a:buNone/>
                       </a:pPr>
                       <a:r>
-                        <a:rPr cap="none" sz="1100" i="0" b="0" u="none">
+                        <a:rPr sz="1100" b="0" i="0" u="none" cap="none">
                           <a:solidFill>
                             <a:srgbClr val="000000">
                               <a:alpha val="100000"/>
@@ -4839,27 +5596,31 @@
                           </a:solidFill>
                           <a:latin typeface="Arial"/>
                           <a:cs typeface="Arial"/>
-                          <a:ea typeface="Arial"/>
                           <a:sym typeface="Arial"/>
                         </a:rPr>
                         <a:t>0.64</a:t>
                       </a:r>
                     </a:p>
                   </a:txBody>
-                  <a:tcPr anchor="ctr" marB="63500" marT="63500" marR="0" marL="0">
-                    <a:lnL algn="ctr" cmpd="sng" cap="flat" w="0">
+                  <a:tcPr marL="0" marR="0" marT="63500" marB="63500" anchor="ctr">
+                    <a:lnL w="0" cap="flat" cmpd="sng" algn="ctr">
                       <a:noFill/>
                       <a:prstDash val="solid"/>
                     </a:lnL>
-                    <a:lnR algn="ctr" cmpd="sng" cap="flat" w="0">
+                    <a:lnR w="0" cap="flat" cmpd="sng" algn="ctr">
                       <a:noFill/>
                       <a:prstDash val="solid"/>
                     </a:lnR>
-                    <a:lnT algn="ctr" cmpd="sng" cap="flat" w="0">
-                      <a:noFill/>
-                      <a:prstDash val="solid"/>
+                    <a:lnT w="12700" cap="flat" cmpd="sng" algn="ctr">
+                      <a:solidFill>
+                        <a:srgbClr val="000000"/>
+                      </a:solidFill>
+                      <a:prstDash val="solid"/>
+                      <a:round/>
+                      <a:headEnd type="none" w="med" len="med"/>
+                      <a:tailEnd type="none" w="med" len="med"/>
                     </a:lnT>
-                    <a:lnB algn="ctr" cmpd="sng" cap="flat" w="0">
+                    <a:lnB w="0" cap="flat" cmpd="sng" algn="ctr">
                       <a:noFill/>
                       <a:prstDash val="solid"/>
                     </a:lnB>
@@ -4875,7 +5636,7 @@
                     <a:bodyPr/>
                     <a:lstStyle/>
                     <a:p>
-                      <a:pPr algn="ctr" marL="63500" marR="63500">
+                      <a:pPr marL="63500" marR="63500" algn="ctr">
                         <a:lnSpc>
                           <a:spcPct val="100000"/>
                         </a:lnSpc>
@@ -4888,7 +5649,7 @@
                         <a:buNone/>
                       </a:pPr>
                       <a:r>
-                        <a:rPr cap="none" sz="1100" i="0" b="0" u="none">
+                        <a:rPr sz="1100" b="0" i="0" u="none" cap="none">
                           <a:solidFill>
                             <a:srgbClr val="000000">
                               <a:alpha val="100000"/>
@@ -4896,27 +5657,31 @@
                           </a:solidFill>
                           <a:latin typeface="Arial"/>
                           <a:cs typeface="Arial"/>
-                          <a:ea typeface="Arial"/>
                           <a:sym typeface="Arial"/>
                         </a:rPr>
                         <a:t>0.54</a:t>
                       </a:r>
                     </a:p>
                   </a:txBody>
-                  <a:tcPr anchor="ctr" marB="63500" marT="63500" marR="0" marL="0">
-                    <a:lnL algn="ctr" cmpd="sng" cap="flat" w="0">
+                  <a:tcPr marL="0" marR="0" marT="63500" marB="63500" anchor="ctr">
+                    <a:lnL w="0" cap="flat" cmpd="sng" algn="ctr">
                       <a:noFill/>
                       <a:prstDash val="solid"/>
                     </a:lnL>
-                    <a:lnR algn="ctr" cmpd="sng" cap="flat" w="0">
+                    <a:lnR w="0" cap="flat" cmpd="sng" algn="ctr">
                       <a:noFill/>
                       <a:prstDash val="solid"/>
                     </a:lnR>
-                    <a:lnT algn="ctr" cmpd="sng" cap="flat" w="0">
-                      <a:noFill/>
-                      <a:prstDash val="solid"/>
+                    <a:lnT w="12700" cap="flat" cmpd="sng" algn="ctr">
+                      <a:solidFill>
+                        <a:srgbClr val="000000"/>
+                      </a:solidFill>
+                      <a:prstDash val="solid"/>
+                      <a:round/>
+                      <a:headEnd type="none" w="med" len="med"/>
+                      <a:tailEnd type="none" w="med" len="med"/>
                     </a:lnT>
-                    <a:lnB algn="ctr" cmpd="sng" cap="flat" w="0">
+                    <a:lnB w="0" cap="flat" cmpd="sng" algn="ctr">
                       <a:noFill/>
                       <a:prstDash val="solid"/>
                     </a:lnB>
@@ -4932,7 +5697,7 @@
                     <a:bodyPr/>
                     <a:lstStyle/>
                     <a:p>
-                      <a:pPr algn="ctr" marL="63500" marR="63500">
+                      <a:pPr marL="63500" marR="63500" algn="ctr">
                         <a:lnSpc>
                           <a:spcPct val="100000"/>
                         </a:lnSpc>
@@ -4945,7 +5710,7 @@
                         <a:buNone/>
                       </a:pPr>
                       <a:r>
-                        <a:rPr cap="none" sz="1100" i="0" b="0" u="none">
+                        <a:rPr sz="1100" b="0" i="0" u="none" cap="none">
                           <a:solidFill>
                             <a:srgbClr val="000000">
                               <a:alpha val="100000"/>
@@ -4953,27 +5718,31 @@
                           </a:solidFill>
                           <a:latin typeface="Arial"/>
                           <a:cs typeface="Arial"/>
-                          <a:ea typeface="Arial"/>
                           <a:sym typeface="Arial"/>
                         </a:rPr>
                         <a:t>0.67</a:t>
                       </a:r>
                     </a:p>
                   </a:txBody>
-                  <a:tcPr anchor="ctr" marB="63500" marT="63500" marR="0" marL="0">
-                    <a:lnL algn="ctr" cmpd="sng" cap="flat" w="0">
+                  <a:tcPr marL="0" marR="0" marT="63500" marB="63500" anchor="ctr">
+                    <a:lnL w="0" cap="flat" cmpd="sng" algn="ctr">
                       <a:noFill/>
                       <a:prstDash val="solid"/>
                     </a:lnL>
-                    <a:lnR algn="ctr" cmpd="sng" cap="flat" w="0">
+                    <a:lnR w="0" cap="flat" cmpd="sng" algn="ctr">
                       <a:noFill/>
                       <a:prstDash val="solid"/>
                     </a:lnR>
-                    <a:lnT algn="ctr" cmpd="sng" cap="flat" w="0">
-                      <a:noFill/>
-                      <a:prstDash val="solid"/>
+                    <a:lnT w="12700" cap="flat" cmpd="sng" algn="ctr">
+                      <a:solidFill>
+                        <a:srgbClr val="000000"/>
+                      </a:solidFill>
+                      <a:prstDash val="solid"/>
+                      <a:round/>
+                      <a:headEnd type="none" w="med" len="med"/>
+                      <a:tailEnd type="none" w="med" len="med"/>
                     </a:lnT>
-                    <a:lnB algn="ctr" cmpd="sng" cap="flat" w="0">
+                    <a:lnB w="0" cap="flat" cmpd="sng" algn="ctr">
                       <a:noFill/>
                       <a:prstDash val="solid"/>
                     </a:lnB>
@@ -4984,6 +5753,11 @@
                     </a:solidFill>
                   </a:tcPr>
                 </a:tc>
+                <a:extLst>
+                  <a:ext uri="{0D108BD9-81ED-4DB2-BD59-A6C34878D82A}">
+                    <a16:rowId xmlns:a16="http://schemas.microsoft.com/office/drawing/2014/main" val="10001"/>
+                  </a:ext>
+                </a:extLst>
               </a:tr>
               <a:tr h="228600">
                 <a:tc>
@@ -4991,7 +5765,7 @@
                     <a:bodyPr/>
                     <a:lstStyle/>
                     <a:p>
-                      <a:pPr algn="l" marL="63500" marR="63500">
+                      <a:pPr marL="63500" marR="63500" algn="l">
                         <a:lnSpc>
                           <a:spcPct val="100000"/>
                         </a:lnSpc>
@@ -5004,7 +5778,7 @@
                         <a:buNone/>
                       </a:pPr>
                       <a:r>
-                        <a:rPr cap="none" sz="1100" i="0" b="0" u="none">
+                        <a:rPr sz="1100" b="0" i="0" u="none" cap="none">
                           <a:solidFill>
                             <a:srgbClr val="000000">
                               <a:alpha val="100000"/>
@@ -5012,27 +5786,26 @@
                           </a:solidFill>
                           <a:latin typeface="Arial"/>
                           <a:cs typeface="Arial"/>
-                          <a:ea typeface="Arial"/>
                           <a:sym typeface="Arial"/>
                         </a:rPr>
                         <a:t>Age</a:t>
                       </a:r>
                     </a:p>
                   </a:txBody>
-                  <a:tcPr anchor="ctr" marB="63500" marT="63500" marR="0" marL="0">
-                    <a:lnL algn="ctr" cmpd="sng" cap="flat" w="0">
+                  <a:tcPr marL="0" marR="0" marT="63500" marB="63500" anchor="ctr">
+                    <a:lnL w="0" cap="flat" cmpd="sng" algn="ctr">
                       <a:noFill/>
                       <a:prstDash val="solid"/>
                     </a:lnL>
-                    <a:lnR algn="ctr" cmpd="sng" cap="flat" w="0">
+                    <a:lnR w="0" cap="flat" cmpd="sng" algn="ctr">
                       <a:noFill/>
                       <a:prstDash val="solid"/>
                     </a:lnR>
-                    <a:lnT algn="ctr" cmpd="sng" cap="flat" w="0">
+                    <a:lnT w="0" cap="flat" cmpd="sng" algn="ctr">
                       <a:noFill/>
                       <a:prstDash val="solid"/>
                     </a:lnT>
-                    <a:lnB algn="ctr" cmpd="sng" cap="flat" w="0">
+                    <a:lnB w="0" cap="flat" cmpd="sng" algn="ctr">
                       <a:noFill/>
                       <a:prstDash val="solid"/>
                     </a:lnB>
@@ -5048,7 +5821,7 @@
                     <a:bodyPr/>
                     <a:lstStyle/>
                     <a:p>
-                      <a:pPr algn="ctr" marL="63500" marR="63500">
+                      <a:pPr marL="63500" marR="63500" algn="ctr">
                         <a:lnSpc>
                           <a:spcPct val="100000"/>
                         </a:lnSpc>
@@ -5061,7 +5834,7 @@
                         <a:buNone/>
                       </a:pPr>
                       <a:r>
-                        <a:rPr cap="none" sz="1100" i="0" b="0" u="none">
+                        <a:rPr sz="1100" b="0" i="0" u="none" cap="none">
                           <a:solidFill>
                             <a:srgbClr val="000000">
                               <a:alpha val="100000"/>
@@ -5069,27 +5842,26 @@
                           </a:solidFill>
                           <a:latin typeface="Arial"/>
                           <a:cs typeface="Arial"/>
-                          <a:ea typeface="Arial"/>
                           <a:sym typeface="Arial"/>
                         </a:rPr>
                         <a:t>34.97</a:t>
                       </a:r>
                     </a:p>
                   </a:txBody>
-                  <a:tcPr anchor="ctr" marB="63500" marT="63500" marR="0" marL="0">
-                    <a:lnL algn="ctr" cmpd="sng" cap="flat" w="0">
+                  <a:tcPr marL="0" marR="0" marT="63500" marB="63500" anchor="ctr">
+                    <a:lnL w="0" cap="flat" cmpd="sng" algn="ctr">
                       <a:noFill/>
                       <a:prstDash val="solid"/>
                     </a:lnL>
-                    <a:lnR algn="ctr" cmpd="sng" cap="flat" w="0">
+                    <a:lnR w="0" cap="flat" cmpd="sng" algn="ctr">
                       <a:noFill/>
                       <a:prstDash val="solid"/>
                     </a:lnR>
-                    <a:lnT algn="ctr" cmpd="sng" cap="flat" w="0">
+                    <a:lnT w="0" cap="flat" cmpd="sng" algn="ctr">
                       <a:noFill/>
                       <a:prstDash val="solid"/>
                     </a:lnT>
-                    <a:lnB algn="ctr" cmpd="sng" cap="flat" w="0">
+                    <a:lnB w="0" cap="flat" cmpd="sng" algn="ctr">
                       <a:noFill/>
                       <a:prstDash val="solid"/>
                     </a:lnB>
@@ -5105,7 +5877,7 @@
                     <a:bodyPr/>
                     <a:lstStyle/>
                     <a:p>
-                      <a:pPr algn="ctr" marL="63500" marR="63500">
+                      <a:pPr marL="63500" marR="63500" algn="ctr">
                         <a:lnSpc>
                           <a:spcPct val="100000"/>
                         </a:lnSpc>
@@ -5118,7 +5890,7 @@
                         <a:buNone/>
                       </a:pPr>
                       <a:r>
-                        <a:rPr cap="none" sz="1100" i="0" b="0" u="none">
+                        <a:rPr sz="1100" b="0" i="0" u="none" cap="none">
                           <a:solidFill>
                             <a:srgbClr val="000000">
                               <a:alpha val="100000"/>
@@ -5126,27 +5898,26 @@
                           </a:solidFill>
                           <a:latin typeface="Arial"/>
                           <a:cs typeface="Arial"/>
-                          <a:ea typeface="Arial"/>
                           <a:sym typeface="Arial"/>
                         </a:rPr>
                         <a:t>41.44</a:t>
                       </a:r>
                     </a:p>
                   </a:txBody>
-                  <a:tcPr anchor="ctr" marB="63500" marT="63500" marR="0" marL="0">
-                    <a:lnL algn="ctr" cmpd="sng" cap="flat" w="0">
+                  <a:tcPr marL="0" marR="0" marT="63500" marB="63500" anchor="ctr">
+                    <a:lnL w="0" cap="flat" cmpd="sng" algn="ctr">
                       <a:noFill/>
                       <a:prstDash val="solid"/>
                     </a:lnL>
-                    <a:lnR algn="ctr" cmpd="sng" cap="flat" w="0">
+                    <a:lnR w="0" cap="flat" cmpd="sng" algn="ctr">
                       <a:noFill/>
                       <a:prstDash val="solid"/>
                     </a:lnR>
-                    <a:lnT algn="ctr" cmpd="sng" cap="flat" w="0">
+                    <a:lnT w="0" cap="flat" cmpd="sng" algn="ctr">
                       <a:noFill/>
                       <a:prstDash val="solid"/>
                     </a:lnT>
-                    <a:lnB algn="ctr" cmpd="sng" cap="flat" w="0">
+                    <a:lnB w="0" cap="flat" cmpd="sng" algn="ctr">
                       <a:noFill/>
                       <a:prstDash val="solid"/>
                     </a:lnB>
@@ -5162,7 +5933,7 @@
                     <a:bodyPr/>
                     <a:lstStyle/>
                     <a:p>
-                      <a:pPr algn="ctr" marL="63500" marR="63500">
+                      <a:pPr marL="63500" marR="63500" algn="ctr">
                         <a:lnSpc>
                           <a:spcPct val="100000"/>
                         </a:lnSpc>
@@ -5175,7 +5946,7 @@
                         <a:buNone/>
                       </a:pPr>
                       <a:r>
-                        <a:rPr cap="none" sz="1100" i="0" b="0" u="none">
+                        <a:rPr sz="1100" b="0" i="0" u="none" cap="none">
                           <a:solidFill>
                             <a:srgbClr val="000000">
                               <a:alpha val="100000"/>
@@ -5183,27 +5954,26 @@
                           </a:solidFill>
                           <a:latin typeface="Arial"/>
                           <a:cs typeface="Arial"/>
-                          <a:ea typeface="Arial"/>
                           <a:sym typeface="Arial"/>
                         </a:rPr>
                         <a:t>39.64</a:t>
                       </a:r>
                     </a:p>
                   </a:txBody>
-                  <a:tcPr anchor="ctr" marB="63500" marT="63500" marR="0" marL="0">
-                    <a:lnL algn="ctr" cmpd="sng" cap="flat" w="0">
+                  <a:tcPr marL="0" marR="0" marT="63500" marB="63500" anchor="ctr">
+                    <a:lnL w="0" cap="flat" cmpd="sng" algn="ctr">
                       <a:noFill/>
                       <a:prstDash val="solid"/>
                     </a:lnL>
-                    <a:lnR algn="ctr" cmpd="sng" cap="flat" w="0">
+                    <a:lnR w="0" cap="flat" cmpd="sng" algn="ctr">
                       <a:noFill/>
                       <a:prstDash val="solid"/>
                     </a:lnR>
-                    <a:lnT algn="ctr" cmpd="sng" cap="flat" w="0">
+                    <a:lnT w="0" cap="flat" cmpd="sng" algn="ctr">
                       <a:noFill/>
                       <a:prstDash val="solid"/>
                     </a:lnT>
-                    <a:lnB algn="ctr" cmpd="sng" cap="flat" w="0">
+                    <a:lnB w="0" cap="flat" cmpd="sng" algn="ctr">
                       <a:noFill/>
                       <a:prstDash val="solid"/>
                     </a:lnB>
@@ -5214,6 +5984,11 @@
                     </a:solidFill>
                   </a:tcPr>
                 </a:tc>
+                <a:extLst>
+                  <a:ext uri="{0D108BD9-81ED-4DB2-BD59-A6C34878D82A}">
+                    <a16:rowId xmlns:a16="http://schemas.microsoft.com/office/drawing/2014/main" val="10002"/>
+                  </a:ext>
+                </a:extLst>
               </a:tr>
               <a:tr h="228600">
                 <a:tc>
@@ -5221,7 +5996,7 @@
                     <a:bodyPr/>
                     <a:lstStyle/>
                     <a:p>
-                      <a:pPr algn="l" marL="63500" marR="63500">
+                      <a:pPr marL="63500" marR="63500" algn="l">
                         <a:lnSpc>
                           <a:spcPct val="100000"/>
                         </a:lnSpc>
@@ -5234,7 +6009,7 @@
                         <a:buNone/>
                       </a:pPr>
                       <a:r>
-                        <a:rPr cap="none" sz="1100" i="0" b="0" u="none">
+                        <a:rPr sz="1100" b="0" i="0" u="none" cap="none">
                           <a:solidFill>
                             <a:srgbClr val="000000">
                               <a:alpha val="100000"/>
@@ -5242,27 +6017,26 @@
                           </a:solidFill>
                           <a:latin typeface="Arial"/>
                           <a:cs typeface="Arial"/>
-                          <a:ea typeface="Arial"/>
                           <a:sym typeface="Arial"/>
                         </a:rPr>
                         <a:t>Number of past coordinations</a:t>
                       </a:r>
                     </a:p>
                   </a:txBody>
-                  <a:tcPr anchor="ctr" marB="63500" marT="63500" marR="0" marL="0">
-                    <a:lnL algn="ctr" cmpd="sng" cap="flat" w="0">
+                  <a:tcPr marL="0" marR="0" marT="63500" marB="63500" anchor="ctr">
+                    <a:lnL w="0" cap="flat" cmpd="sng" algn="ctr">
                       <a:noFill/>
                       <a:prstDash val="solid"/>
                     </a:lnL>
-                    <a:lnR algn="ctr" cmpd="sng" cap="flat" w="0">
+                    <a:lnR w="0" cap="flat" cmpd="sng" algn="ctr">
                       <a:noFill/>
                       <a:prstDash val="solid"/>
                     </a:lnR>
-                    <a:lnT algn="ctr" cmpd="sng" cap="flat" w="0">
+                    <a:lnT w="0" cap="flat" cmpd="sng" algn="ctr">
                       <a:noFill/>
                       <a:prstDash val="solid"/>
                     </a:lnT>
-                    <a:lnB algn="ctr" cmpd="sng" cap="flat" w="0">
+                    <a:lnB w="0" cap="flat" cmpd="sng" algn="ctr">
                       <a:noFill/>
                       <a:prstDash val="solid"/>
                     </a:lnB>
@@ -5278,7 +6052,7 @@
                     <a:bodyPr/>
                     <a:lstStyle/>
                     <a:p>
-                      <a:pPr algn="ctr" marL="63500" marR="63500">
+                      <a:pPr marL="63500" marR="63500" algn="ctr">
                         <a:lnSpc>
                           <a:spcPct val="100000"/>
                         </a:lnSpc>
@@ -5291,7 +6065,7 @@
                         <a:buNone/>
                       </a:pPr>
                       <a:r>
-                        <a:rPr cap="none" sz="1100" i="0" b="0" u="none">
+                        <a:rPr sz="1100" b="0" i="0" u="none" cap="none">
                           <a:solidFill>
                             <a:srgbClr val="000000">
                               <a:alpha val="100000"/>
@@ -5299,27 +6073,26 @@
                           </a:solidFill>
                           <a:latin typeface="Arial"/>
                           <a:cs typeface="Arial"/>
-                          <a:ea typeface="Arial"/>
                           <a:sym typeface="Arial"/>
                         </a:rPr>
                         <a:t>1.49</a:t>
                       </a:r>
                     </a:p>
                   </a:txBody>
-                  <a:tcPr anchor="ctr" marB="63500" marT="63500" marR="0" marL="0">
-                    <a:lnL algn="ctr" cmpd="sng" cap="flat" w="0">
+                  <a:tcPr marL="0" marR="0" marT="63500" marB="63500" anchor="ctr">
+                    <a:lnL w="0" cap="flat" cmpd="sng" algn="ctr">
                       <a:noFill/>
                       <a:prstDash val="solid"/>
                     </a:lnL>
-                    <a:lnR algn="ctr" cmpd="sng" cap="flat" w="0">
+                    <a:lnR w="0" cap="flat" cmpd="sng" algn="ctr">
                       <a:noFill/>
                       <a:prstDash val="solid"/>
                     </a:lnR>
-                    <a:lnT algn="ctr" cmpd="sng" cap="flat" w="0">
+                    <a:lnT w="0" cap="flat" cmpd="sng" algn="ctr">
                       <a:noFill/>
                       <a:prstDash val="solid"/>
                     </a:lnT>
-                    <a:lnB algn="ctr" cmpd="sng" cap="flat" w="0">
+                    <a:lnB w="0" cap="flat" cmpd="sng" algn="ctr">
                       <a:noFill/>
                       <a:prstDash val="solid"/>
                     </a:lnB>
@@ -5335,7 +6108,7 @@
                     <a:bodyPr/>
                     <a:lstStyle/>
                     <a:p>
-                      <a:pPr algn="ctr" marL="63500" marR="63500">
+                      <a:pPr marL="63500" marR="63500" algn="ctr">
                         <a:lnSpc>
                           <a:spcPct val="100000"/>
                         </a:lnSpc>
@@ -5348,7 +6121,7 @@
                         <a:buNone/>
                       </a:pPr>
                       <a:r>
-                        <a:rPr cap="none" sz="1100" i="0" b="0" u="none">
+                        <a:rPr sz="1100" b="0" i="0" u="none" cap="none">
                           <a:solidFill>
                             <a:srgbClr val="000000">
                               <a:alpha val="100000"/>
@@ -5356,27 +6129,26 @@
                           </a:solidFill>
                           <a:latin typeface="Arial"/>
                           <a:cs typeface="Arial"/>
-                          <a:ea typeface="Arial"/>
                           <a:sym typeface="Arial"/>
                         </a:rPr>
                         <a:t>1.65</a:t>
                       </a:r>
                     </a:p>
                   </a:txBody>
-                  <a:tcPr anchor="ctr" marB="63500" marT="63500" marR="0" marL="0">
-                    <a:lnL algn="ctr" cmpd="sng" cap="flat" w="0">
+                  <a:tcPr marL="0" marR="0" marT="63500" marB="63500" anchor="ctr">
+                    <a:lnL w="0" cap="flat" cmpd="sng" algn="ctr">
                       <a:noFill/>
                       <a:prstDash val="solid"/>
                     </a:lnL>
-                    <a:lnR algn="ctr" cmpd="sng" cap="flat" w="0">
+                    <a:lnR w="0" cap="flat" cmpd="sng" algn="ctr">
                       <a:noFill/>
                       <a:prstDash val="solid"/>
                     </a:lnR>
-                    <a:lnT algn="ctr" cmpd="sng" cap="flat" w="0">
+                    <a:lnT w="0" cap="flat" cmpd="sng" algn="ctr">
                       <a:noFill/>
                       <a:prstDash val="solid"/>
                     </a:lnT>
-                    <a:lnB algn="ctr" cmpd="sng" cap="flat" w="0">
+                    <a:lnB w="0" cap="flat" cmpd="sng" algn="ctr">
                       <a:noFill/>
                       <a:prstDash val="solid"/>
                     </a:lnB>
@@ -5392,7 +6164,7 @@
                     <a:bodyPr/>
                     <a:lstStyle/>
                     <a:p>
-                      <a:pPr algn="ctr" marL="63500" marR="63500">
+                      <a:pPr marL="63500" marR="63500" algn="ctr">
                         <a:lnSpc>
                           <a:spcPct val="100000"/>
                         </a:lnSpc>
@@ -5405,7 +6177,7 @@
                         <a:buNone/>
                       </a:pPr>
                       <a:r>
-                        <a:rPr cap="none" sz="1100" i="0" b="0" u="none">
+                        <a:rPr sz="1100" b="0" i="0" u="none" cap="none">
                           <a:solidFill>
                             <a:srgbClr val="000000">
                               <a:alpha val="100000"/>
@@ -5413,27 +6185,26 @@
                           </a:solidFill>
                           <a:latin typeface="Arial"/>
                           <a:cs typeface="Arial"/>
-                          <a:ea typeface="Arial"/>
                           <a:sym typeface="Arial"/>
                         </a:rPr>
                         <a:t>1.70</a:t>
                       </a:r>
                     </a:p>
                   </a:txBody>
-                  <a:tcPr anchor="ctr" marB="63500" marT="63500" marR="0" marL="0">
-                    <a:lnL algn="ctr" cmpd="sng" cap="flat" w="0">
+                  <a:tcPr marL="0" marR="0" marT="63500" marB="63500" anchor="ctr">
+                    <a:lnL w="0" cap="flat" cmpd="sng" algn="ctr">
                       <a:noFill/>
                       <a:prstDash val="solid"/>
                     </a:lnL>
-                    <a:lnR algn="ctr" cmpd="sng" cap="flat" w="0">
+                    <a:lnR w="0" cap="flat" cmpd="sng" algn="ctr">
                       <a:noFill/>
                       <a:prstDash val="solid"/>
                     </a:lnR>
-                    <a:lnT algn="ctr" cmpd="sng" cap="flat" w="0">
+                    <a:lnT w="0" cap="flat" cmpd="sng" algn="ctr">
                       <a:noFill/>
                       <a:prstDash val="solid"/>
                     </a:lnT>
-                    <a:lnB algn="ctr" cmpd="sng" cap="flat" w="0">
+                    <a:lnB w="0" cap="flat" cmpd="sng" algn="ctr">
                       <a:noFill/>
                       <a:prstDash val="solid"/>
                     </a:lnB>
@@ -5444,6 +6215,11 @@
                     </a:solidFill>
                   </a:tcPr>
                 </a:tc>
+                <a:extLst>
+                  <a:ext uri="{0D108BD9-81ED-4DB2-BD59-A6C34878D82A}">
+                    <a16:rowId xmlns:a16="http://schemas.microsoft.com/office/drawing/2014/main" val="10003"/>
+                  </a:ext>
+                </a:extLst>
               </a:tr>
               <a:tr h="228600">
                 <a:tc>
@@ -5451,7 +6227,7 @@
                     <a:bodyPr/>
                     <a:lstStyle/>
                     <a:p>
-                      <a:pPr algn="l" marL="63500" marR="63500">
+                      <a:pPr marL="63500" marR="63500" algn="l">
                         <a:lnSpc>
                           <a:spcPct val="100000"/>
                         </a:lnSpc>
@@ -5464,7 +6240,7 @@
                         <a:buNone/>
                       </a:pPr>
                       <a:r>
-                        <a:rPr cap="none" sz="1100" i="0" b="0" u="none">
+                        <a:rPr sz="1100" b="0" i="0" u="none" cap="none">
                           <a:solidFill>
                             <a:srgbClr val="000000">
                               <a:alpha val="100000"/>
@@ -5472,27 +6248,26 @@
                           </a:solidFill>
                           <a:latin typeface="Arial"/>
                           <a:cs typeface="Arial"/>
-                          <a:ea typeface="Arial"/>
                           <a:sym typeface="Arial"/>
                         </a:rPr>
                         <a:t>Number of listed hospitals</a:t>
                       </a:r>
                     </a:p>
                   </a:txBody>
-                  <a:tcPr anchor="ctr" marB="63500" marT="63500" marR="0" marL="0">
-                    <a:lnL algn="ctr" cmpd="sng" cap="flat" w="0">
+                  <a:tcPr marL="0" marR="0" marT="63500" marB="63500" anchor="ctr">
+                    <a:lnL w="0" cap="flat" cmpd="sng" algn="ctr">
                       <a:noFill/>
                       <a:prstDash val="solid"/>
                     </a:lnL>
-                    <a:lnR algn="ctr" cmpd="sng" cap="flat" w="0">
+                    <a:lnR w="0" cap="flat" cmpd="sng" algn="ctr">
                       <a:noFill/>
                       <a:prstDash val="solid"/>
                     </a:lnR>
-                    <a:lnT algn="ctr" cmpd="sng" cap="flat" w="0">
+                    <a:lnT w="0" cap="flat" cmpd="sng" algn="ctr">
                       <a:noFill/>
                       <a:prstDash val="solid"/>
                     </a:lnT>
-                    <a:lnB algn="ctr" cmpd="sng" cap="flat" w="0">
+                    <a:lnB w="0" cap="flat" cmpd="sng" algn="ctr">
                       <a:noFill/>
                       <a:prstDash val="solid"/>
                     </a:lnB>
@@ -5508,7 +6283,7 @@
                     <a:bodyPr/>
                     <a:lstStyle/>
                     <a:p>
-                      <a:pPr algn="ctr" marL="63500" marR="63500">
+                      <a:pPr marL="63500" marR="63500" algn="ctr">
                         <a:lnSpc>
                           <a:spcPct val="100000"/>
                         </a:lnSpc>
@@ -5521,7 +6296,7 @@
                         <a:buNone/>
                       </a:pPr>
                       <a:r>
-                        <a:rPr cap="none" sz="1100" i="0" b="0" u="none">
+                        <a:rPr sz="1100" b="0" i="0" u="none" cap="none">
                           <a:solidFill>
                             <a:srgbClr val="000000">
                               <a:alpha val="100000"/>
@@ -5529,27 +6304,26 @@
                           </a:solidFill>
                           <a:latin typeface="Arial"/>
                           <a:cs typeface="Arial"/>
-                          <a:ea typeface="Arial"/>
                           <a:sym typeface="Arial"/>
                         </a:rPr>
                         <a:t>0.47</a:t>
                       </a:r>
                     </a:p>
                   </a:txBody>
-                  <a:tcPr anchor="ctr" marB="63500" marT="63500" marR="0" marL="0">
-                    <a:lnL algn="ctr" cmpd="sng" cap="flat" w="0">
+                  <a:tcPr marL="0" marR="0" marT="63500" marB="63500" anchor="ctr">
+                    <a:lnL w="0" cap="flat" cmpd="sng" algn="ctr">
                       <a:noFill/>
                       <a:prstDash val="solid"/>
                     </a:lnL>
-                    <a:lnR algn="ctr" cmpd="sng" cap="flat" w="0">
+                    <a:lnR w="0" cap="flat" cmpd="sng" algn="ctr">
                       <a:noFill/>
                       <a:prstDash val="solid"/>
                     </a:lnR>
-                    <a:lnT algn="ctr" cmpd="sng" cap="flat" w="0">
+                    <a:lnT w="0" cap="flat" cmpd="sng" algn="ctr">
                       <a:noFill/>
                       <a:prstDash val="solid"/>
                     </a:lnT>
-                    <a:lnB algn="ctr" cmpd="sng" cap="flat" w="0">
+                    <a:lnB w="0" cap="flat" cmpd="sng" algn="ctr">
                       <a:noFill/>
                       <a:prstDash val="solid"/>
                     </a:lnB>
@@ -5565,7 +6339,7 @@
                     <a:bodyPr/>
                     <a:lstStyle/>
                     <a:p>
-                      <a:pPr algn="ctr" marL="63500" marR="63500">
+                      <a:pPr marL="63500" marR="63500" algn="ctr">
                         <a:lnSpc>
                           <a:spcPct val="100000"/>
                         </a:lnSpc>
@@ -5578,7 +6352,7 @@
                         <a:buNone/>
                       </a:pPr>
                       <a:r>
-                        <a:rPr cap="none" sz="1100" i="0" b="0" u="none">
+                        <a:rPr sz="1100" b="0" i="0" u="none" cap="none">
                           <a:solidFill>
                             <a:srgbClr val="000000">
                               <a:alpha val="100000"/>
@@ -5586,27 +6360,26 @@
                           </a:solidFill>
                           <a:latin typeface="Arial"/>
                           <a:cs typeface="Arial"/>
-                          <a:ea typeface="Arial"/>
                           <a:sym typeface="Arial"/>
                         </a:rPr>
                         <a:t>0.40</a:t>
                       </a:r>
                     </a:p>
                   </a:txBody>
-                  <a:tcPr anchor="ctr" marB="63500" marT="63500" marR="0" marL="0">
-                    <a:lnL algn="ctr" cmpd="sng" cap="flat" w="0">
+                  <a:tcPr marL="0" marR="0" marT="63500" marB="63500" anchor="ctr">
+                    <a:lnL w="0" cap="flat" cmpd="sng" algn="ctr">
                       <a:noFill/>
                       <a:prstDash val="solid"/>
                     </a:lnL>
-                    <a:lnR algn="ctr" cmpd="sng" cap="flat" w="0">
+                    <a:lnR w="0" cap="flat" cmpd="sng" algn="ctr">
                       <a:noFill/>
                       <a:prstDash val="solid"/>
                     </a:lnR>
-                    <a:lnT algn="ctr" cmpd="sng" cap="flat" w="0">
+                    <a:lnT w="0" cap="flat" cmpd="sng" algn="ctr">
                       <a:noFill/>
                       <a:prstDash val="solid"/>
                     </a:lnT>
-                    <a:lnB algn="ctr" cmpd="sng" cap="flat" w="0">
+                    <a:lnB w="0" cap="flat" cmpd="sng" algn="ctr">
                       <a:noFill/>
                       <a:prstDash val="solid"/>
                     </a:lnB>
@@ -5622,7 +6395,7 @@
                     <a:bodyPr/>
                     <a:lstStyle/>
                     <a:p>
-                      <a:pPr algn="ctr" marL="63500" marR="63500">
+                      <a:pPr marL="63500" marR="63500" algn="ctr">
                         <a:lnSpc>
                           <a:spcPct val="100000"/>
                         </a:lnSpc>
@@ -5635,7 +6408,7 @@
                         <a:buNone/>
                       </a:pPr>
                       <a:r>
-                        <a:rPr cap="none" sz="1100" i="0" b="0" u="none">
+                        <a:rPr sz="1100" b="0" i="0" u="none" cap="none">
                           <a:solidFill>
                             <a:srgbClr val="000000">
                               <a:alpha val="100000"/>
@@ -5643,27 +6416,26 @@
                           </a:solidFill>
                           <a:latin typeface="Arial"/>
                           <a:cs typeface="Arial"/>
-                          <a:ea typeface="Arial"/>
                           <a:sym typeface="Arial"/>
                         </a:rPr>
                         <a:t>0.58</a:t>
                       </a:r>
                     </a:p>
                   </a:txBody>
-                  <a:tcPr anchor="ctr" marB="63500" marT="63500" marR="0" marL="0">
-                    <a:lnL algn="ctr" cmpd="sng" cap="flat" w="0">
+                  <a:tcPr marL="0" marR="0" marT="63500" marB="63500" anchor="ctr">
+                    <a:lnL w="0" cap="flat" cmpd="sng" algn="ctr">
                       <a:noFill/>
                       <a:prstDash val="solid"/>
                     </a:lnL>
-                    <a:lnR algn="ctr" cmpd="sng" cap="flat" w="0">
+                    <a:lnR w="0" cap="flat" cmpd="sng" algn="ctr">
                       <a:noFill/>
                       <a:prstDash val="solid"/>
                     </a:lnR>
-                    <a:lnT algn="ctr" cmpd="sng" cap="flat" w="0">
+                    <a:lnT w="0" cap="flat" cmpd="sng" algn="ctr">
                       <a:noFill/>
                       <a:prstDash val="solid"/>
                     </a:lnT>
-                    <a:lnB algn="ctr" cmpd="sng" cap="flat" w="0">
+                    <a:lnB w="0" cap="flat" cmpd="sng" algn="ctr">
                       <a:noFill/>
                       <a:prstDash val="solid"/>
                     </a:lnB>
@@ -5674,6 +6446,11 @@
                     </a:solidFill>
                   </a:tcPr>
                 </a:tc>
+                <a:extLst>
+                  <a:ext uri="{0D108BD9-81ED-4DB2-BD59-A6C34878D82A}">
+                    <a16:rowId xmlns:a16="http://schemas.microsoft.com/office/drawing/2014/main" val="10004"/>
+                  </a:ext>
+                </a:extLst>
               </a:tr>
               <a:tr h="228600">
                 <a:tc>
@@ -5681,7 +6458,7 @@
                     <a:bodyPr/>
                     <a:lstStyle/>
                     <a:p>
-                      <a:pPr algn="l" marL="63500" marR="63500">
+                      <a:pPr marL="63500" marR="63500" algn="l">
                         <a:lnSpc>
                           <a:spcPct val="100000"/>
                         </a:lnSpc>
@@ -5694,7 +6471,7 @@
                         <a:buNone/>
                       </a:pPr>
                       <a:r>
-                        <a:rPr cap="none" sz="1100" i="0" b="0" u="none">
+                        <a:rPr sz="1100" b="0" i="0" u="none" cap="none">
                           <a:solidFill>
                             <a:srgbClr val="000000">
                               <a:alpha val="100000"/>
@@ -5702,27 +6479,26 @@
                           </a:solidFill>
                           <a:latin typeface="Arial"/>
                           <a:cs typeface="Arial"/>
-                          <a:ea typeface="Arial"/>
                           <a:sym typeface="Arial"/>
                         </a:rPr>
                         <a:t>Number of hospitals listed with PBSC collection</a:t>
                       </a:r>
                     </a:p>
                   </a:txBody>
-                  <a:tcPr anchor="ctr" marB="63500" marT="63500" marR="0" marL="0">
-                    <a:lnL algn="ctr" cmpd="sng" cap="flat" w="0">
+                  <a:tcPr marL="0" marR="0" marT="63500" marB="63500" anchor="ctr">
+                    <a:lnL w="0" cap="flat" cmpd="sng" algn="ctr">
                       <a:noFill/>
                       <a:prstDash val="solid"/>
                     </a:lnL>
-                    <a:lnR algn="ctr" cmpd="sng" cap="flat" w="0">
+                    <a:lnR w="0" cap="flat" cmpd="sng" algn="ctr">
                       <a:noFill/>
                       <a:prstDash val="solid"/>
                     </a:lnR>
-                    <a:lnT algn="ctr" cmpd="sng" cap="flat" w="0">
+                    <a:lnT w="0" cap="flat" cmpd="sng" algn="ctr">
                       <a:noFill/>
                       <a:prstDash val="solid"/>
                     </a:lnT>
-                    <a:lnB algn="ctr" cmpd="sng" cap="flat" w="0">
+                    <a:lnB w="0" cap="flat" cmpd="sng" algn="ctr">
                       <a:noFill/>
                       <a:prstDash val="solid"/>
                     </a:lnB>
@@ -5738,7 +6514,7 @@
                     <a:bodyPr/>
                     <a:lstStyle/>
                     <a:p>
-                      <a:pPr algn="ctr" marL="63500" marR="63500">
+                      <a:pPr marL="63500" marR="63500" algn="ctr">
                         <a:lnSpc>
                           <a:spcPct val="100000"/>
                         </a:lnSpc>
@@ -5751,7 +6527,7 @@
                         <a:buNone/>
                       </a:pPr>
                       <a:r>
-                        <a:rPr cap="none" sz="1100" i="0" b="0" u="none">
+                        <a:rPr sz="1100" b="0" i="0" u="none" cap="none">
                           <a:solidFill>
                             <a:srgbClr val="000000">
                               <a:alpha val="100000"/>
@@ -5759,27 +6535,26 @@
                           </a:solidFill>
                           <a:latin typeface="Arial"/>
                           <a:cs typeface="Arial"/>
-                          <a:ea typeface="Arial"/>
                           <a:sym typeface="Arial"/>
                         </a:rPr>
                         <a:t>0.16</a:t>
                       </a:r>
                     </a:p>
                   </a:txBody>
-                  <a:tcPr anchor="ctr" marB="63500" marT="63500" marR="0" marL="0">
-                    <a:lnL algn="ctr" cmpd="sng" cap="flat" w="0">
+                  <a:tcPr marL="0" marR="0" marT="63500" marB="63500" anchor="ctr">
+                    <a:lnL w="0" cap="flat" cmpd="sng" algn="ctr">
                       <a:noFill/>
                       <a:prstDash val="solid"/>
                     </a:lnL>
-                    <a:lnR algn="ctr" cmpd="sng" cap="flat" w="0">
+                    <a:lnR w="0" cap="flat" cmpd="sng" algn="ctr">
                       <a:noFill/>
                       <a:prstDash val="solid"/>
                     </a:lnR>
-                    <a:lnT algn="ctr" cmpd="sng" cap="flat" w="0">
+                    <a:lnT w="0" cap="flat" cmpd="sng" algn="ctr">
                       <a:noFill/>
                       <a:prstDash val="solid"/>
                     </a:lnT>
-                    <a:lnB algn="ctr" cmpd="sng" cap="flat" w="0">
+                    <a:lnB w="0" cap="flat" cmpd="sng" algn="ctr">
                       <a:noFill/>
                       <a:prstDash val="solid"/>
                     </a:lnB>
@@ -5795,7 +6570,7 @@
                     <a:bodyPr/>
                     <a:lstStyle/>
                     <a:p>
-                      <a:pPr algn="ctr" marL="63500" marR="63500">
+                      <a:pPr marL="63500" marR="63500" algn="ctr">
                         <a:lnSpc>
                           <a:spcPct val="100000"/>
                         </a:lnSpc>
@@ -5808,7 +6583,7 @@
                         <a:buNone/>
                       </a:pPr>
                       <a:r>
-                        <a:rPr cap="none" sz="1100" i="0" b="0" u="none">
+                        <a:rPr sz="1100" b="0" i="0" u="none" cap="none">
                           <a:solidFill>
                             <a:srgbClr val="000000">
                               <a:alpha val="100000"/>
@@ -5816,27 +6591,26 @@
                           </a:solidFill>
                           <a:latin typeface="Arial"/>
                           <a:cs typeface="Arial"/>
-                          <a:ea typeface="Arial"/>
                           <a:sym typeface="Arial"/>
                         </a:rPr>
                         <a:t>0.13</a:t>
                       </a:r>
                     </a:p>
                   </a:txBody>
-                  <a:tcPr anchor="ctr" marB="63500" marT="63500" marR="0" marL="0">
-                    <a:lnL algn="ctr" cmpd="sng" cap="flat" w="0">
+                  <a:tcPr marL="0" marR="0" marT="63500" marB="63500" anchor="ctr">
+                    <a:lnL w="0" cap="flat" cmpd="sng" algn="ctr">
                       <a:noFill/>
                       <a:prstDash val="solid"/>
                     </a:lnL>
-                    <a:lnR algn="ctr" cmpd="sng" cap="flat" w="0">
+                    <a:lnR w="0" cap="flat" cmpd="sng" algn="ctr">
                       <a:noFill/>
                       <a:prstDash val="solid"/>
                     </a:lnR>
-                    <a:lnT algn="ctr" cmpd="sng" cap="flat" w="0">
+                    <a:lnT w="0" cap="flat" cmpd="sng" algn="ctr">
                       <a:noFill/>
                       <a:prstDash val="solid"/>
                     </a:lnT>
-                    <a:lnB algn="ctr" cmpd="sng" cap="flat" w="0">
+                    <a:lnB w="0" cap="flat" cmpd="sng" algn="ctr">
                       <a:noFill/>
                       <a:prstDash val="solid"/>
                     </a:lnB>
@@ -5852,7 +6626,7 @@
                     <a:bodyPr/>
                     <a:lstStyle/>
                     <a:p>
-                      <a:pPr algn="ctr" marL="63500" marR="63500">
+                      <a:pPr marL="63500" marR="63500" algn="ctr">
                         <a:lnSpc>
                           <a:spcPct val="100000"/>
                         </a:lnSpc>
@@ -5865,7 +6639,7 @@
                         <a:buNone/>
                       </a:pPr>
                       <a:r>
-                        <a:rPr cap="none" sz="1100" i="0" b="0" u="none">
+                        <a:rPr sz="1100" b="0" i="0" u="none" cap="none">
                           <a:solidFill>
                             <a:srgbClr val="000000">
                               <a:alpha val="100000"/>
@@ -5873,27 +6647,26 @@
                           </a:solidFill>
                           <a:latin typeface="Arial"/>
                           <a:cs typeface="Arial"/>
-                          <a:ea typeface="Arial"/>
                           <a:sym typeface="Arial"/>
                         </a:rPr>
                         <a:t>0.20</a:t>
                       </a:r>
                     </a:p>
                   </a:txBody>
-                  <a:tcPr anchor="ctr" marB="63500" marT="63500" marR="0" marL="0">
-                    <a:lnL algn="ctr" cmpd="sng" cap="flat" w="0">
+                  <a:tcPr marL="0" marR="0" marT="63500" marB="63500" anchor="ctr">
+                    <a:lnL w="0" cap="flat" cmpd="sng" algn="ctr">
                       <a:noFill/>
                       <a:prstDash val="solid"/>
                     </a:lnL>
-                    <a:lnR algn="ctr" cmpd="sng" cap="flat" w="0">
+                    <a:lnR w="0" cap="flat" cmpd="sng" algn="ctr">
                       <a:noFill/>
                       <a:prstDash val="solid"/>
                     </a:lnR>
-                    <a:lnT algn="ctr" cmpd="sng" cap="flat" w="0">
+                    <a:lnT w="0" cap="flat" cmpd="sng" algn="ctr">
                       <a:noFill/>
                       <a:prstDash val="solid"/>
                     </a:lnT>
-                    <a:lnB algn="ctr" cmpd="sng" cap="flat" w="0">
+                    <a:lnB w="0" cap="flat" cmpd="sng" algn="ctr">
                       <a:noFill/>
                       <a:prstDash val="solid"/>
                     </a:lnB>
@@ -5904,6 +6677,11 @@
                     </a:solidFill>
                   </a:tcPr>
                 </a:tc>
+                <a:extLst>
+                  <a:ext uri="{0D108BD9-81ED-4DB2-BD59-A6C34878D82A}">
+                    <a16:rowId xmlns:a16="http://schemas.microsoft.com/office/drawing/2014/main" val="10005"/>
+                  </a:ext>
+                </a:extLst>
               </a:tr>
               <a:tr h="228600">
                 <a:tc>
@@ -5911,7 +6689,7 @@
                     <a:bodyPr/>
                     <a:lstStyle/>
                     <a:p>
-                      <a:pPr algn="l" marL="63500" marR="63500">
+                      <a:pPr marL="63500" marR="63500" algn="l">
                         <a:lnSpc>
                           <a:spcPct val="100000"/>
                         </a:lnSpc>
@@ -5924,7 +6702,7 @@
                         <a:buNone/>
                       </a:pPr>
                       <a:r>
-                        <a:rPr cap="none" sz="1100" i="0" b="0" u="none">
+                        <a:rPr sz="1100" b="0" i="0" u="none" cap="none">
                           <a:solidFill>
                             <a:srgbClr val="000000">
                               <a:alpha val="100000"/>
@@ -5932,27 +6710,26 @@
                           </a:solidFill>
                           <a:latin typeface="Arial"/>
                           <a:cs typeface="Arial"/>
-                          <a:ea typeface="Arial"/>
                           <a:sym typeface="Arial"/>
                         </a:rPr>
                         <a:t>Number of hospitals listed with BM collection</a:t>
                       </a:r>
                     </a:p>
                   </a:txBody>
-                  <a:tcPr anchor="ctr" marB="63500" marT="63500" marR="0" marL="0">
-                    <a:lnL algn="ctr" cmpd="sng" cap="flat" w="0">
+                  <a:tcPr marL="0" marR="0" marT="63500" marB="63500" anchor="ctr">
+                    <a:lnL w="0" cap="flat" cmpd="sng" algn="ctr">
                       <a:noFill/>
                       <a:prstDash val="solid"/>
                     </a:lnL>
-                    <a:lnR algn="ctr" cmpd="sng" cap="flat" w="0">
+                    <a:lnR w="0" cap="flat" cmpd="sng" algn="ctr">
                       <a:noFill/>
                       <a:prstDash val="solid"/>
                     </a:lnR>
-                    <a:lnT algn="ctr" cmpd="sng" cap="flat" w="0">
+                    <a:lnT w="0" cap="flat" cmpd="sng" algn="ctr">
                       <a:noFill/>
                       <a:prstDash val="solid"/>
                     </a:lnT>
-                    <a:lnB algn="ctr" cmpd="sng" cap="flat" w="0">
+                    <a:lnB w="0" cap="flat" cmpd="sng" algn="ctr">
                       <a:noFill/>
                       <a:prstDash val="solid"/>
                     </a:lnB>
@@ -5968,7 +6745,7 @@
                     <a:bodyPr/>
                     <a:lstStyle/>
                     <a:p>
-                      <a:pPr algn="ctr" marL="63500" marR="63500">
+                      <a:pPr marL="63500" marR="63500" algn="ctr">
                         <a:lnSpc>
                           <a:spcPct val="100000"/>
                         </a:lnSpc>
@@ -5981,7 +6758,7 @@
                         <a:buNone/>
                       </a:pPr>
                       <a:r>
-                        <a:rPr cap="none" sz="1100" i="0" b="0" u="none">
+                        <a:rPr sz="1100" b="0" i="0" u="none" cap="none">
                           <a:solidFill>
                             <a:srgbClr val="000000">
                               <a:alpha val="100000"/>
@@ -5989,27 +6766,26 @@
                           </a:solidFill>
                           <a:latin typeface="Arial"/>
                           <a:cs typeface="Arial"/>
-                          <a:ea typeface="Arial"/>
                           <a:sym typeface="Arial"/>
                         </a:rPr>
                         <a:t>0.24</a:t>
                       </a:r>
                     </a:p>
                   </a:txBody>
-                  <a:tcPr anchor="ctr" marB="63500" marT="63500" marR="0" marL="0">
-                    <a:lnL algn="ctr" cmpd="sng" cap="flat" w="0">
+                  <a:tcPr marL="0" marR="0" marT="63500" marB="63500" anchor="ctr">
+                    <a:lnL w="0" cap="flat" cmpd="sng" algn="ctr">
                       <a:noFill/>
                       <a:prstDash val="solid"/>
                     </a:lnL>
-                    <a:lnR algn="ctr" cmpd="sng" cap="flat" w="0">
+                    <a:lnR w="0" cap="flat" cmpd="sng" algn="ctr">
                       <a:noFill/>
                       <a:prstDash val="solid"/>
                     </a:lnR>
-                    <a:lnT algn="ctr" cmpd="sng" cap="flat" w="0">
+                    <a:lnT w="0" cap="flat" cmpd="sng" algn="ctr">
                       <a:noFill/>
                       <a:prstDash val="solid"/>
                     </a:lnT>
-                    <a:lnB algn="ctr" cmpd="sng" cap="flat" w="0">
+                    <a:lnB w="0" cap="flat" cmpd="sng" algn="ctr">
                       <a:noFill/>
                       <a:prstDash val="solid"/>
                     </a:lnB>
@@ -6025,7 +6801,7 @@
                     <a:bodyPr/>
                     <a:lstStyle/>
                     <a:p>
-                      <a:pPr algn="ctr" marL="63500" marR="63500">
+                      <a:pPr marL="63500" marR="63500" algn="ctr">
                         <a:lnSpc>
                           <a:spcPct val="100000"/>
                         </a:lnSpc>
@@ -6038,7 +6814,7 @@
                         <a:buNone/>
                       </a:pPr>
                       <a:r>
-                        <a:rPr cap="none" sz="1100" i="0" b="0" u="none">
+                        <a:rPr sz="1100" b="0" i="0" u="none" cap="none">
                           <a:solidFill>
                             <a:srgbClr val="000000">
                               <a:alpha val="100000"/>
@@ -6046,27 +6822,26 @@
                           </a:solidFill>
                           <a:latin typeface="Arial"/>
                           <a:cs typeface="Arial"/>
-                          <a:ea typeface="Arial"/>
                           <a:sym typeface="Arial"/>
                         </a:rPr>
                         <a:t>0.20</a:t>
                       </a:r>
                     </a:p>
                   </a:txBody>
-                  <a:tcPr anchor="ctr" marB="63500" marT="63500" marR="0" marL="0">
-                    <a:lnL algn="ctr" cmpd="sng" cap="flat" w="0">
+                  <a:tcPr marL="0" marR="0" marT="63500" marB="63500" anchor="ctr">
+                    <a:lnL w="0" cap="flat" cmpd="sng" algn="ctr">
                       <a:noFill/>
                       <a:prstDash val="solid"/>
                     </a:lnL>
-                    <a:lnR algn="ctr" cmpd="sng" cap="flat" w="0">
+                    <a:lnR w="0" cap="flat" cmpd="sng" algn="ctr">
                       <a:noFill/>
                       <a:prstDash val="solid"/>
                     </a:lnR>
-                    <a:lnT algn="ctr" cmpd="sng" cap="flat" w="0">
+                    <a:lnT w="0" cap="flat" cmpd="sng" algn="ctr">
                       <a:noFill/>
                       <a:prstDash val="solid"/>
                     </a:lnT>
-                    <a:lnB algn="ctr" cmpd="sng" cap="flat" w="0">
+                    <a:lnB w="0" cap="flat" cmpd="sng" algn="ctr">
                       <a:noFill/>
                       <a:prstDash val="solid"/>
                     </a:lnB>
@@ -6082,7 +6857,7 @@
                     <a:bodyPr/>
                     <a:lstStyle/>
                     <a:p>
-                      <a:pPr algn="ctr" marL="63500" marR="63500">
+                      <a:pPr marL="63500" marR="63500" algn="ctr">
                         <a:lnSpc>
                           <a:spcPct val="100000"/>
                         </a:lnSpc>
@@ -6095,7 +6870,7 @@
                         <a:buNone/>
                       </a:pPr>
                       <a:r>
-                        <a:rPr cap="none" sz="1100" i="0" b="0" u="none">
+                        <a:rPr sz="1100" b="0" i="0" u="none" cap="none">
                           <a:solidFill>
                             <a:srgbClr val="000000">
                               <a:alpha val="100000"/>
@@ -6103,27 +6878,26 @@
                           </a:solidFill>
                           <a:latin typeface="Arial"/>
                           <a:cs typeface="Arial"/>
-                          <a:ea typeface="Arial"/>
                           <a:sym typeface="Arial"/>
                         </a:rPr>
                         <a:t>0.31</a:t>
                       </a:r>
                     </a:p>
                   </a:txBody>
-                  <a:tcPr anchor="ctr" marB="63500" marT="63500" marR="0" marL="0">
-                    <a:lnL algn="ctr" cmpd="sng" cap="flat" w="0">
+                  <a:tcPr marL="0" marR="0" marT="63500" marB="63500" anchor="ctr">
+                    <a:lnL w="0" cap="flat" cmpd="sng" algn="ctr">
                       <a:noFill/>
                       <a:prstDash val="solid"/>
                     </a:lnL>
-                    <a:lnR algn="ctr" cmpd="sng" cap="flat" w="0">
+                    <a:lnR w="0" cap="flat" cmpd="sng" algn="ctr">
                       <a:noFill/>
                       <a:prstDash val="solid"/>
                     </a:lnR>
-                    <a:lnT algn="ctr" cmpd="sng" cap="flat" w="0">
+                    <a:lnT w="0" cap="flat" cmpd="sng" algn="ctr">
                       <a:noFill/>
                       <a:prstDash val="solid"/>
                     </a:lnT>
-                    <a:lnB algn="ctr" cmpd="sng" cap="flat" w="0">
+                    <a:lnB w="0" cap="flat" cmpd="sng" algn="ctr">
                       <a:noFill/>
                       <a:prstDash val="solid"/>
                     </a:lnB>
@@ -6134,6 +6908,11 @@
                     </a:solidFill>
                   </a:tcPr>
                 </a:tc>
+                <a:extLst>
+                  <a:ext uri="{0D108BD9-81ED-4DB2-BD59-A6C34878D82A}">
+                    <a16:rowId xmlns:a16="http://schemas.microsoft.com/office/drawing/2014/main" val="10006"/>
+                  </a:ext>
+                </a:extLst>
               </a:tr>
               <a:tr h="228600">
                 <a:tc>
@@ -6141,7 +6920,7 @@
                     <a:bodyPr/>
                     <a:lstStyle/>
                     <a:p>
-                      <a:pPr algn="l" marL="63500" marR="63500">
+                      <a:pPr marL="63500" marR="63500" algn="l">
                         <a:lnSpc>
                           <a:spcPct val="100000"/>
                         </a:lnSpc>
@@ -6154,7 +6933,7 @@
                         <a:buNone/>
                       </a:pPr>
                       <a:r>
-                        <a:rPr cap="none" sz="1100" i="0" b="0" u="none">
+                        <a:rPr sz="1100" b="0" i="0" u="none" cap="none">
                           <a:solidFill>
                             <a:srgbClr val="000000">
                               <a:alpha val="100000"/>
@@ -6162,27 +6941,26 @@
                           </a:solidFill>
                           <a:latin typeface="Arial"/>
                           <a:cs typeface="Arial"/>
-                          <a:ea typeface="Arial"/>
                           <a:sym typeface="Arial"/>
                         </a:rPr>
                         <a:t>N</a:t>
                       </a:r>
                     </a:p>
                   </a:txBody>
-                  <a:tcPr anchor="ctr" marB="63500" marT="63500" marR="0" marL="0">
-                    <a:lnL algn="ctr" cmpd="sng" cap="flat" w="0">
+                  <a:tcPr marL="0" marR="0" marT="63500" marB="63500" anchor="ctr">
+                    <a:lnL w="0" cap="flat" cmpd="sng" algn="ctr">
                       <a:noFill/>
                       <a:prstDash val="solid"/>
                     </a:lnL>
-                    <a:lnR algn="ctr" cmpd="sng" cap="flat" w="0">
+                    <a:lnR w="0" cap="flat" cmpd="sng" algn="ctr">
                       <a:noFill/>
                       <a:prstDash val="solid"/>
                     </a:lnR>
-                    <a:lnT algn="ctr" cmpd="sng" cap="flat" w="0">
+                    <a:lnT w="0" cap="flat" cmpd="sng" algn="ctr">
                       <a:noFill/>
                       <a:prstDash val="solid"/>
                     </a:lnT>
-                    <a:lnB algn="ctr" cmpd="sng" cap="flat" w="12700">
+                    <a:lnB w="12700" cap="flat" cmpd="sng" algn="ctr">
                       <a:solidFill>
                         <a:srgbClr val="000000">
                           <a:alpha val="100000"/>
@@ -6202,7 +6980,7 @@
                     <a:bodyPr/>
                     <a:lstStyle/>
                     <a:p>
-                      <a:pPr algn="ctr" marL="63500" marR="63500">
+                      <a:pPr marL="63500" marR="63500" algn="ctr">
                         <a:lnSpc>
                           <a:spcPct val="100000"/>
                         </a:lnSpc>
@@ -6215,7 +6993,7 @@
                         <a:buNone/>
                       </a:pPr>
                       <a:r>
-                        <a:rPr cap="none" sz="1100" i="0" b="0" u="none">
+                        <a:rPr sz="1100" b="0" i="0" u="none" cap="none">
                           <a:solidFill>
                             <a:srgbClr val="000000">
                               <a:alpha val="100000"/>
@@ -6223,27 +7001,26 @@
                           </a:solidFill>
                           <a:latin typeface="Arial"/>
                           <a:cs typeface="Arial"/>
-                          <a:ea typeface="Arial"/>
                           <a:sym typeface="Arial"/>
                         </a:rPr>
                         <a:t>4980</a:t>
                       </a:r>
                     </a:p>
                   </a:txBody>
-                  <a:tcPr anchor="ctr" marB="63500" marT="63500" marR="0" marL="0">
-                    <a:lnL algn="ctr" cmpd="sng" cap="flat" w="0">
+                  <a:tcPr marL="0" marR="0" marT="63500" marB="63500" anchor="ctr">
+                    <a:lnL w="0" cap="flat" cmpd="sng" algn="ctr">
                       <a:noFill/>
                       <a:prstDash val="solid"/>
                     </a:lnL>
-                    <a:lnR algn="ctr" cmpd="sng" cap="flat" w="0">
+                    <a:lnR w="0" cap="flat" cmpd="sng" algn="ctr">
                       <a:noFill/>
                       <a:prstDash val="solid"/>
                     </a:lnR>
-                    <a:lnT algn="ctr" cmpd="sng" cap="flat" w="0">
+                    <a:lnT w="0" cap="flat" cmpd="sng" algn="ctr">
                       <a:noFill/>
                       <a:prstDash val="solid"/>
                     </a:lnT>
-                    <a:lnB algn="ctr" cmpd="sng" cap="flat" w="12700">
+                    <a:lnB w="12700" cap="flat" cmpd="sng" algn="ctr">
                       <a:solidFill>
                         <a:srgbClr val="000000">
                           <a:alpha val="100000"/>
@@ -6263,7 +7040,7 @@
                     <a:bodyPr/>
                     <a:lstStyle/>
                     <a:p>
-                      <a:pPr algn="ctr" marL="63500" marR="63500">
+                      <a:pPr marL="63500" marR="63500" algn="ctr">
                         <a:lnSpc>
                           <a:spcPct val="100000"/>
                         </a:lnSpc>
@@ -6276,7 +7053,7 @@
                         <a:buNone/>
                       </a:pPr>
                       <a:r>
-                        <a:rPr cap="none" sz="1100" i="0" b="0" u="none">
+                        <a:rPr sz="1100" b="0" i="0" u="none" cap="none">
                           <a:solidFill>
                             <a:srgbClr val="000000">
                               <a:alpha val="100000"/>
@@ -6284,27 +7061,26 @@
                           </a:solidFill>
                           <a:latin typeface="Arial"/>
                           <a:cs typeface="Arial"/>
-                          <a:ea typeface="Arial"/>
                           <a:sym typeface="Arial"/>
                         </a:rPr>
                         <a:t>2728</a:t>
                       </a:r>
                     </a:p>
                   </a:txBody>
-                  <a:tcPr anchor="ctr" marB="63500" marT="63500" marR="0" marL="0">
-                    <a:lnL algn="ctr" cmpd="sng" cap="flat" w="0">
+                  <a:tcPr marL="0" marR="0" marT="63500" marB="63500" anchor="ctr">
+                    <a:lnL w="0" cap="flat" cmpd="sng" algn="ctr">
                       <a:noFill/>
                       <a:prstDash val="solid"/>
                     </a:lnL>
-                    <a:lnR algn="ctr" cmpd="sng" cap="flat" w="0">
+                    <a:lnR w="0" cap="flat" cmpd="sng" algn="ctr">
                       <a:noFill/>
                       <a:prstDash val="solid"/>
                     </a:lnR>
-                    <a:lnT algn="ctr" cmpd="sng" cap="flat" w="0">
+                    <a:lnT w="0" cap="flat" cmpd="sng" algn="ctr">
                       <a:noFill/>
                       <a:prstDash val="solid"/>
                     </a:lnT>
-                    <a:lnB algn="ctr" cmpd="sng" cap="flat" w="12700">
+                    <a:lnB w="12700" cap="flat" cmpd="sng" algn="ctr">
                       <a:solidFill>
                         <a:srgbClr val="000000">
                           <a:alpha val="100000"/>
@@ -6324,7 +7100,7 @@
                     <a:bodyPr/>
                     <a:lstStyle/>
                     <a:p>
-                      <a:pPr algn="ctr" marL="63500" marR="63500">
+                      <a:pPr marL="63500" marR="63500" algn="ctr">
                         <a:lnSpc>
                           <a:spcPct val="100000"/>
                         </a:lnSpc>
@@ -6337,7 +7113,7 @@
                         <a:buNone/>
                       </a:pPr>
                       <a:r>
-                        <a:rPr cap="none" sz="1100" i="0" b="0" u="none">
+                        <a:rPr sz="1100" b="0" i="0" u="none" cap="none">
                           <a:solidFill>
                             <a:srgbClr val="000000">
                               <a:alpha val="100000"/>
@@ -6345,27 +7121,26 @@
                           </a:solidFill>
                           <a:latin typeface="Arial"/>
                           <a:cs typeface="Arial"/>
-                          <a:ea typeface="Arial"/>
                           <a:sym typeface="Arial"/>
                         </a:rPr>
                         <a:t>3341</a:t>
                       </a:r>
                     </a:p>
                   </a:txBody>
-                  <a:tcPr anchor="ctr" marB="63500" marT="63500" marR="0" marL="0">
-                    <a:lnL algn="ctr" cmpd="sng" cap="flat" w="0">
+                  <a:tcPr marL="0" marR="0" marT="63500" marB="63500" anchor="ctr">
+                    <a:lnL w="0" cap="flat" cmpd="sng" algn="ctr">
                       <a:noFill/>
                       <a:prstDash val="solid"/>
                     </a:lnL>
-                    <a:lnR algn="ctr" cmpd="sng" cap="flat" w="0">
+                    <a:lnR w="0" cap="flat" cmpd="sng" algn="ctr">
                       <a:noFill/>
                       <a:prstDash val="solid"/>
                     </a:lnR>
-                    <a:lnT algn="ctr" cmpd="sng" cap="flat" w="0">
+                    <a:lnT w="0" cap="flat" cmpd="sng" algn="ctr">
                       <a:noFill/>
                       <a:prstDash val="solid"/>
                     </a:lnT>
-                    <a:lnB algn="ctr" cmpd="sng" cap="flat" w="12700">
+                    <a:lnB w="12700" cap="flat" cmpd="sng" algn="ctr">
                       <a:solidFill>
                         <a:srgbClr val="000000">
                           <a:alpha val="100000"/>
@@ -6380,6 +7155,11 @@
                     </a:solidFill>
                   </a:tcPr>
                 </a:tc>
+                <a:extLst>
+                  <a:ext uri="{0D108BD9-81ED-4DB2-BD59-A6C34878D82A}">
+                    <a16:rowId xmlns:a16="http://schemas.microsoft.com/office/drawing/2014/main" val="10007"/>
+                  </a:ext>
+                </a:extLst>
               </a:tr>
             </a:tbl>
           </a:graphicData>
@@ -6387,6 +7167,9 @@
       </p:graphicFrame>
     </p:spTree>
   </p:cSld>
+  <p:clrMapOvr>
+    <a:masterClrMapping/>
+  </p:clrMapOvr>
 </p:sld>
 </file>
 
@@ -6422,11 +7205,10 @@
           <a:bodyPr/>
           <a:lstStyle/>
           <a:p>
-            <a:pPr lvl="0" indent="0" marL="0">
+            <a:pPr marL="0" lvl="0" indent="0">
               <a:buNone/>
             </a:pPr>
             <a:r>
-              <a:rPr/>
               <a:t>個人属性の分布</a:t>
             </a:r>
           </a:p>
@@ -6434,7 +7216,7 @@
       </p:sp>
       <p:pic>
         <p:nvPicPr>
-          <p:cNvPr descr="targeting_files/figure-pptx/chacteristics-targeting-dist-1.png" id="0" name="Picture 1"/>
+          <p:cNvPr id="3" name="Picture 1" descr="targeting_files/figure-pptx/chacteristics-targeting-dist-1.png"/>
           <p:cNvPicPr>
             <a:picLocks noGrp="1" noChangeAspect="1"/>
           </p:cNvPicPr>
@@ -6464,6 +7246,9 @@
       </p:pic>
     </p:spTree>
   </p:cSld>
+  <p:clrMapOvr>
+    <a:masterClrMapping/>
+  </p:clrMapOvr>
 </p:sld>
 </file>
 
@@ -6785,265 +7570,4 @@
   </a:objectDefaults>
   <a:extraClrSchemeLst/>
 </a:theme>
-</file>
-
-<file path=ppt/theme/theme2.xml><?xml version="1.0" encoding="utf-8"?>
-<a:theme xmlns:a="http://schemas.openxmlformats.org/drawingml/2006/main" name="Office Theme">
-  <a:themeElements>
-    <a:clrScheme name="Office">
-      <a:dk1>
-        <a:sysClr val="windowText" lastClr="000000"/>
-      </a:dk1>
-      <a:lt1>
-        <a:sysClr val="window" lastClr="FFFFFF"/>
-      </a:lt1>
-      <a:dk2>
-        <a:srgbClr val="44546A"/>
-      </a:dk2>
-      <a:lt2>
-        <a:srgbClr val="E7E6E6"/>
-      </a:lt2>
-      <a:accent1>
-        <a:srgbClr val="5B9BD5"/>
-      </a:accent1>
-      <a:accent2>
-        <a:srgbClr val="ED7D31"/>
-      </a:accent2>
-      <a:accent3>
-        <a:srgbClr val="A5A5A5"/>
-      </a:accent3>
-      <a:accent4>
-        <a:srgbClr val="FFC000"/>
-      </a:accent4>
-      <a:accent5>
-        <a:srgbClr val="4472C4"/>
-      </a:accent5>
-      <a:accent6>
-        <a:srgbClr val="70AD47"/>
-      </a:accent6>
-      <a:hlink>
-        <a:srgbClr val="0563C1"/>
-      </a:hlink>
-      <a:folHlink>
-        <a:srgbClr val="954F72"/>
-      </a:folHlink>
-    </a:clrScheme>
-    <a:fontScheme name="Office">
-      <a:majorFont>
-        <a:latin typeface="Calibri Light" panose="020F0302020204030204"/>
-        <a:ea typeface=""/>
-        <a:cs typeface=""/>
-        <a:font script="Jpan" typeface="ＭＳ Ｐゴシック"/>
-        <a:font script="Hang" typeface="맑은 고딕"/>
-        <a:font script="Hans" typeface="宋体"/>
-        <a:font script="Hant" typeface="新細明體"/>
-        <a:font script="Arab" typeface="Times New Roman"/>
-        <a:font script="Hebr" typeface="Times New Roman"/>
-        <a:font script="Thai" typeface="Angsana New"/>
-        <a:font script="Ethi" typeface="Nyala"/>
-        <a:font script="Beng" typeface="Vrinda"/>
-        <a:font script="Gujr" typeface="Shruti"/>
-        <a:font script="Khmr" typeface="MoolBoran"/>
-        <a:font script="Knda" typeface="Tunga"/>
-        <a:font script="Guru" typeface="Raavi"/>
-        <a:font script="Cans" typeface="Euphemia"/>
-        <a:font script="Cher" typeface="Plantagenet Cherokee"/>
-        <a:font script="Yiii" typeface="Microsoft Yi Baiti"/>
-        <a:font script="Tibt" typeface="Microsoft Himalaya"/>
-        <a:font script="Thaa" typeface="MV Boli"/>
-        <a:font script="Deva" typeface="Mangal"/>
-        <a:font script="Telu" typeface="Gautami"/>
-        <a:font script="Taml" typeface="Latha"/>
-        <a:font script="Syrc" typeface="Estrangelo Edessa"/>
-        <a:font script="Orya" typeface="Kalinga"/>
-        <a:font script="Mlym" typeface="Kartika"/>
-        <a:font script="Laoo" typeface="DokChampa"/>
-        <a:font script="Sinh" typeface="Iskoola Pota"/>
-        <a:font script="Mong" typeface="Mongolian Baiti"/>
-        <a:font script="Viet" typeface="Times New Roman"/>
-        <a:font script="Uigh" typeface="Microsoft Uighur"/>
-        <a:font script="Geor" typeface="Sylfaen"/>
-      </a:majorFont>
-      <a:minorFont>
-        <a:latin typeface="Calibri" panose="020F0502020204030204"/>
-        <a:ea typeface=""/>
-        <a:cs typeface=""/>
-        <a:font script="Jpan" typeface="ＭＳ Ｐゴシック"/>
-        <a:font script="Hang" typeface="맑은 고딕"/>
-        <a:font script="Hans" typeface="宋体"/>
-        <a:font script="Hant" typeface="新細明體"/>
-        <a:font script="Arab" typeface="Arial"/>
-        <a:font script="Hebr" typeface="Arial"/>
-        <a:font script="Thai" typeface="Cordia New"/>
-        <a:font script="Ethi" typeface="Nyala"/>
-        <a:font script="Beng" typeface="Vrinda"/>
-        <a:font script="Gujr" typeface="Shruti"/>
-        <a:font script="Khmr" typeface="DaunPenh"/>
-        <a:font script="Knda" typeface="Tunga"/>
-        <a:font script="Guru" typeface="Raavi"/>
-        <a:font script="Cans" typeface="Euphemia"/>
-        <a:font script="Cher" typeface="Plantagenet Cherokee"/>
-        <a:font script="Yiii" typeface="Microsoft Yi Baiti"/>
-        <a:font script="Tibt" typeface="Microsoft Himalaya"/>
-        <a:font script="Thaa" typeface="MV Boli"/>
-        <a:font script="Deva" typeface="Mangal"/>
-        <a:font script="Telu" typeface="Gautami"/>
-        <a:font script="Taml" typeface="Latha"/>
-        <a:font script="Syrc" typeface="Estrangelo Edessa"/>
-        <a:font script="Orya" typeface="Kalinga"/>
-        <a:font script="Mlym" typeface="Kartika"/>
-        <a:font script="Laoo" typeface="DokChampa"/>
-        <a:font script="Sinh" typeface="Iskoola Pota"/>
-        <a:font script="Mong" typeface="Mongolian Baiti"/>
-        <a:font script="Viet" typeface="Arial"/>
-        <a:font script="Uigh" typeface="Microsoft Uighur"/>
-        <a:font script="Geor" typeface="Sylfaen"/>
-      </a:minorFont>
-    </a:fontScheme>
-    <a:fmtScheme name="Office">
-      <a:fillStyleLst>
-        <a:solidFill>
-          <a:schemeClr val="phClr"/>
-        </a:solidFill>
-        <a:gradFill rotWithShape="1">
-          <a:gsLst>
-            <a:gs pos="0">
-              <a:schemeClr val="phClr">
-                <a:lumMod val="110000"/>
-                <a:satMod val="105000"/>
-                <a:tint val="67000"/>
-              </a:schemeClr>
-            </a:gs>
-            <a:gs pos="50000">
-              <a:schemeClr val="phClr">
-                <a:lumMod val="105000"/>
-                <a:satMod val="103000"/>
-                <a:tint val="73000"/>
-              </a:schemeClr>
-            </a:gs>
-            <a:gs pos="100000">
-              <a:schemeClr val="phClr">
-                <a:lumMod val="105000"/>
-                <a:satMod val="109000"/>
-                <a:tint val="81000"/>
-              </a:schemeClr>
-            </a:gs>
-          </a:gsLst>
-          <a:lin ang="5400000" scaled="0"/>
-        </a:gradFill>
-        <a:gradFill rotWithShape="1">
-          <a:gsLst>
-            <a:gs pos="0">
-              <a:schemeClr val="phClr">
-                <a:satMod val="103000"/>
-                <a:lumMod val="102000"/>
-                <a:tint val="94000"/>
-              </a:schemeClr>
-            </a:gs>
-            <a:gs pos="50000">
-              <a:schemeClr val="phClr">
-                <a:satMod val="110000"/>
-                <a:lumMod val="100000"/>
-                <a:shade val="100000"/>
-              </a:schemeClr>
-            </a:gs>
-            <a:gs pos="100000">
-              <a:schemeClr val="phClr">
-                <a:lumMod val="99000"/>
-                <a:satMod val="120000"/>
-                <a:shade val="78000"/>
-              </a:schemeClr>
-            </a:gs>
-          </a:gsLst>
-          <a:lin ang="5400000" scaled="0"/>
-        </a:gradFill>
-      </a:fillStyleLst>
-      <a:lnStyleLst>
-        <a:ln w="6350" cap="flat" cmpd="sng" algn="ctr">
-          <a:solidFill>
-            <a:schemeClr val="phClr"/>
-          </a:solidFill>
-          <a:prstDash val="solid"/>
-          <a:miter lim="800000"/>
-        </a:ln>
-        <a:ln w="12700" cap="flat" cmpd="sng" algn="ctr">
-          <a:solidFill>
-            <a:schemeClr val="phClr"/>
-          </a:solidFill>
-          <a:prstDash val="solid"/>
-          <a:miter lim="800000"/>
-        </a:ln>
-        <a:ln w="19050" cap="flat" cmpd="sng" algn="ctr">
-          <a:solidFill>
-            <a:schemeClr val="phClr"/>
-          </a:solidFill>
-          <a:prstDash val="solid"/>
-          <a:miter lim="800000"/>
-        </a:ln>
-      </a:lnStyleLst>
-      <a:effectStyleLst>
-        <a:effectStyle>
-          <a:effectLst/>
-        </a:effectStyle>
-        <a:effectStyle>
-          <a:effectLst/>
-        </a:effectStyle>
-        <a:effectStyle>
-          <a:effectLst>
-            <a:outerShdw blurRad="57150" dist="19050" dir="5400000" algn="ctr" rotWithShape="0">
-              <a:srgbClr val="000000">
-                <a:alpha val="63000"/>
-              </a:srgbClr>
-            </a:outerShdw>
-          </a:effectLst>
-        </a:effectStyle>
-      </a:effectStyleLst>
-      <a:bgFillStyleLst>
-        <a:solidFill>
-          <a:schemeClr val="phClr"/>
-        </a:solidFill>
-        <a:solidFill>
-          <a:schemeClr val="phClr">
-            <a:tint val="95000"/>
-            <a:satMod val="170000"/>
-          </a:schemeClr>
-        </a:solidFill>
-        <a:gradFill rotWithShape="1">
-          <a:gsLst>
-            <a:gs pos="0">
-              <a:schemeClr val="phClr">
-                <a:tint val="93000"/>
-                <a:satMod val="150000"/>
-                <a:shade val="98000"/>
-                <a:lumMod val="102000"/>
-              </a:schemeClr>
-            </a:gs>
-            <a:gs pos="50000">
-              <a:schemeClr val="phClr">
-                <a:tint val="98000"/>
-                <a:satMod val="130000"/>
-                <a:shade val="90000"/>
-                <a:lumMod val="103000"/>
-              </a:schemeClr>
-            </a:gs>
-            <a:gs pos="100000">
-              <a:schemeClr val="phClr">
-                <a:shade val="63000"/>
-                <a:satMod val="120000"/>
-              </a:schemeClr>
-            </a:gs>
-          </a:gsLst>
-          <a:lin ang="5400000" scaled="0"/>
-        </a:gradFill>
-      </a:bgFillStyleLst>
-    </a:fmtScheme>
-  </a:themeElements>
-  <a:objectDefaults/>
-  <a:extraClrSchemeLst/>
-  <a:extLst>
-    <a:ext uri="{05A4C25C-085E-4340-85A3-A5531E510DB2}">
-      <thm15:themeFamily xmlns:thm15="http://schemas.microsoft.com/office/thememl/2012/main" name="Office Theme" id="{62F939B6-93AF-4DB8-9C6B-D6C7DFDC589F}" vid="{4A3C46E8-61CC-4603-A589-7422A47A8E4A}"/>
-    </a:ext>
-  </a:extLst>
-</a:theme>
 </file>
--- a/targeting.pptx
+++ b/targeting.pptx
@@ -1,6 +1,6 @@
 
 <file path=ppt/presentation.xml><?xml version="1.0" encoding="utf-8"?>
-<p:presentation xmlns:a="http://schemas.openxmlformats.org/drawingml/2006/main" xmlns:r="http://schemas.openxmlformats.org/officeDocument/2006/relationships" xmlns:p="http://schemas.openxmlformats.org/presentationml/2006/main" saveSubsetFonts="1" autoCompressPictures="0">
+<p:presentation xmlns:a="http://schemas.openxmlformats.org/drawingml/2006/main" xmlns:p="http://schemas.openxmlformats.org/presentationml/2006/main" xmlns:r="http://schemas.openxmlformats.org/officeDocument/2006/relationships" autoCompressPictures="0" saveSubsetFonts="1">
   <p:sldMasterIdLst>
     <p:sldMasterId id="2147483648" r:id="rId1"/>
   </p:sldMasterIdLst>
@@ -10,6 +10,8 @@
     <p:sldId id="258" r:id="rId4"/>
     <p:sldId id="259" r:id="rId5"/>
     <p:sldId id="260" r:id="rId6"/>
+    <p:sldId id="261" r:id="rId7"/>
+    <p:sldId id="262" r:id="rId8"/>
   </p:sldIdLst>
   <p:sldSz cx="9144000" cy="5143500" type="screen16x9"/>
   <p:notesSz cx="6858000" cy="9144000"/>
@@ -17,8 +19,8 @@
     <a:defPPr>
       <a:defRPr lang="en-US"/>
     </a:defPPr>
-    <a:lvl1pPr marL="0" algn="l" defTabSz="457200" rtl="0" eaLnBrk="1" latinLnBrk="0" hangingPunct="1">
-      <a:defRPr sz="1800" kern="1200">
+    <a:lvl1pPr algn="l" defTabSz="457200" eaLnBrk="1" hangingPunct="1" latinLnBrk="0" marL="0" rtl="0">
+      <a:defRPr kern="1200" sz="1800">
         <a:solidFill>
           <a:schemeClr val="tx1"/>
         </a:solidFill>
@@ -27,8 +29,8 @@
         <a:cs typeface="+mn-cs"/>
       </a:defRPr>
     </a:lvl1pPr>
-    <a:lvl2pPr marL="457200" algn="l" defTabSz="457200" rtl="0" eaLnBrk="1" latinLnBrk="0" hangingPunct="1">
-      <a:defRPr sz="1800" kern="1200">
+    <a:lvl2pPr algn="l" defTabSz="457200" eaLnBrk="1" hangingPunct="1" latinLnBrk="0" marL="457200" rtl="0">
+      <a:defRPr kern="1200" sz="1800">
         <a:solidFill>
           <a:schemeClr val="tx1"/>
         </a:solidFill>
@@ -37,8 +39,8 @@
         <a:cs typeface="+mn-cs"/>
       </a:defRPr>
     </a:lvl2pPr>
-    <a:lvl3pPr marL="914400" algn="l" defTabSz="457200" rtl="0" eaLnBrk="1" latinLnBrk="0" hangingPunct="1">
-      <a:defRPr sz="1800" kern="1200">
+    <a:lvl3pPr algn="l" defTabSz="457200" eaLnBrk="1" hangingPunct="1" latinLnBrk="0" marL="914400" rtl="0">
+      <a:defRPr kern="1200" sz="1800">
         <a:solidFill>
           <a:schemeClr val="tx1"/>
         </a:solidFill>
@@ -47,8 +49,8 @@
         <a:cs typeface="+mn-cs"/>
       </a:defRPr>
     </a:lvl3pPr>
-    <a:lvl4pPr marL="1371600" algn="l" defTabSz="457200" rtl="0" eaLnBrk="1" latinLnBrk="0" hangingPunct="1">
-      <a:defRPr sz="1800" kern="1200">
+    <a:lvl4pPr algn="l" defTabSz="457200" eaLnBrk="1" hangingPunct="1" latinLnBrk="0" marL="1371600" rtl="0">
+      <a:defRPr kern="1200" sz="1800">
         <a:solidFill>
           <a:schemeClr val="tx1"/>
         </a:solidFill>
@@ -57,8 +59,8 @@
         <a:cs typeface="+mn-cs"/>
       </a:defRPr>
     </a:lvl4pPr>
-    <a:lvl5pPr marL="1828800" algn="l" defTabSz="457200" rtl="0" eaLnBrk="1" latinLnBrk="0" hangingPunct="1">
-      <a:defRPr sz="1800" kern="1200">
+    <a:lvl5pPr algn="l" defTabSz="457200" eaLnBrk="1" hangingPunct="1" latinLnBrk="0" marL="1828800" rtl="0">
+      <a:defRPr kern="1200" sz="1800">
         <a:solidFill>
           <a:schemeClr val="tx1"/>
         </a:solidFill>
@@ -67,8 +69,8 @@
         <a:cs typeface="+mn-cs"/>
       </a:defRPr>
     </a:lvl5pPr>
-    <a:lvl6pPr marL="2286000" algn="l" defTabSz="457200" rtl="0" eaLnBrk="1" latinLnBrk="0" hangingPunct="1">
-      <a:defRPr sz="1800" kern="1200">
+    <a:lvl6pPr algn="l" defTabSz="457200" eaLnBrk="1" hangingPunct="1" latinLnBrk="0" marL="2286000" rtl="0">
+      <a:defRPr kern="1200" sz="1800">
         <a:solidFill>
           <a:schemeClr val="tx1"/>
         </a:solidFill>
@@ -77,8 +79,8 @@
         <a:cs typeface="+mn-cs"/>
       </a:defRPr>
     </a:lvl6pPr>
-    <a:lvl7pPr marL="2743200" algn="l" defTabSz="457200" rtl="0" eaLnBrk="1" latinLnBrk="0" hangingPunct="1">
-      <a:defRPr sz="1800" kern="1200">
+    <a:lvl7pPr algn="l" defTabSz="457200" eaLnBrk="1" hangingPunct="1" latinLnBrk="0" marL="2743200" rtl="0">
+      <a:defRPr kern="1200" sz="1800">
         <a:solidFill>
           <a:schemeClr val="tx1"/>
         </a:solidFill>
@@ -87,8 +89,8 @@
         <a:cs typeface="+mn-cs"/>
       </a:defRPr>
     </a:lvl7pPr>
-    <a:lvl8pPr marL="3200400" algn="l" defTabSz="457200" rtl="0" eaLnBrk="1" latinLnBrk="0" hangingPunct="1">
-      <a:defRPr sz="1800" kern="1200">
+    <a:lvl8pPr algn="l" defTabSz="457200" eaLnBrk="1" hangingPunct="1" latinLnBrk="0" marL="3200400" rtl="0">
+      <a:defRPr kern="1200" sz="1800">
         <a:solidFill>
           <a:schemeClr val="tx1"/>
         </a:solidFill>
@@ -97,8 +99,8 @@
         <a:cs typeface="+mn-cs"/>
       </a:defRPr>
     </a:lvl8pPr>
-    <a:lvl9pPr marL="3657600" algn="l" defTabSz="457200" rtl="0" eaLnBrk="1" latinLnBrk="0" hangingPunct="1">
-      <a:defRPr sz="1800" kern="1200">
+    <a:lvl9pPr algn="l" defTabSz="457200" eaLnBrk="1" hangingPunct="1" latinLnBrk="0" marL="3657600" rtl="0">
+      <a:defRPr kern="1200" sz="1800">
         <a:solidFill>
           <a:schemeClr val="tx1"/>
         </a:solidFill>
@@ -306,7 +308,7 @@
           <a:p>
             <a:fld id="{241EB5C9-1307-BA42-ABA2-0BC069CD8E7F}" type="datetimeFigureOut">
               <a:rPr lang="en-US" smtClean="0"/>
-              <a:t>12/28/2023</a:t>
+              <a:t>1/2/22</a:t>
             </a:fld>
             <a:endParaRPr lang="en-US"/>
           </a:p>
@@ -474,7 +476,7 @@
           <a:p>
             <a:fld id="{241EB5C9-1307-BA42-ABA2-0BC069CD8E7F}" type="datetimeFigureOut">
               <a:rPr lang="en-US" smtClean="0"/>
-              <a:t>12/28/2023</a:t>
+              <a:t>1/2/22</a:t>
             </a:fld>
             <a:endParaRPr lang="en-US"/>
           </a:p>
@@ -652,7 +654,7 @@
           <a:p>
             <a:fld id="{241EB5C9-1307-BA42-ABA2-0BC069CD8E7F}" type="datetimeFigureOut">
               <a:rPr lang="en-US" smtClean="0"/>
-              <a:t>12/28/2023</a:t>
+              <a:t>1/2/22</a:t>
             </a:fld>
             <a:endParaRPr lang="en-US"/>
           </a:p>
@@ -820,7 +822,7 @@
           <a:p>
             <a:fld id="{241EB5C9-1307-BA42-ABA2-0BC069CD8E7F}" type="datetimeFigureOut">
               <a:rPr lang="en-US" smtClean="0"/>
-              <a:t>12/28/2023</a:t>
+              <a:t>1/2/22</a:t>
             </a:fld>
             <a:endParaRPr lang="en-US"/>
           </a:p>
@@ -1065,7 +1067,7 @@
           <a:p>
             <a:fld id="{241EB5C9-1307-BA42-ABA2-0BC069CD8E7F}" type="datetimeFigureOut">
               <a:rPr lang="en-US" smtClean="0"/>
-              <a:t>12/28/2023</a:t>
+              <a:t>1/2/22</a:t>
             </a:fld>
             <a:endParaRPr lang="en-US"/>
           </a:p>
@@ -1350,7 +1352,7 @@
           <a:p>
             <a:fld id="{241EB5C9-1307-BA42-ABA2-0BC069CD8E7F}" type="datetimeFigureOut">
               <a:rPr lang="en-US" smtClean="0"/>
-              <a:t>12/28/2023</a:t>
+              <a:t>1/2/22</a:t>
             </a:fld>
             <a:endParaRPr lang="en-US"/>
           </a:p>
@@ -1769,7 +1771,7 @@
           <a:p>
             <a:fld id="{241EB5C9-1307-BA42-ABA2-0BC069CD8E7F}" type="datetimeFigureOut">
               <a:rPr lang="en-US" smtClean="0"/>
-              <a:t>12/28/2023</a:t>
+              <a:t>1/2/22</a:t>
             </a:fld>
             <a:endParaRPr lang="en-US"/>
           </a:p>
@@ -1886,7 +1888,7 @@
           <a:p>
             <a:fld id="{241EB5C9-1307-BA42-ABA2-0BC069CD8E7F}" type="datetimeFigureOut">
               <a:rPr lang="en-US" smtClean="0"/>
-              <a:t>12/28/2023</a:t>
+              <a:t>1/2/22</a:t>
             </a:fld>
             <a:endParaRPr lang="en-US"/>
           </a:p>
@@ -1981,7 +1983,7 @@
           <a:p>
             <a:fld id="{241EB5C9-1307-BA42-ABA2-0BC069CD8E7F}" type="datetimeFigureOut">
               <a:rPr lang="en-US" smtClean="0"/>
-              <a:t>12/28/2023</a:t>
+              <a:t>1/2/22</a:t>
             </a:fld>
             <a:endParaRPr lang="en-US"/>
           </a:p>
@@ -2256,7 +2258,7 @@
           <a:p>
             <a:fld id="{241EB5C9-1307-BA42-ABA2-0BC069CD8E7F}" type="datetimeFigureOut">
               <a:rPr lang="en-US" smtClean="0"/>
-              <a:t>12/28/2023</a:t>
+              <a:t>1/2/22</a:t>
             </a:fld>
             <a:endParaRPr lang="en-US"/>
           </a:p>
@@ -2508,7 +2510,7 @@
           <a:p>
             <a:fld id="{241EB5C9-1307-BA42-ABA2-0BC069CD8E7F}" type="datetimeFigureOut">
               <a:rPr lang="en-US" smtClean="0"/>
-              <a:t>12/28/2023</a:t>
+              <a:t>1/2/22</a:t>
             </a:fld>
             <a:endParaRPr lang="en-US"/>
           </a:p>
@@ -2570,7 +2572,7 @@
 </file>
 
 <file path=ppt/slideMasters/slideMaster1.xml><?xml version="1.0" encoding="utf-8"?>
-<p:sldMaster xmlns:a="http://schemas.openxmlformats.org/drawingml/2006/main" xmlns:r="http://schemas.openxmlformats.org/officeDocument/2006/relationships" xmlns:p="http://schemas.openxmlformats.org/presentationml/2006/main">
+<p:sldMaster xmlns:a="http://schemas.openxmlformats.org/drawingml/2006/main" xmlns:p="http://schemas.openxmlformats.org/presentationml/2006/main" xmlns:r="http://schemas.openxmlformats.org/officeDocument/2006/relationships">
   <p:cSld>
     <p:bg>
       <p:bgRef idx="1001">
@@ -2611,7 +2613,7 @@
           </a:prstGeom>
         </p:spPr>
         <p:txBody>
-          <a:bodyPr vert="horz" lIns="91440" tIns="45720" rIns="91440" bIns="45720" rtlCol="0" anchor="ctr">
+          <a:bodyPr anchor="ctr" bIns="45720" lIns="91440" rIns="91440" rtlCol="0" tIns="45720" vert="horz">
             <a:normAutofit/>
           </a:bodyPr>
           <a:lstStyle/>
@@ -2630,7 +2632,7 @@
             <a:spLocks noGrp="1"/>
           </p:cNvSpPr>
           <p:nvPr>
-            <p:ph type="body" idx="1"/>
+            <p:ph idx="1" type="body"/>
           </p:nvPr>
         </p:nvSpPr>
         <p:spPr>
@@ -2643,7 +2645,7 @@
           </a:prstGeom>
         </p:spPr>
         <p:txBody>
-          <a:bodyPr vert="horz" lIns="91440" tIns="45720" rIns="91440" bIns="45720" rtlCol="0">
+          <a:bodyPr bIns="45720" lIns="91440" rIns="91440" rtlCol="0" tIns="45720" vert="horz">
             <a:normAutofit/>
           </a:bodyPr>
           <a:lstStyle/>
@@ -2691,7 +2693,7 @@
             <a:spLocks noGrp="1"/>
           </p:cNvSpPr>
           <p:nvPr>
-            <p:ph type="dt" sz="half" idx="2"/>
+            <p:ph idx="2" sz="half" type="dt"/>
           </p:nvPr>
         </p:nvSpPr>
         <p:spPr>
@@ -2704,7 +2706,7 @@
           </a:prstGeom>
         </p:spPr>
         <p:txBody>
-          <a:bodyPr vert="horz" lIns="91440" tIns="45720" rIns="91440" bIns="45720" rtlCol="0" anchor="ctr"/>
+          <a:bodyPr anchor="ctr" bIns="45720" lIns="91440" rIns="91440" rtlCol="0" tIns="45720" vert="horz"/>
           <a:lstStyle>
             <a:lvl1pPr algn="l">
               <a:defRPr sz="900">
@@ -2719,7 +2721,7 @@
           <a:p>
             <a:fld id="{241EB5C9-1307-BA42-ABA2-0BC069CD8E7F}" type="datetimeFigureOut">
               <a:rPr lang="en-US" smtClean="0"/>
-              <a:t>12/28/2023</a:t>
+              <a:t>1/2/22</a:t>
             </a:fld>
             <a:endParaRPr lang="en-US"/>
           </a:p>
@@ -2732,7 +2734,7 @@
             <a:spLocks noGrp="1"/>
           </p:cNvSpPr>
           <p:nvPr>
-            <p:ph type="ftr" sz="quarter" idx="3"/>
+            <p:ph idx="3" sz="quarter" type="ftr"/>
           </p:nvPr>
         </p:nvSpPr>
         <p:spPr>
@@ -2745,7 +2747,7 @@
           </a:prstGeom>
         </p:spPr>
         <p:txBody>
-          <a:bodyPr vert="horz" lIns="91440" tIns="45720" rIns="91440" bIns="45720" rtlCol="0" anchor="ctr"/>
+          <a:bodyPr anchor="ctr" bIns="45720" lIns="91440" rIns="91440" rtlCol="0" tIns="45720" vert="horz"/>
           <a:lstStyle>
             <a:lvl1pPr algn="ctr">
               <a:defRPr sz="900">
@@ -2769,7 +2771,7 @@
             <a:spLocks noGrp="1"/>
           </p:cNvSpPr>
           <p:nvPr>
-            <p:ph type="sldNum" sz="quarter" idx="4"/>
+            <p:ph idx="4" sz="quarter" type="sldNum"/>
           </p:nvPr>
         </p:nvSpPr>
         <p:spPr>
@@ -2782,7 +2784,7 @@
           </a:prstGeom>
         </p:spPr>
         <p:txBody>
-          <a:bodyPr vert="horz" lIns="91440" tIns="45720" rIns="91440" bIns="45720" rtlCol="0" anchor="ctr"/>
+          <a:bodyPr anchor="ctr" bIns="45720" lIns="91440" rIns="91440" rtlCol="0" tIns="45720" vert="horz"/>
           <a:lstStyle>
             <a:lvl1pPr algn="r">
               <a:defRPr sz="900">
@@ -2810,7 +2812,7 @@
       </p:ext>
     </p:extLst>
   </p:cSld>
-  <p:clrMap bg1="lt1" tx1="dk1" bg2="lt2" tx2="dk2" accent1="accent1" accent2="accent2" accent3="accent3" accent4="accent4" accent5="accent5" accent6="accent6" hlink="hlink" folHlink="folHlink"/>
+  <p:clrMap accent1="accent1" accent2="accent2" accent3="accent3" accent4="accent4" accent5="accent5" accent6="accent6" bg1="lt1" bg2="lt2" folHlink="folHlink" hlink="hlink" tx1="dk1" tx2="dk2"/>
   <p:sldLayoutIdLst>
     <p:sldLayoutId id="2147483649" r:id="rId1"/>
     <p:sldLayoutId id="2147483650" r:id="rId2"/>
@@ -2826,12 +2828,12 @@
   </p:sldLayoutIdLst>
   <p:txStyles>
     <p:titleStyle>
-      <a:lvl1pPr algn="ctr" defTabSz="342900" rtl="0" eaLnBrk="1" latinLnBrk="0" hangingPunct="1">
+      <a:lvl1pPr algn="ctr" defTabSz="342900" eaLnBrk="1" hangingPunct="1" latinLnBrk="0" rtl="0">
         <a:spcBef>
           <a:spcPct val="0"/>
         </a:spcBef>
         <a:buNone/>
-        <a:defRPr sz="3300" kern="1200">
+        <a:defRPr kern="1200" sz="3300">
           <a:solidFill>
             <a:schemeClr val="tx1"/>
           </a:solidFill>
@@ -2842,13 +2844,13 @@
       </a:lvl1pPr>
     </p:titleStyle>
     <p:bodyStyle>
-      <a:lvl1pPr marL="342900" indent="-342900" algn="l" defTabSz="342900" rtl="0" eaLnBrk="1" latinLnBrk="0" hangingPunct="1">
+      <a:lvl1pPr algn="l" defTabSz="342900" eaLnBrk="1" hangingPunct="1" indent="-342900" latinLnBrk="0" marL="342900" rtl="0">
         <a:spcBef>
           <a:spcPct val="20000"/>
         </a:spcBef>
         <a:buFont typeface="Arial"/>
         <a:buChar char="•"/>
-        <a:defRPr sz="2400" kern="1200">
+        <a:defRPr kern="1200" sz="2400">
           <a:solidFill>
             <a:schemeClr val="tx1"/>
           </a:solidFill>
@@ -2857,13 +2859,13 @@
           <a:cs typeface="+mn-cs"/>
         </a:defRPr>
       </a:lvl1pPr>
-      <a:lvl2pPr marL="685800" indent="-342900" algn="l" defTabSz="342900" rtl="0" eaLnBrk="1" latinLnBrk="0" hangingPunct="1">
+      <a:lvl2pPr algn="l" defTabSz="342900" eaLnBrk="1" hangingPunct="1" indent="-342900" latinLnBrk="0" marL="685800" rtl="0">
         <a:spcBef>
           <a:spcPct val="20000"/>
         </a:spcBef>
         <a:buFont typeface="Arial"/>
         <a:buChar char="–"/>
-        <a:defRPr sz="2100" kern="1200">
+        <a:defRPr kern="1200" sz="2100">
           <a:solidFill>
             <a:schemeClr val="tx1"/>
           </a:solidFill>
@@ -2872,13 +2874,13 @@
           <a:cs typeface="+mn-cs"/>
         </a:defRPr>
       </a:lvl2pPr>
-      <a:lvl3pPr marL="1028700" indent="-342900" algn="l" defTabSz="342900" rtl="0" eaLnBrk="1" latinLnBrk="0" hangingPunct="1">
+      <a:lvl3pPr algn="l" defTabSz="342900" eaLnBrk="1" hangingPunct="1" indent="-342900" latinLnBrk="0" marL="1028700" rtl="0">
         <a:spcBef>
           <a:spcPct val="20000"/>
         </a:spcBef>
         <a:buFont typeface="Arial"/>
         <a:buChar char="•"/>
-        <a:defRPr sz="1800" kern="1200">
+        <a:defRPr kern="1200" sz="1800">
           <a:solidFill>
             <a:schemeClr val="tx1"/>
           </a:solidFill>
@@ -2887,13 +2889,13 @@
           <a:cs typeface="+mn-cs"/>
         </a:defRPr>
       </a:lvl3pPr>
-      <a:lvl4pPr marL="1371600" indent="-342900" algn="l" defTabSz="342900" rtl="0" eaLnBrk="1" latinLnBrk="0" hangingPunct="1">
+      <a:lvl4pPr algn="l" defTabSz="342900" eaLnBrk="1" hangingPunct="1" indent="-342900" latinLnBrk="0" marL="1371600" rtl="0">
         <a:spcBef>
           <a:spcPct val="20000"/>
         </a:spcBef>
         <a:buFont typeface="Arial"/>
         <a:buChar char="–"/>
-        <a:defRPr sz="1500" kern="1200">
+        <a:defRPr kern="1200" sz="1500">
           <a:solidFill>
             <a:schemeClr val="tx1"/>
           </a:solidFill>
@@ -2902,13 +2904,13 @@
           <a:cs typeface="+mn-cs"/>
         </a:defRPr>
       </a:lvl4pPr>
-      <a:lvl5pPr marL="1714500" indent="-342900" algn="l" defTabSz="342900" rtl="0" eaLnBrk="1" latinLnBrk="0" hangingPunct="1">
+      <a:lvl5pPr algn="l" defTabSz="342900" eaLnBrk="1" hangingPunct="1" indent="-342900" latinLnBrk="0" marL="1714500" rtl="0">
         <a:spcBef>
           <a:spcPct val="20000"/>
         </a:spcBef>
         <a:buFont typeface="Arial"/>
         <a:buChar char="»"/>
-        <a:defRPr sz="1500" kern="1200">
+        <a:defRPr kern="1200" sz="1500">
           <a:solidFill>
             <a:schemeClr val="tx1"/>
           </a:solidFill>
@@ -2917,13 +2919,13 @@
           <a:cs typeface="+mn-cs"/>
         </a:defRPr>
       </a:lvl5pPr>
-      <a:lvl6pPr marL="2057400" indent="-342900" algn="l" defTabSz="342900" rtl="0" eaLnBrk="1" latinLnBrk="0" hangingPunct="1">
+      <a:lvl6pPr algn="l" defTabSz="342900" eaLnBrk="1" hangingPunct="1" indent="-342900" latinLnBrk="0" marL="2057400" rtl="0">
         <a:spcBef>
           <a:spcPct val="20000"/>
         </a:spcBef>
         <a:buFont typeface="Arial"/>
         <a:buChar char="•"/>
-        <a:defRPr sz="1500" kern="1200">
+        <a:defRPr kern="1200" sz="1500">
           <a:solidFill>
             <a:schemeClr val="tx1"/>
           </a:solidFill>
@@ -2932,13 +2934,13 @@
           <a:cs typeface="+mn-cs"/>
         </a:defRPr>
       </a:lvl6pPr>
-      <a:lvl7pPr marL="2400300" indent="-342900" algn="l" defTabSz="342900" rtl="0" eaLnBrk="1" latinLnBrk="0" hangingPunct="1">
+      <a:lvl7pPr algn="l" defTabSz="342900" eaLnBrk="1" hangingPunct="1" indent="-342900" latinLnBrk="0" marL="2400300" rtl="0">
         <a:spcBef>
           <a:spcPct val="20000"/>
         </a:spcBef>
         <a:buFont typeface="Arial"/>
         <a:buChar char="•"/>
-        <a:defRPr sz="1500" kern="1200">
+        <a:defRPr kern="1200" sz="1500">
           <a:solidFill>
             <a:schemeClr val="tx1"/>
           </a:solidFill>
@@ -2947,13 +2949,13 @@
           <a:cs typeface="+mn-cs"/>
         </a:defRPr>
       </a:lvl7pPr>
-      <a:lvl8pPr marL="2743200" indent="-342900" algn="l" defTabSz="342900" rtl="0" eaLnBrk="1" latinLnBrk="0" hangingPunct="1">
+      <a:lvl8pPr algn="l" defTabSz="342900" eaLnBrk="1" hangingPunct="1" indent="-342900" latinLnBrk="0" marL="2743200" rtl="0">
         <a:spcBef>
           <a:spcPct val="20000"/>
         </a:spcBef>
         <a:buFont typeface="Arial"/>
         <a:buChar char="•"/>
-        <a:defRPr sz="1500" kern="1200">
+        <a:defRPr kern="1200" sz="1500">
           <a:solidFill>
             <a:schemeClr val="tx1"/>
           </a:solidFill>
@@ -2962,13 +2964,13 @@
           <a:cs typeface="+mn-cs"/>
         </a:defRPr>
       </a:lvl8pPr>
-      <a:lvl9pPr marL="3086100" indent="-342900" algn="l" defTabSz="342900" rtl="0" eaLnBrk="1" latinLnBrk="0" hangingPunct="1">
+      <a:lvl9pPr algn="l" defTabSz="342900" eaLnBrk="1" hangingPunct="1" indent="-342900" latinLnBrk="0" marL="3086100" rtl="0">
         <a:spcBef>
           <a:spcPct val="20000"/>
         </a:spcBef>
         <a:buFont typeface="Arial"/>
         <a:buChar char="•"/>
-        <a:defRPr sz="1500" kern="1200">
+        <a:defRPr kern="1200" sz="1500">
           <a:solidFill>
             <a:schemeClr val="tx1"/>
           </a:solidFill>
@@ -2982,8 +2984,8 @@
       <a:defPPr>
         <a:defRPr lang="en-US"/>
       </a:defPPr>
-      <a:lvl1pPr marL="0" algn="l" defTabSz="342900" rtl="0" eaLnBrk="1" latinLnBrk="0" hangingPunct="1">
-        <a:defRPr sz="1350" kern="1200">
+      <a:lvl1pPr algn="l" defTabSz="342900" eaLnBrk="1" hangingPunct="1" latinLnBrk="0" marL="0" rtl="0">
+        <a:defRPr kern="1200" sz="1350">
           <a:solidFill>
             <a:schemeClr val="tx1"/>
           </a:solidFill>
@@ -2992,8 +2994,8 @@
           <a:cs typeface="+mn-cs"/>
         </a:defRPr>
       </a:lvl1pPr>
-      <a:lvl2pPr marL="342900" algn="l" defTabSz="342900" rtl="0" eaLnBrk="1" latinLnBrk="0" hangingPunct="1">
-        <a:defRPr sz="1350" kern="1200">
+      <a:lvl2pPr algn="l" defTabSz="342900" eaLnBrk="1" hangingPunct="1" latinLnBrk="0" marL="342900" rtl="0">
+        <a:defRPr kern="1200" sz="1350">
           <a:solidFill>
             <a:schemeClr val="tx1"/>
           </a:solidFill>
@@ -3002,8 +3004,8 @@
           <a:cs typeface="+mn-cs"/>
         </a:defRPr>
       </a:lvl2pPr>
-      <a:lvl3pPr marL="685800" algn="l" defTabSz="342900" rtl="0" eaLnBrk="1" latinLnBrk="0" hangingPunct="1">
-        <a:defRPr sz="1350" kern="1200">
+      <a:lvl3pPr algn="l" defTabSz="342900" eaLnBrk="1" hangingPunct="1" latinLnBrk="0" marL="685800" rtl="0">
+        <a:defRPr kern="1200" sz="1350">
           <a:solidFill>
             <a:schemeClr val="tx1"/>
           </a:solidFill>
@@ -3012,8 +3014,8 @@
           <a:cs typeface="+mn-cs"/>
         </a:defRPr>
       </a:lvl3pPr>
-      <a:lvl4pPr marL="1028700" algn="l" defTabSz="342900" rtl="0" eaLnBrk="1" latinLnBrk="0" hangingPunct="1">
-        <a:defRPr sz="1350" kern="1200">
+      <a:lvl4pPr algn="l" defTabSz="342900" eaLnBrk="1" hangingPunct="1" latinLnBrk="0" marL="1028700" rtl="0">
+        <a:defRPr kern="1200" sz="1350">
           <a:solidFill>
             <a:schemeClr val="tx1"/>
           </a:solidFill>
@@ -3022,8 +3024,8 @@
           <a:cs typeface="+mn-cs"/>
         </a:defRPr>
       </a:lvl4pPr>
-      <a:lvl5pPr marL="1371600" algn="l" defTabSz="342900" rtl="0" eaLnBrk="1" latinLnBrk="0" hangingPunct="1">
-        <a:defRPr sz="1350" kern="1200">
+      <a:lvl5pPr algn="l" defTabSz="342900" eaLnBrk="1" hangingPunct="1" latinLnBrk="0" marL="1371600" rtl="0">
+        <a:defRPr kern="1200" sz="1350">
           <a:solidFill>
             <a:schemeClr val="tx1"/>
           </a:solidFill>
@@ -3032,8 +3034,8 @@
           <a:cs typeface="+mn-cs"/>
         </a:defRPr>
       </a:lvl5pPr>
-      <a:lvl6pPr marL="1714500" algn="l" defTabSz="342900" rtl="0" eaLnBrk="1" latinLnBrk="0" hangingPunct="1">
-        <a:defRPr sz="1350" kern="1200">
+      <a:lvl6pPr algn="l" defTabSz="342900" eaLnBrk="1" hangingPunct="1" latinLnBrk="0" marL="1714500" rtl="0">
+        <a:defRPr kern="1200" sz="1350">
           <a:solidFill>
             <a:schemeClr val="tx1"/>
           </a:solidFill>
@@ -3042,8 +3044,8 @@
           <a:cs typeface="+mn-cs"/>
         </a:defRPr>
       </a:lvl6pPr>
-      <a:lvl7pPr marL="2057400" algn="l" defTabSz="342900" rtl="0" eaLnBrk="1" latinLnBrk="0" hangingPunct="1">
-        <a:defRPr sz="1350" kern="1200">
+      <a:lvl7pPr algn="l" defTabSz="342900" eaLnBrk="1" hangingPunct="1" latinLnBrk="0" marL="2057400" rtl="0">
+        <a:defRPr kern="1200" sz="1350">
           <a:solidFill>
             <a:schemeClr val="tx1"/>
           </a:solidFill>
@@ -3052,8 +3054,8 @@
           <a:cs typeface="+mn-cs"/>
         </a:defRPr>
       </a:lvl7pPr>
-      <a:lvl8pPr marL="2400300" algn="l" defTabSz="342900" rtl="0" eaLnBrk="1" latinLnBrk="0" hangingPunct="1">
-        <a:defRPr sz="1350" kern="1200">
+      <a:lvl8pPr algn="l" defTabSz="342900" eaLnBrk="1" hangingPunct="1" latinLnBrk="0" marL="2400300" rtl="0">
+        <a:defRPr kern="1200" sz="1350">
           <a:solidFill>
             <a:schemeClr val="tx1"/>
           </a:solidFill>
@@ -3062,8 +3064,8 @@
           <a:cs typeface="+mn-cs"/>
         </a:defRPr>
       </a:lvl8pPr>
-      <a:lvl9pPr marL="2743200" algn="l" defTabSz="342900" rtl="0" eaLnBrk="1" latinLnBrk="0" hangingPunct="1">
-        <a:defRPr sz="1350" kern="1200">
+      <a:lvl9pPr algn="l" defTabSz="342900" eaLnBrk="1" hangingPunct="1" latinLnBrk="0" marL="2743200" rtl="0">
+        <a:defRPr kern="1200" sz="1350">
           <a:solidFill>
             <a:schemeClr val="tx1"/>
           </a:solidFill>
@@ -3114,10 +3116,11 @@
           <a:bodyPr/>
           <a:lstStyle/>
           <a:p>
-            <a:pPr marL="0" lvl="0" indent="0">
+            <a:pPr lvl="0" indent="0" marL="0">
               <a:buNone/>
             </a:pPr>
             <a:r>
+              <a:rPr/>
               <a:t>骨髄バンクドナーコーディネート初期行程におけるコーディネート進行率増加を目指した介入研究</a:t>
             </a:r>
           </a:p>
@@ -3130,7 +3133,7 @@
             <a:spLocks noGrp="1"/>
           </p:cNvSpPr>
           <p:nvPr>
-            <p:ph type="subTitle" idx="1"/>
+            <p:ph idx="1" type="subTitle"/>
           </p:nvPr>
         </p:nvSpPr>
         <p:spPr>
@@ -3143,28 +3146,33 @@
           <a:bodyPr/>
           <a:lstStyle/>
           <a:p>
-            <a:pPr marL="0" lvl="0" indent="0">
+            <a:pPr lvl="0" indent="0" marL="0">
               <a:buNone/>
             </a:pPr>
             <a:br/>
             <a:br/>
             <a:r>
+              <a:rPr/>
               <a:t>大竹文雄（大阪大学）</a:t>
             </a:r>
             <a:br/>
             <a:r>
+              <a:rPr/>
               <a:t>加藤大貴（大阪大学）</a:t>
             </a:r>
             <a:br/>
             <a:r>
+              <a:rPr/>
               <a:t>黒澤彩子（伊那中央病院）</a:t>
             </a:r>
             <a:br/>
             <a:r>
+              <a:rPr/>
               <a:t>吉内一浩（東京大学）</a:t>
             </a:r>
             <a:br/>
             <a:r>
+              <a:rPr/>
               <a:t>福田隆浩（国立がん研究センター中央病院）</a:t>
             </a:r>
           </a:p>
@@ -3172,9 +3180,6 @@
       </p:sp>
     </p:spTree>
   </p:cSld>
-  <p:clrMapOvr>
-    <a:masterClrMapping/>
-  </p:clrMapOvr>
 </p:sld>
 </file>
 
@@ -3210,10 +3215,11 @@
           <a:bodyPr/>
           <a:lstStyle/>
           <a:p>
-            <a:pPr marL="0" lvl="0" indent="0">
+            <a:pPr lvl="0" indent="0" marL="0">
               <a:buNone/>
             </a:pPr>
             <a:r>
+              <a:rPr/>
               <a:t>一律介入と最適ターゲティングの効果</a:t>
             </a:r>
           </a:p>
@@ -3234,67 +3240,38 @@
           <a:bodyPr/>
           <a:lstStyle/>
           <a:p>
-            <a:pPr marL="0" lvl="0" indent="0">
+            <a:pPr lvl="0" indent="0" marL="0">
               <a:buNone/>
             </a:pPr>
             <a:r>
+              <a:rPr/>
               <a:t>アウトカム：返信時に提供意向を示したかどうか</a:t>
             </a:r>
           </a:p>
         </p:txBody>
       </p:sp>
-      <p:graphicFrame>
+      <p:graphicFrame xmlns:a="http://schemas.openxmlformats.org/drawingml/2006/main" xmlns:r="http://schemas.openxmlformats.org/officeDocument/2006/relationships" xmlns:p="http://schemas.openxmlformats.org/presentationml/2006/main">
         <p:nvGraphicFramePr>
-          <p:cNvPr id="820423760" name="表 820423759"/>
+          <p:cNvPr id="56727866" name=""/>
           <p:cNvGraphicFramePr>
-            <a:graphicFrameLocks noGrp="1"/>
+            <a:graphicFrameLocks noGrp="true"/>
           </p:cNvGraphicFramePr>
           <p:nvPr/>
         </p:nvGraphicFramePr>
-        <p:xfrm>
+        <p:xfrm rot="0">
           <a:off x="914400" y="1828800"/>
-          <a:ext cx="5486400" cy="1844040"/>
+          <a:ext cx="9144000" cy="5486400"/>
         </p:xfrm>
         <a:graphic>
           <a:graphicData uri="http://schemas.openxmlformats.org/drawingml/2006/table">
             <a:tbl>
               <a:tblPr/>
               <a:tblGrid>
-                <a:gridCol w="1828800">
-                  <a:extLst>
-                    <a:ext uri="{9D8B030D-6E8A-4147-A177-3AD203B41FA5}">
-                      <a16:colId xmlns:a16="http://schemas.microsoft.com/office/drawing/2014/main" val="20000"/>
-                    </a:ext>
-                  </a:extLst>
-                </a:gridCol>
-                <a:gridCol w="914400">
-                  <a:extLst>
-                    <a:ext uri="{9D8B030D-6E8A-4147-A177-3AD203B41FA5}">
-                      <a16:colId xmlns:a16="http://schemas.microsoft.com/office/drawing/2014/main" val="20001"/>
-                    </a:ext>
-                  </a:extLst>
-                </a:gridCol>
-                <a:gridCol w="914400">
-                  <a:extLst>
-                    <a:ext uri="{9D8B030D-6E8A-4147-A177-3AD203B41FA5}">
-                      <a16:colId xmlns:a16="http://schemas.microsoft.com/office/drawing/2014/main" val="20002"/>
-                    </a:ext>
-                  </a:extLst>
-                </a:gridCol>
-                <a:gridCol w="914400">
-                  <a:extLst>
-                    <a:ext uri="{9D8B030D-6E8A-4147-A177-3AD203B41FA5}">
-                      <a16:colId xmlns:a16="http://schemas.microsoft.com/office/drawing/2014/main" val="20003"/>
-                    </a:ext>
-                  </a:extLst>
-                </a:gridCol>
-                <a:gridCol w="914400">
-                  <a:extLst>
-                    <a:ext uri="{9D8B030D-6E8A-4147-A177-3AD203B41FA5}">
-                      <a16:colId xmlns:a16="http://schemas.microsoft.com/office/drawing/2014/main" val="20004"/>
-                    </a:ext>
-                  </a:extLst>
-                </a:gridCol>
+                <a:gridCol w="1828800"/>
+                <a:gridCol w="914400"/>
+                <a:gridCol w="914400"/>
+                <a:gridCol w="914400"/>
+                <a:gridCol w="914400"/>
               </a:tblGrid>
               <a:tr h="228600">
                 <a:tc>
@@ -3302,7 +3279,7 @@
                     <a:bodyPr/>
                     <a:lstStyle/>
                     <a:p>
-                      <a:pPr marL="63500" marR="63500" algn="l">
+                      <a:pPr algn="l" marL="63500" marR="63500">
                         <a:lnSpc>
                           <a:spcPct val="100000"/>
                         </a:lnSpc>
@@ -3314,19 +3291,32 @@
                         </a:spcAft>
                         <a:buNone/>
                       </a:pPr>
-                      <a:endParaRPr/>
+                      <a:r>
+                        <a:rPr cap="none" sz="1100" i="0" b="0" u="none">
+                          <a:solidFill>
+                            <a:srgbClr val="000000">
+                              <a:alpha val="100000"/>
+                            </a:srgbClr>
+                          </a:solidFill>
+                          <a:latin typeface="Arial"/>
+                          <a:cs typeface="Arial"/>
+                          <a:ea typeface="Arial"/>
+                          <a:sym typeface="Arial"/>
+                        </a:rPr>
+                        <a:t/>
+                      </a:r>
                     </a:p>
                   </a:txBody>
-                  <a:tcPr marL="0" marR="0" marT="63500" marB="63500" anchor="ctr">
-                    <a:lnL w="0" cap="flat" cmpd="sng" algn="ctr">
+                  <a:tcPr anchor="ctr" marB="63500" marT="63500" marR="0" marL="0">
+                    <a:lnL algn="ctr" cmpd="sng" cap="flat" w="0">
                       <a:noFill/>
                       <a:prstDash val="solid"/>
                     </a:lnL>
-                    <a:lnR w="0" cap="flat" cmpd="sng" algn="ctr">
+                    <a:lnR algn="ctr" cmpd="sng" cap="flat" w="0">
                       <a:noFill/>
                       <a:prstDash val="solid"/>
                     </a:lnR>
-                    <a:lnT w="12700" cap="flat" cmpd="sng" algn="ctr">
+                    <a:lnT algn="ctr" cmpd="sng" cap="flat" w="12700">
                       <a:solidFill>
                         <a:srgbClr val="000000">
                           <a:alpha val="100000"/>
@@ -3334,7 +3324,7 @@
                       </a:solidFill>
                       <a:prstDash val="solid"/>
                     </a:lnT>
-                    <a:lnB w="0" cap="flat" cmpd="sng" algn="ctr">
+                    <a:lnB algn="ctr" cmpd="sng" cap="flat" w="0">
                       <a:noFill/>
                       <a:prstDash val="solid"/>
                     </a:lnB>
@@ -3350,7 +3340,7 @@
                     <a:bodyPr/>
                     <a:lstStyle/>
                     <a:p>
-                      <a:pPr marL="63500" marR="63500" algn="ctr">
+                      <a:pPr algn="ctr" marL="63500" marR="63500">
                         <a:lnSpc>
                           <a:spcPct val="100000"/>
                         </a:lnSpc>
@@ -3363,7 +3353,7 @@
                         <a:buNone/>
                       </a:pPr>
                       <a:r>
-                        <a:rPr sz="1100" b="0" i="0" u="none" cap="none">
+                        <a:rPr cap="none" sz="1100" i="0" b="0" u="none">
                           <a:solidFill>
                             <a:srgbClr val="000000">
                               <a:alpha val="100000"/>
@@ -3371,22 +3361,23 @@
                           </a:solidFill>
                           <a:latin typeface="Arial"/>
                           <a:cs typeface="Arial"/>
+                          <a:ea typeface="Arial"/>
                           <a:sym typeface="Arial"/>
                         </a:rPr>
                         <a:t>Targeting</a:t>
                       </a:r>
                     </a:p>
                   </a:txBody>
-                  <a:tcPr marL="0" marR="0" marT="63500" marB="63500" anchor="ctr">
-                    <a:lnL w="0" cap="flat" cmpd="sng" algn="ctr">
+                  <a:tcPr anchor="ctr" marB="63500" marT="63500" marR="0" marL="0">
+                    <a:lnL algn="ctr" cmpd="sng" cap="flat" w="0">
                       <a:noFill/>
                       <a:prstDash val="solid"/>
                     </a:lnL>
-                    <a:lnR w="0" cap="flat" cmpd="sng" algn="ctr">
+                    <a:lnR algn="ctr" cmpd="sng" cap="flat" w="0">
                       <a:noFill/>
                       <a:prstDash val="solid"/>
                     </a:lnR>
-                    <a:lnT w="12700" cap="flat" cmpd="sng" algn="ctr">
+                    <a:lnT algn="ctr" cmpd="sng" cap="flat" w="12700">
                       <a:solidFill>
                         <a:srgbClr val="000000">
                           <a:alpha val="100000"/>
@@ -3394,7 +3385,7 @@
                       </a:solidFill>
                       <a:prstDash val="solid"/>
                     </a:lnT>
-                    <a:lnB w="0" cap="flat" cmpd="sng" algn="ctr">
+                    <a:lnB algn="ctr" cmpd="sng" cap="flat" w="0">
                       <a:noFill/>
                       <a:prstDash val="solid"/>
                     </a:lnB>
@@ -3405,12 +3396,12 @@
                     </a:solidFill>
                   </a:tcPr>
                 </a:tc>
-                <a:tc hMerge="1">
+                <a:tc hMerge="true">
                   <a:txBody>
                     <a:bodyPr/>
                     <a:lstStyle/>
                     <a:p>
-                      <a:pPr marL="63500" marR="63500" algn="ctr">
+                      <a:pPr algn="ctr" marL="63500" marR="63500">
                         <a:lnSpc>
                           <a:spcPct val="100000"/>
                         </a:lnSpc>
@@ -3423,7 +3414,7 @@
                         <a:buNone/>
                       </a:pPr>
                       <a:r>
-                        <a:rPr sz="1100" b="0" i="0" u="none" cap="none">
+                        <a:rPr cap="none" sz="1100" i="0" b="0" u="none">
                           <a:solidFill>
                             <a:srgbClr val="000000">
                               <a:alpha val="100000"/>
@@ -3431,22 +3422,23 @@
                           </a:solidFill>
                           <a:latin typeface="Arial"/>
                           <a:cs typeface="Arial"/>
+                          <a:ea typeface="Arial"/>
                           <a:sym typeface="Arial"/>
                         </a:rPr>
                         <a:t>Targeting</a:t>
                       </a:r>
                     </a:p>
                   </a:txBody>
-                  <a:tcPr marL="0" marR="0" marT="63500" marB="63500" anchor="ctr">
-                    <a:lnL w="0" cap="flat" cmpd="sng" algn="ctr">
+                  <a:tcPr anchor="ctr" marB="63500" marT="63500" marR="0" marL="0">
+                    <a:lnL algn="ctr" cmpd="sng" cap="flat" w="0">
                       <a:noFill/>
                       <a:prstDash val="solid"/>
                     </a:lnL>
-                    <a:lnR w="0" cap="flat" cmpd="sng" algn="ctr">
+                    <a:lnR algn="ctr" cmpd="sng" cap="flat" w="0">
                       <a:noFill/>
                       <a:prstDash val="solid"/>
                     </a:lnR>
-                    <a:lnT w="12700" cap="flat" cmpd="sng" algn="ctr">
+                    <a:lnT algn="ctr" cmpd="sng" cap="flat" w="12700">
                       <a:solidFill>
                         <a:srgbClr val="000000">
                           <a:alpha val="100000"/>
@@ -3454,7 +3446,7 @@
                       </a:solidFill>
                       <a:prstDash val="solid"/>
                     </a:lnT>
-                    <a:lnB w="0" cap="flat" cmpd="sng" algn="ctr">
+                    <a:lnB algn="ctr" cmpd="sng" cap="flat" w="0">
                       <a:noFill/>
                       <a:prstDash val="solid"/>
                     </a:lnB>
@@ -3470,7 +3462,7 @@
                     <a:bodyPr/>
                     <a:lstStyle/>
                     <a:p>
-                      <a:pPr marL="63500" marR="63500" algn="ctr">
+                      <a:pPr algn="ctr" marL="63500" marR="63500">
                         <a:lnSpc>
                           <a:spcPct val="100000"/>
                         </a:lnSpc>
@@ -3483,7 +3475,7 @@
                         <a:buNone/>
                       </a:pPr>
                       <a:r>
-                        <a:rPr sz="1100" b="0" i="0" u="none" cap="none">
+                        <a:rPr cap="none" sz="1100" i="0" b="0" u="none">
                           <a:solidFill>
                             <a:srgbClr val="000000">
                               <a:alpha val="100000"/>
@@ -3491,22 +3483,23 @@
                           </a:solidFill>
                           <a:latin typeface="Arial"/>
                           <a:cs typeface="Arial"/>
+                          <a:ea typeface="Arial"/>
                           <a:sym typeface="Arial"/>
                         </a:rPr>
                         <a:t>Uniform</a:t>
                       </a:r>
                     </a:p>
                   </a:txBody>
-                  <a:tcPr marL="0" marR="0" marT="63500" marB="63500" anchor="ctr">
-                    <a:lnL w="0" cap="flat" cmpd="sng" algn="ctr">
+                  <a:tcPr anchor="ctr" marB="63500" marT="63500" marR="0" marL="0">
+                    <a:lnL algn="ctr" cmpd="sng" cap="flat" w="0">
                       <a:noFill/>
                       <a:prstDash val="solid"/>
                     </a:lnL>
-                    <a:lnR w="0" cap="flat" cmpd="sng" algn="ctr">
+                    <a:lnR algn="ctr" cmpd="sng" cap="flat" w="0">
                       <a:noFill/>
                       <a:prstDash val="solid"/>
                     </a:lnR>
-                    <a:lnT w="12700" cap="flat" cmpd="sng" algn="ctr">
+                    <a:lnT algn="ctr" cmpd="sng" cap="flat" w="12700">
                       <a:solidFill>
                         <a:srgbClr val="000000">
                           <a:alpha val="100000"/>
@@ -3514,7 +3507,7 @@
                       </a:solidFill>
                       <a:prstDash val="solid"/>
                     </a:lnT>
-                    <a:lnB w="0" cap="flat" cmpd="sng" algn="ctr">
+                    <a:lnB algn="ctr" cmpd="sng" cap="flat" w="0">
                       <a:noFill/>
                       <a:prstDash val="solid"/>
                     </a:lnB>
@@ -3525,12 +3518,12 @@
                     </a:solidFill>
                   </a:tcPr>
                 </a:tc>
-                <a:tc hMerge="1">
+                <a:tc hMerge="true">
                   <a:txBody>
                     <a:bodyPr/>
                     <a:lstStyle/>
                     <a:p>
-                      <a:pPr marL="63500" marR="63500" algn="ctr">
+                      <a:pPr algn="ctr" marL="63500" marR="63500">
                         <a:lnSpc>
                           <a:spcPct val="100000"/>
                         </a:lnSpc>
@@ -3543,7 +3536,7 @@
                         <a:buNone/>
                       </a:pPr>
                       <a:r>
-                        <a:rPr sz="1100" b="0" i="0" u="none" cap="none">
+                        <a:rPr cap="none" sz="1100" i="0" b="0" u="none">
                           <a:solidFill>
                             <a:srgbClr val="000000">
                               <a:alpha val="100000"/>
@@ -3551,22 +3544,23 @@
                           </a:solidFill>
                           <a:latin typeface="Arial"/>
                           <a:cs typeface="Arial"/>
+                          <a:ea typeface="Arial"/>
                           <a:sym typeface="Arial"/>
                         </a:rPr>
                         <a:t>Uniform</a:t>
                       </a:r>
                     </a:p>
                   </a:txBody>
-                  <a:tcPr marL="0" marR="0" marT="63500" marB="63500" anchor="ctr">
-                    <a:lnL w="0" cap="flat" cmpd="sng" algn="ctr">
+                  <a:tcPr anchor="ctr" marB="63500" marT="63500" marR="0" marL="0">
+                    <a:lnL algn="ctr" cmpd="sng" cap="flat" w="0">
                       <a:noFill/>
                       <a:prstDash val="solid"/>
                     </a:lnL>
-                    <a:lnR w="0" cap="flat" cmpd="sng" algn="ctr">
+                    <a:lnR algn="ctr" cmpd="sng" cap="flat" w="0">
                       <a:noFill/>
                       <a:prstDash val="solid"/>
                     </a:lnR>
-                    <a:lnT w="12700" cap="flat" cmpd="sng" algn="ctr">
+                    <a:lnT algn="ctr" cmpd="sng" cap="flat" w="12700">
                       <a:solidFill>
                         <a:srgbClr val="000000">
                           <a:alpha val="100000"/>
@@ -3574,7 +3568,7 @@
                       </a:solidFill>
                       <a:prstDash val="solid"/>
                     </a:lnT>
-                    <a:lnB w="0" cap="flat" cmpd="sng" algn="ctr">
+                    <a:lnB algn="ctr" cmpd="sng" cap="flat" w="0">
                       <a:noFill/>
                       <a:prstDash val="solid"/>
                     </a:lnB>
@@ -3585,11 +3579,6 @@
                     </a:solidFill>
                   </a:tcPr>
                 </a:tc>
-                <a:extLst>
-                  <a:ext uri="{0D108BD9-81ED-4DB2-BD59-A6C34878D82A}">
-                    <a16:rowId xmlns:a16="http://schemas.microsoft.com/office/drawing/2014/main" val="10000"/>
-                  </a:ext>
-                </a:extLst>
               </a:tr>
               <a:tr h="228600">
                 <a:tc>
@@ -3597,7 +3586,7 @@
                     <a:bodyPr/>
                     <a:lstStyle/>
                     <a:p>
-                      <a:pPr marL="63500" marR="63500" algn="l">
+                      <a:pPr algn="l" marL="63500" marR="63500">
                         <a:lnSpc>
                           <a:spcPct val="100000"/>
                         </a:lnSpc>
@@ -3610,7 +3599,7 @@
                         <a:buNone/>
                       </a:pPr>
                       <a:r>
-                        <a:rPr sz="1100" b="0" i="0" u="none" cap="none">
+                        <a:rPr cap="none" sz="1100" i="0" b="0" u="none">
                           <a:solidFill>
                             <a:srgbClr val="000000">
                               <a:alpha val="100000"/>
@@ -3618,26 +3607,27 @@
                           </a:solidFill>
                           <a:latin typeface="Arial"/>
                           <a:cs typeface="Arial"/>
+                          <a:ea typeface="Arial"/>
                           <a:sym typeface="Arial"/>
                         </a:rPr>
                         <a:t> </a:t>
                       </a:r>
                     </a:p>
                   </a:txBody>
-                  <a:tcPr marL="0" marR="0" marT="63500" marB="63500" anchor="ctr">
-                    <a:lnL w="0" cap="flat" cmpd="sng" algn="ctr">
+                  <a:tcPr anchor="ctr" marB="63500" marT="63500" marR="0" marL="0">
+                    <a:lnL algn="ctr" cmpd="sng" cap="flat" w="0">
                       <a:noFill/>
                       <a:prstDash val="solid"/>
                     </a:lnL>
-                    <a:lnR w="0" cap="flat" cmpd="sng" algn="ctr">
+                    <a:lnR algn="ctr" cmpd="sng" cap="flat" w="0">
                       <a:noFill/>
                       <a:prstDash val="solid"/>
                     </a:lnR>
-                    <a:lnT w="0" cap="flat" cmpd="sng" algn="ctr">
+                    <a:lnT algn="ctr" cmpd="sng" cap="flat" w="0">
                       <a:noFill/>
                       <a:prstDash val="solid"/>
                     </a:lnT>
-                    <a:lnB w="12700" cap="flat" cmpd="sng" algn="ctr">
+                    <a:lnB algn="ctr" cmpd="sng" cap="flat" w="12700">
                       <a:solidFill>
                         <a:srgbClr val="000000">
                           <a:alpha val="100000"/>
@@ -3657,7 +3647,7 @@
                     <a:bodyPr/>
                     <a:lstStyle/>
                     <a:p>
-                      <a:pPr marL="63500" marR="63500" algn="ctr">
+                      <a:pPr algn="ctr" marL="63500" marR="63500">
                         <a:lnSpc>
                           <a:spcPct val="100000"/>
                         </a:lnSpc>
@@ -3670,7 +3660,7 @@
                         <a:buNone/>
                       </a:pPr>
                       <a:r>
-                        <a:rPr sz="1100" b="0" i="0" u="none" cap="none">
+                        <a:rPr cap="none" sz="1100" i="0" b="0" u="none">
                           <a:solidFill>
                             <a:srgbClr val="000000">
                               <a:alpha val="100000"/>
@@ -3678,26 +3668,27 @@
                           </a:solidFill>
                           <a:latin typeface="Arial"/>
                           <a:cs typeface="Arial"/>
+                          <a:ea typeface="Arial"/>
                           <a:sym typeface="Arial"/>
                         </a:rPr>
                         <a:t>Mean</a:t>
                       </a:r>
                     </a:p>
                   </a:txBody>
-                  <a:tcPr marL="0" marR="0" marT="63500" marB="63500" anchor="ctr">
-                    <a:lnL w="0" cap="flat" cmpd="sng" algn="ctr">
+                  <a:tcPr anchor="ctr" marB="63500" marT="63500" marR="0" marL="0">
+                    <a:lnL algn="ctr" cmpd="sng" cap="flat" w="0">
                       <a:noFill/>
                       <a:prstDash val="solid"/>
                     </a:lnL>
-                    <a:lnR w="0" cap="flat" cmpd="sng" algn="ctr">
+                    <a:lnR algn="ctr" cmpd="sng" cap="flat" w="0">
                       <a:noFill/>
                       <a:prstDash val="solid"/>
                     </a:lnR>
-                    <a:lnT w="0" cap="flat" cmpd="sng" algn="ctr">
+                    <a:lnT algn="ctr" cmpd="sng" cap="flat" w="0">
                       <a:noFill/>
                       <a:prstDash val="solid"/>
                     </a:lnT>
-                    <a:lnB w="12700" cap="flat" cmpd="sng" algn="ctr">
+                    <a:lnB algn="ctr" cmpd="sng" cap="flat" w="12700">
                       <a:solidFill>
                         <a:srgbClr val="000000">
                           <a:alpha val="100000"/>
@@ -3717,7 +3708,7 @@
                     <a:bodyPr/>
                     <a:lstStyle/>
                     <a:p>
-                      <a:pPr marL="63500" marR="63500" algn="ctr">
+                      <a:pPr algn="ctr" marL="63500" marR="63500">
                         <a:lnSpc>
                           <a:spcPct val="100000"/>
                         </a:lnSpc>
@@ -3730,7 +3721,7 @@
                         <a:buNone/>
                       </a:pPr>
                       <a:r>
-                        <a:rPr sz="1100" b="0" i="0" u="none" cap="none">
+                        <a:rPr cap="none" sz="1100" i="0" b="0" u="none">
                           <a:solidFill>
                             <a:srgbClr val="000000">
                               <a:alpha val="100000"/>
@@ -3738,26 +3729,27 @@
                           </a:solidFill>
                           <a:latin typeface="Arial"/>
                           <a:cs typeface="Arial"/>
+                          <a:ea typeface="Arial"/>
                           <a:sym typeface="Arial"/>
                         </a:rPr>
                         <a:t>SD</a:t>
                       </a:r>
                     </a:p>
                   </a:txBody>
-                  <a:tcPr marL="0" marR="0" marT="63500" marB="63500" anchor="ctr">
-                    <a:lnL w="0" cap="flat" cmpd="sng" algn="ctr">
+                  <a:tcPr anchor="ctr" marB="63500" marT="63500" marR="0" marL="0">
+                    <a:lnL algn="ctr" cmpd="sng" cap="flat" w="0">
                       <a:noFill/>
                       <a:prstDash val="solid"/>
                     </a:lnL>
-                    <a:lnR w="0" cap="flat" cmpd="sng" algn="ctr">
+                    <a:lnR algn="ctr" cmpd="sng" cap="flat" w="0">
                       <a:noFill/>
                       <a:prstDash val="solid"/>
                     </a:lnR>
-                    <a:lnT w="0" cap="flat" cmpd="sng" algn="ctr">
+                    <a:lnT algn="ctr" cmpd="sng" cap="flat" w="0">
                       <a:noFill/>
                       <a:prstDash val="solid"/>
                     </a:lnT>
-                    <a:lnB w="12700" cap="flat" cmpd="sng" algn="ctr">
+                    <a:lnB algn="ctr" cmpd="sng" cap="flat" w="12700">
                       <a:solidFill>
                         <a:srgbClr val="000000">
                           <a:alpha val="100000"/>
@@ -3777,7 +3769,7 @@
                     <a:bodyPr/>
                     <a:lstStyle/>
                     <a:p>
-                      <a:pPr marL="63500" marR="63500" algn="ctr">
+                      <a:pPr algn="ctr" marL="63500" marR="63500">
                         <a:lnSpc>
                           <a:spcPct val="100000"/>
                         </a:lnSpc>
@@ -3790,7 +3782,7 @@
                         <a:buNone/>
                       </a:pPr>
                       <a:r>
-                        <a:rPr sz="1100" b="0" i="0" u="none" cap="none">
+                        <a:rPr cap="none" sz="1100" i="0" b="0" u="none">
                           <a:solidFill>
                             <a:srgbClr val="000000">
                               <a:alpha val="100000"/>
@@ -3798,26 +3790,27 @@
                           </a:solidFill>
                           <a:latin typeface="Arial"/>
                           <a:cs typeface="Arial"/>
+                          <a:ea typeface="Arial"/>
                           <a:sym typeface="Arial"/>
                         </a:rPr>
                         <a:t>Mean</a:t>
                       </a:r>
                     </a:p>
                   </a:txBody>
-                  <a:tcPr marL="0" marR="0" marT="63500" marB="63500" anchor="ctr">
-                    <a:lnL w="0" cap="flat" cmpd="sng" algn="ctr">
+                  <a:tcPr anchor="ctr" marB="63500" marT="63500" marR="0" marL="0">
+                    <a:lnL algn="ctr" cmpd="sng" cap="flat" w="0">
                       <a:noFill/>
                       <a:prstDash val="solid"/>
                     </a:lnL>
-                    <a:lnR w="0" cap="flat" cmpd="sng" algn="ctr">
+                    <a:lnR algn="ctr" cmpd="sng" cap="flat" w="0">
                       <a:noFill/>
                       <a:prstDash val="solid"/>
                     </a:lnR>
-                    <a:lnT w="0" cap="flat" cmpd="sng" algn="ctr">
+                    <a:lnT algn="ctr" cmpd="sng" cap="flat" w="0">
                       <a:noFill/>
                       <a:prstDash val="solid"/>
                     </a:lnT>
-                    <a:lnB w="12700" cap="flat" cmpd="sng" algn="ctr">
+                    <a:lnB algn="ctr" cmpd="sng" cap="flat" w="12700">
                       <a:solidFill>
                         <a:srgbClr val="000000">
                           <a:alpha val="100000"/>
@@ -3837,7 +3830,7 @@
                     <a:bodyPr/>
                     <a:lstStyle/>
                     <a:p>
-                      <a:pPr marL="63500" marR="63500" algn="ctr">
+                      <a:pPr algn="ctr" marL="63500" marR="63500">
                         <a:lnSpc>
                           <a:spcPct val="100000"/>
                         </a:lnSpc>
@@ -3850,7 +3843,7 @@
                         <a:buNone/>
                       </a:pPr>
                       <a:r>
-                        <a:rPr sz="1100" b="0" i="0" u="none" cap="none">
+                        <a:rPr cap="none" sz="1100" i="0" b="0" u="none">
                           <a:solidFill>
                             <a:srgbClr val="000000">
                               <a:alpha val="100000"/>
@@ -3858,26 +3851,27 @@
                           </a:solidFill>
                           <a:latin typeface="Arial"/>
                           <a:cs typeface="Arial"/>
+                          <a:ea typeface="Arial"/>
                           <a:sym typeface="Arial"/>
                         </a:rPr>
                         <a:t>SD</a:t>
                       </a:r>
                     </a:p>
                   </a:txBody>
-                  <a:tcPr marL="0" marR="0" marT="63500" marB="63500" anchor="ctr">
-                    <a:lnL w="0" cap="flat" cmpd="sng" algn="ctr">
+                  <a:tcPr anchor="ctr" marB="63500" marT="63500" marR="0" marL="0">
+                    <a:lnL algn="ctr" cmpd="sng" cap="flat" w="0">
                       <a:noFill/>
                       <a:prstDash val="solid"/>
                     </a:lnL>
-                    <a:lnR w="0" cap="flat" cmpd="sng" algn="ctr">
+                    <a:lnR algn="ctr" cmpd="sng" cap="flat" w="0">
                       <a:noFill/>
                       <a:prstDash val="solid"/>
                     </a:lnR>
-                    <a:lnT w="0" cap="flat" cmpd="sng" algn="ctr">
+                    <a:lnT algn="ctr" cmpd="sng" cap="flat" w="0">
                       <a:noFill/>
                       <a:prstDash val="solid"/>
                     </a:lnT>
-                    <a:lnB w="12700" cap="flat" cmpd="sng" algn="ctr">
+                    <a:lnB algn="ctr" cmpd="sng" cap="flat" w="12700">
                       <a:solidFill>
                         <a:srgbClr val="000000">
                           <a:alpha val="100000"/>
@@ -3892,11 +3886,6 @@
                     </a:solidFill>
                   </a:tcPr>
                 </a:tc>
-                <a:extLst>
-                  <a:ext uri="{0D108BD9-81ED-4DB2-BD59-A6C34878D82A}">
-                    <a16:rowId xmlns:a16="http://schemas.microsoft.com/office/drawing/2014/main" val="10001"/>
-                  </a:ext>
-                </a:extLst>
               </a:tr>
               <a:tr h="228600">
                 <a:tc>
@@ -3904,7 +3893,7 @@
                     <a:bodyPr/>
                     <a:lstStyle/>
                     <a:p>
-                      <a:pPr marL="63500" marR="63500" algn="l">
+                      <a:pPr algn="l" marL="63500" marR="63500">
                         <a:lnSpc>
                           <a:spcPct val="100000"/>
                         </a:lnSpc>
@@ -3917,7 +3906,7 @@
                         <a:buNone/>
                       </a:pPr>
                       <a:r>
-                        <a:rPr sz="1100" b="0" i="0" u="none" cap="none">
+                        <a:rPr cap="none" sz="1100" i="0" b="0" u="none">
                           <a:solidFill>
                             <a:srgbClr val="000000">
                               <a:alpha val="100000"/>
@@ -3925,31 +3914,27 @@
                           </a:solidFill>
                           <a:latin typeface="Arial"/>
                           <a:cs typeface="Arial"/>
+                          <a:ea typeface="Arial"/>
                           <a:sym typeface="Arial"/>
                         </a:rPr>
                         <a:t>Treatment B</a:t>
                       </a:r>
                     </a:p>
                   </a:txBody>
-                  <a:tcPr marL="0" marR="0" marT="63500" marB="63500" anchor="ctr">
-                    <a:lnL w="0" cap="flat" cmpd="sng" algn="ctr">
+                  <a:tcPr anchor="ctr" marB="63500" marT="63500" marR="0" marL="0">
+                    <a:lnL algn="ctr" cmpd="sng" cap="flat" w="0">
                       <a:noFill/>
                       <a:prstDash val="solid"/>
                     </a:lnL>
-                    <a:lnR w="0" cap="flat" cmpd="sng" algn="ctr">
+                    <a:lnR algn="ctr" cmpd="sng" cap="flat" w="0">
                       <a:noFill/>
                       <a:prstDash val="solid"/>
                     </a:lnR>
-                    <a:lnT w="12700" cap="flat" cmpd="sng" algn="ctr">
-                      <a:solidFill>
-                        <a:srgbClr val="000000"/>
-                      </a:solidFill>
-                      <a:prstDash val="solid"/>
-                      <a:round/>
-                      <a:headEnd type="none" w="med" len="med"/>
-                      <a:tailEnd type="none" w="med" len="med"/>
+                    <a:lnT algn="ctr" cmpd="sng" cap="flat" w="0">
+                      <a:noFill/>
+                      <a:prstDash val="solid"/>
                     </a:lnT>
-                    <a:lnB w="0" cap="flat" cmpd="sng" algn="ctr">
+                    <a:lnB algn="ctr" cmpd="sng" cap="flat" w="0">
                       <a:noFill/>
                       <a:prstDash val="solid"/>
                     </a:lnB>
@@ -3965,7 +3950,7 @@
                     <a:bodyPr/>
                     <a:lstStyle/>
                     <a:p>
-                      <a:pPr marL="63500" marR="63500" algn="ctr">
+                      <a:pPr algn="ctr" marL="63500" marR="63500">
                         <a:lnSpc>
                           <a:spcPct val="100000"/>
                         </a:lnSpc>
@@ -3978,7 +3963,7 @@
                         <a:buNone/>
                       </a:pPr>
                       <a:r>
-                        <a:rPr sz="1100" b="0" i="0" u="none" cap="none">
+                        <a:rPr cap="none" sz="1100" i="0" b="0" u="none">
                           <a:solidFill>
                             <a:srgbClr val="000000">
                               <a:alpha val="100000"/>
@@ -3986,31 +3971,27 @@
                           </a:solidFill>
                           <a:latin typeface="Arial"/>
                           <a:cs typeface="Arial"/>
+                          <a:ea typeface="Arial"/>
                           <a:sym typeface="Arial"/>
                         </a:rPr>
                         <a:t>0.0336</a:t>
                       </a:r>
                     </a:p>
                   </a:txBody>
-                  <a:tcPr marL="0" marR="0" marT="63500" marB="63500" anchor="ctr">
-                    <a:lnL w="0" cap="flat" cmpd="sng" algn="ctr">
+                  <a:tcPr anchor="ctr" marB="63500" marT="63500" marR="0" marL="0">
+                    <a:lnL algn="ctr" cmpd="sng" cap="flat" w="0">
                       <a:noFill/>
                       <a:prstDash val="solid"/>
                     </a:lnL>
-                    <a:lnR w="0" cap="flat" cmpd="sng" algn="ctr">
+                    <a:lnR algn="ctr" cmpd="sng" cap="flat" w="0">
                       <a:noFill/>
                       <a:prstDash val="solid"/>
                     </a:lnR>
-                    <a:lnT w="12700" cap="flat" cmpd="sng" algn="ctr">
-                      <a:solidFill>
-                        <a:srgbClr val="000000"/>
-                      </a:solidFill>
-                      <a:prstDash val="solid"/>
-                      <a:round/>
-                      <a:headEnd type="none" w="med" len="med"/>
-                      <a:tailEnd type="none" w="med" len="med"/>
+                    <a:lnT algn="ctr" cmpd="sng" cap="flat" w="0">
+                      <a:noFill/>
+                      <a:prstDash val="solid"/>
                     </a:lnT>
-                    <a:lnB w="0" cap="flat" cmpd="sng" algn="ctr">
+                    <a:lnB algn="ctr" cmpd="sng" cap="flat" w="0">
                       <a:noFill/>
                       <a:prstDash val="solid"/>
                     </a:lnB>
@@ -4026,7 +4007,7 @@
                     <a:bodyPr/>
                     <a:lstStyle/>
                     <a:p>
-                      <a:pPr marL="63500" marR="63500" algn="ctr">
+                      <a:pPr algn="ctr" marL="63500" marR="63500">
                         <a:lnSpc>
                           <a:spcPct val="100000"/>
                         </a:lnSpc>
@@ -4039,7 +4020,7 @@
                         <a:buNone/>
                       </a:pPr>
                       <a:r>
-                        <a:rPr sz="1100" b="0" i="0" u="none" cap="none">
+                        <a:rPr cap="none" sz="1100" i="0" b="0" u="none">
                           <a:solidFill>
                             <a:srgbClr val="000000">
                               <a:alpha val="100000"/>
@@ -4047,31 +4028,27 @@
                           </a:solidFill>
                           <a:latin typeface="Arial"/>
                           <a:cs typeface="Arial"/>
+                          <a:ea typeface="Arial"/>
                           <a:sym typeface="Arial"/>
                         </a:rPr>
                         <a:t>0.0422</a:t>
                       </a:r>
                     </a:p>
                   </a:txBody>
-                  <a:tcPr marL="0" marR="0" marT="63500" marB="63500" anchor="ctr">
-                    <a:lnL w="0" cap="flat" cmpd="sng" algn="ctr">
+                  <a:tcPr anchor="ctr" marB="63500" marT="63500" marR="0" marL="0">
+                    <a:lnL algn="ctr" cmpd="sng" cap="flat" w="0">
                       <a:noFill/>
                       <a:prstDash val="solid"/>
                     </a:lnL>
-                    <a:lnR w="0" cap="flat" cmpd="sng" algn="ctr">
+                    <a:lnR algn="ctr" cmpd="sng" cap="flat" w="0">
                       <a:noFill/>
                       <a:prstDash val="solid"/>
                     </a:lnR>
-                    <a:lnT w="12700" cap="flat" cmpd="sng" algn="ctr">
-                      <a:solidFill>
-                        <a:srgbClr val="000000"/>
-                      </a:solidFill>
-                      <a:prstDash val="solid"/>
-                      <a:round/>
-                      <a:headEnd type="none" w="med" len="med"/>
-                      <a:tailEnd type="none" w="med" len="med"/>
+                    <a:lnT algn="ctr" cmpd="sng" cap="flat" w="0">
+                      <a:noFill/>
+                      <a:prstDash val="solid"/>
                     </a:lnT>
-                    <a:lnB w="0" cap="flat" cmpd="sng" algn="ctr">
+                    <a:lnB algn="ctr" cmpd="sng" cap="flat" w="0">
                       <a:noFill/>
                       <a:prstDash val="solid"/>
                     </a:lnB>
@@ -4087,7 +4064,7 @@
                     <a:bodyPr/>
                     <a:lstStyle/>
                     <a:p>
-                      <a:pPr marL="63500" marR="63500" algn="ctr">
+                      <a:pPr algn="ctr" marL="63500" marR="63500">
                         <a:lnSpc>
                           <a:spcPct val="100000"/>
                         </a:lnSpc>
@@ -4100,7 +4077,7 @@
                         <a:buNone/>
                       </a:pPr>
                       <a:r>
-                        <a:rPr sz="1100" b="0" i="0" u="none" cap="none">
+                        <a:rPr cap="none" sz="1100" i="0" b="0" u="none">
                           <a:solidFill>
                             <a:srgbClr val="000000">
                               <a:alpha val="100000"/>
@@ -4108,31 +4085,27 @@
                           </a:solidFill>
                           <a:latin typeface="Arial"/>
                           <a:cs typeface="Arial"/>
+                          <a:ea typeface="Arial"/>
                           <a:sym typeface="Arial"/>
                         </a:rPr>
                         <a:t>0.0206</a:t>
                       </a:r>
                     </a:p>
                   </a:txBody>
-                  <a:tcPr marL="0" marR="0" marT="63500" marB="63500" anchor="ctr">
-                    <a:lnL w="0" cap="flat" cmpd="sng" algn="ctr">
+                  <a:tcPr anchor="ctr" marB="63500" marT="63500" marR="0" marL="0">
+                    <a:lnL algn="ctr" cmpd="sng" cap="flat" w="0">
                       <a:noFill/>
                       <a:prstDash val="solid"/>
                     </a:lnL>
-                    <a:lnR w="0" cap="flat" cmpd="sng" algn="ctr">
+                    <a:lnR algn="ctr" cmpd="sng" cap="flat" w="0">
                       <a:noFill/>
                       <a:prstDash val="solid"/>
                     </a:lnR>
-                    <a:lnT w="12700" cap="flat" cmpd="sng" algn="ctr">
-                      <a:solidFill>
-                        <a:srgbClr val="000000"/>
-                      </a:solidFill>
-                      <a:prstDash val="solid"/>
-                      <a:round/>
-                      <a:headEnd type="none" w="med" len="med"/>
-                      <a:tailEnd type="none" w="med" len="med"/>
+                    <a:lnT algn="ctr" cmpd="sng" cap="flat" w="0">
+                      <a:noFill/>
+                      <a:prstDash val="solid"/>
                     </a:lnT>
-                    <a:lnB w="0" cap="flat" cmpd="sng" algn="ctr">
+                    <a:lnB algn="ctr" cmpd="sng" cap="flat" w="0">
                       <a:noFill/>
                       <a:prstDash val="solid"/>
                     </a:lnB>
@@ -4148,7 +4121,7 @@
                     <a:bodyPr/>
                     <a:lstStyle/>
                     <a:p>
-                      <a:pPr marL="63500" marR="63500" algn="ctr">
+                      <a:pPr algn="ctr" marL="63500" marR="63500">
                         <a:lnSpc>
                           <a:spcPct val="100000"/>
                         </a:lnSpc>
@@ -4161,7 +4134,7 @@
                         <a:buNone/>
                       </a:pPr>
                       <a:r>
-                        <a:rPr sz="1100" b="0" i="0" u="none" cap="none">
+                        <a:rPr cap="none" sz="1100" i="0" b="0" u="none">
                           <a:solidFill>
                             <a:srgbClr val="000000">
                               <a:alpha val="100000"/>
@@ -4169,31 +4142,27 @@
                           </a:solidFill>
                           <a:latin typeface="Arial"/>
                           <a:cs typeface="Arial"/>
+                          <a:ea typeface="Arial"/>
                           <a:sym typeface="Arial"/>
                         </a:rPr>
                         <a:t>0.0570</a:t>
                       </a:r>
                     </a:p>
                   </a:txBody>
-                  <a:tcPr marL="0" marR="0" marT="63500" marB="63500" anchor="ctr">
-                    <a:lnL w="0" cap="flat" cmpd="sng" algn="ctr">
+                  <a:tcPr anchor="ctr" marB="63500" marT="63500" marR="0" marL="0">
+                    <a:lnL algn="ctr" cmpd="sng" cap="flat" w="0">
                       <a:noFill/>
                       <a:prstDash val="solid"/>
                     </a:lnL>
-                    <a:lnR w="0" cap="flat" cmpd="sng" algn="ctr">
+                    <a:lnR algn="ctr" cmpd="sng" cap="flat" w="0">
                       <a:noFill/>
                       <a:prstDash val="solid"/>
                     </a:lnR>
-                    <a:lnT w="12700" cap="flat" cmpd="sng" algn="ctr">
-                      <a:solidFill>
-                        <a:srgbClr val="000000"/>
-                      </a:solidFill>
-                      <a:prstDash val="solid"/>
-                      <a:round/>
-                      <a:headEnd type="none" w="med" len="med"/>
-                      <a:tailEnd type="none" w="med" len="med"/>
+                    <a:lnT algn="ctr" cmpd="sng" cap="flat" w="0">
+                      <a:noFill/>
+                      <a:prstDash val="solid"/>
                     </a:lnT>
-                    <a:lnB w="0" cap="flat" cmpd="sng" algn="ctr">
+                    <a:lnB algn="ctr" cmpd="sng" cap="flat" w="0">
                       <a:noFill/>
                       <a:prstDash val="solid"/>
                     </a:lnB>
@@ -4204,11 +4173,6 @@
                     </a:solidFill>
                   </a:tcPr>
                 </a:tc>
-                <a:extLst>
-                  <a:ext uri="{0D108BD9-81ED-4DB2-BD59-A6C34878D82A}">
-                    <a16:rowId xmlns:a16="http://schemas.microsoft.com/office/drawing/2014/main" val="10002"/>
-                  </a:ext>
-                </a:extLst>
               </a:tr>
               <a:tr h="228600">
                 <a:tc>
@@ -4216,7 +4180,7 @@
                     <a:bodyPr/>
                     <a:lstStyle/>
                     <a:p>
-                      <a:pPr marL="63500" marR="63500" algn="l">
+                      <a:pPr algn="l" marL="63500" marR="63500">
                         <a:lnSpc>
                           <a:spcPct val="100000"/>
                         </a:lnSpc>
@@ -4229,7 +4193,7 @@
                         <a:buNone/>
                       </a:pPr>
                       <a:r>
-                        <a:rPr sz="1100" b="0" i="0" u="none" cap="none">
+                        <a:rPr cap="none" sz="1100" i="0" b="0" u="none">
                           <a:solidFill>
                             <a:srgbClr val="000000">
                               <a:alpha val="100000"/>
@@ -4237,26 +4201,27 @@
                           </a:solidFill>
                           <a:latin typeface="Arial"/>
                           <a:cs typeface="Arial"/>
+                          <a:ea typeface="Arial"/>
                           <a:sym typeface="Arial"/>
                         </a:rPr>
                         <a:t>Treatment C</a:t>
                       </a:r>
                     </a:p>
                   </a:txBody>
-                  <a:tcPr marL="0" marR="0" marT="63500" marB="63500" anchor="ctr">
-                    <a:lnL w="0" cap="flat" cmpd="sng" algn="ctr">
+                  <a:tcPr anchor="ctr" marB="63500" marT="63500" marR="0" marL="0">
+                    <a:lnL algn="ctr" cmpd="sng" cap="flat" w="0">
                       <a:noFill/>
                       <a:prstDash val="solid"/>
                     </a:lnL>
-                    <a:lnR w="0" cap="flat" cmpd="sng" algn="ctr">
+                    <a:lnR algn="ctr" cmpd="sng" cap="flat" w="0">
                       <a:noFill/>
                       <a:prstDash val="solid"/>
                     </a:lnR>
-                    <a:lnT w="0" cap="flat" cmpd="sng" algn="ctr">
+                    <a:lnT algn="ctr" cmpd="sng" cap="flat" w="0">
                       <a:noFill/>
                       <a:prstDash val="solid"/>
                     </a:lnT>
-                    <a:lnB w="0" cap="flat" cmpd="sng" algn="ctr">
+                    <a:lnB algn="ctr" cmpd="sng" cap="flat" w="0">
                       <a:noFill/>
                       <a:prstDash val="solid"/>
                     </a:lnB>
@@ -4272,7 +4237,7 @@
                     <a:bodyPr/>
                     <a:lstStyle/>
                     <a:p>
-                      <a:pPr marL="63500" marR="63500" algn="ctr">
+                      <a:pPr algn="ctr" marL="63500" marR="63500">
                         <a:lnSpc>
                           <a:spcPct val="100000"/>
                         </a:lnSpc>
@@ -4285,7 +4250,7 @@
                         <a:buNone/>
                       </a:pPr>
                       <a:r>
-                        <a:rPr sz="1100" b="0" i="0" u="none" cap="none">
+                        <a:rPr cap="none" sz="1100" i="0" b="0" u="none">
                           <a:solidFill>
                             <a:srgbClr val="000000">
                               <a:alpha val="100000"/>
@@ -4293,26 +4258,27 @@
                           </a:solidFill>
                           <a:latin typeface="Arial"/>
                           <a:cs typeface="Arial"/>
+                          <a:ea typeface="Arial"/>
                           <a:sym typeface="Arial"/>
                         </a:rPr>
                         <a:t>0.0230</a:t>
                       </a:r>
                     </a:p>
                   </a:txBody>
-                  <a:tcPr marL="0" marR="0" marT="63500" marB="63500" anchor="ctr">
-                    <a:lnL w="0" cap="flat" cmpd="sng" algn="ctr">
+                  <a:tcPr anchor="ctr" marB="63500" marT="63500" marR="0" marL="0">
+                    <a:lnL algn="ctr" cmpd="sng" cap="flat" w="0">
                       <a:noFill/>
                       <a:prstDash val="solid"/>
                     </a:lnL>
-                    <a:lnR w="0" cap="flat" cmpd="sng" algn="ctr">
+                    <a:lnR algn="ctr" cmpd="sng" cap="flat" w="0">
                       <a:noFill/>
                       <a:prstDash val="solid"/>
                     </a:lnR>
-                    <a:lnT w="0" cap="flat" cmpd="sng" algn="ctr">
+                    <a:lnT algn="ctr" cmpd="sng" cap="flat" w="0">
                       <a:noFill/>
                       <a:prstDash val="solid"/>
                     </a:lnT>
-                    <a:lnB w="0" cap="flat" cmpd="sng" algn="ctr">
+                    <a:lnB algn="ctr" cmpd="sng" cap="flat" w="0">
                       <a:noFill/>
                       <a:prstDash val="solid"/>
                     </a:lnB>
@@ -4328,7 +4294,7 @@
                     <a:bodyPr/>
                     <a:lstStyle/>
                     <a:p>
-                      <a:pPr marL="63500" marR="63500" algn="ctr">
+                      <a:pPr algn="ctr" marL="63500" marR="63500">
                         <a:lnSpc>
                           <a:spcPct val="100000"/>
                         </a:lnSpc>
@@ -4341,7 +4307,7 @@
                         <a:buNone/>
                       </a:pPr>
                       <a:r>
-                        <a:rPr sz="1100" b="0" i="0" u="none" cap="none">
+                        <a:rPr cap="none" sz="1100" i="0" b="0" u="none">
                           <a:solidFill>
                             <a:srgbClr val="000000">
                               <a:alpha val="100000"/>
@@ -4349,26 +4315,27 @@
                           </a:solidFill>
                           <a:latin typeface="Arial"/>
                           <a:cs typeface="Arial"/>
+                          <a:ea typeface="Arial"/>
                           <a:sym typeface="Arial"/>
                         </a:rPr>
                         <a:t>0.0336</a:t>
                       </a:r>
                     </a:p>
                   </a:txBody>
-                  <a:tcPr marL="0" marR="0" marT="63500" marB="63500" anchor="ctr">
-                    <a:lnL w="0" cap="flat" cmpd="sng" algn="ctr">
+                  <a:tcPr anchor="ctr" marB="63500" marT="63500" marR="0" marL="0">
+                    <a:lnL algn="ctr" cmpd="sng" cap="flat" w="0">
                       <a:noFill/>
                       <a:prstDash val="solid"/>
                     </a:lnL>
-                    <a:lnR w="0" cap="flat" cmpd="sng" algn="ctr">
+                    <a:lnR algn="ctr" cmpd="sng" cap="flat" w="0">
                       <a:noFill/>
                       <a:prstDash val="solid"/>
                     </a:lnR>
-                    <a:lnT w="0" cap="flat" cmpd="sng" algn="ctr">
+                    <a:lnT algn="ctr" cmpd="sng" cap="flat" w="0">
                       <a:noFill/>
                       <a:prstDash val="solid"/>
                     </a:lnT>
-                    <a:lnB w="0" cap="flat" cmpd="sng" algn="ctr">
+                    <a:lnB algn="ctr" cmpd="sng" cap="flat" w="0">
                       <a:noFill/>
                       <a:prstDash val="solid"/>
                     </a:lnB>
@@ -4384,7 +4351,7 @@
                     <a:bodyPr/>
                     <a:lstStyle/>
                     <a:p>
-                      <a:pPr marL="63500" marR="63500" algn="ctr">
+                      <a:pPr algn="ctr" marL="63500" marR="63500">
                         <a:lnSpc>
                           <a:spcPct val="100000"/>
                         </a:lnSpc>
@@ -4397,7 +4364,7 @@
                         <a:buNone/>
                       </a:pPr>
                       <a:r>
-                        <a:rPr sz="1100" b="0" i="0" u="none" cap="none">
+                        <a:rPr cap="none" sz="1100" i="0" b="0" u="none">
                           <a:solidFill>
                             <a:srgbClr val="000000">
                               <a:alpha val="100000"/>
@@ -4405,26 +4372,27 @@
                           </a:solidFill>
                           <a:latin typeface="Arial"/>
                           <a:cs typeface="Arial"/>
+                          <a:ea typeface="Arial"/>
                           <a:sym typeface="Arial"/>
                         </a:rPr>
                         <a:t>-0.0019</a:t>
                       </a:r>
                     </a:p>
                   </a:txBody>
-                  <a:tcPr marL="0" marR="0" marT="63500" marB="63500" anchor="ctr">
-                    <a:lnL w="0" cap="flat" cmpd="sng" algn="ctr">
+                  <a:tcPr anchor="ctr" marB="63500" marT="63500" marR="0" marL="0">
+                    <a:lnL algn="ctr" cmpd="sng" cap="flat" w="0">
                       <a:noFill/>
                       <a:prstDash val="solid"/>
                     </a:lnL>
-                    <a:lnR w="0" cap="flat" cmpd="sng" algn="ctr">
+                    <a:lnR algn="ctr" cmpd="sng" cap="flat" w="0">
                       <a:noFill/>
                       <a:prstDash val="solid"/>
                     </a:lnR>
-                    <a:lnT w="0" cap="flat" cmpd="sng" algn="ctr">
+                    <a:lnT algn="ctr" cmpd="sng" cap="flat" w="0">
                       <a:noFill/>
                       <a:prstDash val="solid"/>
                     </a:lnT>
-                    <a:lnB w="0" cap="flat" cmpd="sng" algn="ctr">
+                    <a:lnB algn="ctr" cmpd="sng" cap="flat" w="0">
                       <a:noFill/>
                       <a:prstDash val="solid"/>
                     </a:lnB>
@@ -4440,7 +4408,7 @@
                     <a:bodyPr/>
                     <a:lstStyle/>
                     <a:p>
-                      <a:pPr marL="63500" marR="63500" algn="ctr">
+                      <a:pPr algn="ctr" marL="63500" marR="63500">
                         <a:lnSpc>
                           <a:spcPct val="100000"/>
                         </a:lnSpc>
@@ -4453,7 +4421,7 @@
                         <a:buNone/>
                       </a:pPr>
                       <a:r>
-                        <a:rPr sz="1100" b="0" i="0" u="none" cap="none">
+                        <a:rPr cap="none" sz="1100" i="0" b="0" u="none">
                           <a:solidFill>
                             <a:srgbClr val="000000">
                               <a:alpha val="100000"/>
@@ -4461,26 +4429,27 @@
                           </a:solidFill>
                           <a:latin typeface="Arial"/>
                           <a:cs typeface="Arial"/>
+                          <a:ea typeface="Arial"/>
                           <a:sym typeface="Arial"/>
                         </a:rPr>
                         <a:t>0.0598</a:t>
                       </a:r>
                     </a:p>
                   </a:txBody>
-                  <a:tcPr marL="0" marR="0" marT="63500" marB="63500" anchor="ctr">
-                    <a:lnL w="0" cap="flat" cmpd="sng" algn="ctr">
+                  <a:tcPr anchor="ctr" marB="63500" marT="63500" marR="0" marL="0">
+                    <a:lnL algn="ctr" cmpd="sng" cap="flat" w="0">
                       <a:noFill/>
                       <a:prstDash val="solid"/>
                     </a:lnL>
-                    <a:lnR w="0" cap="flat" cmpd="sng" algn="ctr">
+                    <a:lnR algn="ctr" cmpd="sng" cap="flat" w="0">
                       <a:noFill/>
                       <a:prstDash val="solid"/>
                     </a:lnR>
-                    <a:lnT w="0" cap="flat" cmpd="sng" algn="ctr">
+                    <a:lnT algn="ctr" cmpd="sng" cap="flat" w="0">
                       <a:noFill/>
                       <a:prstDash val="solid"/>
                     </a:lnT>
-                    <a:lnB w="0" cap="flat" cmpd="sng" algn="ctr">
+                    <a:lnB algn="ctr" cmpd="sng" cap="flat" w="0">
                       <a:noFill/>
                       <a:prstDash val="solid"/>
                     </a:lnB>
@@ -4491,11 +4460,6 @@
                     </a:solidFill>
                   </a:tcPr>
                 </a:tc>
-                <a:extLst>
-                  <a:ext uri="{0D108BD9-81ED-4DB2-BD59-A6C34878D82A}">
-                    <a16:rowId xmlns:a16="http://schemas.microsoft.com/office/drawing/2014/main" val="10003"/>
-                  </a:ext>
-                </a:extLst>
               </a:tr>
               <a:tr h="228600">
                 <a:tc>
@@ -4503,7 +4467,7 @@
                     <a:bodyPr/>
                     <a:lstStyle/>
                     <a:p>
-                      <a:pPr marL="63500" marR="63500" algn="l">
+                      <a:pPr algn="l" marL="63500" marR="63500">
                         <a:lnSpc>
                           <a:spcPct val="100000"/>
                         </a:lnSpc>
@@ -4516,7 +4480,7 @@
                         <a:buNone/>
                       </a:pPr>
                       <a:r>
-                        <a:rPr sz="1100" b="0" i="0" u="none" cap="none">
+                        <a:rPr cap="none" sz="1100" i="0" b="0" u="none">
                           <a:solidFill>
                             <a:srgbClr val="000000">
                               <a:alpha val="100000"/>
@@ -4524,26 +4488,27 @@
                           </a:solidFill>
                           <a:latin typeface="Arial"/>
                           <a:cs typeface="Arial"/>
+                          <a:ea typeface="Arial"/>
                           <a:sym typeface="Arial"/>
                         </a:rPr>
                         <a:t>Treatment D</a:t>
                       </a:r>
                     </a:p>
                   </a:txBody>
-                  <a:tcPr marL="0" marR="0" marT="63500" marB="63500" anchor="ctr">
-                    <a:lnL w="0" cap="flat" cmpd="sng" algn="ctr">
+                  <a:tcPr anchor="ctr" marB="63500" marT="63500" marR="0" marL="0">
+                    <a:lnL algn="ctr" cmpd="sng" cap="flat" w="0">
                       <a:noFill/>
                       <a:prstDash val="solid"/>
                     </a:lnL>
-                    <a:lnR w="0" cap="flat" cmpd="sng" algn="ctr">
+                    <a:lnR algn="ctr" cmpd="sng" cap="flat" w="0">
                       <a:noFill/>
                       <a:prstDash val="solid"/>
                     </a:lnR>
-                    <a:lnT w="0" cap="flat" cmpd="sng" algn="ctr">
+                    <a:lnT algn="ctr" cmpd="sng" cap="flat" w="0">
                       <a:noFill/>
                       <a:prstDash val="solid"/>
                     </a:lnT>
-                    <a:lnB w="0" cap="flat" cmpd="sng" algn="ctr">
+                    <a:lnB algn="ctr" cmpd="sng" cap="flat" w="0">
                       <a:noFill/>
                       <a:prstDash val="solid"/>
                     </a:lnB>
@@ -4559,7 +4524,7 @@
                     <a:bodyPr/>
                     <a:lstStyle/>
                     <a:p>
-                      <a:pPr marL="63500" marR="63500" algn="ctr">
+                      <a:pPr algn="ctr" marL="63500" marR="63500">
                         <a:lnSpc>
                           <a:spcPct val="100000"/>
                         </a:lnSpc>
@@ -4572,7 +4537,7 @@
                         <a:buNone/>
                       </a:pPr>
                       <a:r>
-                        <a:rPr sz="1100" b="0" i="0" u="none" cap="none">
+                        <a:rPr cap="none" sz="1100" i="0" b="0" u="none">
                           <a:solidFill>
                             <a:srgbClr val="000000">
                               <a:alpha val="100000"/>
@@ -4580,26 +4545,27 @@
                           </a:solidFill>
                           <a:latin typeface="Arial"/>
                           <a:cs typeface="Arial"/>
+                          <a:ea typeface="Arial"/>
                           <a:sym typeface="Arial"/>
                         </a:rPr>
                         <a:t>0.0287</a:t>
                       </a:r>
                     </a:p>
                   </a:txBody>
-                  <a:tcPr marL="0" marR="0" marT="63500" marB="63500" anchor="ctr">
-                    <a:lnL w="0" cap="flat" cmpd="sng" algn="ctr">
+                  <a:tcPr anchor="ctr" marB="63500" marT="63500" marR="0" marL="0">
+                    <a:lnL algn="ctr" cmpd="sng" cap="flat" w="0">
                       <a:noFill/>
                       <a:prstDash val="solid"/>
                     </a:lnL>
-                    <a:lnR w="0" cap="flat" cmpd="sng" algn="ctr">
+                    <a:lnR algn="ctr" cmpd="sng" cap="flat" w="0">
                       <a:noFill/>
                       <a:prstDash val="solid"/>
                     </a:lnR>
-                    <a:lnT w="0" cap="flat" cmpd="sng" algn="ctr">
+                    <a:lnT algn="ctr" cmpd="sng" cap="flat" w="0">
                       <a:noFill/>
                       <a:prstDash val="solid"/>
                     </a:lnT>
-                    <a:lnB w="0" cap="flat" cmpd="sng" algn="ctr">
+                    <a:lnB algn="ctr" cmpd="sng" cap="flat" w="0">
                       <a:noFill/>
                       <a:prstDash val="solid"/>
                     </a:lnB>
@@ -4615,7 +4581,7 @@
                     <a:bodyPr/>
                     <a:lstStyle/>
                     <a:p>
-                      <a:pPr marL="63500" marR="63500" algn="ctr">
+                      <a:pPr algn="ctr" marL="63500" marR="63500">
                         <a:lnSpc>
                           <a:spcPct val="100000"/>
                         </a:lnSpc>
@@ -4628,7 +4594,7 @@
                         <a:buNone/>
                       </a:pPr>
                       <a:r>
-                        <a:rPr sz="1100" b="0" i="0" u="none" cap="none">
+                        <a:rPr cap="none" sz="1100" i="0" b="0" u="none">
                           <a:solidFill>
                             <a:srgbClr val="000000">
                               <a:alpha val="100000"/>
@@ -4636,26 +4602,27 @@
                           </a:solidFill>
                           <a:latin typeface="Arial"/>
                           <a:cs typeface="Arial"/>
+                          <a:ea typeface="Arial"/>
                           <a:sym typeface="Arial"/>
                         </a:rPr>
                         <a:t>0.0390</a:t>
                       </a:r>
                     </a:p>
                   </a:txBody>
-                  <a:tcPr marL="0" marR="0" marT="63500" marB="63500" anchor="ctr">
-                    <a:lnL w="0" cap="flat" cmpd="sng" algn="ctr">
+                  <a:tcPr anchor="ctr" marB="63500" marT="63500" marR="0" marL="0">
+                    <a:lnL algn="ctr" cmpd="sng" cap="flat" w="0">
                       <a:noFill/>
                       <a:prstDash val="solid"/>
                     </a:lnL>
-                    <a:lnR w="0" cap="flat" cmpd="sng" algn="ctr">
+                    <a:lnR algn="ctr" cmpd="sng" cap="flat" w="0">
                       <a:noFill/>
                       <a:prstDash val="solid"/>
                     </a:lnR>
-                    <a:lnT w="0" cap="flat" cmpd="sng" algn="ctr">
+                    <a:lnT algn="ctr" cmpd="sng" cap="flat" w="0">
                       <a:noFill/>
                       <a:prstDash val="solid"/>
                     </a:lnT>
-                    <a:lnB w="0" cap="flat" cmpd="sng" algn="ctr">
+                    <a:lnB algn="ctr" cmpd="sng" cap="flat" w="0">
                       <a:noFill/>
                       <a:prstDash val="solid"/>
                     </a:lnB>
@@ -4671,7 +4638,7 @@
                     <a:bodyPr/>
                     <a:lstStyle/>
                     <a:p>
-                      <a:pPr marL="63500" marR="63500" algn="ctr">
+                      <a:pPr algn="ctr" marL="63500" marR="63500">
                         <a:lnSpc>
                           <a:spcPct val="100000"/>
                         </a:lnSpc>
@@ -4684,7 +4651,7 @@
                         <a:buNone/>
                       </a:pPr>
                       <a:r>
-                        <a:rPr sz="1100" b="0" i="0" u="none" cap="none">
+                        <a:rPr cap="none" sz="1100" i="0" b="0" u="none">
                           <a:solidFill>
                             <a:srgbClr val="000000">
                               <a:alpha val="100000"/>
@@ -4692,26 +4659,27 @@
                           </a:solidFill>
                           <a:latin typeface="Arial"/>
                           <a:cs typeface="Arial"/>
+                          <a:ea typeface="Arial"/>
                           <a:sym typeface="Arial"/>
                         </a:rPr>
                         <a:t>0.0079</a:t>
                       </a:r>
                     </a:p>
                   </a:txBody>
-                  <a:tcPr marL="0" marR="0" marT="63500" marB="63500" anchor="ctr">
-                    <a:lnL w="0" cap="flat" cmpd="sng" algn="ctr">
+                  <a:tcPr anchor="ctr" marB="63500" marT="63500" marR="0" marL="0">
+                    <a:lnL algn="ctr" cmpd="sng" cap="flat" w="0">
                       <a:noFill/>
                       <a:prstDash val="solid"/>
                     </a:lnL>
-                    <a:lnR w="0" cap="flat" cmpd="sng" algn="ctr">
+                    <a:lnR algn="ctr" cmpd="sng" cap="flat" w="0">
                       <a:noFill/>
                       <a:prstDash val="solid"/>
                     </a:lnR>
-                    <a:lnT w="0" cap="flat" cmpd="sng" algn="ctr">
+                    <a:lnT algn="ctr" cmpd="sng" cap="flat" w="0">
                       <a:noFill/>
                       <a:prstDash val="solid"/>
                     </a:lnT>
-                    <a:lnB w="0" cap="flat" cmpd="sng" algn="ctr">
+                    <a:lnB algn="ctr" cmpd="sng" cap="flat" w="0">
                       <a:noFill/>
                       <a:prstDash val="solid"/>
                     </a:lnB>
@@ -4727,7 +4695,7 @@
                     <a:bodyPr/>
                     <a:lstStyle/>
                     <a:p>
-                      <a:pPr marL="63500" marR="63500" algn="ctr">
+                      <a:pPr algn="ctr" marL="63500" marR="63500">
                         <a:lnSpc>
                           <a:spcPct val="100000"/>
                         </a:lnSpc>
@@ -4740,7 +4708,7 @@
                         <a:buNone/>
                       </a:pPr>
                       <a:r>
-                        <a:rPr sz="1100" b="0" i="0" u="none" cap="none">
+                        <a:rPr cap="none" sz="1100" i="0" b="0" u="none">
                           <a:solidFill>
                             <a:srgbClr val="000000">
                               <a:alpha val="100000"/>
@@ -4748,26 +4716,27 @@
                           </a:solidFill>
                           <a:latin typeface="Arial"/>
                           <a:cs typeface="Arial"/>
+                          <a:ea typeface="Arial"/>
                           <a:sym typeface="Arial"/>
                         </a:rPr>
                         <a:t>0.0628</a:t>
                       </a:r>
                     </a:p>
                   </a:txBody>
-                  <a:tcPr marL="0" marR="0" marT="63500" marB="63500" anchor="ctr">
-                    <a:lnL w="0" cap="flat" cmpd="sng" algn="ctr">
+                  <a:tcPr anchor="ctr" marB="63500" marT="63500" marR="0" marL="0">
+                    <a:lnL algn="ctr" cmpd="sng" cap="flat" w="0">
                       <a:noFill/>
                       <a:prstDash val="solid"/>
                     </a:lnL>
-                    <a:lnR w="0" cap="flat" cmpd="sng" algn="ctr">
+                    <a:lnR algn="ctr" cmpd="sng" cap="flat" w="0">
                       <a:noFill/>
                       <a:prstDash val="solid"/>
                     </a:lnR>
-                    <a:lnT w="0" cap="flat" cmpd="sng" algn="ctr">
+                    <a:lnT algn="ctr" cmpd="sng" cap="flat" w="0">
                       <a:noFill/>
                       <a:prstDash val="solid"/>
                     </a:lnT>
-                    <a:lnB w="0" cap="flat" cmpd="sng" algn="ctr">
+                    <a:lnB algn="ctr" cmpd="sng" cap="flat" w="0">
                       <a:noFill/>
                       <a:prstDash val="solid"/>
                     </a:lnB>
@@ -4778,11 +4747,6 @@
                     </a:solidFill>
                   </a:tcPr>
                 </a:tc>
-                <a:extLst>
-                  <a:ext uri="{0D108BD9-81ED-4DB2-BD59-A6C34878D82A}">
-                    <a16:rowId xmlns:a16="http://schemas.microsoft.com/office/drawing/2014/main" val="10004"/>
-                  </a:ext>
-                </a:extLst>
               </a:tr>
               <a:tr h="228600">
                 <a:tc>
@@ -4790,7 +4754,7 @@
                     <a:bodyPr/>
                     <a:lstStyle/>
                     <a:p>
-                      <a:pPr marL="63500" marR="63500" algn="l">
+                      <a:pPr algn="l" marL="63500" marR="63500">
                         <a:lnSpc>
                           <a:spcPct val="100000"/>
                         </a:lnSpc>
@@ -4803,7 +4767,7 @@
                         <a:buNone/>
                       </a:pPr>
                       <a:r>
-                        <a:rPr sz="1100" b="0" i="0" u="none" cap="none">
+                        <a:rPr cap="none" sz="1100" i="0" b="0" u="none">
                           <a:solidFill>
                             <a:srgbClr val="000000">
                               <a:alpha val="100000"/>
@@ -4811,26 +4775,27 @@
                           </a:solidFill>
                           <a:latin typeface="Arial"/>
                           <a:cs typeface="Arial"/>
+                          <a:ea typeface="Arial"/>
                           <a:sym typeface="Arial"/>
                         </a:rPr>
                         <a:t>Optimum targeting</a:t>
                       </a:r>
                     </a:p>
                   </a:txBody>
-                  <a:tcPr marL="0" marR="0" marT="63500" marB="63500" anchor="ctr">
-                    <a:lnL w="0" cap="flat" cmpd="sng" algn="ctr">
+                  <a:tcPr anchor="ctr" marB="63500" marT="63500" marR="0" marL="0">
+                    <a:lnL algn="ctr" cmpd="sng" cap="flat" w="0">
                       <a:noFill/>
                       <a:prstDash val="solid"/>
                     </a:lnL>
-                    <a:lnR w="0" cap="flat" cmpd="sng" algn="ctr">
+                    <a:lnR algn="ctr" cmpd="sng" cap="flat" w="0">
                       <a:noFill/>
                       <a:prstDash val="solid"/>
                     </a:lnR>
-                    <a:lnT w="0" cap="flat" cmpd="sng" algn="ctr">
+                    <a:lnT algn="ctr" cmpd="sng" cap="flat" w="0">
                       <a:noFill/>
                       <a:prstDash val="solid"/>
                     </a:lnT>
-                    <a:lnB w="12700" cap="flat" cmpd="sng" algn="ctr">
+                    <a:lnB algn="ctr" cmpd="sng" cap="flat" w="12700">
                       <a:solidFill>
                         <a:srgbClr val="000000">
                           <a:alpha val="100000"/>
@@ -4850,7 +4815,7 @@
                     <a:bodyPr/>
                     <a:lstStyle/>
                     <a:p>
-                      <a:pPr marL="63500" marR="63500" algn="ctr">
+                      <a:pPr algn="ctr" marL="63500" marR="63500">
                         <a:lnSpc>
                           <a:spcPct val="100000"/>
                         </a:lnSpc>
@@ -4863,7 +4828,7 @@
                         <a:buNone/>
                       </a:pPr>
                       <a:r>
-                        <a:rPr sz="1100" b="0" i="0" u="none" cap="none">
+                        <a:rPr cap="none" sz="1100" i="0" b="0" u="none">
                           <a:solidFill>
                             <a:srgbClr val="000000">
                               <a:alpha val="100000"/>
@@ -4871,26 +4836,27 @@
                           </a:solidFill>
                           <a:latin typeface="Arial"/>
                           <a:cs typeface="Arial"/>
+                          <a:ea typeface="Arial"/>
                           <a:sym typeface="Arial"/>
                         </a:rPr>
                         <a:t>0.0473</a:t>
                       </a:r>
                     </a:p>
                   </a:txBody>
-                  <a:tcPr marL="0" marR="0" marT="63500" marB="63500" anchor="ctr">
-                    <a:lnL w="0" cap="flat" cmpd="sng" algn="ctr">
+                  <a:tcPr anchor="ctr" marB="63500" marT="63500" marR="0" marL="0">
+                    <a:lnL algn="ctr" cmpd="sng" cap="flat" w="0">
                       <a:noFill/>
                       <a:prstDash val="solid"/>
                     </a:lnL>
-                    <a:lnR w="0" cap="flat" cmpd="sng" algn="ctr">
+                    <a:lnR algn="ctr" cmpd="sng" cap="flat" w="0">
                       <a:noFill/>
                       <a:prstDash val="solid"/>
                     </a:lnR>
-                    <a:lnT w="0" cap="flat" cmpd="sng" algn="ctr">
+                    <a:lnT algn="ctr" cmpd="sng" cap="flat" w="0">
                       <a:noFill/>
                       <a:prstDash val="solid"/>
                     </a:lnT>
-                    <a:lnB w="12700" cap="flat" cmpd="sng" algn="ctr">
+                    <a:lnB algn="ctr" cmpd="sng" cap="flat" w="12700">
                       <a:solidFill>
                         <a:srgbClr val="000000">
                           <a:alpha val="100000"/>
@@ -4910,7 +4876,7 @@
                     <a:bodyPr/>
                     <a:lstStyle/>
                     <a:p>
-                      <a:pPr marL="63500" marR="63500" algn="ctr">
+                      <a:pPr algn="ctr" marL="63500" marR="63500">
                         <a:lnSpc>
                           <a:spcPct val="100000"/>
                         </a:lnSpc>
@@ -4923,7 +4889,7 @@
                         <a:buNone/>
                       </a:pPr>
                       <a:r>
-                        <a:rPr sz="1100" b="0" i="0" u="none" cap="none">
+                        <a:rPr cap="none" sz="1100" i="0" b="0" u="none">
                           <a:solidFill>
                             <a:srgbClr val="000000">
                               <a:alpha val="100000"/>
@@ -4931,26 +4897,27 @@
                           </a:solidFill>
                           <a:latin typeface="Arial"/>
                           <a:cs typeface="Arial"/>
+                          <a:ea typeface="Arial"/>
                           <a:sym typeface="Arial"/>
                         </a:rPr>
                         <a:t>0.0530</a:t>
                       </a:r>
                     </a:p>
                   </a:txBody>
-                  <a:tcPr marL="0" marR="0" marT="63500" marB="63500" anchor="ctr">
-                    <a:lnL w="0" cap="flat" cmpd="sng" algn="ctr">
+                  <a:tcPr anchor="ctr" marB="63500" marT="63500" marR="0" marL="0">
+                    <a:lnL algn="ctr" cmpd="sng" cap="flat" w="0">
                       <a:noFill/>
                       <a:prstDash val="solid"/>
                     </a:lnL>
-                    <a:lnR w="0" cap="flat" cmpd="sng" algn="ctr">
+                    <a:lnR algn="ctr" cmpd="sng" cap="flat" w="0">
                       <a:noFill/>
                       <a:prstDash val="solid"/>
                     </a:lnR>
-                    <a:lnT w="0" cap="flat" cmpd="sng" algn="ctr">
+                    <a:lnT algn="ctr" cmpd="sng" cap="flat" w="0">
                       <a:noFill/>
                       <a:prstDash val="solid"/>
                     </a:lnT>
-                    <a:lnB w="12700" cap="flat" cmpd="sng" algn="ctr">
+                    <a:lnB algn="ctr" cmpd="sng" cap="flat" w="12700">
                       <a:solidFill>
                         <a:srgbClr val="000000">
                           <a:alpha val="100000"/>
@@ -4970,7 +4937,7 @@
                     <a:bodyPr/>
                     <a:lstStyle/>
                     <a:p>
-                      <a:pPr marL="63500" marR="63500" algn="ctr">
+                      <a:pPr algn="ctr" marL="63500" marR="63500">
                         <a:lnSpc>
                           <a:spcPct val="100000"/>
                         </a:lnSpc>
@@ -4982,23 +4949,36 @@
                         </a:spcAft>
                         <a:buNone/>
                       </a:pPr>
-                      <a:endParaRPr/>
+                      <a:r>
+                        <a:rPr cap="none" sz="1100" i="0" b="0" u="none">
+                          <a:solidFill>
+                            <a:srgbClr val="000000">
+                              <a:alpha val="100000"/>
+                            </a:srgbClr>
+                          </a:solidFill>
+                          <a:latin typeface="Arial"/>
+                          <a:cs typeface="Arial"/>
+                          <a:ea typeface="Arial"/>
+                          <a:sym typeface="Arial"/>
+                        </a:rPr>
+                        <a:t/>
+                      </a:r>
                     </a:p>
                   </a:txBody>
-                  <a:tcPr marL="0" marR="0" marT="63500" marB="63500" anchor="ctr">
-                    <a:lnL w="0" cap="flat" cmpd="sng" algn="ctr">
+                  <a:tcPr anchor="ctr" marB="63500" marT="63500" marR="0" marL="0">
+                    <a:lnL algn="ctr" cmpd="sng" cap="flat" w="0">
                       <a:noFill/>
                       <a:prstDash val="solid"/>
                     </a:lnL>
-                    <a:lnR w="0" cap="flat" cmpd="sng" algn="ctr">
+                    <a:lnR algn="ctr" cmpd="sng" cap="flat" w="0">
                       <a:noFill/>
                       <a:prstDash val="solid"/>
                     </a:lnR>
-                    <a:lnT w="0" cap="flat" cmpd="sng" algn="ctr">
+                    <a:lnT algn="ctr" cmpd="sng" cap="flat" w="0">
                       <a:noFill/>
                       <a:prstDash val="solid"/>
                     </a:lnT>
-                    <a:lnB w="12700" cap="flat" cmpd="sng" algn="ctr">
+                    <a:lnB algn="ctr" cmpd="sng" cap="flat" w="12700">
                       <a:solidFill>
                         <a:srgbClr val="000000">
                           <a:alpha val="100000"/>
@@ -5018,7 +4998,7 @@
                     <a:bodyPr/>
                     <a:lstStyle/>
                     <a:p>
-                      <a:pPr marL="63500" marR="63500" algn="ctr">
+                      <a:pPr algn="ctr" marL="63500" marR="63500">
                         <a:lnSpc>
                           <a:spcPct val="100000"/>
                         </a:lnSpc>
@@ -5030,23 +5010,36 @@
                         </a:spcAft>
                         <a:buNone/>
                       </a:pPr>
-                      <a:endParaRPr/>
+                      <a:r>
+                        <a:rPr cap="none" sz="1100" i="0" b="0" u="none">
+                          <a:solidFill>
+                            <a:srgbClr val="000000">
+                              <a:alpha val="100000"/>
+                            </a:srgbClr>
+                          </a:solidFill>
+                          <a:latin typeface="Arial"/>
+                          <a:cs typeface="Arial"/>
+                          <a:ea typeface="Arial"/>
+                          <a:sym typeface="Arial"/>
+                        </a:rPr>
+                        <a:t/>
+                      </a:r>
                     </a:p>
                   </a:txBody>
-                  <a:tcPr marL="0" marR="0" marT="63500" marB="63500" anchor="ctr">
-                    <a:lnL w="0" cap="flat" cmpd="sng" algn="ctr">
+                  <a:tcPr anchor="ctr" marB="63500" marT="63500" marR="0" marL="0">
+                    <a:lnL algn="ctr" cmpd="sng" cap="flat" w="0">
                       <a:noFill/>
                       <a:prstDash val="solid"/>
                     </a:lnL>
-                    <a:lnR w="0" cap="flat" cmpd="sng" algn="ctr">
+                    <a:lnR algn="ctr" cmpd="sng" cap="flat" w="0">
                       <a:noFill/>
                       <a:prstDash val="solid"/>
                     </a:lnR>
-                    <a:lnT w="0" cap="flat" cmpd="sng" algn="ctr">
+                    <a:lnT algn="ctr" cmpd="sng" cap="flat" w="0">
                       <a:noFill/>
                       <a:prstDash val="solid"/>
                     </a:lnT>
-                    <a:lnB w="12700" cap="flat" cmpd="sng" algn="ctr">
+                    <a:lnB algn="ctr" cmpd="sng" cap="flat" w="12700">
                       <a:solidFill>
                         <a:srgbClr val="000000">
                           <a:alpha val="100000"/>
@@ -5061,11 +5054,6 @@
                     </a:solidFill>
                   </a:tcPr>
                 </a:tc>
-                <a:extLst>
-                  <a:ext uri="{0D108BD9-81ED-4DB2-BD59-A6C34878D82A}">
-                    <a16:rowId xmlns:a16="http://schemas.microsoft.com/office/drawing/2014/main" val="10005"/>
-                  </a:ext>
-                </a:extLst>
               </a:tr>
             </a:tbl>
           </a:graphicData>
@@ -5073,9 +5061,6 @@
       </p:graphicFrame>
     </p:spTree>
   </p:cSld>
-  <p:clrMapOvr>
-    <a:masterClrMapping/>
-  </p:clrMapOvr>
 </p:sld>
 </file>
 
@@ -5111,10 +5096,11 @@
           <a:bodyPr/>
           <a:lstStyle/>
           <a:p>
-            <a:pPr marL="0" lvl="0" indent="0">
+            <a:pPr lvl="0" indent="0" marL="0">
               <a:buNone/>
             </a:pPr>
             <a:r>
+              <a:rPr/>
               <a:t>予測介入効果の分布</a:t>
             </a:r>
           </a:p>
@@ -5122,7 +5108,7 @@
       </p:sp>
       <p:pic>
         <p:nvPicPr>
-          <p:cNvPr id="3" name="Picture 1" descr="targeting_files/figure-pptx/dist-targeting-effect-1.png"/>
+          <p:cNvPr descr="targeting_files/figure-pptx/dist-targeting-effect-1.png" id="0" name="Picture 1"/>
           <p:cNvPicPr>
             <a:picLocks noGrp="1" noChangeAspect="1"/>
           </p:cNvPicPr>
@@ -5152,9 +5138,6 @@
       </p:pic>
     </p:spTree>
   </p:cSld>
-  <p:clrMapOvr>
-    <a:masterClrMapping/>
-  </p:clrMapOvr>
 </p:sld>
 </file>
 
@@ -5190,60 +5173,37 @@
           <a:bodyPr/>
           <a:lstStyle/>
           <a:p>
-            <a:pPr marL="0" lvl="0" indent="0">
+            <a:pPr lvl="0" indent="0" marL="0">
               <a:buNone/>
             </a:pPr>
             <a:r>
+              <a:rPr/>
               <a:t>最適ターゲティング別の個人属性の比較</a:t>
             </a:r>
           </a:p>
         </p:txBody>
       </p:sp>
-      <p:graphicFrame>
+      <p:graphicFrame xmlns:a="http://schemas.openxmlformats.org/drawingml/2006/main" xmlns:r="http://schemas.openxmlformats.org/officeDocument/2006/relationships" xmlns:p="http://schemas.openxmlformats.org/presentationml/2006/main">
         <p:nvGraphicFramePr>
-          <p:cNvPr id="197082987" name="表 197082986"/>
+          <p:cNvPr id="940253645" name=""/>
           <p:cNvGraphicFramePr>
-            <a:graphicFrameLocks noGrp="1"/>
+            <a:graphicFrameLocks noGrp="true"/>
           </p:cNvGraphicFramePr>
           <p:nvPr/>
         </p:nvGraphicFramePr>
-        <p:xfrm>
+        <p:xfrm rot="0">
           <a:off x="914400" y="1828800"/>
-          <a:ext cx="6400800" cy="2357120"/>
+          <a:ext cx="9144000" cy="5486400"/>
         </p:xfrm>
         <a:graphic>
           <a:graphicData uri="http://schemas.openxmlformats.org/drawingml/2006/table">
             <a:tbl>
               <a:tblPr/>
               <a:tblGrid>
-                <a:gridCol w="3657600">
-                  <a:extLst>
-                    <a:ext uri="{9D8B030D-6E8A-4147-A177-3AD203B41FA5}">
-                      <a16:colId xmlns:a16="http://schemas.microsoft.com/office/drawing/2014/main" val="20000"/>
-                    </a:ext>
-                  </a:extLst>
-                </a:gridCol>
-                <a:gridCol w="914400">
-                  <a:extLst>
-                    <a:ext uri="{9D8B030D-6E8A-4147-A177-3AD203B41FA5}">
-                      <a16:colId xmlns:a16="http://schemas.microsoft.com/office/drawing/2014/main" val="20001"/>
-                    </a:ext>
-                  </a:extLst>
-                </a:gridCol>
-                <a:gridCol w="914400">
-                  <a:extLst>
-                    <a:ext uri="{9D8B030D-6E8A-4147-A177-3AD203B41FA5}">
-                      <a16:colId xmlns:a16="http://schemas.microsoft.com/office/drawing/2014/main" val="20002"/>
-                    </a:ext>
-                  </a:extLst>
-                </a:gridCol>
-                <a:gridCol w="914400">
-                  <a:extLst>
-                    <a:ext uri="{9D8B030D-6E8A-4147-A177-3AD203B41FA5}">
-                      <a16:colId xmlns:a16="http://schemas.microsoft.com/office/drawing/2014/main" val="20003"/>
-                    </a:ext>
-                  </a:extLst>
-                </a:gridCol>
+                <a:gridCol w="3657600"/>
+                <a:gridCol w="914400"/>
+                <a:gridCol w="914400"/>
+                <a:gridCol w="914400"/>
               </a:tblGrid>
               <a:tr h="228600">
                 <a:tc>
@@ -5251,7 +5211,7 @@
                     <a:bodyPr/>
                     <a:lstStyle/>
                     <a:p>
-                      <a:pPr marL="63500" marR="63500" algn="l">
+                      <a:pPr algn="l" marL="63500" marR="63500">
                         <a:lnSpc>
                           <a:spcPct val="100000"/>
                         </a:lnSpc>
@@ -5264,7 +5224,7 @@
                         <a:buNone/>
                       </a:pPr>
                       <a:r>
-                        <a:rPr sz="1100" b="0" i="0" u="none" cap="none">
+                        <a:rPr cap="none" sz="1100" i="0" b="0" u="none">
                           <a:solidFill>
                             <a:srgbClr val="000000">
                               <a:alpha val="100000"/>
@@ -5272,22 +5232,23 @@
                           </a:solidFill>
                           <a:latin typeface="Arial"/>
                           <a:cs typeface="Arial"/>
+                          <a:ea typeface="Arial"/>
                           <a:sym typeface="Arial"/>
                         </a:rPr>
                         <a:t> </a:t>
                       </a:r>
                     </a:p>
                   </a:txBody>
-                  <a:tcPr marL="0" marR="0" marT="63500" marB="63500" anchor="ctr">
-                    <a:lnL w="0" cap="flat" cmpd="sng" algn="ctr">
+                  <a:tcPr anchor="ctr" marB="63500" marT="63500" marR="0" marL="0">
+                    <a:lnL algn="ctr" cmpd="sng" cap="flat" w="0">
                       <a:noFill/>
                       <a:prstDash val="solid"/>
                     </a:lnL>
-                    <a:lnR w="0" cap="flat" cmpd="sng" algn="ctr">
+                    <a:lnR algn="ctr" cmpd="sng" cap="flat" w="0">
                       <a:noFill/>
                       <a:prstDash val="solid"/>
                     </a:lnR>
-                    <a:lnT w="12700" cap="flat" cmpd="sng" algn="ctr">
+                    <a:lnT algn="ctr" cmpd="sng" cap="flat" w="12700">
                       <a:solidFill>
                         <a:srgbClr val="000000">
                           <a:alpha val="100000"/>
@@ -5295,7 +5256,7 @@
                       </a:solidFill>
                       <a:prstDash val="solid"/>
                     </a:lnT>
-                    <a:lnB w="12700" cap="flat" cmpd="sng" algn="ctr">
+                    <a:lnB algn="ctr" cmpd="sng" cap="flat" w="12700">
                       <a:solidFill>
                         <a:srgbClr val="000000">
                           <a:alpha val="100000"/>
@@ -5315,7 +5276,7 @@
                     <a:bodyPr/>
                     <a:lstStyle/>
                     <a:p>
-                      <a:pPr marL="63500" marR="63500" algn="ctr">
+                      <a:pPr algn="ctr" marL="63500" marR="63500">
                         <a:lnSpc>
                           <a:spcPct val="100000"/>
                         </a:lnSpc>
@@ -5328,7 +5289,7 @@
                         <a:buNone/>
                       </a:pPr>
                       <a:r>
-                        <a:rPr sz="1100" b="0" i="0" u="none" cap="none">
+                        <a:rPr cap="none" sz="1100" i="0" b="0" u="none">
                           <a:solidFill>
                             <a:srgbClr val="000000">
                               <a:alpha val="100000"/>
@@ -5336,22 +5297,23 @@
                           </a:solidFill>
                           <a:latin typeface="Arial"/>
                           <a:cs typeface="Arial"/>
+                          <a:ea typeface="Arial"/>
                           <a:sym typeface="Arial"/>
                         </a:rPr>
                         <a:t>Treatment B</a:t>
                       </a:r>
                     </a:p>
                   </a:txBody>
-                  <a:tcPr marL="0" marR="0" marT="63500" marB="63500" anchor="ctr">
-                    <a:lnL w="0" cap="flat" cmpd="sng" algn="ctr">
+                  <a:tcPr anchor="ctr" marB="63500" marT="63500" marR="0" marL="0">
+                    <a:lnL algn="ctr" cmpd="sng" cap="flat" w="0">
                       <a:noFill/>
                       <a:prstDash val="solid"/>
                     </a:lnL>
-                    <a:lnR w="0" cap="flat" cmpd="sng" algn="ctr">
+                    <a:lnR algn="ctr" cmpd="sng" cap="flat" w="0">
                       <a:noFill/>
                       <a:prstDash val="solid"/>
                     </a:lnR>
-                    <a:lnT w="12700" cap="flat" cmpd="sng" algn="ctr">
+                    <a:lnT algn="ctr" cmpd="sng" cap="flat" w="12700">
                       <a:solidFill>
                         <a:srgbClr val="000000">
                           <a:alpha val="100000"/>
@@ -5359,7 +5321,7 @@
                       </a:solidFill>
                       <a:prstDash val="solid"/>
                     </a:lnT>
-                    <a:lnB w="12700" cap="flat" cmpd="sng" algn="ctr">
+                    <a:lnB algn="ctr" cmpd="sng" cap="flat" w="12700">
                       <a:solidFill>
                         <a:srgbClr val="000000">
                           <a:alpha val="100000"/>
@@ -5379,7 +5341,7 @@
                     <a:bodyPr/>
                     <a:lstStyle/>
                     <a:p>
-                      <a:pPr marL="63500" marR="63500" algn="ctr">
+                      <a:pPr algn="ctr" marL="63500" marR="63500">
                         <a:lnSpc>
                           <a:spcPct val="100000"/>
                         </a:lnSpc>
@@ -5392,7 +5354,7 @@
                         <a:buNone/>
                       </a:pPr>
                       <a:r>
-                        <a:rPr sz="1100" b="0" i="0" u="none" cap="none">
+                        <a:rPr cap="none" sz="1100" i="0" b="0" u="none">
                           <a:solidFill>
                             <a:srgbClr val="000000">
                               <a:alpha val="100000"/>
@@ -5400,22 +5362,23 @@
                           </a:solidFill>
                           <a:latin typeface="Arial"/>
                           <a:cs typeface="Arial"/>
+                          <a:ea typeface="Arial"/>
                           <a:sym typeface="Arial"/>
                         </a:rPr>
                         <a:t>Treatment C</a:t>
                       </a:r>
                     </a:p>
                   </a:txBody>
-                  <a:tcPr marL="0" marR="0" marT="63500" marB="63500" anchor="ctr">
-                    <a:lnL w="0" cap="flat" cmpd="sng" algn="ctr">
+                  <a:tcPr anchor="ctr" marB="63500" marT="63500" marR="0" marL="0">
+                    <a:lnL algn="ctr" cmpd="sng" cap="flat" w="0">
                       <a:noFill/>
                       <a:prstDash val="solid"/>
                     </a:lnL>
-                    <a:lnR w="0" cap="flat" cmpd="sng" algn="ctr">
+                    <a:lnR algn="ctr" cmpd="sng" cap="flat" w="0">
                       <a:noFill/>
                       <a:prstDash val="solid"/>
                     </a:lnR>
-                    <a:lnT w="12700" cap="flat" cmpd="sng" algn="ctr">
+                    <a:lnT algn="ctr" cmpd="sng" cap="flat" w="12700">
                       <a:solidFill>
                         <a:srgbClr val="000000">
                           <a:alpha val="100000"/>
@@ -5423,7 +5386,7 @@
                       </a:solidFill>
                       <a:prstDash val="solid"/>
                     </a:lnT>
-                    <a:lnB w="12700" cap="flat" cmpd="sng" algn="ctr">
+                    <a:lnB algn="ctr" cmpd="sng" cap="flat" w="12700">
                       <a:solidFill>
                         <a:srgbClr val="000000">
                           <a:alpha val="100000"/>
@@ -5443,7 +5406,7 @@
                     <a:bodyPr/>
                     <a:lstStyle/>
                     <a:p>
-                      <a:pPr marL="63500" marR="63500" algn="ctr">
+                      <a:pPr algn="ctr" marL="63500" marR="63500">
                         <a:lnSpc>
                           <a:spcPct val="100000"/>
                         </a:lnSpc>
@@ -5456,7 +5419,7 @@
                         <a:buNone/>
                       </a:pPr>
                       <a:r>
-                        <a:rPr sz="1100" b="0" i="0" u="none" cap="none">
+                        <a:rPr cap="none" sz="1100" i="0" b="0" u="none">
                           <a:solidFill>
                             <a:srgbClr val="000000">
                               <a:alpha val="100000"/>
@@ -5464,22 +5427,23 @@
                           </a:solidFill>
                           <a:latin typeface="Arial"/>
                           <a:cs typeface="Arial"/>
+                          <a:ea typeface="Arial"/>
                           <a:sym typeface="Arial"/>
                         </a:rPr>
                         <a:t>Treatment D</a:t>
                       </a:r>
                     </a:p>
                   </a:txBody>
-                  <a:tcPr marL="0" marR="0" marT="63500" marB="63500" anchor="ctr">
-                    <a:lnL w="0" cap="flat" cmpd="sng" algn="ctr">
+                  <a:tcPr anchor="ctr" marB="63500" marT="63500" marR="0" marL="0">
+                    <a:lnL algn="ctr" cmpd="sng" cap="flat" w="0">
                       <a:noFill/>
                       <a:prstDash val="solid"/>
                     </a:lnL>
-                    <a:lnR w="0" cap="flat" cmpd="sng" algn="ctr">
+                    <a:lnR algn="ctr" cmpd="sng" cap="flat" w="0">
                       <a:noFill/>
                       <a:prstDash val="solid"/>
                     </a:lnR>
-                    <a:lnT w="12700" cap="flat" cmpd="sng" algn="ctr">
+                    <a:lnT algn="ctr" cmpd="sng" cap="flat" w="12700">
                       <a:solidFill>
                         <a:srgbClr val="000000">
                           <a:alpha val="100000"/>
@@ -5487,7 +5451,7 @@
                       </a:solidFill>
                       <a:prstDash val="solid"/>
                     </a:lnT>
-                    <a:lnB w="12700" cap="flat" cmpd="sng" algn="ctr">
+                    <a:lnB algn="ctr" cmpd="sng" cap="flat" w="12700">
                       <a:solidFill>
                         <a:srgbClr val="000000">
                           <a:alpha val="100000"/>
@@ -5502,11 +5466,6 @@
                     </a:solidFill>
                   </a:tcPr>
                 </a:tc>
-                <a:extLst>
-                  <a:ext uri="{0D108BD9-81ED-4DB2-BD59-A6C34878D82A}">
-                    <a16:rowId xmlns:a16="http://schemas.microsoft.com/office/drawing/2014/main" val="10000"/>
-                  </a:ext>
-                </a:extLst>
               </a:tr>
               <a:tr h="228600">
                 <a:tc>
@@ -5514,7 +5473,7 @@
                     <a:bodyPr/>
                     <a:lstStyle/>
                     <a:p>
-                      <a:pPr marL="63500" marR="63500" algn="l">
+                      <a:pPr algn="l" marL="63500" marR="63500">
                         <a:lnSpc>
                           <a:spcPct val="100000"/>
                         </a:lnSpc>
@@ -5527,7 +5486,7 @@
                         <a:buNone/>
                       </a:pPr>
                       <a:r>
-                        <a:rPr sz="1100" b="0" i="0" u="none" cap="none">
+                        <a:rPr cap="none" sz="1100" i="0" b="0" u="none">
                           <a:solidFill>
                             <a:srgbClr val="000000">
                               <a:alpha val="100000"/>
@@ -5535,31 +5494,27 @@
                           </a:solidFill>
                           <a:latin typeface="Arial"/>
                           <a:cs typeface="Arial"/>
+                          <a:ea typeface="Arial"/>
                           <a:sym typeface="Arial"/>
                         </a:rPr>
                         <a:t>Male (= 1)</a:t>
                       </a:r>
                     </a:p>
                   </a:txBody>
-                  <a:tcPr marL="0" marR="0" marT="63500" marB="63500" anchor="ctr">
-                    <a:lnL w="0" cap="flat" cmpd="sng" algn="ctr">
+                  <a:tcPr anchor="ctr" marB="63500" marT="63500" marR="0" marL="0">
+                    <a:lnL algn="ctr" cmpd="sng" cap="flat" w="0">
                       <a:noFill/>
                       <a:prstDash val="solid"/>
                     </a:lnL>
-                    <a:lnR w="0" cap="flat" cmpd="sng" algn="ctr">
+                    <a:lnR algn="ctr" cmpd="sng" cap="flat" w="0">
                       <a:noFill/>
                       <a:prstDash val="solid"/>
                     </a:lnR>
-                    <a:lnT w="12700" cap="flat" cmpd="sng" algn="ctr">
-                      <a:solidFill>
-                        <a:srgbClr val="000000"/>
-                      </a:solidFill>
-                      <a:prstDash val="solid"/>
-                      <a:round/>
-                      <a:headEnd type="none" w="med" len="med"/>
-                      <a:tailEnd type="none" w="med" len="med"/>
+                    <a:lnT algn="ctr" cmpd="sng" cap="flat" w="0">
+                      <a:noFill/>
+                      <a:prstDash val="solid"/>
                     </a:lnT>
-                    <a:lnB w="0" cap="flat" cmpd="sng" algn="ctr">
+                    <a:lnB algn="ctr" cmpd="sng" cap="flat" w="0">
                       <a:noFill/>
                       <a:prstDash val="solid"/>
                     </a:lnB>
@@ -5575,7 +5530,7 @@
                     <a:bodyPr/>
                     <a:lstStyle/>
                     <a:p>
-                      <a:pPr marL="63500" marR="63500" algn="ctr">
+                      <a:pPr algn="ctr" marL="63500" marR="63500">
                         <a:lnSpc>
                           <a:spcPct val="100000"/>
                         </a:lnSpc>
@@ -5588,7 +5543,7 @@
                         <a:buNone/>
                       </a:pPr>
                       <a:r>
-                        <a:rPr sz="1100" b="0" i="0" u="none" cap="none">
+                        <a:rPr cap="none" sz="1100" i="0" b="0" u="none">
                           <a:solidFill>
                             <a:srgbClr val="000000">
                               <a:alpha val="100000"/>
@@ -5596,31 +5551,27 @@
                           </a:solidFill>
                           <a:latin typeface="Arial"/>
                           <a:cs typeface="Arial"/>
+                          <a:ea typeface="Arial"/>
                           <a:sym typeface="Arial"/>
                         </a:rPr>
                         <a:t>0.64</a:t>
                       </a:r>
                     </a:p>
                   </a:txBody>
-                  <a:tcPr marL="0" marR="0" marT="63500" marB="63500" anchor="ctr">
-                    <a:lnL w="0" cap="flat" cmpd="sng" algn="ctr">
+                  <a:tcPr anchor="ctr" marB="63500" marT="63500" marR="0" marL="0">
+                    <a:lnL algn="ctr" cmpd="sng" cap="flat" w="0">
                       <a:noFill/>
                       <a:prstDash val="solid"/>
                     </a:lnL>
-                    <a:lnR w="0" cap="flat" cmpd="sng" algn="ctr">
+                    <a:lnR algn="ctr" cmpd="sng" cap="flat" w="0">
                       <a:noFill/>
                       <a:prstDash val="solid"/>
                     </a:lnR>
-                    <a:lnT w="12700" cap="flat" cmpd="sng" algn="ctr">
-                      <a:solidFill>
-                        <a:srgbClr val="000000"/>
-                      </a:solidFill>
-                      <a:prstDash val="solid"/>
-                      <a:round/>
-                      <a:headEnd type="none" w="med" len="med"/>
-                      <a:tailEnd type="none" w="med" len="med"/>
+                    <a:lnT algn="ctr" cmpd="sng" cap="flat" w="0">
+                      <a:noFill/>
+                      <a:prstDash val="solid"/>
                     </a:lnT>
-                    <a:lnB w="0" cap="flat" cmpd="sng" algn="ctr">
+                    <a:lnB algn="ctr" cmpd="sng" cap="flat" w="0">
                       <a:noFill/>
                       <a:prstDash val="solid"/>
                     </a:lnB>
@@ -5636,7 +5587,7 @@
                     <a:bodyPr/>
                     <a:lstStyle/>
                     <a:p>
-                      <a:pPr marL="63500" marR="63500" algn="ctr">
+                      <a:pPr algn="ctr" marL="63500" marR="63500">
                         <a:lnSpc>
                           <a:spcPct val="100000"/>
                         </a:lnSpc>
@@ -5649,7 +5600,7 @@
                         <a:buNone/>
                       </a:pPr>
                       <a:r>
-                        <a:rPr sz="1100" b="0" i="0" u="none" cap="none">
+                        <a:rPr cap="none" sz="1100" i="0" b="0" u="none">
                           <a:solidFill>
                             <a:srgbClr val="000000">
                               <a:alpha val="100000"/>
@@ -5657,31 +5608,27 @@
                           </a:solidFill>
                           <a:latin typeface="Arial"/>
                           <a:cs typeface="Arial"/>
+                          <a:ea typeface="Arial"/>
                           <a:sym typeface="Arial"/>
                         </a:rPr>
                         <a:t>0.54</a:t>
                       </a:r>
                     </a:p>
                   </a:txBody>
-                  <a:tcPr marL="0" marR="0" marT="63500" marB="63500" anchor="ctr">
-                    <a:lnL w="0" cap="flat" cmpd="sng" algn="ctr">
+                  <a:tcPr anchor="ctr" marB="63500" marT="63500" marR="0" marL="0">
+                    <a:lnL algn="ctr" cmpd="sng" cap="flat" w="0">
                       <a:noFill/>
                       <a:prstDash val="solid"/>
                     </a:lnL>
-                    <a:lnR w="0" cap="flat" cmpd="sng" algn="ctr">
+                    <a:lnR algn="ctr" cmpd="sng" cap="flat" w="0">
                       <a:noFill/>
                       <a:prstDash val="solid"/>
                     </a:lnR>
-                    <a:lnT w="12700" cap="flat" cmpd="sng" algn="ctr">
-                      <a:solidFill>
-                        <a:srgbClr val="000000"/>
-                      </a:solidFill>
-                      <a:prstDash val="solid"/>
-                      <a:round/>
-                      <a:headEnd type="none" w="med" len="med"/>
-                      <a:tailEnd type="none" w="med" len="med"/>
+                    <a:lnT algn="ctr" cmpd="sng" cap="flat" w="0">
+                      <a:noFill/>
+                      <a:prstDash val="solid"/>
                     </a:lnT>
-                    <a:lnB w="0" cap="flat" cmpd="sng" algn="ctr">
+                    <a:lnB algn="ctr" cmpd="sng" cap="flat" w="0">
                       <a:noFill/>
                       <a:prstDash val="solid"/>
                     </a:lnB>
@@ -5697,7 +5644,7 @@
                     <a:bodyPr/>
                     <a:lstStyle/>
                     <a:p>
-                      <a:pPr marL="63500" marR="63500" algn="ctr">
+                      <a:pPr algn="ctr" marL="63500" marR="63500">
                         <a:lnSpc>
                           <a:spcPct val="100000"/>
                         </a:lnSpc>
@@ -5710,7 +5657,7 @@
                         <a:buNone/>
                       </a:pPr>
                       <a:r>
-                        <a:rPr sz="1100" b="0" i="0" u="none" cap="none">
+                        <a:rPr cap="none" sz="1100" i="0" b="0" u="none">
                           <a:solidFill>
                             <a:srgbClr val="000000">
                               <a:alpha val="100000"/>
@@ -5718,31 +5665,27 @@
                           </a:solidFill>
                           <a:latin typeface="Arial"/>
                           <a:cs typeface="Arial"/>
+                          <a:ea typeface="Arial"/>
                           <a:sym typeface="Arial"/>
                         </a:rPr>
                         <a:t>0.67</a:t>
                       </a:r>
                     </a:p>
                   </a:txBody>
-                  <a:tcPr marL="0" marR="0" marT="63500" marB="63500" anchor="ctr">
-                    <a:lnL w="0" cap="flat" cmpd="sng" algn="ctr">
+                  <a:tcPr anchor="ctr" marB="63500" marT="63500" marR="0" marL="0">
+                    <a:lnL algn="ctr" cmpd="sng" cap="flat" w="0">
                       <a:noFill/>
                       <a:prstDash val="solid"/>
                     </a:lnL>
-                    <a:lnR w="0" cap="flat" cmpd="sng" algn="ctr">
+                    <a:lnR algn="ctr" cmpd="sng" cap="flat" w="0">
                       <a:noFill/>
                       <a:prstDash val="solid"/>
                     </a:lnR>
-                    <a:lnT w="12700" cap="flat" cmpd="sng" algn="ctr">
-                      <a:solidFill>
-                        <a:srgbClr val="000000"/>
-                      </a:solidFill>
-                      <a:prstDash val="solid"/>
-                      <a:round/>
-                      <a:headEnd type="none" w="med" len="med"/>
-                      <a:tailEnd type="none" w="med" len="med"/>
+                    <a:lnT algn="ctr" cmpd="sng" cap="flat" w="0">
+                      <a:noFill/>
+                      <a:prstDash val="solid"/>
                     </a:lnT>
-                    <a:lnB w="0" cap="flat" cmpd="sng" algn="ctr">
+                    <a:lnB algn="ctr" cmpd="sng" cap="flat" w="0">
                       <a:noFill/>
                       <a:prstDash val="solid"/>
                     </a:lnB>
@@ -5753,11 +5696,6 @@
                     </a:solidFill>
                   </a:tcPr>
                 </a:tc>
-                <a:extLst>
-                  <a:ext uri="{0D108BD9-81ED-4DB2-BD59-A6C34878D82A}">
-                    <a16:rowId xmlns:a16="http://schemas.microsoft.com/office/drawing/2014/main" val="10001"/>
-                  </a:ext>
-                </a:extLst>
               </a:tr>
               <a:tr h="228600">
                 <a:tc>
@@ -5765,7 +5703,7 @@
                     <a:bodyPr/>
                     <a:lstStyle/>
                     <a:p>
-                      <a:pPr marL="63500" marR="63500" algn="l">
+                      <a:pPr algn="l" marL="63500" marR="63500">
                         <a:lnSpc>
                           <a:spcPct val="100000"/>
                         </a:lnSpc>
@@ -5778,7 +5716,7 @@
                         <a:buNone/>
                       </a:pPr>
                       <a:r>
-                        <a:rPr sz="1100" b="0" i="0" u="none" cap="none">
+                        <a:rPr cap="none" sz="1100" i="0" b="0" u="none">
                           <a:solidFill>
                             <a:srgbClr val="000000">
                               <a:alpha val="100000"/>
@@ -5786,26 +5724,27 @@
                           </a:solidFill>
                           <a:latin typeface="Arial"/>
                           <a:cs typeface="Arial"/>
+                          <a:ea typeface="Arial"/>
                           <a:sym typeface="Arial"/>
                         </a:rPr>
                         <a:t>Age</a:t>
                       </a:r>
                     </a:p>
                   </a:txBody>
-                  <a:tcPr marL="0" marR="0" marT="63500" marB="63500" anchor="ctr">
-                    <a:lnL w="0" cap="flat" cmpd="sng" algn="ctr">
+                  <a:tcPr anchor="ctr" marB="63500" marT="63500" marR="0" marL="0">
+                    <a:lnL algn="ctr" cmpd="sng" cap="flat" w="0">
                       <a:noFill/>
                       <a:prstDash val="solid"/>
                     </a:lnL>
-                    <a:lnR w="0" cap="flat" cmpd="sng" algn="ctr">
+                    <a:lnR algn="ctr" cmpd="sng" cap="flat" w="0">
                       <a:noFill/>
                       <a:prstDash val="solid"/>
                     </a:lnR>
-                    <a:lnT w="0" cap="flat" cmpd="sng" algn="ctr">
+                    <a:lnT algn="ctr" cmpd="sng" cap="flat" w="0">
                       <a:noFill/>
                       <a:prstDash val="solid"/>
                     </a:lnT>
-                    <a:lnB w="0" cap="flat" cmpd="sng" algn="ctr">
+                    <a:lnB algn="ctr" cmpd="sng" cap="flat" w="0">
                       <a:noFill/>
                       <a:prstDash val="solid"/>
                     </a:lnB>
@@ -5821,7 +5760,7 @@
                     <a:bodyPr/>
                     <a:lstStyle/>
                     <a:p>
-                      <a:pPr marL="63500" marR="63500" algn="ctr">
+                      <a:pPr algn="ctr" marL="63500" marR="63500">
                         <a:lnSpc>
                           <a:spcPct val="100000"/>
                         </a:lnSpc>
@@ -5834,7 +5773,7 @@
                         <a:buNone/>
                       </a:pPr>
                       <a:r>
-                        <a:rPr sz="1100" b="0" i="0" u="none" cap="none">
+                        <a:rPr cap="none" sz="1100" i="0" b="0" u="none">
                           <a:solidFill>
                             <a:srgbClr val="000000">
                               <a:alpha val="100000"/>
@@ -5842,26 +5781,27 @@
                           </a:solidFill>
                           <a:latin typeface="Arial"/>
                           <a:cs typeface="Arial"/>
+                          <a:ea typeface="Arial"/>
                           <a:sym typeface="Arial"/>
                         </a:rPr>
                         <a:t>34.97</a:t>
                       </a:r>
                     </a:p>
                   </a:txBody>
-                  <a:tcPr marL="0" marR="0" marT="63500" marB="63500" anchor="ctr">
-                    <a:lnL w="0" cap="flat" cmpd="sng" algn="ctr">
+                  <a:tcPr anchor="ctr" marB="63500" marT="63500" marR="0" marL="0">
+                    <a:lnL algn="ctr" cmpd="sng" cap="flat" w="0">
                       <a:noFill/>
                       <a:prstDash val="solid"/>
                     </a:lnL>
-                    <a:lnR w="0" cap="flat" cmpd="sng" algn="ctr">
+                    <a:lnR algn="ctr" cmpd="sng" cap="flat" w="0">
                       <a:noFill/>
                       <a:prstDash val="solid"/>
                     </a:lnR>
-                    <a:lnT w="0" cap="flat" cmpd="sng" algn="ctr">
+                    <a:lnT algn="ctr" cmpd="sng" cap="flat" w="0">
                       <a:noFill/>
                       <a:prstDash val="solid"/>
                     </a:lnT>
-                    <a:lnB w="0" cap="flat" cmpd="sng" algn="ctr">
+                    <a:lnB algn="ctr" cmpd="sng" cap="flat" w="0">
                       <a:noFill/>
                       <a:prstDash val="solid"/>
                     </a:lnB>
@@ -5877,7 +5817,7 @@
                     <a:bodyPr/>
                     <a:lstStyle/>
                     <a:p>
-                      <a:pPr marL="63500" marR="63500" algn="ctr">
+                      <a:pPr algn="ctr" marL="63500" marR="63500">
                         <a:lnSpc>
                           <a:spcPct val="100000"/>
                         </a:lnSpc>
@@ -5890,7 +5830,7 @@
                         <a:buNone/>
                       </a:pPr>
                       <a:r>
-                        <a:rPr sz="1100" b="0" i="0" u="none" cap="none">
+                        <a:rPr cap="none" sz="1100" i="0" b="0" u="none">
                           <a:solidFill>
                             <a:srgbClr val="000000">
                               <a:alpha val="100000"/>
@@ -5898,26 +5838,27 @@
                           </a:solidFill>
                           <a:latin typeface="Arial"/>
                           <a:cs typeface="Arial"/>
+                          <a:ea typeface="Arial"/>
                           <a:sym typeface="Arial"/>
                         </a:rPr>
                         <a:t>41.44</a:t>
                       </a:r>
                     </a:p>
                   </a:txBody>
-                  <a:tcPr marL="0" marR="0" marT="63500" marB="63500" anchor="ctr">
-                    <a:lnL w="0" cap="flat" cmpd="sng" algn="ctr">
+                  <a:tcPr anchor="ctr" marB="63500" marT="63500" marR="0" marL="0">
+                    <a:lnL algn="ctr" cmpd="sng" cap="flat" w="0">
                       <a:noFill/>
                       <a:prstDash val="solid"/>
                     </a:lnL>
-                    <a:lnR w="0" cap="flat" cmpd="sng" algn="ctr">
+                    <a:lnR algn="ctr" cmpd="sng" cap="flat" w="0">
                       <a:noFill/>
                       <a:prstDash val="solid"/>
                     </a:lnR>
-                    <a:lnT w="0" cap="flat" cmpd="sng" algn="ctr">
+                    <a:lnT algn="ctr" cmpd="sng" cap="flat" w="0">
                       <a:noFill/>
                       <a:prstDash val="solid"/>
                     </a:lnT>
-                    <a:lnB w="0" cap="flat" cmpd="sng" algn="ctr">
+                    <a:lnB algn="ctr" cmpd="sng" cap="flat" w="0">
                       <a:noFill/>
                       <a:prstDash val="solid"/>
                     </a:lnB>
@@ -5933,7 +5874,7 @@
                     <a:bodyPr/>
                     <a:lstStyle/>
                     <a:p>
-                      <a:pPr marL="63500" marR="63500" algn="ctr">
+                      <a:pPr algn="ctr" marL="63500" marR="63500">
                         <a:lnSpc>
                           <a:spcPct val="100000"/>
                         </a:lnSpc>
@@ -5946,7 +5887,7 @@
                         <a:buNone/>
                       </a:pPr>
                       <a:r>
-                        <a:rPr sz="1100" b="0" i="0" u="none" cap="none">
+                        <a:rPr cap="none" sz="1100" i="0" b="0" u="none">
                           <a:solidFill>
                             <a:srgbClr val="000000">
                               <a:alpha val="100000"/>
@@ -5954,26 +5895,27 @@
                           </a:solidFill>
                           <a:latin typeface="Arial"/>
                           <a:cs typeface="Arial"/>
+                          <a:ea typeface="Arial"/>
                           <a:sym typeface="Arial"/>
                         </a:rPr>
                         <a:t>39.64</a:t>
                       </a:r>
                     </a:p>
                   </a:txBody>
-                  <a:tcPr marL="0" marR="0" marT="63500" marB="63500" anchor="ctr">
-                    <a:lnL w="0" cap="flat" cmpd="sng" algn="ctr">
+                  <a:tcPr anchor="ctr" marB="63500" marT="63500" marR="0" marL="0">
+                    <a:lnL algn="ctr" cmpd="sng" cap="flat" w="0">
                       <a:noFill/>
                       <a:prstDash val="solid"/>
                     </a:lnL>
-                    <a:lnR w="0" cap="flat" cmpd="sng" algn="ctr">
+                    <a:lnR algn="ctr" cmpd="sng" cap="flat" w="0">
                       <a:noFill/>
                       <a:prstDash val="solid"/>
                     </a:lnR>
-                    <a:lnT w="0" cap="flat" cmpd="sng" algn="ctr">
+                    <a:lnT algn="ctr" cmpd="sng" cap="flat" w="0">
                       <a:noFill/>
                       <a:prstDash val="solid"/>
                     </a:lnT>
-                    <a:lnB w="0" cap="flat" cmpd="sng" algn="ctr">
+                    <a:lnB algn="ctr" cmpd="sng" cap="flat" w="0">
                       <a:noFill/>
                       <a:prstDash val="solid"/>
                     </a:lnB>
@@ -5984,11 +5926,6 @@
                     </a:solidFill>
                   </a:tcPr>
                 </a:tc>
-                <a:extLst>
-                  <a:ext uri="{0D108BD9-81ED-4DB2-BD59-A6C34878D82A}">
-                    <a16:rowId xmlns:a16="http://schemas.microsoft.com/office/drawing/2014/main" val="10002"/>
-                  </a:ext>
-                </a:extLst>
               </a:tr>
               <a:tr h="228600">
                 <a:tc>
@@ -5996,7 +5933,7 @@
                     <a:bodyPr/>
                     <a:lstStyle/>
                     <a:p>
-                      <a:pPr marL="63500" marR="63500" algn="l">
+                      <a:pPr algn="l" marL="63500" marR="63500">
                         <a:lnSpc>
                           <a:spcPct val="100000"/>
                         </a:lnSpc>
@@ -6009,7 +5946,7 @@
                         <a:buNone/>
                       </a:pPr>
                       <a:r>
-                        <a:rPr sz="1100" b="0" i="0" u="none" cap="none">
+                        <a:rPr cap="none" sz="1100" i="0" b="0" u="none">
                           <a:solidFill>
                             <a:srgbClr val="000000">
                               <a:alpha val="100000"/>
@@ -6017,26 +5954,27 @@
                           </a:solidFill>
                           <a:latin typeface="Arial"/>
                           <a:cs typeface="Arial"/>
+                          <a:ea typeface="Arial"/>
                           <a:sym typeface="Arial"/>
                         </a:rPr>
                         <a:t>Number of past coordinations</a:t>
                       </a:r>
                     </a:p>
                   </a:txBody>
-                  <a:tcPr marL="0" marR="0" marT="63500" marB="63500" anchor="ctr">
-                    <a:lnL w="0" cap="flat" cmpd="sng" algn="ctr">
+                  <a:tcPr anchor="ctr" marB="63500" marT="63500" marR="0" marL="0">
+                    <a:lnL algn="ctr" cmpd="sng" cap="flat" w="0">
                       <a:noFill/>
                       <a:prstDash val="solid"/>
                     </a:lnL>
-                    <a:lnR w="0" cap="flat" cmpd="sng" algn="ctr">
+                    <a:lnR algn="ctr" cmpd="sng" cap="flat" w="0">
                       <a:noFill/>
                       <a:prstDash val="solid"/>
                     </a:lnR>
-                    <a:lnT w="0" cap="flat" cmpd="sng" algn="ctr">
+                    <a:lnT algn="ctr" cmpd="sng" cap="flat" w="0">
                       <a:noFill/>
                       <a:prstDash val="solid"/>
                     </a:lnT>
-                    <a:lnB w="0" cap="flat" cmpd="sng" algn="ctr">
+                    <a:lnB algn="ctr" cmpd="sng" cap="flat" w="0">
                       <a:noFill/>
                       <a:prstDash val="solid"/>
                     </a:lnB>
@@ -6052,7 +5990,7 @@
                     <a:bodyPr/>
                     <a:lstStyle/>
                     <a:p>
-                      <a:pPr marL="63500" marR="63500" algn="ctr">
+                      <a:pPr algn="ctr" marL="63500" marR="63500">
                         <a:lnSpc>
                           <a:spcPct val="100000"/>
                         </a:lnSpc>
@@ -6065,7 +6003,7 @@
                         <a:buNone/>
                       </a:pPr>
                       <a:r>
-                        <a:rPr sz="1100" b="0" i="0" u="none" cap="none">
+                        <a:rPr cap="none" sz="1100" i="0" b="0" u="none">
                           <a:solidFill>
                             <a:srgbClr val="000000">
                               <a:alpha val="100000"/>
@@ -6073,26 +6011,27 @@
                           </a:solidFill>
                           <a:latin typeface="Arial"/>
                           <a:cs typeface="Arial"/>
+                          <a:ea typeface="Arial"/>
                           <a:sym typeface="Arial"/>
                         </a:rPr>
                         <a:t>1.49</a:t>
                       </a:r>
                     </a:p>
                   </a:txBody>
-                  <a:tcPr marL="0" marR="0" marT="63500" marB="63500" anchor="ctr">
-                    <a:lnL w="0" cap="flat" cmpd="sng" algn="ctr">
+                  <a:tcPr anchor="ctr" marB="63500" marT="63500" marR="0" marL="0">
+                    <a:lnL algn="ctr" cmpd="sng" cap="flat" w="0">
                       <a:noFill/>
                       <a:prstDash val="solid"/>
                     </a:lnL>
-                    <a:lnR w="0" cap="flat" cmpd="sng" algn="ctr">
+                    <a:lnR algn="ctr" cmpd="sng" cap="flat" w="0">
                       <a:noFill/>
                       <a:prstDash val="solid"/>
                     </a:lnR>
-                    <a:lnT w="0" cap="flat" cmpd="sng" algn="ctr">
+                    <a:lnT algn="ctr" cmpd="sng" cap="flat" w="0">
                       <a:noFill/>
                       <a:prstDash val="solid"/>
                     </a:lnT>
-                    <a:lnB w="0" cap="flat" cmpd="sng" algn="ctr">
+                    <a:lnB algn="ctr" cmpd="sng" cap="flat" w="0">
                       <a:noFill/>
                       <a:prstDash val="solid"/>
                     </a:lnB>
@@ -6108,7 +6047,7 @@
                     <a:bodyPr/>
                     <a:lstStyle/>
                     <a:p>
-                      <a:pPr marL="63500" marR="63500" algn="ctr">
+                      <a:pPr algn="ctr" marL="63500" marR="63500">
                         <a:lnSpc>
                           <a:spcPct val="100000"/>
                         </a:lnSpc>
@@ -6121,7 +6060,7 @@
                         <a:buNone/>
                       </a:pPr>
                       <a:r>
-                        <a:rPr sz="1100" b="0" i="0" u="none" cap="none">
+                        <a:rPr cap="none" sz="1100" i="0" b="0" u="none">
                           <a:solidFill>
                             <a:srgbClr val="000000">
                               <a:alpha val="100000"/>
@@ -6129,26 +6068,27 @@
                           </a:solidFill>
                           <a:latin typeface="Arial"/>
                           <a:cs typeface="Arial"/>
+                          <a:ea typeface="Arial"/>
                           <a:sym typeface="Arial"/>
                         </a:rPr>
                         <a:t>1.65</a:t>
                       </a:r>
                     </a:p>
                   </a:txBody>
-                  <a:tcPr marL="0" marR="0" marT="63500" marB="63500" anchor="ctr">
-                    <a:lnL w="0" cap="flat" cmpd="sng" algn="ctr">
+                  <a:tcPr anchor="ctr" marB="63500" marT="63500" marR="0" marL="0">
+                    <a:lnL algn="ctr" cmpd="sng" cap="flat" w="0">
                       <a:noFill/>
                       <a:prstDash val="solid"/>
                     </a:lnL>
-                    <a:lnR w="0" cap="flat" cmpd="sng" algn="ctr">
+                    <a:lnR algn="ctr" cmpd="sng" cap="flat" w="0">
                       <a:noFill/>
                       <a:prstDash val="solid"/>
                     </a:lnR>
-                    <a:lnT w="0" cap="flat" cmpd="sng" algn="ctr">
+                    <a:lnT algn="ctr" cmpd="sng" cap="flat" w="0">
                       <a:noFill/>
                       <a:prstDash val="solid"/>
                     </a:lnT>
-                    <a:lnB w="0" cap="flat" cmpd="sng" algn="ctr">
+                    <a:lnB algn="ctr" cmpd="sng" cap="flat" w="0">
                       <a:noFill/>
                       <a:prstDash val="solid"/>
                     </a:lnB>
@@ -6164,7 +6104,7 @@
                     <a:bodyPr/>
                     <a:lstStyle/>
                     <a:p>
-                      <a:pPr marL="63500" marR="63500" algn="ctr">
+                      <a:pPr algn="ctr" marL="63500" marR="63500">
                         <a:lnSpc>
                           <a:spcPct val="100000"/>
                         </a:lnSpc>
@@ -6177,7 +6117,7 @@
                         <a:buNone/>
                       </a:pPr>
                       <a:r>
-                        <a:rPr sz="1100" b="0" i="0" u="none" cap="none">
+                        <a:rPr cap="none" sz="1100" i="0" b="0" u="none">
                           <a:solidFill>
                             <a:srgbClr val="000000">
                               <a:alpha val="100000"/>
@@ -6185,26 +6125,27 @@
                           </a:solidFill>
                           <a:latin typeface="Arial"/>
                           <a:cs typeface="Arial"/>
+                          <a:ea typeface="Arial"/>
                           <a:sym typeface="Arial"/>
                         </a:rPr>
                         <a:t>1.70</a:t>
                       </a:r>
                     </a:p>
                   </a:txBody>
-                  <a:tcPr marL="0" marR="0" marT="63500" marB="63500" anchor="ctr">
-                    <a:lnL w="0" cap="flat" cmpd="sng" algn="ctr">
+                  <a:tcPr anchor="ctr" marB="63500" marT="63500" marR="0" marL="0">
+                    <a:lnL algn="ctr" cmpd="sng" cap="flat" w="0">
                       <a:noFill/>
                       <a:prstDash val="solid"/>
                     </a:lnL>
-                    <a:lnR w="0" cap="flat" cmpd="sng" algn="ctr">
+                    <a:lnR algn="ctr" cmpd="sng" cap="flat" w="0">
                       <a:noFill/>
                       <a:prstDash val="solid"/>
                     </a:lnR>
-                    <a:lnT w="0" cap="flat" cmpd="sng" algn="ctr">
+                    <a:lnT algn="ctr" cmpd="sng" cap="flat" w="0">
                       <a:noFill/>
                       <a:prstDash val="solid"/>
                     </a:lnT>
-                    <a:lnB w="0" cap="flat" cmpd="sng" algn="ctr">
+                    <a:lnB algn="ctr" cmpd="sng" cap="flat" w="0">
                       <a:noFill/>
                       <a:prstDash val="solid"/>
                     </a:lnB>
@@ -6215,11 +6156,6 @@
                     </a:solidFill>
                   </a:tcPr>
                 </a:tc>
-                <a:extLst>
-                  <a:ext uri="{0D108BD9-81ED-4DB2-BD59-A6C34878D82A}">
-                    <a16:rowId xmlns:a16="http://schemas.microsoft.com/office/drawing/2014/main" val="10003"/>
-                  </a:ext>
-                </a:extLst>
               </a:tr>
               <a:tr h="228600">
                 <a:tc>
@@ -6227,7 +6163,7 @@
                     <a:bodyPr/>
                     <a:lstStyle/>
                     <a:p>
-                      <a:pPr marL="63500" marR="63500" algn="l">
+                      <a:pPr algn="l" marL="63500" marR="63500">
                         <a:lnSpc>
                           <a:spcPct val="100000"/>
                         </a:lnSpc>
@@ -6240,7 +6176,7 @@
                         <a:buNone/>
                       </a:pPr>
                       <a:r>
-                        <a:rPr sz="1100" b="0" i="0" u="none" cap="none">
+                        <a:rPr cap="none" sz="1100" i="0" b="0" u="none">
                           <a:solidFill>
                             <a:srgbClr val="000000">
                               <a:alpha val="100000"/>
@@ -6248,26 +6184,27 @@
                           </a:solidFill>
                           <a:latin typeface="Arial"/>
                           <a:cs typeface="Arial"/>
+                          <a:ea typeface="Arial"/>
                           <a:sym typeface="Arial"/>
                         </a:rPr>
                         <a:t>Number of listed hospitals</a:t>
                       </a:r>
                     </a:p>
                   </a:txBody>
-                  <a:tcPr marL="0" marR="0" marT="63500" marB="63500" anchor="ctr">
-                    <a:lnL w="0" cap="flat" cmpd="sng" algn="ctr">
+                  <a:tcPr anchor="ctr" marB="63500" marT="63500" marR="0" marL="0">
+                    <a:lnL algn="ctr" cmpd="sng" cap="flat" w="0">
                       <a:noFill/>
                       <a:prstDash val="solid"/>
                     </a:lnL>
-                    <a:lnR w="0" cap="flat" cmpd="sng" algn="ctr">
+                    <a:lnR algn="ctr" cmpd="sng" cap="flat" w="0">
                       <a:noFill/>
                       <a:prstDash val="solid"/>
                     </a:lnR>
-                    <a:lnT w="0" cap="flat" cmpd="sng" algn="ctr">
+                    <a:lnT algn="ctr" cmpd="sng" cap="flat" w="0">
                       <a:noFill/>
                       <a:prstDash val="solid"/>
                     </a:lnT>
-                    <a:lnB w="0" cap="flat" cmpd="sng" algn="ctr">
+                    <a:lnB algn="ctr" cmpd="sng" cap="flat" w="0">
                       <a:noFill/>
                       <a:prstDash val="solid"/>
                     </a:lnB>
@@ -6283,7 +6220,7 @@
                     <a:bodyPr/>
                     <a:lstStyle/>
                     <a:p>
-                      <a:pPr marL="63500" marR="63500" algn="ctr">
+                      <a:pPr algn="ctr" marL="63500" marR="63500">
                         <a:lnSpc>
                           <a:spcPct val="100000"/>
                         </a:lnSpc>
@@ -6296,7 +6233,7 @@
                         <a:buNone/>
                       </a:pPr>
                       <a:r>
-                        <a:rPr sz="1100" b="0" i="0" u="none" cap="none">
+                        <a:rPr cap="none" sz="1100" i="0" b="0" u="none">
                           <a:solidFill>
                             <a:srgbClr val="000000">
                               <a:alpha val="100000"/>
@@ -6304,26 +6241,27 @@
                           </a:solidFill>
                           <a:latin typeface="Arial"/>
                           <a:cs typeface="Arial"/>
+                          <a:ea typeface="Arial"/>
                           <a:sym typeface="Arial"/>
                         </a:rPr>
                         <a:t>0.47</a:t>
                       </a:r>
                     </a:p>
                   </a:txBody>
-                  <a:tcPr marL="0" marR="0" marT="63500" marB="63500" anchor="ctr">
-                    <a:lnL w="0" cap="flat" cmpd="sng" algn="ctr">
+                  <a:tcPr anchor="ctr" marB="63500" marT="63500" marR="0" marL="0">
+                    <a:lnL algn="ctr" cmpd="sng" cap="flat" w="0">
                       <a:noFill/>
                       <a:prstDash val="solid"/>
                     </a:lnL>
-                    <a:lnR w="0" cap="flat" cmpd="sng" algn="ctr">
+                    <a:lnR algn="ctr" cmpd="sng" cap="flat" w="0">
                       <a:noFill/>
                       <a:prstDash val="solid"/>
                     </a:lnR>
-                    <a:lnT w="0" cap="flat" cmpd="sng" algn="ctr">
+                    <a:lnT algn="ctr" cmpd="sng" cap="flat" w="0">
                       <a:noFill/>
                       <a:prstDash val="solid"/>
                     </a:lnT>
-                    <a:lnB w="0" cap="flat" cmpd="sng" algn="ctr">
+                    <a:lnB algn="ctr" cmpd="sng" cap="flat" w="0">
                       <a:noFill/>
                       <a:prstDash val="solid"/>
                     </a:lnB>
@@ -6339,7 +6277,7 @@
                     <a:bodyPr/>
                     <a:lstStyle/>
                     <a:p>
-                      <a:pPr marL="63500" marR="63500" algn="ctr">
+                      <a:pPr algn="ctr" marL="63500" marR="63500">
                         <a:lnSpc>
                           <a:spcPct val="100000"/>
                         </a:lnSpc>
@@ -6352,7 +6290,7 @@
                         <a:buNone/>
                       </a:pPr>
                       <a:r>
-                        <a:rPr sz="1100" b="0" i="0" u="none" cap="none">
+                        <a:rPr cap="none" sz="1100" i="0" b="0" u="none">
                           <a:solidFill>
                             <a:srgbClr val="000000">
                               <a:alpha val="100000"/>
@@ -6360,26 +6298,27 @@
                           </a:solidFill>
                           <a:latin typeface="Arial"/>
                           <a:cs typeface="Arial"/>
+                          <a:ea typeface="Arial"/>
                           <a:sym typeface="Arial"/>
                         </a:rPr>
                         <a:t>0.40</a:t>
                       </a:r>
                     </a:p>
                   </a:txBody>
-                  <a:tcPr marL="0" marR="0" marT="63500" marB="63500" anchor="ctr">
-                    <a:lnL w="0" cap="flat" cmpd="sng" algn="ctr">
+                  <a:tcPr anchor="ctr" marB="63500" marT="63500" marR="0" marL="0">
+                    <a:lnL algn="ctr" cmpd="sng" cap="flat" w="0">
                       <a:noFill/>
                       <a:prstDash val="solid"/>
                     </a:lnL>
-                    <a:lnR w="0" cap="flat" cmpd="sng" algn="ctr">
+                    <a:lnR algn="ctr" cmpd="sng" cap="flat" w="0">
                       <a:noFill/>
                       <a:prstDash val="solid"/>
                     </a:lnR>
-                    <a:lnT w="0" cap="flat" cmpd="sng" algn="ctr">
+                    <a:lnT algn="ctr" cmpd="sng" cap="flat" w="0">
                       <a:noFill/>
                       <a:prstDash val="solid"/>
                     </a:lnT>
-                    <a:lnB w="0" cap="flat" cmpd="sng" algn="ctr">
+                    <a:lnB algn="ctr" cmpd="sng" cap="flat" w="0">
                       <a:noFill/>
                       <a:prstDash val="solid"/>
                     </a:lnB>
@@ -6395,7 +6334,7 @@
                     <a:bodyPr/>
                     <a:lstStyle/>
                     <a:p>
-                      <a:pPr marL="63500" marR="63500" algn="ctr">
+                      <a:pPr algn="ctr" marL="63500" marR="63500">
                         <a:lnSpc>
                           <a:spcPct val="100000"/>
                         </a:lnSpc>
@@ -6408,7 +6347,7 @@
                         <a:buNone/>
                       </a:pPr>
                       <a:r>
-                        <a:rPr sz="1100" b="0" i="0" u="none" cap="none">
+                        <a:rPr cap="none" sz="1100" i="0" b="0" u="none">
                           <a:solidFill>
                             <a:srgbClr val="000000">
                               <a:alpha val="100000"/>
@@ -6416,26 +6355,27 @@
                           </a:solidFill>
                           <a:latin typeface="Arial"/>
                           <a:cs typeface="Arial"/>
+                          <a:ea typeface="Arial"/>
                           <a:sym typeface="Arial"/>
                         </a:rPr>
                         <a:t>0.58</a:t>
                       </a:r>
                     </a:p>
                   </a:txBody>
-                  <a:tcPr marL="0" marR="0" marT="63500" marB="63500" anchor="ctr">
-                    <a:lnL w="0" cap="flat" cmpd="sng" algn="ctr">
+                  <a:tcPr anchor="ctr" marB="63500" marT="63500" marR="0" marL="0">
+                    <a:lnL algn="ctr" cmpd="sng" cap="flat" w="0">
                       <a:noFill/>
                       <a:prstDash val="solid"/>
                     </a:lnL>
-                    <a:lnR w="0" cap="flat" cmpd="sng" algn="ctr">
+                    <a:lnR algn="ctr" cmpd="sng" cap="flat" w="0">
                       <a:noFill/>
                       <a:prstDash val="solid"/>
                     </a:lnR>
-                    <a:lnT w="0" cap="flat" cmpd="sng" algn="ctr">
+                    <a:lnT algn="ctr" cmpd="sng" cap="flat" w="0">
                       <a:noFill/>
                       <a:prstDash val="solid"/>
                     </a:lnT>
-                    <a:lnB w="0" cap="flat" cmpd="sng" algn="ctr">
+                    <a:lnB algn="ctr" cmpd="sng" cap="flat" w="0">
                       <a:noFill/>
                       <a:prstDash val="solid"/>
                     </a:lnB>
@@ -6446,11 +6386,6 @@
                     </a:solidFill>
                   </a:tcPr>
                 </a:tc>
-                <a:extLst>
-                  <a:ext uri="{0D108BD9-81ED-4DB2-BD59-A6C34878D82A}">
-                    <a16:rowId xmlns:a16="http://schemas.microsoft.com/office/drawing/2014/main" val="10004"/>
-                  </a:ext>
-                </a:extLst>
               </a:tr>
               <a:tr h="228600">
                 <a:tc>
@@ -6458,7 +6393,7 @@
                     <a:bodyPr/>
                     <a:lstStyle/>
                     <a:p>
-                      <a:pPr marL="63500" marR="63500" algn="l">
+                      <a:pPr algn="l" marL="63500" marR="63500">
                         <a:lnSpc>
                           <a:spcPct val="100000"/>
                         </a:lnSpc>
@@ -6471,7 +6406,7 @@
                         <a:buNone/>
                       </a:pPr>
                       <a:r>
-                        <a:rPr sz="1100" b="0" i="0" u="none" cap="none">
+                        <a:rPr cap="none" sz="1100" i="0" b="0" u="none">
                           <a:solidFill>
                             <a:srgbClr val="000000">
                               <a:alpha val="100000"/>
@@ -6479,26 +6414,27 @@
                           </a:solidFill>
                           <a:latin typeface="Arial"/>
                           <a:cs typeface="Arial"/>
+                          <a:ea typeface="Arial"/>
                           <a:sym typeface="Arial"/>
                         </a:rPr>
                         <a:t>Number of hospitals listed with PBSC collection</a:t>
                       </a:r>
                     </a:p>
                   </a:txBody>
-                  <a:tcPr marL="0" marR="0" marT="63500" marB="63500" anchor="ctr">
-                    <a:lnL w="0" cap="flat" cmpd="sng" algn="ctr">
+                  <a:tcPr anchor="ctr" marB="63500" marT="63500" marR="0" marL="0">
+                    <a:lnL algn="ctr" cmpd="sng" cap="flat" w="0">
                       <a:noFill/>
                       <a:prstDash val="solid"/>
                     </a:lnL>
-                    <a:lnR w="0" cap="flat" cmpd="sng" algn="ctr">
+                    <a:lnR algn="ctr" cmpd="sng" cap="flat" w="0">
                       <a:noFill/>
                       <a:prstDash val="solid"/>
                     </a:lnR>
-                    <a:lnT w="0" cap="flat" cmpd="sng" algn="ctr">
+                    <a:lnT algn="ctr" cmpd="sng" cap="flat" w="0">
                       <a:noFill/>
                       <a:prstDash val="solid"/>
                     </a:lnT>
-                    <a:lnB w="0" cap="flat" cmpd="sng" algn="ctr">
+                    <a:lnB algn="ctr" cmpd="sng" cap="flat" w="0">
                       <a:noFill/>
                       <a:prstDash val="solid"/>
                     </a:lnB>
@@ -6514,7 +6450,7 @@
                     <a:bodyPr/>
                     <a:lstStyle/>
                     <a:p>
-                      <a:pPr marL="63500" marR="63500" algn="ctr">
+                      <a:pPr algn="ctr" marL="63500" marR="63500">
                         <a:lnSpc>
                           <a:spcPct val="100000"/>
                         </a:lnSpc>
@@ -6527,7 +6463,7 @@
                         <a:buNone/>
                       </a:pPr>
                       <a:r>
-                        <a:rPr sz="1100" b="0" i="0" u="none" cap="none">
+                        <a:rPr cap="none" sz="1100" i="0" b="0" u="none">
                           <a:solidFill>
                             <a:srgbClr val="000000">
                               <a:alpha val="100000"/>
@@ -6535,26 +6471,27 @@
                           </a:solidFill>
                           <a:latin typeface="Arial"/>
                           <a:cs typeface="Arial"/>
+                          <a:ea typeface="Arial"/>
                           <a:sym typeface="Arial"/>
                         </a:rPr>
                         <a:t>0.16</a:t>
                       </a:r>
                     </a:p>
                   </a:txBody>
-                  <a:tcPr marL="0" marR="0" marT="63500" marB="63500" anchor="ctr">
-                    <a:lnL w="0" cap="flat" cmpd="sng" algn="ctr">
+                  <a:tcPr anchor="ctr" marB="63500" marT="63500" marR="0" marL="0">
+                    <a:lnL algn="ctr" cmpd="sng" cap="flat" w="0">
                       <a:noFill/>
                       <a:prstDash val="solid"/>
                     </a:lnL>
-                    <a:lnR w="0" cap="flat" cmpd="sng" algn="ctr">
+                    <a:lnR algn="ctr" cmpd="sng" cap="flat" w="0">
                       <a:noFill/>
                       <a:prstDash val="solid"/>
                     </a:lnR>
-                    <a:lnT w="0" cap="flat" cmpd="sng" algn="ctr">
+                    <a:lnT algn="ctr" cmpd="sng" cap="flat" w="0">
                       <a:noFill/>
                       <a:prstDash val="solid"/>
                     </a:lnT>
-                    <a:lnB w="0" cap="flat" cmpd="sng" algn="ctr">
+                    <a:lnB algn="ctr" cmpd="sng" cap="flat" w="0">
                       <a:noFill/>
                       <a:prstDash val="solid"/>
                     </a:lnB>
@@ -6570,7 +6507,7 @@
                     <a:bodyPr/>
                     <a:lstStyle/>
                     <a:p>
-                      <a:pPr marL="63500" marR="63500" algn="ctr">
+                      <a:pPr algn="ctr" marL="63500" marR="63500">
                         <a:lnSpc>
                           <a:spcPct val="100000"/>
                         </a:lnSpc>
@@ -6583,7 +6520,7 @@
                         <a:buNone/>
                       </a:pPr>
                       <a:r>
-                        <a:rPr sz="1100" b="0" i="0" u="none" cap="none">
+                        <a:rPr cap="none" sz="1100" i="0" b="0" u="none">
                           <a:solidFill>
                             <a:srgbClr val="000000">
                               <a:alpha val="100000"/>
@@ -6591,26 +6528,27 @@
                           </a:solidFill>
                           <a:latin typeface="Arial"/>
                           <a:cs typeface="Arial"/>
+                          <a:ea typeface="Arial"/>
                           <a:sym typeface="Arial"/>
                         </a:rPr>
                         <a:t>0.13</a:t>
                       </a:r>
                     </a:p>
                   </a:txBody>
-                  <a:tcPr marL="0" marR="0" marT="63500" marB="63500" anchor="ctr">
-                    <a:lnL w="0" cap="flat" cmpd="sng" algn="ctr">
+                  <a:tcPr anchor="ctr" marB="63500" marT="63500" marR="0" marL="0">
+                    <a:lnL algn="ctr" cmpd="sng" cap="flat" w="0">
                       <a:noFill/>
                       <a:prstDash val="solid"/>
                     </a:lnL>
-                    <a:lnR w="0" cap="flat" cmpd="sng" algn="ctr">
+                    <a:lnR algn="ctr" cmpd="sng" cap="flat" w="0">
                       <a:noFill/>
                       <a:prstDash val="solid"/>
                     </a:lnR>
-                    <a:lnT w="0" cap="flat" cmpd="sng" algn="ctr">
+                    <a:lnT algn="ctr" cmpd="sng" cap="flat" w="0">
                       <a:noFill/>
                       <a:prstDash val="solid"/>
                     </a:lnT>
-                    <a:lnB w="0" cap="flat" cmpd="sng" algn="ctr">
+                    <a:lnB algn="ctr" cmpd="sng" cap="flat" w="0">
                       <a:noFill/>
                       <a:prstDash val="solid"/>
                     </a:lnB>
@@ -6626,7 +6564,7 @@
                     <a:bodyPr/>
                     <a:lstStyle/>
                     <a:p>
-                      <a:pPr marL="63500" marR="63500" algn="ctr">
+                      <a:pPr algn="ctr" marL="63500" marR="63500">
                         <a:lnSpc>
                           <a:spcPct val="100000"/>
                         </a:lnSpc>
@@ -6639,7 +6577,7 @@
                         <a:buNone/>
                       </a:pPr>
                       <a:r>
-                        <a:rPr sz="1100" b="0" i="0" u="none" cap="none">
+                        <a:rPr cap="none" sz="1100" i="0" b="0" u="none">
                           <a:solidFill>
                             <a:srgbClr val="000000">
                               <a:alpha val="100000"/>
@@ -6647,26 +6585,27 @@
                           </a:solidFill>
                           <a:latin typeface="Arial"/>
                           <a:cs typeface="Arial"/>
+                          <a:ea typeface="Arial"/>
                           <a:sym typeface="Arial"/>
                         </a:rPr>
                         <a:t>0.20</a:t>
                       </a:r>
                     </a:p>
                   </a:txBody>
-                  <a:tcPr marL="0" marR="0" marT="63500" marB="63500" anchor="ctr">
-                    <a:lnL w="0" cap="flat" cmpd="sng" algn="ctr">
+                  <a:tcPr anchor="ctr" marB="63500" marT="63500" marR="0" marL="0">
+                    <a:lnL algn="ctr" cmpd="sng" cap="flat" w="0">
                       <a:noFill/>
                       <a:prstDash val="solid"/>
                     </a:lnL>
-                    <a:lnR w="0" cap="flat" cmpd="sng" algn="ctr">
+                    <a:lnR algn="ctr" cmpd="sng" cap="flat" w="0">
                       <a:noFill/>
                       <a:prstDash val="solid"/>
                     </a:lnR>
-                    <a:lnT w="0" cap="flat" cmpd="sng" algn="ctr">
+                    <a:lnT algn="ctr" cmpd="sng" cap="flat" w="0">
                       <a:noFill/>
                       <a:prstDash val="solid"/>
                     </a:lnT>
-                    <a:lnB w="0" cap="flat" cmpd="sng" algn="ctr">
+                    <a:lnB algn="ctr" cmpd="sng" cap="flat" w="0">
                       <a:noFill/>
                       <a:prstDash val="solid"/>
                     </a:lnB>
@@ -6677,11 +6616,6 @@
                     </a:solidFill>
                   </a:tcPr>
                 </a:tc>
-                <a:extLst>
-                  <a:ext uri="{0D108BD9-81ED-4DB2-BD59-A6C34878D82A}">
-                    <a16:rowId xmlns:a16="http://schemas.microsoft.com/office/drawing/2014/main" val="10005"/>
-                  </a:ext>
-                </a:extLst>
               </a:tr>
               <a:tr h="228600">
                 <a:tc>
@@ -6689,7 +6623,7 @@
                     <a:bodyPr/>
                     <a:lstStyle/>
                     <a:p>
-                      <a:pPr marL="63500" marR="63500" algn="l">
+                      <a:pPr algn="l" marL="63500" marR="63500">
                         <a:lnSpc>
                           <a:spcPct val="100000"/>
                         </a:lnSpc>
@@ -6702,7 +6636,7 @@
                         <a:buNone/>
                       </a:pPr>
                       <a:r>
-                        <a:rPr sz="1100" b="0" i="0" u="none" cap="none">
+                        <a:rPr cap="none" sz="1100" i="0" b="0" u="none">
                           <a:solidFill>
                             <a:srgbClr val="000000">
                               <a:alpha val="100000"/>
@@ -6710,26 +6644,27 @@
                           </a:solidFill>
                           <a:latin typeface="Arial"/>
                           <a:cs typeface="Arial"/>
+                          <a:ea typeface="Arial"/>
                           <a:sym typeface="Arial"/>
                         </a:rPr>
                         <a:t>Number of hospitals listed with BM collection</a:t>
                       </a:r>
                     </a:p>
                   </a:txBody>
-                  <a:tcPr marL="0" marR="0" marT="63500" marB="63500" anchor="ctr">
-                    <a:lnL w="0" cap="flat" cmpd="sng" algn="ctr">
+                  <a:tcPr anchor="ctr" marB="63500" marT="63500" marR="0" marL="0">
+                    <a:lnL algn="ctr" cmpd="sng" cap="flat" w="0">
                       <a:noFill/>
                       <a:prstDash val="solid"/>
                     </a:lnL>
-                    <a:lnR w="0" cap="flat" cmpd="sng" algn="ctr">
+                    <a:lnR algn="ctr" cmpd="sng" cap="flat" w="0">
                       <a:noFill/>
                       <a:prstDash val="solid"/>
                     </a:lnR>
-                    <a:lnT w="0" cap="flat" cmpd="sng" algn="ctr">
+                    <a:lnT algn="ctr" cmpd="sng" cap="flat" w="0">
                       <a:noFill/>
                       <a:prstDash val="solid"/>
                     </a:lnT>
-                    <a:lnB w="0" cap="flat" cmpd="sng" algn="ctr">
+                    <a:lnB algn="ctr" cmpd="sng" cap="flat" w="0">
                       <a:noFill/>
                       <a:prstDash val="solid"/>
                     </a:lnB>
@@ -6745,7 +6680,7 @@
                     <a:bodyPr/>
                     <a:lstStyle/>
                     <a:p>
-                      <a:pPr marL="63500" marR="63500" algn="ctr">
+                      <a:pPr algn="ctr" marL="63500" marR="63500">
                         <a:lnSpc>
                           <a:spcPct val="100000"/>
                         </a:lnSpc>
@@ -6758,7 +6693,7 @@
                         <a:buNone/>
                       </a:pPr>
                       <a:r>
-                        <a:rPr sz="1100" b="0" i="0" u="none" cap="none">
+                        <a:rPr cap="none" sz="1100" i="0" b="0" u="none">
                           <a:solidFill>
                             <a:srgbClr val="000000">
                               <a:alpha val="100000"/>
@@ -6766,26 +6701,27 @@
                           </a:solidFill>
                           <a:latin typeface="Arial"/>
                           <a:cs typeface="Arial"/>
+                          <a:ea typeface="Arial"/>
                           <a:sym typeface="Arial"/>
                         </a:rPr>
                         <a:t>0.24</a:t>
                       </a:r>
                     </a:p>
                   </a:txBody>
-                  <a:tcPr marL="0" marR="0" marT="63500" marB="63500" anchor="ctr">
-                    <a:lnL w="0" cap="flat" cmpd="sng" algn="ctr">
+                  <a:tcPr anchor="ctr" marB="63500" marT="63500" marR="0" marL="0">
+                    <a:lnL algn="ctr" cmpd="sng" cap="flat" w="0">
                       <a:noFill/>
                       <a:prstDash val="solid"/>
                     </a:lnL>
-                    <a:lnR w="0" cap="flat" cmpd="sng" algn="ctr">
+                    <a:lnR algn="ctr" cmpd="sng" cap="flat" w="0">
                       <a:noFill/>
                       <a:prstDash val="solid"/>
                     </a:lnR>
-                    <a:lnT w="0" cap="flat" cmpd="sng" algn="ctr">
+                    <a:lnT algn="ctr" cmpd="sng" cap="flat" w="0">
                       <a:noFill/>
                       <a:prstDash val="solid"/>
                     </a:lnT>
-                    <a:lnB w="0" cap="flat" cmpd="sng" algn="ctr">
+                    <a:lnB algn="ctr" cmpd="sng" cap="flat" w="0">
                       <a:noFill/>
                       <a:prstDash val="solid"/>
                     </a:lnB>
@@ -6801,7 +6737,7 @@
                     <a:bodyPr/>
                     <a:lstStyle/>
                     <a:p>
-                      <a:pPr marL="63500" marR="63500" algn="ctr">
+                      <a:pPr algn="ctr" marL="63500" marR="63500">
                         <a:lnSpc>
                           <a:spcPct val="100000"/>
                         </a:lnSpc>
@@ -6814,7 +6750,7 @@
                         <a:buNone/>
                       </a:pPr>
                       <a:r>
-                        <a:rPr sz="1100" b="0" i="0" u="none" cap="none">
+                        <a:rPr cap="none" sz="1100" i="0" b="0" u="none">
                           <a:solidFill>
                             <a:srgbClr val="000000">
                               <a:alpha val="100000"/>
@@ -6822,26 +6758,27 @@
                           </a:solidFill>
                           <a:latin typeface="Arial"/>
                           <a:cs typeface="Arial"/>
+                          <a:ea typeface="Arial"/>
                           <a:sym typeface="Arial"/>
                         </a:rPr>
                         <a:t>0.20</a:t>
                       </a:r>
                     </a:p>
                   </a:txBody>
-                  <a:tcPr marL="0" marR="0" marT="63500" marB="63500" anchor="ctr">
-                    <a:lnL w="0" cap="flat" cmpd="sng" algn="ctr">
+                  <a:tcPr anchor="ctr" marB="63500" marT="63500" marR="0" marL="0">
+                    <a:lnL algn="ctr" cmpd="sng" cap="flat" w="0">
                       <a:noFill/>
                       <a:prstDash val="solid"/>
                     </a:lnL>
-                    <a:lnR w="0" cap="flat" cmpd="sng" algn="ctr">
+                    <a:lnR algn="ctr" cmpd="sng" cap="flat" w="0">
                       <a:noFill/>
                       <a:prstDash val="solid"/>
                     </a:lnR>
-                    <a:lnT w="0" cap="flat" cmpd="sng" algn="ctr">
+                    <a:lnT algn="ctr" cmpd="sng" cap="flat" w="0">
                       <a:noFill/>
                       <a:prstDash val="solid"/>
                     </a:lnT>
-                    <a:lnB w="0" cap="flat" cmpd="sng" algn="ctr">
+                    <a:lnB algn="ctr" cmpd="sng" cap="flat" w="0">
                       <a:noFill/>
                       <a:prstDash val="solid"/>
                     </a:lnB>
@@ -6857,7 +6794,7 @@
                     <a:bodyPr/>
                     <a:lstStyle/>
                     <a:p>
-                      <a:pPr marL="63500" marR="63500" algn="ctr">
+                      <a:pPr algn="ctr" marL="63500" marR="63500">
                         <a:lnSpc>
                           <a:spcPct val="100000"/>
                         </a:lnSpc>
@@ -6870,7 +6807,7 @@
                         <a:buNone/>
                       </a:pPr>
                       <a:r>
-                        <a:rPr sz="1100" b="0" i="0" u="none" cap="none">
+                        <a:rPr cap="none" sz="1100" i="0" b="0" u="none">
                           <a:solidFill>
                             <a:srgbClr val="000000">
                               <a:alpha val="100000"/>
@@ -6878,26 +6815,27 @@
                           </a:solidFill>
                           <a:latin typeface="Arial"/>
                           <a:cs typeface="Arial"/>
+                          <a:ea typeface="Arial"/>
                           <a:sym typeface="Arial"/>
                         </a:rPr>
                         <a:t>0.31</a:t>
                       </a:r>
                     </a:p>
                   </a:txBody>
-                  <a:tcPr marL="0" marR="0" marT="63500" marB="63500" anchor="ctr">
-                    <a:lnL w="0" cap="flat" cmpd="sng" algn="ctr">
+                  <a:tcPr anchor="ctr" marB="63500" marT="63500" marR="0" marL="0">
+                    <a:lnL algn="ctr" cmpd="sng" cap="flat" w="0">
                       <a:noFill/>
                       <a:prstDash val="solid"/>
                     </a:lnL>
-                    <a:lnR w="0" cap="flat" cmpd="sng" algn="ctr">
+                    <a:lnR algn="ctr" cmpd="sng" cap="flat" w="0">
                       <a:noFill/>
                       <a:prstDash val="solid"/>
                     </a:lnR>
-                    <a:lnT w="0" cap="flat" cmpd="sng" algn="ctr">
+                    <a:lnT algn="ctr" cmpd="sng" cap="flat" w="0">
                       <a:noFill/>
                       <a:prstDash val="solid"/>
                     </a:lnT>
-                    <a:lnB w="0" cap="flat" cmpd="sng" algn="ctr">
+                    <a:lnB algn="ctr" cmpd="sng" cap="flat" w="0">
                       <a:noFill/>
                       <a:prstDash val="solid"/>
                     </a:lnB>
@@ -6908,11 +6846,6 @@
                     </a:solidFill>
                   </a:tcPr>
                 </a:tc>
-                <a:extLst>
-                  <a:ext uri="{0D108BD9-81ED-4DB2-BD59-A6C34878D82A}">
-                    <a16:rowId xmlns:a16="http://schemas.microsoft.com/office/drawing/2014/main" val="10006"/>
-                  </a:ext>
-                </a:extLst>
               </a:tr>
               <a:tr h="228600">
                 <a:tc>
@@ -6920,7 +6853,7 @@
                     <a:bodyPr/>
                     <a:lstStyle/>
                     <a:p>
-                      <a:pPr marL="63500" marR="63500" algn="l">
+                      <a:pPr algn="l" marL="63500" marR="63500">
                         <a:lnSpc>
                           <a:spcPct val="100000"/>
                         </a:lnSpc>
@@ -6933,7 +6866,7 @@
                         <a:buNone/>
                       </a:pPr>
                       <a:r>
-                        <a:rPr sz="1100" b="0" i="0" u="none" cap="none">
+                        <a:rPr cap="none" sz="1100" i="0" b="0" u="none">
                           <a:solidFill>
                             <a:srgbClr val="000000">
                               <a:alpha val="100000"/>
@@ -6941,26 +6874,27 @@
                           </a:solidFill>
                           <a:latin typeface="Arial"/>
                           <a:cs typeface="Arial"/>
+                          <a:ea typeface="Arial"/>
                           <a:sym typeface="Arial"/>
                         </a:rPr>
                         <a:t>N</a:t>
                       </a:r>
                     </a:p>
                   </a:txBody>
-                  <a:tcPr marL="0" marR="0" marT="63500" marB="63500" anchor="ctr">
-                    <a:lnL w="0" cap="flat" cmpd="sng" algn="ctr">
+                  <a:tcPr anchor="ctr" marB="63500" marT="63500" marR="0" marL="0">
+                    <a:lnL algn="ctr" cmpd="sng" cap="flat" w="0">
                       <a:noFill/>
                       <a:prstDash val="solid"/>
                     </a:lnL>
-                    <a:lnR w="0" cap="flat" cmpd="sng" algn="ctr">
+                    <a:lnR algn="ctr" cmpd="sng" cap="flat" w="0">
                       <a:noFill/>
                       <a:prstDash val="solid"/>
                     </a:lnR>
-                    <a:lnT w="0" cap="flat" cmpd="sng" algn="ctr">
+                    <a:lnT algn="ctr" cmpd="sng" cap="flat" w="0">
                       <a:noFill/>
                       <a:prstDash val="solid"/>
                     </a:lnT>
-                    <a:lnB w="12700" cap="flat" cmpd="sng" algn="ctr">
+                    <a:lnB algn="ctr" cmpd="sng" cap="flat" w="12700">
                       <a:solidFill>
                         <a:srgbClr val="000000">
                           <a:alpha val="100000"/>
@@ -6980,7 +6914,7 @@
                     <a:bodyPr/>
                     <a:lstStyle/>
                     <a:p>
-                      <a:pPr marL="63500" marR="63500" algn="ctr">
+                      <a:pPr algn="ctr" marL="63500" marR="63500">
                         <a:lnSpc>
                           <a:spcPct val="100000"/>
                         </a:lnSpc>
@@ -6993,7 +6927,7 @@
                         <a:buNone/>
                       </a:pPr>
                       <a:r>
-                        <a:rPr sz="1100" b="0" i="0" u="none" cap="none">
+                        <a:rPr cap="none" sz="1100" i="0" b="0" u="none">
                           <a:solidFill>
                             <a:srgbClr val="000000">
                               <a:alpha val="100000"/>
@@ -7001,26 +6935,27 @@
                           </a:solidFill>
                           <a:latin typeface="Arial"/>
                           <a:cs typeface="Arial"/>
+                          <a:ea typeface="Arial"/>
                           <a:sym typeface="Arial"/>
                         </a:rPr>
                         <a:t>4980</a:t>
                       </a:r>
                     </a:p>
                   </a:txBody>
-                  <a:tcPr marL="0" marR="0" marT="63500" marB="63500" anchor="ctr">
-                    <a:lnL w="0" cap="flat" cmpd="sng" algn="ctr">
+                  <a:tcPr anchor="ctr" marB="63500" marT="63500" marR="0" marL="0">
+                    <a:lnL algn="ctr" cmpd="sng" cap="flat" w="0">
                       <a:noFill/>
                       <a:prstDash val="solid"/>
                     </a:lnL>
-                    <a:lnR w="0" cap="flat" cmpd="sng" algn="ctr">
+                    <a:lnR algn="ctr" cmpd="sng" cap="flat" w="0">
                       <a:noFill/>
                       <a:prstDash val="solid"/>
                     </a:lnR>
-                    <a:lnT w="0" cap="flat" cmpd="sng" algn="ctr">
+                    <a:lnT algn="ctr" cmpd="sng" cap="flat" w="0">
                       <a:noFill/>
                       <a:prstDash val="solid"/>
                     </a:lnT>
-                    <a:lnB w="12700" cap="flat" cmpd="sng" algn="ctr">
+                    <a:lnB algn="ctr" cmpd="sng" cap="flat" w="12700">
                       <a:solidFill>
                         <a:srgbClr val="000000">
                           <a:alpha val="100000"/>
@@ -7040,7 +6975,7 @@
                     <a:bodyPr/>
                     <a:lstStyle/>
                     <a:p>
-                      <a:pPr marL="63500" marR="63500" algn="ctr">
+                      <a:pPr algn="ctr" marL="63500" marR="63500">
                         <a:lnSpc>
                           <a:spcPct val="100000"/>
                         </a:lnSpc>
@@ -7053,7 +6988,7 @@
                         <a:buNone/>
                       </a:pPr>
                       <a:r>
-                        <a:rPr sz="1100" b="0" i="0" u="none" cap="none">
+                        <a:rPr cap="none" sz="1100" i="0" b="0" u="none">
                           <a:solidFill>
                             <a:srgbClr val="000000">
                               <a:alpha val="100000"/>
@@ -7061,26 +6996,27 @@
                           </a:solidFill>
                           <a:latin typeface="Arial"/>
                           <a:cs typeface="Arial"/>
+                          <a:ea typeface="Arial"/>
                           <a:sym typeface="Arial"/>
                         </a:rPr>
                         <a:t>2728</a:t>
                       </a:r>
                     </a:p>
                   </a:txBody>
-                  <a:tcPr marL="0" marR="0" marT="63500" marB="63500" anchor="ctr">
-                    <a:lnL w="0" cap="flat" cmpd="sng" algn="ctr">
+                  <a:tcPr anchor="ctr" marB="63500" marT="63500" marR="0" marL="0">
+                    <a:lnL algn="ctr" cmpd="sng" cap="flat" w="0">
                       <a:noFill/>
                       <a:prstDash val="solid"/>
                     </a:lnL>
-                    <a:lnR w="0" cap="flat" cmpd="sng" algn="ctr">
+                    <a:lnR algn="ctr" cmpd="sng" cap="flat" w="0">
                       <a:noFill/>
                       <a:prstDash val="solid"/>
                     </a:lnR>
-                    <a:lnT w="0" cap="flat" cmpd="sng" algn="ctr">
+                    <a:lnT algn="ctr" cmpd="sng" cap="flat" w="0">
                       <a:noFill/>
                       <a:prstDash val="solid"/>
                     </a:lnT>
-                    <a:lnB w="12700" cap="flat" cmpd="sng" algn="ctr">
+                    <a:lnB algn="ctr" cmpd="sng" cap="flat" w="12700">
                       <a:solidFill>
                         <a:srgbClr val="000000">
                           <a:alpha val="100000"/>
@@ -7100,7 +7036,7 @@
                     <a:bodyPr/>
                     <a:lstStyle/>
                     <a:p>
-                      <a:pPr marL="63500" marR="63500" algn="ctr">
+                      <a:pPr algn="ctr" marL="63500" marR="63500">
                         <a:lnSpc>
                           <a:spcPct val="100000"/>
                         </a:lnSpc>
@@ -7113,7 +7049,7 @@
                         <a:buNone/>
                       </a:pPr>
                       <a:r>
-                        <a:rPr sz="1100" b="0" i="0" u="none" cap="none">
+                        <a:rPr cap="none" sz="1100" i="0" b="0" u="none">
                           <a:solidFill>
                             <a:srgbClr val="000000">
                               <a:alpha val="100000"/>
@@ -7121,26 +7057,27 @@
                           </a:solidFill>
                           <a:latin typeface="Arial"/>
                           <a:cs typeface="Arial"/>
+                          <a:ea typeface="Arial"/>
                           <a:sym typeface="Arial"/>
                         </a:rPr>
                         <a:t>3341</a:t>
                       </a:r>
                     </a:p>
                   </a:txBody>
-                  <a:tcPr marL="0" marR="0" marT="63500" marB="63500" anchor="ctr">
-                    <a:lnL w="0" cap="flat" cmpd="sng" algn="ctr">
+                  <a:tcPr anchor="ctr" marB="63500" marT="63500" marR="0" marL="0">
+                    <a:lnL algn="ctr" cmpd="sng" cap="flat" w="0">
                       <a:noFill/>
                       <a:prstDash val="solid"/>
                     </a:lnL>
-                    <a:lnR w="0" cap="flat" cmpd="sng" algn="ctr">
+                    <a:lnR algn="ctr" cmpd="sng" cap="flat" w="0">
                       <a:noFill/>
                       <a:prstDash val="solid"/>
                     </a:lnR>
-                    <a:lnT w="0" cap="flat" cmpd="sng" algn="ctr">
+                    <a:lnT algn="ctr" cmpd="sng" cap="flat" w="0">
                       <a:noFill/>
                       <a:prstDash val="solid"/>
                     </a:lnT>
-                    <a:lnB w="12700" cap="flat" cmpd="sng" algn="ctr">
+                    <a:lnB algn="ctr" cmpd="sng" cap="flat" w="12700">
                       <a:solidFill>
                         <a:srgbClr val="000000">
                           <a:alpha val="100000"/>
@@ -7155,11 +7092,6 @@
                     </a:solidFill>
                   </a:tcPr>
                 </a:tc>
-                <a:extLst>
-                  <a:ext uri="{0D108BD9-81ED-4DB2-BD59-A6C34878D82A}">
-                    <a16:rowId xmlns:a16="http://schemas.microsoft.com/office/drawing/2014/main" val="10007"/>
-                  </a:ext>
-                </a:extLst>
               </a:tr>
             </a:tbl>
           </a:graphicData>
@@ -7167,9 +7099,6 @@
       </p:graphicFrame>
     </p:spTree>
   </p:cSld>
-  <p:clrMapOvr>
-    <a:masterClrMapping/>
-  </p:clrMapOvr>
 </p:sld>
 </file>
 
@@ -7205,10 +7134,11 @@
           <a:bodyPr/>
           <a:lstStyle/>
           <a:p>
-            <a:pPr marL="0" lvl="0" indent="0">
+            <a:pPr lvl="0" indent="0" marL="0">
               <a:buNone/>
             </a:pPr>
             <a:r>
+              <a:rPr/>
               <a:t>個人属性の分布</a:t>
             </a:r>
           </a:p>
@@ -7216,7 +7146,7 @@
       </p:sp>
       <p:pic>
         <p:nvPicPr>
-          <p:cNvPr id="3" name="Picture 1" descr="targeting_files/figure-pptx/chacteristics-targeting-dist-1.png"/>
+          <p:cNvPr descr="targeting_files/figure-pptx/chacteristics-targeting-dist-1.png" id="0" name="Picture 1"/>
           <p:cNvPicPr>
             <a:picLocks noGrp="1" noChangeAspect="1"/>
           </p:cNvPicPr>
@@ -7246,9 +7176,154 @@
       </p:pic>
     </p:spTree>
   </p:cSld>
-  <p:clrMapOvr>
-    <a:masterClrMapping/>
-  </p:clrMapOvr>
+</p:sld>
+</file>
+
+<file path=ppt/slides/slide6.xml><?xml version="1.0" encoding="utf-8"?>
+<p:sld xmlns:a="http://schemas.openxmlformats.org/drawingml/2006/main" xmlns:r="http://schemas.openxmlformats.org/officeDocument/2006/relationships" xmlns:p="http://schemas.openxmlformats.org/presentationml/2006/main">
+  <p:cSld>
+    <p:spTree>
+      <p:nvGrpSpPr>
+        <p:cNvPr id="1" name=""/>
+        <p:cNvGrpSpPr/>
+        <p:nvPr/>
+      </p:nvGrpSpPr>
+      <p:grpSpPr>
+        <a:xfrm>
+          <a:off x="0" y="0"/>
+          <a:ext cx="0" cy="0"/>
+          <a:chOff x="0" y="0"/>
+          <a:chExt cx="0" cy="0"/>
+        </a:xfrm>
+      </p:grpSpPr>
+      <p:sp>
+        <p:nvSpPr>
+          <p:cNvPr id="2" name="Title 1"/>
+          <p:cNvSpPr>
+            <a:spLocks noGrp="1"/>
+          </p:cNvSpPr>
+          <p:nvPr>
+            <p:ph type="title"/>
+          </p:nvPr>
+        </p:nvSpPr>
+        <p:spPr/>
+        <p:txBody>
+          <a:bodyPr/>
+          <a:lstStyle/>
+          <a:p>
+            <a:pPr lvl="0" indent="0" marL="0">
+              <a:buNone/>
+            </a:pPr>
+            <a:r>
+              <a:rPr/>
+              <a:t>単純な分割ルールによる政策効果（最大分割：２）</a:t>
+            </a:r>
+          </a:p>
+        </p:txBody>
+      </p:sp>
+      <p:sp>
+        <p:nvSpPr>
+          <p:cNvPr id="3" name="Content Placeholder 2"/>
+          <p:cNvSpPr>
+            <a:spLocks noGrp="1"/>
+          </p:cNvSpPr>
+          <p:nvPr>
+            <p:ph idx="1"/>
+          </p:nvPr>
+        </p:nvSpPr>
+        <p:spPr/>
+        <p:txBody>
+          <a:bodyPr/>
+          <a:lstStyle/>
+          <a:p>
+            <a:pPr lvl="0" indent="0">
+              <a:buNone/>
+            </a:pPr>
+            <a:r>
+              <a:rPr>
+                <a:latin typeface="Courier"/>
+              </a:rPr>
+              <a:t>## [1] 0.03198033</a:t>
+            </a:r>
+          </a:p>
+        </p:txBody>
+      </p:sp>
+    </p:spTree>
+  </p:cSld>
+</p:sld>
+</file>
+
+<file path=ppt/slides/slide7.xml><?xml version="1.0" encoding="utf-8"?>
+<p:sld xmlns:a="http://schemas.openxmlformats.org/drawingml/2006/main" xmlns:r="http://schemas.openxmlformats.org/officeDocument/2006/relationships" xmlns:p="http://schemas.openxmlformats.org/presentationml/2006/main">
+  <p:cSld>
+    <p:spTree>
+      <p:nvGrpSpPr>
+        <p:cNvPr id="1" name=""/>
+        <p:cNvGrpSpPr/>
+        <p:nvPr/>
+      </p:nvGrpSpPr>
+      <p:grpSpPr>
+        <a:xfrm>
+          <a:off x="0" y="0"/>
+          <a:ext cx="0" cy="0"/>
+          <a:chOff x="0" y="0"/>
+          <a:chExt cx="0" cy="0"/>
+        </a:xfrm>
+      </p:grpSpPr>
+      <p:sp>
+        <p:nvSpPr>
+          <p:cNvPr id="2" name="Title 1"/>
+          <p:cNvSpPr>
+            <a:spLocks noGrp="1"/>
+          </p:cNvSpPr>
+          <p:nvPr>
+            <p:ph type="title"/>
+          </p:nvPr>
+        </p:nvSpPr>
+        <p:spPr/>
+        <p:txBody>
+          <a:bodyPr/>
+          <a:lstStyle/>
+          <a:p>
+            <a:pPr lvl="0" indent="0" marL="0">
+              <a:buNone/>
+            </a:pPr>
+            <a:r>
+              <a:rPr/>
+              <a:t>単純な分割ルールによる政策効果（最大分割：３）</a:t>
+            </a:r>
+          </a:p>
+        </p:txBody>
+      </p:sp>
+      <p:sp>
+        <p:nvSpPr>
+          <p:cNvPr id="3" name="Content Placeholder 2"/>
+          <p:cNvSpPr>
+            <a:spLocks noGrp="1"/>
+          </p:cNvSpPr>
+          <p:nvPr>
+            <p:ph idx="1"/>
+          </p:nvPr>
+        </p:nvSpPr>
+        <p:spPr/>
+        <p:txBody>
+          <a:bodyPr/>
+          <a:lstStyle/>
+          <a:p>
+            <a:pPr lvl="0" indent="0">
+              <a:buNone/>
+            </a:pPr>
+            <a:r>
+              <a:rPr>
+                <a:latin typeface="Courier"/>
+              </a:rPr>
+              <a:t>## [1] 0.03130536</a:t>
+            </a:r>
+          </a:p>
+        </p:txBody>
+      </p:sp>
+    </p:spTree>
+  </p:cSld>
 </p:sld>
 </file>
 
@@ -7570,4 +7645,265 @@
   </a:objectDefaults>
   <a:extraClrSchemeLst/>
 </a:theme>
+</file>
+
+<file path=ppt/theme/theme2.xml><?xml version="1.0" encoding="utf-8"?>
+<a:theme xmlns:a="http://schemas.openxmlformats.org/drawingml/2006/main" name="Office Theme">
+  <a:themeElements>
+    <a:clrScheme name="Office">
+      <a:dk1>
+        <a:sysClr val="windowText" lastClr="000000"/>
+      </a:dk1>
+      <a:lt1>
+        <a:sysClr val="window" lastClr="FFFFFF"/>
+      </a:lt1>
+      <a:dk2>
+        <a:srgbClr val="44546A"/>
+      </a:dk2>
+      <a:lt2>
+        <a:srgbClr val="E7E6E6"/>
+      </a:lt2>
+      <a:accent1>
+        <a:srgbClr val="5B9BD5"/>
+      </a:accent1>
+      <a:accent2>
+        <a:srgbClr val="ED7D31"/>
+      </a:accent2>
+      <a:accent3>
+        <a:srgbClr val="A5A5A5"/>
+      </a:accent3>
+      <a:accent4>
+        <a:srgbClr val="FFC000"/>
+      </a:accent4>
+      <a:accent5>
+        <a:srgbClr val="4472C4"/>
+      </a:accent5>
+      <a:accent6>
+        <a:srgbClr val="70AD47"/>
+      </a:accent6>
+      <a:hlink>
+        <a:srgbClr val="0563C1"/>
+      </a:hlink>
+      <a:folHlink>
+        <a:srgbClr val="954F72"/>
+      </a:folHlink>
+    </a:clrScheme>
+    <a:fontScheme name="Office">
+      <a:majorFont>
+        <a:latin typeface="Calibri Light" panose="020F0302020204030204"/>
+        <a:ea typeface=""/>
+        <a:cs typeface=""/>
+        <a:font script="Jpan" typeface="ＭＳ Ｐゴシック"/>
+        <a:font script="Hang" typeface="맑은 고딕"/>
+        <a:font script="Hans" typeface="宋体"/>
+        <a:font script="Hant" typeface="新細明體"/>
+        <a:font script="Arab" typeface="Times New Roman"/>
+        <a:font script="Hebr" typeface="Times New Roman"/>
+        <a:font script="Thai" typeface="Angsana New"/>
+        <a:font script="Ethi" typeface="Nyala"/>
+        <a:font script="Beng" typeface="Vrinda"/>
+        <a:font script="Gujr" typeface="Shruti"/>
+        <a:font script="Khmr" typeface="MoolBoran"/>
+        <a:font script="Knda" typeface="Tunga"/>
+        <a:font script="Guru" typeface="Raavi"/>
+        <a:font script="Cans" typeface="Euphemia"/>
+        <a:font script="Cher" typeface="Plantagenet Cherokee"/>
+        <a:font script="Yiii" typeface="Microsoft Yi Baiti"/>
+        <a:font script="Tibt" typeface="Microsoft Himalaya"/>
+        <a:font script="Thaa" typeface="MV Boli"/>
+        <a:font script="Deva" typeface="Mangal"/>
+        <a:font script="Telu" typeface="Gautami"/>
+        <a:font script="Taml" typeface="Latha"/>
+        <a:font script="Syrc" typeface="Estrangelo Edessa"/>
+        <a:font script="Orya" typeface="Kalinga"/>
+        <a:font script="Mlym" typeface="Kartika"/>
+        <a:font script="Laoo" typeface="DokChampa"/>
+        <a:font script="Sinh" typeface="Iskoola Pota"/>
+        <a:font script="Mong" typeface="Mongolian Baiti"/>
+        <a:font script="Viet" typeface="Times New Roman"/>
+        <a:font script="Uigh" typeface="Microsoft Uighur"/>
+        <a:font script="Geor" typeface="Sylfaen"/>
+      </a:majorFont>
+      <a:minorFont>
+        <a:latin typeface="Calibri" panose="020F0502020204030204"/>
+        <a:ea typeface=""/>
+        <a:cs typeface=""/>
+        <a:font script="Jpan" typeface="ＭＳ Ｐゴシック"/>
+        <a:font script="Hang" typeface="맑은 고딕"/>
+        <a:font script="Hans" typeface="宋体"/>
+        <a:font script="Hant" typeface="新細明體"/>
+        <a:font script="Arab" typeface="Arial"/>
+        <a:font script="Hebr" typeface="Arial"/>
+        <a:font script="Thai" typeface="Cordia New"/>
+        <a:font script="Ethi" typeface="Nyala"/>
+        <a:font script="Beng" typeface="Vrinda"/>
+        <a:font script="Gujr" typeface="Shruti"/>
+        <a:font script="Khmr" typeface="DaunPenh"/>
+        <a:font script="Knda" typeface="Tunga"/>
+        <a:font script="Guru" typeface="Raavi"/>
+        <a:font script="Cans" typeface="Euphemia"/>
+        <a:font script="Cher" typeface="Plantagenet Cherokee"/>
+        <a:font script="Yiii" typeface="Microsoft Yi Baiti"/>
+        <a:font script="Tibt" typeface="Microsoft Himalaya"/>
+        <a:font script="Thaa" typeface="MV Boli"/>
+        <a:font script="Deva" typeface="Mangal"/>
+        <a:font script="Telu" typeface="Gautami"/>
+        <a:font script="Taml" typeface="Latha"/>
+        <a:font script="Syrc" typeface="Estrangelo Edessa"/>
+        <a:font script="Orya" typeface="Kalinga"/>
+        <a:font script="Mlym" typeface="Kartika"/>
+        <a:font script="Laoo" typeface="DokChampa"/>
+        <a:font script="Sinh" typeface="Iskoola Pota"/>
+        <a:font script="Mong" typeface="Mongolian Baiti"/>
+        <a:font script="Viet" typeface="Arial"/>
+        <a:font script="Uigh" typeface="Microsoft Uighur"/>
+        <a:font script="Geor" typeface="Sylfaen"/>
+      </a:minorFont>
+    </a:fontScheme>
+    <a:fmtScheme name="Office">
+      <a:fillStyleLst>
+        <a:solidFill>
+          <a:schemeClr val="phClr"/>
+        </a:solidFill>
+        <a:gradFill rotWithShape="1">
+          <a:gsLst>
+            <a:gs pos="0">
+              <a:schemeClr val="phClr">
+                <a:lumMod val="110000"/>
+                <a:satMod val="105000"/>
+                <a:tint val="67000"/>
+              </a:schemeClr>
+            </a:gs>
+            <a:gs pos="50000">
+              <a:schemeClr val="phClr">
+                <a:lumMod val="105000"/>
+                <a:satMod val="103000"/>
+                <a:tint val="73000"/>
+              </a:schemeClr>
+            </a:gs>
+            <a:gs pos="100000">
+              <a:schemeClr val="phClr">
+                <a:lumMod val="105000"/>
+                <a:satMod val="109000"/>
+                <a:tint val="81000"/>
+              </a:schemeClr>
+            </a:gs>
+          </a:gsLst>
+          <a:lin ang="5400000" scaled="0"/>
+        </a:gradFill>
+        <a:gradFill rotWithShape="1">
+          <a:gsLst>
+            <a:gs pos="0">
+              <a:schemeClr val="phClr">
+                <a:satMod val="103000"/>
+                <a:lumMod val="102000"/>
+                <a:tint val="94000"/>
+              </a:schemeClr>
+            </a:gs>
+            <a:gs pos="50000">
+              <a:schemeClr val="phClr">
+                <a:satMod val="110000"/>
+                <a:lumMod val="100000"/>
+                <a:shade val="100000"/>
+              </a:schemeClr>
+            </a:gs>
+            <a:gs pos="100000">
+              <a:schemeClr val="phClr">
+                <a:lumMod val="99000"/>
+                <a:satMod val="120000"/>
+                <a:shade val="78000"/>
+              </a:schemeClr>
+            </a:gs>
+          </a:gsLst>
+          <a:lin ang="5400000" scaled="0"/>
+        </a:gradFill>
+      </a:fillStyleLst>
+      <a:lnStyleLst>
+        <a:ln w="6350" cap="flat" cmpd="sng" algn="ctr">
+          <a:solidFill>
+            <a:schemeClr val="phClr"/>
+          </a:solidFill>
+          <a:prstDash val="solid"/>
+          <a:miter lim="800000"/>
+        </a:ln>
+        <a:ln w="12700" cap="flat" cmpd="sng" algn="ctr">
+          <a:solidFill>
+            <a:schemeClr val="phClr"/>
+          </a:solidFill>
+          <a:prstDash val="solid"/>
+          <a:miter lim="800000"/>
+        </a:ln>
+        <a:ln w="19050" cap="flat" cmpd="sng" algn="ctr">
+          <a:solidFill>
+            <a:schemeClr val="phClr"/>
+          </a:solidFill>
+          <a:prstDash val="solid"/>
+          <a:miter lim="800000"/>
+        </a:ln>
+      </a:lnStyleLst>
+      <a:effectStyleLst>
+        <a:effectStyle>
+          <a:effectLst/>
+        </a:effectStyle>
+        <a:effectStyle>
+          <a:effectLst/>
+        </a:effectStyle>
+        <a:effectStyle>
+          <a:effectLst>
+            <a:outerShdw blurRad="57150" dist="19050" dir="5400000" algn="ctr" rotWithShape="0">
+              <a:srgbClr val="000000">
+                <a:alpha val="63000"/>
+              </a:srgbClr>
+            </a:outerShdw>
+          </a:effectLst>
+        </a:effectStyle>
+      </a:effectStyleLst>
+      <a:bgFillStyleLst>
+        <a:solidFill>
+          <a:schemeClr val="phClr"/>
+        </a:solidFill>
+        <a:solidFill>
+          <a:schemeClr val="phClr">
+            <a:tint val="95000"/>
+            <a:satMod val="170000"/>
+          </a:schemeClr>
+        </a:solidFill>
+        <a:gradFill rotWithShape="1">
+          <a:gsLst>
+            <a:gs pos="0">
+              <a:schemeClr val="phClr">
+                <a:tint val="93000"/>
+                <a:satMod val="150000"/>
+                <a:shade val="98000"/>
+                <a:lumMod val="102000"/>
+              </a:schemeClr>
+            </a:gs>
+            <a:gs pos="50000">
+              <a:schemeClr val="phClr">
+                <a:tint val="98000"/>
+                <a:satMod val="130000"/>
+                <a:shade val="90000"/>
+                <a:lumMod val="103000"/>
+              </a:schemeClr>
+            </a:gs>
+            <a:gs pos="100000">
+              <a:schemeClr val="phClr">
+                <a:shade val="63000"/>
+                <a:satMod val="120000"/>
+              </a:schemeClr>
+            </a:gs>
+          </a:gsLst>
+          <a:lin ang="5400000" scaled="0"/>
+        </a:gradFill>
+      </a:bgFillStyleLst>
+    </a:fmtScheme>
+  </a:themeElements>
+  <a:objectDefaults/>
+  <a:extraClrSchemeLst/>
+  <a:extLst>
+    <a:ext uri="{05A4C25C-085E-4340-85A3-A5531E510DB2}">
+      <thm15:themeFamily xmlns:thm15="http://schemas.microsoft.com/office/thememl/2012/main" name="Office Theme" id="{62F939B6-93AF-4DB8-9C6B-D6C7DFDC589F}" vid="{4A3C46E8-61CC-4603-A589-7422A47A8E4A}"/>
+    </a:ext>
+  </a:extLst>
+</a:theme>
 </file>
--- a/targeting.pptx
+++ b/targeting.pptx
@@ -1,17 +1,21 @@
 
 <file path=ppt/presentation.xml><?xml version="1.0" encoding="utf-8"?>
-<p:presentation xmlns:a="http://schemas.openxmlformats.org/drawingml/2006/main" xmlns:p="http://schemas.openxmlformats.org/presentationml/2006/main" xmlns:r="http://schemas.openxmlformats.org/officeDocument/2006/relationships" autoCompressPictures="0" saveSubsetFonts="1">
+<p:presentation xmlns:a="http://schemas.openxmlformats.org/drawingml/2006/main" xmlns:r="http://schemas.openxmlformats.org/officeDocument/2006/relationships" xmlns:p="http://schemas.openxmlformats.org/presentationml/2006/main" saveSubsetFonts="1" autoCompressPictures="0">
   <p:sldMasterIdLst>
     <p:sldMasterId id="2147483648" r:id="rId1"/>
   </p:sldMasterIdLst>
   <p:sldIdLst>
     <p:sldId id="256" r:id="rId2"/>
-    <p:sldId id="257" r:id="rId3"/>
-    <p:sldId id="258" r:id="rId4"/>
-    <p:sldId id="259" r:id="rId5"/>
-    <p:sldId id="260" r:id="rId6"/>
-    <p:sldId id="261" r:id="rId7"/>
-    <p:sldId id="262" r:id="rId8"/>
+    <p:sldId id="263" r:id="rId3"/>
+    <p:sldId id="264" r:id="rId4"/>
+    <p:sldId id="306" r:id="rId5"/>
+    <p:sldId id="307" r:id="rId6"/>
+    <p:sldId id="257" r:id="rId7"/>
+    <p:sldId id="258" r:id="rId8"/>
+    <p:sldId id="259" r:id="rId9"/>
+    <p:sldId id="260" r:id="rId10"/>
+    <p:sldId id="261" r:id="rId11"/>
+    <p:sldId id="262" r:id="rId12"/>
   </p:sldIdLst>
   <p:sldSz cx="9144000" cy="5143500" type="screen16x9"/>
   <p:notesSz cx="6858000" cy="9144000"/>
@@ -19,8 +23,8 @@
     <a:defPPr>
       <a:defRPr lang="en-US"/>
     </a:defPPr>
-    <a:lvl1pPr algn="l" defTabSz="457200" eaLnBrk="1" hangingPunct="1" latinLnBrk="0" marL="0" rtl="0">
-      <a:defRPr kern="1200" sz="1800">
+    <a:lvl1pPr marL="0" algn="l" defTabSz="457200" rtl="0" eaLnBrk="1" latinLnBrk="0" hangingPunct="1">
+      <a:defRPr sz="1800" kern="1200">
         <a:solidFill>
           <a:schemeClr val="tx1"/>
         </a:solidFill>
@@ -29,8 +33,8 @@
         <a:cs typeface="+mn-cs"/>
       </a:defRPr>
     </a:lvl1pPr>
-    <a:lvl2pPr algn="l" defTabSz="457200" eaLnBrk="1" hangingPunct="1" latinLnBrk="0" marL="457200" rtl="0">
-      <a:defRPr kern="1200" sz="1800">
+    <a:lvl2pPr marL="457200" algn="l" defTabSz="457200" rtl="0" eaLnBrk="1" latinLnBrk="0" hangingPunct="1">
+      <a:defRPr sz="1800" kern="1200">
         <a:solidFill>
           <a:schemeClr val="tx1"/>
         </a:solidFill>
@@ -39,8 +43,8 @@
         <a:cs typeface="+mn-cs"/>
       </a:defRPr>
     </a:lvl2pPr>
-    <a:lvl3pPr algn="l" defTabSz="457200" eaLnBrk="1" hangingPunct="1" latinLnBrk="0" marL="914400" rtl="0">
-      <a:defRPr kern="1200" sz="1800">
+    <a:lvl3pPr marL="914400" algn="l" defTabSz="457200" rtl="0" eaLnBrk="1" latinLnBrk="0" hangingPunct="1">
+      <a:defRPr sz="1800" kern="1200">
         <a:solidFill>
           <a:schemeClr val="tx1"/>
         </a:solidFill>
@@ -49,8 +53,8 @@
         <a:cs typeface="+mn-cs"/>
       </a:defRPr>
     </a:lvl3pPr>
-    <a:lvl4pPr algn="l" defTabSz="457200" eaLnBrk="1" hangingPunct="1" latinLnBrk="0" marL="1371600" rtl="0">
-      <a:defRPr kern="1200" sz="1800">
+    <a:lvl4pPr marL="1371600" algn="l" defTabSz="457200" rtl="0" eaLnBrk="1" latinLnBrk="0" hangingPunct="1">
+      <a:defRPr sz="1800" kern="1200">
         <a:solidFill>
           <a:schemeClr val="tx1"/>
         </a:solidFill>
@@ -59,8 +63,8 @@
         <a:cs typeface="+mn-cs"/>
       </a:defRPr>
     </a:lvl4pPr>
-    <a:lvl5pPr algn="l" defTabSz="457200" eaLnBrk="1" hangingPunct="1" latinLnBrk="0" marL="1828800" rtl="0">
-      <a:defRPr kern="1200" sz="1800">
+    <a:lvl5pPr marL="1828800" algn="l" defTabSz="457200" rtl="0" eaLnBrk="1" latinLnBrk="0" hangingPunct="1">
+      <a:defRPr sz="1800" kern="1200">
         <a:solidFill>
           <a:schemeClr val="tx1"/>
         </a:solidFill>
@@ -69,8 +73,8 @@
         <a:cs typeface="+mn-cs"/>
       </a:defRPr>
     </a:lvl5pPr>
-    <a:lvl6pPr algn="l" defTabSz="457200" eaLnBrk="1" hangingPunct="1" latinLnBrk="0" marL="2286000" rtl="0">
-      <a:defRPr kern="1200" sz="1800">
+    <a:lvl6pPr marL="2286000" algn="l" defTabSz="457200" rtl="0" eaLnBrk="1" latinLnBrk="0" hangingPunct="1">
+      <a:defRPr sz="1800" kern="1200">
         <a:solidFill>
           <a:schemeClr val="tx1"/>
         </a:solidFill>
@@ -79,8 +83,8 @@
         <a:cs typeface="+mn-cs"/>
       </a:defRPr>
     </a:lvl6pPr>
-    <a:lvl7pPr algn="l" defTabSz="457200" eaLnBrk="1" hangingPunct="1" latinLnBrk="0" marL="2743200" rtl="0">
-      <a:defRPr kern="1200" sz="1800">
+    <a:lvl7pPr marL="2743200" algn="l" defTabSz="457200" rtl="0" eaLnBrk="1" latinLnBrk="0" hangingPunct="1">
+      <a:defRPr sz="1800" kern="1200">
         <a:solidFill>
           <a:schemeClr val="tx1"/>
         </a:solidFill>
@@ -89,8 +93,8 @@
         <a:cs typeface="+mn-cs"/>
       </a:defRPr>
     </a:lvl7pPr>
-    <a:lvl8pPr algn="l" defTabSz="457200" eaLnBrk="1" hangingPunct="1" latinLnBrk="0" marL="3200400" rtl="0">
-      <a:defRPr kern="1200" sz="1800">
+    <a:lvl8pPr marL="3200400" algn="l" defTabSz="457200" rtl="0" eaLnBrk="1" latinLnBrk="0" hangingPunct="1">
+      <a:defRPr sz="1800" kern="1200">
         <a:solidFill>
           <a:schemeClr val="tx1"/>
         </a:solidFill>
@@ -99,8 +103,8 @@
         <a:cs typeface="+mn-cs"/>
       </a:defRPr>
     </a:lvl8pPr>
-    <a:lvl9pPr algn="l" defTabSz="457200" eaLnBrk="1" hangingPunct="1" latinLnBrk="0" marL="3657600" rtl="0">
-      <a:defRPr kern="1200" sz="1800">
+    <a:lvl9pPr marL="3657600" algn="l" defTabSz="457200" rtl="0" eaLnBrk="1" latinLnBrk="0" hangingPunct="1">
+      <a:defRPr sz="1800" kern="1200">
         <a:solidFill>
           <a:schemeClr val="tx1"/>
         </a:solidFill>
@@ -308,7 +312,7 @@
           <a:p>
             <a:fld id="{241EB5C9-1307-BA42-ABA2-0BC069CD8E7F}" type="datetimeFigureOut">
               <a:rPr lang="en-US" smtClean="0"/>
-              <a:t>1/2/22</a:t>
+              <a:t>12/28/2023</a:t>
             </a:fld>
             <a:endParaRPr lang="en-US"/>
           </a:p>
@@ -476,7 +480,7 @@
           <a:p>
             <a:fld id="{241EB5C9-1307-BA42-ABA2-0BC069CD8E7F}" type="datetimeFigureOut">
               <a:rPr lang="en-US" smtClean="0"/>
-              <a:t>1/2/22</a:t>
+              <a:t>12/28/2023</a:t>
             </a:fld>
             <a:endParaRPr lang="en-US"/>
           </a:p>
@@ -654,7 +658,7 @@
           <a:p>
             <a:fld id="{241EB5C9-1307-BA42-ABA2-0BC069CD8E7F}" type="datetimeFigureOut">
               <a:rPr lang="en-US" smtClean="0"/>
-              <a:t>1/2/22</a:t>
+              <a:t>12/28/2023</a:t>
             </a:fld>
             <a:endParaRPr lang="en-US"/>
           </a:p>
@@ -822,7 +826,7 @@
           <a:p>
             <a:fld id="{241EB5C9-1307-BA42-ABA2-0BC069CD8E7F}" type="datetimeFigureOut">
               <a:rPr lang="en-US" smtClean="0"/>
-              <a:t>1/2/22</a:t>
+              <a:t>12/28/2023</a:t>
             </a:fld>
             <a:endParaRPr lang="en-US"/>
           </a:p>
@@ -1067,7 +1071,7 @@
           <a:p>
             <a:fld id="{241EB5C9-1307-BA42-ABA2-0BC069CD8E7F}" type="datetimeFigureOut">
               <a:rPr lang="en-US" smtClean="0"/>
-              <a:t>1/2/22</a:t>
+              <a:t>12/28/2023</a:t>
             </a:fld>
             <a:endParaRPr lang="en-US"/>
           </a:p>
@@ -1352,7 +1356,7 @@
           <a:p>
             <a:fld id="{241EB5C9-1307-BA42-ABA2-0BC069CD8E7F}" type="datetimeFigureOut">
               <a:rPr lang="en-US" smtClean="0"/>
-              <a:t>1/2/22</a:t>
+              <a:t>12/28/2023</a:t>
             </a:fld>
             <a:endParaRPr lang="en-US"/>
           </a:p>
@@ -1771,7 +1775,7 @@
           <a:p>
             <a:fld id="{241EB5C9-1307-BA42-ABA2-0BC069CD8E7F}" type="datetimeFigureOut">
               <a:rPr lang="en-US" smtClean="0"/>
-              <a:t>1/2/22</a:t>
+              <a:t>12/28/2023</a:t>
             </a:fld>
             <a:endParaRPr lang="en-US"/>
           </a:p>
@@ -1888,7 +1892,7 @@
           <a:p>
             <a:fld id="{241EB5C9-1307-BA42-ABA2-0BC069CD8E7F}" type="datetimeFigureOut">
               <a:rPr lang="en-US" smtClean="0"/>
-              <a:t>1/2/22</a:t>
+              <a:t>12/28/2023</a:t>
             </a:fld>
             <a:endParaRPr lang="en-US"/>
           </a:p>
@@ -1983,7 +1987,7 @@
           <a:p>
             <a:fld id="{241EB5C9-1307-BA42-ABA2-0BC069CD8E7F}" type="datetimeFigureOut">
               <a:rPr lang="en-US" smtClean="0"/>
-              <a:t>1/2/22</a:t>
+              <a:t>12/28/2023</a:t>
             </a:fld>
             <a:endParaRPr lang="en-US"/>
           </a:p>
@@ -2258,7 +2262,7 @@
           <a:p>
             <a:fld id="{241EB5C9-1307-BA42-ABA2-0BC069CD8E7F}" type="datetimeFigureOut">
               <a:rPr lang="en-US" smtClean="0"/>
-              <a:t>1/2/22</a:t>
+              <a:t>12/28/2023</a:t>
             </a:fld>
             <a:endParaRPr lang="en-US"/>
           </a:p>
@@ -2510,7 +2514,7 @@
           <a:p>
             <a:fld id="{241EB5C9-1307-BA42-ABA2-0BC069CD8E7F}" type="datetimeFigureOut">
               <a:rPr lang="en-US" smtClean="0"/>
-              <a:t>1/2/22</a:t>
+              <a:t>12/28/2023</a:t>
             </a:fld>
             <a:endParaRPr lang="en-US"/>
           </a:p>
@@ -2572,7 +2576,7 @@
 </file>
 
 <file path=ppt/slideMasters/slideMaster1.xml><?xml version="1.0" encoding="utf-8"?>
-<p:sldMaster xmlns:a="http://schemas.openxmlformats.org/drawingml/2006/main" xmlns:p="http://schemas.openxmlformats.org/presentationml/2006/main" xmlns:r="http://schemas.openxmlformats.org/officeDocument/2006/relationships">
+<p:sldMaster xmlns:a="http://schemas.openxmlformats.org/drawingml/2006/main" xmlns:r="http://schemas.openxmlformats.org/officeDocument/2006/relationships" xmlns:p="http://schemas.openxmlformats.org/presentationml/2006/main">
   <p:cSld>
     <p:bg>
       <p:bgRef idx="1001">
@@ -2613,7 +2617,7 @@
           </a:prstGeom>
         </p:spPr>
         <p:txBody>
-          <a:bodyPr anchor="ctr" bIns="45720" lIns="91440" rIns="91440" rtlCol="0" tIns="45720" vert="horz">
+          <a:bodyPr vert="horz" lIns="91440" tIns="45720" rIns="91440" bIns="45720" rtlCol="0" anchor="ctr">
             <a:normAutofit/>
           </a:bodyPr>
           <a:lstStyle/>
@@ -2632,7 +2636,7 @@
             <a:spLocks noGrp="1"/>
           </p:cNvSpPr>
           <p:nvPr>
-            <p:ph idx="1" type="body"/>
+            <p:ph type="body" idx="1"/>
           </p:nvPr>
         </p:nvSpPr>
         <p:spPr>
@@ -2645,7 +2649,7 @@
           </a:prstGeom>
         </p:spPr>
         <p:txBody>
-          <a:bodyPr bIns="45720" lIns="91440" rIns="91440" rtlCol="0" tIns="45720" vert="horz">
+          <a:bodyPr vert="horz" lIns="91440" tIns="45720" rIns="91440" bIns="45720" rtlCol="0">
             <a:normAutofit/>
           </a:bodyPr>
           <a:lstStyle/>
@@ -2693,7 +2697,7 @@
             <a:spLocks noGrp="1"/>
           </p:cNvSpPr>
           <p:nvPr>
-            <p:ph idx="2" sz="half" type="dt"/>
+            <p:ph type="dt" sz="half" idx="2"/>
           </p:nvPr>
         </p:nvSpPr>
         <p:spPr>
@@ -2706,7 +2710,7 @@
           </a:prstGeom>
         </p:spPr>
         <p:txBody>
-          <a:bodyPr anchor="ctr" bIns="45720" lIns="91440" rIns="91440" rtlCol="0" tIns="45720" vert="horz"/>
+          <a:bodyPr vert="horz" lIns="91440" tIns="45720" rIns="91440" bIns="45720" rtlCol="0" anchor="ctr"/>
           <a:lstStyle>
             <a:lvl1pPr algn="l">
               <a:defRPr sz="900">
@@ -2721,7 +2725,7 @@
           <a:p>
             <a:fld id="{241EB5C9-1307-BA42-ABA2-0BC069CD8E7F}" type="datetimeFigureOut">
               <a:rPr lang="en-US" smtClean="0"/>
-              <a:t>1/2/22</a:t>
+              <a:t>12/28/2023</a:t>
             </a:fld>
             <a:endParaRPr lang="en-US"/>
           </a:p>
@@ -2734,7 +2738,7 @@
             <a:spLocks noGrp="1"/>
           </p:cNvSpPr>
           <p:nvPr>
-            <p:ph idx="3" sz="quarter" type="ftr"/>
+            <p:ph type="ftr" sz="quarter" idx="3"/>
           </p:nvPr>
         </p:nvSpPr>
         <p:spPr>
@@ -2747,7 +2751,7 @@
           </a:prstGeom>
         </p:spPr>
         <p:txBody>
-          <a:bodyPr anchor="ctr" bIns="45720" lIns="91440" rIns="91440" rtlCol="0" tIns="45720" vert="horz"/>
+          <a:bodyPr vert="horz" lIns="91440" tIns="45720" rIns="91440" bIns="45720" rtlCol="0" anchor="ctr"/>
           <a:lstStyle>
             <a:lvl1pPr algn="ctr">
               <a:defRPr sz="900">
@@ -2771,7 +2775,7 @@
             <a:spLocks noGrp="1"/>
           </p:cNvSpPr>
           <p:nvPr>
-            <p:ph idx="4" sz="quarter" type="sldNum"/>
+            <p:ph type="sldNum" sz="quarter" idx="4"/>
           </p:nvPr>
         </p:nvSpPr>
         <p:spPr>
@@ -2784,7 +2788,7 @@
           </a:prstGeom>
         </p:spPr>
         <p:txBody>
-          <a:bodyPr anchor="ctr" bIns="45720" lIns="91440" rIns="91440" rtlCol="0" tIns="45720" vert="horz"/>
+          <a:bodyPr vert="horz" lIns="91440" tIns="45720" rIns="91440" bIns="45720" rtlCol="0" anchor="ctr"/>
           <a:lstStyle>
             <a:lvl1pPr algn="r">
               <a:defRPr sz="900">
@@ -2812,7 +2816,7 @@
       </p:ext>
     </p:extLst>
   </p:cSld>
-  <p:clrMap accent1="accent1" accent2="accent2" accent3="accent3" accent4="accent4" accent5="accent5" accent6="accent6" bg1="lt1" bg2="lt2" folHlink="folHlink" hlink="hlink" tx1="dk1" tx2="dk2"/>
+  <p:clrMap bg1="lt1" tx1="dk1" bg2="lt2" tx2="dk2" accent1="accent1" accent2="accent2" accent3="accent3" accent4="accent4" accent5="accent5" accent6="accent6" hlink="hlink" folHlink="folHlink"/>
   <p:sldLayoutIdLst>
     <p:sldLayoutId id="2147483649" r:id="rId1"/>
     <p:sldLayoutId id="2147483650" r:id="rId2"/>
@@ -2828,12 +2832,12 @@
   </p:sldLayoutIdLst>
   <p:txStyles>
     <p:titleStyle>
-      <a:lvl1pPr algn="ctr" defTabSz="342900" eaLnBrk="1" hangingPunct="1" latinLnBrk="0" rtl="0">
+      <a:lvl1pPr algn="ctr" defTabSz="342900" rtl="0" eaLnBrk="1" latinLnBrk="0" hangingPunct="1">
         <a:spcBef>
           <a:spcPct val="0"/>
         </a:spcBef>
         <a:buNone/>
-        <a:defRPr kern="1200" sz="3300">
+        <a:defRPr sz="3300" kern="1200">
           <a:solidFill>
             <a:schemeClr val="tx1"/>
           </a:solidFill>
@@ -2844,13 +2848,13 @@
       </a:lvl1pPr>
     </p:titleStyle>
     <p:bodyStyle>
-      <a:lvl1pPr algn="l" defTabSz="342900" eaLnBrk="1" hangingPunct="1" indent="-342900" latinLnBrk="0" marL="342900" rtl="0">
+      <a:lvl1pPr marL="342900" indent="-342900" algn="l" defTabSz="342900" rtl="0" eaLnBrk="1" latinLnBrk="0" hangingPunct="1">
         <a:spcBef>
           <a:spcPct val="20000"/>
         </a:spcBef>
         <a:buFont typeface="Arial"/>
         <a:buChar char="•"/>
-        <a:defRPr kern="1200" sz="2400">
+        <a:defRPr sz="2400" kern="1200">
           <a:solidFill>
             <a:schemeClr val="tx1"/>
           </a:solidFill>
@@ -2859,13 +2863,13 @@
           <a:cs typeface="+mn-cs"/>
         </a:defRPr>
       </a:lvl1pPr>
-      <a:lvl2pPr algn="l" defTabSz="342900" eaLnBrk="1" hangingPunct="1" indent="-342900" latinLnBrk="0" marL="685800" rtl="0">
+      <a:lvl2pPr marL="685800" indent="-342900" algn="l" defTabSz="342900" rtl="0" eaLnBrk="1" latinLnBrk="0" hangingPunct="1">
         <a:spcBef>
           <a:spcPct val="20000"/>
         </a:spcBef>
         <a:buFont typeface="Arial"/>
         <a:buChar char="–"/>
-        <a:defRPr kern="1200" sz="2100">
+        <a:defRPr sz="2100" kern="1200">
           <a:solidFill>
             <a:schemeClr val="tx1"/>
           </a:solidFill>
@@ -2874,13 +2878,13 @@
           <a:cs typeface="+mn-cs"/>
         </a:defRPr>
       </a:lvl2pPr>
-      <a:lvl3pPr algn="l" defTabSz="342900" eaLnBrk="1" hangingPunct="1" indent="-342900" latinLnBrk="0" marL="1028700" rtl="0">
+      <a:lvl3pPr marL="1028700" indent="-342900" algn="l" defTabSz="342900" rtl="0" eaLnBrk="1" latinLnBrk="0" hangingPunct="1">
         <a:spcBef>
           <a:spcPct val="20000"/>
         </a:spcBef>
         <a:buFont typeface="Arial"/>
         <a:buChar char="•"/>
-        <a:defRPr kern="1200" sz="1800">
+        <a:defRPr sz="1800" kern="1200">
           <a:solidFill>
             <a:schemeClr val="tx1"/>
           </a:solidFill>
@@ -2889,13 +2893,13 @@
           <a:cs typeface="+mn-cs"/>
         </a:defRPr>
       </a:lvl3pPr>
-      <a:lvl4pPr algn="l" defTabSz="342900" eaLnBrk="1" hangingPunct="1" indent="-342900" latinLnBrk="0" marL="1371600" rtl="0">
+      <a:lvl4pPr marL="1371600" indent="-342900" algn="l" defTabSz="342900" rtl="0" eaLnBrk="1" latinLnBrk="0" hangingPunct="1">
         <a:spcBef>
           <a:spcPct val="20000"/>
         </a:spcBef>
         <a:buFont typeface="Arial"/>
         <a:buChar char="–"/>
-        <a:defRPr kern="1200" sz="1500">
+        <a:defRPr sz="1500" kern="1200">
           <a:solidFill>
             <a:schemeClr val="tx1"/>
           </a:solidFill>
@@ -2904,13 +2908,13 @@
           <a:cs typeface="+mn-cs"/>
         </a:defRPr>
       </a:lvl4pPr>
-      <a:lvl5pPr algn="l" defTabSz="342900" eaLnBrk="1" hangingPunct="1" indent="-342900" latinLnBrk="0" marL="1714500" rtl="0">
+      <a:lvl5pPr marL="1714500" indent="-342900" algn="l" defTabSz="342900" rtl="0" eaLnBrk="1" latinLnBrk="0" hangingPunct="1">
         <a:spcBef>
           <a:spcPct val="20000"/>
         </a:spcBef>
         <a:buFont typeface="Arial"/>
         <a:buChar char="»"/>
-        <a:defRPr kern="1200" sz="1500">
+        <a:defRPr sz="1500" kern="1200">
           <a:solidFill>
             <a:schemeClr val="tx1"/>
           </a:solidFill>
@@ -2919,13 +2923,13 @@
           <a:cs typeface="+mn-cs"/>
         </a:defRPr>
       </a:lvl5pPr>
-      <a:lvl6pPr algn="l" defTabSz="342900" eaLnBrk="1" hangingPunct="1" indent="-342900" latinLnBrk="0" marL="2057400" rtl="0">
+      <a:lvl6pPr marL="2057400" indent="-342900" algn="l" defTabSz="342900" rtl="0" eaLnBrk="1" latinLnBrk="0" hangingPunct="1">
         <a:spcBef>
           <a:spcPct val="20000"/>
         </a:spcBef>
         <a:buFont typeface="Arial"/>
         <a:buChar char="•"/>
-        <a:defRPr kern="1200" sz="1500">
+        <a:defRPr sz="1500" kern="1200">
           <a:solidFill>
             <a:schemeClr val="tx1"/>
           </a:solidFill>
@@ -2934,13 +2938,13 @@
           <a:cs typeface="+mn-cs"/>
         </a:defRPr>
       </a:lvl6pPr>
-      <a:lvl7pPr algn="l" defTabSz="342900" eaLnBrk="1" hangingPunct="1" indent="-342900" latinLnBrk="0" marL="2400300" rtl="0">
+      <a:lvl7pPr marL="2400300" indent="-342900" algn="l" defTabSz="342900" rtl="0" eaLnBrk="1" latinLnBrk="0" hangingPunct="1">
         <a:spcBef>
           <a:spcPct val="20000"/>
         </a:spcBef>
         <a:buFont typeface="Arial"/>
         <a:buChar char="•"/>
-        <a:defRPr kern="1200" sz="1500">
+        <a:defRPr sz="1500" kern="1200">
           <a:solidFill>
             <a:schemeClr val="tx1"/>
           </a:solidFill>
@@ -2949,13 +2953,13 @@
           <a:cs typeface="+mn-cs"/>
         </a:defRPr>
       </a:lvl7pPr>
-      <a:lvl8pPr algn="l" defTabSz="342900" eaLnBrk="1" hangingPunct="1" indent="-342900" latinLnBrk="0" marL="2743200" rtl="0">
+      <a:lvl8pPr marL="2743200" indent="-342900" algn="l" defTabSz="342900" rtl="0" eaLnBrk="1" latinLnBrk="0" hangingPunct="1">
         <a:spcBef>
           <a:spcPct val="20000"/>
         </a:spcBef>
         <a:buFont typeface="Arial"/>
         <a:buChar char="•"/>
-        <a:defRPr kern="1200" sz="1500">
+        <a:defRPr sz="1500" kern="1200">
           <a:solidFill>
             <a:schemeClr val="tx1"/>
           </a:solidFill>
@@ -2964,13 +2968,13 @@
           <a:cs typeface="+mn-cs"/>
         </a:defRPr>
       </a:lvl8pPr>
-      <a:lvl9pPr algn="l" defTabSz="342900" eaLnBrk="1" hangingPunct="1" indent="-342900" latinLnBrk="0" marL="3086100" rtl="0">
+      <a:lvl9pPr marL="3086100" indent="-342900" algn="l" defTabSz="342900" rtl="0" eaLnBrk="1" latinLnBrk="0" hangingPunct="1">
         <a:spcBef>
           <a:spcPct val="20000"/>
         </a:spcBef>
         <a:buFont typeface="Arial"/>
         <a:buChar char="•"/>
-        <a:defRPr kern="1200" sz="1500">
+        <a:defRPr sz="1500" kern="1200">
           <a:solidFill>
             <a:schemeClr val="tx1"/>
           </a:solidFill>
@@ -2984,8 +2988,8 @@
       <a:defPPr>
         <a:defRPr lang="en-US"/>
       </a:defPPr>
-      <a:lvl1pPr algn="l" defTabSz="342900" eaLnBrk="1" hangingPunct="1" latinLnBrk="0" marL="0" rtl="0">
-        <a:defRPr kern="1200" sz="1350">
+      <a:lvl1pPr marL="0" algn="l" defTabSz="342900" rtl="0" eaLnBrk="1" latinLnBrk="0" hangingPunct="1">
+        <a:defRPr sz="1350" kern="1200">
           <a:solidFill>
             <a:schemeClr val="tx1"/>
           </a:solidFill>
@@ -2994,8 +2998,8 @@
           <a:cs typeface="+mn-cs"/>
         </a:defRPr>
       </a:lvl1pPr>
-      <a:lvl2pPr algn="l" defTabSz="342900" eaLnBrk="1" hangingPunct="1" latinLnBrk="0" marL="342900" rtl="0">
-        <a:defRPr kern="1200" sz="1350">
+      <a:lvl2pPr marL="342900" algn="l" defTabSz="342900" rtl="0" eaLnBrk="1" latinLnBrk="0" hangingPunct="1">
+        <a:defRPr sz="1350" kern="1200">
           <a:solidFill>
             <a:schemeClr val="tx1"/>
           </a:solidFill>
@@ -3004,8 +3008,8 @@
           <a:cs typeface="+mn-cs"/>
         </a:defRPr>
       </a:lvl2pPr>
-      <a:lvl3pPr algn="l" defTabSz="342900" eaLnBrk="1" hangingPunct="1" latinLnBrk="0" marL="685800" rtl="0">
-        <a:defRPr kern="1200" sz="1350">
+      <a:lvl3pPr marL="685800" algn="l" defTabSz="342900" rtl="0" eaLnBrk="1" latinLnBrk="0" hangingPunct="1">
+        <a:defRPr sz="1350" kern="1200">
           <a:solidFill>
             <a:schemeClr val="tx1"/>
           </a:solidFill>
@@ -3014,8 +3018,8 @@
           <a:cs typeface="+mn-cs"/>
         </a:defRPr>
       </a:lvl3pPr>
-      <a:lvl4pPr algn="l" defTabSz="342900" eaLnBrk="1" hangingPunct="1" latinLnBrk="0" marL="1028700" rtl="0">
-        <a:defRPr kern="1200" sz="1350">
+      <a:lvl4pPr marL="1028700" algn="l" defTabSz="342900" rtl="0" eaLnBrk="1" latinLnBrk="0" hangingPunct="1">
+        <a:defRPr sz="1350" kern="1200">
           <a:solidFill>
             <a:schemeClr val="tx1"/>
           </a:solidFill>
@@ -3024,8 +3028,8 @@
           <a:cs typeface="+mn-cs"/>
         </a:defRPr>
       </a:lvl4pPr>
-      <a:lvl5pPr algn="l" defTabSz="342900" eaLnBrk="1" hangingPunct="1" latinLnBrk="0" marL="1371600" rtl="0">
-        <a:defRPr kern="1200" sz="1350">
+      <a:lvl5pPr marL="1371600" algn="l" defTabSz="342900" rtl="0" eaLnBrk="1" latinLnBrk="0" hangingPunct="1">
+        <a:defRPr sz="1350" kern="1200">
           <a:solidFill>
             <a:schemeClr val="tx1"/>
           </a:solidFill>
@@ -3034,8 +3038,8 @@
           <a:cs typeface="+mn-cs"/>
         </a:defRPr>
       </a:lvl5pPr>
-      <a:lvl6pPr algn="l" defTabSz="342900" eaLnBrk="1" hangingPunct="1" latinLnBrk="0" marL="1714500" rtl="0">
-        <a:defRPr kern="1200" sz="1350">
+      <a:lvl6pPr marL="1714500" algn="l" defTabSz="342900" rtl="0" eaLnBrk="1" latinLnBrk="0" hangingPunct="1">
+        <a:defRPr sz="1350" kern="1200">
           <a:solidFill>
             <a:schemeClr val="tx1"/>
           </a:solidFill>
@@ -3044,8 +3048,8 @@
           <a:cs typeface="+mn-cs"/>
         </a:defRPr>
       </a:lvl6pPr>
-      <a:lvl7pPr algn="l" defTabSz="342900" eaLnBrk="1" hangingPunct="1" latinLnBrk="0" marL="2057400" rtl="0">
-        <a:defRPr kern="1200" sz="1350">
+      <a:lvl7pPr marL="2057400" algn="l" defTabSz="342900" rtl="0" eaLnBrk="1" latinLnBrk="0" hangingPunct="1">
+        <a:defRPr sz="1350" kern="1200">
           <a:solidFill>
             <a:schemeClr val="tx1"/>
           </a:solidFill>
@@ -3054,8 +3058,8 @@
           <a:cs typeface="+mn-cs"/>
         </a:defRPr>
       </a:lvl7pPr>
-      <a:lvl8pPr algn="l" defTabSz="342900" eaLnBrk="1" hangingPunct="1" latinLnBrk="0" marL="2400300" rtl="0">
-        <a:defRPr kern="1200" sz="1350">
+      <a:lvl8pPr marL="2400300" algn="l" defTabSz="342900" rtl="0" eaLnBrk="1" latinLnBrk="0" hangingPunct="1">
+        <a:defRPr sz="1350" kern="1200">
           <a:solidFill>
             <a:schemeClr val="tx1"/>
           </a:solidFill>
@@ -3064,8 +3068,8 @@
           <a:cs typeface="+mn-cs"/>
         </a:defRPr>
       </a:lvl8pPr>
-      <a:lvl9pPr algn="l" defTabSz="342900" eaLnBrk="1" hangingPunct="1" latinLnBrk="0" marL="2743200" rtl="0">
-        <a:defRPr kern="1200" sz="1350">
+      <a:lvl9pPr marL="2743200" algn="l" defTabSz="342900" rtl="0" eaLnBrk="1" latinLnBrk="0" hangingPunct="1">
+        <a:defRPr sz="1350" kern="1200">
           <a:solidFill>
             <a:schemeClr val="tx1"/>
           </a:solidFill>
@@ -3108,21 +3112,41 @@
         </p:nvSpPr>
         <p:spPr>
           <a:xfrm>
-            <a:off x="685800" y="1597819"/>
-            <a:ext cx="7772400" cy="1102519"/>
+            <a:off x="685800" y="602673"/>
+            <a:ext cx="7772400" cy="2216727"/>
           </a:xfrm>
         </p:spPr>
         <p:txBody>
-          <a:bodyPr/>
+          <a:bodyPr>
+            <a:normAutofit/>
+          </a:bodyPr>
           <a:lstStyle/>
           <a:p>
-            <a:pPr lvl="0" indent="0" marL="0">
+            <a:pPr marL="0" lvl="0" indent="0">
               <a:buNone/>
             </a:pPr>
             <a:r>
-              <a:rPr/>
-              <a:t>骨髄バンクドナーコーディネート初期行程におけるコーディネート進行率増加を目指した介入研究</a:t>
-            </a:r>
+              <a:rPr sz="2400" dirty="0"/>
+              <a:t>骨髄バンクドナーコーディネート初期行程における</a:t>
+            </a:r>
+            <a:br>
+              <a:rPr lang="en-US" sz="2400" dirty="0"/>
+            </a:br>
+            <a:r>
+              <a:rPr sz="2400" dirty="0"/>
+              <a:t>コーディネート進行率増加を目指した介入研究</a:t>
+            </a:r>
+            <a:br>
+              <a:rPr lang="en-US" sz="2400" dirty="0"/>
+            </a:br>
+            <a:br>
+              <a:rPr lang="en-US" sz="2400" dirty="0"/>
+            </a:br>
+            <a:r>
+              <a:rPr lang="ja-JP" altLang="en-US" sz="3200" dirty="0"/>
+              <a:t>進捗報告</a:t>
+            </a:r>
+            <a:endParaRPr sz="2400" dirty="0"/>
           </a:p>
         </p:txBody>
       </p:sp>
@@ -3133,7 +3157,7 @@
             <a:spLocks noGrp="1"/>
           </p:cNvSpPr>
           <p:nvPr>
-            <p:ph idx="1" type="subTitle"/>
+            <p:ph type="subTitle" idx="1"/>
           </p:nvPr>
         </p:nvSpPr>
         <p:spPr>
@@ -3143,43 +3167,1311 @@
           </a:xfrm>
         </p:spPr>
         <p:txBody>
+          <a:bodyPr>
+            <a:normAutofit fontScale="85000" lnSpcReduction="20000"/>
+          </a:bodyPr>
+          <a:lstStyle/>
+          <a:p>
+            <a:pPr marL="0" lvl="0" indent="0">
+              <a:buNone/>
+            </a:pPr>
+            <a:r>
+              <a:rPr dirty="0"/>
+              <a:t>大竹文雄（大阪大学）</a:t>
+            </a:r>
+            <a:br>
+              <a:rPr dirty="0"/>
+            </a:br>
+            <a:r>
+              <a:rPr dirty="0"/>
+              <a:t>加藤大貴（大阪大学）</a:t>
+            </a:r>
+            <a:br>
+              <a:rPr dirty="0"/>
+            </a:br>
+            <a:r>
+              <a:rPr dirty="0"/>
+              <a:t>黒澤彩子（伊那中央病院）</a:t>
+            </a:r>
+            <a:br>
+              <a:rPr dirty="0"/>
+            </a:br>
+            <a:r>
+              <a:rPr dirty="0"/>
+              <a:t>吉内一浩（東京大学）</a:t>
+            </a:r>
+            <a:br>
+              <a:rPr dirty="0"/>
+            </a:br>
+            <a:r>
+              <a:rPr dirty="0"/>
+              <a:t>福田隆浩（国立がん研究センター中央病院）</a:t>
+            </a:r>
+          </a:p>
+        </p:txBody>
+      </p:sp>
+      <p:sp>
+        <p:nvSpPr>
+          <p:cNvPr id="4" name="テキスト ボックス 3">
+            <a:extLst>
+              <a:ext uri="{FF2B5EF4-FFF2-40B4-BE49-F238E27FC236}">
+                <a16:creationId xmlns:a16="http://schemas.microsoft.com/office/drawing/2014/main" id="{127CC1CA-F19A-57AB-C4D5-5F2EC00D4677}"/>
+              </a:ext>
+            </a:extLst>
+          </p:cNvPr>
+          <p:cNvSpPr txBox="1"/>
+          <p:nvPr/>
+        </p:nvSpPr>
+        <p:spPr>
+          <a:xfrm>
+            <a:off x="5113002" y="59513"/>
+            <a:ext cx="4030998" cy="584775"/>
+          </a:xfrm>
+          <a:prstGeom prst="rect">
+            <a:avLst/>
+          </a:prstGeom>
+          <a:noFill/>
+        </p:spPr>
+        <p:txBody>
+          <a:bodyPr wrap="square" rtlCol="0">
+            <a:spAutoFit/>
+          </a:bodyPr>
+          <a:lstStyle/>
+          <a:p>
+            <a:r>
+              <a:rPr lang="ja-JP" altLang="ja-JP" sz="1600" dirty="0"/>
+              <a:t>２０２</a:t>
+            </a:r>
+            <a:r>
+              <a:rPr lang="ja-JP" altLang="en-US" sz="1600" dirty="0"/>
+              <a:t>３</a:t>
+            </a:r>
+            <a:r>
+              <a:rPr lang="ja-JP" altLang="ja-JP" sz="1600" dirty="0"/>
+              <a:t>年度第</a:t>
+            </a:r>
+            <a:r>
+              <a:rPr lang="ja-JP" altLang="en-US" sz="1600" dirty="0"/>
+              <a:t>２</a:t>
+            </a:r>
+            <a:r>
+              <a:rPr lang="ja-JP" altLang="ja-JP" sz="1600" dirty="0"/>
+              <a:t>回造血細胞移植合同班会議</a:t>
+            </a:r>
+          </a:p>
+          <a:p>
+            <a:r>
+              <a:rPr lang="ja-JP" altLang="ja-JP" sz="1600" dirty="0"/>
+              <a:t>令和</a:t>
+            </a:r>
+            <a:r>
+              <a:rPr lang="ja-JP" altLang="en-US" sz="1600" dirty="0"/>
+              <a:t>６</a:t>
+            </a:r>
+            <a:r>
+              <a:rPr lang="ja-JP" altLang="ja-JP" sz="1600" dirty="0"/>
+              <a:t>年</a:t>
+            </a:r>
+            <a:r>
+              <a:rPr lang="ja-JP" altLang="en-US" sz="1600" dirty="0"/>
+              <a:t>１</a:t>
+            </a:r>
+            <a:r>
+              <a:rPr lang="ja-JP" altLang="ja-JP" sz="1600" dirty="0"/>
+              <a:t>月</a:t>
+            </a:r>
+            <a:r>
+              <a:rPr lang="ja-JP" altLang="en-US" sz="1600" dirty="0"/>
+              <a:t>７</a:t>
+            </a:r>
+            <a:r>
+              <a:rPr lang="ja-JP" altLang="ja-JP" sz="1600" dirty="0"/>
+              <a:t>日（</a:t>
+            </a:r>
+            <a:r>
+              <a:rPr lang="ja-JP" altLang="en-US" sz="1600" dirty="0"/>
+              <a:t>日）</a:t>
+            </a:r>
+            <a:endParaRPr kumimoji="1" lang="ja-JP" altLang="en-US" sz="1600" dirty="0"/>
+          </a:p>
+        </p:txBody>
+      </p:sp>
+      <p:sp>
+        <p:nvSpPr>
+          <p:cNvPr id="5" name="スライド番号プレースホルダー 4">
+            <a:extLst>
+              <a:ext uri="{FF2B5EF4-FFF2-40B4-BE49-F238E27FC236}">
+                <a16:creationId xmlns:a16="http://schemas.microsoft.com/office/drawing/2014/main" id="{42B58A5F-87C7-2135-9DCC-9C97FC5AFCB2}"/>
+              </a:ext>
+            </a:extLst>
+          </p:cNvPr>
+          <p:cNvSpPr>
+            <a:spLocks noGrp="1"/>
+          </p:cNvSpPr>
+          <p:nvPr>
+            <p:ph type="sldNum" sz="quarter" idx="12"/>
+          </p:nvPr>
+        </p:nvSpPr>
+        <p:spPr/>
+        <p:txBody>
           <a:bodyPr/>
           <a:lstStyle/>
           <a:p>
-            <a:pPr lvl="0" indent="0" marL="0">
+            <a:fld id="{C5EF2332-01BF-834F-8236-50238282D533}" type="slidenum">
+              <a:rPr lang="en-US" smtClean="0"/>
+              <a:t>1</a:t>
+            </a:fld>
+            <a:endParaRPr lang="en-US"/>
+          </a:p>
+        </p:txBody>
+      </p:sp>
+    </p:spTree>
+  </p:cSld>
+  <p:clrMapOvr>
+    <a:masterClrMapping/>
+  </p:clrMapOvr>
+</p:sld>
+</file>
+
+<file path=ppt/slides/slide10.xml><?xml version="1.0" encoding="utf-8"?>
+<p:sld xmlns:a="http://schemas.openxmlformats.org/drawingml/2006/main" xmlns:r="http://schemas.openxmlformats.org/officeDocument/2006/relationships" xmlns:p="http://schemas.openxmlformats.org/presentationml/2006/main">
+  <p:cSld>
+    <p:spTree>
+      <p:nvGrpSpPr>
+        <p:cNvPr id="1" name=""/>
+        <p:cNvGrpSpPr/>
+        <p:nvPr/>
+      </p:nvGrpSpPr>
+      <p:grpSpPr>
+        <a:xfrm>
+          <a:off x="0" y="0"/>
+          <a:ext cx="0" cy="0"/>
+          <a:chOff x="0" y="0"/>
+          <a:chExt cx="0" cy="0"/>
+        </a:xfrm>
+      </p:grpSpPr>
+      <p:sp>
+        <p:nvSpPr>
+          <p:cNvPr id="2" name="Title 1"/>
+          <p:cNvSpPr>
+            <a:spLocks noGrp="1"/>
+          </p:cNvSpPr>
+          <p:nvPr>
+            <p:ph type="title"/>
+          </p:nvPr>
+        </p:nvSpPr>
+        <p:spPr/>
+        <p:txBody>
+          <a:bodyPr>
+            <a:normAutofit fontScale="90000"/>
+          </a:bodyPr>
+          <a:lstStyle/>
+          <a:p>
+            <a:pPr marL="0" lvl="0" indent="0">
               <a:buNone/>
             </a:pPr>
-            <a:br/>
-            <a:br/>
-            <a:r>
-              <a:rPr/>
-              <a:t>大竹文雄（大阪大学）</a:t>
-            </a:r>
-            <a:br/>
-            <a:r>
-              <a:rPr/>
-              <a:t>加藤大貴（大阪大学）</a:t>
-            </a:r>
-            <a:br/>
-            <a:r>
-              <a:rPr/>
-              <a:t>黒澤彩子（伊那中央病院）</a:t>
-            </a:r>
-            <a:br/>
-            <a:r>
-              <a:rPr/>
-              <a:t>吉内一浩（東京大学）</a:t>
-            </a:r>
-            <a:br/>
-            <a:r>
-              <a:rPr/>
-              <a:t>福田隆浩（国立がん研究センター中央病院）</a:t>
-            </a:r>
+            <a:r>
+              <a:rPr dirty="0"/>
+              <a:t>単純な分割ルールによる政策効果</a:t>
+            </a:r>
+            <a:br>
+              <a:rPr lang="en-US" dirty="0"/>
+            </a:br>
+            <a:r>
+              <a:rPr dirty="0"/>
+              <a:t>（最大分割</a:t>
+            </a:r>
+            <a:r>
+              <a:rPr lang="ja-JP" altLang="en-US" dirty="0"/>
+              <a:t>：２</a:t>
+            </a:r>
+            <a:r>
+              <a:rPr dirty="0"/>
+              <a:t>）</a:t>
+            </a:r>
+          </a:p>
+        </p:txBody>
+      </p:sp>
+      <p:sp>
+        <p:nvSpPr>
+          <p:cNvPr id="3" name="Content Placeholder 2"/>
+          <p:cNvSpPr>
+            <a:spLocks noGrp="1"/>
+          </p:cNvSpPr>
+          <p:nvPr>
+            <p:ph idx="1"/>
+          </p:nvPr>
+        </p:nvSpPr>
+        <p:spPr/>
+        <p:txBody>
+          <a:bodyPr>
+            <a:normAutofit lnSpcReduction="10000"/>
+          </a:bodyPr>
+          <a:lstStyle/>
+          <a:p>
+            <a:pPr lvl="0" indent="0">
+              <a:buNone/>
+            </a:pPr>
+            <a:endParaRPr lang="en-US" dirty="0">
+              <a:latin typeface="Courier"/>
+            </a:endParaRPr>
+          </a:p>
+          <a:p>
+            <a:pPr lvl="0" indent="0">
+              <a:buNone/>
+            </a:pPr>
+            <a:endParaRPr lang="en-US" dirty="0">
+              <a:latin typeface="Courier"/>
+            </a:endParaRPr>
+          </a:p>
+          <a:p>
+            <a:pPr lvl="0" indent="0">
+              <a:buNone/>
+            </a:pPr>
+            <a:endParaRPr lang="en-US" dirty="0">
+              <a:latin typeface="Courier"/>
+            </a:endParaRPr>
+          </a:p>
+          <a:p>
+            <a:pPr lvl="0" indent="0">
+              <a:buNone/>
+            </a:pPr>
+            <a:endParaRPr lang="en-US" dirty="0">
+              <a:latin typeface="Courier"/>
+            </a:endParaRPr>
+          </a:p>
+          <a:p>
+            <a:pPr lvl="0" indent="0">
+              <a:buNone/>
+            </a:pPr>
+            <a:endParaRPr lang="en-US" dirty="0">
+              <a:latin typeface="Courier"/>
+            </a:endParaRPr>
+          </a:p>
+          <a:p>
+            <a:pPr lvl="0" indent="0">
+              <a:buNone/>
+            </a:pPr>
+            <a:endParaRPr lang="en-US" dirty="0">
+              <a:latin typeface="Courier"/>
+            </a:endParaRPr>
+          </a:p>
+          <a:p>
+            <a:pPr lvl="0" indent="0">
+              <a:buNone/>
+            </a:pPr>
+            <a:endParaRPr lang="en-US" dirty="0">
+              <a:latin typeface="Courier"/>
+            </a:endParaRPr>
+          </a:p>
+          <a:p>
+            <a:pPr lvl="0" indent="0" algn="ctr">
+              <a:buNone/>
+            </a:pPr>
+            <a:r>
+              <a:rPr lang="ja-JP" altLang="en-US" dirty="0">
+                <a:latin typeface="Courier"/>
+              </a:rPr>
+              <a:t>平均介入効果＝</a:t>
+            </a:r>
+            <a:r>
+              <a:rPr dirty="0">
+                <a:solidFill>
+                  <a:srgbClr val="FF0000"/>
+                </a:solidFill>
+                <a:latin typeface="Courier"/>
+              </a:rPr>
+              <a:t>0.03</a:t>
+            </a:r>
+            <a:r>
+              <a:rPr lang="en-US" dirty="0">
+                <a:solidFill>
+                  <a:srgbClr val="FF0000"/>
+                </a:solidFill>
+                <a:latin typeface="Courier"/>
+              </a:rPr>
+              <a:t>20</a:t>
+            </a:r>
+            <a:endParaRPr dirty="0">
+              <a:solidFill>
+                <a:srgbClr val="FF0000"/>
+              </a:solidFill>
+              <a:latin typeface="Courier"/>
+            </a:endParaRPr>
+          </a:p>
+        </p:txBody>
+      </p:sp>
+      <p:pic>
+        <p:nvPicPr>
+          <p:cNvPr id="5" name="図 4">
+            <a:extLst>
+              <a:ext uri="{FF2B5EF4-FFF2-40B4-BE49-F238E27FC236}">
+                <a16:creationId xmlns:a16="http://schemas.microsoft.com/office/drawing/2014/main" id="{C689503F-BF05-425C-37DA-153DCF631933}"/>
+              </a:ext>
+            </a:extLst>
+          </p:cNvPr>
+          <p:cNvPicPr>
+            <a:picLocks noChangeAspect="1"/>
+          </p:cNvPicPr>
+          <p:nvPr/>
+        </p:nvPicPr>
+        <p:blipFill>
+          <a:blip r:embed="rId2"/>
+          <a:stretch>
+            <a:fillRect/>
+          </a:stretch>
+        </p:blipFill>
+        <p:spPr>
+          <a:xfrm>
+            <a:off x="2009417" y="1200151"/>
+            <a:ext cx="5125165" cy="2495898"/>
+          </a:xfrm>
+          <a:prstGeom prst="rect">
+            <a:avLst/>
+          </a:prstGeom>
+        </p:spPr>
+      </p:pic>
+      <p:sp>
+        <p:nvSpPr>
+          <p:cNvPr id="6" name="テキスト ボックス 5">
+            <a:extLst>
+              <a:ext uri="{FF2B5EF4-FFF2-40B4-BE49-F238E27FC236}">
+                <a16:creationId xmlns:a16="http://schemas.microsoft.com/office/drawing/2014/main" id="{751FC6E6-7236-6174-8A23-32A65BEA550E}"/>
+              </a:ext>
+            </a:extLst>
+          </p:cNvPr>
+          <p:cNvSpPr txBox="1"/>
+          <p:nvPr/>
+        </p:nvSpPr>
+        <p:spPr>
+          <a:xfrm>
+            <a:off x="4412673" y="2148330"/>
+            <a:ext cx="1863436" cy="461665"/>
+          </a:xfrm>
+          <a:prstGeom prst="rect">
+            <a:avLst/>
+          </a:prstGeom>
+          <a:solidFill>
+            <a:schemeClr val="bg1"/>
+          </a:solidFill>
+          <a:ln w="19050">
+            <a:solidFill>
+              <a:schemeClr val="tx1"/>
+            </a:solidFill>
+          </a:ln>
+        </p:spPr>
+        <p:txBody>
+          <a:bodyPr wrap="square" rtlCol="0">
+            <a:spAutoFit/>
+          </a:bodyPr>
+          <a:lstStyle/>
+          <a:p>
+            <a:pPr algn="ctr"/>
+            <a:r>
+              <a:rPr kumimoji="1" lang="en-US" altLang="ja-JP" sz="1200" dirty="0"/>
+              <a:t>PBSC</a:t>
+            </a:r>
+            <a:r>
+              <a:rPr kumimoji="1" lang="ja-JP" altLang="en-US" sz="1200" dirty="0"/>
+              <a:t>採取可能な</a:t>
+            </a:r>
+            <a:endParaRPr kumimoji="1" lang="en-US" altLang="ja-JP" sz="1200" dirty="0"/>
+          </a:p>
+          <a:p>
+            <a:pPr algn="ctr"/>
+            <a:r>
+              <a:rPr kumimoji="1" lang="ja-JP" altLang="en-US" sz="1200" dirty="0"/>
+              <a:t>病院の密度</a:t>
+            </a:r>
+            <a:r>
+              <a:rPr kumimoji="1" lang="en-US" altLang="ja-JP" sz="1200" dirty="0"/>
+              <a:t>&lt;=0.04</a:t>
+            </a:r>
+            <a:endParaRPr kumimoji="1" lang="ja-JP" altLang="en-US" sz="1200" dirty="0"/>
+          </a:p>
+        </p:txBody>
+      </p:sp>
+      <p:sp>
+        <p:nvSpPr>
+          <p:cNvPr id="7" name="テキスト ボックス 6">
+            <a:extLst>
+              <a:ext uri="{FF2B5EF4-FFF2-40B4-BE49-F238E27FC236}">
+                <a16:creationId xmlns:a16="http://schemas.microsoft.com/office/drawing/2014/main" id="{A7E8B523-4E32-A446-82DA-491DE5491623}"/>
+              </a:ext>
+            </a:extLst>
+          </p:cNvPr>
+          <p:cNvSpPr txBox="1"/>
+          <p:nvPr/>
+        </p:nvSpPr>
+        <p:spPr>
+          <a:xfrm>
+            <a:off x="2085109" y="3076585"/>
+            <a:ext cx="962891" cy="523220"/>
+          </a:xfrm>
+          <a:prstGeom prst="rect">
+            <a:avLst/>
+          </a:prstGeom>
+          <a:solidFill>
+            <a:srgbClr val="CCCCFF"/>
+          </a:solidFill>
+        </p:spPr>
+        <p:txBody>
+          <a:bodyPr wrap="square" rtlCol="0">
+            <a:spAutoFit/>
+          </a:bodyPr>
+          <a:lstStyle/>
+          <a:p>
+            <a:pPr algn="ctr"/>
+            <a:r>
+              <a:rPr kumimoji="1" lang="en-US" altLang="ja-JP" sz="2800" dirty="0"/>
+              <a:t>B</a:t>
+            </a:r>
+            <a:endParaRPr kumimoji="1" lang="ja-JP" altLang="en-US" sz="2800" dirty="0"/>
+          </a:p>
+        </p:txBody>
+      </p:sp>
+      <p:sp>
+        <p:nvSpPr>
+          <p:cNvPr id="8" name="テキスト ボックス 7">
+            <a:extLst>
+              <a:ext uri="{FF2B5EF4-FFF2-40B4-BE49-F238E27FC236}">
+                <a16:creationId xmlns:a16="http://schemas.microsoft.com/office/drawing/2014/main" id="{923D8638-A6FC-D244-DF0B-6686389AB740}"/>
+              </a:ext>
+            </a:extLst>
+          </p:cNvPr>
+          <p:cNvSpPr txBox="1"/>
+          <p:nvPr/>
+        </p:nvSpPr>
+        <p:spPr>
+          <a:xfrm>
+            <a:off x="3335736" y="3076585"/>
+            <a:ext cx="962891" cy="523220"/>
+          </a:xfrm>
+          <a:prstGeom prst="rect">
+            <a:avLst/>
+          </a:prstGeom>
+          <a:solidFill>
+            <a:srgbClr val="CCCCFF"/>
+          </a:solidFill>
+        </p:spPr>
+        <p:txBody>
+          <a:bodyPr wrap="square" rtlCol="0">
+            <a:spAutoFit/>
+          </a:bodyPr>
+          <a:lstStyle/>
+          <a:p>
+            <a:pPr algn="ctr"/>
+            <a:r>
+              <a:rPr kumimoji="1" lang="en-US" altLang="ja-JP" sz="2800" dirty="0"/>
+              <a:t>A</a:t>
+            </a:r>
+            <a:endParaRPr kumimoji="1" lang="ja-JP" altLang="en-US" sz="2800" dirty="0"/>
+          </a:p>
+        </p:txBody>
+      </p:sp>
+      <p:sp>
+        <p:nvSpPr>
+          <p:cNvPr id="9" name="テキスト ボックス 8">
+            <a:extLst>
+              <a:ext uri="{FF2B5EF4-FFF2-40B4-BE49-F238E27FC236}">
+                <a16:creationId xmlns:a16="http://schemas.microsoft.com/office/drawing/2014/main" id="{77A4D604-F112-5737-BF70-59097AB4885C}"/>
+              </a:ext>
+            </a:extLst>
+          </p:cNvPr>
+          <p:cNvSpPr txBox="1"/>
+          <p:nvPr/>
+        </p:nvSpPr>
+        <p:spPr>
+          <a:xfrm>
+            <a:off x="4753713" y="3076585"/>
+            <a:ext cx="962891" cy="523220"/>
+          </a:xfrm>
+          <a:prstGeom prst="rect">
+            <a:avLst/>
+          </a:prstGeom>
+          <a:solidFill>
+            <a:srgbClr val="CCCCFF"/>
+          </a:solidFill>
+        </p:spPr>
+        <p:txBody>
+          <a:bodyPr wrap="square" rtlCol="0">
+            <a:spAutoFit/>
+          </a:bodyPr>
+          <a:lstStyle/>
+          <a:p>
+            <a:pPr algn="ctr"/>
+            <a:r>
+              <a:rPr kumimoji="1" lang="en-US" altLang="ja-JP" sz="2800" dirty="0"/>
+              <a:t>B</a:t>
+            </a:r>
+            <a:endParaRPr kumimoji="1" lang="ja-JP" altLang="en-US" sz="2800" dirty="0"/>
+          </a:p>
+        </p:txBody>
+      </p:sp>
+      <p:sp>
+        <p:nvSpPr>
+          <p:cNvPr id="10" name="テキスト ボックス 9">
+            <a:extLst>
+              <a:ext uri="{FF2B5EF4-FFF2-40B4-BE49-F238E27FC236}">
+                <a16:creationId xmlns:a16="http://schemas.microsoft.com/office/drawing/2014/main" id="{88FABFD4-325C-EADE-C3E7-1487642E484C}"/>
+              </a:ext>
+            </a:extLst>
+          </p:cNvPr>
+          <p:cNvSpPr txBox="1"/>
+          <p:nvPr/>
+        </p:nvSpPr>
+        <p:spPr>
+          <a:xfrm>
+            <a:off x="6011267" y="3076585"/>
+            <a:ext cx="962891" cy="523220"/>
+          </a:xfrm>
+          <a:prstGeom prst="rect">
+            <a:avLst/>
+          </a:prstGeom>
+          <a:solidFill>
+            <a:srgbClr val="CCCCFF"/>
+          </a:solidFill>
+        </p:spPr>
+        <p:txBody>
+          <a:bodyPr wrap="square" rtlCol="0">
+            <a:spAutoFit/>
+          </a:bodyPr>
+          <a:lstStyle/>
+          <a:p>
+            <a:pPr algn="ctr"/>
+            <a:r>
+              <a:rPr kumimoji="1" lang="en-US" altLang="ja-JP" sz="2800" dirty="0"/>
+              <a:t>D</a:t>
+            </a:r>
+            <a:endParaRPr kumimoji="1" lang="ja-JP" altLang="en-US" sz="2800" dirty="0"/>
           </a:p>
         </p:txBody>
       </p:sp>
     </p:spTree>
   </p:cSld>
+  <p:clrMapOvr>
+    <a:masterClrMapping/>
+  </p:clrMapOvr>
+</p:sld>
+</file>
+
+<file path=ppt/slides/slide11.xml><?xml version="1.0" encoding="utf-8"?>
+<p:sld xmlns:a="http://schemas.openxmlformats.org/drawingml/2006/main" xmlns:r="http://schemas.openxmlformats.org/officeDocument/2006/relationships" xmlns:p="http://schemas.openxmlformats.org/presentationml/2006/main">
+  <p:cSld>
+    <p:spTree>
+      <p:nvGrpSpPr>
+        <p:cNvPr id="1" name=""/>
+        <p:cNvGrpSpPr/>
+        <p:nvPr/>
+      </p:nvGrpSpPr>
+      <p:grpSpPr>
+        <a:xfrm>
+          <a:off x="0" y="0"/>
+          <a:ext cx="0" cy="0"/>
+          <a:chOff x="0" y="0"/>
+          <a:chExt cx="0" cy="0"/>
+        </a:xfrm>
+      </p:grpSpPr>
+      <p:sp>
+        <p:nvSpPr>
+          <p:cNvPr id="2" name="Title 1"/>
+          <p:cNvSpPr>
+            <a:spLocks noGrp="1"/>
+          </p:cNvSpPr>
+          <p:nvPr>
+            <p:ph type="title"/>
+          </p:nvPr>
+        </p:nvSpPr>
+        <p:spPr/>
+        <p:txBody>
+          <a:bodyPr>
+            <a:normAutofit fontScale="90000"/>
+          </a:bodyPr>
+          <a:lstStyle/>
+          <a:p>
+            <a:pPr marL="0" lvl="0" indent="0">
+              <a:buNone/>
+            </a:pPr>
+            <a:r>
+              <a:rPr dirty="0"/>
+              <a:t>単純な分割ルールによる政策効果</a:t>
+            </a:r>
+            <a:br>
+              <a:rPr lang="en-US" dirty="0"/>
+            </a:br>
+            <a:r>
+              <a:rPr dirty="0"/>
+              <a:t>（最大分割：３）</a:t>
+            </a:r>
+          </a:p>
+        </p:txBody>
+      </p:sp>
+      <p:sp>
+        <p:nvSpPr>
+          <p:cNvPr id="3" name="Content Placeholder 2"/>
+          <p:cNvSpPr>
+            <a:spLocks noGrp="1"/>
+          </p:cNvSpPr>
+          <p:nvPr>
+            <p:ph idx="1"/>
+          </p:nvPr>
+        </p:nvSpPr>
+        <p:spPr>
+          <a:xfrm>
+            <a:off x="457200" y="1200151"/>
+            <a:ext cx="8229600" cy="3737370"/>
+          </a:xfrm>
+        </p:spPr>
+        <p:txBody>
+          <a:bodyPr>
+            <a:normAutofit/>
+          </a:bodyPr>
+          <a:lstStyle/>
+          <a:p>
+            <a:pPr lvl="0" indent="0">
+              <a:buNone/>
+            </a:pPr>
+            <a:endParaRPr lang="en-US" dirty="0">
+              <a:latin typeface="Courier"/>
+            </a:endParaRPr>
+          </a:p>
+          <a:p>
+            <a:pPr lvl="0" indent="0">
+              <a:buNone/>
+            </a:pPr>
+            <a:endParaRPr lang="en-US" dirty="0">
+              <a:latin typeface="Courier"/>
+            </a:endParaRPr>
+          </a:p>
+          <a:p>
+            <a:pPr lvl="0" indent="0">
+              <a:buNone/>
+            </a:pPr>
+            <a:endParaRPr lang="en-US" dirty="0">
+              <a:latin typeface="Courier"/>
+            </a:endParaRPr>
+          </a:p>
+          <a:p>
+            <a:pPr lvl="0" indent="0">
+              <a:buNone/>
+            </a:pPr>
+            <a:endParaRPr lang="en-US" dirty="0">
+              <a:latin typeface="Courier"/>
+            </a:endParaRPr>
+          </a:p>
+          <a:p>
+            <a:pPr lvl="0" indent="0">
+              <a:buNone/>
+            </a:pPr>
+            <a:endParaRPr lang="en-US" dirty="0">
+              <a:latin typeface="Courier"/>
+            </a:endParaRPr>
+          </a:p>
+          <a:p>
+            <a:pPr lvl="0" indent="0">
+              <a:buNone/>
+            </a:pPr>
+            <a:endParaRPr lang="en-US" dirty="0">
+              <a:latin typeface="Courier"/>
+            </a:endParaRPr>
+          </a:p>
+          <a:p>
+            <a:pPr lvl="0" indent="0">
+              <a:buNone/>
+            </a:pPr>
+            <a:endParaRPr lang="en-US" dirty="0">
+              <a:latin typeface="Courier"/>
+            </a:endParaRPr>
+          </a:p>
+          <a:p>
+            <a:pPr lvl="0" indent="0" algn="ctr">
+              <a:buNone/>
+            </a:pPr>
+            <a:r>
+              <a:rPr lang="ja-JP" altLang="en-US" dirty="0">
+                <a:latin typeface="Courier"/>
+              </a:rPr>
+              <a:t>平均介入効果＝</a:t>
+            </a:r>
+            <a:r>
+              <a:rPr dirty="0">
+                <a:solidFill>
+                  <a:srgbClr val="FF0000"/>
+                </a:solidFill>
+                <a:latin typeface="Courier"/>
+              </a:rPr>
+              <a:t>0.0313</a:t>
+            </a:r>
+          </a:p>
+        </p:txBody>
+      </p:sp>
+      <p:pic>
+        <p:nvPicPr>
+          <p:cNvPr id="5" name="図 4">
+            <a:extLst>
+              <a:ext uri="{FF2B5EF4-FFF2-40B4-BE49-F238E27FC236}">
+                <a16:creationId xmlns:a16="http://schemas.microsoft.com/office/drawing/2014/main" id="{B3336FF6-D762-78EE-FC54-7E9AAA008E80}"/>
+              </a:ext>
+            </a:extLst>
+          </p:cNvPr>
+          <p:cNvPicPr>
+            <a:picLocks noChangeAspect="1"/>
+          </p:cNvPicPr>
+          <p:nvPr/>
+        </p:nvPicPr>
+        <p:blipFill>
+          <a:blip r:embed="rId2"/>
+          <a:stretch>
+            <a:fillRect/>
+          </a:stretch>
+        </p:blipFill>
+        <p:spPr>
+          <a:xfrm>
+            <a:off x="0" y="1063229"/>
+            <a:ext cx="9144000" cy="3258955"/>
+          </a:xfrm>
+          <a:prstGeom prst="rect">
+            <a:avLst/>
+          </a:prstGeom>
+        </p:spPr>
+      </p:pic>
+      <p:sp>
+        <p:nvSpPr>
+          <p:cNvPr id="6" name="テキスト ボックス 5">
+            <a:extLst>
+              <a:ext uri="{FF2B5EF4-FFF2-40B4-BE49-F238E27FC236}">
+                <a16:creationId xmlns:a16="http://schemas.microsoft.com/office/drawing/2014/main" id="{FB81A13B-809B-25F6-48AB-F6F670D8539B}"/>
+              </a:ext>
+            </a:extLst>
+          </p:cNvPr>
+          <p:cNvSpPr txBox="1"/>
+          <p:nvPr/>
+        </p:nvSpPr>
+        <p:spPr>
+          <a:xfrm>
+            <a:off x="0" y="3599805"/>
+            <a:ext cx="962891" cy="523220"/>
+          </a:xfrm>
+          <a:prstGeom prst="rect">
+            <a:avLst/>
+          </a:prstGeom>
+          <a:solidFill>
+            <a:srgbClr val="CCCCFF"/>
+          </a:solidFill>
+        </p:spPr>
+        <p:txBody>
+          <a:bodyPr wrap="square" rtlCol="0">
+            <a:spAutoFit/>
+          </a:bodyPr>
+          <a:lstStyle/>
+          <a:p>
+            <a:pPr algn="ctr"/>
+            <a:r>
+              <a:rPr kumimoji="1" lang="en-US" altLang="ja-JP" sz="2800" dirty="0"/>
+              <a:t>D</a:t>
+            </a:r>
+            <a:endParaRPr kumimoji="1" lang="ja-JP" altLang="en-US" sz="2800" dirty="0"/>
+          </a:p>
+        </p:txBody>
+      </p:sp>
+      <p:sp>
+        <p:nvSpPr>
+          <p:cNvPr id="7" name="テキスト ボックス 6">
+            <a:extLst>
+              <a:ext uri="{FF2B5EF4-FFF2-40B4-BE49-F238E27FC236}">
+                <a16:creationId xmlns:a16="http://schemas.microsoft.com/office/drawing/2014/main" id="{5256502C-7FD5-1883-023B-763883E9928B}"/>
+              </a:ext>
+            </a:extLst>
+          </p:cNvPr>
+          <p:cNvSpPr txBox="1"/>
+          <p:nvPr/>
+        </p:nvSpPr>
+        <p:spPr>
+          <a:xfrm>
+            <a:off x="1171502" y="3599805"/>
+            <a:ext cx="962891" cy="523220"/>
+          </a:xfrm>
+          <a:prstGeom prst="rect">
+            <a:avLst/>
+          </a:prstGeom>
+          <a:solidFill>
+            <a:srgbClr val="CCCCFF"/>
+          </a:solidFill>
+        </p:spPr>
+        <p:txBody>
+          <a:bodyPr wrap="square" rtlCol="0">
+            <a:spAutoFit/>
+          </a:bodyPr>
+          <a:lstStyle/>
+          <a:p>
+            <a:pPr algn="ctr"/>
+            <a:r>
+              <a:rPr kumimoji="1" lang="en-US" altLang="ja-JP" sz="2800" dirty="0"/>
+              <a:t>C</a:t>
+            </a:r>
+            <a:endParaRPr kumimoji="1" lang="ja-JP" altLang="en-US" sz="2800" dirty="0"/>
+          </a:p>
+        </p:txBody>
+      </p:sp>
+      <p:sp>
+        <p:nvSpPr>
+          <p:cNvPr id="8" name="テキスト ボックス 7">
+            <a:extLst>
+              <a:ext uri="{FF2B5EF4-FFF2-40B4-BE49-F238E27FC236}">
+                <a16:creationId xmlns:a16="http://schemas.microsoft.com/office/drawing/2014/main" id="{E5EBDD72-D34B-A82B-B962-25944B79A0BF}"/>
+              </a:ext>
+            </a:extLst>
+          </p:cNvPr>
+          <p:cNvSpPr txBox="1"/>
+          <p:nvPr/>
+        </p:nvSpPr>
+        <p:spPr>
+          <a:xfrm>
+            <a:off x="2286793" y="3606348"/>
+            <a:ext cx="962891" cy="523220"/>
+          </a:xfrm>
+          <a:prstGeom prst="rect">
+            <a:avLst/>
+          </a:prstGeom>
+          <a:solidFill>
+            <a:srgbClr val="CCCCFF"/>
+          </a:solidFill>
+        </p:spPr>
+        <p:txBody>
+          <a:bodyPr wrap="square" rtlCol="0">
+            <a:spAutoFit/>
+          </a:bodyPr>
+          <a:lstStyle/>
+          <a:p>
+            <a:pPr algn="ctr"/>
+            <a:r>
+              <a:rPr kumimoji="1" lang="en-US" altLang="ja-JP" sz="2800" dirty="0"/>
+              <a:t>B</a:t>
+            </a:r>
+            <a:endParaRPr kumimoji="1" lang="ja-JP" altLang="en-US" sz="2800" dirty="0"/>
+          </a:p>
+        </p:txBody>
+      </p:sp>
+      <p:sp>
+        <p:nvSpPr>
+          <p:cNvPr id="9" name="テキスト ボックス 8">
+            <a:extLst>
+              <a:ext uri="{FF2B5EF4-FFF2-40B4-BE49-F238E27FC236}">
+                <a16:creationId xmlns:a16="http://schemas.microsoft.com/office/drawing/2014/main" id="{C719866F-D67B-E03E-AE55-7C8E34B006B2}"/>
+              </a:ext>
+            </a:extLst>
+          </p:cNvPr>
+          <p:cNvSpPr txBox="1"/>
+          <p:nvPr/>
+        </p:nvSpPr>
+        <p:spPr>
+          <a:xfrm>
+            <a:off x="3482329" y="3606348"/>
+            <a:ext cx="962891" cy="523220"/>
+          </a:xfrm>
+          <a:prstGeom prst="rect">
+            <a:avLst/>
+          </a:prstGeom>
+          <a:solidFill>
+            <a:srgbClr val="CCCCFF"/>
+          </a:solidFill>
+        </p:spPr>
+        <p:txBody>
+          <a:bodyPr wrap="square" rtlCol="0">
+            <a:spAutoFit/>
+          </a:bodyPr>
+          <a:lstStyle/>
+          <a:p>
+            <a:pPr algn="ctr"/>
+            <a:r>
+              <a:rPr kumimoji="1" lang="en-US" altLang="ja-JP" sz="2800" dirty="0"/>
+              <a:t>D</a:t>
+            </a:r>
+            <a:endParaRPr kumimoji="1" lang="ja-JP" altLang="en-US" sz="2800" dirty="0"/>
+          </a:p>
+        </p:txBody>
+      </p:sp>
+      <p:sp>
+        <p:nvSpPr>
+          <p:cNvPr id="10" name="テキスト ボックス 9">
+            <a:extLst>
+              <a:ext uri="{FF2B5EF4-FFF2-40B4-BE49-F238E27FC236}">
+                <a16:creationId xmlns:a16="http://schemas.microsoft.com/office/drawing/2014/main" id="{1E6F0757-E774-0407-E48F-6AED99D090BE}"/>
+              </a:ext>
+            </a:extLst>
+          </p:cNvPr>
+          <p:cNvSpPr txBox="1"/>
+          <p:nvPr/>
+        </p:nvSpPr>
+        <p:spPr>
+          <a:xfrm>
+            <a:off x="4597831" y="3631150"/>
+            <a:ext cx="962891" cy="523220"/>
+          </a:xfrm>
+          <a:prstGeom prst="rect">
+            <a:avLst/>
+          </a:prstGeom>
+          <a:solidFill>
+            <a:srgbClr val="CCCCFF"/>
+          </a:solidFill>
+        </p:spPr>
+        <p:txBody>
+          <a:bodyPr wrap="square" rtlCol="0">
+            <a:spAutoFit/>
+          </a:bodyPr>
+          <a:lstStyle/>
+          <a:p>
+            <a:pPr algn="ctr"/>
+            <a:r>
+              <a:rPr kumimoji="1" lang="en-US" altLang="ja-JP" sz="2800" dirty="0"/>
+              <a:t>C</a:t>
+            </a:r>
+            <a:endParaRPr kumimoji="1" lang="ja-JP" altLang="en-US" sz="2800" dirty="0"/>
+          </a:p>
+        </p:txBody>
+      </p:sp>
+      <p:sp>
+        <p:nvSpPr>
+          <p:cNvPr id="11" name="テキスト ボックス 10">
+            <a:extLst>
+              <a:ext uri="{FF2B5EF4-FFF2-40B4-BE49-F238E27FC236}">
+                <a16:creationId xmlns:a16="http://schemas.microsoft.com/office/drawing/2014/main" id="{2404012A-5430-D152-EA80-ADED08560EB5}"/>
+              </a:ext>
+            </a:extLst>
+          </p:cNvPr>
+          <p:cNvSpPr txBox="1"/>
+          <p:nvPr/>
+        </p:nvSpPr>
+        <p:spPr>
+          <a:xfrm>
+            <a:off x="5739575" y="3599805"/>
+            <a:ext cx="962891" cy="523220"/>
+          </a:xfrm>
+          <a:prstGeom prst="rect">
+            <a:avLst/>
+          </a:prstGeom>
+          <a:solidFill>
+            <a:srgbClr val="CCCCFF"/>
+          </a:solidFill>
+        </p:spPr>
+        <p:txBody>
+          <a:bodyPr wrap="square" rtlCol="0">
+            <a:spAutoFit/>
+          </a:bodyPr>
+          <a:lstStyle/>
+          <a:p>
+            <a:pPr algn="ctr"/>
+            <a:r>
+              <a:rPr kumimoji="1" lang="en-US" altLang="ja-JP" sz="2800" dirty="0"/>
+              <a:t>B</a:t>
+            </a:r>
+            <a:endParaRPr kumimoji="1" lang="ja-JP" altLang="en-US" sz="2800" dirty="0"/>
+          </a:p>
+        </p:txBody>
+      </p:sp>
+      <p:sp>
+        <p:nvSpPr>
+          <p:cNvPr id="12" name="テキスト ボックス 11">
+            <a:extLst>
+              <a:ext uri="{FF2B5EF4-FFF2-40B4-BE49-F238E27FC236}">
+                <a16:creationId xmlns:a16="http://schemas.microsoft.com/office/drawing/2014/main" id="{12ADA53C-5C23-E5EA-F549-1DE1A5B99701}"/>
+              </a:ext>
+            </a:extLst>
+          </p:cNvPr>
+          <p:cNvSpPr txBox="1"/>
+          <p:nvPr/>
+        </p:nvSpPr>
+        <p:spPr>
+          <a:xfrm>
+            <a:off x="6910388" y="3631150"/>
+            <a:ext cx="962891" cy="523220"/>
+          </a:xfrm>
+          <a:prstGeom prst="rect">
+            <a:avLst/>
+          </a:prstGeom>
+          <a:solidFill>
+            <a:srgbClr val="CCCCFF"/>
+          </a:solidFill>
+        </p:spPr>
+        <p:txBody>
+          <a:bodyPr wrap="square" rtlCol="0">
+            <a:spAutoFit/>
+          </a:bodyPr>
+          <a:lstStyle/>
+          <a:p>
+            <a:pPr algn="ctr"/>
+            <a:r>
+              <a:rPr kumimoji="1" lang="en-US" altLang="ja-JP" sz="2800" dirty="0"/>
+              <a:t>D</a:t>
+            </a:r>
+            <a:endParaRPr kumimoji="1" lang="ja-JP" altLang="en-US" sz="2800" dirty="0"/>
+          </a:p>
+        </p:txBody>
+      </p:sp>
+      <p:sp>
+        <p:nvSpPr>
+          <p:cNvPr id="13" name="テキスト ボックス 12">
+            <a:extLst>
+              <a:ext uri="{FF2B5EF4-FFF2-40B4-BE49-F238E27FC236}">
+                <a16:creationId xmlns:a16="http://schemas.microsoft.com/office/drawing/2014/main" id="{BCC26690-224D-CD5D-88C8-20B89F33D446}"/>
+              </a:ext>
+            </a:extLst>
+          </p:cNvPr>
+          <p:cNvSpPr txBox="1"/>
+          <p:nvPr/>
+        </p:nvSpPr>
+        <p:spPr>
+          <a:xfrm>
+            <a:off x="8050402" y="3631150"/>
+            <a:ext cx="962891" cy="523220"/>
+          </a:xfrm>
+          <a:prstGeom prst="rect">
+            <a:avLst/>
+          </a:prstGeom>
+          <a:solidFill>
+            <a:srgbClr val="CCCCFF"/>
+          </a:solidFill>
+        </p:spPr>
+        <p:txBody>
+          <a:bodyPr wrap="square" rtlCol="0">
+            <a:spAutoFit/>
+          </a:bodyPr>
+          <a:lstStyle/>
+          <a:p>
+            <a:pPr algn="ctr"/>
+            <a:r>
+              <a:rPr kumimoji="1" lang="en-US" altLang="ja-JP" sz="2800" dirty="0"/>
+              <a:t>C</a:t>
+            </a:r>
+            <a:endParaRPr kumimoji="1" lang="ja-JP" altLang="en-US" sz="2800" dirty="0"/>
+          </a:p>
+        </p:txBody>
+      </p:sp>
+      <p:sp>
+        <p:nvSpPr>
+          <p:cNvPr id="14" name="テキスト ボックス 13">
+            <a:extLst>
+              <a:ext uri="{FF2B5EF4-FFF2-40B4-BE49-F238E27FC236}">
+                <a16:creationId xmlns:a16="http://schemas.microsoft.com/office/drawing/2014/main" id="{57FF1EDA-8F04-D88F-5C14-F38D5896FAF2}"/>
+              </a:ext>
+            </a:extLst>
+          </p:cNvPr>
+          <p:cNvSpPr txBox="1"/>
+          <p:nvPr/>
+        </p:nvSpPr>
+        <p:spPr>
+          <a:xfrm>
+            <a:off x="4056685" y="1050685"/>
+            <a:ext cx="2002088" cy="461665"/>
+          </a:xfrm>
+          <a:prstGeom prst="rect">
+            <a:avLst/>
+          </a:prstGeom>
+          <a:solidFill>
+            <a:schemeClr val="bg1"/>
+          </a:solidFill>
+          <a:ln w="19050">
+            <a:solidFill>
+              <a:schemeClr val="tx1"/>
+            </a:solidFill>
+          </a:ln>
+        </p:spPr>
+        <p:txBody>
+          <a:bodyPr wrap="square" rtlCol="0" anchor="ctr">
+            <a:spAutoFit/>
+          </a:bodyPr>
+          <a:lstStyle/>
+          <a:p>
+            <a:pPr algn="ctr"/>
+            <a:r>
+              <a:rPr kumimoji="1" lang="ja-JP" altLang="en-US" sz="1200" dirty="0"/>
+              <a:t>病院の密度</a:t>
+            </a:r>
+            <a:r>
+              <a:rPr kumimoji="1" lang="en-US" altLang="ja-JP" sz="1200" dirty="0"/>
+              <a:t>&lt;=0.16</a:t>
+            </a:r>
+          </a:p>
+          <a:p>
+            <a:pPr algn="ctr"/>
+            <a:endParaRPr kumimoji="1" lang="ja-JP" altLang="en-US" sz="1200" dirty="0"/>
+          </a:p>
+        </p:txBody>
+      </p:sp>
+      <p:sp>
+        <p:nvSpPr>
+          <p:cNvPr id="15" name="テキスト ボックス 14">
+            <a:extLst>
+              <a:ext uri="{FF2B5EF4-FFF2-40B4-BE49-F238E27FC236}">
+                <a16:creationId xmlns:a16="http://schemas.microsoft.com/office/drawing/2014/main" id="{936C18DA-57A0-0D12-C96A-5CBC5FEA112E}"/>
+              </a:ext>
+            </a:extLst>
+          </p:cNvPr>
+          <p:cNvSpPr txBox="1"/>
+          <p:nvPr/>
+        </p:nvSpPr>
+        <p:spPr>
+          <a:xfrm>
+            <a:off x="2719377" y="1918942"/>
+            <a:ext cx="2002088" cy="461665"/>
+          </a:xfrm>
+          <a:prstGeom prst="rect">
+            <a:avLst/>
+          </a:prstGeom>
+          <a:solidFill>
+            <a:schemeClr val="bg1"/>
+          </a:solidFill>
+          <a:ln w="19050">
+            <a:solidFill>
+              <a:schemeClr val="tx1"/>
+            </a:solidFill>
+          </a:ln>
+        </p:spPr>
+        <p:txBody>
+          <a:bodyPr wrap="square" rtlCol="0" anchor="ctr">
+            <a:spAutoFit/>
+          </a:bodyPr>
+          <a:lstStyle/>
+          <a:p>
+            <a:pPr algn="ctr"/>
+            <a:r>
+              <a:rPr kumimoji="1" lang="en-US" altLang="ja-JP" sz="1200" dirty="0"/>
+              <a:t>BM</a:t>
+            </a:r>
+            <a:r>
+              <a:rPr kumimoji="1" lang="ja-JP" altLang="en-US" sz="1200" dirty="0"/>
+              <a:t>採取可能な病院の密度</a:t>
+            </a:r>
+            <a:r>
+              <a:rPr kumimoji="1" lang="en-US" altLang="ja-JP" sz="1200" dirty="0"/>
+              <a:t>&lt;=0.03</a:t>
+            </a:r>
+          </a:p>
+        </p:txBody>
+      </p:sp>
+      <p:sp>
+        <p:nvSpPr>
+          <p:cNvPr id="16" name="テキスト ボックス 15">
+            <a:extLst>
+              <a:ext uri="{FF2B5EF4-FFF2-40B4-BE49-F238E27FC236}">
+                <a16:creationId xmlns:a16="http://schemas.microsoft.com/office/drawing/2014/main" id="{80956D9C-3003-069E-C701-BF0FDCDEC2BF}"/>
+              </a:ext>
+            </a:extLst>
+          </p:cNvPr>
+          <p:cNvSpPr txBox="1"/>
+          <p:nvPr/>
+        </p:nvSpPr>
+        <p:spPr>
+          <a:xfrm>
+            <a:off x="2719377" y="2765334"/>
+            <a:ext cx="2002088" cy="461665"/>
+          </a:xfrm>
+          <a:prstGeom prst="rect">
+            <a:avLst/>
+          </a:prstGeom>
+          <a:solidFill>
+            <a:schemeClr val="bg1"/>
+          </a:solidFill>
+          <a:ln w="19050">
+            <a:solidFill>
+              <a:schemeClr val="tx1"/>
+            </a:solidFill>
+          </a:ln>
+        </p:spPr>
+        <p:txBody>
+          <a:bodyPr wrap="square" rtlCol="0" anchor="ctr">
+            <a:spAutoFit/>
+          </a:bodyPr>
+          <a:lstStyle/>
+          <a:p>
+            <a:pPr algn="ctr"/>
+            <a:r>
+              <a:rPr kumimoji="1" lang="en-US" altLang="ja-JP" sz="1200" dirty="0"/>
+              <a:t>PBSC</a:t>
+            </a:r>
+            <a:r>
+              <a:rPr kumimoji="1" lang="ja-JP" altLang="en-US" sz="1200" dirty="0"/>
+              <a:t>採取可能な</a:t>
+            </a:r>
+            <a:endParaRPr kumimoji="1" lang="en-US" altLang="ja-JP" sz="1200" dirty="0"/>
+          </a:p>
+          <a:p>
+            <a:pPr algn="ctr"/>
+            <a:r>
+              <a:rPr kumimoji="1" lang="ja-JP" altLang="en-US" sz="1200" dirty="0"/>
+              <a:t>病院の密度</a:t>
+            </a:r>
+            <a:r>
+              <a:rPr kumimoji="1" lang="en-US" altLang="ja-JP" sz="1200" dirty="0"/>
+              <a:t>&lt;=0.04</a:t>
+            </a:r>
+          </a:p>
+        </p:txBody>
+      </p:sp>
+      <p:sp>
+        <p:nvSpPr>
+          <p:cNvPr id="17" name="テキスト ボックス 16">
+            <a:extLst>
+              <a:ext uri="{FF2B5EF4-FFF2-40B4-BE49-F238E27FC236}">
+                <a16:creationId xmlns:a16="http://schemas.microsoft.com/office/drawing/2014/main" id="{67FD9014-E7DD-E2E0-5DED-5C3E03FA4BDC}"/>
+              </a:ext>
+            </a:extLst>
+          </p:cNvPr>
+          <p:cNvSpPr txBox="1"/>
+          <p:nvPr/>
+        </p:nvSpPr>
+        <p:spPr>
+          <a:xfrm>
+            <a:off x="635246" y="2762645"/>
+            <a:ext cx="2002088" cy="461665"/>
+          </a:xfrm>
+          <a:prstGeom prst="rect">
+            <a:avLst/>
+          </a:prstGeom>
+          <a:solidFill>
+            <a:schemeClr val="bg1"/>
+          </a:solidFill>
+          <a:ln w="19050">
+            <a:solidFill>
+              <a:schemeClr val="tx1"/>
+            </a:solidFill>
+          </a:ln>
+        </p:spPr>
+        <p:txBody>
+          <a:bodyPr wrap="square" rtlCol="0" anchor="ctr">
+            <a:spAutoFit/>
+          </a:bodyPr>
+          <a:lstStyle/>
+          <a:p>
+            <a:pPr algn="ctr"/>
+            <a:r>
+              <a:rPr kumimoji="1" lang="en-US" altLang="ja-JP" sz="1200" dirty="0"/>
+              <a:t>PBSC</a:t>
+            </a:r>
+            <a:r>
+              <a:rPr kumimoji="1" lang="ja-JP" altLang="en-US" sz="1200" dirty="0"/>
+              <a:t>採取可能な</a:t>
+            </a:r>
+            <a:endParaRPr kumimoji="1" lang="en-US" altLang="ja-JP" sz="1200" dirty="0"/>
+          </a:p>
+          <a:p>
+            <a:pPr algn="ctr"/>
+            <a:r>
+              <a:rPr kumimoji="1" lang="ja-JP" altLang="en-US" sz="1200" dirty="0"/>
+              <a:t>病院の密度</a:t>
+            </a:r>
+            <a:r>
+              <a:rPr kumimoji="1" lang="en-US" altLang="ja-JP" sz="1200" dirty="0"/>
+              <a:t>&lt;=0.01</a:t>
+            </a:r>
+          </a:p>
+        </p:txBody>
+      </p:sp>
+    </p:spTree>
+  </p:cSld>
+  <p:clrMapOvr>
+    <a:masterClrMapping/>
+  </p:clrMapOvr>
 </p:sld>
 </file>
 
@@ -3215,24 +4507,177 @@
           <a:bodyPr/>
           <a:lstStyle/>
           <a:p>
-            <a:pPr lvl="0" indent="0" marL="0">
-              <a:buNone/>
-            </a:pPr>
-            <a:r>
-              <a:rPr/>
-              <a:t>一律介入と最適ターゲティングの効果</a:t>
-            </a:r>
-          </a:p>
-        </p:txBody>
-      </p:sp>
-      <p:sp>
-        <p:nvSpPr>
-          <p:cNvPr id="3" name="Content Placeholder 2"/>
+            <a:r>
+              <a:rPr dirty="0"/>
+              <a:t>フィールド実験の介入</a:t>
+            </a:r>
+          </a:p>
+        </p:txBody>
+      </p:sp>
+      <mc:AlternateContent xmlns:mc="http://schemas.openxmlformats.org/markup-compatibility/2006" xmlns:a14="http://schemas.microsoft.com/office/drawing/2010/main">
+        <mc:Choice Requires="a14">
+          <p:sp>
+            <p:nvSpPr>
+              <p:cNvPr id="3" name="Content Placeholder 2"/>
+              <p:cNvSpPr>
+                <a:spLocks noGrp="1"/>
+              </p:cNvSpPr>
+              <p:nvPr>
+                <p:ph idx="1"/>
+              </p:nvPr>
+            </p:nvSpPr>
+            <p:spPr/>
+            <p:txBody>
+              <a:bodyPr/>
+              <a:lstStyle/>
+              <a:p>
+                <a:pPr lvl="1"/>
+                <a:r>
+                  <a:rPr dirty="0">
+                    <a:latin typeface="游ゴシック Medium" panose="020B0500000000000000" pitchFamily="50" charset="-128"/>
+                    <a:ea typeface="游ゴシック Medium" panose="020B0500000000000000" pitchFamily="50" charset="-128"/>
+                  </a:rPr>
+                  <a:t>対象：骨髄バンクドナー確定後に「適合通知」を受け取るドナー候補者（</a:t>
+                </a:r>
+                <a14:m>
+                  <m:oMath xmlns:m="http://schemas.openxmlformats.org/officeDocument/2006/math">
+                    <m:r>
+                      <a:rPr>
+                        <a:latin typeface="Cambria Math" panose="02040503050406030204" pitchFamily="18" charset="0"/>
+                      </a:rPr>
+                      <m:t>𝑁</m:t>
+                    </m:r>
+                    <m:r>
+                      <a:rPr>
+                        <a:latin typeface="Cambria Math" panose="02040503050406030204" pitchFamily="18" charset="0"/>
+                      </a:rPr>
+                      <m:t>=11,154</m:t>
+                    </m:r>
+                  </m:oMath>
+                </a14:m>
+                <a:r>
+                  <a:rPr dirty="0">
+                    <a:latin typeface="游ゴシック Medium" panose="020B0500000000000000" pitchFamily="50" charset="-128"/>
+                    <a:ea typeface="游ゴシック Medium" panose="020B0500000000000000" pitchFamily="50" charset="-128"/>
+                  </a:rPr>
+                  <a:t>）</a:t>
+                </a:r>
+              </a:p>
+              <a:p>
+                <a:pPr lvl="1"/>
+                <a:r>
+                  <a:rPr dirty="0">
+                    <a:latin typeface="游ゴシック Medium" panose="020B0500000000000000" pitchFamily="50" charset="-128"/>
+                    <a:ea typeface="游ゴシック Medium" panose="020B0500000000000000" pitchFamily="50" charset="-128"/>
+                  </a:rPr>
+                  <a:t>介入：ドナー候補者確定後に送付する「適合通知」の内容に以下のメッセージを加える</a:t>
+                </a:r>
+              </a:p>
+              <a:p>
+                <a:pPr lvl="2"/>
+                <a:r>
+                  <a:rPr dirty="0">
+                    <a:latin typeface="游ゴシック Medium" panose="020B0500000000000000" pitchFamily="50" charset="-128"/>
+                    <a:ea typeface="游ゴシック Medium" panose="020B0500000000000000" pitchFamily="50" charset="-128"/>
+                  </a:rPr>
+                  <a:t>確率メッセージ：「</a:t>
+                </a:r>
+                <a:r>
+                  <a:rPr dirty="0">
+                    <a:highlight>
+                      <a:srgbClr val="FFFF00"/>
+                    </a:highlight>
+                    <a:latin typeface="游ゴシック Medium" panose="020B0500000000000000" pitchFamily="50" charset="-128"/>
+                    <a:ea typeface="游ゴシック Medium" panose="020B0500000000000000" pitchFamily="50" charset="-128"/>
+                  </a:rPr>
+                  <a:t>１人の登録患者さんとHLA型が一致するドナー登録者は数百〜数万人に1人です。 ドナー候補者が複数みつかる場合もありますが、多くはないこともご理解頂ければ幸いです</a:t>
+                </a:r>
+                <a:r>
+                  <a:rPr dirty="0">
+                    <a:latin typeface="游ゴシック Medium" panose="020B0500000000000000" pitchFamily="50" charset="-128"/>
+                    <a:ea typeface="游ゴシック Medium" panose="020B0500000000000000" pitchFamily="50" charset="-128"/>
+                  </a:rPr>
+                  <a:t>。」</a:t>
+                </a:r>
+              </a:p>
+              <a:p>
+                <a:pPr lvl="2"/>
+                <a:r>
+                  <a:rPr lang="ja-JP" altLang="en-US" dirty="0">
+                    <a:latin typeface="游ゴシック Medium" panose="020B0500000000000000" pitchFamily="50" charset="-128"/>
+                    <a:ea typeface="游ゴシック Medium" panose="020B0500000000000000" pitchFamily="50" charset="-128"/>
+                  </a:rPr>
+                  <a:t>早期コーディネーションメッセージ</a:t>
+                </a:r>
+                <a:r>
+                  <a:rPr dirty="0">
+                    <a:latin typeface="游ゴシック Medium" panose="020B0500000000000000" pitchFamily="50" charset="-128"/>
+                    <a:ea typeface="游ゴシック Medium" panose="020B0500000000000000" pitchFamily="50" charset="-128"/>
+                  </a:rPr>
+                  <a:t>：「</a:t>
+                </a:r>
+                <a:r>
+                  <a:rPr dirty="0">
+                    <a:highlight>
+                      <a:srgbClr val="00FFFF"/>
+                    </a:highlight>
+                    <a:latin typeface="游ゴシック Medium" panose="020B0500000000000000" pitchFamily="50" charset="-128"/>
+                    <a:ea typeface="游ゴシック Medium" panose="020B0500000000000000" pitchFamily="50" charset="-128"/>
+                  </a:rPr>
+                  <a:t>骨髄バンクを介して移植ができる患者さんは現在約6割にとどまっています。 骨髄等を提供するドナーが早く見つかれば、その比率を高めることができます。」</a:t>
+                </a:r>
+              </a:p>
+            </p:txBody>
+          </p:sp>
+        </mc:Choice>
+        <mc:Fallback xmlns="">
+          <p:sp>
+            <p:nvSpPr>
+              <p:cNvPr id="3" name="Content Placeholder 2"/>
+              <p:cNvSpPr>
+                <a:spLocks noGrp="1" noRot="1" noChangeAspect="1" noMove="1" noResize="1" noEditPoints="1" noAdjustHandles="1" noChangeArrowheads="1" noChangeShapeType="1" noTextEdit="1"/>
+              </p:cNvSpPr>
+              <p:nvPr>
+                <p:ph idx="1"/>
+              </p:nvPr>
+            </p:nvSpPr>
+            <p:spPr>
+              <a:blipFill>
+                <a:blip r:embed="rId2"/>
+                <a:stretch>
+                  <a:fillRect t="-1482"/>
+                </a:stretch>
+              </a:blipFill>
+            </p:spPr>
+            <p:txBody>
+              <a:bodyPr/>
+              <a:lstStyle/>
+              <a:p>
+                <a:r>
+                  <a:rPr lang="ja-JP" altLang="en-US">
+                    <a:noFill/>
+                  </a:rPr>
+                  <a:t> </a:t>
+                </a:r>
+              </a:p>
+            </p:txBody>
+          </p:sp>
+        </mc:Fallback>
+      </mc:AlternateContent>
+      <p:sp>
+        <p:nvSpPr>
+          <p:cNvPr id="4" name="スライド番号プレースホルダー 3">
+            <a:extLst>
+              <a:ext uri="{FF2B5EF4-FFF2-40B4-BE49-F238E27FC236}">
+                <a16:creationId xmlns:a16="http://schemas.microsoft.com/office/drawing/2014/main" id="{D2134699-DBAB-8DE9-993C-AF9376108A7A}"/>
+              </a:ext>
+            </a:extLst>
+          </p:cNvPr>
           <p:cNvSpPr>
             <a:spLocks noGrp="1"/>
           </p:cNvSpPr>
           <p:nvPr>
-            <p:ph idx="1"/>
+            <p:ph type="sldNum" sz="quarter" idx="12"/>
           </p:nvPr>
         </p:nvSpPr>
         <p:spPr/>
@@ -3240,1827 +4685,19 @@
           <a:bodyPr/>
           <a:lstStyle/>
           <a:p>
-            <a:pPr lvl="0" indent="0" marL="0">
-              <a:buNone/>
-            </a:pPr>
-            <a:r>
-              <a:rPr/>
-              <a:t>アウトカム：返信時に提供意向を示したかどうか</a:t>
-            </a:r>
-          </a:p>
-        </p:txBody>
-      </p:sp>
-      <p:graphicFrame xmlns:a="http://schemas.openxmlformats.org/drawingml/2006/main" xmlns:r="http://schemas.openxmlformats.org/officeDocument/2006/relationships" xmlns:p="http://schemas.openxmlformats.org/presentationml/2006/main">
-        <p:nvGraphicFramePr>
-          <p:cNvPr id="56727866" name=""/>
-          <p:cNvGraphicFramePr>
-            <a:graphicFrameLocks noGrp="true"/>
-          </p:cNvGraphicFramePr>
-          <p:nvPr/>
-        </p:nvGraphicFramePr>
-        <p:xfrm rot="0">
-          <a:off x="914400" y="1828800"/>
-          <a:ext cx="9144000" cy="5486400"/>
-        </p:xfrm>
-        <a:graphic>
-          <a:graphicData uri="http://schemas.openxmlformats.org/drawingml/2006/table">
-            <a:tbl>
-              <a:tblPr/>
-              <a:tblGrid>
-                <a:gridCol w="1828800"/>
-                <a:gridCol w="914400"/>
-                <a:gridCol w="914400"/>
-                <a:gridCol w="914400"/>
-                <a:gridCol w="914400"/>
-              </a:tblGrid>
-              <a:tr h="228600">
-                <a:tc>
-                  <a:txBody>
-                    <a:bodyPr/>
-                    <a:lstStyle/>
-                    <a:p>
-                      <a:pPr algn="l" marL="63500" marR="63500">
-                        <a:lnSpc>
-                          <a:spcPct val="100000"/>
-                        </a:lnSpc>
-                        <a:spcBef>
-                          <a:spcPts val="500"/>
-                        </a:spcBef>
-                        <a:spcAft>
-                          <a:spcPts val="500"/>
-                        </a:spcAft>
-                        <a:buNone/>
-                      </a:pPr>
-                      <a:r>
-                        <a:rPr cap="none" sz="1100" i="0" b="0" u="none">
-                          <a:solidFill>
-                            <a:srgbClr val="000000">
-                              <a:alpha val="100000"/>
-                            </a:srgbClr>
-                          </a:solidFill>
-                          <a:latin typeface="Arial"/>
-                          <a:cs typeface="Arial"/>
-                          <a:ea typeface="Arial"/>
-                          <a:sym typeface="Arial"/>
-                        </a:rPr>
-                        <a:t/>
-                      </a:r>
-                    </a:p>
-                  </a:txBody>
-                  <a:tcPr anchor="ctr" marB="63500" marT="63500" marR="0" marL="0">
-                    <a:lnL algn="ctr" cmpd="sng" cap="flat" w="0">
-                      <a:noFill/>
-                      <a:prstDash val="solid"/>
-                    </a:lnL>
-                    <a:lnR algn="ctr" cmpd="sng" cap="flat" w="0">
-                      <a:noFill/>
-                      <a:prstDash val="solid"/>
-                    </a:lnR>
-                    <a:lnT algn="ctr" cmpd="sng" cap="flat" w="12700">
-                      <a:solidFill>
-                        <a:srgbClr val="000000">
-                          <a:alpha val="100000"/>
-                        </a:srgbClr>
-                      </a:solidFill>
-                      <a:prstDash val="solid"/>
-                    </a:lnT>
-                    <a:lnB algn="ctr" cmpd="sng" cap="flat" w="0">
-                      <a:noFill/>
-                      <a:prstDash val="solid"/>
-                    </a:lnB>
-                    <a:solidFill>
-                      <a:srgbClr val="FFFFFF">
-                        <a:alpha val="0"/>
-                      </a:srgbClr>
-                    </a:solidFill>
-                  </a:tcPr>
-                </a:tc>
-                <a:tc gridSpan="2">
-                  <a:txBody>
-                    <a:bodyPr/>
-                    <a:lstStyle/>
-                    <a:p>
-                      <a:pPr algn="ctr" marL="63500" marR="63500">
-                        <a:lnSpc>
-                          <a:spcPct val="100000"/>
-                        </a:lnSpc>
-                        <a:spcBef>
-                          <a:spcPts val="500"/>
-                        </a:spcBef>
-                        <a:spcAft>
-                          <a:spcPts val="500"/>
-                        </a:spcAft>
-                        <a:buNone/>
-                      </a:pPr>
-                      <a:r>
-                        <a:rPr cap="none" sz="1100" i="0" b="0" u="none">
-                          <a:solidFill>
-                            <a:srgbClr val="000000">
-                              <a:alpha val="100000"/>
-                            </a:srgbClr>
-                          </a:solidFill>
-                          <a:latin typeface="Arial"/>
-                          <a:cs typeface="Arial"/>
-                          <a:ea typeface="Arial"/>
-                          <a:sym typeface="Arial"/>
-                        </a:rPr>
-                        <a:t>Targeting</a:t>
-                      </a:r>
-                    </a:p>
-                  </a:txBody>
-                  <a:tcPr anchor="ctr" marB="63500" marT="63500" marR="0" marL="0">
-                    <a:lnL algn="ctr" cmpd="sng" cap="flat" w="0">
-                      <a:noFill/>
-                      <a:prstDash val="solid"/>
-                    </a:lnL>
-                    <a:lnR algn="ctr" cmpd="sng" cap="flat" w="0">
-                      <a:noFill/>
-                      <a:prstDash val="solid"/>
-                    </a:lnR>
-                    <a:lnT algn="ctr" cmpd="sng" cap="flat" w="12700">
-                      <a:solidFill>
-                        <a:srgbClr val="000000">
-                          <a:alpha val="100000"/>
-                        </a:srgbClr>
-                      </a:solidFill>
-                      <a:prstDash val="solid"/>
-                    </a:lnT>
-                    <a:lnB algn="ctr" cmpd="sng" cap="flat" w="0">
-                      <a:noFill/>
-                      <a:prstDash val="solid"/>
-                    </a:lnB>
-                    <a:solidFill>
-                      <a:srgbClr val="FFFFFF">
-                        <a:alpha val="0"/>
-                      </a:srgbClr>
-                    </a:solidFill>
-                  </a:tcPr>
-                </a:tc>
-                <a:tc hMerge="true">
-                  <a:txBody>
-                    <a:bodyPr/>
-                    <a:lstStyle/>
-                    <a:p>
-                      <a:pPr algn="ctr" marL="63500" marR="63500">
-                        <a:lnSpc>
-                          <a:spcPct val="100000"/>
-                        </a:lnSpc>
-                        <a:spcBef>
-                          <a:spcPts val="500"/>
-                        </a:spcBef>
-                        <a:spcAft>
-                          <a:spcPts val="500"/>
-                        </a:spcAft>
-                        <a:buNone/>
-                      </a:pPr>
-                      <a:r>
-                        <a:rPr cap="none" sz="1100" i="0" b="0" u="none">
-                          <a:solidFill>
-                            <a:srgbClr val="000000">
-                              <a:alpha val="100000"/>
-                            </a:srgbClr>
-                          </a:solidFill>
-                          <a:latin typeface="Arial"/>
-                          <a:cs typeface="Arial"/>
-                          <a:ea typeface="Arial"/>
-                          <a:sym typeface="Arial"/>
-                        </a:rPr>
-                        <a:t>Targeting</a:t>
-                      </a:r>
-                    </a:p>
-                  </a:txBody>
-                  <a:tcPr anchor="ctr" marB="63500" marT="63500" marR="0" marL="0">
-                    <a:lnL algn="ctr" cmpd="sng" cap="flat" w="0">
-                      <a:noFill/>
-                      <a:prstDash val="solid"/>
-                    </a:lnL>
-                    <a:lnR algn="ctr" cmpd="sng" cap="flat" w="0">
-                      <a:noFill/>
-                      <a:prstDash val="solid"/>
-                    </a:lnR>
-                    <a:lnT algn="ctr" cmpd="sng" cap="flat" w="12700">
-                      <a:solidFill>
-                        <a:srgbClr val="000000">
-                          <a:alpha val="100000"/>
-                        </a:srgbClr>
-                      </a:solidFill>
-                      <a:prstDash val="solid"/>
-                    </a:lnT>
-                    <a:lnB algn="ctr" cmpd="sng" cap="flat" w="0">
-                      <a:noFill/>
-                      <a:prstDash val="solid"/>
-                    </a:lnB>
-                    <a:solidFill>
-                      <a:srgbClr val="FFFFFF">
-                        <a:alpha val="0"/>
-                      </a:srgbClr>
-                    </a:solidFill>
-                  </a:tcPr>
-                </a:tc>
-                <a:tc gridSpan="2">
-                  <a:txBody>
-                    <a:bodyPr/>
-                    <a:lstStyle/>
-                    <a:p>
-                      <a:pPr algn="ctr" marL="63500" marR="63500">
-                        <a:lnSpc>
-                          <a:spcPct val="100000"/>
-                        </a:lnSpc>
-                        <a:spcBef>
-                          <a:spcPts val="500"/>
-                        </a:spcBef>
-                        <a:spcAft>
-                          <a:spcPts val="500"/>
-                        </a:spcAft>
-                        <a:buNone/>
-                      </a:pPr>
-                      <a:r>
-                        <a:rPr cap="none" sz="1100" i="0" b="0" u="none">
-                          <a:solidFill>
-                            <a:srgbClr val="000000">
-                              <a:alpha val="100000"/>
-                            </a:srgbClr>
-                          </a:solidFill>
-                          <a:latin typeface="Arial"/>
-                          <a:cs typeface="Arial"/>
-                          <a:ea typeface="Arial"/>
-                          <a:sym typeface="Arial"/>
-                        </a:rPr>
-                        <a:t>Uniform</a:t>
-                      </a:r>
-                    </a:p>
-                  </a:txBody>
-                  <a:tcPr anchor="ctr" marB="63500" marT="63500" marR="0" marL="0">
-                    <a:lnL algn="ctr" cmpd="sng" cap="flat" w="0">
-                      <a:noFill/>
-                      <a:prstDash val="solid"/>
-                    </a:lnL>
-                    <a:lnR algn="ctr" cmpd="sng" cap="flat" w="0">
-                      <a:noFill/>
-                      <a:prstDash val="solid"/>
-                    </a:lnR>
-                    <a:lnT algn="ctr" cmpd="sng" cap="flat" w="12700">
-                      <a:solidFill>
-                        <a:srgbClr val="000000">
-                          <a:alpha val="100000"/>
-                        </a:srgbClr>
-                      </a:solidFill>
-                      <a:prstDash val="solid"/>
-                    </a:lnT>
-                    <a:lnB algn="ctr" cmpd="sng" cap="flat" w="0">
-                      <a:noFill/>
-                      <a:prstDash val="solid"/>
-                    </a:lnB>
-                    <a:solidFill>
-                      <a:srgbClr val="FFFFFF">
-                        <a:alpha val="0"/>
-                      </a:srgbClr>
-                    </a:solidFill>
-                  </a:tcPr>
-                </a:tc>
-                <a:tc hMerge="true">
-                  <a:txBody>
-                    <a:bodyPr/>
-                    <a:lstStyle/>
-                    <a:p>
-                      <a:pPr algn="ctr" marL="63500" marR="63500">
-                        <a:lnSpc>
-                          <a:spcPct val="100000"/>
-                        </a:lnSpc>
-                        <a:spcBef>
-                          <a:spcPts val="500"/>
-                        </a:spcBef>
-                        <a:spcAft>
-                          <a:spcPts val="500"/>
-                        </a:spcAft>
-                        <a:buNone/>
-                      </a:pPr>
-                      <a:r>
-                        <a:rPr cap="none" sz="1100" i="0" b="0" u="none">
-                          <a:solidFill>
-                            <a:srgbClr val="000000">
-                              <a:alpha val="100000"/>
-                            </a:srgbClr>
-                          </a:solidFill>
-                          <a:latin typeface="Arial"/>
-                          <a:cs typeface="Arial"/>
-                          <a:ea typeface="Arial"/>
-                          <a:sym typeface="Arial"/>
-                        </a:rPr>
-                        <a:t>Uniform</a:t>
-                      </a:r>
-                    </a:p>
-                  </a:txBody>
-                  <a:tcPr anchor="ctr" marB="63500" marT="63500" marR="0" marL="0">
-                    <a:lnL algn="ctr" cmpd="sng" cap="flat" w="0">
-                      <a:noFill/>
-                      <a:prstDash val="solid"/>
-                    </a:lnL>
-                    <a:lnR algn="ctr" cmpd="sng" cap="flat" w="0">
-                      <a:noFill/>
-                      <a:prstDash val="solid"/>
-                    </a:lnR>
-                    <a:lnT algn="ctr" cmpd="sng" cap="flat" w="12700">
-                      <a:solidFill>
-                        <a:srgbClr val="000000">
-                          <a:alpha val="100000"/>
-                        </a:srgbClr>
-                      </a:solidFill>
-                      <a:prstDash val="solid"/>
-                    </a:lnT>
-                    <a:lnB algn="ctr" cmpd="sng" cap="flat" w="0">
-                      <a:noFill/>
-                      <a:prstDash val="solid"/>
-                    </a:lnB>
-                    <a:solidFill>
-                      <a:srgbClr val="FFFFFF">
-                        <a:alpha val="0"/>
-                      </a:srgbClr>
-                    </a:solidFill>
-                  </a:tcPr>
-                </a:tc>
-              </a:tr>
-              <a:tr h="228600">
-                <a:tc>
-                  <a:txBody>
-                    <a:bodyPr/>
-                    <a:lstStyle/>
-                    <a:p>
-                      <a:pPr algn="l" marL="63500" marR="63500">
-                        <a:lnSpc>
-                          <a:spcPct val="100000"/>
-                        </a:lnSpc>
-                        <a:spcBef>
-                          <a:spcPts val="500"/>
-                        </a:spcBef>
-                        <a:spcAft>
-                          <a:spcPts val="500"/>
-                        </a:spcAft>
-                        <a:buNone/>
-                      </a:pPr>
-                      <a:r>
-                        <a:rPr cap="none" sz="1100" i="0" b="0" u="none">
-                          <a:solidFill>
-                            <a:srgbClr val="000000">
-                              <a:alpha val="100000"/>
-                            </a:srgbClr>
-                          </a:solidFill>
-                          <a:latin typeface="Arial"/>
-                          <a:cs typeface="Arial"/>
-                          <a:ea typeface="Arial"/>
-                          <a:sym typeface="Arial"/>
-                        </a:rPr>
-                        <a:t> </a:t>
-                      </a:r>
-                    </a:p>
-                  </a:txBody>
-                  <a:tcPr anchor="ctr" marB="63500" marT="63500" marR="0" marL="0">
-                    <a:lnL algn="ctr" cmpd="sng" cap="flat" w="0">
-                      <a:noFill/>
-                      <a:prstDash val="solid"/>
-                    </a:lnL>
-                    <a:lnR algn="ctr" cmpd="sng" cap="flat" w="0">
-                      <a:noFill/>
-                      <a:prstDash val="solid"/>
-                    </a:lnR>
-                    <a:lnT algn="ctr" cmpd="sng" cap="flat" w="0">
-                      <a:noFill/>
-                      <a:prstDash val="solid"/>
-                    </a:lnT>
-                    <a:lnB algn="ctr" cmpd="sng" cap="flat" w="12700">
-                      <a:solidFill>
-                        <a:srgbClr val="000000">
-                          <a:alpha val="100000"/>
-                        </a:srgbClr>
-                      </a:solidFill>
-                      <a:prstDash val="solid"/>
-                    </a:lnB>
-                    <a:solidFill>
-                      <a:srgbClr val="FFFFFF">
-                        <a:alpha val="0"/>
-                      </a:srgbClr>
-                    </a:solidFill>
-                  </a:tcPr>
-                </a:tc>
-                <a:tc>
-                  <a:txBody>
-                    <a:bodyPr/>
-                    <a:lstStyle/>
-                    <a:p>
-                      <a:pPr algn="ctr" marL="63500" marR="63500">
-                        <a:lnSpc>
-                          <a:spcPct val="100000"/>
-                        </a:lnSpc>
-                        <a:spcBef>
-                          <a:spcPts val="500"/>
-                        </a:spcBef>
-                        <a:spcAft>
-                          <a:spcPts val="500"/>
-                        </a:spcAft>
-                        <a:buNone/>
-                      </a:pPr>
-                      <a:r>
-                        <a:rPr cap="none" sz="1100" i="0" b="0" u="none">
-                          <a:solidFill>
-                            <a:srgbClr val="000000">
-                              <a:alpha val="100000"/>
-                            </a:srgbClr>
-                          </a:solidFill>
-                          <a:latin typeface="Arial"/>
-                          <a:cs typeface="Arial"/>
-                          <a:ea typeface="Arial"/>
-                          <a:sym typeface="Arial"/>
-                        </a:rPr>
-                        <a:t>Mean</a:t>
-                      </a:r>
-                    </a:p>
-                  </a:txBody>
-                  <a:tcPr anchor="ctr" marB="63500" marT="63500" marR="0" marL="0">
-                    <a:lnL algn="ctr" cmpd="sng" cap="flat" w="0">
-                      <a:noFill/>
-                      <a:prstDash val="solid"/>
-                    </a:lnL>
-                    <a:lnR algn="ctr" cmpd="sng" cap="flat" w="0">
-                      <a:noFill/>
-                      <a:prstDash val="solid"/>
-                    </a:lnR>
-                    <a:lnT algn="ctr" cmpd="sng" cap="flat" w="0">
-                      <a:noFill/>
-                      <a:prstDash val="solid"/>
-                    </a:lnT>
-                    <a:lnB algn="ctr" cmpd="sng" cap="flat" w="12700">
-                      <a:solidFill>
-                        <a:srgbClr val="000000">
-                          <a:alpha val="100000"/>
-                        </a:srgbClr>
-                      </a:solidFill>
-                      <a:prstDash val="solid"/>
-                    </a:lnB>
-                    <a:solidFill>
-                      <a:srgbClr val="FFFFFF">
-                        <a:alpha val="0"/>
-                      </a:srgbClr>
-                    </a:solidFill>
-                  </a:tcPr>
-                </a:tc>
-                <a:tc>
-                  <a:txBody>
-                    <a:bodyPr/>
-                    <a:lstStyle/>
-                    <a:p>
-                      <a:pPr algn="ctr" marL="63500" marR="63500">
-                        <a:lnSpc>
-                          <a:spcPct val="100000"/>
-                        </a:lnSpc>
-                        <a:spcBef>
-                          <a:spcPts val="500"/>
-                        </a:spcBef>
-                        <a:spcAft>
-                          <a:spcPts val="500"/>
-                        </a:spcAft>
-                        <a:buNone/>
-                      </a:pPr>
-                      <a:r>
-                        <a:rPr cap="none" sz="1100" i="0" b="0" u="none">
-                          <a:solidFill>
-                            <a:srgbClr val="000000">
-                              <a:alpha val="100000"/>
-                            </a:srgbClr>
-                          </a:solidFill>
-                          <a:latin typeface="Arial"/>
-                          <a:cs typeface="Arial"/>
-                          <a:ea typeface="Arial"/>
-                          <a:sym typeface="Arial"/>
-                        </a:rPr>
-                        <a:t>SD</a:t>
-                      </a:r>
-                    </a:p>
-                  </a:txBody>
-                  <a:tcPr anchor="ctr" marB="63500" marT="63500" marR="0" marL="0">
-                    <a:lnL algn="ctr" cmpd="sng" cap="flat" w="0">
-                      <a:noFill/>
-                      <a:prstDash val="solid"/>
-                    </a:lnL>
-                    <a:lnR algn="ctr" cmpd="sng" cap="flat" w="0">
-                      <a:noFill/>
-                      <a:prstDash val="solid"/>
-                    </a:lnR>
-                    <a:lnT algn="ctr" cmpd="sng" cap="flat" w="0">
-                      <a:noFill/>
-                      <a:prstDash val="solid"/>
-                    </a:lnT>
-                    <a:lnB algn="ctr" cmpd="sng" cap="flat" w="12700">
-                      <a:solidFill>
-                        <a:srgbClr val="000000">
-                          <a:alpha val="100000"/>
-                        </a:srgbClr>
-                      </a:solidFill>
-                      <a:prstDash val="solid"/>
-                    </a:lnB>
-                    <a:solidFill>
-                      <a:srgbClr val="FFFFFF">
-                        <a:alpha val="0"/>
-                      </a:srgbClr>
-                    </a:solidFill>
-                  </a:tcPr>
-                </a:tc>
-                <a:tc>
-                  <a:txBody>
-                    <a:bodyPr/>
-                    <a:lstStyle/>
-                    <a:p>
-                      <a:pPr algn="ctr" marL="63500" marR="63500">
-                        <a:lnSpc>
-                          <a:spcPct val="100000"/>
-                        </a:lnSpc>
-                        <a:spcBef>
-                          <a:spcPts val="500"/>
-                        </a:spcBef>
-                        <a:spcAft>
-                          <a:spcPts val="500"/>
-                        </a:spcAft>
-                        <a:buNone/>
-                      </a:pPr>
-                      <a:r>
-                        <a:rPr cap="none" sz="1100" i="0" b="0" u="none">
-                          <a:solidFill>
-                            <a:srgbClr val="000000">
-                              <a:alpha val="100000"/>
-                            </a:srgbClr>
-                          </a:solidFill>
-                          <a:latin typeface="Arial"/>
-                          <a:cs typeface="Arial"/>
-                          <a:ea typeface="Arial"/>
-                          <a:sym typeface="Arial"/>
-                        </a:rPr>
-                        <a:t>Mean</a:t>
-                      </a:r>
-                    </a:p>
-                  </a:txBody>
-                  <a:tcPr anchor="ctr" marB="63500" marT="63500" marR="0" marL="0">
-                    <a:lnL algn="ctr" cmpd="sng" cap="flat" w="0">
-                      <a:noFill/>
-                      <a:prstDash val="solid"/>
-                    </a:lnL>
-                    <a:lnR algn="ctr" cmpd="sng" cap="flat" w="0">
-                      <a:noFill/>
-                      <a:prstDash val="solid"/>
-                    </a:lnR>
-                    <a:lnT algn="ctr" cmpd="sng" cap="flat" w="0">
-                      <a:noFill/>
-                      <a:prstDash val="solid"/>
-                    </a:lnT>
-                    <a:lnB algn="ctr" cmpd="sng" cap="flat" w="12700">
-                      <a:solidFill>
-                        <a:srgbClr val="000000">
-                          <a:alpha val="100000"/>
-                        </a:srgbClr>
-                      </a:solidFill>
-                      <a:prstDash val="solid"/>
-                    </a:lnB>
-                    <a:solidFill>
-                      <a:srgbClr val="FFFFFF">
-                        <a:alpha val="0"/>
-                      </a:srgbClr>
-                    </a:solidFill>
-                  </a:tcPr>
-                </a:tc>
-                <a:tc>
-                  <a:txBody>
-                    <a:bodyPr/>
-                    <a:lstStyle/>
-                    <a:p>
-                      <a:pPr algn="ctr" marL="63500" marR="63500">
-                        <a:lnSpc>
-                          <a:spcPct val="100000"/>
-                        </a:lnSpc>
-                        <a:spcBef>
-                          <a:spcPts val="500"/>
-                        </a:spcBef>
-                        <a:spcAft>
-                          <a:spcPts val="500"/>
-                        </a:spcAft>
-                        <a:buNone/>
-                      </a:pPr>
-                      <a:r>
-                        <a:rPr cap="none" sz="1100" i="0" b="0" u="none">
-                          <a:solidFill>
-                            <a:srgbClr val="000000">
-                              <a:alpha val="100000"/>
-                            </a:srgbClr>
-                          </a:solidFill>
-                          <a:latin typeface="Arial"/>
-                          <a:cs typeface="Arial"/>
-                          <a:ea typeface="Arial"/>
-                          <a:sym typeface="Arial"/>
-                        </a:rPr>
-                        <a:t>SD</a:t>
-                      </a:r>
-                    </a:p>
-                  </a:txBody>
-                  <a:tcPr anchor="ctr" marB="63500" marT="63500" marR="0" marL="0">
-                    <a:lnL algn="ctr" cmpd="sng" cap="flat" w="0">
-                      <a:noFill/>
-                      <a:prstDash val="solid"/>
-                    </a:lnL>
-                    <a:lnR algn="ctr" cmpd="sng" cap="flat" w="0">
-                      <a:noFill/>
-                      <a:prstDash val="solid"/>
-                    </a:lnR>
-                    <a:lnT algn="ctr" cmpd="sng" cap="flat" w="0">
-                      <a:noFill/>
-                      <a:prstDash val="solid"/>
-                    </a:lnT>
-                    <a:lnB algn="ctr" cmpd="sng" cap="flat" w="12700">
-                      <a:solidFill>
-                        <a:srgbClr val="000000">
-                          <a:alpha val="100000"/>
-                        </a:srgbClr>
-                      </a:solidFill>
-                      <a:prstDash val="solid"/>
-                    </a:lnB>
-                    <a:solidFill>
-                      <a:srgbClr val="FFFFFF">
-                        <a:alpha val="0"/>
-                      </a:srgbClr>
-                    </a:solidFill>
-                  </a:tcPr>
-                </a:tc>
-              </a:tr>
-              <a:tr h="228600">
-                <a:tc>
-                  <a:txBody>
-                    <a:bodyPr/>
-                    <a:lstStyle/>
-                    <a:p>
-                      <a:pPr algn="l" marL="63500" marR="63500">
-                        <a:lnSpc>
-                          <a:spcPct val="100000"/>
-                        </a:lnSpc>
-                        <a:spcBef>
-                          <a:spcPts val="500"/>
-                        </a:spcBef>
-                        <a:spcAft>
-                          <a:spcPts val="500"/>
-                        </a:spcAft>
-                        <a:buNone/>
-                      </a:pPr>
-                      <a:r>
-                        <a:rPr cap="none" sz="1100" i="0" b="0" u="none">
-                          <a:solidFill>
-                            <a:srgbClr val="000000">
-                              <a:alpha val="100000"/>
-                            </a:srgbClr>
-                          </a:solidFill>
-                          <a:latin typeface="Arial"/>
-                          <a:cs typeface="Arial"/>
-                          <a:ea typeface="Arial"/>
-                          <a:sym typeface="Arial"/>
-                        </a:rPr>
-                        <a:t>Treatment B</a:t>
-                      </a:r>
-                    </a:p>
-                  </a:txBody>
-                  <a:tcPr anchor="ctr" marB="63500" marT="63500" marR="0" marL="0">
-                    <a:lnL algn="ctr" cmpd="sng" cap="flat" w="0">
-                      <a:noFill/>
-                      <a:prstDash val="solid"/>
-                    </a:lnL>
-                    <a:lnR algn="ctr" cmpd="sng" cap="flat" w="0">
-                      <a:noFill/>
-                      <a:prstDash val="solid"/>
-                    </a:lnR>
-                    <a:lnT algn="ctr" cmpd="sng" cap="flat" w="0">
-                      <a:noFill/>
-                      <a:prstDash val="solid"/>
-                    </a:lnT>
-                    <a:lnB algn="ctr" cmpd="sng" cap="flat" w="0">
-                      <a:noFill/>
-                      <a:prstDash val="solid"/>
-                    </a:lnB>
-                    <a:solidFill>
-                      <a:srgbClr val="FFFFFF">
-                        <a:alpha val="0"/>
-                      </a:srgbClr>
-                    </a:solidFill>
-                  </a:tcPr>
-                </a:tc>
-                <a:tc>
-                  <a:txBody>
-                    <a:bodyPr/>
-                    <a:lstStyle/>
-                    <a:p>
-                      <a:pPr algn="ctr" marL="63500" marR="63500">
-                        <a:lnSpc>
-                          <a:spcPct val="100000"/>
-                        </a:lnSpc>
-                        <a:spcBef>
-                          <a:spcPts val="500"/>
-                        </a:spcBef>
-                        <a:spcAft>
-                          <a:spcPts val="500"/>
-                        </a:spcAft>
-                        <a:buNone/>
-                      </a:pPr>
-                      <a:r>
-                        <a:rPr cap="none" sz="1100" i="0" b="0" u="none">
-                          <a:solidFill>
-                            <a:srgbClr val="000000">
-                              <a:alpha val="100000"/>
-                            </a:srgbClr>
-                          </a:solidFill>
-                          <a:latin typeface="Arial"/>
-                          <a:cs typeface="Arial"/>
-                          <a:ea typeface="Arial"/>
-                          <a:sym typeface="Arial"/>
-                        </a:rPr>
-                        <a:t>0.0336</a:t>
-                      </a:r>
-                    </a:p>
-                  </a:txBody>
-                  <a:tcPr anchor="ctr" marB="63500" marT="63500" marR="0" marL="0">
-                    <a:lnL algn="ctr" cmpd="sng" cap="flat" w="0">
-                      <a:noFill/>
-                      <a:prstDash val="solid"/>
-                    </a:lnL>
-                    <a:lnR algn="ctr" cmpd="sng" cap="flat" w="0">
-                      <a:noFill/>
-                      <a:prstDash val="solid"/>
-                    </a:lnR>
-                    <a:lnT algn="ctr" cmpd="sng" cap="flat" w="0">
-                      <a:noFill/>
-                      <a:prstDash val="solid"/>
-                    </a:lnT>
-                    <a:lnB algn="ctr" cmpd="sng" cap="flat" w="0">
-                      <a:noFill/>
-                      <a:prstDash val="solid"/>
-                    </a:lnB>
-                    <a:solidFill>
-                      <a:srgbClr val="FFFFFF">
-                        <a:alpha val="0"/>
-                      </a:srgbClr>
-                    </a:solidFill>
-                  </a:tcPr>
-                </a:tc>
-                <a:tc>
-                  <a:txBody>
-                    <a:bodyPr/>
-                    <a:lstStyle/>
-                    <a:p>
-                      <a:pPr algn="ctr" marL="63500" marR="63500">
-                        <a:lnSpc>
-                          <a:spcPct val="100000"/>
-                        </a:lnSpc>
-                        <a:spcBef>
-                          <a:spcPts val="500"/>
-                        </a:spcBef>
-                        <a:spcAft>
-                          <a:spcPts val="500"/>
-                        </a:spcAft>
-                        <a:buNone/>
-                      </a:pPr>
-                      <a:r>
-                        <a:rPr cap="none" sz="1100" i="0" b="0" u="none">
-                          <a:solidFill>
-                            <a:srgbClr val="000000">
-                              <a:alpha val="100000"/>
-                            </a:srgbClr>
-                          </a:solidFill>
-                          <a:latin typeface="Arial"/>
-                          <a:cs typeface="Arial"/>
-                          <a:ea typeface="Arial"/>
-                          <a:sym typeface="Arial"/>
-                        </a:rPr>
-                        <a:t>0.0422</a:t>
-                      </a:r>
-                    </a:p>
-                  </a:txBody>
-                  <a:tcPr anchor="ctr" marB="63500" marT="63500" marR="0" marL="0">
-                    <a:lnL algn="ctr" cmpd="sng" cap="flat" w="0">
-                      <a:noFill/>
-                      <a:prstDash val="solid"/>
-                    </a:lnL>
-                    <a:lnR algn="ctr" cmpd="sng" cap="flat" w="0">
-                      <a:noFill/>
-                      <a:prstDash val="solid"/>
-                    </a:lnR>
-                    <a:lnT algn="ctr" cmpd="sng" cap="flat" w="0">
-                      <a:noFill/>
-                      <a:prstDash val="solid"/>
-                    </a:lnT>
-                    <a:lnB algn="ctr" cmpd="sng" cap="flat" w="0">
-                      <a:noFill/>
-                      <a:prstDash val="solid"/>
-                    </a:lnB>
-                    <a:solidFill>
-                      <a:srgbClr val="FFFFFF">
-                        <a:alpha val="0"/>
-                      </a:srgbClr>
-                    </a:solidFill>
-                  </a:tcPr>
-                </a:tc>
-                <a:tc>
-                  <a:txBody>
-                    <a:bodyPr/>
-                    <a:lstStyle/>
-                    <a:p>
-                      <a:pPr algn="ctr" marL="63500" marR="63500">
-                        <a:lnSpc>
-                          <a:spcPct val="100000"/>
-                        </a:lnSpc>
-                        <a:spcBef>
-                          <a:spcPts val="500"/>
-                        </a:spcBef>
-                        <a:spcAft>
-                          <a:spcPts val="500"/>
-                        </a:spcAft>
-                        <a:buNone/>
-                      </a:pPr>
-                      <a:r>
-                        <a:rPr cap="none" sz="1100" i="0" b="0" u="none">
-                          <a:solidFill>
-                            <a:srgbClr val="000000">
-                              <a:alpha val="100000"/>
-                            </a:srgbClr>
-                          </a:solidFill>
-                          <a:latin typeface="Arial"/>
-                          <a:cs typeface="Arial"/>
-                          <a:ea typeface="Arial"/>
-                          <a:sym typeface="Arial"/>
-                        </a:rPr>
-                        <a:t>0.0206</a:t>
-                      </a:r>
-                    </a:p>
-                  </a:txBody>
-                  <a:tcPr anchor="ctr" marB="63500" marT="63500" marR="0" marL="0">
-                    <a:lnL algn="ctr" cmpd="sng" cap="flat" w="0">
-                      <a:noFill/>
-                      <a:prstDash val="solid"/>
-                    </a:lnL>
-                    <a:lnR algn="ctr" cmpd="sng" cap="flat" w="0">
-                      <a:noFill/>
-                      <a:prstDash val="solid"/>
-                    </a:lnR>
-                    <a:lnT algn="ctr" cmpd="sng" cap="flat" w="0">
-                      <a:noFill/>
-                      <a:prstDash val="solid"/>
-                    </a:lnT>
-                    <a:lnB algn="ctr" cmpd="sng" cap="flat" w="0">
-                      <a:noFill/>
-                      <a:prstDash val="solid"/>
-                    </a:lnB>
-                    <a:solidFill>
-                      <a:srgbClr val="FFFFFF">
-                        <a:alpha val="0"/>
-                      </a:srgbClr>
-                    </a:solidFill>
-                  </a:tcPr>
-                </a:tc>
-                <a:tc>
-                  <a:txBody>
-                    <a:bodyPr/>
-                    <a:lstStyle/>
-                    <a:p>
-                      <a:pPr algn="ctr" marL="63500" marR="63500">
-                        <a:lnSpc>
-                          <a:spcPct val="100000"/>
-                        </a:lnSpc>
-                        <a:spcBef>
-                          <a:spcPts val="500"/>
-                        </a:spcBef>
-                        <a:spcAft>
-                          <a:spcPts val="500"/>
-                        </a:spcAft>
-                        <a:buNone/>
-                      </a:pPr>
-                      <a:r>
-                        <a:rPr cap="none" sz="1100" i="0" b="0" u="none">
-                          <a:solidFill>
-                            <a:srgbClr val="000000">
-                              <a:alpha val="100000"/>
-                            </a:srgbClr>
-                          </a:solidFill>
-                          <a:latin typeface="Arial"/>
-                          <a:cs typeface="Arial"/>
-                          <a:ea typeface="Arial"/>
-                          <a:sym typeface="Arial"/>
-                        </a:rPr>
-                        <a:t>0.0570</a:t>
-                      </a:r>
-                    </a:p>
-                  </a:txBody>
-                  <a:tcPr anchor="ctr" marB="63500" marT="63500" marR="0" marL="0">
-                    <a:lnL algn="ctr" cmpd="sng" cap="flat" w="0">
-                      <a:noFill/>
-                      <a:prstDash val="solid"/>
-                    </a:lnL>
-                    <a:lnR algn="ctr" cmpd="sng" cap="flat" w="0">
-                      <a:noFill/>
-                      <a:prstDash val="solid"/>
-                    </a:lnR>
-                    <a:lnT algn="ctr" cmpd="sng" cap="flat" w="0">
-                      <a:noFill/>
-                      <a:prstDash val="solid"/>
-                    </a:lnT>
-                    <a:lnB algn="ctr" cmpd="sng" cap="flat" w="0">
-                      <a:noFill/>
-                      <a:prstDash val="solid"/>
-                    </a:lnB>
-                    <a:solidFill>
-                      <a:srgbClr val="FFFFFF">
-                        <a:alpha val="0"/>
-                      </a:srgbClr>
-                    </a:solidFill>
-                  </a:tcPr>
-                </a:tc>
-              </a:tr>
-              <a:tr h="228600">
-                <a:tc>
-                  <a:txBody>
-                    <a:bodyPr/>
-                    <a:lstStyle/>
-                    <a:p>
-                      <a:pPr algn="l" marL="63500" marR="63500">
-                        <a:lnSpc>
-                          <a:spcPct val="100000"/>
-                        </a:lnSpc>
-                        <a:spcBef>
-                          <a:spcPts val="500"/>
-                        </a:spcBef>
-                        <a:spcAft>
-                          <a:spcPts val="500"/>
-                        </a:spcAft>
-                        <a:buNone/>
-                      </a:pPr>
-                      <a:r>
-                        <a:rPr cap="none" sz="1100" i="0" b="0" u="none">
-                          <a:solidFill>
-                            <a:srgbClr val="000000">
-                              <a:alpha val="100000"/>
-                            </a:srgbClr>
-                          </a:solidFill>
-                          <a:latin typeface="Arial"/>
-                          <a:cs typeface="Arial"/>
-                          <a:ea typeface="Arial"/>
-                          <a:sym typeface="Arial"/>
-                        </a:rPr>
-                        <a:t>Treatment C</a:t>
-                      </a:r>
-                    </a:p>
-                  </a:txBody>
-                  <a:tcPr anchor="ctr" marB="63500" marT="63500" marR="0" marL="0">
-                    <a:lnL algn="ctr" cmpd="sng" cap="flat" w="0">
-                      <a:noFill/>
-                      <a:prstDash val="solid"/>
-                    </a:lnL>
-                    <a:lnR algn="ctr" cmpd="sng" cap="flat" w="0">
-                      <a:noFill/>
-                      <a:prstDash val="solid"/>
-                    </a:lnR>
-                    <a:lnT algn="ctr" cmpd="sng" cap="flat" w="0">
-                      <a:noFill/>
-                      <a:prstDash val="solid"/>
-                    </a:lnT>
-                    <a:lnB algn="ctr" cmpd="sng" cap="flat" w="0">
-                      <a:noFill/>
-                      <a:prstDash val="solid"/>
-                    </a:lnB>
-                    <a:solidFill>
-                      <a:srgbClr val="FFFFFF">
-                        <a:alpha val="0"/>
-                      </a:srgbClr>
-                    </a:solidFill>
-                  </a:tcPr>
-                </a:tc>
-                <a:tc>
-                  <a:txBody>
-                    <a:bodyPr/>
-                    <a:lstStyle/>
-                    <a:p>
-                      <a:pPr algn="ctr" marL="63500" marR="63500">
-                        <a:lnSpc>
-                          <a:spcPct val="100000"/>
-                        </a:lnSpc>
-                        <a:spcBef>
-                          <a:spcPts val="500"/>
-                        </a:spcBef>
-                        <a:spcAft>
-                          <a:spcPts val="500"/>
-                        </a:spcAft>
-                        <a:buNone/>
-                      </a:pPr>
-                      <a:r>
-                        <a:rPr cap="none" sz="1100" i="0" b="0" u="none">
-                          <a:solidFill>
-                            <a:srgbClr val="000000">
-                              <a:alpha val="100000"/>
-                            </a:srgbClr>
-                          </a:solidFill>
-                          <a:latin typeface="Arial"/>
-                          <a:cs typeface="Arial"/>
-                          <a:ea typeface="Arial"/>
-                          <a:sym typeface="Arial"/>
-                        </a:rPr>
-                        <a:t>0.0230</a:t>
-                      </a:r>
-                    </a:p>
-                  </a:txBody>
-                  <a:tcPr anchor="ctr" marB="63500" marT="63500" marR="0" marL="0">
-                    <a:lnL algn="ctr" cmpd="sng" cap="flat" w="0">
-                      <a:noFill/>
-                      <a:prstDash val="solid"/>
-                    </a:lnL>
-                    <a:lnR algn="ctr" cmpd="sng" cap="flat" w="0">
-                      <a:noFill/>
-                      <a:prstDash val="solid"/>
-                    </a:lnR>
-                    <a:lnT algn="ctr" cmpd="sng" cap="flat" w="0">
-                      <a:noFill/>
-                      <a:prstDash val="solid"/>
-                    </a:lnT>
-                    <a:lnB algn="ctr" cmpd="sng" cap="flat" w="0">
-                      <a:noFill/>
-                      <a:prstDash val="solid"/>
-                    </a:lnB>
-                    <a:solidFill>
-                      <a:srgbClr val="FFFFFF">
-                        <a:alpha val="0"/>
-                      </a:srgbClr>
-                    </a:solidFill>
-                  </a:tcPr>
-                </a:tc>
-                <a:tc>
-                  <a:txBody>
-                    <a:bodyPr/>
-                    <a:lstStyle/>
-                    <a:p>
-                      <a:pPr algn="ctr" marL="63500" marR="63500">
-                        <a:lnSpc>
-                          <a:spcPct val="100000"/>
-                        </a:lnSpc>
-                        <a:spcBef>
-                          <a:spcPts val="500"/>
-                        </a:spcBef>
-                        <a:spcAft>
-                          <a:spcPts val="500"/>
-                        </a:spcAft>
-                        <a:buNone/>
-                      </a:pPr>
-                      <a:r>
-                        <a:rPr cap="none" sz="1100" i="0" b="0" u="none">
-                          <a:solidFill>
-                            <a:srgbClr val="000000">
-                              <a:alpha val="100000"/>
-                            </a:srgbClr>
-                          </a:solidFill>
-                          <a:latin typeface="Arial"/>
-                          <a:cs typeface="Arial"/>
-                          <a:ea typeface="Arial"/>
-                          <a:sym typeface="Arial"/>
-                        </a:rPr>
-                        <a:t>0.0336</a:t>
-                      </a:r>
-                    </a:p>
-                  </a:txBody>
-                  <a:tcPr anchor="ctr" marB="63500" marT="63500" marR="0" marL="0">
-                    <a:lnL algn="ctr" cmpd="sng" cap="flat" w="0">
-                      <a:noFill/>
-                      <a:prstDash val="solid"/>
-                    </a:lnL>
-                    <a:lnR algn="ctr" cmpd="sng" cap="flat" w="0">
-                      <a:noFill/>
-                      <a:prstDash val="solid"/>
-                    </a:lnR>
-                    <a:lnT algn="ctr" cmpd="sng" cap="flat" w="0">
-                      <a:noFill/>
-                      <a:prstDash val="solid"/>
-                    </a:lnT>
-                    <a:lnB algn="ctr" cmpd="sng" cap="flat" w="0">
-                      <a:noFill/>
-                      <a:prstDash val="solid"/>
-                    </a:lnB>
-                    <a:solidFill>
-                      <a:srgbClr val="FFFFFF">
-                        <a:alpha val="0"/>
-                      </a:srgbClr>
-                    </a:solidFill>
-                  </a:tcPr>
-                </a:tc>
-                <a:tc>
-                  <a:txBody>
-                    <a:bodyPr/>
-                    <a:lstStyle/>
-                    <a:p>
-                      <a:pPr algn="ctr" marL="63500" marR="63500">
-                        <a:lnSpc>
-                          <a:spcPct val="100000"/>
-                        </a:lnSpc>
-                        <a:spcBef>
-                          <a:spcPts val="500"/>
-                        </a:spcBef>
-                        <a:spcAft>
-                          <a:spcPts val="500"/>
-                        </a:spcAft>
-                        <a:buNone/>
-                      </a:pPr>
-                      <a:r>
-                        <a:rPr cap="none" sz="1100" i="0" b="0" u="none">
-                          <a:solidFill>
-                            <a:srgbClr val="000000">
-                              <a:alpha val="100000"/>
-                            </a:srgbClr>
-                          </a:solidFill>
-                          <a:latin typeface="Arial"/>
-                          <a:cs typeface="Arial"/>
-                          <a:ea typeface="Arial"/>
-                          <a:sym typeface="Arial"/>
-                        </a:rPr>
-                        <a:t>-0.0019</a:t>
-                      </a:r>
-                    </a:p>
-                  </a:txBody>
-                  <a:tcPr anchor="ctr" marB="63500" marT="63500" marR="0" marL="0">
-                    <a:lnL algn="ctr" cmpd="sng" cap="flat" w="0">
-                      <a:noFill/>
-                      <a:prstDash val="solid"/>
-                    </a:lnL>
-                    <a:lnR algn="ctr" cmpd="sng" cap="flat" w="0">
-                      <a:noFill/>
-                      <a:prstDash val="solid"/>
-                    </a:lnR>
-                    <a:lnT algn="ctr" cmpd="sng" cap="flat" w="0">
-                      <a:noFill/>
-                      <a:prstDash val="solid"/>
-                    </a:lnT>
-                    <a:lnB algn="ctr" cmpd="sng" cap="flat" w="0">
-                      <a:noFill/>
-                      <a:prstDash val="solid"/>
-                    </a:lnB>
-                    <a:solidFill>
-                      <a:srgbClr val="FFFFFF">
-                        <a:alpha val="0"/>
-                      </a:srgbClr>
-                    </a:solidFill>
-                  </a:tcPr>
-                </a:tc>
-                <a:tc>
-                  <a:txBody>
-                    <a:bodyPr/>
-                    <a:lstStyle/>
-                    <a:p>
-                      <a:pPr algn="ctr" marL="63500" marR="63500">
-                        <a:lnSpc>
-                          <a:spcPct val="100000"/>
-                        </a:lnSpc>
-                        <a:spcBef>
-                          <a:spcPts val="500"/>
-                        </a:spcBef>
-                        <a:spcAft>
-                          <a:spcPts val="500"/>
-                        </a:spcAft>
-                        <a:buNone/>
-                      </a:pPr>
-                      <a:r>
-                        <a:rPr cap="none" sz="1100" i="0" b="0" u="none">
-                          <a:solidFill>
-                            <a:srgbClr val="000000">
-                              <a:alpha val="100000"/>
-                            </a:srgbClr>
-                          </a:solidFill>
-                          <a:latin typeface="Arial"/>
-                          <a:cs typeface="Arial"/>
-                          <a:ea typeface="Arial"/>
-                          <a:sym typeface="Arial"/>
-                        </a:rPr>
-                        <a:t>0.0598</a:t>
-                      </a:r>
-                    </a:p>
-                  </a:txBody>
-                  <a:tcPr anchor="ctr" marB="63500" marT="63500" marR="0" marL="0">
-                    <a:lnL algn="ctr" cmpd="sng" cap="flat" w="0">
-                      <a:noFill/>
-                      <a:prstDash val="solid"/>
-                    </a:lnL>
-                    <a:lnR algn="ctr" cmpd="sng" cap="flat" w="0">
-                      <a:noFill/>
-                      <a:prstDash val="solid"/>
-                    </a:lnR>
-                    <a:lnT algn="ctr" cmpd="sng" cap="flat" w="0">
-                      <a:noFill/>
-                      <a:prstDash val="solid"/>
-                    </a:lnT>
-                    <a:lnB algn="ctr" cmpd="sng" cap="flat" w="0">
-                      <a:noFill/>
-                      <a:prstDash val="solid"/>
-                    </a:lnB>
-                    <a:solidFill>
-                      <a:srgbClr val="FFFFFF">
-                        <a:alpha val="0"/>
-                      </a:srgbClr>
-                    </a:solidFill>
-                  </a:tcPr>
-                </a:tc>
-              </a:tr>
-              <a:tr h="228600">
-                <a:tc>
-                  <a:txBody>
-                    <a:bodyPr/>
-                    <a:lstStyle/>
-                    <a:p>
-                      <a:pPr algn="l" marL="63500" marR="63500">
-                        <a:lnSpc>
-                          <a:spcPct val="100000"/>
-                        </a:lnSpc>
-                        <a:spcBef>
-                          <a:spcPts val="500"/>
-                        </a:spcBef>
-                        <a:spcAft>
-                          <a:spcPts val="500"/>
-                        </a:spcAft>
-                        <a:buNone/>
-                      </a:pPr>
-                      <a:r>
-                        <a:rPr cap="none" sz="1100" i="0" b="0" u="none">
-                          <a:solidFill>
-                            <a:srgbClr val="000000">
-                              <a:alpha val="100000"/>
-                            </a:srgbClr>
-                          </a:solidFill>
-                          <a:latin typeface="Arial"/>
-                          <a:cs typeface="Arial"/>
-                          <a:ea typeface="Arial"/>
-                          <a:sym typeface="Arial"/>
-                        </a:rPr>
-                        <a:t>Treatment D</a:t>
-                      </a:r>
-                    </a:p>
-                  </a:txBody>
-                  <a:tcPr anchor="ctr" marB="63500" marT="63500" marR="0" marL="0">
-                    <a:lnL algn="ctr" cmpd="sng" cap="flat" w="0">
-                      <a:noFill/>
-                      <a:prstDash val="solid"/>
-                    </a:lnL>
-                    <a:lnR algn="ctr" cmpd="sng" cap="flat" w="0">
-                      <a:noFill/>
-                      <a:prstDash val="solid"/>
-                    </a:lnR>
-                    <a:lnT algn="ctr" cmpd="sng" cap="flat" w="0">
-                      <a:noFill/>
-                      <a:prstDash val="solid"/>
-                    </a:lnT>
-                    <a:lnB algn="ctr" cmpd="sng" cap="flat" w="0">
-                      <a:noFill/>
-                      <a:prstDash val="solid"/>
-                    </a:lnB>
-                    <a:solidFill>
-                      <a:srgbClr val="FFFFFF">
-                        <a:alpha val="0"/>
-                      </a:srgbClr>
-                    </a:solidFill>
-                  </a:tcPr>
-                </a:tc>
-                <a:tc>
-                  <a:txBody>
-                    <a:bodyPr/>
-                    <a:lstStyle/>
-                    <a:p>
-                      <a:pPr algn="ctr" marL="63500" marR="63500">
-                        <a:lnSpc>
-                          <a:spcPct val="100000"/>
-                        </a:lnSpc>
-                        <a:spcBef>
-                          <a:spcPts val="500"/>
-                        </a:spcBef>
-                        <a:spcAft>
-                          <a:spcPts val="500"/>
-                        </a:spcAft>
-                        <a:buNone/>
-                      </a:pPr>
-                      <a:r>
-                        <a:rPr cap="none" sz="1100" i="0" b="0" u="none">
-                          <a:solidFill>
-                            <a:srgbClr val="000000">
-                              <a:alpha val="100000"/>
-                            </a:srgbClr>
-                          </a:solidFill>
-                          <a:latin typeface="Arial"/>
-                          <a:cs typeface="Arial"/>
-                          <a:ea typeface="Arial"/>
-                          <a:sym typeface="Arial"/>
-                        </a:rPr>
-                        <a:t>0.0287</a:t>
-                      </a:r>
-                    </a:p>
-                  </a:txBody>
-                  <a:tcPr anchor="ctr" marB="63500" marT="63500" marR="0" marL="0">
-                    <a:lnL algn="ctr" cmpd="sng" cap="flat" w="0">
-                      <a:noFill/>
-                      <a:prstDash val="solid"/>
-                    </a:lnL>
-                    <a:lnR algn="ctr" cmpd="sng" cap="flat" w="0">
-                      <a:noFill/>
-                      <a:prstDash val="solid"/>
-                    </a:lnR>
-                    <a:lnT algn="ctr" cmpd="sng" cap="flat" w="0">
-                      <a:noFill/>
-                      <a:prstDash val="solid"/>
-                    </a:lnT>
-                    <a:lnB algn="ctr" cmpd="sng" cap="flat" w="0">
-                      <a:noFill/>
-                      <a:prstDash val="solid"/>
-                    </a:lnB>
-                    <a:solidFill>
-                      <a:srgbClr val="FFFFFF">
-                        <a:alpha val="0"/>
-                      </a:srgbClr>
-                    </a:solidFill>
-                  </a:tcPr>
-                </a:tc>
-                <a:tc>
-                  <a:txBody>
-                    <a:bodyPr/>
-                    <a:lstStyle/>
-                    <a:p>
-                      <a:pPr algn="ctr" marL="63500" marR="63500">
-                        <a:lnSpc>
-                          <a:spcPct val="100000"/>
-                        </a:lnSpc>
-                        <a:spcBef>
-                          <a:spcPts val="500"/>
-                        </a:spcBef>
-                        <a:spcAft>
-                          <a:spcPts val="500"/>
-                        </a:spcAft>
-                        <a:buNone/>
-                      </a:pPr>
-                      <a:r>
-                        <a:rPr cap="none" sz="1100" i="0" b="0" u="none">
-                          <a:solidFill>
-                            <a:srgbClr val="000000">
-                              <a:alpha val="100000"/>
-                            </a:srgbClr>
-                          </a:solidFill>
-                          <a:latin typeface="Arial"/>
-                          <a:cs typeface="Arial"/>
-                          <a:ea typeface="Arial"/>
-                          <a:sym typeface="Arial"/>
-                        </a:rPr>
-                        <a:t>0.0390</a:t>
-                      </a:r>
-                    </a:p>
-                  </a:txBody>
-                  <a:tcPr anchor="ctr" marB="63500" marT="63500" marR="0" marL="0">
-                    <a:lnL algn="ctr" cmpd="sng" cap="flat" w="0">
-                      <a:noFill/>
-                      <a:prstDash val="solid"/>
-                    </a:lnL>
-                    <a:lnR algn="ctr" cmpd="sng" cap="flat" w="0">
-                      <a:noFill/>
-                      <a:prstDash val="solid"/>
-                    </a:lnR>
-                    <a:lnT algn="ctr" cmpd="sng" cap="flat" w="0">
-                      <a:noFill/>
-                      <a:prstDash val="solid"/>
-                    </a:lnT>
-                    <a:lnB algn="ctr" cmpd="sng" cap="flat" w="0">
-                      <a:noFill/>
-                      <a:prstDash val="solid"/>
-                    </a:lnB>
-                    <a:solidFill>
-                      <a:srgbClr val="FFFFFF">
-                        <a:alpha val="0"/>
-                      </a:srgbClr>
-                    </a:solidFill>
-                  </a:tcPr>
-                </a:tc>
-                <a:tc>
-                  <a:txBody>
-                    <a:bodyPr/>
-                    <a:lstStyle/>
-                    <a:p>
-                      <a:pPr algn="ctr" marL="63500" marR="63500">
-                        <a:lnSpc>
-                          <a:spcPct val="100000"/>
-                        </a:lnSpc>
-                        <a:spcBef>
-                          <a:spcPts val="500"/>
-                        </a:spcBef>
-                        <a:spcAft>
-                          <a:spcPts val="500"/>
-                        </a:spcAft>
-                        <a:buNone/>
-                      </a:pPr>
-                      <a:r>
-                        <a:rPr cap="none" sz="1100" i="0" b="0" u="none">
-                          <a:solidFill>
-                            <a:srgbClr val="000000">
-                              <a:alpha val="100000"/>
-                            </a:srgbClr>
-                          </a:solidFill>
-                          <a:latin typeface="Arial"/>
-                          <a:cs typeface="Arial"/>
-                          <a:ea typeface="Arial"/>
-                          <a:sym typeface="Arial"/>
-                        </a:rPr>
-                        <a:t>0.0079</a:t>
-                      </a:r>
-                    </a:p>
-                  </a:txBody>
-                  <a:tcPr anchor="ctr" marB="63500" marT="63500" marR="0" marL="0">
-                    <a:lnL algn="ctr" cmpd="sng" cap="flat" w="0">
-                      <a:noFill/>
-                      <a:prstDash val="solid"/>
-                    </a:lnL>
-                    <a:lnR algn="ctr" cmpd="sng" cap="flat" w="0">
-                      <a:noFill/>
-                      <a:prstDash val="solid"/>
-                    </a:lnR>
-                    <a:lnT algn="ctr" cmpd="sng" cap="flat" w="0">
-                      <a:noFill/>
-                      <a:prstDash val="solid"/>
-                    </a:lnT>
-                    <a:lnB algn="ctr" cmpd="sng" cap="flat" w="0">
-                      <a:noFill/>
-                      <a:prstDash val="solid"/>
-                    </a:lnB>
-                    <a:solidFill>
-                      <a:srgbClr val="FFFFFF">
-                        <a:alpha val="0"/>
-                      </a:srgbClr>
-                    </a:solidFill>
-                  </a:tcPr>
-                </a:tc>
-                <a:tc>
-                  <a:txBody>
-                    <a:bodyPr/>
-                    <a:lstStyle/>
-                    <a:p>
-                      <a:pPr algn="ctr" marL="63500" marR="63500">
-                        <a:lnSpc>
-                          <a:spcPct val="100000"/>
-                        </a:lnSpc>
-                        <a:spcBef>
-                          <a:spcPts val="500"/>
-                        </a:spcBef>
-                        <a:spcAft>
-                          <a:spcPts val="500"/>
-                        </a:spcAft>
-                        <a:buNone/>
-                      </a:pPr>
-                      <a:r>
-                        <a:rPr cap="none" sz="1100" i="0" b="0" u="none">
-                          <a:solidFill>
-                            <a:srgbClr val="000000">
-                              <a:alpha val="100000"/>
-                            </a:srgbClr>
-                          </a:solidFill>
-                          <a:latin typeface="Arial"/>
-                          <a:cs typeface="Arial"/>
-                          <a:ea typeface="Arial"/>
-                          <a:sym typeface="Arial"/>
-                        </a:rPr>
-                        <a:t>0.0628</a:t>
-                      </a:r>
-                    </a:p>
-                  </a:txBody>
-                  <a:tcPr anchor="ctr" marB="63500" marT="63500" marR="0" marL="0">
-                    <a:lnL algn="ctr" cmpd="sng" cap="flat" w="0">
-                      <a:noFill/>
-                      <a:prstDash val="solid"/>
-                    </a:lnL>
-                    <a:lnR algn="ctr" cmpd="sng" cap="flat" w="0">
-                      <a:noFill/>
-                      <a:prstDash val="solid"/>
-                    </a:lnR>
-                    <a:lnT algn="ctr" cmpd="sng" cap="flat" w="0">
-                      <a:noFill/>
-                      <a:prstDash val="solid"/>
-                    </a:lnT>
-                    <a:lnB algn="ctr" cmpd="sng" cap="flat" w="0">
-                      <a:noFill/>
-                      <a:prstDash val="solid"/>
-                    </a:lnB>
-                    <a:solidFill>
-                      <a:srgbClr val="FFFFFF">
-                        <a:alpha val="0"/>
-                      </a:srgbClr>
-                    </a:solidFill>
-                  </a:tcPr>
-                </a:tc>
-              </a:tr>
-              <a:tr h="228600">
-                <a:tc>
-                  <a:txBody>
-                    <a:bodyPr/>
-                    <a:lstStyle/>
-                    <a:p>
-                      <a:pPr algn="l" marL="63500" marR="63500">
-                        <a:lnSpc>
-                          <a:spcPct val="100000"/>
-                        </a:lnSpc>
-                        <a:spcBef>
-                          <a:spcPts val="500"/>
-                        </a:spcBef>
-                        <a:spcAft>
-                          <a:spcPts val="500"/>
-                        </a:spcAft>
-                        <a:buNone/>
-                      </a:pPr>
-                      <a:r>
-                        <a:rPr cap="none" sz="1100" i="0" b="0" u="none">
-                          <a:solidFill>
-                            <a:srgbClr val="000000">
-                              <a:alpha val="100000"/>
-                            </a:srgbClr>
-                          </a:solidFill>
-                          <a:latin typeface="Arial"/>
-                          <a:cs typeface="Arial"/>
-                          <a:ea typeface="Arial"/>
-                          <a:sym typeface="Arial"/>
-                        </a:rPr>
-                        <a:t>Optimum targeting</a:t>
-                      </a:r>
-                    </a:p>
-                  </a:txBody>
-                  <a:tcPr anchor="ctr" marB="63500" marT="63500" marR="0" marL="0">
-                    <a:lnL algn="ctr" cmpd="sng" cap="flat" w="0">
-                      <a:noFill/>
-                      <a:prstDash val="solid"/>
-                    </a:lnL>
-                    <a:lnR algn="ctr" cmpd="sng" cap="flat" w="0">
-                      <a:noFill/>
-                      <a:prstDash val="solid"/>
-                    </a:lnR>
-                    <a:lnT algn="ctr" cmpd="sng" cap="flat" w="0">
-                      <a:noFill/>
-                      <a:prstDash val="solid"/>
-                    </a:lnT>
-                    <a:lnB algn="ctr" cmpd="sng" cap="flat" w="12700">
-                      <a:solidFill>
-                        <a:srgbClr val="000000">
-                          <a:alpha val="100000"/>
-                        </a:srgbClr>
-                      </a:solidFill>
-                      <a:prstDash val="solid"/>
-                    </a:lnB>
-                    <a:solidFill>
-                      <a:srgbClr val="FFFFFF">
-                        <a:alpha val="0"/>
-                      </a:srgbClr>
-                    </a:solidFill>
-                  </a:tcPr>
-                </a:tc>
-                <a:tc>
-                  <a:txBody>
-                    <a:bodyPr/>
-                    <a:lstStyle/>
-                    <a:p>
-                      <a:pPr algn="ctr" marL="63500" marR="63500">
-                        <a:lnSpc>
-                          <a:spcPct val="100000"/>
-                        </a:lnSpc>
-                        <a:spcBef>
-                          <a:spcPts val="500"/>
-                        </a:spcBef>
-                        <a:spcAft>
-                          <a:spcPts val="500"/>
-                        </a:spcAft>
-                        <a:buNone/>
-                      </a:pPr>
-                      <a:r>
-                        <a:rPr cap="none" sz="1100" i="0" b="0" u="none">
-                          <a:solidFill>
-                            <a:srgbClr val="000000">
-                              <a:alpha val="100000"/>
-                            </a:srgbClr>
-                          </a:solidFill>
-                          <a:latin typeface="Arial"/>
-                          <a:cs typeface="Arial"/>
-                          <a:ea typeface="Arial"/>
-                          <a:sym typeface="Arial"/>
-                        </a:rPr>
-                        <a:t>0.0473</a:t>
-                      </a:r>
-                    </a:p>
-                  </a:txBody>
-                  <a:tcPr anchor="ctr" marB="63500" marT="63500" marR="0" marL="0">
-                    <a:lnL algn="ctr" cmpd="sng" cap="flat" w="0">
-                      <a:noFill/>
-                      <a:prstDash val="solid"/>
-                    </a:lnL>
-                    <a:lnR algn="ctr" cmpd="sng" cap="flat" w="0">
-                      <a:noFill/>
-                      <a:prstDash val="solid"/>
-                    </a:lnR>
-                    <a:lnT algn="ctr" cmpd="sng" cap="flat" w="0">
-                      <a:noFill/>
-                      <a:prstDash val="solid"/>
-                    </a:lnT>
-                    <a:lnB algn="ctr" cmpd="sng" cap="flat" w="12700">
-                      <a:solidFill>
-                        <a:srgbClr val="000000">
-                          <a:alpha val="100000"/>
-                        </a:srgbClr>
-                      </a:solidFill>
-                      <a:prstDash val="solid"/>
-                    </a:lnB>
-                    <a:solidFill>
-                      <a:srgbClr val="FFFFFF">
-                        <a:alpha val="0"/>
-                      </a:srgbClr>
-                    </a:solidFill>
-                  </a:tcPr>
-                </a:tc>
-                <a:tc>
-                  <a:txBody>
-                    <a:bodyPr/>
-                    <a:lstStyle/>
-                    <a:p>
-                      <a:pPr algn="ctr" marL="63500" marR="63500">
-                        <a:lnSpc>
-                          <a:spcPct val="100000"/>
-                        </a:lnSpc>
-                        <a:spcBef>
-                          <a:spcPts val="500"/>
-                        </a:spcBef>
-                        <a:spcAft>
-                          <a:spcPts val="500"/>
-                        </a:spcAft>
-                        <a:buNone/>
-                      </a:pPr>
-                      <a:r>
-                        <a:rPr cap="none" sz="1100" i="0" b="0" u="none">
-                          <a:solidFill>
-                            <a:srgbClr val="000000">
-                              <a:alpha val="100000"/>
-                            </a:srgbClr>
-                          </a:solidFill>
-                          <a:latin typeface="Arial"/>
-                          <a:cs typeface="Arial"/>
-                          <a:ea typeface="Arial"/>
-                          <a:sym typeface="Arial"/>
-                        </a:rPr>
-                        <a:t>0.0530</a:t>
-                      </a:r>
-                    </a:p>
-                  </a:txBody>
-                  <a:tcPr anchor="ctr" marB="63500" marT="63500" marR="0" marL="0">
-                    <a:lnL algn="ctr" cmpd="sng" cap="flat" w="0">
-                      <a:noFill/>
-                      <a:prstDash val="solid"/>
-                    </a:lnL>
-                    <a:lnR algn="ctr" cmpd="sng" cap="flat" w="0">
-                      <a:noFill/>
-                      <a:prstDash val="solid"/>
-                    </a:lnR>
-                    <a:lnT algn="ctr" cmpd="sng" cap="flat" w="0">
-                      <a:noFill/>
-                      <a:prstDash val="solid"/>
-                    </a:lnT>
-                    <a:lnB algn="ctr" cmpd="sng" cap="flat" w="12700">
-                      <a:solidFill>
-                        <a:srgbClr val="000000">
-                          <a:alpha val="100000"/>
-                        </a:srgbClr>
-                      </a:solidFill>
-                      <a:prstDash val="solid"/>
-                    </a:lnB>
-                    <a:solidFill>
-                      <a:srgbClr val="FFFFFF">
-                        <a:alpha val="0"/>
-                      </a:srgbClr>
-                    </a:solidFill>
-                  </a:tcPr>
-                </a:tc>
-                <a:tc>
-                  <a:txBody>
-                    <a:bodyPr/>
-                    <a:lstStyle/>
-                    <a:p>
-                      <a:pPr algn="ctr" marL="63500" marR="63500">
-                        <a:lnSpc>
-                          <a:spcPct val="100000"/>
-                        </a:lnSpc>
-                        <a:spcBef>
-                          <a:spcPts val="500"/>
-                        </a:spcBef>
-                        <a:spcAft>
-                          <a:spcPts val="500"/>
-                        </a:spcAft>
-                        <a:buNone/>
-                      </a:pPr>
-                      <a:r>
-                        <a:rPr cap="none" sz="1100" i="0" b="0" u="none">
-                          <a:solidFill>
-                            <a:srgbClr val="000000">
-                              <a:alpha val="100000"/>
-                            </a:srgbClr>
-                          </a:solidFill>
-                          <a:latin typeface="Arial"/>
-                          <a:cs typeface="Arial"/>
-                          <a:ea typeface="Arial"/>
-                          <a:sym typeface="Arial"/>
-                        </a:rPr>
-                        <a:t/>
-                      </a:r>
-                    </a:p>
-                  </a:txBody>
-                  <a:tcPr anchor="ctr" marB="63500" marT="63500" marR="0" marL="0">
-                    <a:lnL algn="ctr" cmpd="sng" cap="flat" w="0">
-                      <a:noFill/>
-                      <a:prstDash val="solid"/>
-                    </a:lnL>
-                    <a:lnR algn="ctr" cmpd="sng" cap="flat" w="0">
-                      <a:noFill/>
-                      <a:prstDash val="solid"/>
-                    </a:lnR>
-                    <a:lnT algn="ctr" cmpd="sng" cap="flat" w="0">
-                      <a:noFill/>
-                      <a:prstDash val="solid"/>
-                    </a:lnT>
-                    <a:lnB algn="ctr" cmpd="sng" cap="flat" w="12700">
-                      <a:solidFill>
-                        <a:srgbClr val="000000">
-                          <a:alpha val="100000"/>
-                        </a:srgbClr>
-                      </a:solidFill>
-                      <a:prstDash val="solid"/>
-                    </a:lnB>
-                    <a:solidFill>
-                      <a:srgbClr val="FFFFFF">
-                        <a:alpha val="0"/>
-                      </a:srgbClr>
-                    </a:solidFill>
-                  </a:tcPr>
-                </a:tc>
-                <a:tc>
-                  <a:txBody>
-                    <a:bodyPr/>
-                    <a:lstStyle/>
-                    <a:p>
-                      <a:pPr algn="ctr" marL="63500" marR="63500">
-                        <a:lnSpc>
-                          <a:spcPct val="100000"/>
-                        </a:lnSpc>
-                        <a:spcBef>
-                          <a:spcPts val="500"/>
-                        </a:spcBef>
-                        <a:spcAft>
-                          <a:spcPts val="500"/>
-                        </a:spcAft>
-                        <a:buNone/>
-                      </a:pPr>
-                      <a:r>
-                        <a:rPr cap="none" sz="1100" i="0" b="0" u="none">
-                          <a:solidFill>
-                            <a:srgbClr val="000000">
-                              <a:alpha val="100000"/>
-                            </a:srgbClr>
-                          </a:solidFill>
-                          <a:latin typeface="Arial"/>
-                          <a:cs typeface="Arial"/>
-                          <a:ea typeface="Arial"/>
-                          <a:sym typeface="Arial"/>
-                        </a:rPr>
-                        <a:t/>
-                      </a:r>
-                    </a:p>
-                  </a:txBody>
-                  <a:tcPr anchor="ctr" marB="63500" marT="63500" marR="0" marL="0">
-                    <a:lnL algn="ctr" cmpd="sng" cap="flat" w="0">
-                      <a:noFill/>
-                      <a:prstDash val="solid"/>
-                    </a:lnL>
-                    <a:lnR algn="ctr" cmpd="sng" cap="flat" w="0">
-                      <a:noFill/>
-                      <a:prstDash val="solid"/>
-                    </a:lnR>
-                    <a:lnT algn="ctr" cmpd="sng" cap="flat" w="0">
-                      <a:noFill/>
-                      <a:prstDash val="solid"/>
-                    </a:lnT>
-                    <a:lnB algn="ctr" cmpd="sng" cap="flat" w="12700">
-                      <a:solidFill>
-                        <a:srgbClr val="000000">
-                          <a:alpha val="100000"/>
-                        </a:srgbClr>
-                      </a:solidFill>
-                      <a:prstDash val="solid"/>
-                    </a:lnB>
-                    <a:solidFill>
-                      <a:srgbClr val="FFFFFF">
-                        <a:alpha val="0"/>
-                      </a:srgbClr>
-                    </a:solidFill>
-                  </a:tcPr>
-                </a:tc>
-              </a:tr>
-            </a:tbl>
-          </a:graphicData>
-        </a:graphic>
-      </p:graphicFrame>
+            <a:fld id="{C5EF2332-01BF-834F-8236-50238282D533}" type="slidenum">
+              <a:rPr lang="en-US" smtClean="0"/>
+              <a:t>2</a:t>
+            </a:fld>
+            <a:endParaRPr lang="en-US"/>
+          </a:p>
+        </p:txBody>
+      </p:sp>
     </p:spTree>
   </p:cSld>
+  <p:clrMapOvr>
+    <a:masterClrMapping/>
+  </p:clrMapOvr>
 </p:sld>
 </file>
 
@@ -5096,19 +4733,2700 @@
           <a:bodyPr/>
           <a:lstStyle/>
           <a:p>
-            <a:pPr lvl="0" indent="0" marL="0">
+            <a:r>
+              <a:rPr dirty="0"/>
+              <a:t>実験群</a:t>
+            </a:r>
+          </a:p>
+        </p:txBody>
+      </p:sp>
+      <p:sp>
+        <p:nvSpPr>
+          <p:cNvPr id="3" name="Content Placeholder 2"/>
+          <p:cNvSpPr>
+            <a:spLocks noGrp="1"/>
+          </p:cNvSpPr>
+          <p:nvPr>
+            <p:ph idx="1"/>
+          </p:nvPr>
+        </p:nvSpPr>
+        <p:spPr/>
+        <p:txBody>
+          <a:bodyPr/>
+          <a:lstStyle/>
+          <a:p>
+            <a:pPr lvl="1"/>
+            <a:r>
+              <a:rPr dirty="0">
+                <a:latin typeface="游ゴシック Medium" panose="020B0500000000000000" pitchFamily="50" charset="-128"/>
+                <a:ea typeface="游ゴシック Medium" panose="020B0500000000000000" pitchFamily="50" charset="-128"/>
+              </a:rPr>
+              <a:t>A群（コントロール）：通常の適合通知</a:t>
+            </a:r>
+          </a:p>
+          <a:p>
+            <a:pPr lvl="1"/>
+            <a:r>
+              <a:rPr dirty="0">
+                <a:latin typeface="游ゴシック Medium" panose="020B0500000000000000" pitchFamily="50" charset="-128"/>
+                <a:ea typeface="游ゴシック Medium" panose="020B0500000000000000" pitchFamily="50" charset="-128"/>
+              </a:rPr>
+              <a:t>B群（トリートメント1）：通常の適合通知＋確率メッセージ</a:t>
+            </a:r>
+          </a:p>
+          <a:p>
+            <a:pPr lvl="1"/>
+            <a:r>
+              <a:rPr dirty="0">
+                <a:latin typeface="游ゴシック Medium" panose="020B0500000000000000" pitchFamily="50" charset="-128"/>
+                <a:ea typeface="游ゴシック Medium" panose="020B0500000000000000" pitchFamily="50" charset="-128"/>
+              </a:rPr>
+              <a:t>C群（トリートメント2）：通常の適合通知＋</a:t>
+            </a:r>
+            <a:r>
+              <a:rPr lang="ja-JP" altLang="en-US" dirty="0">
+                <a:latin typeface="游ゴシック Medium" panose="020B0500000000000000" pitchFamily="50" charset="-128"/>
+                <a:ea typeface="游ゴシック Medium" panose="020B0500000000000000" pitchFamily="50" charset="-128"/>
+              </a:rPr>
+              <a:t>早期コーディネーションメッセージ</a:t>
+            </a:r>
+            <a:endParaRPr dirty="0">
+              <a:latin typeface="游ゴシック Medium" panose="020B0500000000000000" pitchFamily="50" charset="-128"/>
+              <a:ea typeface="游ゴシック Medium" panose="020B0500000000000000" pitchFamily="50" charset="-128"/>
+            </a:endParaRPr>
+          </a:p>
+          <a:p>
+            <a:pPr lvl="1"/>
+            <a:r>
+              <a:rPr dirty="0">
+                <a:latin typeface="游ゴシック Medium" panose="020B0500000000000000" pitchFamily="50" charset="-128"/>
+                <a:ea typeface="游ゴシック Medium" panose="020B0500000000000000" pitchFamily="50" charset="-128"/>
+              </a:rPr>
+              <a:t>D群（トリートメント3）：通常の適合通知＋確率メッセージ＋</a:t>
+            </a:r>
+            <a:r>
+              <a:rPr lang="ja-JP" altLang="en-US" dirty="0">
+                <a:latin typeface="游ゴシック Medium" panose="020B0500000000000000" pitchFamily="50" charset="-128"/>
+                <a:ea typeface="游ゴシック Medium" panose="020B0500000000000000" pitchFamily="50" charset="-128"/>
+              </a:rPr>
+              <a:t>早期コーディネーションメッセージ</a:t>
+            </a:r>
+            <a:endParaRPr lang="en-US" altLang="ja-JP" dirty="0">
+              <a:latin typeface="游ゴシック Medium" panose="020B0500000000000000" pitchFamily="50" charset="-128"/>
+              <a:ea typeface="游ゴシック Medium" panose="020B0500000000000000" pitchFamily="50" charset="-128"/>
+            </a:endParaRPr>
+          </a:p>
+          <a:p>
+            <a:pPr lvl="1"/>
+            <a:endParaRPr lang="en-US" dirty="0">
+              <a:latin typeface="游ゴシック Medium" panose="020B0500000000000000" pitchFamily="50" charset="-128"/>
+              <a:ea typeface="游ゴシック Medium" panose="020B0500000000000000" pitchFamily="50" charset="-128"/>
+            </a:endParaRPr>
+          </a:p>
+          <a:p>
+            <a:pPr marL="342900" lvl="1" indent="0">
               <a:buNone/>
             </a:pPr>
             <a:r>
-              <a:rPr/>
+              <a:rPr dirty="0">
+                <a:latin typeface="游ゴシック Medium" panose="020B0500000000000000" pitchFamily="50" charset="-128"/>
+                <a:ea typeface="游ゴシック Medium" panose="020B0500000000000000" pitchFamily="50" charset="-128"/>
+              </a:rPr>
+              <a:t>実験は2021/9～2022/2で実施し、週単位で実験群を割り当てた</a:t>
+            </a:r>
+          </a:p>
+        </p:txBody>
+      </p:sp>
+      <p:sp>
+        <p:nvSpPr>
+          <p:cNvPr id="4" name="スライド番号プレースホルダー 3">
+            <a:extLst>
+              <a:ext uri="{FF2B5EF4-FFF2-40B4-BE49-F238E27FC236}">
+                <a16:creationId xmlns:a16="http://schemas.microsoft.com/office/drawing/2014/main" id="{018514B0-39B9-EA96-6091-5742BC6FEBD9}"/>
+              </a:ext>
+            </a:extLst>
+          </p:cNvPr>
+          <p:cNvSpPr>
+            <a:spLocks noGrp="1"/>
+          </p:cNvSpPr>
+          <p:nvPr>
+            <p:ph type="sldNum" sz="quarter" idx="12"/>
+          </p:nvPr>
+        </p:nvSpPr>
+        <p:spPr/>
+        <p:txBody>
+          <a:bodyPr/>
+          <a:lstStyle/>
+          <a:p>
+            <a:fld id="{C5EF2332-01BF-834F-8236-50238282D533}" type="slidenum">
+              <a:rPr lang="en-US" smtClean="0"/>
+              <a:t>3</a:t>
+            </a:fld>
+            <a:endParaRPr lang="en-US"/>
+          </a:p>
+        </p:txBody>
+      </p:sp>
+    </p:spTree>
+  </p:cSld>
+  <p:clrMapOvr>
+    <a:masterClrMapping/>
+  </p:clrMapOvr>
+</p:sld>
+</file>
+
+<file path=ppt/slides/slide4.xml><?xml version="1.0" encoding="utf-8"?>
+<p:sld xmlns:a="http://schemas.openxmlformats.org/drawingml/2006/main" xmlns:r="http://schemas.openxmlformats.org/officeDocument/2006/relationships" xmlns:p="http://schemas.openxmlformats.org/presentationml/2006/main">
+  <p:cSld>
+    <p:spTree>
+      <p:nvGrpSpPr>
+        <p:cNvPr id="1" name=""/>
+        <p:cNvGrpSpPr/>
+        <p:nvPr/>
+      </p:nvGrpSpPr>
+      <p:grpSpPr>
+        <a:xfrm>
+          <a:off x="0" y="0"/>
+          <a:ext cx="0" cy="0"/>
+          <a:chOff x="0" y="0"/>
+          <a:chExt cx="0" cy="0"/>
+        </a:xfrm>
+      </p:grpSpPr>
+      <p:sp>
+        <p:nvSpPr>
+          <p:cNvPr id="2" name="タイトル 1">
+            <a:extLst>
+              <a:ext uri="{FF2B5EF4-FFF2-40B4-BE49-F238E27FC236}">
+                <a16:creationId xmlns:a16="http://schemas.microsoft.com/office/drawing/2014/main" id="{F56338AC-E229-F4D4-F65A-8F2C47956B3C}"/>
+              </a:ext>
+            </a:extLst>
+          </p:cNvPr>
+          <p:cNvSpPr>
+            <a:spLocks noGrp="1"/>
+          </p:cNvSpPr>
+          <p:nvPr>
+            <p:ph type="title"/>
+          </p:nvPr>
+        </p:nvSpPr>
+        <p:spPr/>
+        <p:txBody>
+          <a:bodyPr/>
+          <a:lstStyle/>
+          <a:p>
+            <a:r>
+              <a:rPr kumimoji="1" lang="ja-JP" altLang="en-US" dirty="0"/>
+              <a:t>機械学習を用いた効果測定</a:t>
+            </a:r>
+          </a:p>
+        </p:txBody>
+      </p:sp>
+      <p:sp>
+        <p:nvSpPr>
+          <p:cNvPr id="3" name="コンテンツ プレースホルダー 2">
+            <a:extLst>
+              <a:ext uri="{FF2B5EF4-FFF2-40B4-BE49-F238E27FC236}">
+                <a16:creationId xmlns:a16="http://schemas.microsoft.com/office/drawing/2014/main" id="{F80B9AE0-069C-23E5-8FE4-28210283B42A}"/>
+              </a:ext>
+            </a:extLst>
+          </p:cNvPr>
+          <p:cNvSpPr>
+            <a:spLocks noGrp="1"/>
+          </p:cNvSpPr>
+          <p:nvPr>
+            <p:ph idx="1"/>
+          </p:nvPr>
+        </p:nvSpPr>
+        <p:spPr/>
+        <p:txBody>
+          <a:bodyPr anchor="ctr"/>
+          <a:lstStyle/>
+          <a:p>
+            <a:r>
+              <a:rPr kumimoji="1" lang="ja-JP" altLang="en-US" dirty="0"/>
+              <a:t>介入効果の異質性の検証として</a:t>
+            </a:r>
+            <a:r>
+              <a:rPr kumimoji="1" lang="en-US" altLang="ja-JP" dirty="0"/>
+              <a:t>Random causal forest</a:t>
+            </a:r>
+            <a:r>
+              <a:rPr kumimoji="1" lang="ja-JP" altLang="en-US" dirty="0"/>
+              <a:t>を使用</a:t>
+            </a:r>
+            <a:endParaRPr kumimoji="1" lang="en-US" altLang="ja-JP" dirty="0"/>
+          </a:p>
+          <a:p>
+            <a:pPr lvl="1"/>
+            <a:r>
+              <a:rPr kumimoji="1" lang="ja-JP" altLang="en-US" dirty="0"/>
+              <a:t>介入効果の異質性を高めるように、サンプルを観察可能な特徴（共変量）で分割する</a:t>
+            </a:r>
+            <a:endParaRPr kumimoji="1" lang="en-US" altLang="ja-JP" dirty="0"/>
+          </a:p>
+          <a:p>
+            <a:pPr lvl="1"/>
+            <a:r>
+              <a:rPr kumimoji="1" lang="ja-JP" altLang="en-US" dirty="0"/>
+              <a:t>分割したサブサンプル内で介入効果を推定する</a:t>
+            </a:r>
+            <a:endParaRPr kumimoji="1" lang="en-US" altLang="ja-JP" dirty="0"/>
+          </a:p>
+          <a:p>
+            <a:pPr lvl="1"/>
+            <a:r>
+              <a:rPr kumimoji="1" lang="ja-JP" altLang="en-US" dirty="0"/>
+              <a:t>介入を受けていない人についても、その人の共変量に基づいて介入効果を予測できる</a:t>
+            </a:r>
+            <a:endParaRPr kumimoji="1" lang="en-US" altLang="ja-JP" dirty="0"/>
+          </a:p>
+          <a:p>
+            <a:r>
+              <a:rPr kumimoji="1" lang="ja-JP" altLang="en-US" dirty="0"/>
+              <a:t>アウトカム変数は「意向あり」を使用</a:t>
+            </a:r>
+          </a:p>
+        </p:txBody>
+      </p:sp>
+      <p:sp>
+        <p:nvSpPr>
+          <p:cNvPr id="4" name="スライド番号プレースホルダー 3">
+            <a:extLst>
+              <a:ext uri="{FF2B5EF4-FFF2-40B4-BE49-F238E27FC236}">
+                <a16:creationId xmlns:a16="http://schemas.microsoft.com/office/drawing/2014/main" id="{509D43B4-3903-2ED7-3E47-956FD149FF1A}"/>
+              </a:ext>
+            </a:extLst>
+          </p:cNvPr>
+          <p:cNvSpPr>
+            <a:spLocks noGrp="1"/>
+          </p:cNvSpPr>
+          <p:nvPr>
+            <p:ph type="sldNum" sz="quarter" idx="12"/>
+          </p:nvPr>
+        </p:nvSpPr>
+        <p:spPr/>
+        <p:txBody>
+          <a:bodyPr/>
+          <a:lstStyle/>
+          <a:p>
+            <a:fld id="{C5EF2332-01BF-834F-8236-50238282D533}" type="slidenum">
+              <a:rPr lang="en-US" smtClean="0"/>
+              <a:t>4</a:t>
+            </a:fld>
+            <a:endParaRPr lang="en-US"/>
+          </a:p>
+        </p:txBody>
+      </p:sp>
+    </p:spTree>
+    <p:extLst>
+      <p:ext uri="{BB962C8B-B14F-4D97-AF65-F5344CB8AC3E}">
+        <p14:creationId xmlns:p14="http://schemas.microsoft.com/office/powerpoint/2010/main" val="3617160859"/>
+      </p:ext>
+    </p:extLst>
+  </p:cSld>
+  <p:clrMapOvr>
+    <a:masterClrMapping/>
+  </p:clrMapOvr>
+</p:sld>
+</file>
+
+<file path=ppt/slides/slide5.xml><?xml version="1.0" encoding="utf-8"?>
+<p:sld xmlns:a="http://schemas.openxmlformats.org/drawingml/2006/main" xmlns:r="http://schemas.openxmlformats.org/officeDocument/2006/relationships" xmlns:p="http://schemas.openxmlformats.org/presentationml/2006/main">
+  <p:cSld>
+    <p:spTree>
+      <p:nvGrpSpPr>
+        <p:cNvPr id="1" name=""/>
+        <p:cNvGrpSpPr/>
+        <p:nvPr/>
+      </p:nvGrpSpPr>
+      <p:grpSpPr>
+        <a:xfrm>
+          <a:off x="0" y="0"/>
+          <a:ext cx="0" cy="0"/>
+          <a:chOff x="0" y="0"/>
+          <a:chExt cx="0" cy="0"/>
+        </a:xfrm>
+      </p:grpSpPr>
+      <p:sp>
+        <p:nvSpPr>
+          <p:cNvPr id="2" name="タイトル 1">
+            <a:extLst>
+              <a:ext uri="{FF2B5EF4-FFF2-40B4-BE49-F238E27FC236}">
+                <a16:creationId xmlns:a16="http://schemas.microsoft.com/office/drawing/2014/main" id="{27E8B3ED-E7C4-152D-6788-58F3F4C34858}"/>
+              </a:ext>
+            </a:extLst>
+          </p:cNvPr>
+          <p:cNvSpPr>
+            <a:spLocks noGrp="1"/>
+          </p:cNvSpPr>
+          <p:nvPr>
+            <p:ph type="title"/>
+          </p:nvPr>
+        </p:nvSpPr>
+        <p:spPr/>
+        <p:txBody>
+          <a:bodyPr/>
+          <a:lstStyle/>
+          <a:p>
+            <a:r>
+              <a:rPr kumimoji="1" lang="ja-JP" altLang="en-US" dirty="0"/>
               <a:t>予測介入効果の分布</a:t>
             </a:r>
+          </a:p>
+        </p:txBody>
+      </p:sp>
+      <p:sp>
+        <p:nvSpPr>
+          <p:cNvPr id="4" name="スライド番号プレースホルダー 3">
+            <a:extLst>
+              <a:ext uri="{FF2B5EF4-FFF2-40B4-BE49-F238E27FC236}">
+                <a16:creationId xmlns:a16="http://schemas.microsoft.com/office/drawing/2014/main" id="{634D0D7D-66E8-8EA4-DD7A-7469AAE4B0B1}"/>
+              </a:ext>
+            </a:extLst>
+          </p:cNvPr>
+          <p:cNvSpPr>
+            <a:spLocks noGrp="1"/>
+          </p:cNvSpPr>
+          <p:nvPr>
+            <p:ph type="sldNum" sz="quarter" idx="12"/>
+          </p:nvPr>
+        </p:nvSpPr>
+        <p:spPr/>
+        <p:txBody>
+          <a:bodyPr/>
+          <a:lstStyle/>
+          <a:p>
+            <a:fld id="{C5EF2332-01BF-834F-8236-50238282D533}" type="slidenum">
+              <a:rPr lang="en-US" smtClean="0"/>
+              <a:t>5</a:t>
+            </a:fld>
+            <a:endParaRPr lang="en-US"/>
           </a:p>
         </p:txBody>
       </p:sp>
       <p:pic>
         <p:nvPicPr>
-          <p:cNvPr descr="targeting_files/figure-pptx/dist-targeting-effect-1.png" id="0" name="Picture 1"/>
+          <p:cNvPr id="5" name="Picture" descr="Figure 3.2: Boxplot of Predicted Treatment Effects by Gender and Age. Notes: Blue fitted line represents GAM smoothing. Covariates are gender, age, number of past coordinations, number of hospitals per 10 square kilometers, number of hospitals with PBSC collection per 10 square kilometers and number of hospitals with BM collection per 10 square kilometers.">
+            <a:extLst>
+              <a:ext uri="{FF2B5EF4-FFF2-40B4-BE49-F238E27FC236}">
+                <a16:creationId xmlns:a16="http://schemas.microsoft.com/office/drawing/2014/main" id="{0D46F3F1-F8CE-B5CA-CA12-1976D46E8926}"/>
+              </a:ext>
+            </a:extLst>
+          </p:cNvPr>
+          <p:cNvPicPr/>
+          <p:nvPr/>
+        </p:nvPicPr>
+        <p:blipFill>
+          <a:blip r:embed="rId2"/>
+          <a:stretch>
+            <a:fillRect/>
+          </a:stretch>
+        </p:blipFill>
+        <p:spPr bwMode="auto">
+          <a:xfrm>
+            <a:off x="1475509" y="1063229"/>
+            <a:ext cx="6192982" cy="3769736"/>
+          </a:xfrm>
+          <a:prstGeom prst="rect">
+            <a:avLst/>
+          </a:prstGeom>
+          <a:noFill/>
+          <a:ln w="9525">
+            <a:noFill/>
+            <a:headEnd/>
+            <a:tailEnd/>
+          </a:ln>
+        </p:spPr>
+      </p:pic>
+    </p:spTree>
+    <p:extLst>
+      <p:ext uri="{BB962C8B-B14F-4D97-AF65-F5344CB8AC3E}">
+        <p14:creationId xmlns:p14="http://schemas.microsoft.com/office/powerpoint/2010/main" val="192308724"/>
+      </p:ext>
+    </p:extLst>
+  </p:cSld>
+  <p:clrMapOvr>
+    <a:masterClrMapping/>
+  </p:clrMapOvr>
+</p:sld>
+</file>
+
+<file path=ppt/slides/slide6.xml><?xml version="1.0" encoding="utf-8"?>
+<p:sld xmlns:a="http://schemas.openxmlformats.org/drawingml/2006/main" xmlns:r="http://schemas.openxmlformats.org/officeDocument/2006/relationships" xmlns:p="http://schemas.openxmlformats.org/presentationml/2006/main">
+  <p:cSld>
+    <p:spTree>
+      <p:nvGrpSpPr>
+        <p:cNvPr id="1" name=""/>
+        <p:cNvGrpSpPr/>
+        <p:nvPr/>
+      </p:nvGrpSpPr>
+      <p:grpSpPr>
+        <a:xfrm>
+          <a:off x="0" y="0"/>
+          <a:ext cx="0" cy="0"/>
+          <a:chOff x="0" y="0"/>
+          <a:chExt cx="0" cy="0"/>
+        </a:xfrm>
+      </p:grpSpPr>
+      <p:sp>
+        <p:nvSpPr>
+          <p:cNvPr id="2" name="Title 1"/>
+          <p:cNvSpPr>
+            <a:spLocks noGrp="1"/>
+          </p:cNvSpPr>
+          <p:nvPr>
+            <p:ph type="title"/>
+          </p:nvPr>
+        </p:nvSpPr>
+        <p:spPr>
+          <a:effectLst/>
+        </p:spPr>
+        <p:txBody>
+          <a:bodyPr/>
+          <a:lstStyle/>
+          <a:p>
+            <a:pPr marL="0" lvl="0" indent="0">
+              <a:buNone/>
+            </a:pPr>
+            <a:r>
+              <a:rPr dirty="0"/>
+              <a:t>一律介入と最適ターゲティングの効果</a:t>
+            </a:r>
+          </a:p>
+        </p:txBody>
+      </p:sp>
+      <p:graphicFrame>
+        <p:nvGraphicFramePr>
+          <p:cNvPr id="56727866" name="表 56727865"/>
+          <p:cNvGraphicFramePr>
+            <a:graphicFrameLocks noGrp="1"/>
+          </p:cNvGraphicFramePr>
+          <p:nvPr>
+            <p:extLst>
+              <p:ext uri="{D42A27DB-BD31-4B8C-83A1-F6EECF244321}">
+                <p14:modId xmlns:p14="http://schemas.microsoft.com/office/powerpoint/2010/main" val="102571765"/>
+              </p:ext>
+            </p:extLst>
+          </p:nvPr>
+        </p:nvGraphicFramePr>
+        <p:xfrm>
+          <a:off x="1828800" y="1974273"/>
+          <a:ext cx="5486400" cy="1844040"/>
+        </p:xfrm>
+        <a:graphic>
+          <a:graphicData uri="http://schemas.openxmlformats.org/drawingml/2006/table">
+            <a:tbl>
+              <a:tblPr/>
+              <a:tblGrid>
+                <a:gridCol w="1828800">
+                  <a:extLst>
+                    <a:ext uri="{9D8B030D-6E8A-4147-A177-3AD203B41FA5}">
+                      <a16:colId xmlns:a16="http://schemas.microsoft.com/office/drawing/2014/main" val="20000"/>
+                    </a:ext>
+                  </a:extLst>
+                </a:gridCol>
+                <a:gridCol w="914400">
+                  <a:extLst>
+                    <a:ext uri="{9D8B030D-6E8A-4147-A177-3AD203B41FA5}">
+                      <a16:colId xmlns:a16="http://schemas.microsoft.com/office/drawing/2014/main" val="20001"/>
+                    </a:ext>
+                  </a:extLst>
+                </a:gridCol>
+                <a:gridCol w="914400">
+                  <a:extLst>
+                    <a:ext uri="{9D8B030D-6E8A-4147-A177-3AD203B41FA5}">
+                      <a16:colId xmlns:a16="http://schemas.microsoft.com/office/drawing/2014/main" val="20002"/>
+                    </a:ext>
+                  </a:extLst>
+                </a:gridCol>
+                <a:gridCol w="914400">
+                  <a:extLst>
+                    <a:ext uri="{9D8B030D-6E8A-4147-A177-3AD203B41FA5}">
+                      <a16:colId xmlns:a16="http://schemas.microsoft.com/office/drawing/2014/main" val="20003"/>
+                    </a:ext>
+                  </a:extLst>
+                </a:gridCol>
+                <a:gridCol w="914400">
+                  <a:extLst>
+                    <a:ext uri="{9D8B030D-6E8A-4147-A177-3AD203B41FA5}">
+                      <a16:colId xmlns:a16="http://schemas.microsoft.com/office/drawing/2014/main" val="20004"/>
+                    </a:ext>
+                  </a:extLst>
+                </a:gridCol>
+              </a:tblGrid>
+              <a:tr h="228600">
+                <a:tc>
+                  <a:txBody>
+                    <a:bodyPr/>
+                    <a:lstStyle/>
+                    <a:p>
+                      <a:pPr marL="63500" marR="63500" algn="l">
+                        <a:lnSpc>
+                          <a:spcPct val="100000"/>
+                        </a:lnSpc>
+                        <a:spcBef>
+                          <a:spcPts val="500"/>
+                        </a:spcBef>
+                        <a:spcAft>
+                          <a:spcPts val="500"/>
+                        </a:spcAft>
+                        <a:buNone/>
+                      </a:pPr>
+                      <a:endParaRPr/>
+                    </a:p>
+                  </a:txBody>
+                  <a:tcPr marL="0" marR="0" marT="63500" marB="63500" anchor="ctr">
+                    <a:lnL w="0" cap="flat" cmpd="sng" algn="ctr">
+                      <a:noFill/>
+                      <a:prstDash val="solid"/>
+                    </a:lnL>
+                    <a:lnR w="0" cap="flat" cmpd="sng" algn="ctr">
+                      <a:noFill/>
+                      <a:prstDash val="solid"/>
+                    </a:lnR>
+                    <a:lnT w="12700" cap="flat" cmpd="sng" algn="ctr">
+                      <a:solidFill>
+                        <a:srgbClr val="000000">
+                          <a:alpha val="100000"/>
+                        </a:srgbClr>
+                      </a:solidFill>
+                      <a:prstDash val="solid"/>
+                    </a:lnT>
+                    <a:lnB w="0" cap="flat" cmpd="sng" algn="ctr">
+                      <a:noFill/>
+                      <a:prstDash val="solid"/>
+                    </a:lnB>
+                    <a:solidFill>
+                      <a:srgbClr val="FFFFFF">
+                        <a:alpha val="0"/>
+                      </a:srgbClr>
+                    </a:solidFill>
+                  </a:tcPr>
+                </a:tc>
+                <a:tc gridSpan="2">
+                  <a:txBody>
+                    <a:bodyPr/>
+                    <a:lstStyle/>
+                    <a:p>
+                      <a:pPr marL="63500" marR="63500" algn="ctr">
+                        <a:lnSpc>
+                          <a:spcPct val="100000"/>
+                        </a:lnSpc>
+                        <a:spcBef>
+                          <a:spcPts val="500"/>
+                        </a:spcBef>
+                        <a:spcAft>
+                          <a:spcPts val="500"/>
+                        </a:spcAft>
+                        <a:buNone/>
+                      </a:pPr>
+                      <a:r>
+                        <a:rPr sz="1100" b="0" i="0" u="none" cap="none" dirty="0">
+                          <a:solidFill>
+                            <a:srgbClr val="000000">
+                              <a:alpha val="100000"/>
+                            </a:srgbClr>
+                          </a:solidFill>
+                          <a:latin typeface="Arial"/>
+                          <a:cs typeface="Arial"/>
+                          <a:sym typeface="Arial"/>
+                        </a:rPr>
+                        <a:t>Targeting</a:t>
+                      </a:r>
+                    </a:p>
+                  </a:txBody>
+                  <a:tcPr marL="0" marR="0" marT="63500" marB="63500" anchor="ctr">
+                    <a:lnL w="0" cap="flat" cmpd="sng" algn="ctr">
+                      <a:noFill/>
+                      <a:prstDash val="solid"/>
+                    </a:lnL>
+                    <a:lnR w="0" cap="flat" cmpd="sng" algn="ctr">
+                      <a:noFill/>
+                      <a:prstDash val="solid"/>
+                    </a:lnR>
+                    <a:lnT w="12700" cap="flat" cmpd="sng" algn="ctr">
+                      <a:solidFill>
+                        <a:srgbClr val="000000">
+                          <a:alpha val="100000"/>
+                        </a:srgbClr>
+                      </a:solidFill>
+                      <a:prstDash val="solid"/>
+                    </a:lnT>
+                    <a:lnB w="0" cap="flat" cmpd="sng" algn="ctr">
+                      <a:noFill/>
+                      <a:prstDash val="solid"/>
+                    </a:lnB>
+                    <a:solidFill>
+                      <a:srgbClr val="FFFFFF">
+                        <a:alpha val="0"/>
+                      </a:srgbClr>
+                    </a:solidFill>
+                  </a:tcPr>
+                </a:tc>
+                <a:tc hMerge="1">
+                  <a:txBody>
+                    <a:bodyPr/>
+                    <a:lstStyle/>
+                    <a:p>
+                      <a:pPr marL="63500" marR="63500" algn="ctr">
+                        <a:lnSpc>
+                          <a:spcPct val="100000"/>
+                        </a:lnSpc>
+                        <a:spcBef>
+                          <a:spcPts val="500"/>
+                        </a:spcBef>
+                        <a:spcAft>
+                          <a:spcPts val="500"/>
+                        </a:spcAft>
+                        <a:buNone/>
+                      </a:pPr>
+                      <a:r>
+                        <a:rPr sz="1100" b="0" i="0" u="none" cap="none">
+                          <a:solidFill>
+                            <a:srgbClr val="000000">
+                              <a:alpha val="100000"/>
+                            </a:srgbClr>
+                          </a:solidFill>
+                          <a:latin typeface="Arial"/>
+                          <a:cs typeface="Arial"/>
+                          <a:sym typeface="Arial"/>
+                        </a:rPr>
+                        <a:t>Targeting</a:t>
+                      </a:r>
+                    </a:p>
+                  </a:txBody>
+                  <a:tcPr marL="0" marR="0" marT="63500" marB="63500" anchor="ctr">
+                    <a:lnL w="0" cap="flat" cmpd="sng" algn="ctr">
+                      <a:noFill/>
+                      <a:prstDash val="solid"/>
+                    </a:lnL>
+                    <a:lnR w="0" cap="flat" cmpd="sng" algn="ctr">
+                      <a:noFill/>
+                      <a:prstDash val="solid"/>
+                    </a:lnR>
+                    <a:lnT w="12700" cap="flat" cmpd="sng" algn="ctr">
+                      <a:solidFill>
+                        <a:srgbClr val="000000">
+                          <a:alpha val="100000"/>
+                        </a:srgbClr>
+                      </a:solidFill>
+                      <a:prstDash val="solid"/>
+                    </a:lnT>
+                    <a:lnB w="0" cap="flat" cmpd="sng" algn="ctr">
+                      <a:noFill/>
+                      <a:prstDash val="solid"/>
+                    </a:lnB>
+                    <a:solidFill>
+                      <a:srgbClr val="FFFFFF">
+                        <a:alpha val="0"/>
+                      </a:srgbClr>
+                    </a:solidFill>
+                  </a:tcPr>
+                </a:tc>
+                <a:tc gridSpan="2">
+                  <a:txBody>
+                    <a:bodyPr/>
+                    <a:lstStyle/>
+                    <a:p>
+                      <a:pPr marL="63500" marR="63500" algn="ctr">
+                        <a:lnSpc>
+                          <a:spcPct val="100000"/>
+                        </a:lnSpc>
+                        <a:spcBef>
+                          <a:spcPts val="500"/>
+                        </a:spcBef>
+                        <a:spcAft>
+                          <a:spcPts val="500"/>
+                        </a:spcAft>
+                        <a:buNone/>
+                      </a:pPr>
+                      <a:r>
+                        <a:rPr sz="1100" b="0" i="0" u="none" cap="none" dirty="0">
+                          <a:solidFill>
+                            <a:srgbClr val="000000">
+                              <a:alpha val="100000"/>
+                            </a:srgbClr>
+                          </a:solidFill>
+                          <a:latin typeface="Arial"/>
+                          <a:cs typeface="Arial"/>
+                          <a:sym typeface="Arial"/>
+                        </a:rPr>
+                        <a:t>Uniform</a:t>
+                      </a:r>
+                    </a:p>
+                  </a:txBody>
+                  <a:tcPr marL="0" marR="0" marT="63500" marB="63500" anchor="ctr">
+                    <a:lnL w="0" cap="flat" cmpd="sng" algn="ctr">
+                      <a:noFill/>
+                      <a:prstDash val="solid"/>
+                    </a:lnL>
+                    <a:lnR w="0" cap="flat" cmpd="sng" algn="ctr">
+                      <a:noFill/>
+                      <a:prstDash val="solid"/>
+                    </a:lnR>
+                    <a:lnT w="12700" cap="flat" cmpd="sng" algn="ctr">
+                      <a:solidFill>
+                        <a:srgbClr val="000000">
+                          <a:alpha val="100000"/>
+                        </a:srgbClr>
+                      </a:solidFill>
+                      <a:prstDash val="solid"/>
+                    </a:lnT>
+                    <a:lnB w="0" cap="flat" cmpd="sng" algn="ctr">
+                      <a:noFill/>
+                      <a:prstDash val="solid"/>
+                    </a:lnB>
+                    <a:solidFill>
+                      <a:srgbClr val="FFFFFF">
+                        <a:alpha val="0"/>
+                      </a:srgbClr>
+                    </a:solidFill>
+                  </a:tcPr>
+                </a:tc>
+                <a:tc hMerge="1">
+                  <a:txBody>
+                    <a:bodyPr/>
+                    <a:lstStyle/>
+                    <a:p>
+                      <a:pPr marL="63500" marR="63500" algn="ctr">
+                        <a:lnSpc>
+                          <a:spcPct val="100000"/>
+                        </a:lnSpc>
+                        <a:spcBef>
+                          <a:spcPts val="500"/>
+                        </a:spcBef>
+                        <a:spcAft>
+                          <a:spcPts val="500"/>
+                        </a:spcAft>
+                        <a:buNone/>
+                      </a:pPr>
+                      <a:r>
+                        <a:rPr sz="1100" b="0" i="0" u="none" cap="none">
+                          <a:solidFill>
+                            <a:srgbClr val="000000">
+                              <a:alpha val="100000"/>
+                            </a:srgbClr>
+                          </a:solidFill>
+                          <a:latin typeface="Arial"/>
+                          <a:cs typeface="Arial"/>
+                          <a:sym typeface="Arial"/>
+                        </a:rPr>
+                        <a:t>Uniform</a:t>
+                      </a:r>
+                    </a:p>
+                  </a:txBody>
+                  <a:tcPr marL="0" marR="0" marT="63500" marB="63500" anchor="ctr">
+                    <a:lnL w="0" cap="flat" cmpd="sng" algn="ctr">
+                      <a:noFill/>
+                      <a:prstDash val="solid"/>
+                    </a:lnL>
+                    <a:lnR w="0" cap="flat" cmpd="sng" algn="ctr">
+                      <a:noFill/>
+                      <a:prstDash val="solid"/>
+                    </a:lnR>
+                    <a:lnT w="12700" cap="flat" cmpd="sng" algn="ctr">
+                      <a:solidFill>
+                        <a:srgbClr val="000000">
+                          <a:alpha val="100000"/>
+                        </a:srgbClr>
+                      </a:solidFill>
+                      <a:prstDash val="solid"/>
+                    </a:lnT>
+                    <a:lnB w="0" cap="flat" cmpd="sng" algn="ctr">
+                      <a:noFill/>
+                      <a:prstDash val="solid"/>
+                    </a:lnB>
+                    <a:solidFill>
+                      <a:srgbClr val="FFFFFF">
+                        <a:alpha val="0"/>
+                      </a:srgbClr>
+                    </a:solidFill>
+                  </a:tcPr>
+                </a:tc>
+                <a:extLst>
+                  <a:ext uri="{0D108BD9-81ED-4DB2-BD59-A6C34878D82A}">
+                    <a16:rowId xmlns:a16="http://schemas.microsoft.com/office/drawing/2014/main" val="10000"/>
+                  </a:ext>
+                </a:extLst>
+              </a:tr>
+              <a:tr h="228600">
+                <a:tc>
+                  <a:txBody>
+                    <a:bodyPr/>
+                    <a:lstStyle/>
+                    <a:p>
+                      <a:pPr marL="63500" marR="63500" algn="l">
+                        <a:lnSpc>
+                          <a:spcPct val="100000"/>
+                        </a:lnSpc>
+                        <a:spcBef>
+                          <a:spcPts val="500"/>
+                        </a:spcBef>
+                        <a:spcAft>
+                          <a:spcPts val="500"/>
+                        </a:spcAft>
+                        <a:buNone/>
+                      </a:pPr>
+                      <a:r>
+                        <a:rPr sz="1100" b="0" i="0" u="none" cap="none">
+                          <a:solidFill>
+                            <a:srgbClr val="000000">
+                              <a:alpha val="100000"/>
+                            </a:srgbClr>
+                          </a:solidFill>
+                          <a:latin typeface="Arial"/>
+                          <a:cs typeface="Arial"/>
+                          <a:sym typeface="Arial"/>
+                        </a:rPr>
+                        <a:t> </a:t>
+                      </a:r>
+                    </a:p>
+                  </a:txBody>
+                  <a:tcPr marL="0" marR="0" marT="63500" marB="63500" anchor="ctr">
+                    <a:lnL w="0" cap="flat" cmpd="sng" algn="ctr">
+                      <a:noFill/>
+                      <a:prstDash val="solid"/>
+                    </a:lnL>
+                    <a:lnR w="0" cap="flat" cmpd="sng" algn="ctr">
+                      <a:noFill/>
+                      <a:prstDash val="solid"/>
+                    </a:lnR>
+                    <a:lnT w="0" cap="flat" cmpd="sng" algn="ctr">
+                      <a:noFill/>
+                      <a:prstDash val="solid"/>
+                    </a:lnT>
+                    <a:lnB w="12700" cap="flat" cmpd="sng" algn="ctr">
+                      <a:solidFill>
+                        <a:srgbClr val="000000">
+                          <a:alpha val="100000"/>
+                        </a:srgbClr>
+                      </a:solidFill>
+                      <a:prstDash val="solid"/>
+                    </a:lnB>
+                    <a:solidFill>
+                      <a:srgbClr val="FFFFFF">
+                        <a:alpha val="0"/>
+                      </a:srgbClr>
+                    </a:solidFill>
+                  </a:tcPr>
+                </a:tc>
+                <a:tc>
+                  <a:txBody>
+                    <a:bodyPr/>
+                    <a:lstStyle/>
+                    <a:p>
+                      <a:pPr marL="63500" marR="63500" algn="ctr">
+                        <a:lnSpc>
+                          <a:spcPct val="100000"/>
+                        </a:lnSpc>
+                        <a:spcBef>
+                          <a:spcPts val="500"/>
+                        </a:spcBef>
+                        <a:spcAft>
+                          <a:spcPts val="500"/>
+                        </a:spcAft>
+                        <a:buNone/>
+                      </a:pPr>
+                      <a:r>
+                        <a:rPr sz="1100" b="0" i="0" u="none" cap="none">
+                          <a:solidFill>
+                            <a:srgbClr val="000000">
+                              <a:alpha val="100000"/>
+                            </a:srgbClr>
+                          </a:solidFill>
+                          <a:latin typeface="Arial"/>
+                          <a:cs typeface="Arial"/>
+                          <a:sym typeface="Arial"/>
+                        </a:rPr>
+                        <a:t>Mean</a:t>
+                      </a:r>
+                    </a:p>
+                  </a:txBody>
+                  <a:tcPr marL="0" marR="0" marT="63500" marB="63500" anchor="ctr">
+                    <a:lnL w="0" cap="flat" cmpd="sng" algn="ctr">
+                      <a:noFill/>
+                      <a:prstDash val="solid"/>
+                    </a:lnL>
+                    <a:lnR w="0" cap="flat" cmpd="sng" algn="ctr">
+                      <a:noFill/>
+                      <a:prstDash val="solid"/>
+                    </a:lnR>
+                    <a:lnT w="0" cap="flat" cmpd="sng" algn="ctr">
+                      <a:noFill/>
+                      <a:prstDash val="solid"/>
+                    </a:lnT>
+                    <a:lnB w="12700" cap="flat" cmpd="sng" algn="ctr">
+                      <a:solidFill>
+                        <a:srgbClr val="000000">
+                          <a:alpha val="100000"/>
+                        </a:srgbClr>
+                      </a:solidFill>
+                      <a:prstDash val="solid"/>
+                    </a:lnB>
+                    <a:solidFill>
+                      <a:srgbClr val="FFFFFF">
+                        <a:alpha val="0"/>
+                      </a:srgbClr>
+                    </a:solidFill>
+                  </a:tcPr>
+                </a:tc>
+                <a:tc>
+                  <a:txBody>
+                    <a:bodyPr/>
+                    <a:lstStyle/>
+                    <a:p>
+                      <a:pPr marL="63500" marR="63500" algn="ctr">
+                        <a:lnSpc>
+                          <a:spcPct val="100000"/>
+                        </a:lnSpc>
+                        <a:spcBef>
+                          <a:spcPts val="500"/>
+                        </a:spcBef>
+                        <a:spcAft>
+                          <a:spcPts val="500"/>
+                        </a:spcAft>
+                        <a:buNone/>
+                      </a:pPr>
+                      <a:r>
+                        <a:rPr sz="1100" b="0" i="0" u="none" cap="none">
+                          <a:solidFill>
+                            <a:srgbClr val="000000">
+                              <a:alpha val="100000"/>
+                            </a:srgbClr>
+                          </a:solidFill>
+                          <a:latin typeface="Arial"/>
+                          <a:cs typeface="Arial"/>
+                          <a:sym typeface="Arial"/>
+                        </a:rPr>
+                        <a:t>SD</a:t>
+                      </a:r>
+                    </a:p>
+                  </a:txBody>
+                  <a:tcPr marL="0" marR="0" marT="63500" marB="63500" anchor="ctr">
+                    <a:lnL w="0" cap="flat" cmpd="sng" algn="ctr">
+                      <a:noFill/>
+                      <a:prstDash val="solid"/>
+                    </a:lnL>
+                    <a:lnR w="0" cap="flat" cmpd="sng" algn="ctr">
+                      <a:noFill/>
+                      <a:prstDash val="solid"/>
+                    </a:lnR>
+                    <a:lnT w="0" cap="flat" cmpd="sng" algn="ctr">
+                      <a:noFill/>
+                      <a:prstDash val="solid"/>
+                    </a:lnT>
+                    <a:lnB w="12700" cap="flat" cmpd="sng" algn="ctr">
+                      <a:solidFill>
+                        <a:srgbClr val="000000">
+                          <a:alpha val="100000"/>
+                        </a:srgbClr>
+                      </a:solidFill>
+                      <a:prstDash val="solid"/>
+                    </a:lnB>
+                    <a:solidFill>
+                      <a:srgbClr val="FFFFFF">
+                        <a:alpha val="0"/>
+                      </a:srgbClr>
+                    </a:solidFill>
+                  </a:tcPr>
+                </a:tc>
+                <a:tc>
+                  <a:txBody>
+                    <a:bodyPr/>
+                    <a:lstStyle/>
+                    <a:p>
+                      <a:pPr marL="63500" marR="63500" algn="ctr">
+                        <a:lnSpc>
+                          <a:spcPct val="100000"/>
+                        </a:lnSpc>
+                        <a:spcBef>
+                          <a:spcPts val="500"/>
+                        </a:spcBef>
+                        <a:spcAft>
+                          <a:spcPts val="500"/>
+                        </a:spcAft>
+                        <a:buNone/>
+                      </a:pPr>
+                      <a:r>
+                        <a:rPr sz="1100" b="0" i="0" u="none" cap="none">
+                          <a:solidFill>
+                            <a:srgbClr val="000000">
+                              <a:alpha val="100000"/>
+                            </a:srgbClr>
+                          </a:solidFill>
+                          <a:latin typeface="Arial"/>
+                          <a:cs typeface="Arial"/>
+                          <a:sym typeface="Arial"/>
+                        </a:rPr>
+                        <a:t>Mean</a:t>
+                      </a:r>
+                    </a:p>
+                  </a:txBody>
+                  <a:tcPr marL="0" marR="0" marT="63500" marB="63500" anchor="ctr">
+                    <a:lnL w="0" cap="flat" cmpd="sng" algn="ctr">
+                      <a:noFill/>
+                      <a:prstDash val="solid"/>
+                    </a:lnL>
+                    <a:lnR w="0" cap="flat" cmpd="sng" algn="ctr">
+                      <a:noFill/>
+                      <a:prstDash val="solid"/>
+                    </a:lnR>
+                    <a:lnT w="0" cap="flat" cmpd="sng" algn="ctr">
+                      <a:noFill/>
+                      <a:prstDash val="solid"/>
+                    </a:lnT>
+                    <a:lnB w="12700" cap="flat" cmpd="sng" algn="ctr">
+                      <a:solidFill>
+                        <a:srgbClr val="000000">
+                          <a:alpha val="100000"/>
+                        </a:srgbClr>
+                      </a:solidFill>
+                      <a:prstDash val="solid"/>
+                    </a:lnB>
+                    <a:solidFill>
+                      <a:srgbClr val="FFFFFF">
+                        <a:alpha val="0"/>
+                      </a:srgbClr>
+                    </a:solidFill>
+                  </a:tcPr>
+                </a:tc>
+                <a:tc>
+                  <a:txBody>
+                    <a:bodyPr/>
+                    <a:lstStyle/>
+                    <a:p>
+                      <a:pPr marL="63500" marR="63500" algn="ctr">
+                        <a:lnSpc>
+                          <a:spcPct val="100000"/>
+                        </a:lnSpc>
+                        <a:spcBef>
+                          <a:spcPts val="500"/>
+                        </a:spcBef>
+                        <a:spcAft>
+                          <a:spcPts val="500"/>
+                        </a:spcAft>
+                        <a:buNone/>
+                      </a:pPr>
+                      <a:r>
+                        <a:rPr sz="1100" b="0" i="0" u="none" cap="none">
+                          <a:solidFill>
+                            <a:srgbClr val="000000">
+                              <a:alpha val="100000"/>
+                            </a:srgbClr>
+                          </a:solidFill>
+                          <a:latin typeface="Arial"/>
+                          <a:cs typeface="Arial"/>
+                          <a:sym typeface="Arial"/>
+                        </a:rPr>
+                        <a:t>SD</a:t>
+                      </a:r>
+                    </a:p>
+                  </a:txBody>
+                  <a:tcPr marL="0" marR="0" marT="63500" marB="63500" anchor="ctr">
+                    <a:lnL w="0" cap="flat" cmpd="sng" algn="ctr">
+                      <a:noFill/>
+                      <a:prstDash val="solid"/>
+                    </a:lnL>
+                    <a:lnR w="0" cap="flat" cmpd="sng" algn="ctr">
+                      <a:noFill/>
+                      <a:prstDash val="solid"/>
+                    </a:lnR>
+                    <a:lnT w="0" cap="flat" cmpd="sng" algn="ctr">
+                      <a:noFill/>
+                      <a:prstDash val="solid"/>
+                    </a:lnT>
+                    <a:lnB w="12700" cap="flat" cmpd="sng" algn="ctr">
+                      <a:solidFill>
+                        <a:srgbClr val="000000">
+                          <a:alpha val="100000"/>
+                        </a:srgbClr>
+                      </a:solidFill>
+                      <a:prstDash val="solid"/>
+                    </a:lnB>
+                    <a:solidFill>
+                      <a:srgbClr val="FFFFFF">
+                        <a:alpha val="0"/>
+                      </a:srgbClr>
+                    </a:solidFill>
+                  </a:tcPr>
+                </a:tc>
+                <a:extLst>
+                  <a:ext uri="{0D108BD9-81ED-4DB2-BD59-A6C34878D82A}">
+                    <a16:rowId xmlns:a16="http://schemas.microsoft.com/office/drawing/2014/main" val="10001"/>
+                  </a:ext>
+                </a:extLst>
+              </a:tr>
+              <a:tr h="228600">
+                <a:tc>
+                  <a:txBody>
+                    <a:bodyPr/>
+                    <a:lstStyle/>
+                    <a:p>
+                      <a:pPr marL="63500" marR="63500" algn="l">
+                        <a:lnSpc>
+                          <a:spcPct val="100000"/>
+                        </a:lnSpc>
+                        <a:spcBef>
+                          <a:spcPts val="500"/>
+                        </a:spcBef>
+                        <a:spcAft>
+                          <a:spcPts val="500"/>
+                        </a:spcAft>
+                        <a:buNone/>
+                      </a:pPr>
+                      <a:r>
+                        <a:rPr sz="1100" b="0" i="0" u="none" cap="none">
+                          <a:solidFill>
+                            <a:srgbClr val="000000">
+                              <a:alpha val="100000"/>
+                            </a:srgbClr>
+                          </a:solidFill>
+                          <a:latin typeface="Arial"/>
+                          <a:cs typeface="Arial"/>
+                          <a:sym typeface="Arial"/>
+                        </a:rPr>
+                        <a:t>Treatment B</a:t>
+                      </a:r>
+                    </a:p>
+                  </a:txBody>
+                  <a:tcPr marL="0" marR="0" marT="63500" marB="63500" anchor="ctr">
+                    <a:lnL w="0" cap="flat" cmpd="sng" algn="ctr">
+                      <a:noFill/>
+                      <a:prstDash val="solid"/>
+                    </a:lnL>
+                    <a:lnR w="0" cap="flat" cmpd="sng" algn="ctr">
+                      <a:noFill/>
+                      <a:prstDash val="solid"/>
+                    </a:lnR>
+                    <a:lnT w="12700" cap="flat" cmpd="sng" algn="ctr">
+                      <a:solidFill>
+                        <a:srgbClr val="000000"/>
+                      </a:solidFill>
+                      <a:prstDash val="solid"/>
+                      <a:round/>
+                      <a:headEnd type="none" w="med" len="med"/>
+                      <a:tailEnd type="none" w="med" len="med"/>
+                    </a:lnT>
+                    <a:lnB w="0" cap="flat" cmpd="sng" algn="ctr">
+                      <a:noFill/>
+                      <a:prstDash val="solid"/>
+                    </a:lnB>
+                    <a:solidFill>
+                      <a:srgbClr val="FFFFFF">
+                        <a:alpha val="0"/>
+                      </a:srgbClr>
+                    </a:solidFill>
+                  </a:tcPr>
+                </a:tc>
+                <a:tc>
+                  <a:txBody>
+                    <a:bodyPr/>
+                    <a:lstStyle/>
+                    <a:p>
+                      <a:pPr marL="63500" marR="63500" algn="ctr">
+                        <a:lnSpc>
+                          <a:spcPct val="100000"/>
+                        </a:lnSpc>
+                        <a:spcBef>
+                          <a:spcPts val="500"/>
+                        </a:spcBef>
+                        <a:spcAft>
+                          <a:spcPts val="500"/>
+                        </a:spcAft>
+                        <a:buNone/>
+                      </a:pPr>
+                      <a:r>
+                        <a:rPr sz="1100" b="0" i="0" u="none" cap="none">
+                          <a:solidFill>
+                            <a:srgbClr val="000000">
+                              <a:alpha val="100000"/>
+                            </a:srgbClr>
+                          </a:solidFill>
+                          <a:latin typeface="Arial"/>
+                          <a:cs typeface="Arial"/>
+                          <a:sym typeface="Arial"/>
+                        </a:rPr>
+                        <a:t>0.0336</a:t>
+                      </a:r>
+                    </a:p>
+                  </a:txBody>
+                  <a:tcPr marL="0" marR="0" marT="63500" marB="63500" anchor="ctr">
+                    <a:lnL w="0" cap="flat" cmpd="sng" algn="ctr">
+                      <a:noFill/>
+                      <a:prstDash val="solid"/>
+                    </a:lnL>
+                    <a:lnR w="0" cap="flat" cmpd="sng" algn="ctr">
+                      <a:noFill/>
+                      <a:prstDash val="solid"/>
+                    </a:lnR>
+                    <a:lnT w="12700" cap="flat" cmpd="sng" algn="ctr">
+                      <a:solidFill>
+                        <a:srgbClr val="000000"/>
+                      </a:solidFill>
+                      <a:prstDash val="solid"/>
+                      <a:round/>
+                      <a:headEnd type="none" w="med" len="med"/>
+                      <a:tailEnd type="none" w="med" len="med"/>
+                    </a:lnT>
+                    <a:lnB w="0" cap="flat" cmpd="sng" algn="ctr">
+                      <a:noFill/>
+                      <a:prstDash val="solid"/>
+                    </a:lnB>
+                    <a:solidFill>
+                      <a:srgbClr val="FFFFFF">
+                        <a:alpha val="0"/>
+                      </a:srgbClr>
+                    </a:solidFill>
+                  </a:tcPr>
+                </a:tc>
+                <a:tc>
+                  <a:txBody>
+                    <a:bodyPr/>
+                    <a:lstStyle/>
+                    <a:p>
+                      <a:pPr marL="63500" marR="63500" algn="ctr">
+                        <a:lnSpc>
+                          <a:spcPct val="100000"/>
+                        </a:lnSpc>
+                        <a:spcBef>
+                          <a:spcPts val="500"/>
+                        </a:spcBef>
+                        <a:spcAft>
+                          <a:spcPts val="500"/>
+                        </a:spcAft>
+                        <a:buNone/>
+                      </a:pPr>
+                      <a:r>
+                        <a:rPr sz="1100" b="0" i="0" u="none" cap="none">
+                          <a:solidFill>
+                            <a:srgbClr val="000000">
+                              <a:alpha val="100000"/>
+                            </a:srgbClr>
+                          </a:solidFill>
+                          <a:latin typeface="Arial"/>
+                          <a:cs typeface="Arial"/>
+                          <a:sym typeface="Arial"/>
+                        </a:rPr>
+                        <a:t>0.0422</a:t>
+                      </a:r>
+                    </a:p>
+                  </a:txBody>
+                  <a:tcPr marL="0" marR="0" marT="63500" marB="63500" anchor="ctr">
+                    <a:lnL w="0" cap="flat" cmpd="sng" algn="ctr">
+                      <a:noFill/>
+                      <a:prstDash val="solid"/>
+                    </a:lnL>
+                    <a:lnR w="0" cap="flat" cmpd="sng" algn="ctr">
+                      <a:noFill/>
+                      <a:prstDash val="solid"/>
+                    </a:lnR>
+                    <a:lnT w="12700" cap="flat" cmpd="sng" algn="ctr">
+                      <a:solidFill>
+                        <a:srgbClr val="000000"/>
+                      </a:solidFill>
+                      <a:prstDash val="solid"/>
+                      <a:round/>
+                      <a:headEnd type="none" w="med" len="med"/>
+                      <a:tailEnd type="none" w="med" len="med"/>
+                    </a:lnT>
+                    <a:lnB w="0" cap="flat" cmpd="sng" algn="ctr">
+                      <a:noFill/>
+                      <a:prstDash val="solid"/>
+                    </a:lnB>
+                    <a:solidFill>
+                      <a:srgbClr val="FFFFFF">
+                        <a:alpha val="0"/>
+                      </a:srgbClr>
+                    </a:solidFill>
+                  </a:tcPr>
+                </a:tc>
+                <a:tc>
+                  <a:txBody>
+                    <a:bodyPr/>
+                    <a:lstStyle/>
+                    <a:p>
+                      <a:pPr marL="63500" marR="63500" algn="ctr">
+                        <a:lnSpc>
+                          <a:spcPct val="100000"/>
+                        </a:lnSpc>
+                        <a:spcBef>
+                          <a:spcPts val="500"/>
+                        </a:spcBef>
+                        <a:spcAft>
+                          <a:spcPts val="500"/>
+                        </a:spcAft>
+                        <a:buNone/>
+                      </a:pPr>
+                      <a:r>
+                        <a:rPr sz="1100" b="0" i="0" u="none" cap="none">
+                          <a:solidFill>
+                            <a:srgbClr val="000000">
+                              <a:alpha val="100000"/>
+                            </a:srgbClr>
+                          </a:solidFill>
+                          <a:latin typeface="Arial"/>
+                          <a:cs typeface="Arial"/>
+                          <a:sym typeface="Arial"/>
+                        </a:rPr>
+                        <a:t>0.0206</a:t>
+                      </a:r>
+                    </a:p>
+                  </a:txBody>
+                  <a:tcPr marL="0" marR="0" marT="63500" marB="63500" anchor="ctr">
+                    <a:lnL w="0" cap="flat" cmpd="sng" algn="ctr">
+                      <a:noFill/>
+                      <a:prstDash val="solid"/>
+                    </a:lnL>
+                    <a:lnR w="0" cap="flat" cmpd="sng" algn="ctr">
+                      <a:noFill/>
+                      <a:prstDash val="solid"/>
+                    </a:lnR>
+                    <a:lnT w="12700" cap="flat" cmpd="sng" algn="ctr">
+                      <a:solidFill>
+                        <a:srgbClr val="000000"/>
+                      </a:solidFill>
+                      <a:prstDash val="solid"/>
+                      <a:round/>
+                      <a:headEnd type="none" w="med" len="med"/>
+                      <a:tailEnd type="none" w="med" len="med"/>
+                    </a:lnT>
+                    <a:lnB w="0" cap="flat" cmpd="sng" algn="ctr">
+                      <a:noFill/>
+                      <a:prstDash val="solid"/>
+                    </a:lnB>
+                    <a:solidFill>
+                      <a:srgbClr val="FFFFFF">
+                        <a:alpha val="0"/>
+                      </a:srgbClr>
+                    </a:solidFill>
+                  </a:tcPr>
+                </a:tc>
+                <a:tc>
+                  <a:txBody>
+                    <a:bodyPr/>
+                    <a:lstStyle/>
+                    <a:p>
+                      <a:pPr marL="63500" marR="63500" algn="ctr">
+                        <a:lnSpc>
+                          <a:spcPct val="100000"/>
+                        </a:lnSpc>
+                        <a:spcBef>
+                          <a:spcPts val="500"/>
+                        </a:spcBef>
+                        <a:spcAft>
+                          <a:spcPts val="500"/>
+                        </a:spcAft>
+                        <a:buNone/>
+                      </a:pPr>
+                      <a:r>
+                        <a:rPr sz="1100" b="0" i="0" u="none" cap="none">
+                          <a:solidFill>
+                            <a:srgbClr val="000000">
+                              <a:alpha val="100000"/>
+                            </a:srgbClr>
+                          </a:solidFill>
+                          <a:latin typeface="Arial"/>
+                          <a:cs typeface="Arial"/>
+                          <a:sym typeface="Arial"/>
+                        </a:rPr>
+                        <a:t>0.0570</a:t>
+                      </a:r>
+                    </a:p>
+                  </a:txBody>
+                  <a:tcPr marL="0" marR="0" marT="63500" marB="63500" anchor="ctr">
+                    <a:lnL w="0" cap="flat" cmpd="sng" algn="ctr">
+                      <a:noFill/>
+                      <a:prstDash val="solid"/>
+                    </a:lnL>
+                    <a:lnR w="0" cap="flat" cmpd="sng" algn="ctr">
+                      <a:noFill/>
+                      <a:prstDash val="solid"/>
+                    </a:lnR>
+                    <a:lnT w="12700" cap="flat" cmpd="sng" algn="ctr">
+                      <a:solidFill>
+                        <a:srgbClr val="000000"/>
+                      </a:solidFill>
+                      <a:prstDash val="solid"/>
+                      <a:round/>
+                      <a:headEnd type="none" w="med" len="med"/>
+                      <a:tailEnd type="none" w="med" len="med"/>
+                    </a:lnT>
+                    <a:lnB w="0" cap="flat" cmpd="sng" algn="ctr">
+                      <a:noFill/>
+                      <a:prstDash val="solid"/>
+                    </a:lnB>
+                    <a:solidFill>
+                      <a:srgbClr val="FFFFFF">
+                        <a:alpha val="0"/>
+                      </a:srgbClr>
+                    </a:solidFill>
+                  </a:tcPr>
+                </a:tc>
+                <a:extLst>
+                  <a:ext uri="{0D108BD9-81ED-4DB2-BD59-A6C34878D82A}">
+                    <a16:rowId xmlns:a16="http://schemas.microsoft.com/office/drawing/2014/main" val="10002"/>
+                  </a:ext>
+                </a:extLst>
+              </a:tr>
+              <a:tr h="228600">
+                <a:tc>
+                  <a:txBody>
+                    <a:bodyPr/>
+                    <a:lstStyle/>
+                    <a:p>
+                      <a:pPr marL="63500" marR="63500" algn="l">
+                        <a:lnSpc>
+                          <a:spcPct val="100000"/>
+                        </a:lnSpc>
+                        <a:spcBef>
+                          <a:spcPts val="500"/>
+                        </a:spcBef>
+                        <a:spcAft>
+                          <a:spcPts val="500"/>
+                        </a:spcAft>
+                        <a:buNone/>
+                      </a:pPr>
+                      <a:r>
+                        <a:rPr sz="1100" b="0" i="0" u="none" cap="none">
+                          <a:solidFill>
+                            <a:srgbClr val="000000">
+                              <a:alpha val="100000"/>
+                            </a:srgbClr>
+                          </a:solidFill>
+                          <a:latin typeface="Arial"/>
+                          <a:cs typeface="Arial"/>
+                          <a:sym typeface="Arial"/>
+                        </a:rPr>
+                        <a:t>Treatment C</a:t>
+                      </a:r>
+                    </a:p>
+                  </a:txBody>
+                  <a:tcPr marL="0" marR="0" marT="63500" marB="63500" anchor="ctr">
+                    <a:lnL w="0" cap="flat" cmpd="sng" algn="ctr">
+                      <a:noFill/>
+                      <a:prstDash val="solid"/>
+                    </a:lnL>
+                    <a:lnR w="0" cap="flat" cmpd="sng" algn="ctr">
+                      <a:noFill/>
+                      <a:prstDash val="solid"/>
+                    </a:lnR>
+                    <a:lnT w="0" cap="flat" cmpd="sng" algn="ctr">
+                      <a:noFill/>
+                      <a:prstDash val="solid"/>
+                    </a:lnT>
+                    <a:lnB w="0" cap="flat" cmpd="sng" algn="ctr">
+                      <a:noFill/>
+                      <a:prstDash val="solid"/>
+                    </a:lnB>
+                    <a:solidFill>
+                      <a:srgbClr val="FFFFFF">
+                        <a:alpha val="0"/>
+                      </a:srgbClr>
+                    </a:solidFill>
+                  </a:tcPr>
+                </a:tc>
+                <a:tc>
+                  <a:txBody>
+                    <a:bodyPr/>
+                    <a:lstStyle/>
+                    <a:p>
+                      <a:pPr marL="63500" marR="63500" algn="ctr">
+                        <a:lnSpc>
+                          <a:spcPct val="100000"/>
+                        </a:lnSpc>
+                        <a:spcBef>
+                          <a:spcPts val="500"/>
+                        </a:spcBef>
+                        <a:spcAft>
+                          <a:spcPts val="500"/>
+                        </a:spcAft>
+                        <a:buNone/>
+                      </a:pPr>
+                      <a:r>
+                        <a:rPr sz="1100" b="0" i="0" u="none" cap="none">
+                          <a:solidFill>
+                            <a:srgbClr val="000000">
+                              <a:alpha val="100000"/>
+                            </a:srgbClr>
+                          </a:solidFill>
+                          <a:latin typeface="Arial"/>
+                          <a:cs typeface="Arial"/>
+                          <a:sym typeface="Arial"/>
+                        </a:rPr>
+                        <a:t>0.0230</a:t>
+                      </a:r>
+                    </a:p>
+                  </a:txBody>
+                  <a:tcPr marL="0" marR="0" marT="63500" marB="63500" anchor="ctr">
+                    <a:lnL w="0" cap="flat" cmpd="sng" algn="ctr">
+                      <a:noFill/>
+                      <a:prstDash val="solid"/>
+                    </a:lnL>
+                    <a:lnR w="0" cap="flat" cmpd="sng" algn="ctr">
+                      <a:noFill/>
+                      <a:prstDash val="solid"/>
+                    </a:lnR>
+                    <a:lnT w="0" cap="flat" cmpd="sng" algn="ctr">
+                      <a:noFill/>
+                      <a:prstDash val="solid"/>
+                    </a:lnT>
+                    <a:lnB w="0" cap="flat" cmpd="sng" algn="ctr">
+                      <a:noFill/>
+                      <a:prstDash val="solid"/>
+                    </a:lnB>
+                    <a:solidFill>
+                      <a:srgbClr val="FFFFFF">
+                        <a:alpha val="0"/>
+                      </a:srgbClr>
+                    </a:solidFill>
+                  </a:tcPr>
+                </a:tc>
+                <a:tc>
+                  <a:txBody>
+                    <a:bodyPr/>
+                    <a:lstStyle/>
+                    <a:p>
+                      <a:pPr marL="63500" marR="63500" algn="ctr">
+                        <a:lnSpc>
+                          <a:spcPct val="100000"/>
+                        </a:lnSpc>
+                        <a:spcBef>
+                          <a:spcPts val="500"/>
+                        </a:spcBef>
+                        <a:spcAft>
+                          <a:spcPts val="500"/>
+                        </a:spcAft>
+                        <a:buNone/>
+                      </a:pPr>
+                      <a:r>
+                        <a:rPr sz="1100" b="0" i="0" u="none" cap="none">
+                          <a:solidFill>
+                            <a:srgbClr val="000000">
+                              <a:alpha val="100000"/>
+                            </a:srgbClr>
+                          </a:solidFill>
+                          <a:latin typeface="Arial"/>
+                          <a:cs typeface="Arial"/>
+                          <a:sym typeface="Arial"/>
+                        </a:rPr>
+                        <a:t>0.0336</a:t>
+                      </a:r>
+                    </a:p>
+                  </a:txBody>
+                  <a:tcPr marL="0" marR="0" marT="63500" marB="63500" anchor="ctr">
+                    <a:lnL w="0" cap="flat" cmpd="sng" algn="ctr">
+                      <a:noFill/>
+                      <a:prstDash val="solid"/>
+                    </a:lnL>
+                    <a:lnR w="0" cap="flat" cmpd="sng" algn="ctr">
+                      <a:noFill/>
+                      <a:prstDash val="solid"/>
+                    </a:lnR>
+                    <a:lnT w="0" cap="flat" cmpd="sng" algn="ctr">
+                      <a:noFill/>
+                      <a:prstDash val="solid"/>
+                    </a:lnT>
+                    <a:lnB w="0" cap="flat" cmpd="sng" algn="ctr">
+                      <a:noFill/>
+                      <a:prstDash val="solid"/>
+                    </a:lnB>
+                    <a:solidFill>
+                      <a:srgbClr val="FFFFFF">
+                        <a:alpha val="0"/>
+                      </a:srgbClr>
+                    </a:solidFill>
+                  </a:tcPr>
+                </a:tc>
+                <a:tc>
+                  <a:txBody>
+                    <a:bodyPr/>
+                    <a:lstStyle/>
+                    <a:p>
+                      <a:pPr marL="63500" marR="63500" algn="ctr">
+                        <a:lnSpc>
+                          <a:spcPct val="100000"/>
+                        </a:lnSpc>
+                        <a:spcBef>
+                          <a:spcPts val="500"/>
+                        </a:spcBef>
+                        <a:spcAft>
+                          <a:spcPts val="500"/>
+                        </a:spcAft>
+                        <a:buNone/>
+                      </a:pPr>
+                      <a:r>
+                        <a:rPr sz="1100" b="0" i="0" u="none" cap="none">
+                          <a:solidFill>
+                            <a:srgbClr val="000000">
+                              <a:alpha val="100000"/>
+                            </a:srgbClr>
+                          </a:solidFill>
+                          <a:latin typeface="Arial"/>
+                          <a:cs typeface="Arial"/>
+                          <a:sym typeface="Arial"/>
+                        </a:rPr>
+                        <a:t>-0.0019</a:t>
+                      </a:r>
+                    </a:p>
+                  </a:txBody>
+                  <a:tcPr marL="0" marR="0" marT="63500" marB="63500" anchor="ctr">
+                    <a:lnL w="0" cap="flat" cmpd="sng" algn="ctr">
+                      <a:noFill/>
+                      <a:prstDash val="solid"/>
+                    </a:lnL>
+                    <a:lnR w="0" cap="flat" cmpd="sng" algn="ctr">
+                      <a:noFill/>
+                      <a:prstDash val="solid"/>
+                    </a:lnR>
+                    <a:lnT w="0" cap="flat" cmpd="sng" algn="ctr">
+                      <a:noFill/>
+                      <a:prstDash val="solid"/>
+                    </a:lnT>
+                    <a:lnB w="0" cap="flat" cmpd="sng" algn="ctr">
+                      <a:noFill/>
+                      <a:prstDash val="solid"/>
+                    </a:lnB>
+                    <a:solidFill>
+                      <a:srgbClr val="FFFFFF">
+                        <a:alpha val="0"/>
+                      </a:srgbClr>
+                    </a:solidFill>
+                  </a:tcPr>
+                </a:tc>
+                <a:tc>
+                  <a:txBody>
+                    <a:bodyPr/>
+                    <a:lstStyle/>
+                    <a:p>
+                      <a:pPr marL="63500" marR="63500" algn="ctr">
+                        <a:lnSpc>
+                          <a:spcPct val="100000"/>
+                        </a:lnSpc>
+                        <a:spcBef>
+                          <a:spcPts val="500"/>
+                        </a:spcBef>
+                        <a:spcAft>
+                          <a:spcPts val="500"/>
+                        </a:spcAft>
+                        <a:buNone/>
+                      </a:pPr>
+                      <a:r>
+                        <a:rPr sz="1100" b="0" i="0" u="none" cap="none">
+                          <a:solidFill>
+                            <a:srgbClr val="000000">
+                              <a:alpha val="100000"/>
+                            </a:srgbClr>
+                          </a:solidFill>
+                          <a:latin typeface="Arial"/>
+                          <a:cs typeface="Arial"/>
+                          <a:sym typeface="Arial"/>
+                        </a:rPr>
+                        <a:t>0.0598</a:t>
+                      </a:r>
+                    </a:p>
+                  </a:txBody>
+                  <a:tcPr marL="0" marR="0" marT="63500" marB="63500" anchor="ctr">
+                    <a:lnL w="0" cap="flat" cmpd="sng" algn="ctr">
+                      <a:noFill/>
+                      <a:prstDash val="solid"/>
+                    </a:lnL>
+                    <a:lnR w="0" cap="flat" cmpd="sng" algn="ctr">
+                      <a:noFill/>
+                      <a:prstDash val="solid"/>
+                    </a:lnR>
+                    <a:lnT w="0" cap="flat" cmpd="sng" algn="ctr">
+                      <a:noFill/>
+                      <a:prstDash val="solid"/>
+                    </a:lnT>
+                    <a:lnB w="0" cap="flat" cmpd="sng" algn="ctr">
+                      <a:noFill/>
+                      <a:prstDash val="solid"/>
+                    </a:lnB>
+                    <a:solidFill>
+                      <a:srgbClr val="FFFFFF">
+                        <a:alpha val="0"/>
+                      </a:srgbClr>
+                    </a:solidFill>
+                  </a:tcPr>
+                </a:tc>
+                <a:extLst>
+                  <a:ext uri="{0D108BD9-81ED-4DB2-BD59-A6C34878D82A}">
+                    <a16:rowId xmlns:a16="http://schemas.microsoft.com/office/drawing/2014/main" val="10003"/>
+                  </a:ext>
+                </a:extLst>
+              </a:tr>
+              <a:tr h="228600">
+                <a:tc>
+                  <a:txBody>
+                    <a:bodyPr/>
+                    <a:lstStyle/>
+                    <a:p>
+                      <a:pPr marL="63500" marR="63500" algn="l">
+                        <a:lnSpc>
+                          <a:spcPct val="100000"/>
+                        </a:lnSpc>
+                        <a:spcBef>
+                          <a:spcPts val="500"/>
+                        </a:spcBef>
+                        <a:spcAft>
+                          <a:spcPts val="500"/>
+                        </a:spcAft>
+                        <a:buNone/>
+                      </a:pPr>
+                      <a:r>
+                        <a:rPr sz="1100" b="0" i="0" u="none" cap="none">
+                          <a:solidFill>
+                            <a:srgbClr val="000000">
+                              <a:alpha val="100000"/>
+                            </a:srgbClr>
+                          </a:solidFill>
+                          <a:latin typeface="Arial"/>
+                          <a:cs typeface="Arial"/>
+                          <a:sym typeface="Arial"/>
+                        </a:rPr>
+                        <a:t>Treatment D</a:t>
+                      </a:r>
+                    </a:p>
+                  </a:txBody>
+                  <a:tcPr marL="0" marR="0" marT="63500" marB="63500" anchor="ctr">
+                    <a:lnL w="0" cap="flat" cmpd="sng" algn="ctr">
+                      <a:noFill/>
+                      <a:prstDash val="solid"/>
+                    </a:lnL>
+                    <a:lnR w="0" cap="flat" cmpd="sng" algn="ctr">
+                      <a:noFill/>
+                      <a:prstDash val="solid"/>
+                    </a:lnR>
+                    <a:lnT w="0" cap="flat" cmpd="sng" algn="ctr">
+                      <a:noFill/>
+                      <a:prstDash val="solid"/>
+                    </a:lnT>
+                    <a:lnB w="0" cap="flat" cmpd="sng" algn="ctr">
+                      <a:noFill/>
+                      <a:prstDash val="solid"/>
+                    </a:lnB>
+                    <a:solidFill>
+                      <a:srgbClr val="FFFFFF">
+                        <a:alpha val="0"/>
+                      </a:srgbClr>
+                    </a:solidFill>
+                  </a:tcPr>
+                </a:tc>
+                <a:tc>
+                  <a:txBody>
+                    <a:bodyPr/>
+                    <a:lstStyle/>
+                    <a:p>
+                      <a:pPr marL="63500" marR="63500" algn="ctr">
+                        <a:lnSpc>
+                          <a:spcPct val="100000"/>
+                        </a:lnSpc>
+                        <a:spcBef>
+                          <a:spcPts val="500"/>
+                        </a:spcBef>
+                        <a:spcAft>
+                          <a:spcPts val="500"/>
+                        </a:spcAft>
+                        <a:buNone/>
+                      </a:pPr>
+                      <a:r>
+                        <a:rPr sz="1100" b="0" i="0" u="none" cap="none">
+                          <a:solidFill>
+                            <a:srgbClr val="000000">
+                              <a:alpha val="100000"/>
+                            </a:srgbClr>
+                          </a:solidFill>
+                          <a:latin typeface="Arial"/>
+                          <a:cs typeface="Arial"/>
+                          <a:sym typeface="Arial"/>
+                        </a:rPr>
+                        <a:t>0.0287</a:t>
+                      </a:r>
+                    </a:p>
+                  </a:txBody>
+                  <a:tcPr marL="0" marR="0" marT="63500" marB="63500" anchor="ctr">
+                    <a:lnL w="0" cap="flat" cmpd="sng" algn="ctr">
+                      <a:noFill/>
+                      <a:prstDash val="solid"/>
+                    </a:lnL>
+                    <a:lnR w="0" cap="flat" cmpd="sng" algn="ctr">
+                      <a:noFill/>
+                      <a:prstDash val="solid"/>
+                    </a:lnR>
+                    <a:lnT w="0" cap="flat" cmpd="sng" algn="ctr">
+                      <a:noFill/>
+                      <a:prstDash val="solid"/>
+                    </a:lnT>
+                    <a:lnB w="0" cap="flat" cmpd="sng" algn="ctr">
+                      <a:noFill/>
+                      <a:prstDash val="solid"/>
+                    </a:lnB>
+                    <a:solidFill>
+                      <a:srgbClr val="FFFFFF">
+                        <a:alpha val="0"/>
+                      </a:srgbClr>
+                    </a:solidFill>
+                  </a:tcPr>
+                </a:tc>
+                <a:tc>
+                  <a:txBody>
+                    <a:bodyPr/>
+                    <a:lstStyle/>
+                    <a:p>
+                      <a:pPr marL="63500" marR="63500" algn="ctr">
+                        <a:lnSpc>
+                          <a:spcPct val="100000"/>
+                        </a:lnSpc>
+                        <a:spcBef>
+                          <a:spcPts val="500"/>
+                        </a:spcBef>
+                        <a:spcAft>
+                          <a:spcPts val="500"/>
+                        </a:spcAft>
+                        <a:buNone/>
+                      </a:pPr>
+                      <a:r>
+                        <a:rPr sz="1100" b="0" i="0" u="none" cap="none">
+                          <a:solidFill>
+                            <a:srgbClr val="000000">
+                              <a:alpha val="100000"/>
+                            </a:srgbClr>
+                          </a:solidFill>
+                          <a:latin typeface="Arial"/>
+                          <a:cs typeface="Arial"/>
+                          <a:sym typeface="Arial"/>
+                        </a:rPr>
+                        <a:t>0.0390</a:t>
+                      </a:r>
+                    </a:p>
+                  </a:txBody>
+                  <a:tcPr marL="0" marR="0" marT="63500" marB="63500" anchor="ctr">
+                    <a:lnL w="0" cap="flat" cmpd="sng" algn="ctr">
+                      <a:noFill/>
+                      <a:prstDash val="solid"/>
+                    </a:lnL>
+                    <a:lnR w="0" cap="flat" cmpd="sng" algn="ctr">
+                      <a:noFill/>
+                      <a:prstDash val="solid"/>
+                    </a:lnR>
+                    <a:lnT w="0" cap="flat" cmpd="sng" algn="ctr">
+                      <a:noFill/>
+                      <a:prstDash val="solid"/>
+                    </a:lnT>
+                    <a:lnB w="0" cap="flat" cmpd="sng" algn="ctr">
+                      <a:noFill/>
+                      <a:prstDash val="solid"/>
+                    </a:lnB>
+                    <a:solidFill>
+                      <a:srgbClr val="FFFFFF">
+                        <a:alpha val="0"/>
+                      </a:srgbClr>
+                    </a:solidFill>
+                  </a:tcPr>
+                </a:tc>
+                <a:tc>
+                  <a:txBody>
+                    <a:bodyPr/>
+                    <a:lstStyle/>
+                    <a:p>
+                      <a:pPr marL="63500" marR="63500" algn="ctr">
+                        <a:lnSpc>
+                          <a:spcPct val="100000"/>
+                        </a:lnSpc>
+                        <a:spcBef>
+                          <a:spcPts val="500"/>
+                        </a:spcBef>
+                        <a:spcAft>
+                          <a:spcPts val="500"/>
+                        </a:spcAft>
+                        <a:buNone/>
+                      </a:pPr>
+                      <a:r>
+                        <a:rPr sz="1100" b="0" i="0" u="none" cap="none">
+                          <a:solidFill>
+                            <a:srgbClr val="000000">
+                              <a:alpha val="100000"/>
+                            </a:srgbClr>
+                          </a:solidFill>
+                          <a:latin typeface="Arial"/>
+                          <a:cs typeface="Arial"/>
+                          <a:sym typeface="Arial"/>
+                        </a:rPr>
+                        <a:t>0.0079</a:t>
+                      </a:r>
+                    </a:p>
+                  </a:txBody>
+                  <a:tcPr marL="0" marR="0" marT="63500" marB="63500" anchor="ctr">
+                    <a:lnL w="0" cap="flat" cmpd="sng" algn="ctr">
+                      <a:noFill/>
+                      <a:prstDash val="solid"/>
+                    </a:lnL>
+                    <a:lnR w="0" cap="flat" cmpd="sng" algn="ctr">
+                      <a:noFill/>
+                      <a:prstDash val="solid"/>
+                    </a:lnR>
+                    <a:lnT w="0" cap="flat" cmpd="sng" algn="ctr">
+                      <a:noFill/>
+                      <a:prstDash val="solid"/>
+                    </a:lnT>
+                    <a:lnB w="0" cap="flat" cmpd="sng" algn="ctr">
+                      <a:noFill/>
+                      <a:prstDash val="solid"/>
+                    </a:lnB>
+                    <a:solidFill>
+                      <a:srgbClr val="FFFFFF">
+                        <a:alpha val="0"/>
+                      </a:srgbClr>
+                    </a:solidFill>
+                  </a:tcPr>
+                </a:tc>
+                <a:tc>
+                  <a:txBody>
+                    <a:bodyPr/>
+                    <a:lstStyle/>
+                    <a:p>
+                      <a:pPr marL="63500" marR="63500" algn="ctr">
+                        <a:lnSpc>
+                          <a:spcPct val="100000"/>
+                        </a:lnSpc>
+                        <a:spcBef>
+                          <a:spcPts val="500"/>
+                        </a:spcBef>
+                        <a:spcAft>
+                          <a:spcPts val="500"/>
+                        </a:spcAft>
+                        <a:buNone/>
+                      </a:pPr>
+                      <a:r>
+                        <a:rPr sz="1100" b="0" i="0" u="none" cap="none">
+                          <a:solidFill>
+                            <a:srgbClr val="000000">
+                              <a:alpha val="100000"/>
+                            </a:srgbClr>
+                          </a:solidFill>
+                          <a:latin typeface="Arial"/>
+                          <a:cs typeface="Arial"/>
+                          <a:sym typeface="Arial"/>
+                        </a:rPr>
+                        <a:t>0.0628</a:t>
+                      </a:r>
+                    </a:p>
+                  </a:txBody>
+                  <a:tcPr marL="0" marR="0" marT="63500" marB="63500" anchor="ctr">
+                    <a:lnL w="0" cap="flat" cmpd="sng" algn="ctr">
+                      <a:noFill/>
+                      <a:prstDash val="solid"/>
+                    </a:lnL>
+                    <a:lnR w="0" cap="flat" cmpd="sng" algn="ctr">
+                      <a:noFill/>
+                      <a:prstDash val="solid"/>
+                    </a:lnR>
+                    <a:lnT w="0" cap="flat" cmpd="sng" algn="ctr">
+                      <a:noFill/>
+                      <a:prstDash val="solid"/>
+                    </a:lnT>
+                    <a:lnB w="0" cap="flat" cmpd="sng" algn="ctr">
+                      <a:noFill/>
+                      <a:prstDash val="solid"/>
+                    </a:lnB>
+                    <a:solidFill>
+                      <a:srgbClr val="FFFFFF">
+                        <a:alpha val="0"/>
+                      </a:srgbClr>
+                    </a:solidFill>
+                  </a:tcPr>
+                </a:tc>
+                <a:extLst>
+                  <a:ext uri="{0D108BD9-81ED-4DB2-BD59-A6C34878D82A}">
+                    <a16:rowId xmlns:a16="http://schemas.microsoft.com/office/drawing/2014/main" val="10004"/>
+                  </a:ext>
+                </a:extLst>
+              </a:tr>
+              <a:tr h="228600">
+                <a:tc>
+                  <a:txBody>
+                    <a:bodyPr/>
+                    <a:lstStyle/>
+                    <a:p>
+                      <a:pPr marL="63500" marR="63500" algn="l">
+                        <a:lnSpc>
+                          <a:spcPct val="100000"/>
+                        </a:lnSpc>
+                        <a:spcBef>
+                          <a:spcPts val="500"/>
+                        </a:spcBef>
+                        <a:spcAft>
+                          <a:spcPts val="500"/>
+                        </a:spcAft>
+                        <a:buNone/>
+                      </a:pPr>
+                      <a:r>
+                        <a:rPr sz="1100" b="0" i="0" u="none" cap="none">
+                          <a:solidFill>
+                            <a:srgbClr val="000000">
+                              <a:alpha val="100000"/>
+                            </a:srgbClr>
+                          </a:solidFill>
+                          <a:latin typeface="Arial"/>
+                          <a:cs typeface="Arial"/>
+                          <a:sym typeface="Arial"/>
+                        </a:rPr>
+                        <a:t>Optimum targeting</a:t>
+                      </a:r>
+                    </a:p>
+                  </a:txBody>
+                  <a:tcPr marL="0" marR="0" marT="63500" marB="63500" anchor="ctr">
+                    <a:lnL w="0" cap="flat" cmpd="sng" algn="ctr">
+                      <a:noFill/>
+                      <a:prstDash val="solid"/>
+                    </a:lnL>
+                    <a:lnR w="0" cap="flat" cmpd="sng" algn="ctr">
+                      <a:noFill/>
+                      <a:prstDash val="solid"/>
+                    </a:lnR>
+                    <a:lnT w="0" cap="flat" cmpd="sng" algn="ctr">
+                      <a:noFill/>
+                      <a:prstDash val="solid"/>
+                    </a:lnT>
+                    <a:lnB w="12700" cap="flat" cmpd="sng" algn="ctr">
+                      <a:solidFill>
+                        <a:srgbClr val="000000">
+                          <a:alpha val="100000"/>
+                        </a:srgbClr>
+                      </a:solidFill>
+                      <a:prstDash val="solid"/>
+                    </a:lnB>
+                    <a:solidFill>
+                      <a:srgbClr val="FFFFFF">
+                        <a:alpha val="0"/>
+                      </a:srgbClr>
+                    </a:solidFill>
+                  </a:tcPr>
+                </a:tc>
+                <a:tc>
+                  <a:txBody>
+                    <a:bodyPr/>
+                    <a:lstStyle/>
+                    <a:p>
+                      <a:pPr marL="63500" marR="63500" algn="ctr">
+                        <a:lnSpc>
+                          <a:spcPct val="100000"/>
+                        </a:lnSpc>
+                        <a:spcBef>
+                          <a:spcPts val="500"/>
+                        </a:spcBef>
+                        <a:spcAft>
+                          <a:spcPts val="500"/>
+                        </a:spcAft>
+                        <a:buNone/>
+                      </a:pPr>
+                      <a:r>
+                        <a:rPr sz="1100" b="0" i="0" u="none" cap="none">
+                          <a:solidFill>
+                            <a:srgbClr val="000000">
+                              <a:alpha val="100000"/>
+                            </a:srgbClr>
+                          </a:solidFill>
+                          <a:latin typeface="Arial"/>
+                          <a:cs typeface="Arial"/>
+                          <a:sym typeface="Arial"/>
+                        </a:rPr>
+                        <a:t>0.0473</a:t>
+                      </a:r>
+                    </a:p>
+                  </a:txBody>
+                  <a:tcPr marL="0" marR="0" marT="63500" marB="63500" anchor="ctr">
+                    <a:lnL w="0" cap="flat" cmpd="sng" algn="ctr">
+                      <a:noFill/>
+                      <a:prstDash val="solid"/>
+                    </a:lnL>
+                    <a:lnR w="0" cap="flat" cmpd="sng" algn="ctr">
+                      <a:noFill/>
+                      <a:prstDash val="solid"/>
+                    </a:lnR>
+                    <a:lnT w="0" cap="flat" cmpd="sng" algn="ctr">
+                      <a:noFill/>
+                      <a:prstDash val="solid"/>
+                    </a:lnT>
+                    <a:lnB w="12700" cap="flat" cmpd="sng" algn="ctr">
+                      <a:solidFill>
+                        <a:srgbClr val="000000">
+                          <a:alpha val="100000"/>
+                        </a:srgbClr>
+                      </a:solidFill>
+                      <a:prstDash val="solid"/>
+                    </a:lnB>
+                    <a:solidFill>
+                      <a:srgbClr val="FFFFFF">
+                        <a:alpha val="0"/>
+                      </a:srgbClr>
+                    </a:solidFill>
+                  </a:tcPr>
+                </a:tc>
+                <a:tc>
+                  <a:txBody>
+                    <a:bodyPr/>
+                    <a:lstStyle/>
+                    <a:p>
+                      <a:pPr marL="63500" marR="63500" algn="ctr">
+                        <a:lnSpc>
+                          <a:spcPct val="100000"/>
+                        </a:lnSpc>
+                        <a:spcBef>
+                          <a:spcPts val="500"/>
+                        </a:spcBef>
+                        <a:spcAft>
+                          <a:spcPts val="500"/>
+                        </a:spcAft>
+                        <a:buNone/>
+                      </a:pPr>
+                      <a:r>
+                        <a:rPr sz="1100" b="0" i="0" u="none" cap="none">
+                          <a:solidFill>
+                            <a:srgbClr val="000000">
+                              <a:alpha val="100000"/>
+                            </a:srgbClr>
+                          </a:solidFill>
+                          <a:latin typeface="Arial"/>
+                          <a:cs typeface="Arial"/>
+                          <a:sym typeface="Arial"/>
+                        </a:rPr>
+                        <a:t>0.0530</a:t>
+                      </a:r>
+                    </a:p>
+                  </a:txBody>
+                  <a:tcPr marL="0" marR="0" marT="63500" marB="63500" anchor="ctr">
+                    <a:lnL w="0" cap="flat" cmpd="sng" algn="ctr">
+                      <a:noFill/>
+                      <a:prstDash val="solid"/>
+                    </a:lnL>
+                    <a:lnR w="0" cap="flat" cmpd="sng" algn="ctr">
+                      <a:noFill/>
+                      <a:prstDash val="solid"/>
+                    </a:lnR>
+                    <a:lnT w="0" cap="flat" cmpd="sng" algn="ctr">
+                      <a:noFill/>
+                      <a:prstDash val="solid"/>
+                    </a:lnT>
+                    <a:lnB w="12700" cap="flat" cmpd="sng" algn="ctr">
+                      <a:solidFill>
+                        <a:srgbClr val="000000">
+                          <a:alpha val="100000"/>
+                        </a:srgbClr>
+                      </a:solidFill>
+                      <a:prstDash val="solid"/>
+                    </a:lnB>
+                    <a:solidFill>
+                      <a:srgbClr val="FFFFFF">
+                        <a:alpha val="0"/>
+                      </a:srgbClr>
+                    </a:solidFill>
+                  </a:tcPr>
+                </a:tc>
+                <a:tc>
+                  <a:txBody>
+                    <a:bodyPr/>
+                    <a:lstStyle/>
+                    <a:p>
+                      <a:pPr marL="63500" marR="63500" algn="ctr">
+                        <a:lnSpc>
+                          <a:spcPct val="100000"/>
+                        </a:lnSpc>
+                        <a:spcBef>
+                          <a:spcPts val="500"/>
+                        </a:spcBef>
+                        <a:spcAft>
+                          <a:spcPts val="500"/>
+                        </a:spcAft>
+                        <a:buNone/>
+                      </a:pPr>
+                      <a:endParaRPr/>
+                    </a:p>
+                  </a:txBody>
+                  <a:tcPr marL="0" marR="0" marT="63500" marB="63500" anchor="ctr">
+                    <a:lnL w="0" cap="flat" cmpd="sng" algn="ctr">
+                      <a:noFill/>
+                      <a:prstDash val="solid"/>
+                    </a:lnL>
+                    <a:lnR w="0" cap="flat" cmpd="sng" algn="ctr">
+                      <a:noFill/>
+                      <a:prstDash val="solid"/>
+                    </a:lnR>
+                    <a:lnT w="0" cap="flat" cmpd="sng" algn="ctr">
+                      <a:noFill/>
+                      <a:prstDash val="solid"/>
+                    </a:lnT>
+                    <a:lnB w="12700" cap="flat" cmpd="sng" algn="ctr">
+                      <a:solidFill>
+                        <a:srgbClr val="000000">
+                          <a:alpha val="100000"/>
+                        </a:srgbClr>
+                      </a:solidFill>
+                      <a:prstDash val="solid"/>
+                    </a:lnB>
+                    <a:solidFill>
+                      <a:srgbClr val="FFFFFF">
+                        <a:alpha val="0"/>
+                      </a:srgbClr>
+                    </a:solidFill>
+                  </a:tcPr>
+                </a:tc>
+                <a:tc>
+                  <a:txBody>
+                    <a:bodyPr/>
+                    <a:lstStyle/>
+                    <a:p>
+                      <a:pPr marL="63500" marR="63500" algn="ctr">
+                        <a:lnSpc>
+                          <a:spcPct val="100000"/>
+                        </a:lnSpc>
+                        <a:spcBef>
+                          <a:spcPts val="500"/>
+                        </a:spcBef>
+                        <a:spcAft>
+                          <a:spcPts val="500"/>
+                        </a:spcAft>
+                        <a:buNone/>
+                      </a:pPr>
+                      <a:endParaRPr dirty="0"/>
+                    </a:p>
+                  </a:txBody>
+                  <a:tcPr marL="0" marR="0" marT="63500" marB="63500" anchor="ctr">
+                    <a:lnL w="0" cap="flat" cmpd="sng" algn="ctr">
+                      <a:noFill/>
+                      <a:prstDash val="solid"/>
+                    </a:lnL>
+                    <a:lnR w="0" cap="flat" cmpd="sng" algn="ctr">
+                      <a:noFill/>
+                      <a:prstDash val="solid"/>
+                    </a:lnR>
+                    <a:lnT w="0" cap="flat" cmpd="sng" algn="ctr">
+                      <a:noFill/>
+                      <a:prstDash val="solid"/>
+                    </a:lnT>
+                    <a:lnB w="12700" cap="flat" cmpd="sng" algn="ctr">
+                      <a:solidFill>
+                        <a:srgbClr val="000000">
+                          <a:alpha val="100000"/>
+                        </a:srgbClr>
+                      </a:solidFill>
+                      <a:prstDash val="solid"/>
+                    </a:lnB>
+                    <a:solidFill>
+                      <a:srgbClr val="FFFFFF">
+                        <a:alpha val="0"/>
+                      </a:srgbClr>
+                    </a:solidFill>
+                  </a:tcPr>
+                </a:tc>
+                <a:extLst>
+                  <a:ext uri="{0D108BD9-81ED-4DB2-BD59-A6C34878D82A}">
+                    <a16:rowId xmlns:a16="http://schemas.microsoft.com/office/drawing/2014/main" val="10005"/>
+                  </a:ext>
+                </a:extLst>
+              </a:tr>
+            </a:tbl>
+          </a:graphicData>
+        </a:graphic>
+      </p:graphicFrame>
+      <p:sp>
+        <p:nvSpPr>
+          <p:cNvPr id="5" name="テキスト ボックス 4">
+            <a:extLst>
+              <a:ext uri="{FF2B5EF4-FFF2-40B4-BE49-F238E27FC236}">
+                <a16:creationId xmlns:a16="http://schemas.microsoft.com/office/drawing/2014/main" id="{D471881B-DD6C-A2D4-0C32-8227B797B845}"/>
+              </a:ext>
+            </a:extLst>
+          </p:cNvPr>
+          <p:cNvSpPr txBox="1"/>
+          <p:nvPr/>
+        </p:nvSpPr>
+        <p:spPr>
+          <a:xfrm>
+            <a:off x="5735782" y="1267691"/>
+            <a:ext cx="2853666" cy="369332"/>
+          </a:xfrm>
+          <a:prstGeom prst="rect">
+            <a:avLst/>
+          </a:prstGeom>
+          <a:noFill/>
+        </p:spPr>
+        <p:txBody>
+          <a:bodyPr wrap="none" rtlCol="0">
+            <a:spAutoFit/>
+          </a:bodyPr>
+          <a:lstStyle/>
+          <a:p>
+            <a:r>
+              <a:rPr kumimoji="1" lang="ja-JP" altLang="en-US" dirty="0"/>
+              <a:t>全員に特定の介入を与える</a:t>
+            </a:r>
+          </a:p>
+        </p:txBody>
+      </p:sp>
+      <p:cxnSp>
+        <p:nvCxnSpPr>
+          <p:cNvPr id="7" name="直線矢印コネクタ 6">
+            <a:extLst>
+              <a:ext uri="{FF2B5EF4-FFF2-40B4-BE49-F238E27FC236}">
+                <a16:creationId xmlns:a16="http://schemas.microsoft.com/office/drawing/2014/main" id="{203C3202-3F1A-8808-6130-FBF1FA8CF215}"/>
+              </a:ext>
+            </a:extLst>
+          </p:cNvPr>
+          <p:cNvCxnSpPr>
+            <a:cxnSpLocks/>
+          </p:cNvCxnSpPr>
+          <p:nvPr/>
+        </p:nvCxnSpPr>
+        <p:spPr>
+          <a:xfrm flipH="1">
+            <a:off x="6553200" y="1627909"/>
+            <a:ext cx="290945" cy="443346"/>
+          </a:xfrm>
+          <a:prstGeom prst="straightConnector1">
+            <a:avLst/>
+          </a:prstGeom>
+          <a:ln>
+            <a:solidFill>
+              <a:schemeClr val="tx1"/>
+            </a:solidFill>
+            <a:tailEnd type="triangle"/>
+          </a:ln>
+        </p:spPr>
+        <p:style>
+          <a:lnRef idx="2">
+            <a:schemeClr val="accent1"/>
+          </a:lnRef>
+          <a:fillRef idx="0">
+            <a:schemeClr val="accent1"/>
+          </a:fillRef>
+          <a:effectRef idx="1">
+            <a:schemeClr val="accent1"/>
+          </a:effectRef>
+          <a:fontRef idx="minor">
+            <a:schemeClr val="tx1"/>
+          </a:fontRef>
+        </p:style>
+      </p:cxnSp>
+      <p:sp>
+        <p:nvSpPr>
+          <p:cNvPr id="9" name="正方形/長方形 8">
+            <a:extLst>
+              <a:ext uri="{FF2B5EF4-FFF2-40B4-BE49-F238E27FC236}">
+                <a16:creationId xmlns:a16="http://schemas.microsoft.com/office/drawing/2014/main" id="{7A9A1ED4-12EE-3F04-9348-C07FF97DEFE3}"/>
+              </a:ext>
+            </a:extLst>
+          </p:cNvPr>
+          <p:cNvSpPr/>
+          <p:nvPr/>
+        </p:nvSpPr>
+        <p:spPr>
+          <a:xfrm>
+            <a:off x="3782291" y="2632364"/>
+            <a:ext cx="658091" cy="817418"/>
+          </a:xfrm>
+          <a:prstGeom prst="rect">
+            <a:avLst/>
+          </a:prstGeom>
+          <a:noFill/>
+          <a:ln w="28575">
+            <a:solidFill>
+              <a:srgbClr val="0070C0"/>
+            </a:solidFill>
+          </a:ln>
+        </p:spPr>
+        <p:style>
+          <a:lnRef idx="1">
+            <a:schemeClr val="accent1"/>
+          </a:lnRef>
+          <a:fillRef idx="3">
+            <a:schemeClr val="accent1"/>
+          </a:fillRef>
+          <a:effectRef idx="2">
+            <a:schemeClr val="accent1"/>
+          </a:effectRef>
+          <a:fontRef idx="minor">
+            <a:schemeClr val="lt1"/>
+          </a:fontRef>
+        </p:style>
+        <p:txBody>
+          <a:bodyPr rtlCol="0" anchor="ctr"/>
+          <a:lstStyle/>
+          <a:p>
+            <a:pPr algn="ctr"/>
+            <a:endParaRPr kumimoji="1" lang="ja-JP" altLang="en-US"/>
+          </a:p>
+        </p:txBody>
+      </p:sp>
+      <p:cxnSp>
+        <p:nvCxnSpPr>
+          <p:cNvPr id="11" name="直線矢印コネクタ 10">
+            <a:extLst>
+              <a:ext uri="{FF2B5EF4-FFF2-40B4-BE49-F238E27FC236}">
+                <a16:creationId xmlns:a16="http://schemas.microsoft.com/office/drawing/2014/main" id="{014E2268-C9BB-5EB9-B20B-3178C014FC52}"/>
+              </a:ext>
+            </a:extLst>
+          </p:cNvPr>
+          <p:cNvCxnSpPr>
+            <a:cxnSpLocks/>
+          </p:cNvCxnSpPr>
+          <p:nvPr/>
+        </p:nvCxnSpPr>
+        <p:spPr>
+          <a:xfrm>
+            <a:off x="3491346" y="1754332"/>
+            <a:ext cx="290945" cy="817418"/>
+          </a:xfrm>
+          <a:prstGeom prst="straightConnector1">
+            <a:avLst/>
+          </a:prstGeom>
+          <a:ln>
+            <a:solidFill>
+              <a:srgbClr val="0070C0"/>
+            </a:solidFill>
+            <a:tailEnd type="triangle"/>
+          </a:ln>
+        </p:spPr>
+        <p:style>
+          <a:lnRef idx="2">
+            <a:schemeClr val="accent1"/>
+          </a:lnRef>
+          <a:fillRef idx="0">
+            <a:schemeClr val="accent1"/>
+          </a:fillRef>
+          <a:effectRef idx="1">
+            <a:schemeClr val="accent1"/>
+          </a:effectRef>
+          <a:fontRef idx="minor">
+            <a:schemeClr val="tx1"/>
+          </a:fontRef>
+        </p:style>
+      </p:cxnSp>
+      <p:sp>
+        <p:nvSpPr>
+          <p:cNvPr id="15" name="テキスト ボックス 14">
+            <a:extLst>
+              <a:ext uri="{FF2B5EF4-FFF2-40B4-BE49-F238E27FC236}">
+                <a16:creationId xmlns:a16="http://schemas.microsoft.com/office/drawing/2014/main" id="{41E894E1-DFAF-E830-3635-E7798769CFBF}"/>
+              </a:ext>
+            </a:extLst>
+          </p:cNvPr>
+          <p:cNvSpPr txBox="1"/>
+          <p:nvPr/>
+        </p:nvSpPr>
+        <p:spPr>
+          <a:xfrm>
+            <a:off x="1364129" y="1354693"/>
+            <a:ext cx="3962944" cy="369332"/>
+          </a:xfrm>
+          <a:prstGeom prst="rect">
+            <a:avLst/>
+          </a:prstGeom>
+          <a:noFill/>
+          <a:ln w="19050">
+            <a:solidFill>
+              <a:srgbClr val="0070C0"/>
+            </a:solidFill>
+          </a:ln>
+        </p:spPr>
+        <p:txBody>
+          <a:bodyPr wrap="none" rtlCol="0">
+            <a:spAutoFit/>
+          </a:bodyPr>
+          <a:lstStyle/>
+          <a:p>
+            <a:r>
+              <a:rPr kumimoji="1" lang="ja-JP" altLang="en-US" dirty="0"/>
+              <a:t>正の効果がある人のみに介入を与える</a:t>
+            </a:r>
+          </a:p>
+        </p:txBody>
+      </p:sp>
+      <p:sp>
+        <p:nvSpPr>
+          <p:cNvPr id="16" name="正方形/長方形 15">
+            <a:extLst>
+              <a:ext uri="{FF2B5EF4-FFF2-40B4-BE49-F238E27FC236}">
+                <a16:creationId xmlns:a16="http://schemas.microsoft.com/office/drawing/2014/main" id="{29EE460B-261B-D5CB-27B7-952948491F6A}"/>
+              </a:ext>
+            </a:extLst>
+          </p:cNvPr>
+          <p:cNvSpPr/>
+          <p:nvPr/>
+        </p:nvSpPr>
+        <p:spPr>
+          <a:xfrm>
+            <a:off x="3782291" y="3539836"/>
+            <a:ext cx="658091" cy="247196"/>
+          </a:xfrm>
+          <a:prstGeom prst="rect">
+            <a:avLst/>
+          </a:prstGeom>
+          <a:noFill/>
+          <a:ln w="28575">
+            <a:solidFill>
+              <a:srgbClr val="FF0000"/>
+            </a:solidFill>
+          </a:ln>
+        </p:spPr>
+        <p:style>
+          <a:lnRef idx="1">
+            <a:schemeClr val="accent1"/>
+          </a:lnRef>
+          <a:fillRef idx="3">
+            <a:schemeClr val="accent1"/>
+          </a:fillRef>
+          <a:effectRef idx="2">
+            <a:schemeClr val="accent1"/>
+          </a:effectRef>
+          <a:fontRef idx="minor">
+            <a:schemeClr val="lt1"/>
+          </a:fontRef>
+        </p:style>
+        <p:txBody>
+          <a:bodyPr rtlCol="0" anchor="ctr"/>
+          <a:lstStyle/>
+          <a:p>
+            <a:pPr algn="ctr"/>
+            <a:endParaRPr kumimoji="1" lang="ja-JP" altLang="en-US"/>
+          </a:p>
+        </p:txBody>
+      </p:sp>
+      <p:sp>
+        <p:nvSpPr>
+          <p:cNvPr id="17" name="テキスト ボックス 16">
+            <a:extLst>
+              <a:ext uri="{FF2B5EF4-FFF2-40B4-BE49-F238E27FC236}">
+                <a16:creationId xmlns:a16="http://schemas.microsoft.com/office/drawing/2014/main" id="{1E54746D-4B5B-81A5-90E0-8C3AD4269878}"/>
+              </a:ext>
+            </a:extLst>
+          </p:cNvPr>
+          <p:cNvSpPr txBox="1"/>
+          <p:nvPr/>
+        </p:nvSpPr>
+        <p:spPr>
+          <a:xfrm>
+            <a:off x="2129864" y="4291738"/>
+            <a:ext cx="3039615" cy="369332"/>
+          </a:xfrm>
+          <a:prstGeom prst="rect">
+            <a:avLst/>
+          </a:prstGeom>
+          <a:noFill/>
+          <a:ln w="19050">
+            <a:solidFill>
+              <a:srgbClr val="FF0000"/>
+            </a:solidFill>
+          </a:ln>
+        </p:spPr>
+        <p:txBody>
+          <a:bodyPr wrap="none" rtlCol="0">
+            <a:spAutoFit/>
+          </a:bodyPr>
+          <a:lstStyle/>
+          <a:p>
+            <a:r>
+              <a:rPr kumimoji="1" lang="ja-JP" altLang="en-US" dirty="0"/>
+              <a:t>最も効果の高い介入を与える</a:t>
+            </a:r>
+          </a:p>
+        </p:txBody>
+      </p:sp>
+      <p:cxnSp>
+        <p:nvCxnSpPr>
+          <p:cNvPr id="18" name="直線矢印コネクタ 17">
+            <a:extLst>
+              <a:ext uri="{FF2B5EF4-FFF2-40B4-BE49-F238E27FC236}">
+                <a16:creationId xmlns:a16="http://schemas.microsoft.com/office/drawing/2014/main" id="{501EE096-711B-4812-8E73-FA865F6D757A}"/>
+              </a:ext>
+            </a:extLst>
+          </p:cNvPr>
+          <p:cNvCxnSpPr>
+            <a:cxnSpLocks/>
+          </p:cNvCxnSpPr>
+          <p:nvPr/>
+        </p:nvCxnSpPr>
+        <p:spPr>
+          <a:xfrm flipV="1">
+            <a:off x="3906982" y="3818313"/>
+            <a:ext cx="145473" cy="442144"/>
+          </a:xfrm>
+          <a:prstGeom prst="straightConnector1">
+            <a:avLst/>
+          </a:prstGeom>
+          <a:ln>
+            <a:solidFill>
+              <a:srgbClr val="FF0000"/>
+            </a:solidFill>
+            <a:tailEnd type="triangle"/>
+          </a:ln>
+        </p:spPr>
+        <p:style>
+          <a:lnRef idx="2">
+            <a:schemeClr val="accent1"/>
+          </a:lnRef>
+          <a:fillRef idx="0">
+            <a:schemeClr val="accent1"/>
+          </a:fillRef>
+          <a:effectRef idx="1">
+            <a:schemeClr val="accent1"/>
+          </a:effectRef>
+          <a:fontRef idx="minor">
+            <a:schemeClr val="tx1"/>
+          </a:fontRef>
+        </p:style>
+      </p:cxnSp>
+    </p:spTree>
+  </p:cSld>
+  <p:clrMapOvr>
+    <a:masterClrMapping/>
+  </p:clrMapOvr>
+</p:sld>
+</file>
+
+<file path=ppt/slides/slide7.xml><?xml version="1.0" encoding="utf-8"?>
+<p:sld xmlns:a="http://schemas.openxmlformats.org/drawingml/2006/main" xmlns:r="http://schemas.openxmlformats.org/officeDocument/2006/relationships" xmlns:p="http://schemas.openxmlformats.org/presentationml/2006/main">
+  <p:cSld>
+    <p:spTree>
+      <p:nvGrpSpPr>
+        <p:cNvPr id="1" name=""/>
+        <p:cNvGrpSpPr/>
+        <p:nvPr/>
+      </p:nvGrpSpPr>
+      <p:grpSpPr>
+        <a:xfrm>
+          <a:off x="0" y="0"/>
+          <a:ext cx="0" cy="0"/>
+          <a:chOff x="0" y="0"/>
+          <a:chExt cx="0" cy="0"/>
+        </a:xfrm>
+      </p:grpSpPr>
+      <p:sp>
+        <p:nvSpPr>
+          <p:cNvPr id="2" name="Title 1"/>
+          <p:cNvSpPr>
+            <a:spLocks noGrp="1"/>
+          </p:cNvSpPr>
+          <p:nvPr>
+            <p:ph type="title"/>
+          </p:nvPr>
+        </p:nvSpPr>
+        <p:spPr/>
+        <p:txBody>
+          <a:bodyPr/>
+          <a:lstStyle/>
+          <a:p>
+            <a:pPr marL="0" lvl="0" indent="0">
+              <a:buNone/>
+            </a:pPr>
+            <a:r>
+              <a:rPr dirty="0"/>
+              <a:t>予測介入効果の分布</a:t>
+            </a:r>
+          </a:p>
+        </p:txBody>
+      </p:sp>
+      <p:pic>
+        <p:nvPicPr>
+          <p:cNvPr id="3" name="Picture 1" descr="targeting_files/figure-pptx/dist-targeting-effect-1.png"/>
           <p:cNvPicPr>
             <a:picLocks noGrp="1" noChangeAspect="1"/>
           </p:cNvPicPr>
@@ -5138,10 +7456,13 @@
       </p:pic>
     </p:spTree>
   </p:cSld>
+  <p:clrMapOvr>
+    <a:masterClrMapping/>
+  </p:clrMapOvr>
 </p:sld>
 </file>
 
-<file path=ppt/slides/slide4.xml><?xml version="1.0" encoding="utf-8"?>
+<file path=ppt/slides/slide8.xml><?xml version="1.0" encoding="utf-8"?>
 <p:sld xmlns:a="http://schemas.openxmlformats.org/drawingml/2006/main" xmlns:r="http://schemas.openxmlformats.org/officeDocument/2006/relationships" xmlns:p="http://schemas.openxmlformats.org/presentationml/2006/main">
   <p:cSld>
     <p:spTree>
@@ -5173,37 +7494,61 @@
           <a:bodyPr/>
           <a:lstStyle/>
           <a:p>
-            <a:pPr lvl="0" indent="0" marL="0">
+            <a:pPr marL="0" lvl="0" indent="0">
               <a:buNone/>
             </a:pPr>
             <a:r>
-              <a:rPr/>
+              <a:rPr dirty="0"/>
               <a:t>最適ターゲティング別の個人属性の比較</a:t>
             </a:r>
           </a:p>
         </p:txBody>
       </p:sp>
-      <p:graphicFrame xmlns:a="http://schemas.openxmlformats.org/drawingml/2006/main" xmlns:r="http://schemas.openxmlformats.org/officeDocument/2006/relationships" xmlns:p="http://schemas.openxmlformats.org/presentationml/2006/main">
+      <p:graphicFrame>
         <p:nvGraphicFramePr>
-          <p:cNvPr id="940253645" name=""/>
+          <p:cNvPr id="940253645" name="表 940253644"/>
           <p:cNvGraphicFramePr>
-            <a:graphicFrameLocks noGrp="true"/>
+            <a:graphicFrameLocks noGrp="1"/>
           </p:cNvGraphicFramePr>
           <p:nvPr/>
         </p:nvGraphicFramePr>
-        <p:xfrm rot="0">
+        <p:xfrm>
           <a:off x="914400" y="1828800"/>
-          <a:ext cx="9144000" cy="5486400"/>
+          <a:ext cx="6400800" cy="2357120"/>
         </p:xfrm>
         <a:graphic>
           <a:graphicData uri="http://schemas.openxmlformats.org/drawingml/2006/table">
             <a:tbl>
               <a:tblPr/>
               <a:tblGrid>
-                <a:gridCol w="3657600"/>
-                <a:gridCol w="914400"/>
-                <a:gridCol w="914400"/>
-                <a:gridCol w="914400"/>
+                <a:gridCol w="3657600">
+                  <a:extLst>
+                    <a:ext uri="{9D8B030D-6E8A-4147-A177-3AD203B41FA5}">
+                      <a16:colId xmlns:a16="http://schemas.microsoft.com/office/drawing/2014/main" val="20000"/>
+                    </a:ext>
+                  </a:extLst>
+                </a:gridCol>
+                <a:gridCol w="914400">
+                  <a:extLst>
+                    <a:ext uri="{9D8B030D-6E8A-4147-A177-3AD203B41FA5}">
+                      <a16:colId xmlns:a16="http://schemas.microsoft.com/office/drawing/2014/main" val="20001"/>
+                    </a:ext>
+                  </a:extLst>
+                </a:gridCol>
+                <a:gridCol w="914400">
+                  <a:extLst>
+                    <a:ext uri="{9D8B030D-6E8A-4147-A177-3AD203B41FA5}">
+                      <a16:colId xmlns:a16="http://schemas.microsoft.com/office/drawing/2014/main" val="20002"/>
+                    </a:ext>
+                  </a:extLst>
+                </a:gridCol>
+                <a:gridCol w="914400">
+                  <a:extLst>
+                    <a:ext uri="{9D8B030D-6E8A-4147-A177-3AD203B41FA5}">
+                      <a16:colId xmlns:a16="http://schemas.microsoft.com/office/drawing/2014/main" val="20003"/>
+                    </a:ext>
+                  </a:extLst>
+                </a:gridCol>
               </a:tblGrid>
               <a:tr h="228600">
                 <a:tc>
@@ -5211,7 +7556,7 @@
                     <a:bodyPr/>
                     <a:lstStyle/>
                     <a:p>
-                      <a:pPr algn="l" marL="63500" marR="63500">
+                      <a:pPr marL="63500" marR="63500" algn="l">
                         <a:lnSpc>
                           <a:spcPct val="100000"/>
                         </a:lnSpc>
@@ -5224,7 +7569,7 @@
                         <a:buNone/>
                       </a:pPr>
                       <a:r>
-                        <a:rPr cap="none" sz="1100" i="0" b="0" u="none">
+                        <a:rPr sz="1100" b="0" i="0" u="none" cap="none">
                           <a:solidFill>
                             <a:srgbClr val="000000">
                               <a:alpha val="100000"/>
@@ -5232,23 +7577,22 @@
                           </a:solidFill>
                           <a:latin typeface="Arial"/>
                           <a:cs typeface="Arial"/>
-                          <a:ea typeface="Arial"/>
                           <a:sym typeface="Arial"/>
                         </a:rPr>
                         <a:t> </a:t>
                       </a:r>
                     </a:p>
                   </a:txBody>
-                  <a:tcPr anchor="ctr" marB="63500" marT="63500" marR="0" marL="0">
-                    <a:lnL algn="ctr" cmpd="sng" cap="flat" w="0">
+                  <a:tcPr marL="0" marR="0" marT="63500" marB="63500" anchor="ctr">
+                    <a:lnL w="0" cap="flat" cmpd="sng" algn="ctr">
                       <a:noFill/>
                       <a:prstDash val="solid"/>
                     </a:lnL>
-                    <a:lnR algn="ctr" cmpd="sng" cap="flat" w="0">
+                    <a:lnR w="0" cap="flat" cmpd="sng" algn="ctr">
                       <a:noFill/>
                       <a:prstDash val="solid"/>
                     </a:lnR>
-                    <a:lnT algn="ctr" cmpd="sng" cap="flat" w="12700">
+                    <a:lnT w="12700" cap="flat" cmpd="sng" algn="ctr">
                       <a:solidFill>
                         <a:srgbClr val="000000">
                           <a:alpha val="100000"/>
@@ -5256,7 +7600,7 @@
                       </a:solidFill>
                       <a:prstDash val="solid"/>
                     </a:lnT>
-                    <a:lnB algn="ctr" cmpd="sng" cap="flat" w="12700">
+                    <a:lnB w="12700" cap="flat" cmpd="sng" algn="ctr">
                       <a:solidFill>
                         <a:srgbClr val="000000">
                           <a:alpha val="100000"/>
@@ -5276,7 +7620,7 @@
                     <a:bodyPr/>
                     <a:lstStyle/>
                     <a:p>
-                      <a:pPr algn="ctr" marL="63500" marR="63500">
+                      <a:pPr marL="63500" marR="63500" algn="ctr">
                         <a:lnSpc>
                           <a:spcPct val="100000"/>
                         </a:lnSpc>
@@ -5289,7 +7633,7 @@
                         <a:buNone/>
                       </a:pPr>
                       <a:r>
-                        <a:rPr cap="none" sz="1100" i="0" b="0" u="none">
+                        <a:rPr sz="1100" b="0" i="0" u="none" cap="none">
                           <a:solidFill>
                             <a:srgbClr val="000000">
                               <a:alpha val="100000"/>
@@ -5297,23 +7641,22 @@
                           </a:solidFill>
                           <a:latin typeface="Arial"/>
                           <a:cs typeface="Arial"/>
-                          <a:ea typeface="Arial"/>
                           <a:sym typeface="Arial"/>
                         </a:rPr>
                         <a:t>Treatment B</a:t>
                       </a:r>
                     </a:p>
                   </a:txBody>
-                  <a:tcPr anchor="ctr" marB="63500" marT="63500" marR="0" marL="0">
-                    <a:lnL algn="ctr" cmpd="sng" cap="flat" w="0">
+                  <a:tcPr marL="0" marR="0" marT="63500" marB="63500" anchor="ctr">
+                    <a:lnL w="0" cap="flat" cmpd="sng" algn="ctr">
                       <a:noFill/>
                       <a:prstDash val="solid"/>
                     </a:lnL>
-                    <a:lnR algn="ctr" cmpd="sng" cap="flat" w="0">
+                    <a:lnR w="0" cap="flat" cmpd="sng" algn="ctr">
                       <a:noFill/>
                       <a:prstDash val="solid"/>
                     </a:lnR>
-                    <a:lnT algn="ctr" cmpd="sng" cap="flat" w="12700">
+                    <a:lnT w="12700" cap="flat" cmpd="sng" algn="ctr">
                       <a:solidFill>
                         <a:srgbClr val="000000">
                           <a:alpha val="100000"/>
@@ -5321,7 +7664,7 @@
                       </a:solidFill>
                       <a:prstDash val="solid"/>
                     </a:lnT>
-                    <a:lnB algn="ctr" cmpd="sng" cap="flat" w="12700">
+                    <a:lnB w="12700" cap="flat" cmpd="sng" algn="ctr">
                       <a:solidFill>
                         <a:srgbClr val="000000">
                           <a:alpha val="100000"/>
@@ -5341,7 +7684,7 @@
                     <a:bodyPr/>
                     <a:lstStyle/>
                     <a:p>
-                      <a:pPr algn="ctr" marL="63500" marR="63500">
+                      <a:pPr marL="63500" marR="63500" algn="ctr">
                         <a:lnSpc>
                           <a:spcPct val="100000"/>
                         </a:lnSpc>
@@ -5354,7 +7697,7 @@
                         <a:buNone/>
                       </a:pPr>
                       <a:r>
-                        <a:rPr cap="none" sz="1100" i="0" b="0" u="none">
+                        <a:rPr sz="1100" b="0" i="0" u="none" cap="none">
                           <a:solidFill>
                             <a:srgbClr val="000000">
                               <a:alpha val="100000"/>
@@ -5362,23 +7705,22 @@
                           </a:solidFill>
                           <a:latin typeface="Arial"/>
                           <a:cs typeface="Arial"/>
-                          <a:ea typeface="Arial"/>
                           <a:sym typeface="Arial"/>
                         </a:rPr>
                         <a:t>Treatment C</a:t>
                       </a:r>
                     </a:p>
                   </a:txBody>
-                  <a:tcPr anchor="ctr" marB="63500" marT="63500" marR="0" marL="0">
-                    <a:lnL algn="ctr" cmpd="sng" cap="flat" w="0">
+                  <a:tcPr marL="0" marR="0" marT="63500" marB="63500" anchor="ctr">
+                    <a:lnL w="0" cap="flat" cmpd="sng" algn="ctr">
                       <a:noFill/>
                       <a:prstDash val="solid"/>
                     </a:lnL>
-                    <a:lnR algn="ctr" cmpd="sng" cap="flat" w="0">
+                    <a:lnR w="0" cap="flat" cmpd="sng" algn="ctr">
                       <a:noFill/>
                       <a:prstDash val="solid"/>
                     </a:lnR>
-                    <a:lnT algn="ctr" cmpd="sng" cap="flat" w="12700">
+                    <a:lnT w="12700" cap="flat" cmpd="sng" algn="ctr">
                       <a:solidFill>
                         <a:srgbClr val="000000">
                           <a:alpha val="100000"/>
@@ -5386,7 +7728,7 @@
                       </a:solidFill>
                       <a:prstDash val="solid"/>
                     </a:lnT>
-                    <a:lnB algn="ctr" cmpd="sng" cap="flat" w="12700">
+                    <a:lnB w="12700" cap="flat" cmpd="sng" algn="ctr">
                       <a:solidFill>
                         <a:srgbClr val="000000">
                           <a:alpha val="100000"/>
@@ -5406,7 +7748,7 @@
                     <a:bodyPr/>
                     <a:lstStyle/>
                     <a:p>
-                      <a:pPr algn="ctr" marL="63500" marR="63500">
+                      <a:pPr marL="63500" marR="63500" algn="ctr">
                         <a:lnSpc>
                           <a:spcPct val="100000"/>
                         </a:lnSpc>
@@ -5419,7 +7761,7 @@
                         <a:buNone/>
                       </a:pPr>
                       <a:r>
-                        <a:rPr cap="none" sz="1100" i="0" b="0" u="none">
+                        <a:rPr sz="1100" b="0" i="0" u="none" cap="none">
                           <a:solidFill>
                             <a:srgbClr val="000000">
                               <a:alpha val="100000"/>
@@ -5427,23 +7769,22 @@
                           </a:solidFill>
                           <a:latin typeface="Arial"/>
                           <a:cs typeface="Arial"/>
-                          <a:ea typeface="Arial"/>
                           <a:sym typeface="Arial"/>
                         </a:rPr>
                         <a:t>Treatment D</a:t>
                       </a:r>
                     </a:p>
                   </a:txBody>
-                  <a:tcPr anchor="ctr" marB="63500" marT="63500" marR="0" marL="0">
-                    <a:lnL algn="ctr" cmpd="sng" cap="flat" w="0">
+                  <a:tcPr marL="0" marR="0" marT="63500" marB="63500" anchor="ctr">
+                    <a:lnL w="0" cap="flat" cmpd="sng" algn="ctr">
                       <a:noFill/>
                       <a:prstDash val="solid"/>
                     </a:lnL>
-                    <a:lnR algn="ctr" cmpd="sng" cap="flat" w="0">
+                    <a:lnR w="0" cap="flat" cmpd="sng" algn="ctr">
                       <a:noFill/>
                       <a:prstDash val="solid"/>
                     </a:lnR>
-                    <a:lnT algn="ctr" cmpd="sng" cap="flat" w="12700">
+                    <a:lnT w="12700" cap="flat" cmpd="sng" algn="ctr">
                       <a:solidFill>
                         <a:srgbClr val="000000">
                           <a:alpha val="100000"/>
@@ -5451,7 +7792,7 @@
                       </a:solidFill>
                       <a:prstDash val="solid"/>
                     </a:lnT>
-                    <a:lnB algn="ctr" cmpd="sng" cap="flat" w="12700">
+                    <a:lnB w="12700" cap="flat" cmpd="sng" algn="ctr">
                       <a:solidFill>
                         <a:srgbClr val="000000">
                           <a:alpha val="100000"/>
@@ -5466,6 +7807,11 @@
                     </a:solidFill>
                   </a:tcPr>
                 </a:tc>
+                <a:extLst>
+                  <a:ext uri="{0D108BD9-81ED-4DB2-BD59-A6C34878D82A}">
+                    <a16:rowId xmlns:a16="http://schemas.microsoft.com/office/drawing/2014/main" val="10000"/>
+                  </a:ext>
+                </a:extLst>
               </a:tr>
               <a:tr h="228600">
                 <a:tc>
@@ -5473,7 +7819,7 @@
                     <a:bodyPr/>
                     <a:lstStyle/>
                     <a:p>
-                      <a:pPr algn="l" marL="63500" marR="63500">
+                      <a:pPr marL="63500" marR="63500" algn="l">
                         <a:lnSpc>
                           <a:spcPct val="100000"/>
                         </a:lnSpc>
@@ -5486,7 +7832,7 @@
                         <a:buNone/>
                       </a:pPr>
                       <a:r>
-                        <a:rPr cap="none" sz="1100" i="0" b="0" u="none">
+                        <a:rPr sz="1100" b="0" i="0" u="none" cap="none">
                           <a:solidFill>
                             <a:srgbClr val="000000">
                               <a:alpha val="100000"/>
@@ -5494,27 +7840,31 @@
                           </a:solidFill>
                           <a:latin typeface="Arial"/>
                           <a:cs typeface="Arial"/>
-                          <a:ea typeface="Arial"/>
                           <a:sym typeface="Arial"/>
                         </a:rPr>
                         <a:t>Male (= 1)</a:t>
                       </a:r>
                     </a:p>
                   </a:txBody>
-                  <a:tcPr anchor="ctr" marB="63500" marT="63500" marR="0" marL="0">
-                    <a:lnL algn="ctr" cmpd="sng" cap="flat" w="0">
+                  <a:tcPr marL="0" marR="0" marT="63500" marB="63500" anchor="ctr">
+                    <a:lnL w="0" cap="flat" cmpd="sng" algn="ctr">
                       <a:noFill/>
                       <a:prstDash val="solid"/>
                     </a:lnL>
-                    <a:lnR algn="ctr" cmpd="sng" cap="flat" w="0">
+                    <a:lnR w="0" cap="flat" cmpd="sng" algn="ctr">
                       <a:noFill/>
                       <a:prstDash val="solid"/>
                     </a:lnR>
-                    <a:lnT algn="ctr" cmpd="sng" cap="flat" w="0">
-                      <a:noFill/>
-                      <a:prstDash val="solid"/>
+                    <a:lnT w="12700" cap="flat" cmpd="sng" algn="ctr">
+                      <a:solidFill>
+                        <a:srgbClr val="000000"/>
+                      </a:solidFill>
+                      <a:prstDash val="solid"/>
+                      <a:round/>
+                      <a:headEnd type="none" w="med" len="med"/>
+                      <a:tailEnd type="none" w="med" len="med"/>
                     </a:lnT>
-                    <a:lnB algn="ctr" cmpd="sng" cap="flat" w="0">
+                    <a:lnB w="0" cap="flat" cmpd="sng" algn="ctr">
                       <a:noFill/>
                       <a:prstDash val="solid"/>
                     </a:lnB>
@@ -5530,7 +7880,7 @@
                     <a:bodyPr/>
                     <a:lstStyle/>
                     <a:p>
-                      <a:pPr algn="ctr" marL="63500" marR="63500">
+                      <a:pPr marL="63500" marR="63500" algn="ctr">
                         <a:lnSpc>
                           <a:spcPct val="100000"/>
                         </a:lnSpc>
@@ -5543,7 +7893,7 @@
                         <a:buNone/>
                       </a:pPr>
                       <a:r>
-                        <a:rPr cap="none" sz="1100" i="0" b="0" u="none">
+                        <a:rPr sz="1100" b="0" i="0" u="none" cap="none">
                           <a:solidFill>
                             <a:srgbClr val="000000">
                               <a:alpha val="100000"/>
@@ -5551,27 +7901,31 @@
                           </a:solidFill>
                           <a:latin typeface="Arial"/>
                           <a:cs typeface="Arial"/>
-                          <a:ea typeface="Arial"/>
                           <a:sym typeface="Arial"/>
                         </a:rPr>
                         <a:t>0.64</a:t>
                       </a:r>
                     </a:p>
                   </a:txBody>
-                  <a:tcPr anchor="ctr" marB="63500" marT="63500" marR="0" marL="0">
-                    <a:lnL algn="ctr" cmpd="sng" cap="flat" w="0">
+                  <a:tcPr marL="0" marR="0" marT="63500" marB="63500" anchor="ctr">
+                    <a:lnL w="0" cap="flat" cmpd="sng" algn="ctr">
                       <a:noFill/>
                       <a:prstDash val="solid"/>
                     </a:lnL>
-                    <a:lnR algn="ctr" cmpd="sng" cap="flat" w="0">
+                    <a:lnR w="0" cap="flat" cmpd="sng" algn="ctr">
                       <a:noFill/>
                       <a:prstDash val="solid"/>
                     </a:lnR>
-                    <a:lnT algn="ctr" cmpd="sng" cap="flat" w="0">
-                      <a:noFill/>
-                      <a:prstDash val="solid"/>
+                    <a:lnT w="12700" cap="flat" cmpd="sng" algn="ctr">
+                      <a:solidFill>
+                        <a:srgbClr val="000000"/>
+                      </a:solidFill>
+                      <a:prstDash val="solid"/>
+                      <a:round/>
+                      <a:headEnd type="none" w="med" len="med"/>
+                      <a:tailEnd type="none" w="med" len="med"/>
                     </a:lnT>
-                    <a:lnB algn="ctr" cmpd="sng" cap="flat" w="0">
+                    <a:lnB w="0" cap="flat" cmpd="sng" algn="ctr">
                       <a:noFill/>
                       <a:prstDash val="solid"/>
                     </a:lnB>
@@ -5587,7 +7941,7 @@
                     <a:bodyPr/>
                     <a:lstStyle/>
                     <a:p>
-                      <a:pPr algn="ctr" marL="63500" marR="63500">
+                      <a:pPr marL="63500" marR="63500" algn="ctr">
                         <a:lnSpc>
                           <a:spcPct val="100000"/>
                         </a:lnSpc>
@@ -5600,7 +7954,7 @@
                         <a:buNone/>
                       </a:pPr>
                       <a:r>
-                        <a:rPr cap="none" sz="1100" i="0" b="0" u="none">
+                        <a:rPr sz="1100" b="0" i="0" u="none" cap="none">
                           <a:solidFill>
                             <a:srgbClr val="000000">
                               <a:alpha val="100000"/>
@@ -5608,27 +7962,31 @@
                           </a:solidFill>
                           <a:latin typeface="Arial"/>
                           <a:cs typeface="Arial"/>
-                          <a:ea typeface="Arial"/>
                           <a:sym typeface="Arial"/>
                         </a:rPr>
                         <a:t>0.54</a:t>
                       </a:r>
                     </a:p>
                   </a:txBody>
-                  <a:tcPr anchor="ctr" marB="63500" marT="63500" marR="0" marL="0">
-                    <a:lnL algn="ctr" cmpd="sng" cap="flat" w="0">
+                  <a:tcPr marL="0" marR="0" marT="63500" marB="63500" anchor="ctr">
+                    <a:lnL w="0" cap="flat" cmpd="sng" algn="ctr">
                       <a:noFill/>
                       <a:prstDash val="solid"/>
                     </a:lnL>
-                    <a:lnR algn="ctr" cmpd="sng" cap="flat" w="0">
+                    <a:lnR w="0" cap="flat" cmpd="sng" algn="ctr">
                       <a:noFill/>
                       <a:prstDash val="solid"/>
                     </a:lnR>
-                    <a:lnT algn="ctr" cmpd="sng" cap="flat" w="0">
-                      <a:noFill/>
-                      <a:prstDash val="solid"/>
+                    <a:lnT w="12700" cap="flat" cmpd="sng" algn="ctr">
+                      <a:solidFill>
+                        <a:srgbClr val="000000"/>
+                      </a:solidFill>
+                      <a:prstDash val="solid"/>
+                      <a:round/>
+                      <a:headEnd type="none" w="med" len="med"/>
+                      <a:tailEnd type="none" w="med" len="med"/>
                     </a:lnT>
-                    <a:lnB algn="ctr" cmpd="sng" cap="flat" w="0">
+                    <a:lnB w="0" cap="flat" cmpd="sng" algn="ctr">
                       <a:noFill/>
                       <a:prstDash val="solid"/>
                     </a:lnB>
@@ -5644,7 +8002,7 @@
                     <a:bodyPr/>
                     <a:lstStyle/>
                     <a:p>
-                      <a:pPr algn="ctr" marL="63500" marR="63500">
+                      <a:pPr marL="63500" marR="63500" algn="ctr">
                         <a:lnSpc>
                           <a:spcPct val="100000"/>
                         </a:lnSpc>
@@ -5657,7 +8015,7 @@
                         <a:buNone/>
                       </a:pPr>
                       <a:r>
-                        <a:rPr cap="none" sz="1100" i="0" b="0" u="none">
+                        <a:rPr sz="1100" b="0" i="0" u="none" cap="none">
                           <a:solidFill>
                             <a:srgbClr val="000000">
                               <a:alpha val="100000"/>
@@ -5665,27 +8023,31 @@
                           </a:solidFill>
                           <a:latin typeface="Arial"/>
                           <a:cs typeface="Arial"/>
-                          <a:ea typeface="Arial"/>
                           <a:sym typeface="Arial"/>
                         </a:rPr>
                         <a:t>0.67</a:t>
                       </a:r>
                     </a:p>
                   </a:txBody>
-                  <a:tcPr anchor="ctr" marB="63500" marT="63500" marR="0" marL="0">
-                    <a:lnL algn="ctr" cmpd="sng" cap="flat" w="0">
+                  <a:tcPr marL="0" marR="0" marT="63500" marB="63500" anchor="ctr">
+                    <a:lnL w="0" cap="flat" cmpd="sng" algn="ctr">
                       <a:noFill/>
                       <a:prstDash val="solid"/>
                     </a:lnL>
-                    <a:lnR algn="ctr" cmpd="sng" cap="flat" w="0">
+                    <a:lnR w="0" cap="flat" cmpd="sng" algn="ctr">
                       <a:noFill/>
                       <a:prstDash val="solid"/>
                     </a:lnR>
-                    <a:lnT algn="ctr" cmpd="sng" cap="flat" w="0">
-                      <a:noFill/>
-                      <a:prstDash val="solid"/>
+                    <a:lnT w="12700" cap="flat" cmpd="sng" algn="ctr">
+                      <a:solidFill>
+                        <a:srgbClr val="000000"/>
+                      </a:solidFill>
+                      <a:prstDash val="solid"/>
+                      <a:round/>
+                      <a:headEnd type="none" w="med" len="med"/>
+                      <a:tailEnd type="none" w="med" len="med"/>
                     </a:lnT>
-                    <a:lnB algn="ctr" cmpd="sng" cap="flat" w="0">
+                    <a:lnB w="0" cap="flat" cmpd="sng" algn="ctr">
                       <a:noFill/>
                       <a:prstDash val="solid"/>
                     </a:lnB>
@@ -5696,6 +8058,11 @@
                     </a:solidFill>
                   </a:tcPr>
                 </a:tc>
+                <a:extLst>
+                  <a:ext uri="{0D108BD9-81ED-4DB2-BD59-A6C34878D82A}">
+                    <a16:rowId xmlns:a16="http://schemas.microsoft.com/office/drawing/2014/main" val="10001"/>
+                  </a:ext>
+                </a:extLst>
               </a:tr>
               <a:tr h="228600">
                 <a:tc>
@@ -5703,7 +8070,7 @@
                     <a:bodyPr/>
                     <a:lstStyle/>
                     <a:p>
-                      <a:pPr algn="l" marL="63500" marR="63500">
+                      <a:pPr marL="63500" marR="63500" algn="l">
                         <a:lnSpc>
                           <a:spcPct val="100000"/>
                         </a:lnSpc>
@@ -5716,7 +8083,7 @@
                         <a:buNone/>
                       </a:pPr>
                       <a:r>
-                        <a:rPr cap="none" sz="1100" i="0" b="0" u="none">
+                        <a:rPr sz="1100" b="0" i="0" u="none" cap="none">
                           <a:solidFill>
                             <a:srgbClr val="000000">
                               <a:alpha val="100000"/>
@@ -5724,27 +8091,26 @@
                           </a:solidFill>
                           <a:latin typeface="Arial"/>
                           <a:cs typeface="Arial"/>
-                          <a:ea typeface="Arial"/>
                           <a:sym typeface="Arial"/>
                         </a:rPr>
                         <a:t>Age</a:t>
                       </a:r>
                     </a:p>
                   </a:txBody>
-                  <a:tcPr anchor="ctr" marB="63500" marT="63500" marR="0" marL="0">
-                    <a:lnL algn="ctr" cmpd="sng" cap="flat" w="0">
+                  <a:tcPr marL="0" marR="0" marT="63500" marB="63500" anchor="ctr">
+                    <a:lnL w="0" cap="flat" cmpd="sng" algn="ctr">
                       <a:noFill/>
                       <a:prstDash val="solid"/>
                     </a:lnL>
-                    <a:lnR algn="ctr" cmpd="sng" cap="flat" w="0">
+                    <a:lnR w="0" cap="flat" cmpd="sng" algn="ctr">
                       <a:noFill/>
                       <a:prstDash val="solid"/>
                     </a:lnR>
-                    <a:lnT algn="ctr" cmpd="sng" cap="flat" w="0">
+                    <a:lnT w="0" cap="flat" cmpd="sng" algn="ctr">
                       <a:noFill/>
                       <a:prstDash val="solid"/>
                     </a:lnT>
-                    <a:lnB algn="ctr" cmpd="sng" cap="flat" w="0">
+                    <a:lnB w="0" cap="flat" cmpd="sng" algn="ctr">
                       <a:noFill/>
                       <a:prstDash val="solid"/>
                     </a:lnB>
@@ -5760,7 +8126,7 @@
                     <a:bodyPr/>
                     <a:lstStyle/>
                     <a:p>
-                      <a:pPr algn="ctr" marL="63500" marR="63500">
+                      <a:pPr marL="63500" marR="63500" algn="ctr">
                         <a:lnSpc>
                           <a:spcPct val="100000"/>
                         </a:lnSpc>
@@ -5773,7 +8139,7 @@
                         <a:buNone/>
                       </a:pPr>
                       <a:r>
-                        <a:rPr cap="none" sz="1100" i="0" b="0" u="none">
+                        <a:rPr sz="1100" b="0" i="0" u="none" cap="none">
                           <a:solidFill>
                             <a:srgbClr val="000000">
                               <a:alpha val="100000"/>
@@ -5781,27 +8147,26 @@
                           </a:solidFill>
                           <a:latin typeface="Arial"/>
                           <a:cs typeface="Arial"/>
-                          <a:ea typeface="Arial"/>
                           <a:sym typeface="Arial"/>
                         </a:rPr>
                         <a:t>34.97</a:t>
                       </a:r>
                     </a:p>
                   </a:txBody>
-                  <a:tcPr anchor="ctr" marB="63500" marT="63500" marR="0" marL="0">
-                    <a:lnL algn="ctr" cmpd="sng" cap="flat" w="0">
+                  <a:tcPr marL="0" marR="0" marT="63500" marB="63500" anchor="ctr">
+                    <a:lnL w="0" cap="flat" cmpd="sng" algn="ctr">
                       <a:noFill/>
                       <a:prstDash val="solid"/>
                     </a:lnL>
-                    <a:lnR algn="ctr" cmpd="sng" cap="flat" w="0">
+                    <a:lnR w="0" cap="flat" cmpd="sng" algn="ctr">
                       <a:noFill/>
                       <a:prstDash val="solid"/>
                     </a:lnR>
-                    <a:lnT algn="ctr" cmpd="sng" cap="flat" w="0">
+                    <a:lnT w="0" cap="flat" cmpd="sng" algn="ctr">
                       <a:noFill/>
                       <a:prstDash val="solid"/>
                     </a:lnT>
-                    <a:lnB algn="ctr" cmpd="sng" cap="flat" w="0">
+                    <a:lnB w="0" cap="flat" cmpd="sng" algn="ctr">
                       <a:noFill/>
                       <a:prstDash val="solid"/>
                     </a:lnB>
@@ -5817,7 +8182,7 @@
                     <a:bodyPr/>
                     <a:lstStyle/>
                     <a:p>
-                      <a:pPr algn="ctr" marL="63500" marR="63500">
+                      <a:pPr marL="63500" marR="63500" algn="ctr">
                         <a:lnSpc>
                           <a:spcPct val="100000"/>
                         </a:lnSpc>
@@ -5830,7 +8195,7 @@
                         <a:buNone/>
                       </a:pPr>
                       <a:r>
-                        <a:rPr cap="none" sz="1100" i="0" b="0" u="none">
+                        <a:rPr sz="1100" b="0" i="0" u="none" cap="none">
                           <a:solidFill>
                             <a:srgbClr val="000000">
                               <a:alpha val="100000"/>
@@ -5838,27 +8203,26 @@
                           </a:solidFill>
                           <a:latin typeface="Arial"/>
                           <a:cs typeface="Arial"/>
-                          <a:ea typeface="Arial"/>
                           <a:sym typeface="Arial"/>
                         </a:rPr>
                         <a:t>41.44</a:t>
                       </a:r>
                     </a:p>
                   </a:txBody>
-                  <a:tcPr anchor="ctr" marB="63500" marT="63500" marR="0" marL="0">
-                    <a:lnL algn="ctr" cmpd="sng" cap="flat" w="0">
+                  <a:tcPr marL="0" marR="0" marT="63500" marB="63500" anchor="ctr">
+                    <a:lnL w="0" cap="flat" cmpd="sng" algn="ctr">
                       <a:noFill/>
                       <a:prstDash val="solid"/>
                     </a:lnL>
-                    <a:lnR algn="ctr" cmpd="sng" cap="flat" w="0">
+                    <a:lnR w="0" cap="flat" cmpd="sng" algn="ctr">
                       <a:noFill/>
                       <a:prstDash val="solid"/>
                     </a:lnR>
-                    <a:lnT algn="ctr" cmpd="sng" cap="flat" w="0">
+                    <a:lnT w="0" cap="flat" cmpd="sng" algn="ctr">
                       <a:noFill/>
                       <a:prstDash val="solid"/>
                     </a:lnT>
-                    <a:lnB algn="ctr" cmpd="sng" cap="flat" w="0">
+                    <a:lnB w="0" cap="flat" cmpd="sng" algn="ctr">
                       <a:noFill/>
                       <a:prstDash val="solid"/>
                     </a:lnB>
@@ -5874,7 +8238,7 @@
                     <a:bodyPr/>
                     <a:lstStyle/>
                     <a:p>
-                      <a:pPr algn="ctr" marL="63500" marR="63500">
+                      <a:pPr marL="63500" marR="63500" algn="ctr">
                         <a:lnSpc>
                           <a:spcPct val="100000"/>
                         </a:lnSpc>
@@ -5887,7 +8251,7 @@
                         <a:buNone/>
                       </a:pPr>
                       <a:r>
-                        <a:rPr cap="none" sz="1100" i="0" b="0" u="none">
+                        <a:rPr sz="1100" b="0" i="0" u="none" cap="none">
                           <a:solidFill>
                             <a:srgbClr val="000000">
                               <a:alpha val="100000"/>
@@ -5895,27 +8259,26 @@
                           </a:solidFill>
                           <a:latin typeface="Arial"/>
                           <a:cs typeface="Arial"/>
-                          <a:ea typeface="Arial"/>
                           <a:sym typeface="Arial"/>
                         </a:rPr>
                         <a:t>39.64</a:t>
                       </a:r>
                     </a:p>
                   </a:txBody>
-                  <a:tcPr anchor="ctr" marB="63500" marT="63500" marR="0" marL="0">
-                    <a:lnL algn="ctr" cmpd="sng" cap="flat" w="0">
+                  <a:tcPr marL="0" marR="0" marT="63500" marB="63500" anchor="ctr">
+                    <a:lnL w="0" cap="flat" cmpd="sng" algn="ctr">
                       <a:noFill/>
                       <a:prstDash val="solid"/>
                     </a:lnL>
-                    <a:lnR algn="ctr" cmpd="sng" cap="flat" w="0">
+                    <a:lnR w="0" cap="flat" cmpd="sng" algn="ctr">
                       <a:noFill/>
                       <a:prstDash val="solid"/>
                     </a:lnR>
-                    <a:lnT algn="ctr" cmpd="sng" cap="flat" w="0">
+                    <a:lnT w="0" cap="flat" cmpd="sng" algn="ctr">
                       <a:noFill/>
                       <a:prstDash val="solid"/>
                     </a:lnT>
-                    <a:lnB algn="ctr" cmpd="sng" cap="flat" w="0">
+                    <a:lnB w="0" cap="flat" cmpd="sng" algn="ctr">
                       <a:noFill/>
                       <a:prstDash val="solid"/>
                     </a:lnB>
@@ -5926,6 +8289,11 @@
                     </a:solidFill>
                   </a:tcPr>
                 </a:tc>
+                <a:extLst>
+                  <a:ext uri="{0D108BD9-81ED-4DB2-BD59-A6C34878D82A}">
+                    <a16:rowId xmlns:a16="http://schemas.microsoft.com/office/drawing/2014/main" val="10002"/>
+                  </a:ext>
+                </a:extLst>
               </a:tr>
               <a:tr h="228600">
                 <a:tc>
@@ -5933,7 +8301,7 @@
                     <a:bodyPr/>
                     <a:lstStyle/>
                     <a:p>
-                      <a:pPr algn="l" marL="63500" marR="63500">
+                      <a:pPr marL="63500" marR="63500" algn="l">
                         <a:lnSpc>
                           <a:spcPct val="100000"/>
                         </a:lnSpc>
@@ -5946,7 +8314,7 @@
                         <a:buNone/>
                       </a:pPr>
                       <a:r>
-                        <a:rPr cap="none" sz="1100" i="0" b="0" u="none">
+                        <a:rPr sz="1100" b="0" i="0" u="none" cap="none">
                           <a:solidFill>
                             <a:srgbClr val="000000">
                               <a:alpha val="100000"/>
@@ -5954,27 +8322,26 @@
                           </a:solidFill>
                           <a:latin typeface="Arial"/>
                           <a:cs typeface="Arial"/>
-                          <a:ea typeface="Arial"/>
                           <a:sym typeface="Arial"/>
                         </a:rPr>
                         <a:t>Number of past coordinations</a:t>
                       </a:r>
                     </a:p>
                   </a:txBody>
-                  <a:tcPr anchor="ctr" marB="63500" marT="63500" marR="0" marL="0">
-                    <a:lnL algn="ctr" cmpd="sng" cap="flat" w="0">
+                  <a:tcPr marL="0" marR="0" marT="63500" marB="63500" anchor="ctr">
+                    <a:lnL w="0" cap="flat" cmpd="sng" algn="ctr">
                       <a:noFill/>
                       <a:prstDash val="solid"/>
                     </a:lnL>
-                    <a:lnR algn="ctr" cmpd="sng" cap="flat" w="0">
+                    <a:lnR w="0" cap="flat" cmpd="sng" algn="ctr">
                       <a:noFill/>
                       <a:prstDash val="solid"/>
                     </a:lnR>
-                    <a:lnT algn="ctr" cmpd="sng" cap="flat" w="0">
+                    <a:lnT w="0" cap="flat" cmpd="sng" algn="ctr">
                       <a:noFill/>
                       <a:prstDash val="solid"/>
                     </a:lnT>
-                    <a:lnB algn="ctr" cmpd="sng" cap="flat" w="0">
+                    <a:lnB w="0" cap="flat" cmpd="sng" algn="ctr">
                       <a:noFill/>
                       <a:prstDash val="solid"/>
                     </a:lnB>
@@ -5990,7 +8357,7 @@
                     <a:bodyPr/>
                     <a:lstStyle/>
                     <a:p>
-                      <a:pPr algn="ctr" marL="63500" marR="63500">
+                      <a:pPr marL="63500" marR="63500" algn="ctr">
                         <a:lnSpc>
                           <a:spcPct val="100000"/>
                         </a:lnSpc>
@@ -6003,7 +8370,7 @@
                         <a:buNone/>
                       </a:pPr>
                       <a:r>
-                        <a:rPr cap="none" sz="1100" i="0" b="0" u="none">
+                        <a:rPr sz="1100" b="0" i="0" u="none" cap="none">
                           <a:solidFill>
                             <a:srgbClr val="000000">
                               <a:alpha val="100000"/>
@@ -6011,27 +8378,26 @@
                           </a:solidFill>
                           <a:latin typeface="Arial"/>
                           <a:cs typeface="Arial"/>
-                          <a:ea typeface="Arial"/>
                           <a:sym typeface="Arial"/>
                         </a:rPr>
                         <a:t>1.49</a:t>
                       </a:r>
                     </a:p>
                   </a:txBody>
-                  <a:tcPr anchor="ctr" marB="63500" marT="63500" marR="0" marL="0">
-                    <a:lnL algn="ctr" cmpd="sng" cap="flat" w="0">
+                  <a:tcPr marL="0" marR="0" marT="63500" marB="63500" anchor="ctr">
+                    <a:lnL w="0" cap="flat" cmpd="sng" algn="ctr">
                       <a:noFill/>
                       <a:prstDash val="solid"/>
                     </a:lnL>
-                    <a:lnR algn="ctr" cmpd="sng" cap="flat" w="0">
+                    <a:lnR w="0" cap="flat" cmpd="sng" algn="ctr">
                       <a:noFill/>
                       <a:prstDash val="solid"/>
                     </a:lnR>
-                    <a:lnT algn="ctr" cmpd="sng" cap="flat" w="0">
+                    <a:lnT w="0" cap="flat" cmpd="sng" algn="ctr">
                       <a:noFill/>
                       <a:prstDash val="solid"/>
                     </a:lnT>
-                    <a:lnB algn="ctr" cmpd="sng" cap="flat" w="0">
+                    <a:lnB w="0" cap="flat" cmpd="sng" algn="ctr">
                       <a:noFill/>
                       <a:prstDash val="solid"/>
                     </a:lnB>
@@ -6047,7 +8413,7 @@
                     <a:bodyPr/>
                     <a:lstStyle/>
                     <a:p>
-                      <a:pPr algn="ctr" marL="63500" marR="63500">
+                      <a:pPr marL="63500" marR="63500" algn="ctr">
                         <a:lnSpc>
                           <a:spcPct val="100000"/>
                         </a:lnSpc>
@@ -6060,7 +8426,7 @@
                         <a:buNone/>
                       </a:pPr>
                       <a:r>
-                        <a:rPr cap="none" sz="1100" i="0" b="0" u="none">
+                        <a:rPr sz="1100" b="0" i="0" u="none" cap="none">
                           <a:solidFill>
                             <a:srgbClr val="000000">
                               <a:alpha val="100000"/>
@@ -6068,27 +8434,26 @@
                           </a:solidFill>
                           <a:latin typeface="Arial"/>
                           <a:cs typeface="Arial"/>
-                          <a:ea typeface="Arial"/>
                           <a:sym typeface="Arial"/>
                         </a:rPr>
                         <a:t>1.65</a:t>
                       </a:r>
                     </a:p>
                   </a:txBody>
-                  <a:tcPr anchor="ctr" marB="63500" marT="63500" marR="0" marL="0">
-                    <a:lnL algn="ctr" cmpd="sng" cap="flat" w="0">
+                  <a:tcPr marL="0" marR="0" marT="63500" marB="63500" anchor="ctr">
+                    <a:lnL w="0" cap="flat" cmpd="sng" algn="ctr">
                       <a:noFill/>
                       <a:prstDash val="solid"/>
                     </a:lnL>
-                    <a:lnR algn="ctr" cmpd="sng" cap="flat" w="0">
+                    <a:lnR w="0" cap="flat" cmpd="sng" algn="ctr">
                       <a:noFill/>
                       <a:prstDash val="solid"/>
                     </a:lnR>
-                    <a:lnT algn="ctr" cmpd="sng" cap="flat" w="0">
+                    <a:lnT w="0" cap="flat" cmpd="sng" algn="ctr">
                       <a:noFill/>
                       <a:prstDash val="solid"/>
                     </a:lnT>
-                    <a:lnB algn="ctr" cmpd="sng" cap="flat" w="0">
+                    <a:lnB w="0" cap="flat" cmpd="sng" algn="ctr">
                       <a:noFill/>
                       <a:prstDash val="solid"/>
                     </a:lnB>
@@ -6104,7 +8469,7 @@
                     <a:bodyPr/>
                     <a:lstStyle/>
                     <a:p>
-                      <a:pPr algn="ctr" marL="63500" marR="63500">
+                      <a:pPr marL="63500" marR="63500" algn="ctr">
                         <a:lnSpc>
                           <a:spcPct val="100000"/>
                         </a:lnSpc>
@@ -6117,7 +8482,7 @@
                         <a:buNone/>
                       </a:pPr>
                       <a:r>
-                        <a:rPr cap="none" sz="1100" i="0" b="0" u="none">
+                        <a:rPr sz="1100" b="0" i="0" u="none" cap="none">
                           <a:solidFill>
                             <a:srgbClr val="000000">
                               <a:alpha val="100000"/>
@@ -6125,27 +8490,26 @@
                           </a:solidFill>
                           <a:latin typeface="Arial"/>
                           <a:cs typeface="Arial"/>
-                          <a:ea typeface="Arial"/>
                           <a:sym typeface="Arial"/>
                         </a:rPr>
                         <a:t>1.70</a:t>
                       </a:r>
                     </a:p>
                   </a:txBody>
-                  <a:tcPr anchor="ctr" marB="63500" marT="63500" marR="0" marL="0">
-                    <a:lnL algn="ctr" cmpd="sng" cap="flat" w="0">
+                  <a:tcPr marL="0" marR="0" marT="63500" marB="63500" anchor="ctr">
+                    <a:lnL w="0" cap="flat" cmpd="sng" algn="ctr">
                       <a:noFill/>
                       <a:prstDash val="solid"/>
                     </a:lnL>
-                    <a:lnR algn="ctr" cmpd="sng" cap="flat" w="0">
+                    <a:lnR w="0" cap="flat" cmpd="sng" algn="ctr">
                       <a:noFill/>
                       <a:prstDash val="solid"/>
                     </a:lnR>
-                    <a:lnT algn="ctr" cmpd="sng" cap="flat" w="0">
+                    <a:lnT w="0" cap="flat" cmpd="sng" algn="ctr">
                       <a:noFill/>
                       <a:prstDash val="solid"/>
                     </a:lnT>
-                    <a:lnB algn="ctr" cmpd="sng" cap="flat" w="0">
+                    <a:lnB w="0" cap="flat" cmpd="sng" algn="ctr">
                       <a:noFill/>
                       <a:prstDash val="solid"/>
                     </a:lnB>
@@ -6156,6 +8520,11 @@
                     </a:solidFill>
                   </a:tcPr>
                 </a:tc>
+                <a:extLst>
+                  <a:ext uri="{0D108BD9-81ED-4DB2-BD59-A6C34878D82A}">
+                    <a16:rowId xmlns:a16="http://schemas.microsoft.com/office/drawing/2014/main" val="10003"/>
+                  </a:ext>
+                </a:extLst>
               </a:tr>
               <a:tr h="228600">
                 <a:tc>
@@ -6163,7 +8532,7 @@
                     <a:bodyPr/>
                     <a:lstStyle/>
                     <a:p>
-                      <a:pPr algn="l" marL="63500" marR="63500">
+                      <a:pPr marL="63500" marR="63500" algn="l">
                         <a:lnSpc>
                           <a:spcPct val="100000"/>
                         </a:lnSpc>
@@ -6176,7 +8545,7 @@
                         <a:buNone/>
                       </a:pPr>
                       <a:r>
-                        <a:rPr cap="none" sz="1100" i="0" b="0" u="none">
+                        <a:rPr sz="1100" b="0" i="0" u="none" cap="none">
                           <a:solidFill>
                             <a:srgbClr val="000000">
                               <a:alpha val="100000"/>
@@ -6184,27 +8553,26 @@
                           </a:solidFill>
                           <a:latin typeface="Arial"/>
                           <a:cs typeface="Arial"/>
-                          <a:ea typeface="Arial"/>
                           <a:sym typeface="Arial"/>
                         </a:rPr>
                         <a:t>Number of listed hospitals</a:t>
                       </a:r>
                     </a:p>
                   </a:txBody>
-                  <a:tcPr anchor="ctr" marB="63500" marT="63500" marR="0" marL="0">
-                    <a:lnL algn="ctr" cmpd="sng" cap="flat" w="0">
+                  <a:tcPr marL="0" marR="0" marT="63500" marB="63500" anchor="ctr">
+                    <a:lnL w="0" cap="flat" cmpd="sng" algn="ctr">
                       <a:noFill/>
                       <a:prstDash val="solid"/>
                     </a:lnL>
-                    <a:lnR algn="ctr" cmpd="sng" cap="flat" w="0">
+                    <a:lnR w="0" cap="flat" cmpd="sng" algn="ctr">
                       <a:noFill/>
                       <a:prstDash val="solid"/>
                     </a:lnR>
-                    <a:lnT algn="ctr" cmpd="sng" cap="flat" w="0">
+                    <a:lnT w="0" cap="flat" cmpd="sng" algn="ctr">
                       <a:noFill/>
                       <a:prstDash val="solid"/>
                     </a:lnT>
-                    <a:lnB algn="ctr" cmpd="sng" cap="flat" w="0">
+                    <a:lnB w="0" cap="flat" cmpd="sng" algn="ctr">
                       <a:noFill/>
                       <a:prstDash val="solid"/>
                     </a:lnB>
@@ -6220,7 +8588,7 @@
                     <a:bodyPr/>
                     <a:lstStyle/>
                     <a:p>
-                      <a:pPr algn="ctr" marL="63500" marR="63500">
+                      <a:pPr marL="63500" marR="63500" algn="ctr">
                         <a:lnSpc>
                           <a:spcPct val="100000"/>
                         </a:lnSpc>
@@ -6233,7 +8601,7 @@
                         <a:buNone/>
                       </a:pPr>
                       <a:r>
-                        <a:rPr cap="none" sz="1100" i="0" b="0" u="none">
+                        <a:rPr sz="1100" b="0" i="0" u="none" cap="none">
                           <a:solidFill>
                             <a:srgbClr val="000000">
                               <a:alpha val="100000"/>
@@ -6241,27 +8609,26 @@
                           </a:solidFill>
                           <a:latin typeface="Arial"/>
                           <a:cs typeface="Arial"/>
-                          <a:ea typeface="Arial"/>
                           <a:sym typeface="Arial"/>
                         </a:rPr>
                         <a:t>0.47</a:t>
                       </a:r>
                     </a:p>
                   </a:txBody>
-                  <a:tcPr anchor="ctr" marB="63500" marT="63500" marR="0" marL="0">
-                    <a:lnL algn="ctr" cmpd="sng" cap="flat" w="0">
+                  <a:tcPr marL="0" marR="0" marT="63500" marB="63500" anchor="ctr">
+                    <a:lnL w="0" cap="flat" cmpd="sng" algn="ctr">
                       <a:noFill/>
                       <a:prstDash val="solid"/>
                     </a:lnL>
-                    <a:lnR algn="ctr" cmpd="sng" cap="flat" w="0">
+                    <a:lnR w="0" cap="flat" cmpd="sng" algn="ctr">
                       <a:noFill/>
                       <a:prstDash val="solid"/>
                     </a:lnR>
-                    <a:lnT algn="ctr" cmpd="sng" cap="flat" w="0">
+                    <a:lnT w="0" cap="flat" cmpd="sng" algn="ctr">
                       <a:noFill/>
                       <a:prstDash val="solid"/>
                     </a:lnT>
-                    <a:lnB algn="ctr" cmpd="sng" cap="flat" w="0">
+                    <a:lnB w="0" cap="flat" cmpd="sng" algn="ctr">
                       <a:noFill/>
                       <a:prstDash val="solid"/>
                     </a:lnB>
@@ -6277,7 +8644,7 @@
                     <a:bodyPr/>
                     <a:lstStyle/>
                     <a:p>
-                      <a:pPr algn="ctr" marL="63500" marR="63500">
+                      <a:pPr marL="63500" marR="63500" algn="ctr">
                         <a:lnSpc>
                           <a:spcPct val="100000"/>
                         </a:lnSpc>
@@ -6290,7 +8657,7 @@
                         <a:buNone/>
                       </a:pPr>
                       <a:r>
-                        <a:rPr cap="none" sz="1100" i="0" b="0" u="none">
+                        <a:rPr sz="1100" b="0" i="0" u="none" cap="none">
                           <a:solidFill>
                             <a:srgbClr val="000000">
                               <a:alpha val="100000"/>
@@ -6298,27 +8665,26 @@
                           </a:solidFill>
                           <a:latin typeface="Arial"/>
                           <a:cs typeface="Arial"/>
-                          <a:ea typeface="Arial"/>
                           <a:sym typeface="Arial"/>
                         </a:rPr>
                         <a:t>0.40</a:t>
                       </a:r>
                     </a:p>
                   </a:txBody>
-                  <a:tcPr anchor="ctr" marB="63500" marT="63500" marR="0" marL="0">
-                    <a:lnL algn="ctr" cmpd="sng" cap="flat" w="0">
+                  <a:tcPr marL="0" marR="0" marT="63500" marB="63500" anchor="ctr">
+                    <a:lnL w="0" cap="flat" cmpd="sng" algn="ctr">
                       <a:noFill/>
                       <a:prstDash val="solid"/>
                     </a:lnL>
-                    <a:lnR algn="ctr" cmpd="sng" cap="flat" w="0">
+                    <a:lnR w="0" cap="flat" cmpd="sng" algn="ctr">
                       <a:noFill/>
                       <a:prstDash val="solid"/>
                     </a:lnR>
-                    <a:lnT algn="ctr" cmpd="sng" cap="flat" w="0">
+                    <a:lnT w="0" cap="flat" cmpd="sng" algn="ctr">
                       <a:noFill/>
                       <a:prstDash val="solid"/>
                     </a:lnT>
-                    <a:lnB algn="ctr" cmpd="sng" cap="flat" w="0">
+                    <a:lnB w="0" cap="flat" cmpd="sng" algn="ctr">
                       <a:noFill/>
                       <a:prstDash val="solid"/>
                     </a:lnB>
@@ -6334,7 +8700,7 @@
                     <a:bodyPr/>
                     <a:lstStyle/>
                     <a:p>
-                      <a:pPr algn="ctr" marL="63500" marR="63500">
+                      <a:pPr marL="63500" marR="63500" algn="ctr">
                         <a:lnSpc>
                           <a:spcPct val="100000"/>
                         </a:lnSpc>
@@ -6347,7 +8713,7 @@
                         <a:buNone/>
                       </a:pPr>
                       <a:r>
-                        <a:rPr cap="none" sz="1100" i="0" b="0" u="none">
+                        <a:rPr sz="1100" b="0" i="0" u="none" cap="none">
                           <a:solidFill>
                             <a:srgbClr val="000000">
                               <a:alpha val="100000"/>
@@ -6355,27 +8721,26 @@
                           </a:solidFill>
                           <a:latin typeface="Arial"/>
                           <a:cs typeface="Arial"/>
-                          <a:ea typeface="Arial"/>
                           <a:sym typeface="Arial"/>
                         </a:rPr>
                         <a:t>0.58</a:t>
                       </a:r>
                     </a:p>
                   </a:txBody>
-                  <a:tcPr anchor="ctr" marB="63500" marT="63500" marR="0" marL="0">
-                    <a:lnL algn="ctr" cmpd="sng" cap="flat" w="0">
+                  <a:tcPr marL="0" marR="0" marT="63500" marB="63500" anchor="ctr">
+                    <a:lnL w="0" cap="flat" cmpd="sng" algn="ctr">
                       <a:noFill/>
                       <a:prstDash val="solid"/>
                     </a:lnL>
-                    <a:lnR algn="ctr" cmpd="sng" cap="flat" w="0">
+                    <a:lnR w="0" cap="flat" cmpd="sng" algn="ctr">
                       <a:noFill/>
                       <a:prstDash val="solid"/>
                     </a:lnR>
-                    <a:lnT algn="ctr" cmpd="sng" cap="flat" w="0">
+                    <a:lnT w="0" cap="flat" cmpd="sng" algn="ctr">
                       <a:noFill/>
                       <a:prstDash val="solid"/>
                     </a:lnT>
-                    <a:lnB algn="ctr" cmpd="sng" cap="flat" w="0">
+                    <a:lnB w="0" cap="flat" cmpd="sng" algn="ctr">
                       <a:noFill/>
                       <a:prstDash val="solid"/>
                     </a:lnB>
@@ -6386,6 +8751,11 @@
                     </a:solidFill>
                   </a:tcPr>
                 </a:tc>
+                <a:extLst>
+                  <a:ext uri="{0D108BD9-81ED-4DB2-BD59-A6C34878D82A}">
+                    <a16:rowId xmlns:a16="http://schemas.microsoft.com/office/drawing/2014/main" val="10004"/>
+                  </a:ext>
+                </a:extLst>
               </a:tr>
               <a:tr h="228600">
                 <a:tc>
@@ -6393,7 +8763,7 @@
                     <a:bodyPr/>
                     <a:lstStyle/>
                     <a:p>
-                      <a:pPr algn="l" marL="63500" marR="63500">
+                      <a:pPr marL="63500" marR="63500" algn="l">
                         <a:lnSpc>
                           <a:spcPct val="100000"/>
                         </a:lnSpc>
@@ -6406,7 +8776,7 @@
                         <a:buNone/>
                       </a:pPr>
                       <a:r>
-                        <a:rPr cap="none" sz="1100" i="0" b="0" u="none">
+                        <a:rPr sz="1100" b="0" i="0" u="none" cap="none">
                           <a:solidFill>
                             <a:srgbClr val="000000">
                               <a:alpha val="100000"/>
@@ -6414,27 +8784,26 @@
                           </a:solidFill>
                           <a:latin typeface="Arial"/>
                           <a:cs typeface="Arial"/>
-                          <a:ea typeface="Arial"/>
                           <a:sym typeface="Arial"/>
                         </a:rPr>
                         <a:t>Number of hospitals listed with PBSC collection</a:t>
                       </a:r>
                     </a:p>
                   </a:txBody>
-                  <a:tcPr anchor="ctr" marB="63500" marT="63500" marR="0" marL="0">
-                    <a:lnL algn="ctr" cmpd="sng" cap="flat" w="0">
+                  <a:tcPr marL="0" marR="0" marT="63500" marB="63500" anchor="ctr">
+                    <a:lnL w="0" cap="flat" cmpd="sng" algn="ctr">
                       <a:noFill/>
                       <a:prstDash val="solid"/>
                     </a:lnL>
-                    <a:lnR algn="ctr" cmpd="sng" cap="flat" w="0">
+                    <a:lnR w="0" cap="flat" cmpd="sng" algn="ctr">
                       <a:noFill/>
                       <a:prstDash val="solid"/>
                     </a:lnR>
-                    <a:lnT algn="ctr" cmpd="sng" cap="flat" w="0">
+                    <a:lnT w="0" cap="flat" cmpd="sng" algn="ctr">
                       <a:noFill/>
                       <a:prstDash val="solid"/>
                     </a:lnT>
-                    <a:lnB algn="ctr" cmpd="sng" cap="flat" w="0">
+                    <a:lnB w="0" cap="flat" cmpd="sng" algn="ctr">
                       <a:noFill/>
                       <a:prstDash val="solid"/>
                     </a:lnB>
@@ -6450,7 +8819,7 @@
                     <a:bodyPr/>
                     <a:lstStyle/>
                     <a:p>
-                      <a:pPr algn="ctr" marL="63500" marR="63500">
+                      <a:pPr marL="63500" marR="63500" algn="ctr">
                         <a:lnSpc>
                           <a:spcPct val="100000"/>
                         </a:lnSpc>
@@ -6463,7 +8832,7 @@
                         <a:buNone/>
                       </a:pPr>
                       <a:r>
-                        <a:rPr cap="none" sz="1100" i="0" b="0" u="none">
+                        <a:rPr sz="1100" b="0" i="0" u="none" cap="none">
                           <a:solidFill>
                             <a:srgbClr val="000000">
                               <a:alpha val="100000"/>
@@ -6471,27 +8840,26 @@
                           </a:solidFill>
                           <a:latin typeface="Arial"/>
                           <a:cs typeface="Arial"/>
-                          <a:ea typeface="Arial"/>
                           <a:sym typeface="Arial"/>
                         </a:rPr>
                         <a:t>0.16</a:t>
                       </a:r>
                     </a:p>
                   </a:txBody>
-                  <a:tcPr anchor="ctr" marB="63500" marT="63500" marR="0" marL="0">
-                    <a:lnL algn="ctr" cmpd="sng" cap="flat" w="0">
+                  <a:tcPr marL="0" marR="0" marT="63500" marB="63500" anchor="ctr">
+                    <a:lnL w="0" cap="flat" cmpd="sng" algn="ctr">
                       <a:noFill/>
                       <a:prstDash val="solid"/>
                     </a:lnL>
-                    <a:lnR algn="ctr" cmpd="sng" cap="flat" w="0">
+                    <a:lnR w="0" cap="flat" cmpd="sng" algn="ctr">
                       <a:noFill/>
                       <a:prstDash val="solid"/>
                     </a:lnR>
-                    <a:lnT algn="ctr" cmpd="sng" cap="flat" w="0">
+                    <a:lnT w="0" cap="flat" cmpd="sng" algn="ctr">
                       <a:noFill/>
                       <a:prstDash val="solid"/>
                     </a:lnT>
-                    <a:lnB algn="ctr" cmpd="sng" cap="flat" w="0">
+                    <a:lnB w="0" cap="flat" cmpd="sng" algn="ctr">
                       <a:noFill/>
                       <a:prstDash val="solid"/>
                     </a:lnB>
@@ -6507,7 +8875,7 @@
                     <a:bodyPr/>
                     <a:lstStyle/>
                     <a:p>
-                      <a:pPr algn="ctr" marL="63500" marR="63500">
+                      <a:pPr marL="63500" marR="63500" algn="ctr">
                         <a:lnSpc>
                           <a:spcPct val="100000"/>
                         </a:lnSpc>
@@ -6520,7 +8888,7 @@
                         <a:buNone/>
                       </a:pPr>
                       <a:r>
-                        <a:rPr cap="none" sz="1100" i="0" b="0" u="none">
+                        <a:rPr sz="1100" b="0" i="0" u="none" cap="none">
                           <a:solidFill>
                             <a:srgbClr val="000000">
                               <a:alpha val="100000"/>
@@ -6528,27 +8896,26 @@
                           </a:solidFill>
                           <a:latin typeface="Arial"/>
                           <a:cs typeface="Arial"/>
-                          <a:ea typeface="Arial"/>
                           <a:sym typeface="Arial"/>
                         </a:rPr>
                         <a:t>0.13</a:t>
                       </a:r>
                     </a:p>
                   </a:txBody>
-                  <a:tcPr anchor="ctr" marB="63500" marT="63500" marR="0" marL="0">
-                    <a:lnL algn="ctr" cmpd="sng" cap="flat" w="0">
+                  <a:tcPr marL="0" marR="0" marT="63500" marB="63500" anchor="ctr">
+                    <a:lnL w="0" cap="flat" cmpd="sng" algn="ctr">
                       <a:noFill/>
                       <a:prstDash val="solid"/>
                     </a:lnL>
-                    <a:lnR algn="ctr" cmpd="sng" cap="flat" w="0">
+                    <a:lnR w="0" cap="flat" cmpd="sng" algn="ctr">
                       <a:noFill/>
                       <a:prstDash val="solid"/>
                     </a:lnR>
-                    <a:lnT algn="ctr" cmpd="sng" cap="flat" w="0">
+                    <a:lnT w="0" cap="flat" cmpd="sng" algn="ctr">
                       <a:noFill/>
                       <a:prstDash val="solid"/>
                     </a:lnT>
-                    <a:lnB algn="ctr" cmpd="sng" cap="flat" w="0">
+                    <a:lnB w="0" cap="flat" cmpd="sng" algn="ctr">
                       <a:noFill/>
                       <a:prstDash val="solid"/>
                     </a:lnB>
@@ -6564,7 +8931,7 @@
                     <a:bodyPr/>
                     <a:lstStyle/>
                     <a:p>
-                      <a:pPr algn="ctr" marL="63500" marR="63500">
+                      <a:pPr marL="63500" marR="63500" algn="ctr">
                         <a:lnSpc>
                           <a:spcPct val="100000"/>
                         </a:lnSpc>
@@ -6577,7 +8944,7 @@
                         <a:buNone/>
                       </a:pPr>
                       <a:r>
-                        <a:rPr cap="none" sz="1100" i="0" b="0" u="none">
+                        <a:rPr sz="1100" b="0" i="0" u="none" cap="none">
                           <a:solidFill>
                             <a:srgbClr val="000000">
                               <a:alpha val="100000"/>
@@ -6585,27 +8952,26 @@
                           </a:solidFill>
                           <a:latin typeface="Arial"/>
                           <a:cs typeface="Arial"/>
-                          <a:ea typeface="Arial"/>
                           <a:sym typeface="Arial"/>
                         </a:rPr>
                         <a:t>0.20</a:t>
                       </a:r>
                     </a:p>
                   </a:txBody>
-                  <a:tcPr anchor="ctr" marB="63500" marT="63500" marR="0" marL="0">
-                    <a:lnL algn="ctr" cmpd="sng" cap="flat" w="0">
+                  <a:tcPr marL="0" marR="0" marT="63500" marB="63500" anchor="ctr">
+                    <a:lnL w="0" cap="flat" cmpd="sng" algn="ctr">
                       <a:noFill/>
                       <a:prstDash val="solid"/>
                     </a:lnL>
-                    <a:lnR algn="ctr" cmpd="sng" cap="flat" w="0">
+                    <a:lnR w="0" cap="flat" cmpd="sng" algn="ctr">
                       <a:noFill/>
                       <a:prstDash val="solid"/>
                     </a:lnR>
-                    <a:lnT algn="ctr" cmpd="sng" cap="flat" w="0">
+                    <a:lnT w="0" cap="flat" cmpd="sng" algn="ctr">
                       <a:noFill/>
                       <a:prstDash val="solid"/>
                     </a:lnT>
-                    <a:lnB algn="ctr" cmpd="sng" cap="flat" w="0">
+                    <a:lnB w="0" cap="flat" cmpd="sng" algn="ctr">
                       <a:noFill/>
                       <a:prstDash val="solid"/>
                     </a:lnB>
@@ -6616,6 +8982,11 @@
                     </a:solidFill>
                   </a:tcPr>
                 </a:tc>
+                <a:extLst>
+                  <a:ext uri="{0D108BD9-81ED-4DB2-BD59-A6C34878D82A}">
+                    <a16:rowId xmlns:a16="http://schemas.microsoft.com/office/drawing/2014/main" val="10005"/>
+                  </a:ext>
+                </a:extLst>
               </a:tr>
               <a:tr h="228600">
                 <a:tc>
@@ -6623,7 +8994,7 @@
                     <a:bodyPr/>
                     <a:lstStyle/>
                     <a:p>
-                      <a:pPr algn="l" marL="63500" marR="63500">
+                      <a:pPr marL="63500" marR="63500" algn="l">
                         <a:lnSpc>
                           <a:spcPct val="100000"/>
                         </a:lnSpc>
@@ -6636,7 +9007,7 @@
                         <a:buNone/>
                       </a:pPr>
                       <a:r>
-                        <a:rPr cap="none" sz="1100" i="0" b="0" u="none">
+                        <a:rPr sz="1100" b="0" i="0" u="none" cap="none">
                           <a:solidFill>
                             <a:srgbClr val="000000">
                               <a:alpha val="100000"/>
@@ -6644,27 +9015,26 @@
                           </a:solidFill>
                           <a:latin typeface="Arial"/>
                           <a:cs typeface="Arial"/>
-                          <a:ea typeface="Arial"/>
                           <a:sym typeface="Arial"/>
                         </a:rPr>
                         <a:t>Number of hospitals listed with BM collection</a:t>
                       </a:r>
                     </a:p>
                   </a:txBody>
-                  <a:tcPr anchor="ctr" marB="63500" marT="63500" marR="0" marL="0">
-                    <a:lnL algn="ctr" cmpd="sng" cap="flat" w="0">
+                  <a:tcPr marL="0" marR="0" marT="63500" marB="63500" anchor="ctr">
+                    <a:lnL w="0" cap="flat" cmpd="sng" algn="ctr">
                       <a:noFill/>
                       <a:prstDash val="solid"/>
                     </a:lnL>
-                    <a:lnR algn="ctr" cmpd="sng" cap="flat" w="0">
+                    <a:lnR w="0" cap="flat" cmpd="sng" algn="ctr">
                       <a:noFill/>
                       <a:prstDash val="solid"/>
                     </a:lnR>
-                    <a:lnT algn="ctr" cmpd="sng" cap="flat" w="0">
+                    <a:lnT w="0" cap="flat" cmpd="sng" algn="ctr">
                       <a:noFill/>
                       <a:prstDash val="solid"/>
                     </a:lnT>
-                    <a:lnB algn="ctr" cmpd="sng" cap="flat" w="0">
+                    <a:lnB w="0" cap="flat" cmpd="sng" algn="ctr">
                       <a:noFill/>
                       <a:prstDash val="solid"/>
                     </a:lnB>
@@ -6680,7 +9050,7 @@
                     <a:bodyPr/>
                     <a:lstStyle/>
                     <a:p>
-                      <a:pPr algn="ctr" marL="63500" marR="63500">
+                      <a:pPr marL="63500" marR="63500" algn="ctr">
                         <a:lnSpc>
                           <a:spcPct val="100000"/>
                         </a:lnSpc>
@@ -6693,7 +9063,7 @@
                         <a:buNone/>
                       </a:pPr>
                       <a:r>
-                        <a:rPr cap="none" sz="1100" i="0" b="0" u="none">
+                        <a:rPr sz="1100" b="0" i="0" u="none" cap="none">
                           <a:solidFill>
                             <a:srgbClr val="000000">
                               <a:alpha val="100000"/>
@@ -6701,27 +9071,26 @@
                           </a:solidFill>
                           <a:latin typeface="Arial"/>
                           <a:cs typeface="Arial"/>
-                          <a:ea typeface="Arial"/>
                           <a:sym typeface="Arial"/>
                         </a:rPr>
                         <a:t>0.24</a:t>
                       </a:r>
                     </a:p>
                   </a:txBody>
-                  <a:tcPr anchor="ctr" marB="63500" marT="63500" marR="0" marL="0">
-                    <a:lnL algn="ctr" cmpd="sng" cap="flat" w="0">
+                  <a:tcPr marL="0" marR="0" marT="63500" marB="63500" anchor="ctr">
+                    <a:lnL w="0" cap="flat" cmpd="sng" algn="ctr">
                       <a:noFill/>
                       <a:prstDash val="solid"/>
                     </a:lnL>
-                    <a:lnR algn="ctr" cmpd="sng" cap="flat" w="0">
+                    <a:lnR w="0" cap="flat" cmpd="sng" algn="ctr">
                       <a:noFill/>
                       <a:prstDash val="solid"/>
                     </a:lnR>
-                    <a:lnT algn="ctr" cmpd="sng" cap="flat" w="0">
+                    <a:lnT w="0" cap="flat" cmpd="sng" algn="ctr">
                       <a:noFill/>
                       <a:prstDash val="solid"/>
                     </a:lnT>
-                    <a:lnB algn="ctr" cmpd="sng" cap="flat" w="0">
+                    <a:lnB w="0" cap="flat" cmpd="sng" algn="ctr">
                       <a:noFill/>
                       <a:prstDash val="solid"/>
                     </a:lnB>
@@ -6737,7 +9106,7 @@
                     <a:bodyPr/>
                     <a:lstStyle/>
                     <a:p>
-                      <a:pPr algn="ctr" marL="63500" marR="63500">
+                      <a:pPr marL="63500" marR="63500" algn="ctr">
                         <a:lnSpc>
                           <a:spcPct val="100000"/>
                         </a:lnSpc>
@@ -6750,7 +9119,7 @@
                         <a:buNone/>
                       </a:pPr>
                       <a:r>
-                        <a:rPr cap="none" sz="1100" i="0" b="0" u="none">
+                        <a:rPr sz="1100" b="0" i="0" u="none" cap="none">
                           <a:solidFill>
                             <a:srgbClr val="000000">
                               <a:alpha val="100000"/>
@@ -6758,27 +9127,26 @@
                           </a:solidFill>
                           <a:latin typeface="Arial"/>
                           <a:cs typeface="Arial"/>
-                          <a:ea typeface="Arial"/>
                           <a:sym typeface="Arial"/>
                         </a:rPr>
                         <a:t>0.20</a:t>
                       </a:r>
                     </a:p>
                   </a:txBody>
-                  <a:tcPr anchor="ctr" marB="63500" marT="63500" marR="0" marL="0">
-                    <a:lnL algn="ctr" cmpd="sng" cap="flat" w="0">
+                  <a:tcPr marL="0" marR="0" marT="63500" marB="63500" anchor="ctr">
+                    <a:lnL w="0" cap="flat" cmpd="sng" algn="ctr">
                       <a:noFill/>
                       <a:prstDash val="solid"/>
                     </a:lnL>
-                    <a:lnR algn="ctr" cmpd="sng" cap="flat" w="0">
+                    <a:lnR w="0" cap="flat" cmpd="sng" algn="ctr">
                       <a:noFill/>
                       <a:prstDash val="solid"/>
                     </a:lnR>
-                    <a:lnT algn="ctr" cmpd="sng" cap="flat" w="0">
+                    <a:lnT w="0" cap="flat" cmpd="sng" algn="ctr">
                       <a:noFill/>
                       <a:prstDash val="solid"/>
                     </a:lnT>
-                    <a:lnB algn="ctr" cmpd="sng" cap="flat" w="0">
+                    <a:lnB w="0" cap="flat" cmpd="sng" algn="ctr">
                       <a:noFill/>
                       <a:prstDash val="solid"/>
                     </a:lnB>
@@ -6794,7 +9162,7 @@
                     <a:bodyPr/>
                     <a:lstStyle/>
                     <a:p>
-                      <a:pPr algn="ctr" marL="63500" marR="63500">
+                      <a:pPr marL="63500" marR="63500" algn="ctr">
                         <a:lnSpc>
                           <a:spcPct val="100000"/>
                         </a:lnSpc>
@@ -6807,7 +9175,7 @@
                         <a:buNone/>
                       </a:pPr>
                       <a:r>
-                        <a:rPr cap="none" sz="1100" i="0" b="0" u="none">
+                        <a:rPr sz="1100" b="0" i="0" u="none" cap="none">
                           <a:solidFill>
                             <a:srgbClr val="000000">
                               <a:alpha val="100000"/>
@@ -6815,27 +9183,26 @@
                           </a:solidFill>
                           <a:latin typeface="Arial"/>
                           <a:cs typeface="Arial"/>
-                          <a:ea typeface="Arial"/>
                           <a:sym typeface="Arial"/>
                         </a:rPr>
                         <a:t>0.31</a:t>
                       </a:r>
                     </a:p>
                   </a:txBody>
-                  <a:tcPr anchor="ctr" marB="63500" marT="63500" marR="0" marL="0">
-                    <a:lnL algn="ctr" cmpd="sng" cap="flat" w="0">
+                  <a:tcPr marL="0" marR="0" marT="63500" marB="63500" anchor="ctr">
+                    <a:lnL w="0" cap="flat" cmpd="sng" algn="ctr">
                       <a:noFill/>
                       <a:prstDash val="solid"/>
                     </a:lnL>
-                    <a:lnR algn="ctr" cmpd="sng" cap="flat" w="0">
+                    <a:lnR w="0" cap="flat" cmpd="sng" algn="ctr">
                       <a:noFill/>
                       <a:prstDash val="solid"/>
                     </a:lnR>
-                    <a:lnT algn="ctr" cmpd="sng" cap="flat" w="0">
+                    <a:lnT w="0" cap="flat" cmpd="sng" algn="ctr">
                       <a:noFill/>
                       <a:prstDash val="solid"/>
                     </a:lnT>
-                    <a:lnB algn="ctr" cmpd="sng" cap="flat" w="0">
+                    <a:lnB w="0" cap="flat" cmpd="sng" algn="ctr">
                       <a:noFill/>
                       <a:prstDash val="solid"/>
                     </a:lnB>
@@ -6846,6 +9213,11 @@
                     </a:solidFill>
                   </a:tcPr>
                 </a:tc>
+                <a:extLst>
+                  <a:ext uri="{0D108BD9-81ED-4DB2-BD59-A6C34878D82A}">
+                    <a16:rowId xmlns:a16="http://schemas.microsoft.com/office/drawing/2014/main" val="10006"/>
+                  </a:ext>
+                </a:extLst>
               </a:tr>
               <a:tr h="228600">
                 <a:tc>
@@ -6853,7 +9225,7 @@
                     <a:bodyPr/>
                     <a:lstStyle/>
                     <a:p>
-                      <a:pPr algn="l" marL="63500" marR="63500">
+                      <a:pPr marL="63500" marR="63500" algn="l">
                         <a:lnSpc>
                           <a:spcPct val="100000"/>
                         </a:lnSpc>
@@ -6866,7 +9238,7 @@
                         <a:buNone/>
                       </a:pPr>
                       <a:r>
-                        <a:rPr cap="none" sz="1100" i="0" b="0" u="none">
+                        <a:rPr sz="1100" b="0" i="0" u="none" cap="none">
                           <a:solidFill>
                             <a:srgbClr val="000000">
                               <a:alpha val="100000"/>
@@ -6874,27 +9246,26 @@
                           </a:solidFill>
                           <a:latin typeface="Arial"/>
                           <a:cs typeface="Arial"/>
-                          <a:ea typeface="Arial"/>
                           <a:sym typeface="Arial"/>
                         </a:rPr>
                         <a:t>N</a:t>
                       </a:r>
                     </a:p>
                   </a:txBody>
-                  <a:tcPr anchor="ctr" marB="63500" marT="63500" marR="0" marL="0">
-                    <a:lnL algn="ctr" cmpd="sng" cap="flat" w="0">
+                  <a:tcPr marL="0" marR="0" marT="63500" marB="63500" anchor="ctr">
+                    <a:lnL w="0" cap="flat" cmpd="sng" algn="ctr">
                       <a:noFill/>
                       <a:prstDash val="solid"/>
                     </a:lnL>
-                    <a:lnR algn="ctr" cmpd="sng" cap="flat" w="0">
+                    <a:lnR w="0" cap="flat" cmpd="sng" algn="ctr">
                       <a:noFill/>
                       <a:prstDash val="solid"/>
                     </a:lnR>
-                    <a:lnT algn="ctr" cmpd="sng" cap="flat" w="0">
+                    <a:lnT w="0" cap="flat" cmpd="sng" algn="ctr">
                       <a:noFill/>
                       <a:prstDash val="solid"/>
                     </a:lnT>
-                    <a:lnB algn="ctr" cmpd="sng" cap="flat" w="12700">
+                    <a:lnB w="12700" cap="flat" cmpd="sng" algn="ctr">
                       <a:solidFill>
                         <a:srgbClr val="000000">
                           <a:alpha val="100000"/>
@@ -6914,7 +9285,7 @@
                     <a:bodyPr/>
                     <a:lstStyle/>
                     <a:p>
-                      <a:pPr algn="ctr" marL="63500" marR="63500">
+                      <a:pPr marL="63500" marR="63500" algn="ctr">
                         <a:lnSpc>
                           <a:spcPct val="100000"/>
                         </a:lnSpc>
@@ -6927,7 +9298,7 @@
                         <a:buNone/>
                       </a:pPr>
                       <a:r>
-                        <a:rPr cap="none" sz="1100" i="0" b="0" u="none">
+                        <a:rPr sz="1100" b="0" i="0" u="none" cap="none">
                           <a:solidFill>
                             <a:srgbClr val="000000">
                               <a:alpha val="100000"/>
@@ -6935,27 +9306,26 @@
                           </a:solidFill>
                           <a:latin typeface="Arial"/>
                           <a:cs typeface="Arial"/>
-                          <a:ea typeface="Arial"/>
                           <a:sym typeface="Arial"/>
                         </a:rPr>
                         <a:t>4980</a:t>
                       </a:r>
                     </a:p>
                   </a:txBody>
-                  <a:tcPr anchor="ctr" marB="63500" marT="63500" marR="0" marL="0">
-                    <a:lnL algn="ctr" cmpd="sng" cap="flat" w="0">
+                  <a:tcPr marL="0" marR="0" marT="63500" marB="63500" anchor="ctr">
+                    <a:lnL w="0" cap="flat" cmpd="sng" algn="ctr">
                       <a:noFill/>
                       <a:prstDash val="solid"/>
                     </a:lnL>
-                    <a:lnR algn="ctr" cmpd="sng" cap="flat" w="0">
+                    <a:lnR w="0" cap="flat" cmpd="sng" algn="ctr">
                       <a:noFill/>
                       <a:prstDash val="solid"/>
                     </a:lnR>
-                    <a:lnT algn="ctr" cmpd="sng" cap="flat" w="0">
+                    <a:lnT w="0" cap="flat" cmpd="sng" algn="ctr">
                       <a:noFill/>
                       <a:prstDash val="solid"/>
                     </a:lnT>
-                    <a:lnB algn="ctr" cmpd="sng" cap="flat" w="12700">
+                    <a:lnB w="12700" cap="flat" cmpd="sng" algn="ctr">
                       <a:solidFill>
                         <a:srgbClr val="000000">
                           <a:alpha val="100000"/>
@@ -6975,7 +9345,7 @@
                     <a:bodyPr/>
                     <a:lstStyle/>
                     <a:p>
-                      <a:pPr algn="ctr" marL="63500" marR="63500">
+                      <a:pPr marL="63500" marR="63500" algn="ctr">
                         <a:lnSpc>
                           <a:spcPct val="100000"/>
                         </a:lnSpc>
@@ -6988,7 +9358,7 @@
                         <a:buNone/>
                       </a:pPr>
                       <a:r>
-                        <a:rPr cap="none" sz="1100" i="0" b="0" u="none">
+                        <a:rPr sz="1100" b="0" i="0" u="none" cap="none">
                           <a:solidFill>
                             <a:srgbClr val="000000">
                               <a:alpha val="100000"/>
@@ -6996,27 +9366,26 @@
                           </a:solidFill>
                           <a:latin typeface="Arial"/>
                           <a:cs typeface="Arial"/>
-                          <a:ea typeface="Arial"/>
                           <a:sym typeface="Arial"/>
                         </a:rPr>
                         <a:t>2728</a:t>
                       </a:r>
                     </a:p>
                   </a:txBody>
-                  <a:tcPr anchor="ctr" marB="63500" marT="63500" marR="0" marL="0">
-                    <a:lnL algn="ctr" cmpd="sng" cap="flat" w="0">
+                  <a:tcPr marL="0" marR="0" marT="63500" marB="63500" anchor="ctr">
+                    <a:lnL w="0" cap="flat" cmpd="sng" algn="ctr">
                       <a:noFill/>
                       <a:prstDash val="solid"/>
                     </a:lnL>
-                    <a:lnR algn="ctr" cmpd="sng" cap="flat" w="0">
+                    <a:lnR w="0" cap="flat" cmpd="sng" algn="ctr">
                       <a:noFill/>
                       <a:prstDash val="solid"/>
                     </a:lnR>
-                    <a:lnT algn="ctr" cmpd="sng" cap="flat" w="0">
+                    <a:lnT w="0" cap="flat" cmpd="sng" algn="ctr">
                       <a:noFill/>
                       <a:prstDash val="solid"/>
                     </a:lnT>
-                    <a:lnB algn="ctr" cmpd="sng" cap="flat" w="12700">
+                    <a:lnB w="12700" cap="flat" cmpd="sng" algn="ctr">
                       <a:solidFill>
                         <a:srgbClr val="000000">
                           <a:alpha val="100000"/>
@@ -7036,7 +9405,7 @@
                     <a:bodyPr/>
                     <a:lstStyle/>
                     <a:p>
-                      <a:pPr algn="ctr" marL="63500" marR="63500">
+                      <a:pPr marL="63500" marR="63500" algn="ctr">
                         <a:lnSpc>
                           <a:spcPct val="100000"/>
                         </a:lnSpc>
@@ -7049,7 +9418,7 @@
                         <a:buNone/>
                       </a:pPr>
                       <a:r>
-                        <a:rPr cap="none" sz="1100" i="0" b="0" u="none">
+                        <a:rPr sz="1100" b="0" i="0" u="none" cap="none">
                           <a:solidFill>
                             <a:srgbClr val="000000">
                               <a:alpha val="100000"/>
@@ -7057,27 +9426,26 @@
                           </a:solidFill>
                           <a:latin typeface="Arial"/>
                           <a:cs typeface="Arial"/>
-                          <a:ea typeface="Arial"/>
                           <a:sym typeface="Arial"/>
                         </a:rPr>
                         <a:t>3341</a:t>
                       </a:r>
                     </a:p>
                   </a:txBody>
-                  <a:tcPr anchor="ctr" marB="63500" marT="63500" marR="0" marL="0">
-                    <a:lnL algn="ctr" cmpd="sng" cap="flat" w="0">
+                  <a:tcPr marL="0" marR="0" marT="63500" marB="63500" anchor="ctr">
+                    <a:lnL w="0" cap="flat" cmpd="sng" algn="ctr">
                       <a:noFill/>
                       <a:prstDash val="solid"/>
                     </a:lnL>
-                    <a:lnR algn="ctr" cmpd="sng" cap="flat" w="0">
+                    <a:lnR w="0" cap="flat" cmpd="sng" algn="ctr">
                       <a:noFill/>
                       <a:prstDash val="solid"/>
                     </a:lnR>
-                    <a:lnT algn="ctr" cmpd="sng" cap="flat" w="0">
+                    <a:lnT w="0" cap="flat" cmpd="sng" algn="ctr">
                       <a:noFill/>
                       <a:prstDash val="solid"/>
                     </a:lnT>
-                    <a:lnB algn="ctr" cmpd="sng" cap="flat" w="12700">
+                    <a:lnB w="12700" cap="flat" cmpd="sng" algn="ctr">
                       <a:solidFill>
                         <a:srgbClr val="000000">
                           <a:alpha val="100000"/>
@@ -7092,6 +9460,11 @@
                     </a:solidFill>
                   </a:tcPr>
                 </a:tc>
+                <a:extLst>
+                  <a:ext uri="{0D108BD9-81ED-4DB2-BD59-A6C34878D82A}">
+                    <a16:rowId xmlns:a16="http://schemas.microsoft.com/office/drawing/2014/main" val="10007"/>
+                  </a:ext>
+                </a:extLst>
               </a:tr>
             </a:tbl>
           </a:graphicData>
@@ -7099,10 +9472,13 @@
       </p:graphicFrame>
     </p:spTree>
   </p:cSld>
+  <p:clrMapOvr>
+    <a:masterClrMapping/>
+  </p:clrMapOvr>
 </p:sld>
 </file>
 
-<file path=ppt/slides/slide5.xml><?xml version="1.0" encoding="utf-8"?>
+<file path=ppt/slides/slide9.xml><?xml version="1.0" encoding="utf-8"?>
 <p:sld xmlns:a="http://schemas.openxmlformats.org/drawingml/2006/main" xmlns:r="http://schemas.openxmlformats.org/officeDocument/2006/relationships" xmlns:p="http://schemas.openxmlformats.org/presentationml/2006/main">
   <p:cSld>
     <p:spTree>
@@ -7134,11 +9510,11 @@
           <a:bodyPr/>
           <a:lstStyle/>
           <a:p>
-            <a:pPr lvl="0" indent="0" marL="0">
+            <a:pPr marL="0" lvl="0" indent="0">
               <a:buNone/>
             </a:pPr>
             <a:r>
-              <a:rPr/>
+              <a:rPr dirty="0"/>
               <a:t>個人属性の分布</a:t>
             </a:r>
           </a:p>
@@ -7146,7 +9522,7 @@
       </p:sp>
       <p:pic>
         <p:nvPicPr>
-          <p:cNvPr descr="targeting_files/figure-pptx/chacteristics-targeting-dist-1.png" id="0" name="Picture 1"/>
+          <p:cNvPr id="3" name="Picture 1" descr="targeting_files/figure-pptx/chacteristics-targeting-dist-1.png"/>
           <p:cNvPicPr>
             <a:picLocks noGrp="1" noChangeAspect="1"/>
           </p:cNvPicPr>
@@ -7176,154 +9552,9 @@
       </p:pic>
     </p:spTree>
   </p:cSld>
-</p:sld>
-</file>
-
-<file path=ppt/slides/slide6.xml><?xml version="1.0" encoding="utf-8"?>
-<p:sld xmlns:a="http://schemas.openxmlformats.org/drawingml/2006/main" xmlns:r="http://schemas.openxmlformats.org/officeDocument/2006/relationships" xmlns:p="http://schemas.openxmlformats.org/presentationml/2006/main">
-  <p:cSld>
-    <p:spTree>
-      <p:nvGrpSpPr>
-        <p:cNvPr id="1" name=""/>
-        <p:cNvGrpSpPr/>
-        <p:nvPr/>
-      </p:nvGrpSpPr>
-      <p:grpSpPr>
-        <a:xfrm>
-          <a:off x="0" y="0"/>
-          <a:ext cx="0" cy="0"/>
-          <a:chOff x="0" y="0"/>
-          <a:chExt cx="0" cy="0"/>
-        </a:xfrm>
-      </p:grpSpPr>
-      <p:sp>
-        <p:nvSpPr>
-          <p:cNvPr id="2" name="Title 1"/>
-          <p:cNvSpPr>
-            <a:spLocks noGrp="1"/>
-          </p:cNvSpPr>
-          <p:nvPr>
-            <p:ph type="title"/>
-          </p:nvPr>
-        </p:nvSpPr>
-        <p:spPr/>
-        <p:txBody>
-          <a:bodyPr/>
-          <a:lstStyle/>
-          <a:p>
-            <a:pPr lvl="0" indent="0" marL="0">
-              <a:buNone/>
-            </a:pPr>
-            <a:r>
-              <a:rPr/>
-              <a:t>単純な分割ルールによる政策効果（最大分割：２）</a:t>
-            </a:r>
-          </a:p>
-        </p:txBody>
-      </p:sp>
-      <p:sp>
-        <p:nvSpPr>
-          <p:cNvPr id="3" name="Content Placeholder 2"/>
-          <p:cNvSpPr>
-            <a:spLocks noGrp="1"/>
-          </p:cNvSpPr>
-          <p:nvPr>
-            <p:ph idx="1"/>
-          </p:nvPr>
-        </p:nvSpPr>
-        <p:spPr/>
-        <p:txBody>
-          <a:bodyPr/>
-          <a:lstStyle/>
-          <a:p>
-            <a:pPr lvl="0" indent="0">
-              <a:buNone/>
-            </a:pPr>
-            <a:r>
-              <a:rPr>
-                <a:latin typeface="Courier"/>
-              </a:rPr>
-              <a:t>## [1] 0.03198033</a:t>
-            </a:r>
-          </a:p>
-        </p:txBody>
-      </p:sp>
-    </p:spTree>
-  </p:cSld>
-</p:sld>
-</file>
-
-<file path=ppt/slides/slide7.xml><?xml version="1.0" encoding="utf-8"?>
-<p:sld xmlns:a="http://schemas.openxmlformats.org/drawingml/2006/main" xmlns:r="http://schemas.openxmlformats.org/officeDocument/2006/relationships" xmlns:p="http://schemas.openxmlformats.org/presentationml/2006/main">
-  <p:cSld>
-    <p:spTree>
-      <p:nvGrpSpPr>
-        <p:cNvPr id="1" name=""/>
-        <p:cNvGrpSpPr/>
-        <p:nvPr/>
-      </p:nvGrpSpPr>
-      <p:grpSpPr>
-        <a:xfrm>
-          <a:off x="0" y="0"/>
-          <a:ext cx="0" cy="0"/>
-          <a:chOff x="0" y="0"/>
-          <a:chExt cx="0" cy="0"/>
-        </a:xfrm>
-      </p:grpSpPr>
-      <p:sp>
-        <p:nvSpPr>
-          <p:cNvPr id="2" name="Title 1"/>
-          <p:cNvSpPr>
-            <a:spLocks noGrp="1"/>
-          </p:cNvSpPr>
-          <p:nvPr>
-            <p:ph type="title"/>
-          </p:nvPr>
-        </p:nvSpPr>
-        <p:spPr/>
-        <p:txBody>
-          <a:bodyPr/>
-          <a:lstStyle/>
-          <a:p>
-            <a:pPr lvl="0" indent="0" marL="0">
-              <a:buNone/>
-            </a:pPr>
-            <a:r>
-              <a:rPr/>
-              <a:t>単純な分割ルールによる政策効果（最大分割：３）</a:t>
-            </a:r>
-          </a:p>
-        </p:txBody>
-      </p:sp>
-      <p:sp>
-        <p:nvSpPr>
-          <p:cNvPr id="3" name="Content Placeholder 2"/>
-          <p:cNvSpPr>
-            <a:spLocks noGrp="1"/>
-          </p:cNvSpPr>
-          <p:nvPr>
-            <p:ph idx="1"/>
-          </p:nvPr>
-        </p:nvSpPr>
-        <p:spPr/>
-        <p:txBody>
-          <a:bodyPr/>
-          <a:lstStyle/>
-          <a:p>
-            <a:pPr lvl="0" indent="0">
-              <a:buNone/>
-            </a:pPr>
-            <a:r>
-              <a:rPr>
-                <a:latin typeface="Courier"/>
-              </a:rPr>
-              <a:t>## [1] 0.03130536</a:t>
-            </a:r>
-          </a:p>
-        </p:txBody>
-      </p:sp>
-    </p:spTree>
-  </p:cSld>
+  <p:clrMapOvr>
+    <a:masterClrMapping/>
+  </p:clrMapOvr>
 </p:sld>
 </file>
 
@@ -7645,265 +9876,4 @@
   </a:objectDefaults>
   <a:extraClrSchemeLst/>
 </a:theme>
-</file>
-
-<file path=ppt/theme/theme2.xml><?xml version="1.0" encoding="utf-8"?>
-<a:theme xmlns:a="http://schemas.openxmlformats.org/drawingml/2006/main" name="Office Theme">
-  <a:themeElements>
-    <a:clrScheme name="Office">
-      <a:dk1>
-        <a:sysClr val="windowText" lastClr="000000"/>
-      </a:dk1>
-      <a:lt1>
-        <a:sysClr val="window" lastClr="FFFFFF"/>
-      </a:lt1>
-      <a:dk2>
-        <a:srgbClr val="44546A"/>
-      </a:dk2>
-      <a:lt2>
-        <a:srgbClr val="E7E6E6"/>
-      </a:lt2>
-      <a:accent1>
-        <a:srgbClr val="5B9BD5"/>
-      </a:accent1>
-      <a:accent2>
-        <a:srgbClr val="ED7D31"/>
-      </a:accent2>
-      <a:accent3>
-        <a:srgbClr val="A5A5A5"/>
-      </a:accent3>
-      <a:accent4>
-        <a:srgbClr val="FFC000"/>
-      </a:accent4>
-      <a:accent5>
-        <a:srgbClr val="4472C4"/>
-      </a:accent5>
-      <a:accent6>
-        <a:srgbClr val="70AD47"/>
-      </a:accent6>
-      <a:hlink>
-        <a:srgbClr val="0563C1"/>
-      </a:hlink>
-      <a:folHlink>
-        <a:srgbClr val="954F72"/>
-      </a:folHlink>
-    </a:clrScheme>
-    <a:fontScheme name="Office">
-      <a:majorFont>
-        <a:latin typeface="Calibri Light" panose="020F0302020204030204"/>
-        <a:ea typeface=""/>
-        <a:cs typeface=""/>
-        <a:font script="Jpan" typeface="ＭＳ Ｐゴシック"/>
-        <a:font script="Hang" typeface="맑은 고딕"/>
-        <a:font script="Hans" typeface="宋体"/>
-        <a:font script="Hant" typeface="新細明體"/>
-        <a:font script="Arab" typeface="Times New Roman"/>
-        <a:font script="Hebr" typeface="Times New Roman"/>
-        <a:font script="Thai" typeface="Angsana New"/>
-        <a:font script="Ethi" typeface="Nyala"/>
-        <a:font script="Beng" typeface="Vrinda"/>
-        <a:font script="Gujr" typeface="Shruti"/>
-        <a:font script="Khmr" typeface="MoolBoran"/>
-        <a:font script="Knda" typeface="Tunga"/>
-        <a:font script="Guru" typeface="Raavi"/>
-        <a:font script="Cans" typeface="Euphemia"/>
-        <a:font script="Cher" typeface="Plantagenet Cherokee"/>
-        <a:font script="Yiii" typeface="Microsoft Yi Baiti"/>
-        <a:font script="Tibt" typeface="Microsoft Himalaya"/>
-        <a:font script="Thaa" typeface="MV Boli"/>
-        <a:font script="Deva" typeface="Mangal"/>
-        <a:font script="Telu" typeface="Gautami"/>
-        <a:font script="Taml" typeface="Latha"/>
-        <a:font script="Syrc" typeface="Estrangelo Edessa"/>
-        <a:font script="Orya" typeface="Kalinga"/>
-        <a:font script="Mlym" typeface="Kartika"/>
-        <a:font script="Laoo" typeface="DokChampa"/>
-        <a:font script="Sinh" typeface="Iskoola Pota"/>
-        <a:font script="Mong" typeface="Mongolian Baiti"/>
-        <a:font script="Viet" typeface="Times New Roman"/>
-        <a:font script="Uigh" typeface="Microsoft Uighur"/>
-        <a:font script="Geor" typeface="Sylfaen"/>
-      </a:majorFont>
-      <a:minorFont>
-        <a:latin typeface="Calibri" panose="020F0502020204030204"/>
-        <a:ea typeface=""/>
-        <a:cs typeface=""/>
-        <a:font script="Jpan" typeface="ＭＳ Ｐゴシック"/>
-        <a:font script="Hang" typeface="맑은 고딕"/>
-        <a:font script="Hans" typeface="宋体"/>
-        <a:font script="Hant" typeface="新細明體"/>
-        <a:font script="Arab" typeface="Arial"/>
-        <a:font script="Hebr" typeface="Arial"/>
-        <a:font script="Thai" typeface="Cordia New"/>
-        <a:font script="Ethi" typeface="Nyala"/>
-        <a:font script="Beng" typeface="Vrinda"/>
-        <a:font script="Gujr" typeface="Shruti"/>
-        <a:font script="Khmr" typeface="DaunPenh"/>
-        <a:font script="Knda" typeface="Tunga"/>
-        <a:font script="Guru" typeface="Raavi"/>
-        <a:font script="Cans" typeface="Euphemia"/>
-        <a:font script="Cher" typeface="Plantagenet Cherokee"/>
-        <a:font script="Yiii" typeface="Microsoft Yi Baiti"/>
-        <a:font script="Tibt" typeface="Microsoft Himalaya"/>
-        <a:font script="Thaa" typeface="MV Boli"/>
-        <a:font script="Deva" typeface="Mangal"/>
-        <a:font script="Telu" typeface="Gautami"/>
-        <a:font script="Taml" typeface="Latha"/>
-        <a:font script="Syrc" typeface="Estrangelo Edessa"/>
-        <a:font script="Orya" typeface="Kalinga"/>
-        <a:font script="Mlym" typeface="Kartika"/>
-        <a:font script="Laoo" typeface="DokChampa"/>
-        <a:font script="Sinh" typeface="Iskoola Pota"/>
-        <a:font script="Mong" typeface="Mongolian Baiti"/>
-        <a:font script="Viet" typeface="Arial"/>
-        <a:font script="Uigh" typeface="Microsoft Uighur"/>
-        <a:font script="Geor" typeface="Sylfaen"/>
-      </a:minorFont>
-    </a:fontScheme>
-    <a:fmtScheme name="Office">
-      <a:fillStyleLst>
-        <a:solidFill>
-          <a:schemeClr val="phClr"/>
-        </a:solidFill>
-        <a:gradFill rotWithShape="1">
-          <a:gsLst>
-            <a:gs pos="0">
-              <a:schemeClr val="phClr">
-                <a:lumMod val="110000"/>
-                <a:satMod val="105000"/>
-                <a:tint val="67000"/>
-              </a:schemeClr>
-            </a:gs>
-            <a:gs pos="50000">
-              <a:schemeClr val="phClr">
-                <a:lumMod val="105000"/>
-                <a:satMod val="103000"/>
-                <a:tint val="73000"/>
-              </a:schemeClr>
-            </a:gs>
-            <a:gs pos="100000">
-              <a:schemeClr val="phClr">
-                <a:lumMod val="105000"/>
-                <a:satMod val="109000"/>
-                <a:tint val="81000"/>
-              </a:schemeClr>
-            </a:gs>
-          </a:gsLst>
-          <a:lin ang="5400000" scaled="0"/>
-        </a:gradFill>
-        <a:gradFill rotWithShape="1">
-          <a:gsLst>
-            <a:gs pos="0">
-              <a:schemeClr val="phClr">
-                <a:satMod val="103000"/>
-                <a:lumMod val="102000"/>
-                <a:tint val="94000"/>
-              </a:schemeClr>
-            </a:gs>
-            <a:gs pos="50000">
-              <a:schemeClr val="phClr">
-                <a:satMod val="110000"/>
-                <a:lumMod val="100000"/>
-                <a:shade val="100000"/>
-              </a:schemeClr>
-            </a:gs>
-            <a:gs pos="100000">
-              <a:schemeClr val="phClr">
-                <a:lumMod val="99000"/>
-                <a:satMod val="120000"/>
-                <a:shade val="78000"/>
-              </a:schemeClr>
-            </a:gs>
-          </a:gsLst>
-          <a:lin ang="5400000" scaled="0"/>
-        </a:gradFill>
-      </a:fillStyleLst>
-      <a:lnStyleLst>
-        <a:ln w="6350" cap="flat" cmpd="sng" algn="ctr">
-          <a:solidFill>
-            <a:schemeClr val="phClr"/>
-          </a:solidFill>
-          <a:prstDash val="solid"/>
-          <a:miter lim="800000"/>
-        </a:ln>
-        <a:ln w="12700" cap="flat" cmpd="sng" algn="ctr">
-          <a:solidFill>
-            <a:schemeClr val="phClr"/>
-          </a:solidFill>
-          <a:prstDash val="solid"/>
-          <a:miter lim="800000"/>
-        </a:ln>
-        <a:ln w="19050" cap="flat" cmpd="sng" algn="ctr">
-          <a:solidFill>
-            <a:schemeClr val="phClr"/>
-          </a:solidFill>
-          <a:prstDash val="solid"/>
-          <a:miter lim="800000"/>
-        </a:ln>
-      </a:lnStyleLst>
-      <a:effectStyleLst>
-        <a:effectStyle>
-          <a:effectLst/>
-        </a:effectStyle>
-        <a:effectStyle>
-          <a:effectLst/>
-        </a:effectStyle>
-        <a:effectStyle>
-          <a:effectLst>
-            <a:outerShdw blurRad="57150" dist="19050" dir="5400000" algn="ctr" rotWithShape="0">
-              <a:srgbClr val="000000">
-                <a:alpha val="63000"/>
-              </a:srgbClr>
-            </a:outerShdw>
-          </a:effectLst>
-        </a:effectStyle>
-      </a:effectStyleLst>
-      <a:bgFillStyleLst>
-        <a:solidFill>
-          <a:schemeClr val="phClr"/>
-        </a:solidFill>
-        <a:solidFill>
-          <a:schemeClr val="phClr">
-            <a:tint val="95000"/>
-            <a:satMod val="170000"/>
-          </a:schemeClr>
-        </a:solidFill>
-        <a:gradFill rotWithShape="1">
-          <a:gsLst>
-            <a:gs pos="0">
-              <a:schemeClr val="phClr">
-                <a:tint val="93000"/>
-                <a:satMod val="150000"/>
-                <a:shade val="98000"/>
-                <a:lumMod val="102000"/>
-              </a:schemeClr>
-            </a:gs>
-            <a:gs pos="50000">
-              <a:schemeClr val="phClr">
-                <a:tint val="98000"/>
-                <a:satMod val="130000"/>
-                <a:shade val="90000"/>
-                <a:lumMod val="103000"/>
-              </a:schemeClr>
-            </a:gs>
-            <a:gs pos="100000">
-              <a:schemeClr val="phClr">
-                <a:shade val="63000"/>
-                <a:satMod val="120000"/>
-              </a:schemeClr>
-            </a:gs>
-          </a:gsLst>
-          <a:lin ang="5400000" scaled="0"/>
-        </a:gradFill>
-      </a:bgFillStyleLst>
-    </a:fmtScheme>
-  </a:themeElements>
-  <a:objectDefaults/>
-  <a:extraClrSchemeLst/>
-  <a:extLst>
-    <a:ext uri="{05A4C25C-085E-4340-85A3-A5531E510DB2}">
-      <thm15:themeFamily xmlns:thm15="http://schemas.microsoft.com/office/thememl/2012/main" name="Office Theme" id="{62F939B6-93AF-4DB8-9C6B-D6C7DFDC589F}" vid="{4A3C46E8-61CC-4603-A589-7422A47A8E4A}"/>
-    </a:ext>
-  </a:extLst>
-</a:theme>
 </file>